--- a/Apresentação/Estudo e Implementação de Reconfiguração Dinâmica.pptx
+++ b/Apresentação/Estudo e Implementação de Reconfiguração Dinâmica.pptx
@@ -3950,11 +3950,7 @@
           <a:p>
             <a:r>
               <a:rPr lang="pt-BR" dirty="0" smtClean="0"/>
-              <a:t>Lucas </a:t>
-            </a:r>
-            <a:r>
-              <a:rPr lang="pt-BR" dirty="0" smtClean="0"/>
-              <a:t>Sousa de Oliveira</a:t>
+              <a:t>Lucas Sousa de Oliveira</a:t>
             </a:r>
           </a:p>
           <a:p>
@@ -4319,13 +4315,13 @@
   <p:clrMapOvr>
     <a:masterClrMapping/>
   </p:clrMapOvr>
-  <mc:AlternateContent xmlns:mc="http://schemas.openxmlformats.org/markup-compatibility/2006">
-    <mc:Choice xmlns:p14="http://schemas.microsoft.com/office/powerpoint/2010/main" Requires="p14">
+  <mc:AlternateContent xmlns:mc="http://schemas.openxmlformats.org/markup-compatibility/2006" xmlns:p14="http://schemas.microsoft.com/office/powerpoint/2010/main">
+    <mc:Choice Requires="p14">
       <p:transition spd="med" p14:dur="700">
         <p:fade/>
       </p:transition>
     </mc:Choice>
-    <mc:Fallback>
+    <mc:Fallback xmlns="">
       <p:transition spd="med">
         <p:fade/>
       </p:transition>
@@ -4748,13 +4744,13 @@
   <p:clrMapOvr>
     <a:masterClrMapping/>
   </p:clrMapOvr>
-  <mc:AlternateContent xmlns:mc="http://schemas.openxmlformats.org/markup-compatibility/2006">
-    <mc:Choice xmlns:p14="http://schemas.microsoft.com/office/powerpoint/2010/main" Requires="p14">
+  <mc:AlternateContent xmlns:mc="http://schemas.openxmlformats.org/markup-compatibility/2006" xmlns:p14="http://schemas.microsoft.com/office/powerpoint/2010/main">
+    <mc:Choice Requires="p14">
       <p:transition spd="med" p14:dur="700">
         <p:fade/>
       </p:transition>
     </mc:Choice>
-    <mc:Fallback>
+    <mc:Fallback xmlns="">
       <p:transition spd="med">
         <p:fade/>
       </p:transition>
@@ -4982,7 +4978,7 @@
         </p:blipFill>
         <p:spPr>
           <a:xfrm>
-            <a:off x="1332000" y="2420888"/>
+            <a:off x="1332000" y="1844824"/>
             <a:ext cx="6480000" cy="1446665"/>
           </a:xfrm>
         </p:spPr>
@@ -5011,7 +5007,7 @@
         </p:blipFill>
         <p:spPr>
           <a:xfrm>
-            <a:off x="1332000" y="4077072"/>
+            <a:off x="1332000" y="3856030"/>
             <a:ext cx="6480000" cy="1445178"/>
           </a:xfrm>
         </p:spPr>
@@ -5058,7 +5054,6 @@
               <a:rPr lang="pt-BR" dirty="0"/>
               <a:t>Experimento 1</a:t>
             </a:r>
-            <a:endParaRPr lang="pt-BR" dirty="0"/>
           </a:p>
         </p:txBody>
       </p:sp>
@@ -5910,11 +5905,7 @@
             </a:pPr>
             <a:r>
               <a:rPr lang="pt-BR" dirty="0" smtClean="0"/>
-              <a:t>Reconfiguração Dinâm</a:t>
-            </a:r>
-            <a:r>
-              <a:rPr lang="pt-BR" dirty="0" smtClean="0"/>
-              <a:t>ica</a:t>
+              <a:t>Reconfiguração Dinâmica</a:t>
             </a:r>
           </a:p>
           <a:p>
@@ -7830,7 +7821,6 @@
               <a:rPr lang="pt-BR" dirty="0"/>
               <a:t>Revisão Bibliográfica</a:t>
             </a:r>
-            <a:endParaRPr lang="pt-BR" dirty="0"/>
           </a:p>
         </p:txBody>
       </p:sp>

--- a/Apresentação/Estudo e Implementação de Reconfiguração Dinâmica.pptx
+++ b/Apresentação/Estudo e Implementação de Reconfiguração Dinâmica.pptx
@@ -5,10 +5,10 @@
     <p:sldMasterId id="2147483648" r:id="rId1"/>
   </p:sldMasterIdLst>
   <p:notesMasterIdLst>
-    <p:notesMasterId r:id="rId28"/>
+    <p:notesMasterId r:id="rId29"/>
   </p:notesMasterIdLst>
   <p:handoutMasterIdLst>
-    <p:handoutMasterId r:id="rId29"/>
+    <p:handoutMasterId r:id="rId30"/>
   </p:handoutMasterIdLst>
   <p:sldIdLst>
     <p:sldId id="256" r:id="rId2"/>
@@ -23,20 +23,21 @@
     <p:sldId id="259" r:id="rId11"/>
     <p:sldId id="279" r:id="rId12"/>
     <p:sldId id="280" r:id="rId13"/>
-    <p:sldId id="281" r:id="rId14"/>
-    <p:sldId id="260" r:id="rId15"/>
-    <p:sldId id="261" r:id="rId16"/>
-    <p:sldId id="262" r:id="rId17"/>
-    <p:sldId id="263" r:id="rId18"/>
-    <p:sldId id="264" r:id="rId19"/>
-    <p:sldId id="265" r:id="rId20"/>
-    <p:sldId id="266" r:id="rId21"/>
-    <p:sldId id="267" r:id="rId22"/>
-    <p:sldId id="268" r:id="rId23"/>
-    <p:sldId id="269" r:id="rId24"/>
-    <p:sldId id="271" r:id="rId25"/>
-    <p:sldId id="270" r:id="rId26"/>
-    <p:sldId id="272" r:id="rId27"/>
+    <p:sldId id="283" r:id="rId14"/>
+    <p:sldId id="281" r:id="rId15"/>
+    <p:sldId id="260" r:id="rId16"/>
+    <p:sldId id="261" r:id="rId17"/>
+    <p:sldId id="262" r:id="rId18"/>
+    <p:sldId id="263" r:id="rId19"/>
+    <p:sldId id="264" r:id="rId20"/>
+    <p:sldId id="265" r:id="rId21"/>
+    <p:sldId id="266" r:id="rId22"/>
+    <p:sldId id="267" r:id="rId23"/>
+    <p:sldId id="268" r:id="rId24"/>
+    <p:sldId id="269" r:id="rId25"/>
+    <p:sldId id="271" r:id="rId26"/>
+    <p:sldId id="270" r:id="rId27"/>
+    <p:sldId id="272" r:id="rId28"/>
   </p:sldIdLst>
   <p:sldSz cx="9144000" cy="6858000" type="screen4x3"/>
   <p:notesSz cx="6858000" cy="9144000"/>
@@ -168,6 +169,7 @@
             <p14:sldId id="259"/>
             <p14:sldId id="279"/>
             <p14:sldId id="280"/>
+            <p14:sldId id="283"/>
             <p14:sldId id="281"/>
             <p14:sldId id="260"/>
             <p14:sldId id="261"/>
@@ -4785,7 +4787,7 @@
       </p:grpSpPr>
       <p:sp>
         <p:nvSpPr>
-          <p:cNvPr id="7" name="Título 6"/>
+          <p:cNvPr id="8" name="Título 7"/>
           <p:cNvSpPr>
             <a:spLocks noGrp="1"/>
           </p:cNvSpPr>
@@ -4800,20 +4802,49 @@
           <a:p>
             <a:r>
               <a:rPr lang="pt-BR" dirty="0" smtClean="0"/>
-              <a:t>Reconfiguração dinâmica</a:t>
+              <a:t>Kintex-7 KC705</a:t>
             </a:r>
             <a:endParaRPr lang="pt-BR" dirty="0"/>
           </a:p>
         </p:txBody>
       </p:sp>
-      <p:sp>
-        <p:nvSpPr>
-          <p:cNvPr id="8" name="Espaço Reservado para Texto 7"/>
-          <p:cNvSpPr>
-            <a:spLocks noGrp="1"/>
-          </p:cNvSpPr>
-          <p:nvPr>
-            <p:ph type="body" idx="1"/>
+      <p:pic>
+        <p:nvPicPr>
+          <p:cNvPr id="10" name="Espaço Reservado para Conteúdo 9"/>
+          <p:cNvPicPr>
+            <a:picLocks noGrp="1" noChangeAspect="1"/>
+          </p:cNvPicPr>
+          <p:nvPr>
+            <p:ph sz="half" idx="1"/>
+          </p:nvPr>
+        </p:nvPicPr>
+        <p:blipFill>
+          <a:blip r:embed="rId2" cstate="print">
+            <a:extLst>
+              <a:ext uri="{28A0092B-C50C-407E-A947-70E740481C1C}">
+                <a14:useLocalDpi xmlns:a14="http://schemas.microsoft.com/office/drawing/2010/main" val="0"/>
+              </a:ext>
+            </a:extLst>
+          </a:blip>
+          <a:stretch>
+            <a:fillRect/>
+          </a:stretch>
+        </p:blipFill>
+        <p:spPr>
+          <a:xfrm>
+            <a:off x="647700" y="2792918"/>
+            <a:ext cx="3657600" cy="2140527"/>
+          </a:xfrm>
+        </p:spPr>
+      </p:pic>
+      <p:sp>
+        <p:nvSpPr>
+          <p:cNvPr id="11" name="Espaço Reservado para Conteúdo 10"/>
+          <p:cNvSpPr>
+            <a:spLocks noGrp="1"/>
+          </p:cNvSpPr>
+          <p:nvPr>
+            <p:ph sz="half" idx="2"/>
           </p:nvPr>
         </p:nvSpPr>
         <p:spPr/>
@@ -4823,7 +4854,54 @@
           <a:p>
             <a:r>
               <a:rPr lang="pt-BR" dirty="0" smtClean="0"/>
-              <a:t>Experimento 1</a:t>
+              <a:t>XC7K325T-2FFG900C</a:t>
+            </a:r>
+          </a:p>
+          <a:p>
+            <a:r>
+              <a:rPr lang="pt-BR" dirty="0" smtClean="0"/>
+              <a:t>Leitor de cartão SD</a:t>
+            </a:r>
+          </a:p>
+          <a:p>
+            <a:r>
+              <a:rPr lang="pt-BR" dirty="0" smtClean="0"/>
+              <a:t>Conector </a:t>
+            </a:r>
+            <a:r>
+              <a:rPr lang="pt-BR" dirty="0" err="1" smtClean="0"/>
+              <a:t>PCIe</a:t>
+            </a:r>
+            <a:endParaRPr lang="pt-BR" dirty="0" smtClean="0"/>
+          </a:p>
+          <a:p>
+            <a:r>
+              <a:rPr lang="pt-BR" dirty="0" smtClean="0"/>
+              <a:t>Memória DDR3</a:t>
+            </a:r>
+          </a:p>
+          <a:p>
+            <a:r>
+              <a:rPr lang="pt-BR" dirty="0" smtClean="0"/>
+              <a:t>2x Memórias Flash</a:t>
+            </a:r>
+          </a:p>
+          <a:p>
+            <a:r>
+              <a:rPr lang="pt-BR" dirty="0" smtClean="0"/>
+              <a:t>Porta Ethernet</a:t>
+            </a:r>
+          </a:p>
+          <a:p>
+            <a:r>
+              <a:rPr lang="pt-BR" dirty="0" smtClean="0"/>
+              <a:t>Visor</a:t>
+            </a:r>
+          </a:p>
+          <a:p>
+            <a:r>
+              <a:rPr lang="pt-BR" dirty="0" smtClean="0"/>
+              <a:t>Outros...</a:t>
             </a:r>
             <a:endParaRPr lang="pt-BR" dirty="0"/>
           </a:p>
@@ -4831,7 +4909,7 @@
       </p:sp>
       <p:sp>
         <p:nvSpPr>
-          <p:cNvPr id="4" name="Espaço Reservado para Data 3"/>
+          <p:cNvPr id="5" name="Espaço Reservado para Data 4"/>
           <p:cNvSpPr>
             <a:spLocks noGrp="1"/>
           </p:cNvSpPr>
@@ -4854,7 +4932,7 @@
       </p:sp>
       <p:sp>
         <p:nvSpPr>
-          <p:cNvPr id="5" name="Espaço Reservado para Rodapé 4"/>
+          <p:cNvPr id="6" name="Espaço Reservado para Rodapé 5"/>
           <p:cNvSpPr>
             <a:spLocks noGrp="1"/>
           </p:cNvSpPr>
@@ -4867,13 +4945,17 @@
           <a:bodyPr/>
           <a:lstStyle/>
           <a:p>
-            <a:endParaRPr lang="pt-BR"/>
-          </a:p>
-        </p:txBody>
-      </p:sp>
-      <p:sp>
-        <p:nvSpPr>
-          <p:cNvPr id="6" name="Espaço Reservado para Número de Slide 5"/>
+            <a:r>
+              <a:rPr lang="pt-BR" dirty="0" smtClean="0"/>
+              <a:t>Experimentos</a:t>
+            </a:r>
+            <a:endParaRPr lang="pt-BR" dirty="0"/>
+          </a:p>
+        </p:txBody>
+      </p:sp>
+      <p:sp>
+        <p:nvSpPr>
+          <p:cNvPr id="7" name="Espaço Reservado para Número de Slide 6"/>
           <p:cNvSpPr>
             <a:spLocks noGrp="1"/>
           </p:cNvSpPr>
@@ -4897,20 +4979,13 @@
     </p:spTree>
     <p:extLst>
       <p:ext uri="{BB962C8B-B14F-4D97-AF65-F5344CB8AC3E}">
-        <p14:creationId xmlns:p14="http://schemas.microsoft.com/office/powerpoint/2010/main" val="4232592810"/>
+        <p14:creationId xmlns:p14="http://schemas.microsoft.com/office/powerpoint/2010/main" val="2984185610"/>
       </p:ext>
     </p:extLst>
   </p:cSld>
   <p:clrMapOvr>
     <a:masterClrMapping/>
   </p:clrMapOvr>
-  <p:timing>
-    <p:tnLst>
-      <p:par>
-        <p:cTn id="1" dur="indefinite" restart="never" nodeType="tmRoot"/>
-      </p:par>
-    </p:tnLst>
-  </p:timing>
 </p:sld>
 </file>
 
@@ -4933,7 +5008,7 @@
       </p:grpSpPr>
       <p:sp>
         <p:nvSpPr>
-          <p:cNvPr id="14" name="Título 13"/>
+          <p:cNvPr id="7" name="Título 6"/>
           <p:cNvSpPr>
             <a:spLocks noGrp="1"/>
           </p:cNvSpPr>
@@ -4948,70 +5023,35 @@
           <a:p>
             <a:r>
               <a:rPr lang="pt-BR" dirty="0" smtClean="0"/>
-              <a:t>Fluxo de Projeto</a:t>
+              <a:t>Reconfiguração dinâmica</a:t>
             </a:r>
             <a:endParaRPr lang="pt-BR" dirty="0"/>
           </a:p>
         </p:txBody>
       </p:sp>
-      <p:pic>
-        <p:nvPicPr>
-          <p:cNvPr id="12" name="Espaço Reservado para Conteúdo 11"/>
-          <p:cNvPicPr>
-            <a:picLocks noGrp="1" noChangeAspect="1"/>
-          </p:cNvPicPr>
-          <p:nvPr>
-            <p:ph sz="half" idx="1"/>
-          </p:nvPr>
-        </p:nvPicPr>
-        <p:blipFill>
-          <a:blip r:embed="rId2" cstate="print">
-            <a:extLst>
-              <a:ext uri="{28A0092B-C50C-407E-A947-70E740481C1C}">
-                <a14:useLocalDpi xmlns:a14="http://schemas.microsoft.com/office/drawing/2010/main" val="0"/>
-              </a:ext>
-            </a:extLst>
-          </a:blip>
-          <a:stretch>
-            <a:fillRect/>
-          </a:stretch>
-        </p:blipFill>
-        <p:spPr>
-          <a:xfrm>
-            <a:off x="1332000" y="1844824"/>
-            <a:ext cx="6480000" cy="1446665"/>
-          </a:xfrm>
-        </p:spPr>
-      </p:pic>
-      <p:pic>
-        <p:nvPicPr>
-          <p:cNvPr id="13" name="Espaço Reservado para Conteúdo 12"/>
-          <p:cNvPicPr>
-            <a:picLocks noGrp="1" noChangeAspect="1"/>
-          </p:cNvPicPr>
-          <p:nvPr>
-            <p:ph sz="half" idx="2"/>
-          </p:nvPr>
-        </p:nvPicPr>
-        <p:blipFill>
-          <a:blip r:embed="rId3" cstate="print">
-            <a:extLst>
-              <a:ext uri="{28A0092B-C50C-407E-A947-70E740481C1C}">
-                <a14:useLocalDpi xmlns:a14="http://schemas.microsoft.com/office/drawing/2010/main" val="0"/>
-              </a:ext>
-            </a:extLst>
-          </a:blip>
-          <a:stretch>
-            <a:fillRect/>
-          </a:stretch>
-        </p:blipFill>
-        <p:spPr>
-          <a:xfrm>
-            <a:off x="1332000" y="3856030"/>
-            <a:ext cx="6480000" cy="1445178"/>
-          </a:xfrm>
-        </p:spPr>
-      </p:pic>
+      <p:sp>
+        <p:nvSpPr>
+          <p:cNvPr id="8" name="Espaço Reservado para Texto 7"/>
+          <p:cNvSpPr>
+            <a:spLocks noGrp="1"/>
+          </p:cNvSpPr>
+          <p:nvPr>
+            <p:ph type="body" idx="1"/>
+          </p:nvPr>
+        </p:nvSpPr>
+        <p:spPr/>
+        <p:txBody>
+          <a:bodyPr/>
+          <a:lstStyle/>
+          <a:p>
+            <a:r>
+              <a:rPr lang="pt-BR" dirty="0" smtClean="0"/>
+              <a:t>Experimento 1</a:t>
+            </a:r>
+            <a:endParaRPr lang="pt-BR" dirty="0"/>
+          </a:p>
+        </p:txBody>
+      </p:sp>
       <p:sp>
         <p:nvSpPr>
           <p:cNvPr id="4" name="Espaço Reservado para Data 3"/>
@@ -5050,10 +5090,7 @@
           <a:bodyPr/>
           <a:lstStyle/>
           <a:p>
-            <a:r>
-              <a:rPr lang="pt-BR" dirty="0"/>
-              <a:t>Experimento 1</a:t>
-            </a:r>
+            <a:endParaRPr lang="pt-BR"/>
           </a:p>
         </p:txBody>
       </p:sp>
@@ -5083,7 +5120,7 @@
     </p:spTree>
     <p:extLst>
       <p:ext uri="{BB962C8B-B14F-4D97-AF65-F5344CB8AC3E}">
-        <p14:creationId xmlns:p14="http://schemas.microsoft.com/office/powerpoint/2010/main" val="2541514933"/>
+        <p14:creationId xmlns:p14="http://schemas.microsoft.com/office/powerpoint/2010/main" val="4232592810"/>
       </p:ext>
     </p:extLst>
   </p:cSld>
@@ -5119,7 +5156,7 @@
       </p:grpSpPr>
       <p:sp>
         <p:nvSpPr>
-          <p:cNvPr id="2" name="Título 1"/>
+          <p:cNvPr id="14" name="Título 13"/>
           <p:cNvSpPr>
             <a:spLocks noGrp="1"/>
           </p:cNvSpPr>
@@ -5134,31 +5171,70 @@
           <a:p>
             <a:r>
               <a:rPr lang="pt-BR" dirty="0" smtClean="0"/>
-              <a:t>Resultados</a:t>
+              <a:t>Fluxo de Projeto</a:t>
             </a:r>
             <a:endParaRPr lang="pt-BR" dirty="0"/>
           </a:p>
         </p:txBody>
       </p:sp>
-      <p:sp>
-        <p:nvSpPr>
-          <p:cNvPr id="3" name="Espaço Reservado para Conteúdo 2"/>
-          <p:cNvSpPr>
-            <a:spLocks noGrp="1"/>
-          </p:cNvSpPr>
-          <p:nvPr>
-            <p:ph idx="1"/>
-          </p:nvPr>
-        </p:nvSpPr>
-        <p:spPr/>
-        <p:txBody>
-          <a:bodyPr/>
-          <a:lstStyle/>
-          <a:p>
-            <a:endParaRPr lang="pt-BR"/>
-          </a:p>
-        </p:txBody>
-      </p:sp>
+      <p:pic>
+        <p:nvPicPr>
+          <p:cNvPr id="12" name="Espaço Reservado para Conteúdo 11"/>
+          <p:cNvPicPr>
+            <a:picLocks noGrp="1" noChangeAspect="1"/>
+          </p:cNvPicPr>
+          <p:nvPr>
+            <p:ph sz="half" idx="1"/>
+          </p:nvPr>
+        </p:nvPicPr>
+        <p:blipFill>
+          <a:blip r:embed="rId2" cstate="print">
+            <a:extLst>
+              <a:ext uri="{28A0092B-C50C-407E-A947-70E740481C1C}">
+                <a14:useLocalDpi xmlns:a14="http://schemas.microsoft.com/office/drawing/2010/main" val="0"/>
+              </a:ext>
+            </a:extLst>
+          </a:blip>
+          <a:stretch>
+            <a:fillRect/>
+          </a:stretch>
+        </p:blipFill>
+        <p:spPr>
+          <a:xfrm>
+            <a:off x="1332000" y="1844824"/>
+            <a:ext cx="6480000" cy="1446665"/>
+          </a:xfrm>
+        </p:spPr>
+      </p:pic>
+      <p:pic>
+        <p:nvPicPr>
+          <p:cNvPr id="13" name="Espaço Reservado para Conteúdo 12"/>
+          <p:cNvPicPr>
+            <a:picLocks noGrp="1" noChangeAspect="1"/>
+          </p:cNvPicPr>
+          <p:nvPr>
+            <p:ph sz="half" idx="2"/>
+          </p:nvPr>
+        </p:nvPicPr>
+        <p:blipFill>
+          <a:blip r:embed="rId3" cstate="print">
+            <a:extLst>
+              <a:ext uri="{28A0092B-C50C-407E-A947-70E740481C1C}">
+                <a14:useLocalDpi xmlns:a14="http://schemas.microsoft.com/office/drawing/2010/main" val="0"/>
+              </a:ext>
+            </a:extLst>
+          </a:blip>
+          <a:stretch>
+            <a:fillRect/>
+          </a:stretch>
+        </p:blipFill>
+        <p:spPr>
+          <a:xfrm>
+            <a:off x="1332000" y="3856030"/>
+            <a:ext cx="6480000" cy="1445178"/>
+          </a:xfrm>
+        </p:spPr>
+      </p:pic>
       <p:sp>
         <p:nvSpPr>
           <p:cNvPr id="4" name="Espaço Reservado para Data 3"/>
@@ -5197,7 +5273,10 @@
           <a:bodyPr/>
           <a:lstStyle/>
           <a:p>
-            <a:endParaRPr lang="pt-BR"/>
+            <a:r>
+              <a:rPr lang="pt-BR" dirty="0"/>
+              <a:t>Experimento 1</a:t>
+            </a:r>
           </a:p>
         </p:txBody>
       </p:sp>
@@ -5227,7 +5306,7 @@
     </p:spTree>
     <p:extLst>
       <p:ext uri="{BB962C8B-B14F-4D97-AF65-F5344CB8AC3E}">
-        <p14:creationId xmlns:p14="http://schemas.microsoft.com/office/powerpoint/2010/main" val="1010192082"/>
+        <p14:creationId xmlns:p14="http://schemas.microsoft.com/office/powerpoint/2010/main" val="2541514933"/>
       </p:ext>
     </p:extLst>
   </p:cSld>
@@ -5273,38 +5352,46 @@
         </p:nvSpPr>
         <p:spPr/>
         <p:txBody>
-          <a:bodyPr>
-            <a:normAutofit/>
-          </a:bodyPr>
+          <a:bodyPr/>
           <a:lstStyle/>
           <a:p>
             <a:r>
               <a:rPr lang="pt-BR" dirty="0" smtClean="0"/>
-              <a:t>Experimento 2</a:t>
+              <a:t>Comportamento</a:t>
             </a:r>
             <a:endParaRPr lang="pt-BR" dirty="0"/>
           </a:p>
         </p:txBody>
       </p:sp>
-      <p:sp>
-        <p:nvSpPr>
-          <p:cNvPr id="3" name="Espaço Reservado para Conteúdo 2"/>
-          <p:cNvSpPr>
-            <a:spLocks noGrp="1"/>
-          </p:cNvSpPr>
+      <p:pic>
+        <p:nvPicPr>
+          <p:cNvPr id="7" name="Espaço Reservado para Conteúdo 6"/>
+          <p:cNvPicPr>
+            <a:picLocks noGrp="1" noChangeAspect="1"/>
+          </p:cNvPicPr>
           <p:nvPr>
             <p:ph idx="1"/>
           </p:nvPr>
-        </p:nvSpPr>
-        <p:spPr/>
-        <p:txBody>
-          <a:bodyPr/>
-          <a:lstStyle/>
-          <a:p>
-            <a:endParaRPr lang="pt-BR"/>
-          </a:p>
-        </p:txBody>
-      </p:sp>
+        </p:nvPicPr>
+        <p:blipFill>
+          <a:blip r:embed="rId2">
+            <a:extLst>
+              <a:ext uri="{28A0092B-C50C-407E-A947-70E740481C1C}">
+                <a14:useLocalDpi xmlns:a14="http://schemas.microsoft.com/office/drawing/2010/main" val="0"/>
+              </a:ext>
+            </a:extLst>
+          </a:blip>
+          <a:stretch>
+            <a:fillRect/>
+          </a:stretch>
+        </p:blipFill>
+        <p:spPr>
+          <a:xfrm>
+            <a:off x="2514600" y="2125980"/>
+            <a:ext cx="4114800" cy="2606040"/>
+          </a:xfrm>
+        </p:spPr>
+      </p:pic>
       <p:sp>
         <p:nvSpPr>
           <p:cNvPr id="4" name="Espaço Reservado para Data 3"/>
@@ -5343,7 +5430,15 @@
           <a:bodyPr/>
           <a:lstStyle/>
           <a:p>
-            <a:endParaRPr lang="pt-BR"/>
+            <a:r>
+              <a:rPr lang="pt-BR" dirty="0"/>
+              <a:t>Experimento </a:t>
+            </a:r>
+            <a:r>
+              <a:rPr lang="pt-BR" dirty="0" smtClean="0"/>
+              <a:t>1</a:t>
+            </a:r>
+            <a:endParaRPr lang="pt-BR" dirty="0"/>
           </a:p>
         </p:txBody>
       </p:sp>
@@ -5373,7 +5468,7 @@
     </p:spTree>
     <p:extLst>
       <p:ext uri="{BB962C8B-B14F-4D97-AF65-F5344CB8AC3E}">
-        <p14:creationId xmlns:p14="http://schemas.microsoft.com/office/powerpoint/2010/main" val="1049227361"/>
+        <p14:creationId xmlns:p14="http://schemas.microsoft.com/office/powerpoint/2010/main" val="1010192082"/>
       </p:ext>
     </p:extLst>
   </p:cSld>
@@ -5419,12 +5514,14 @@
         </p:nvSpPr>
         <p:spPr/>
         <p:txBody>
-          <a:bodyPr/>
+          <a:bodyPr>
+            <a:normAutofit/>
+          </a:bodyPr>
           <a:lstStyle/>
           <a:p>
             <a:r>
               <a:rPr lang="pt-BR" dirty="0" smtClean="0"/>
-              <a:t>Resultados</a:t>
+              <a:t>Experimento 2</a:t>
             </a:r>
             <a:endParaRPr lang="pt-BR" dirty="0"/>
           </a:p>
@@ -5517,7 +5614,7 @@
     </p:spTree>
     <p:extLst>
       <p:ext uri="{BB962C8B-B14F-4D97-AF65-F5344CB8AC3E}">
-        <p14:creationId xmlns:p14="http://schemas.microsoft.com/office/powerpoint/2010/main" val="57921349"/>
+        <p14:creationId xmlns:p14="http://schemas.microsoft.com/office/powerpoint/2010/main" val="1049227361"/>
       </p:ext>
     </p:extLst>
   </p:cSld>
@@ -5563,14 +5660,12 @@
         </p:nvSpPr>
         <p:spPr/>
         <p:txBody>
-          <a:bodyPr>
-            <a:normAutofit/>
-          </a:bodyPr>
+          <a:bodyPr/>
           <a:lstStyle/>
           <a:p>
             <a:r>
               <a:rPr lang="pt-BR" dirty="0" smtClean="0"/>
-              <a:t>Experimento 3</a:t>
+              <a:t>Resultados</a:t>
             </a:r>
             <a:endParaRPr lang="pt-BR" dirty="0"/>
           </a:p>
@@ -5663,7 +5758,7 @@
     </p:spTree>
     <p:extLst>
       <p:ext uri="{BB962C8B-B14F-4D97-AF65-F5344CB8AC3E}">
-        <p14:creationId xmlns:p14="http://schemas.microsoft.com/office/powerpoint/2010/main" val="1238485748"/>
+        <p14:creationId xmlns:p14="http://schemas.microsoft.com/office/powerpoint/2010/main" val="57921349"/>
       </p:ext>
     </p:extLst>
   </p:cSld>
@@ -5709,12 +5804,14 @@
         </p:nvSpPr>
         <p:spPr/>
         <p:txBody>
-          <a:bodyPr/>
+          <a:bodyPr>
+            <a:normAutofit/>
+          </a:bodyPr>
           <a:lstStyle/>
           <a:p>
             <a:r>
               <a:rPr lang="pt-BR" dirty="0" smtClean="0"/>
-              <a:t>Resultados</a:t>
+              <a:t>Experimento 3</a:t>
             </a:r>
             <a:endParaRPr lang="pt-BR" dirty="0"/>
           </a:p>
@@ -5807,7 +5904,7 @@
     </p:spTree>
     <p:extLst>
       <p:ext uri="{BB962C8B-B14F-4D97-AF65-F5344CB8AC3E}">
-        <p14:creationId xmlns:p14="http://schemas.microsoft.com/office/powerpoint/2010/main" val="840518965"/>
+        <p14:creationId xmlns:p14="http://schemas.microsoft.com/office/powerpoint/2010/main" val="1238485748"/>
       </p:ext>
     </p:extLst>
   </p:cSld>
@@ -6079,14 +6176,12 @@
         </p:nvSpPr>
         <p:spPr/>
         <p:txBody>
-          <a:bodyPr>
-            <a:normAutofit/>
-          </a:bodyPr>
+          <a:bodyPr/>
           <a:lstStyle/>
           <a:p>
             <a:r>
               <a:rPr lang="pt-BR" dirty="0" smtClean="0"/>
-              <a:t>Experimento 4</a:t>
+              <a:t>Resultados</a:t>
             </a:r>
             <a:endParaRPr lang="pt-BR" dirty="0"/>
           </a:p>
@@ -6179,7 +6274,7 @@
     </p:spTree>
     <p:extLst>
       <p:ext uri="{BB962C8B-B14F-4D97-AF65-F5344CB8AC3E}">
-        <p14:creationId xmlns:p14="http://schemas.microsoft.com/office/powerpoint/2010/main" val="1631175770"/>
+        <p14:creationId xmlns:p14="http://schemas.microsoft.com/office/powerpoint/2010/main" val="840518965"/>
       </p:ext>
     </p:extLst>
   </p:cSld>
@@ -6225,12 +6320,14 @@
         </p:nvSpPr>
         <p:spPr/>
         <p:txBody>
-          <a:bodyPr/>
+          <a:bodyPr>
+            <a:normAutofit/>
+          </a:bodyPr>
           <a:lstStyle/>
           <a:p>
             <a:r>
               <a:rPr lang="pt-BR" dirty="0" smtClean="0"/>
-              <a:t>Resultados</a:t>
+              <a:t>Experimento 4</a:t>
             </a:r>
             <a:endParaRPr lang="pt-BR" dirty="0"/>
           </a:p>
@@ -6323,7 +6420,7 @@
     </p:spTree>
     <p:extLst>
       <p:ext uri="{BB962C8B-B14F-4D97-AF65-F5344CB8AC3E}">
-        <p14:creationId xmlns:p14="http://schemas.microsoft.com/office/powerpoint/2010/main" val="1178305631"/>
+        <p14:creationId xmlns:p14="http://schemas.microsoft.com/office/powerpoint/2010/main" val="1631175770"/>
       </p:ext>
     </p:extLst>
   </p:cSld>
@@ -6369,14 +6466,12 @@
         </p:nvSpPr>
         <p:spPr/>
         <p:txBody>
-          <a:bodyPr>
-            <a:normAutofit/>
-          </a:bodyPr>
+          <a:bodyPr/>
           <a:lstStyle/>
           <a:p>
             <a:r>
               <a:rPr lang="pt-BR" dirty="0" smtClean="0"/>
-              <a:t>Experimento 5</a:t>
+              <a:t>Resultados</a:t>
             </a:r>
             <a:endParaRPr lang="pt-BR" dirty="0"/>
           </a:p>
@@ -6469,7 +6564,7 @@
     </p:spTree>
     <p:extLst>
       <p:ext uri="{BB962C8B-B14F-4D97-AF65-F5344CB8AC3E}">
-        <p14:creationId xmlns:p14="http://schemas.microsoft.com/office/powerpoint/2010/main" val="669085642"/>
+        <p14:creationId xmlns:p14="http://schemas.microsoft.com/office/powerpoint/2010/main" val="1178305631"/>
       </p:ext>
     </p:extLst>
   </p:cSld>
@@ -6515,12 +6610,14 @@
         </p:nvSpPr>
         <p:spPr/>
         <p:txBody>
-          <a:bodyPr/>
+          <a:bodyPr>
+            <a:normAutofit/>
+          </a:bodyPr>
           <a:lstStyle/>
           <a:p>
             <a:r>
               <a:rPr lang="pt-BR" dirty="0" smtClean="0"/>
-              <a:t>Resultados</a:t>
+              <a:t>Experimento 5</a:t>
             </a:r>
             <a:endParaRPr lang="pt-BR" dirty="0"/>
           </a:p>
@@ -6613,7 +6710,7 @@
     </p:spTree>
     <p:extLst>
       <p:ext uri="{BB962C8B-B14F-4D97-AF65-F5344CB8AC3E}">
-        <p14:creationId xmlns:p14="http://schemas.microsoft.com/office/powerpoint/2010/main" val="1197866311"/>
+        <p14:creationId xmlns:p14="http://schemas.microsoft.com/office/powerpoint/2010/main" val="669085642"/>
       </p:ext>
     </p:extLst>
   </p:cSld>
@@ -6664,7 +6761,7 @@
           <a:p>
             <a:r>
               <a:rPr lang="pt-BR" dirty="0" smtClean="0"/>
-              <a:t>Resultados Gerais</a:t>
+              <a:t>Resultados</a:t>
             </a:r>
             <a:endParaRPr lang="pt-BR" dirty="0"/>
           </a:p>
@@ -6757,7 +6854,7 @@
     </p:spTree>
     <p:extLst>
       <p:ext uri="{BB962C8B-B14F-4D97-AF65-F5344CB8AC3E}">
-        <p14:creationId xmlns:p14="http://schemas.microsoft.com/office/powerpoint/2010/main" val="3117479486"/>
+        <p14:creationId xmlns:p14="http://schemas.microsoft.com/office/powerpoint/2010/main" val="1197866311"/>
       </p:ext>
     </p:extLst>
   </p:cSld>
@@ -6808,7 +6905,7 @@
           <a:p>
             <a:r>
               <a:rPr lang="pt-BR" dirty="0" smtClean="0"/>
-              <a:t>Fluxo de Projeto Final</a:t>
+              <a:t>Resultados Gerais</a:t>
             </a:r>
             <a:endParaRPr lang="pt-BR" dirty="0"/>
           </a:p>
@@ -6901,7 +6998,7 @@
     </p:spTree>
     <p:extLst>
       <p:ext uri="{BB962C8B-B14F-4D97-AF65-F5344CB8AC3E}">
-        <p14:creationId xmlns:p14="http://schemas.microsoft.com/office/powerpoint/2010/main" val="942896521"/>
+        <p14:creationId xmlns:p14="http://schemas.microsoft.com/office/powerpoint/2010/main" val="3117479486"/>
       </p:ext>
     </p:extLst>
   </p:cSld>
@@ -6952,6 +7049,150 @@
           <a:p>
             <a:r>
               <a:rPr lang="pt-BR" dirty="0" smtClean="0"/>
+              <a:t>Fluxo de Projeto Final</a:t>
+            </a:r>
+            <a:endParaRPr lang="pt-BR" dirty="0"/>
+          </a:p>
+        </p:txBody>
+      </p:sp>
+      <p:sp>
+        <p:nvSpPr>
+          <p:cNvPr id="3" name="Espaço Reservado para Conteúdo 2"/>
+          <p:cNvSpPr>
+            <a:spLocks noGrp="1"/>
+          </p:cNvSpPr>
+          <p:nvPr>
+            <p:ph idx="1"/>
+          </p:nvPr>
+        </p:nvSpPr>
+        <p:spPr/>
+        <p:txBody>
+          <a:bodyPr/>
+          <a:lstStyle/>
+          <a:p>
+            <a:endParaRPr lang="pt-BR"/>
+          </a:p>
+        </p:txBody>
+      </p:sp>
+      <p:sp>
+        <p:nvSpPr>
+          <p:cNvPr id="4" name="Espaço Reservado para Data 3"/>
+          <p:cNvSpPr>
+            <a:spLocks noGrp="1"/>
+          </p:cNvSpPr>
+          <p:nvPr>
+            <p:ph type="dt" sz="half" idx="10"/>
+          </p:nvPr>
+        </p:nvSpPr>
+        <p:spPr/>
+        <p:txBody>
+          <a:bodyPr/>
+          <a:lstStyle/>
+          <a:p>
+            <a:r>
+              <a:rPr lang="pt-BR" smtClean="0"/>
+              <a:t>16 de dezembro de 2013</a:t>
+            </a:r>
+            <a:endParaRPr lang="pt-BR"/>
+          </a:p>
+        </p:txBody>
+      </p:sp>
+      <p:sp>
+        <p:nvSpPr>
+          <p:cNvPr id="5" name="Espaço Reservado para Rodapé 4"/>
+          <p:cNvSpPr>
+            <a:spLocks noGrp="1"/>
+          </p:cNvSpPr>
+          <p:nvPr>
+            <p:ph type="ftr" sz="quarter" idx="11"/>
+          </p:nvPr>
+        </p:nvSpPr>
+        <p:spPr/>
+        <p:txBody>
+          <a:bodyPr/>
+          <a:lstStyle/>
+          <a:p>
+            <a:endParaRPr lang="pt-BR"/>
+          </a:p>
+        </p:txBody>
+      </p:sp>
+      <p:sp>
+        <p:nvSpPr>
+          <p:cNvPr id="6" name="Espaço Reservado para Número de Slide 5"/>
+          <p:cNvSpPr>
+            <a:spLocks noGrp="1"/>
+          </p:cNvSpPr>
+          <p:nvPr>
+            <p:ph type="sldNum" sz="quarter" idx="12"/>
+          </p:nvPr>
+        </p:nvSpPr>
+        <p:spPr/>
+        <p:txBody>
+          <a:bodyPr/>
+          <a:lstStyle/>
+          <a:p>
+            <a:fld id="{E15E65B2-3271-4EB1-B955-03EC741CF5EC}" type="slidenum">
+              <a:rPr lang="pt-BR" smtClean="0"/>
+              <a:t>26</a:t>
+            </a:fld>
+            <a:endParaRPr lang="pt-BR"/>
+          </a:p>
+        </p:txBody>
+      </p:sp>
+    </p:spTree>
+    <p:extLst>
+      <p:ext uri="{BB962C8B-B14F-4D97-AF65-F5344CB8AC3E}">
+        <p14:creationId xmlns:p14="http://schemas.microsoft.com/office/powerpoint/2010/main" val="942896521"/>
+      </p:ext>
+    </p:extLst>
+  </p:cSld>
+  <p:clrMapOvr>
+    <a:masterClrMapping/>
+  </p:clrMapOvr>
+  <p:timing>
+    <p:tnLst>
+      <p:par>
+        <p:cTn id="1" dur="indefinite" restart="never" nodeType="tmRoot"/>
+      </p:par>
+    </p:tnLst>
+  </p:timing>
+</p:sld>
+</file>
+
+<file path=ppt/slides/slide27.xml><?xml version="1.0" encoding="utf-8"?>
+<p:sld xmlns:a="http://schemas.openxmlformats.org/drawingml/2006/main" xmlns:r="http://schemas.openxmlformats.org/officeDocument/2006/relationships" xmlns:p="http://schemas.openxmlformats.org/presentationml/2006/main">
+  <p:cSld>
+    <p:spTree>
+      <p:nvGrpSpPr>
+        <p:cNvPr id="1" name=""/>
+        <p:cNvGrpSpPr/>
+        <p:nvPr/>
+      </p:nvGrpSpPr>
+      <p:grpSpPr>
+        <a:xfrm>
+          <a:off x="0" y="0"/>
+          <a:ext cx="0" cy="0"/>
+          <a:chOff x="0" y="0"/>
+          <a:chExt cx="0" cy="0"/>
+        </a:xfrm>
+      </p:grpSpPr>
+      <p:sp>
+        <p:nvSpPr>
+          <p:cNvPr id="2" name="Título 1"/>
+          <p:cNvSpPr>
+            <a:spLocks noGrp="1"/>
+          </p:cNvSpPr>
+          <p:nvPr>
+            <p:ph type="title"/>
+          </p:nvPr>
+        </p:nvSpPr>
+        <p:spPr/>
+        <p:txBody>
+          <a:bodyPr/>
+          <a:lstStyle/>
+          <a:p>
+            <a:r>
+              <a:rPr lang="pt-BR" dirty="0" smtClean="0"/>
               <a:t>Conclusão</a:t>
             </a:r>
             <a:endParaRPr lang="pt-BR" dirty="0"/>
@@ -7036,7 +7277,7 @@
           <a:p>
             <a:fld id="{E15E65B2-3271-4EB1-B955-03EC741CF5EC}" type="slidenum">
               <a:rPr lang="pt-BR" smtClean="0"/>
-              <a:t>26</a:t>
+              <a:t>27</a:t>
             </a:fld>
             <a:endParaRPr lang="pt-BR"/>
           </a:p>
@@ -8131,7 +8372,11 @@
           <a:bodyPr/>
           <a:lstStyle/>
           <a:p>
-            <a:endParaRPr lang="pt-BR"/>
+            <a:r>
+              <a:rPr lang="pt-BR" dirty="0" smtClean="0"/>
+              <a:t>Introdução</a:t>
+            </a:r>
+            <a:endParaRPr lang="pt-BR" dirty="0"/>
           </a:p>
         </p:txBody>
       </p:sp>

--- a/Apresentação/Estudo e Implementação de Reconfiguração Dinâmica.pptx
+++ b/Apresentação/Estudo e Implementação de Reconfiguração Dinâmica.pptx
@@ -5,10 +5,10 @@
     <p:sldMasterId id="2147483648" r:id="rId1"/>
   </p:sldMasterIdLst>
   <p:notesMasterIdLst>
-    <p:notesMasterId r:id="rId29"/>
+    <p:notesMasterId r:id="rId33"/>
   </p:notesMasterIdLst>
   <p:handoutMasterIdLst>
-    <p:handoutMasterId r:id="rId30"/>
+    <p:handoutMasterId r:id="rId34"/>
   </p:handoutMasterIdLst>
   <p:sldIdLst>
     <p:sldId id="256" r:id="rId2"/>
@@ -27,17 +27,21 @@
     <p:sldId id="281" r:id="rId15"/>
     <p:sldId id="260" r:id="rId16"/>
     <p:sldId id="261" r:id="rId17"/>
-    <p:sldId id="262" r:id="rId18"/>
-    <p:sldId id="263" r:id="rId19"/>
-    <p:sldId id="264" r:id="rId20"/>
-    <p:sldId id="265" r:id="rId21"/>
-    <p:sldId id="266" r:id="rId22"/>
-    <p:sldId id="267" r:id="rId23"/>
-    <p:sldId id="268" r:id="rId24"/>
-    <p:sldId id="269" r:id="rId25"/>
-    <p:sldId id="271" r:id="rId26"/>
-    <p:sldId id="270" r:id="rId27"/>
-    <p:sldId id="272" r:id="rId28"/>
+    <p:sldId id="284" r:id="rId18"/>
+    <p:sldId id="262" r:id="rId19"/>
+    <p:sldId id="263" r:id="rId20"/>
+    <p:sldId id="285" r:id="rId21"/>
+    <p:sldId id="286" r:id="rId22"/>
+    <p:sldId id="264" r:id="rId23"/>
+    <p:sldId id="265" r:id="rId24"/>
+    <p:sldId id="287" r:id="rId25"/>
+    <p:sldId id="266" r:id="rId26"/>
+    <p:sldId id="267" r:id="rId27"/>
+    <p:sldId id="268" r:id="rId28"/>
+    <p:sldId id="269" r:id="rId29"/>
+    <p:sldId id="271" r:id="rId30"/>
+    <p:sldId id="270" r:id="rId31"/>
+    <p:sldId id="272" r:id="rId32"/>
   </p:sldIdLst>
   <p:sldSz cx="9144000" cy="6858000" type="screen4x3"/>
   <p:notesSz cx="6858000" cy="9144000"/>
@@ -170,15 +174,39 @@
             <p14:sldId id="279"/>
             <p14:sldId id="280"/>
             <p14:sldId id="283"/>
+          </p14:sldIdLst>
+        </p14:section>
+        <p14:section name="Exp1" id="{44507A58-BA51-4172-B6A7-5CEEA16B79D2}">
+          <p14:sldIdLst>
             <p14:sldId id="281"/>
             <p14:sldId id="260"/>
             <p14:sldId id="261"/>
+            <p14:sldId id="284"/>
+          </p14:sldIdLst>
+        </p14:section>
+        <p14:section name="Exp2" id="{D6A0302D-ED07-41FF-B0E1-2A7FDB7087E3}">
+          <p14:sldIdLst>
             <p14:sldId id="262"/>
             <p14:sldId id="263"/>
+            <p14:sldId id="285"/>
+            <p14:sldId id="286"/>
+          </p14:sldIdLst>
+        </p14:section>
+        <p14:section name="Exp3" id="{B11C40DD-5F25-4F6C-9BD6-D74EA6A9E10D}">
+          <p14:sldIdLst>
             <p14:sldId id="264"/>
             <p14:sldId id="265"/>
+            <p14:sldId id="287"/>
+          </p14:sldIdLst>
+        </p14:section>
+        <p14:section name="Exp4" id="{2177F082-25EC-4EFD-86B5-0F0767EF76BA}">
+          <p14:sldIdLst>
             <p14:sldId id="266"/>
             <p14:sldId id="267"/>
+          </p14:sldIdLst>
+        </p14:section>
+        <p14:section name="Exp5" id="{D4F404D7-3558-4F8B-8022-B26DDB3CE05F}">
+          <p14:sldIdLst>
             <p14:sldId id="268"/>
             <p14:sldId id="269"/>
           </p14:sldIdLst>
@@ -823,6 +851,237 @@
     <p:extLst>
       <p:ext uri="{BB962C8B-B14F-4D97-AF65-F5344CB8AC3E}">
         <p14:creationId xmlns:p14="http://schemas.microsoft.com/office/powerpoint/2010/main" val="4211044261"/>
+      </p:ext>
+    </p:extLst>
+  </p:cSld>
+  <p:clrMapOvr>
+    <a:masterClrMapping/>
+  </p:clrMapOvr>
+</p:notes>
+</file>
+
+<file path=ppt/notesSlides/notesSlide2.xml><?xml version="1.0" encoding="utf-8"?>
+<p:notes xmlns:a="http://schemas.openxmlformats.org/drawingml/2006/main" xmlns:r="http://schemas.openxmlformats.org/officeDocument/2006/relationships" xmlns:p="http://schemas.openxmlformats.org/presentationml/2006/main">
+  <p:cSld>
+    <p:spTree>
+      <p:nvGrpSpPr>
+        <p:cNvPr id="1" name=""/>
+        <p:cNvGrpSpPr/>
+        <p:nvPr/>
+      </p:nvGrpSpPr>
+      <p:grpSpPr>
+        <a:xfrm>
+          <a:off x="0" y="0"/>
+          <a:ext cx="0" cy="0"/>
+          <a:chOff x="0" y="0"/>
+          <a:chExt cx="0" cy="0"/>
+        </a:xfrm>
+      </p:grpSpPr>
+      <p:sp>
+        <p:nvSpPr>
+          <p:cNvPr id="2" name="Espaço Reservado para Imagem de Slide 1"/>
+          <p:cNvSpPr>
+            <a:spLocks noGrp="1" noRot="1" noChangeAspect="1"/>
+          </p:cNvSpPr>
+          <p:nvPr>
+            <p:ph type="sldImg"/>
+          </p:nvPr>
+        </p:nvSpPr>
+        <p:spPr/>
+      </p:sp>
+      <p:sp>
+        <p:nvSpPr>
+          <p:cNvPr id="3" name="Espaço Reservado para Anotações 2"/>
+          <p:cNvSpPr>
+            <a:spLocks noGrp="1"/>
+          </p:cNvSpPr>
+          <p:nvPr>
+            <p:ph type="body" idx="1"/>
+          </p:nvPr>
+        </p:nvSpPr>
+        <p:spPr/>
+        <p:txBody>
+          <a:bodyPr/>
+          <a:lstStyle/>
+          <a:p>
+            <a:endParaRPr lang="pt-BR" dirty="0"/>
+          </a:p>
+        </p:txBody>
+      </p:sp>
+      <p:sp>
+        <p:nvSpPr>
+          <p:cNvPr id="4" name="Espaço Reservado para Cabeçalho 3"/>
+          <p:cNvSpPr>
+            <a:spLocks noGrp="1"/>
+          </p:cNvSpPr>
+          <p:nvPr>
+            <p:ph type="hdr" sz="quarter" idx="10"/>
+          </p:nvPr>
+        </p:nvSpPr>
+        <p:spPr/>
+        <p:txBody>
+          <a:bodyPr/>
+          <a:lstStyle/>
+          <a:p>
+            <a:r>
+              <a:rPr lang="pt-BR" smtClean="0"/>
+              <a:t>Trabalho de Graduação - Lucas Sousa de Oliveira</a:t>
+            </a:r>
+            <a:endParaRPr lang="pt-BR"/>
+          </a:p>
+        </p:txBody>
+      </p:sp>
+      <p:sp>
+        <p:nvSpPr>
+          <p:cNvPr id="5" name="Espaço Reservado para Número de Slide 4"/>
+          <p:cNvSpPr>
+            <a:spLocks noGrp="1"/>
+          </p:cNvSpPr>
+          <p:nvPr>
+            <p:ph type="sldNum" sz="quarter" idx="11"/>
+          </p:nvPr>
+        </p:nvSpPr>
+        <p:spPr/>
+        <p:txBody>
+          <a:bodyPr/>
+          <a:lstStyle/>
+          <a:p>
+            <a:fld id="{1E44202D-4052-406C-9FDC-32FFB5B9FC5A}" type="slidenum">
+              <a:rPr lang="pt-BR" smtClean="0"/>
+              <a:t>20</a:t>
+            </a:fld>
+            <a:endParaRPr lang="pt-BR"/>
+          </a:p>
+        </p:txBody>
+      </p:sp>
+    </p:spTree>
+    <p:extLst>
+      <p:ext uri="{BB962C8B-B14F-4D97-AF65-F5344CB8AC3E}">
+        <p14:creationId xmlns:p14="http://schemas.microsoft.com/office/powerpoint/2010/main" val="1333983335"/>
+      </p:ext>
+    </p:extLst>
+  </p:cSld>
+  <p:clrMapOvr>
+    <a:masterClrMapping/>
+  </p:clrMapOvr>
+</p:notes>
+</file>
+
+<file path=ppt/notesSlides/notesSlide3.xml><?xml version="1.0" encoding="utf-8"?>
+<p:notes xmlns:a="http://schemas.openxmlformats.org/drawingml/2006/main" xmlns:r="http://schemas.openxmlformats.org/officeDocument/2006/relationships" xmlns:p="http://schemas.openxmlformats.org/presentationml/2006/main">
+  <p:cSld>
+    <p:spTree>
+      <p:nvGrpSpPr>
+        <p:cNvPr id="1" name=""/>
+        <p:cNvGrpSpPr/>
+        <p:nvPr/>
+      </p:nvGrpSpPr>
+      <p:grpSpPr>
+        <a:xfrm>
+          <a:off x="0" y="0"/>
+          <a:ext cx="0" cy="0"/>
+          <a:chOff x="0" y="0"/>
+          <a:chExt cx="0" cy="0"/>
+        </a:xfrm>
+      </p:grpSpPr>
+      <p:sp>
+        <p:nvSpPr>
+          <p:cNvPr id="2" name="Espaço Reservado para Imagem de Slide 1"/>
+          <p:cNvSpPr>
+            <a:spLocks noGrp="1" noRot="1" noChangeAspect="1"/>
+          </p:cNvSpPr>
+          <p:nvPr>
+            <p:ph type="sldImg"/>
+          </p:nvPr>
+        </p:nvSpPr>
+        <p:spPr/>
+      </p:sp>
+      <p:sp>
+        <p:nvSpPr>
+          <p:cNvPr id="3" name="Espaço Reservado para Anotações 2"/>
+          <p:cNvSpPr>
+            <a:spLocks noGrp="1"/>
+          </p:cNvSpPr>
+          <p:nvPr>
+            <p:ph type="body" idx="1"/>
+          </p:nvPr>
+        </p:nvSpPr>
+        <p:spPr/>
+        <p:txBody>
+          <a:bodyPr/>
+          <a:lstStyle/>
+          <a:p>
+            <a:r>
+              <a:rPr lang="pt-BR" dirty="0" smtClean="0"/>
+              <a:t>Já que eu já estou carregando</a:t>
+            </a:r>
+            <a:r>
+              <a:rPr lang="pt-BR" baseline="0" dirty="0" smtClean="0"/>
+              <a:t> informações da memória Flash, e se eu aproveitar e interpretar o arquivo binário.</a:t>
+            </a:r>
+          </a:p>
+          <a:p>
+            <a:r>
+              <a:rPr lang="pt-BR" baseline="0" dirty="0" smtClean="0"/>
+              <a:t>Até porque carregar por carregar eu já testei no </a:t>
+            </a:r>
+            <a:r>
+              <a:rPr lang="pt-BR" baseline="0" smtClean="0"/>
+              <a:t>experimento anterior.</a:t>
+            </a:r>
+          </a:p>
+        </p:txBody>
+      </p:sp>
+      <p:sp>
+        <p:nvSpPr>
+          <p:cNvPr id="4" name="Espaço Reservado para Cabeçalho 3"/>
+          <p:cNvSpPr>
+            <a:spLocks noGrp="1"/>
+          </p:cNvSpPr>
+          <p:nvPr>
+            <p:ph type="hdr" sz="quarter" idx="10"/>
+          </p:nvPr>
+        </p:nvSpPr>
+        <p:spPr/>
+        <p:txBody>
+          <a:bodyPr/>
+          <a:lstStyle/>
+          <a:p>
+            <a:r>
+              <a:rPr lang="pt-BR" smtClean="0"/>
+              <a:t>Trabalho de Graduação - Lucas Sousa de Oliveira</a:t>
+            </a:r>
+            <a:endParaRPr lang="pt-BR"/>
+          </a:p>
+        </p:txBody>
+      </p:sp>
+      <p:sp>
+        <p:nvSpPr>
+          <p:cNvPr id="5" name="Espaço Reservado para Número de Slide 4"/>
+          <p:cNvSpPr>
+            <a:spLocks noGrp="1"/>
+          </p:cNvSpPr>
+          <p:nvPr>
+            <p:ph type="sldNum" sz="quarter" idx="11"/>
+          </p:nvPr>
+        </p:nvSpPr>
+        <p:spPr/>
+        <p:txBody>
+          <a:bodyPr/>
+          <a:lstStyle/>
+          <a:p>
+            <a:fld id="{1E44202D-4052-406C-9FDC-32FFB5B9FC5A}" type="slidenum">
+              <a:rPr lang="pt-BR" smtClean="0"/>
+              <a:t>24</a:t>
+            </a:fld>
+            <a:endParaRPr lang="pt-BR"/>
+          </a:p>
+        </p:txBody>
+      </p:sp>
+    </p:spTree>
+    <p:extLst>
+      <p:ext uri="{BB962C8B-B14F-4D97-AF65-F5344CB8AC3E}">
+        <p14:creationId xmlns:p14="http://schemas.microsoft.com/office/powerpoint/2010/main" val="1900265468"/>
       </p:ext>
     </p:extLst>
   </p:cSld>
@@ -5514,14 +5773,12 @@
         </p:nvSpPr>
         <p:spPr/>
         <p:txBody>
-          <a:bodyPr>
-            <a:normAutofit/>
-          </a:bodyPr>
+          <a:bodyPr/>
           <a:lstStyle/>
           <a:p>
             <a:r>
               <a:rPr lang="pt-BR" dirty="0" smtClean="0"/>
-              <a:t>Experimento 2</a:t>
+              <a:t>Resultado</a:t>
             </a:r>
             <a:endParaRPr lang="pt-BR" dirty="0"/>
           </a:p>
@@ -5529,23 +5786,64 @@
       </p:sp>
       <p:sp>
         <p:nvSpPr>
-          <p:cNvPr id="3" name="Espaço Reservado para Conteúdo 2"/>
-          <p:cNvSpPr>
-            <a:spLocks noGrp="1"/>
-          </p:cNvSpPr>
-          <p:nvPr>
-            <p:ph idx="1"/>
-          </p:nvPr>
-        </p:nvSpPr>
-        <p:spPr/>
-        <p:txBody>
-          <a:bodyPr/>
-          <a:lstStyle/>
-          <a:p>
-            <a:endParaRPr lang="pt-BR"/>
-          </a:p>
-        </p:txBody>
-      </p:sp>
+          <p:cNvPr id="13" name="Espaço Reservado para Conteúdo 12"/>
+          <p:cNvSpPr>
+            <a:spLocks noGrp="1"/>
+          </p:cNvSpPr>
+          <p:nvPr>
+            <p:ph sz="half" idx="1"/>
+          </p:nvPr>
+        </p:nvSpPr>
+        <p:spPr>
+          <a:xfrm>
+            <a:off x="457200" y="1600200"/>
+            <a:ext cx="4834880" cy="4525963"/>
+          </a:xfrm>
+        </p:spPr>
+        <p:txBody>
+          <a:bodyPr/>
+          <a:lstStyle/>
+          <a:p>
+            <a:pPr marL="0" indent="0">
+              <a:buNone/>
+            </a:pPr>
+            <a:r>
+              <a:rPr lang="pt-BR" dirty="0" smtClean="0"/>
+              <a:t>Experimento bem sucedido</a:t>
+            </a:r>
+            <a:endParaRPr lang="pt-BR" dirty="0"/>
+          </a:p>
+        </p:txBody>
+      </p:sp>
+      <p:pic>
+        <p:nvPicPr>
+          <p:cNvPr id="15" name="Espaço Reservado para Conteúdo 14"/>
+          <p:cNvPicPr>
+            <a:picLocks noGrp="1" noChangeAspect="1"/>
+          </p:cNvPicPr>
+          <p:nvPr>
+            <p:ph sz="half" idx="2"/>
+          </p:nvPr>
+        </p:nvPicPr>
+        <p:blipFill>
+          <a:blip r:embed="rId2" cstate="print">
+            <a:extLst>
+              <a:ext uri="{28A0092B-C50C-407E-A947-70E740481C1C}">
+                <a14:useLocalDpi xmlns:a14="http://schemas.microsoft.com/office/drawing/2010/main" val="0"/>
+              </a:ext>
+            </a:extLst>
+          </a:blip>
+          <a:stretch>
+            <a:fillRect/>
+          </a:stretch>
+        </p:blipFill>
+        <p:spPr>
+          <a:xfrm>
+            <a:off x="5378557" y="1600200"/>
+            <a:ext cx="2577886" cy="4525963"/>
+          </a:xfrm>
+        </p:spPr>
+      </p:pic>
       <p:sp>
         <p:nvSpPr>
           <p:cNvPr id="4" name="Espaço Reservado para Data 3"/>
@@ -5584,7 +5882,11 @@
           <a:bodyPr/>
           <a:lstStyle/>
           <a:p>
-            <a:endParaRPr lang="pt-BR"/>
+            <a:r>
+              <a:rPr lang="pt-BR" smtClean="0"/>
+              <a:t>Experimento 1</a:t>
+            </a:r>
+            <a:endParaRPr lang="pt-BR" dirty="0"/>
           </a:p>
         </p:txBody>
       </p:sp>
@@ -5605,6 +5907,7 @@
           <a:p>
             <a:fld id="{E15E65B2-3271-4EB1-B955-03EC741CF5EC}" type="slidenum">
               <a:rPr lang="pt-BR" smtClean="0"/>
+              <a:pPr/>
               <a:t>17</a:t>
             </a:fld>
             <a:endParaRPr lang="pt-BR"/>
@@ -5614,7 +5917,7 @@
     </p:spTree>
     <p:extLst>
       <p:ext uri="{BB962C8B-B14F-4D97-AF65-F5344CB8AC3E}">
-        <p14:creationId xmlns:p14="http://schemas.microsoft.com/office/powerpoint/2010/main" val="1049227361"/>
+        <p14:creationId xmlns:p14="http://schemas.microsoft.com/office/powerpoint/2010/main" val="1077336771"/>
       </p:ext>
     </p:extLst>
   </p:cSld>
@@ -5660,12 +5963,14 @@
         </p:nvSpPr>
         <p:spPr/>
         <p:txBody>
-          <a:bodyPr/>
+          <a:bodyPr>
+            <a:normAutofit/>
+          </a:bodyPr>
           <a:lstStyle/>
           <a:p>
             <a:r>
               <a:rPr lang="pt-BR" dirty="0" smtClean="0"/>
-              <a:t>Resultados</a:t>
+              <a:t>Memórias</a:t>
             </a:r>
             <a:endParaRPr lang="pt-BR" dirty="0"/>
           </a:p>
@@ -5673,20 +5978,23 @@
       </p:sp>
       <p:sp>
         <p:nvSpPr>
-          <p:cNvPr id="3" name="Espaço Reservado para Conteúdo 2"/>
-          <p:cNvSpPr>
-            <a:spLocks noGrp="1"/>
-          </p:cNvSpPr>
-          <p:nvPr>
-            <p:ph idx="1"/>
-          </p:nvPr>
-        </p:nvSpPr>
-        <p:spPr/>
-        <p:txBody>
-          <a:bodyPr/>
-          <a:lstStyle/>
-          <a:p>
-            <a:endParaRPr lang="pt-BR"/>
+          <p:cNvPr id="7" name="Espaço Reservado para Texto 6"/>
+          <p:cNvSpPr>
+            <a:spLocks noGrp="1"/>
+          </p:cNvSpPr>
+          <p:nvPr>
+            <p:ph type="body" idx="1"/>
+          </p:nvPr>
+        </p:nvSpPr>
+        <p:spPr/>
+        <p:txBody>
+          <a:bodyPr/>
+          <a:lstStyle/>
+          <a:p>
+            <a:r>
+              <a:rPr lang="pt-BR" dirty="0"/>
+              <a:t>Experimento 2</a:t>
+            </a:r>
           </a:p>
         </p:txBody>
       </p:sp>
@@ -5758,7 +6066,7 @@
     </p:spTree>
     <p:extLst>
       <p:ext uri="{BB962C8B-B14F-4D97-AF65-F5344CB8AC3E}">
-        <p14:creationId xmlns:p14="http://schemas.microsoft.com/office/powerpoint/2010/main" val="57921349"/>
+        <p14:creationId xmlns:p14="http://schemas.microsoft.com/office/powerpoint/2010/main" val="1049227361"/>
       </p:ext>
     </p:extLst>
   </p:cSld>
@@ -5804,14 +6112,12 @@
         </p:nvSpPr>
         <p:spPr/>
         <p:txBody>
-          <a:bodyPr>
-            <a:normAutofit/>
-          </a:bodyPr>
+          <a:bodyPr/>
           <a:lstStyle/>
           <a:p>
             <a:r>
               <a:rPr lang="pt-BR" dirty="0" smtClean="0"/>
-              <a:t>Experimento 3</a:t>
+              <a:t>Memórias Disponíveis</a:t>
             </a:r>
             <a:endParaRPr lang="pt-BR" dirty="0"/>
           </a:p>
@@ -5819,23 +6125,100 @@
       </p:sp>
       <p:sp>
         <p:nvSpPr>
-          <p:cNvPr id="3" name="Espaço Reservado para Conteúdo 2"/>
-          <p:cNvSpPr>
-            <a:spLocks noGrp="1"/>
-          </p:cNvSpPr>
-          <p:nvPr>
-            <p:ph idx="1"/>
-          </p:nvPr>
-        </p:nvSpPr>
-        <p:spPr/>
-        <p:txBody>
-          <a:bodyPr/>
-          <a:lstStyle/>
-          <a:p>
-            <a:endParaRPr lang="pt-BR"/>
-          </a:p>
-        </p:txBody>
-      </p:sp>
+          <p:cNvPr id="7" name="Espaço Reservado para Conteúdo 6"/>
+          <p:cNvSpPr>
+            <a:spLocks noGrp="1"/>
+          </p:cNvSpPr>
+          <p:nvPr>
+            <p:ph sz="half" idx="1"/>
+          </p:nvPr>
+        </p:nvSpPr>
+        <p:spPr/>
+        <p:txBody>
+          <a:bodyPr/>
+          <a:lstStyle/>
+          <a:p>
+            <a:r>
+              <a:rPr lang="pt-BR" i="1" dirty="0" err="1" smtClean="0"/>
+              <a:t>Block</a:t>
+            </a:r>
+            <a:r>
+              <a:rPr lang="pt-BR" i="1" dirty="0" smtClean="0"/>
+              <a:t> RAM</a:t>
+            </a:r>
+          </a:p>
+          <a:p>
+            <a:r>
+              <a:rPr lang="pt-BR" i="1" dirty="0" err="1" smtClean="0"/>
+              <a:t>Distributed</a:t>
+            </a:r>
+            <a:r>
+              <a:rPr lang="pt-BR" i="1" dirty="0" smtClean="0"/>
+              <a:t> RAM</a:t>
+            </a:r>
+          </a:p>
+          <a:p>
+            <a:r>
+              <a:rPr lang="pt-BR" i="1" dirty="0" smtClean="0"/>
+              <a:t>BPI/Linear Flash</a:t>
+            </a:r>
+          </a:p>
+          <a:p>
+            <a:r>
+              <a:rPr lang="pt-BR" i="1" dirty="0" smtClean="0"/>
+              <a:t>QSPI Flash</a:t>
+            </a:r>
+          </a:p>
+          <a:p>
+            <a:r>
+              <a:rPr lang="pt-BR" dirty="0" smtClean="0"/>
+              <a:t>Cartão SD</a:t>
+            </a:r>
+          </a:p>
+          <a:p>
+            <a:r>
+              <a:rPr lang="pt-BR" dirty="0" smtClean="0"/>
+              <a:t>Memória</a:t>
+            </a:r>
+            <a:r>
+              <a:rPr lang="pt-BR" i="1" dirty="0" smtClean="0"/>
+              <a:t> DDR3</a:t>
+            </a:r>
+          </a:p>
+          <a:p>
+            <a:endParaRPr lang="pt-BR" dirty="0"/>
+          </a:p>
+        </p:txBody>
+      </p:sp>
+      <p:pic>
+        <p:nvPicPr>
+          <p:cNvPr id="9" name="Espaço Reservado para Conteúdo 8" title="MicroBlaze Core"/>
+          <p:cNvPicPr>
+            <a:picLocks noGrp="1" noChangeAspect="1"/>
+          </p:cNvPicPr>
+          <p:nvPr>
+            <p:ph sz="half" idx="2"/>
+          </p:nvPr>
+        </p:nvPicPr>
+        <p:blipFill>
+          <a:blip r:embed="rId2" cstate="print">
+            <a:extLst>
+              <a:ext uri="{28A0092B-C50C-407E-A947-70E740481C1C}">
+                <a14:useLocalDpi xmlns:a14="http://schemas.microsoft.com/office/drawing/2010/main" val="0"/>
+              </a:ext>
+            </a:extLst>
+          </a:blip>
+          <a:stretch>
+            <a:fillRect/>
+          </a:stretch>
+        </p:blipFill>
+        <p:spPr>
+          <a:xfrm>
+            <a:off x="4644008" y="2132856"/>
+            <a:ext cx="4038600" cy="2444496"/>
+          </a:xfrm>
+        </p:spPr>
+      </p:pic>
       <p:sp>
         <p:nvSpPr>
           <p:cNvPr id="4" name="Espaço Reservado para Data 3"/>
@@ -5874,7 +6257,10 @@
           <a:bodyPr/>
           <a:lstStyle/>
           <a:p>
-            <a:endParaRPr lang="pt-BR"/>
+            <a:r>
+              <a:rPr lang="pt-BR" dirty="0" smtClean="0"/>
+              <a:t>Experimento 2</a:t>
+            </a:r>
           </a:p>
         </p:txBody>
       </p:sp>
@@ -5898,13 +6284,43 @@
               <a:t>19</a:t>
             </a:fld>
             <a:endParaRPr lang="pt-BR"/>
+          </a:p>
+        </p:txBody>
+      </p:sp>
+      <p:sp>
+        <p:nvSpPr>
+          <p:cNvPr id="10" name="CaixaDeTexto 9"/>
+          <p:cNvSpPr txBox="1"/>
+          <p:nvPr/>
+        </p:nvSpPr>
+        <p:spPr>
+          <a:xfrm>
+            <a:off x="4572000" y="1691516"/>
+            <a:ext cx="3240360" cy="369332"/>
+          </a:xfrm>
+          <a:prstGeom prst="rect">
+            <a:avLst/>
+          </a:prstGeom>
+          <a:noFill/>
+        </p:spPr>
+        <p:txBody>
+          <a:bodyPr wrap="square" rtlCol="0">
+            <a:spAutoFit/>
+          </a:bodyPr>
+          <a:lstStyle/>
+          <a:p>
+            <a:r>
+              <a:rPr lang="pt-BR" dirty="0" smtClean="0"/>
+              <a:t>Núcleo do MicroBlaze</a:t>
+            </a:r>
+            <a:endParaRPr lang="pt-BR" dirty="0"/>
           </a:p>
         </p:txBody>
       </p:sp>
     </p:spTree>
     <p:extLst>
       <p:ext uri="{BB962C8B-B14F-4D97-AF65-F5344CB8AC3E}">
-        <p14:creationId xmlns:p14="http://schemas.microsoft.com/office/powerpoint/2010/main" val="1238485748"/>
+        <p14:creationId xmlns:p14="http://schemas.microsoft.com/office/powerpoint/2010/main" val="57921349"/>
       </p:ext>
     </p:extLst>
   </p:cSld>
@@ -5914,9 +6330,349 @@
   <p:timing>
     <p:tnLst>
       <p:par>
-        <p:cTn id="1" dur="indefinite" restart="never" nodeType="tmRoot"/>
+        <p:cTn id="1" dur="indefinite" restart="never" nodeType="tmRoot">
+          <p:childTnLst>
+            <p:seq concurrent="1" nextAc="seek">
+              <p:cTn id="2" dur="indefinite" nodeType="mainSeq">
+                <p:childTnLst>
+                  <p:par>
+                    <p:cTn id="3" fill="hold">
+                      <p:stCondLst>
+                        <p:cond delay="indefinite"/>
+                      </p:stCondLst>
+                      <p:childTnLst>
+                        <p:par>
+                          <p:cTn id="4" fill="hold">
+                            <p:stCondLst>
+                              <p:cond delay="0"/>
+                            </p:stCondLst>
+                            <p:childTnLst>
+                              <p:par>
+                                <p:cTn id="5" presetID="10" presetClass="entr" presetSubtype="0" fill="hold" nodeType="clickEffect">
+                                  <p:stCondLst>
+                                    <p:cond delay="0"/>
+                                  </p:stCondLst>
+                                  <p:childTnLst>
+                                    <p:set>
+                                      <p:cBhvr>
+                                        <p:cTn id="6" dur="1" fill="hold">
+                                          <p:stCondLst>
+                                            <p:cond delay="0"/>
+                                          </p:stCondLst>
+                                        </p:cTn>
+                                        <p:tgtEl>
+                                          <p:spTgt spid="9"/>
+                                        </p:tgtEl>
+                                        <p:attrNameLst>
+                                          <p:attrName>style.visibility</p:attrName>
+                                        </p:attrNameLst>
+                                      </p:cBhvr>
+                                      <p:to>
+                                        <p:strVal val="visible"/>
+                                      </p:to>
+                                    </p:set>
+                                    <p:animEffect transition="in" filter="fade">
+                                      <p:cBhvr>
+                                        <p:cTn id="7" dur="500"/>
+                                        <p:tgtEl>
+                                          <p:spTgt spid="9"/>
+                                        </p:tgtEl>
+                                      </p:cBhvr>
+                                    </p:animEffect>
+                                  </p:childTnLst>
+                                </p:cTn>
+                              </p:par>
+                              <p:par>
+                                <p:cTn id="8" presetID="10" presetClass="entr" presetSubtype="0" fill="hold" grpId="0" nodeType="withEffect">
+                                  <p:stCondLst>
+                                    <p:cond delay="0"/>
+                                  </p:stCondLst>
+                                  <p:childTnLst>
+                                    <p:set>
+                                      <p:cBhvr>
+                                        <p:cTn id="9" dur="1" fill="hold">
+                                          <p:stCondLst>
+                                            <p:cond delay="0"/>
+                                          </p:stCondLst>
+                                        </p:cTn>
+                                        <p:tgtEl>
+                                          <p:spTgt spid="10"/>
+                                        </p:tgtEl>
+                                        <p:attrNameLst>
+                                          <p:attrName>style.visibility</p:attrName>
+                                        </p:attrNameLst>
+                                      </p:cBhvr>
+                                      <p:to>
+                                        <p:strVal val="visible"/>
+                                      </p:to>
+                                    </p:set>
+                                    <p:animEffect transition="in" filter="fade">
+                                      <p:cBhvr>
+                                        <p:cTn id="10" dur="500"/>
+                                        <p:tgtEl>
+                                          <p:spTgt spid="10"/>
+                                        </p:tgtEl>
+                                      </p:cBhvr>
+                                    </p:animEffect>
+                                  </p:childTnLst>
+                                </p:cTn>
+                              </p:par>
+                            </p:childTnLst>
+                          </p:cTn>
+                        </p:par>
+                      </p:childTnLst>
+                    </p:cTn>
+                  </p:par>
+                  <p:par>
+                    <p:cTn id="11" fill="hold">
+                      <p:stCondLst>
+                        <p:cond delay="indefinite"/>
+                      </p:stCondLst>
+                      <p:childTnLst>
+                        <p:par>
+                          <p:cTn id="12" fill="hold">
+                            <p:stCondLst>
+                              <p:cond delay="0"/>
+                            </p:stCondLst>
+                            <p:childTnLst>
+                              <p:par>
+                                <p:cTn id="13" presetID="10" presetClass="exit" presetSubtype="0" fill="hold" nodeType="clickEffect">
+                                  <p:stCondLst>
+                                    <p:cond delay="0"/>
+                                  </p:stCondLst>
+                                  <p:childTnLst>
+                                    <p:animEffect transition="out" filter="fade">
+                                      <p:cBhvr>
+                                        <p:cTn id="14" dur="500"/>
+                                        <p:tgtEl>
+                                          <p:spTgt spid="7">
+                                            <p:txEl>
+                                              <p:pRg st="0" end="0"/>
+                                            </p:txEl>
+                                          </p:spTgt>
+                                        </p:tgtEl>
+                                      </p:cBhvr>
+                                    </p:animEffect>
+                                    <p:set>
+                                      <p:cBhvr>
+                                        <p:cTn id="15" dur="1" fill="hold">
+                                          <p:stCondLst>
+                                            <p:cond delay="499"/>
+                                          </p:stCondLst>
+                                        </p:cTn>
+                                        <p:tgtEl>
+                                          <p:spTgt spid="7">
+                                            <p:txEl>
+                                              <p:pRg st="0" end="0"/>
+                                            </p:txEl>
+                                          </p:spTgt>
+                                        </p:tgtEl>
+                                        <p:attrNameLst>
+                                          <p:attrName>style.visibility</p:attrName>
+                                        </p:attrNameLst>
+                                      </p:cBhvr>
+                                      <p:to>
+                                        <p:strVal val="hidden"/>
+                                      </p:to>
+                                    </p:set>
+                                  </p:childTnLst>
+                                </p:cTn>
+                              </p:par>
+                              <p:par>
+                                <p:cTn id="16" presetID="10" presetClass="exit" presetSubtype="0" fill="hold" nodeType="withEffect">
+                                  <p:stCondLst>
+                                    <p:cond delay="0"/>
+                                  </p:stCondLst>
+                                  <p:childTnLst>
+                                    <p:animEffect transition="out" filter="fade">
+                                      <p:cBhvr>
+                                        <p:cTn id="17" dur="500"/>
+                                        <p:tgtEl>
+                                          <p:spTgt spid="7">
+                                            <p:txEl>
+                                              <p:pRg st="1" end="1"/>
+                                            </p:txEl>
+                                          </p:spTgt>
+                                        </p:tgtEl>
+                                      </p:cBhvr>
+                                    </p:animEffect>
+                                    <p:set>
+                                      <p:cBhvr>
+                                        <p:cTn id="18" dur="1" fill="hold">
+                                          <p:stCondLst>
+                                            <p:cond delay="499"/>
+                                          </p:stCondLst>
+                                        </p:cTn>
+                                        <p:tgtEl>
+                                          <p:spTgt spid="7">
+                                            <p:txEl>
+                                              <p:pRg st="1" end="1"/>
+                                            </p:txEl>
+                                          </p:spTgt>
+                                        </p:tgtEl>
+                                        <p:attrNameLst>
+                                          <p:attrName>style.visibility</p:attrName>
+                                        </p:attrNameLst>
+                                      </p:cBhvr>
+                                      <p:to>
+                                        <p:strVal val="hidden"/>
+                                      </p:to>
+                                    </p:set>
+                                  </p:childTnLst>
+                                </p:cTn>
+                              </p:par>
+                            </p:childTnLst>
+                          </p:cTn>
+                        </p:par>
+                      </p:childTnLst>
+                    </p:cTn>
+                  </p:par>
+                  <p:par>
+                    <p:cTn id="19" fill="hold">
+                      <p:stCondLst>
+                        <p:cond delay="indefinite"/>
+                      </p:stCondLst>
+                      <p:childTnLst>
+                        <p:par>
+                          <p:cTn id="20" fill="hold">
+                            <p:stCondLst>
+                              <p:cond delay="0"/>
+                            </p:stCondLst>
+                            <p:childTnLst>
+                              <p:par>
+                                <p:cTn id="21" presetID="10" presetClass="exit" presetSubtype="0" fill="hold" nodeType="clickEffect">
+                                  <p:stCondLst>
+                                    <p:cond delay="0"/>
+                                  </p:stCondLst>
+                                  <p:childTnLst>
+                                    <p:animEffect transition="out" filter="fade">
+                                      <p:cBhvr>
+                                        <p:cTn id="22" dur="500"/>
+                                        <p:tgtEl>
+                                          <p:spTgt spid="7">
+                                            <p:txEl>
+                                              <p:pRg st="4" end="4"/>
+                                            </p:txEl>
+                                          </p:spTgt>
+                                        </p:tgtEl>
+                                      </p:cBhvr>
+                                    </p:animEffect>
+                                    <p:set>
+                                      <p:cBhvr>
+                                        <p:cTn id="23" dur="1" fill="hold">
+                                          <p:stCondLst>
+                                            <p:cond delay="499"/>
+                                          </p:stCondLst>
+                                        </p:cTn>
+                                        <p:tgtEl>
+                                          <p:spTgt spid="7">
+                                            <p:txEl>
+                                              <p:pRg st="4" end="4"/>
+                                            </p:txEl>
+                                          </p:spTgt>
+                                        </p:tgtEl>
+                                        <p:attrNameLst>
+                                          <p:attrName>style.visibility</p:attrName>
+                                        </p:attrNameLst>
+                                      </p:cBhvr>
+                                      <p:to>
+                                        <p:strVal val="hidden"/>
+                                      </p:to>
+                                    </p:set>
+                                  </p:childTnLst>
+                                </p:cTn>
+                              </p:par>
+                            </p:childTnLst>
+                          </p:cTn>
+                        </p:par>
+                      </p:childTnLst>
+                    </p:cTn>
+                  </p:par>
+                  <p:par>
+                    <p:cTn id="24" fill="hold">
+                      <p:stCondLst>
+                        <p:cond delay="indefinite"/>
+                      </p:stCondLst>
+                      <p:childTnLst>
+                        <p:par>
+                          <p:cTn id="25" fill="hold">
+                            <p:stCondLst>
+                              <p:cond delay="0"/>
+                            </p:stCondLst>
+                            <p:childTnLst>
+                              <p:par>
+                                <p:cTn id="26" presetID="10" presetClass="exit" presetSubtype="0" fill="hold" nodeType="clickEffect">
+                                  <p:stCondLst>
+                                    <p:cond delay="0"/>
+                                  </p:stCondLst>
+                                  <p:childTnLst>
+                                    <p:animEffect transition="out" filter="fade">
+                                      <p:cBhvr>
+                                        <p:cTn id="27" dur="500"/>
+                                        <p:tgtEl>
+                                          <p:spTgt spid="7">
+                                            <p:txEl>
+                                              <p:pRg st="2" end="2"/>
+                                            </p:txEl>
+                                          </p:spTgt>
+                                        </p:tgtEl>
+                                      </p:cBhvr>
+                                    </p:animEffect>
+                                    <p:set>
+                                      <p:cBhvr>
+                                        <p:cTn id="28" dur="1" fill="hold">
+                                          <p:stCondLst>
+                                            <p:cond delay="499"/>
+                                          </p:stCondLst>
+                                        </p:cTn>
+                                        <p:tgtEl>
+                                          <p:spTgt spid="7">
+                                            <p:txEl>
+                                              <p:pRg st="2" end="2"/>
+                                            </p:txEl>
+                                          </p:spTgt>
+                                        </p:tgtEl>
+                                        <p:attrNameLst>
+                                          <p:attrName>style.visibility</p:attrName>
+                                        </p:attrNameLst>
+                                      </p:cBhvr>
+                                      <p:to>
+                                        <p:strVal val="hidden"/>
+                                      </p:to>
+                                    </p:set>
+                                  </p:childTnLst>
+                                </p:cTn>
+                              </p:par>
+                            </p:childTnLst>
+                          </p:cTn>
+                        </p:par>
+                      </p:childTnLst>
+                    </p:cTn>
+                  </p:par>
+                </p:childTnLst>
+              </p:cTn>
+              <p:prevCondLst>
+                <p:cond evt="onPrev" delay="0">
+                  <p:tgtEl>
+                    <p:sldTgt/>
+                  </p:tgtEl>
+                </p:cond>
+              </p:prevCondLst>
+              <p:nextCondLst>
+                <p:cond evt="onNext" delay="0">
+                  <p:tgtEl>
+                    <p:sldTgt/>
+                  </p:tgtEl>
+                </p:cond>
+              </p:nextCondLst>
+            </p:seq>
+          </p:childTnLst>
+        </p:cTn>
       </p:par>
     </p:tnLst>
+    <p:bldLst>
+      <p:bldP spid="10" grpId="0"/>
+    </p:bldLst>
   </p:timing>
 </p:sld>
 </file>
@@ -6166,7 +6922,7 @@
       </p:grpSpPr>
       <p:sp>
         <p:nvSpPr>
-          <p:cNvPr id="2" name="Título 1"/>
+          <p:cNvPr id="9" name="Título 8"/>
           <p:cNvSpPr>
             <a:spLocks noGrp="1"/>
           </p:cNvSpPr>
@@ -6181,34 +6937,44 @@
           <a:p>
             <a:r>
               <a:rPr lang="pt-BR" dirty="0" smtClean="0"/>
-              <a:t>Resultados</a:t>
+              <a:t>Fluxo de Projeto</a:t>
             </a:r>
             <a:endParaRPr lang="pt-BR" dirty="0"/>
           </a:p>
         </p:txBody>
       </p:sp>
-      <p:sp>
-        <p:nvSpPr>
-          <p:cNvPr id="3" name="Espaço Reservado para Conteúdo 2"/>
-          <p:cNvSpPr>
-            <a:spLocks noGrp="1"/>
-          </p:cNvSpPr>
+      <p:pic>
+        <p:nvPicPr>
+          <p:cNvPr id="11" name="Espaço Reservado para Conteúdo 10"/>
+          <p:cNvPicPr>
+            <a:picLocks noGrp="1" noChangeAspect="1"/>
+          </p:cNvPicPr>
           <p:nvPr>
             <p:ph idx="1"/>
           </p:nvPr>
-        </p:nvSpPr>
-        <p:spPr/>
-        <p:txBody>
-          <a:bodyPr/>
-          <a:lstStyle/>
-          <a:p>
-            <a:endParaRPr lang="pt-BR"/>
-          </a:p>
-        </p:txBody>
-      </p:sp>
-      <p:sp>
-        <p:nvSpPr>
-          <p:cNvPr id="4" name="Espaço Reservado para Data 3"/>
+        </p:nvPicPr>
+        <p:blipFill>
+          <a:blip r:embed="rId3" cstate="print">
+            <a:extLst>
+              <a:ext uri="{28A0092B-C50C-407E-A947-70E740481C1C}">
+                <a14:useLocalDpi xmlns:a14="http://schemas.microsoft.com/office/drawing/2010/main" val="0"/>
+              </a:ext>
+            </a:extLst>
+          </a:blip>
+          <a:stretch>
+            <a:fillRect/>
+          </a:stretch>
+        </p:blipFill>
+        <p:spPr>
+          <a:xfrm>
+            <a:off x="457200" y="2636912"/>
+            <a:ext cx="8229600" cy="1834461"/>
+          </a:xfrm>
+        </p:spPr>
+      </p:pic>
+      <p:sp>
+        <p:nvSpPr>
+          <p:cNvPr id="5" name="Espaço Reservado para Data 4"/>
           <p:cNvSpPr>
             <a:spLocks noGrp="1"/>
           </p:cNvSpPr>
@@ -6231,7 +6997,7 @@
       </p:sp>
       <p:sp>
         <p:nvSpPr>
-          <p:cNvPr id="5" name="Espaço Reservado para Rodapé 4"/>
+          <p:cNvPr id="6" name="Espaço Reservado para Rodapé 5"/>
           <p:cNvSpPr>
             <a:spLocks noGrp="1"/>
           </p:cNvSpPr>
@@ -6244,13 +7010,17 @@
           <a:bodyPr/>
           <a:lstStyle/>
           <a:p>
-            <a:endParaRPr lang="pt-BR"/>
-          </a:p>
-        </p:txBody>
-      </p:sp>
-      <p:sp>
-        <p:nvSpPr>
-          <p:cNvPr id="6" name="Espaço Reservado para Número de Slide 5"/>
+            <a:r>
+              <a:rPr lang="pt-BR" dirty="0" smtClean="0"/>
+              <a:t>Experimento 2</a:t>
+            </a:r>
+            <a:endParaRPr lang="pt-BR" dirty="0"/>
+          </a:p>
+        </p:txBody>
+      </p:sp>
+      <p:sp>
+        <p:nvSpPr>
+          <p:cNvPr id="7" name="Espaço Reservado para Número de Slide 6"/>
           <p:cNvSpPr>
             <a:spLocks noGrp="1"/>
           </p:cNvSpPr>
@@ -6268,13 +7038,42 @@
               <a:t>20</a:t>
             </a:fld>
             <a:endParaRPr lang="pt-BR"/>
+          </a:p>
+        </p:txBody>
+      </p:sp>
+      <p:sp>
+        <p:nvSpPr>
+          <p:cNvPr id="13" name="CaixaDeTexto 12"/>
+          <p:cNvSpPr txBox="1"/>
+          <p:nvPr/>
+        </p:nvSpPr>
+        <p:spPr>
+          <a:xfrm>
+            <a:off x="467544" y="5013176"/>
+            <a:ext cx="3672408" cy="369332"/>
+          </a:xfrm>
+          <a:prstGeom prst="rect">
+            <a:avLst/>
+          </a:prstGeom>
+          <a:noFill/>
+        </p:spPr>
+        <p:txBody>
+          <a:bodyPr wrap="square" rtlCol="0">
+            <a:spAutoFit/>
+          </a:bodyPr>
+          <a:lstStyle/>
+          <a:p>
+            <a:r>
+              <a:rPr lang="pt-BR" dirty="0" smtClean="0"/>
+              <a:t>* Programa Embarcado Simples</a:t>
+            </a:r>
           </a:p>
         </p:txBody>
       </p:sp>
     </p:spTree>
     <p:extLst>
       <p:ext uri="{BB962C8B-B14F-4D97-AF65-F5344CB8AC3E}">
-        <p14:creationId xmlns:p14="http://schemas.microsoft.com/office/powerpoint/2010/main" val="840518965"/>
+        <p14:creationId xmlns:p14="http://schemas.microsoft.com/office/powerpoint/2010/main" val="1577391560"/>
       </p:ext>
     </p:extLst>
   </p:cSld>
@@ -6284,9 +7083,88 @@
   <p:timing>
     <p:tnLst>
       <p:par>
-        <p:cTn id="1" dur="indefinite" restart="never" nodeType="tmRoot"/>
+        <p:cTn id="1" dur="indefinite" restart="never" nodeType="tmRoot">
+          <p:childTnLst>
+            <p:seq concurrent="1" nextAc="seek">
+              <p:cTn id="2" dur="indefinite" nodeType="mainSeq">
+                <p:childTnLst>
+                  <p:par>
+                    <p:cTn id="3" fill="hold">
+                      <p:stCondLst>
+                        <p:cond delay="indefinite"/>
+                      </p:stCondLst>
+                      <p:childTnLst>
+                        <p:par>
+                          <p:cTn id="4" fill="hold">
+                            <p:stCondLst>
+                              <p:cond delay="0"/>
+                            </p:stCondLst>
+                            <p:childTnLst>
+                              <p:par>
+                                <p:cTn id="5" presetID="10" presetClass="entr" presetSubtype="0" fill="hold" grpId="0" nodeType="clickEffect">
+                                  <p:stCondLst>
+                                    <p:cond delay="0"/>
+                                  </p:stCondLst>
+                                  <p:childTnLst>
+                                    <p:set>
+                                      <p:cBhvr>
+                                        <p:cTn id="6" dur="1" fill="hold">
+                                          <p:stCondLst>
+                                            <p:cond delay="0"/>
+                                          </p:stCondLst>
+                                        </p:cTn>
+                                        <p:tgtEl>
+                                          <p:spTgt spid="13"/>
+                                        </p:tgtEl>
+                                        <p:attrNameLst>
+                                          <p:attrName>style.visibility</p:attrName>
+                                        </p:attrNameLst>
+                                      </p:cBhvr>
+                                      <p:to>
+                                        <p:strVal val="visible"/>
+                                      </p:to>
+                                    </p:set>
+                                    <p:animEffect transition="in" filter="fade">
+                                      <p:cBhvr>
+                                        <p:cTn id="7" dur="500"/>
+                                        <p:tgtEl>
+                                          <p:spTgt spid="13"/>
+                                        </p:tgtEl>
+                                      </p:cBhvr>
+                                    </p:animEffect>
+                                  </p:childTnLst>
+                                </p:cTn>
+                              </p:par>
+                            </p:childTnLst>
+                          </p:cTn>
+                        </p:par>
+                      </p:childTnLst>
+                    </p:cTn>
+                  </p:par>
+                </p:childTnLst>
+              </p:cTn>
+              <p:prevCondLst>
+                <p:cond evt="onPrev" delay="0">
+                  <p:tgtEl>
+                    <p:sldTgt/>
+                  </p:tgtEl>
+                </p:cond>
+              </p:prevCondLst>
+              <p:nextCondLst>
+                <p:cond evt="onNext" delay="0">
+                  <p:tgtEl>
+                    <p:sldTgt/>
+                  </p:tgtEl>
+                </p:cond>
+              </p:nextCondLst>
+            </p:seq>
+          </p:childTnLst>
+        </p:cTn>
       </p:par>
     </p:tnLst>
+    <p:bldLst>
+      <p:bldP spid="13" grpId="0"/>
+    </p:bldLst>
   </p:timing>
 </p:sld>
 </file>
@@ -6320,14 +7198,12 @@
         </p:nvSpPr>
         <p:spPr/>
         <p:txBody>
-          <a:bodyPr>
-            <a:normAutofit/>
-          </a:bodyPr>
+          <a:bodyPr/>
           <a:lstStyle/>
           <a:p>
             <a:r>
               <a:rPr lang="pt-BR" dirty="0" smtClean="0"/>
-              <a:t>Experimento 4</a:t>
+              <a:t>Resultados</a:t>
             </a:r>
             <a:endParaRPr lang="pt-BR" dirty="0"/>
           </a:p>
@@ -6348,7 +7224,14 @@
           <a:bodyPr/>
           <a:lstStyle/>
           <a:p>
-            <a:endParaRPr lang="pt-BR"/>
+            <a:pPr marL="0" indent="0">
+              <a:buNone/>
+            </a:pPr>
+            <a:r>
+              <a:rPr lang="pt-BR" dirty="0" smtClean="0"/>
+              <a:t>Experimento bem sucedido</a:t>
+            </a:r>
+            <a:endParaRPr lang="pt-BR" dirty="0"/>
           </a:p>
         </p:txBody>
       </p:sp>
@@ -6420,7 +7303,7 @@
     </p:spTree>
     <p:extLst>
       <p:ext uri="{BB962C8B-B14F-4D97-AF65-F5344CB8AC3E}">
-        <p14:creationId xmlns:p14="http://schemas.microsoft.com/office/powerpoint/2010/main" val="1631175770"/>
+        <p14:creationId xmlns:p14="http://schemas.microsoft.com/office/powerpoint/2010/main" val="3907980999"/>
       </p:ext>
     </p:extLst>
   </p:cSld>
@@ -6466,33 +7349,38 @@
         </p:nvSpPr>
         <p:spPr/>
         <p:txBody>
-          <a:bodyPr/>
-          <a:lstStyle/>
-          <a:p>
-            <a:r>
-              <a:rPr lang="pt-BR" dirty="0" smtClean="0"/>
-              <a:t>Resultados</a:t>
-            </a:r>
-            <a:endParaRPr lang="pt-BR" dirty="0"/>
-          </a:p>
-        </p:txBody>
-      </p:sp>
-      <p:sp>
-        <p:nvSpPr>
-          <p:cNvPr id="3" name="Espaço Reservado para Conteúdo 2"/>
-          <p:cNvSpPr>
-            <a:spLocks noGrp="1"/>
-          </p:cNvSpPr>
-          <p:nvPr>
-            <p:ph idx="1"/>
-          </p:nvPr>
-        </p:nvSpPr>
-        <p:spPr/>
-        <p:txBody>
-          <a:bodyPr/>
-          <a:lstStyle/>
-          <a:p>
-            <a:endParaRPr lang="pt-BR"/>
+          <a:bodyPr>
+            <a:normAutofit/>
+          </a:bodyPr>
+          <a:lstStyle/>
+          <a:p>
+            <a:r>
+              <a:rPr lang="pt-BR" i="1" dirty="0" smtClean="0"/>
+              <a:t>Bootloader</a:t>
+            </a:r>
+            <a:endParaRPr lang="pt-BR" i="1" dirty="0"/>
+          </a:p>
+        </p:txBody>
+      </p:sp>
+      <p:sp>
+        <p:nvSpPr>
+          <p:cNvPr id="7" name="Espaço Reservado para Texto 6"/>
+          <p:cNvSpPr>
+            <a:spLocks noGrp="1"/>
+          </p:cNvSpPr>
+          <p:nvPr>
+            <p:ph type="body" idx="1"/>
+          </p:nvPr>
+        </p:nvSpPr>
+        <p:spPr/>
+        <p:txBody>
+          <a:bodyPr/>
+          <a:lstStyle/>
+          <a:p>
+            <a:r>
+              <a:rPr lang="pt-BR" dirty="0"/>
+              <a:t>Experimento 3</a:t>
+            </a:r>
           </a:p>
         </p:txBody>
       </p:sp>
@@ -6564,7 +7452,7 @@
     </p:spTree>
     <p:extLst>
       <p:ext uri="{BB962C8B-B14F-4D97-AF65-F5344CB8AC3E}">
-        <p14:creationId xmlns:p14="http://schemas.microsoft.com/office/powerpoint/2010/main" val="1178305631"/>
+        <p14:creationId xmlns:p14="http://schemas.microsoft.com/office/powerpoint/2010/main" val="1238485748"/>
       </p:ext>
     </p:extLst>
   </p:cSld>
@@ -6610,77 +7498,84 @@
         </p:nvSpPr>
         <p:spPr/>
         <p:txBody>
-          <a:bodyPr>
-            <a:normAutofit/>
-          </a:bodyPr>
+          <a:bodyPr/>
+          <a:lstStyle/>
+          <a:p>
+            <a:endParaRPr lang="pt-BR" dirty="0"/>
+          </a:p>
+        </p:txBody>
+      </p:sp>
+      <p:pic>
+        <p:nvPicPr>
+          <p:cNvPr id="7" name="Espaço Reservado para Conteúdo 6"/>
+          <p:cNvPicPr>
+            <a:picLocks noGrp="1" noChangeAspect="1"/>
+          </p:cNvPicPr>
+          <p:nvPr>
+            <p:ph idx="1"/>
+          </p:nvPr>
+        </p:nvPicPr>
+        <p:blipFill>
+          <a:blip r:embed="rId2">
+            <a:extLst>
+              <a:ext uri="{28A0092B-C50C-407E-A947-70E740481C1C}">
+                <a14:useLocalDpi xmlns:a14="http://schemas.microsoft.com/office/drawing/2010/main" val="0"/>
+              </a:ext>
+            </a:extLst>
+          </a:blip>
+          <a:stretch>
+            <a:fillRect/>
+          </a:stretch>
+        </p:blipFill>
+        <p:spPr>
+          <a:xfrm>
+            <a:off x="2075688" y="1179576"/>
+            <a:ext cx="4992624" cy="4498848"/>
+          </a:xfrm>
+        </p:spPr>
+      </p:pic>
+      <p:sp>
+        <p:nvSpPr>
+          <p:cNvPr id="4" name="Espaço Reservado para Data 3"/>
+          <p:cNvSpPr>
+            <a:spLocks noGrp="1"/>
+          </p:cNvSpPr>
+          <p:nvPr>
+            <p:ph type="dt" sz="half" idx="10"/>
+          </p:nvPr>
+        </p:nvSpPr>
+        <p:spPr/>
+        <p:txBody>
+          <a:bodyPr/>
+          <a:lstStyle/>
+          <a:p>
+            <a:r>
+              <a:rPr lang="pt-BR" smtClean="0"/>
+              <a:t>16 de dezembro de 2013</a:t>
+            </a:r>
+            <a:endParaRPr lang="pt-BR"/>
+          </a:p>
+        </p:txBody>
+      </p:sp>
+      <p:sp>
+        <p:nvSpPr>
+          <p:cNvPr id="5" name="Espaço Reservado para Rodapé 4"/>
+          <p:cNvSpPr>
+            <a:spLocks noGrp="1"/>
+          </p:cNvSpPr>
+          <p:nvPr>
+            <p:ph type="ftr" sz="quarter" idx="11"/>
+          </p:nvPr>
+        </p:nvSpPr>
+        <p:spPr/>
+        <p:txBody>
+          <a:bodyPr/>
           <a:lstStyle/>
           <a:p>
             <a:r>
               <a:rPr lang="pt-BR" dirty="0" smtClean="0"/>
-              <a:t>Experimento 5</a:t>
-            </a:r>
-            <a:endParaRPr lang="pt-BR" dirty="0"/>
-          </a:p>
-        </p:txBody>
-      </p:sp>
-      <p:sp>
-        <p:nvSpPr>
-          <p:cNvPr id="3" name="Espaço Reservado para Conteúdo 2"/>
-          <p:cNvSpPr>
-            <a:spLocks noGrp="1"/>
-          </p:cNvSpPr>
-          <p:nvPr>
-            <p:ph idx="1"/>
-          </p:nvPr>
-        </p:nvSpPr>
-        <p:spPr/>
-        <p:txBody>
-          <a:bodyPr/>
-          <a:lstStyle/>
-          <a:p>
-            <a:endParaRPr lang="pt-BR"/>
-          </a:p>
-        </p:txBody>
-      </p:sp>
-      <p:sp>
-        <p:nvSpPr>
-          <p:cNvPr id="4" name="Espaço Reservado para Data 3"/>
-          <p:cNvSpPr>
-            <a:spLocks noGrp="1"/>
-          </p:cNvSpPr>
-          <p:nvPr>
-            <p:ph type="dt" sz="half" idx="10"/>
-          </p:nvPr>
-        </p:nvSpPr>
-        <p:spPr/>
-        <p:txBody>
-          <a:bodyPr/>
-          <a:lstStyle/>
-          <a:p>
-            <a:r>
-              <a:rPr lang="pt-BR" smtClean="0"/>
-              <a:t>16 de dezembro de 2013</a:t>
-            </a:r>
-            <a:endParaRPr lang="pt-BR"/>
-          </a:p>
-        </p:txBody>
-      </p:sp>
-      <p:sp>
-        <p:nvSpPr>
-          <p:cNvPr id="5" name="Espaço Reservado para Rodapé 4"/>
-          <p:cNvSpPr>
-            <a:spLocks noGrp="1"/>
-          </p:cNvSpPr>
-          <p:nvPr>
-            <p:ph type="ftr" sz="quarter" idx="11"/>
-          </p:nvPr>
-        </p:nvSpPr>
-        <p:spPr/>
-        <p:txBody>
-          <a:bodyPr/>
-          <a:lstStyle/>
-          <a:p>
-            <a:endParaRPr lang="pt-BR"/>
+              <a:t>Experimento 3</a:t>
+            </a:r>
           </a:p>
         </p:txBody>
       </p:sp>
@@ -6710,7 +7605,7 @@
     </p:spTree>
     <p:extLst>
       <p:ext uri="{BB962C8B-B14F-4D97-AF65-F5344CB8AC3E}">
-        <p14:creationId xmlns:p14="http://schemas.microsoft.com/office/powerpoint/2010/main" val="669085642"/>
+        <p14:creationId xmlns:p14="http://schemas.microsoft.com/office/powerpoint/2010/main" val="840518965"/>
       </p:ext>
     </p:extLst>
   </p:cSld>
@@ -6761,7 +7656,7 @@
           <a:p>
             <a:r>
               <a:rPr lang="pt-BR" dirty="0" smtClean="0"/>
-              <a:t>Resultados</a:t>
+              <a:t>Arquivo Binário</a:t>
             </a:r>
             <a:endParaRPr lang="pt-BR" dirty="0"/>
           </a:p>
@@ -6769,12 +7664,31 @@
       </p:sp>
       <p:sp>
         <p:nvSpPr>
-          <p:cNvPr id="3" name="Espaço Reservado para Conteúdo 2"/>
-          <p:cNvSpPr>
-            <a:spLocks noGrp="1"/>
-          </p:cNvSpPr>
-          <p:nvPr>
-            <p:ph idx="1"/>
+          <p:cNvPr id="8" name="Espaço Reservado para Conteúdo 7"/>
+          <p:cNvSpPr>
+            <a:spLocks noGrp="1"/>
+          </p:cNvSpPr>
+          <p:nvPr>
+            <p:ph sz="half" idx="1"/>
+          </p:nvPr>
+        </p:nvSpPr>
+        <p:spPr/>
+        <p:txBody>
+          <a:bodyPr/>
+          <a:lstStyle/>
+          <a:p>
+            <a:endParaRPr lang="pt-BR"/>
+          </a:p>
+        </p:txBody>
+      </p:sp>
+      <p:sp>
+        <p:nvSpPr>
+          <p:cNvPr id="9" name="Espaço Reservado para Conteúdo 8"/>
+          <p:cNvSpPr>
+            <a:spLocks noGrp="1"/>
+          </p:cNvSpPr>
+          <p:nvPr>
+            <p:ph sz="half" idx="2"/>
           </p:nvPr>
         </p:nvSpPr>
         <p:spPr/>
@@ -6824,7 +7738,10 @@
           <a:bodyPr/>
           <a:lstStyle/>
           <a:p>
-            <a:endParaRPr lang="pt-BR"/>
+            <a:r>
+              <a:rPr lang="pt-BR" dirty="0" smtClean="0"/>
+              <a:t>Experimento 3</a:t>
+            </a:r>
           </a:p>
         </p:txBody>
       </p:sp>
@@ -6854,7 +7771,7 @@
     </p:spTree>
     <p:extLst>
       <p:ext uri="{BB962C8B-B14F-4D97-AF65-F5344CB8AC3E}">
-        <p14:creationId xmlns:p14="http://schemas.microsoft.com/office/powerpoint/2010/main" val="1197866311"/>
+        <p14:creationId xmlns:p14="http://schemas.microsoft.com/office/powerpoint/2010/main" val="1947725635"/>
       </p:ext>
     </p:extLst>
   </p:cSld>
@@ -6900,12 +7817,14 @@
         </p:nvSpPr>
         <p:spPr/>
         <p:txBody>
-          <a:bodyPr/>
+          <a:bodyPr>
+            <a:normAutofit/>
+          </a:bodyPr>
           <a:lstStyle/>
           <a:p>
             <a:r>
               <a:rPr lang="pt-BR" dirty="0" smtClean="0"/>
-              <a:t>Resultados Gerais</a:t>
+              <a:t>Experimento 4</a:t>
             </a:r>
             <a:endParaRPr lang="pt-BR" dirty="0"/>
           </a:p>
@@ -6998,7 +7917,7 @@
     </p:spTree>
     <p:extLst>
       <p:ext uri="{BB962C8B-B14F-4D97-AF65-F5344CB8AC3E}">
-        <p14:creationId xmlns:p14="http://schemas.microsoft.com/office/powerpoint/2010/main" val="3117479486"/>
+        <p14:creationId xmlns:p14="http://schemas.microsoft.com/office/powerpoint/2010/main" val="1631175770"/>
       </p:ext>
     </p:extLst>
   </p:cSld>
@@ -7049,7 +7968,7 @@
           <a:p>
             <a:r>
               <a:rPr lang="pt-BR" dirty="0" smtClean="0"/>
-              <a:t>Fluxo de Projeto Final</a:t>
+              <a:t>Resultados</a:t>
             </a:r>
             <a:endParaRPr lang="pt-BR" dirty="0"/>
           </a:p>
@@ -7142,7 +8061,7 @@
     </p:spTree>
     <p:extLst>
       <p:ext uri="{BB962C8B-B14F-4D97-AF65-F5344CB8AC3E}">
-        <p14:creationId xmlns:p14="http://schemas.microsoft.com/office/powerpoint/2010/main" val="942896521"/>
+        <p14:creationId xmlns:p14="http://schemas.microsoft.com/office/powerpoint/2010/main" val="1178305631"/>
       </p:ext>
     </p:extLst>
   </p:cSld>
@@ -7188,12 +8107,14 @@
         </p:nvSpPr>
         <p:spPr/>
         <p:txBody>
-          <a:bodyPr/>
+          <a:bodyPr>
+            <a:normAutofit/>
+          </a:bodyPr>
           <a:lstStyle/>
           <a:p>
             <a:r>
               <a:rPr lang="pt-BR" dirty="0" smtClean="0"/>
-              <a:t>Conclusão</a:t>
+              <a:t>Experimento 5</a:t>
             </a:r>
             <a:endParaRPr lang="pt-BR" dirty="0"/>
           </a:p>
@@ -7214,7 +8135,7 @@
           <a:bodyPr/>
           <a:lstStyle/>
           <a:p>
-            <a:endParaRPr lang="pt-BR" dirty="0"/>
+            <a:endParaRPr lang="pt-BR"/>
           </a:p>
         </p:txBody>
       </p:sp>
@@ -7286,7 +8207,295 @@
     </p:spTree>
     <p:extLst>
       <p:ext uri="{BB962C8B-B14F-4D97-AF65-F5344CB8AC3E}">
-        <p14:creationId xmlns:p14="http://schemas.microsoft.com/office/powerpoint/2010/main" val="356155338"/>
+        <p14:creationId xmlns:p14="http://schemas.microsoft.com/office/powerpoint/2010/main" val="669085642"/>
+      </p:ext>
+    </p:extLst>
+  </p:cSld>
+  <p:clrMapOvr>
+    <a:masterClrMapping/>
+  </p:clrMapOvr>
+  <p:timing>
+    <p:tnLst>
+      <p:par>
+        <p:cTn id="1" dur="indefinite" restart="never" nodeType="tmRoot"/>
+      </p:par>
+    </p:tnLst>
+  </p:timing>
+</p:sld>
+</file>
+
+<file path=ppt/slides/slide28.xml><?xml version="1.0" encoding="utf-8"?>
+<p:sld xmlns:a="http://schemas.openxmlformats.org/drawingml/2006/main" xmlns:r="http://schemas.openxmlformats.org/officeDocument/2006/relationships" xmlns:p="http://schemas.openxmlformats.org/presentationml/2006/main">
+  <p:cSld>
+    <p:spTree>
+      <p:nvGrpSpPr>
+        <p:cNvPr id="1" name=""/>
+        <p:cNvGrpSpPr/>
+        <p:nvPr/>
+      </p:nvGrpSpPr>
+      <p:grpSpPr>
+        <a:xfrm>
+          <a:off x="0" y="0"/>
+          <a:ext cx="0" cy="0"/>
+          <a:chOff x="0" y="0"/>
+          <a:chExt cx="0" cy="0"/>
+        </a:xfrm>
+      </p:grpSpPr>
+      <p:sp>
+        <p:nvSpPr>
+          <p:cNvPr id="2" name="Título 1"/>
+          <p:cNvSpPr>
+            <a:spLocks noGrp="1"/>
+          </p:cNvSpPr>
+          <p:nvPr>
+            <p:ph type="title"/>
+          </p:nvPr>
+        </p:nvSpPr>
+        <p:spPr/>
+        <p:txBody>
+          <a:bodyPr/>
+          <a:lstStyle/>
+          <a:p>
+            <a:r>
+              <a:rPr lang="pt-BR" dirty="0" smtClean="0"/>
+              <a:t>Resultados</a:t>
+            </a:r>
+            <a:endParaRPr lang="pt-BR" dirty="0"/>
+          </a:p>
+        </p:txBody>
+      </p:sp>
+      <p:sp>
+        <p:nvSpPr>
+          <p:cNvPr id="3" name="Espaço Reservado para Conteúdo 2"/>
+          <p:cNvSpPr>
+            <a:spLocks noGrp="1"/>
+          </p:cNvSpPr>
+          <p:nvPr>
+            <p:ph idx="1"/>
+          </p:nvPr>
+        </p:nvSpPr>
+        <p:spPr/>
+        <p:txBody>
+          <a:bodyPr/>
+          <a:lstStyle/>
+          <a:p>
+            <a:endParaRPr lang="pt-BR"/>
+          </a:p>
+        </p:txBody>
+      </p:sp>
+      <p:sp>
+        <p:nvSpPr>
+          <p:cNvPr id="4" name="Espaço Reservado para Data 3"/>
+          <p:cNvSpPr>
+            <a:spLocks noGrp="1"/>
+          </p:cNvSpPr>
+          <p:nvPr>
+            <p:ph type="dt" sz="half" idx="10"/>
+          </p:nvPr>
+        </p:nvSpPr>
+        <p:spPr/>
+        <p:txBody>
+          <a:bodyPr/>
+          <a:lstStyle/>
+          <a:p>
+            <a:r>
+              <a:rPr lang="pt-BR" smtClean="0"/>
+              <a:t>16 de dezembro de 2013</a:t>
+            </a:r>
+            <a:endParaRPr lang="pt-BR"/>
+          </a:p>
+        </p:txBody>
+      </p:sp>
+      <p:sp>
+        <p:nvSpPr>
+          <p:cNvPr id="5" name="Espaço Reservado para Rodapé 4"/>
+          <p:cNvSpPr>
+            <a:spLocks noGrp="1"/>
+          </p:cNvSpPr>
+          <p:nvPr>
+            <p:ph type="ftr" sz="quarter" idx="11"/>
+          </p:nvPr>
+        </p:nvSpPr>
+        <p:spPr/>
+        <p:txBody>
+          <a:bodyPr/>
+          <a:lstStyle/>
+          <a:p>
+            <a:endParaRPr lang="pt-BR"/>
+          </a:p>
+        </p:txBody>
+      </p:sp>
+      <p:sp>
+        <p:nvSpPr>
+          <p:cNvPr id="6" name="Espaço Reservado para Número de Slide 5"/>
+          <p:cNvSpPr>
+            <a:spLocks noGrp="1"/>
+          </p:cNvSpPr>
+          <p:nvPr>
+            <p:ph type="sldNum" sz="quarter" idx="12"/>
+          </p:nvPr>
+        </p:nvSpPr>
+        <p:spPr/>
+        <p:txBody>
+          <a:bodyPr/>
+          <a:lstStyle/>
+          <a:p>
+            <a:fld id="{E15E65B2-3271-4EB1-B955-03EC741CF5EC}" type="slidenum">
+              <a:rPr lang="pt-BR" smtClean="0"/>
+              <a:t>28</a:t>
+            </a:fld>
+            <a:endParaRPr lang="pt-BR"/>
+          </a:p>
+        </p:txBody>
+      </p:sp>
+    </p:spTree>
+    <p:extLst>
+      <p:ext uri="{BB962C8B-B14F-4D97-AF65-F5344CB8AC3E}">
+        <p14:creationId xmlns:p14="http://schemas.microsoft.com/office/powerpoint/2010/main" val="1197866311"/>
+      </p:ext>
+    </p:extLst>
+  </p:cSld>
+  <p:clrMapOvr>
+    <a:masterClrMapping/>
+  </p:clrMapOvr>
+  <p:timing>
+    <p:tnLst>
+      <p:par>
+        <p:cTn id="1" dur="indefinite" restart="never" nodeType="tmRoot"/>
+      </p:par>
+    </p:tnLst>
+  </p:timing>
+</p:sld>
+</file>
+
+<file path=ppt/slides/slide29.xml><?xml version="1.0" encoding="utf-8"?>
+<p:sld xmlns:a="http://schemas.openxmlformats.org/drawingml/2006/main" xmlns:r="http://schemas.openxmlformats.org/officeDocument/2006/relationships" xmlns:p="http://schemas.openxmlformats.org/presentationml/2006/main">
+  <p:cSld>
+    <p:spTree>
+      <p:nvGrpSpPr>
+        <p:cNvPr id="1" name=""/>
+        <p:cNvGrpSpPr/>
+        <p:nvPr/>
+      </p:nvGrpSpPr>
+      <p:grpSpPr>
+        <a:xfrm>
+          <a:off x="0" y="0"/>
+          <a:ext cx="0" cy="0"/>
+          <a:chOff x="0" y="0"/>
+          <a:chExt cx="0" cy="0"/>
+        </a:xfrm>
+      </p:grpSpPr>
+      <p:sp>
+        <p:nvSpPr>
+          <p:cNvPr id="2" name="Título 1"/>
+          <p:cNvSpPr>
+            <a:spLocks noGrp="1"/>
+          </p:cNvSpPr>
+          <p:nvPr>
+            <p:ph type="title"/>
+          </p:nvPr>
+        </p:nvSpPr>
+        <p:spPr/>
+        <p:txBody>
+          <a:bodyPr/>
+          <a:lstStyle/>
+          <a:p>
+            <a:r>
+              <a:rPr lang="pt-BR" dirty="0" smtClean="0"/>
+              <a:t>Resultados Gerais</a:t>
+            </a:r>
+            <a:endParaRPr lang="pt-BR" dirty="0"/>
+          </a:p>
+        </p:txBody>
+      </p:sp>
+      <p:sp>
+        <p:nvSpPr>
+          <p:cNvPr id="3" name="Espaço Reservado para Conteúdo 2"/>
+          <p:cNvSpPr>
+            <a:spLocks noGrp="1"/>
+          </p:cNvSpPr>
+          <p:nvPr>
+            <p:ph idx="1"/>
+          </p:nvPr>
+        </p:nvSpPr>
+        <p:spPr/>
+        <p:txBody>
+          <a:bodyPr/>
+          <a:lstStyle/>
+          <a:p>
+            <a:endParaRPr lang="pt-BR"/>
+          </a:p>
+        </p:txBody>
+      </p:sp>
+      <p:sp>
+        <p:nvSpPr>
+          <p:cNvPr id="4" name="Espaço Reservado para Data 3"/>
+          <p:cNvSpPr>
+            <a:spLocks noGrp="1"/>
+          </p:cNvSpPr>
+          <p:nvPr>
+            <p:ph type="dt" sz="half" idx="10"/>
+          </p:nvPr>
+        </p:nvSpPr>
+        <p:spPr/>
+        <p:txBody>
+          <a:bodyPr/>
+          <a:lstStyle/>
+          <a:p>
+            <a:r>
+              <a:rPr lang="pt-BR" smtClean="0"/>
+              <a:t>16 de dezembro de 2013</a:t>
+            </a:r>
+            <a:endParaRPr lang="pt-BR"/>
+          </a:p>
+        </p:txBody>
+      </p:sp>
+      <p:sp>
+        <p:nvSpPr>
+          <p:cNvPr id="5" name="Espaço Reservado para Rodapé 4"/>
+          <p:cNvSpPr>
+            <a:spLocks noGrp="1"/>
+          </p:cNvSpPr>
+          <p:nvPr>
+            <p:ph type="ftr" sz="quarter" idx="11"/>
+          </p:nvPr>
+        </p:nvSpPr>
+        <p:spPr/>
+        <p:txBody>
+          <a:bodyPr/>
+          <a:lstStyle/>
+          <a:p>
+            <a:endParaRPr lang="pt-BR"/>
+          </a:p>
+        </p:txBody>
+      </p:sp>
+      <p:sp>
+        <p:nvSpPr>
+          <p:cNvPr id="6" name="Espaço Reservado para Número de Slide 5"/>
+          <p:cNvSpPr>
+            <a:spLocks noGrp="1"/>
+          </p:cNvSpPr>
+          <p:nvPr>
+            <p:ph type="sldNum" sz="quarter" idx="12"/>
+          </p:nvPr>
+        </p:nvSpPr>
+        <p:spPr/>
+        <p:txBody>
+          <a:bodyPr/>
+          <a:lstStyle/>
+          <a:p>
+            <a:fld id="{E15E65B2-3271-4EB1-B955-03EC741CF5EC}" type="slidenum">
+              <a:rPr lang="pt-BR" smtClean="0"/>
+              <a:t>29</a:t>
+            </a:fld>
+            <a:endParaRPr lang="pt-BR"/>
+          </a:p>
+        </p:txBody>
+      </p:sp>
+    </p:spTree>
+    <p:extLst>
+      <p:ext uri="{BB962C8B-B14F-4D97-AF65-F5344CB8AC3E}">
+        <p14:creationId xmlns:p14="http://schemas.microsoft.com/office/powerpoint/2010/main" val="3117479486"/>
       </p:ext>
     </p:extLst>
   </p:cSld>
@@ -7435,6 +8644,294 @@
     <p:extLst>
       <p:ext uri="{BB962C8B-B14F-4D97-AF65-F5344CB8AC3E}">
         <p14:creationId xmlns:p14="http://schemas.microsoft.com/office/powerpoint/2010/main" val="3945897828"/>
+      </p:ext>
+    </p:extLst>
+  </p:cSld>
+  <p:clrMapOvr>
+    <a:masterClrMapping/>
+  </p:clrMapOvr>
+  <p:timing>
+    <p:tnLst>
+      <p:par>
+        <p:cTn id="1" dur="indefinite" restart="never" nodeType="tmRoot"/>
+      </p:par>
+    </p:tnLst>
+  </p:timing>
+</p:sld>
+</file>
+
+<file path=ppt/slides/slide30.xml><?xml version="1.0" encoding="utf-8"?>
+<p:sld xmlns:a="http://schemas.openxmlformats.org/drawingml/2006/main" xmlns:r="http://schemas.openxmlformats.org/officeDocument/2006/relationships" xmlns:p="http://schemas.openxmlformats.org/presentationml/2006/main">
+  <p:cSld>
+    <p:spTree>
+      <p:nvGrpSpPr>
+        <p:cNvPr id="1" name=""/>
+        <p:cNvGrpSpPr/>
+        <p:nvPr/>
+      </p:nvGrpSpPr>
+      <p:grpSpPr>
+        <a:xfrm>
+          <a:off x="0" y="0"/>
+          <a:ext cx="0" cy="0"/>
+          <a:chOff x="0" y="0"/>
+          <a:chExt cx="0" cy="0"/>
+        </a:xfrm>
+      </p:grpSpPr>
+      <p:sp>
+        <p:nvSpPr>
+          <p:cNvPr id="2" name="Título 1"/>
+          <p:cNvSpPr>
+            <a:spLocks noGrp="1"/>
+          </p:cNvSpPr>
+          <p:nvPr>
+            <p:ph type="title"/>
+          </p:nvPr>
+        </p:nvSpPr>
+        <p:spPr/>
+        <p:txBody>
+          <a:bodyPr/>
+          <a:lstStyle/>
+          <a:p>
+            <a:r>
+              <a:rPr lang="pt-BR" dirty="0" smtClean="0"/>
+              <a:t>Fluxo de Projeto Final</a:t>
+            </a:r>
+            <a:endParaRPr lang="pt-BR" dirty="0"/>
+          </a:p>
+        </p:txBody>
+      </p:sp>
+      <p:sp>
+        <p:nvSpPr>
+          <p:cNvPr id="3" name="Espaço Reservado para Conteúdo 2"/>
+          <p:cNvSpPr>
+            <a:spLocks noGrp="1"/>
+          </p:cNvSpPr>
+          <p:nvPr>
+            <p:ph idx="1"/>
+          </p:nvPr>
+        </p:nvSpPr>
+        <p:spPr/>
+        <p:txBody>
+          <a:bodyPr/>
+          <a:lstStyle/>
+          <a:p>
+            <a:endParaRPr lang="pt-BR"/>
+          </a:p>
+        </p:txBody>
+      </p:sp>
+      <p:sp>
+        <p:nvSpPr>
+          <p:cNvPr id="4" name="Espaço Reservado para Data 3"/>
+          <p:cNvSpPr>
+            <a:spLocks noGrp="1"/>
+          </p:cNvSpPr>
+          <p:nvPr>
+            <p:ph type="dt" sz="half" idx="10"/>
+          </p:nvPr>
+        </p:nvSpPr>
+        <p:spPr/>
+        <p:txBody>
+          <a:bodyPr/>
+          <a:lstStyle/>
+          <a:p>
+            <a:r>
+              <a:rPr lang="pt-BR" smtClean="0"/>
+              <a:t>16 de dezembro de 2013</a:t>
+            </a:r>
+            <a:endParaRPr lang="pt-BR"/>
+          </a:p>
+        </p:txBody>
+      </p:sp>
+      <p:sp>
+        <p:nvSpPr>
+          <p:cNvPr id="5" name="Espaço Reservado para Rodapé 4"/>
+          <p:cNvSpPr>
+            <a:spLocks noGrp="1"/>
+          </p:cNvSpPr>
+          <p:nvPr>
+            <p:ph type="ftr" sz="quarter" idx="11"/>
+          </p:nvPr>
+        </p:nvSpPr>
+        <p:spPr/>
+        <p:txBody>
+          <a:bodyPr/>
+          <a:lstStyle/>
+          <a:p>
+            <a:endParaRPr lang="pt-BR"/>
+          </a:p>
+        </p:txBody>
+      </p:sp>
+      <p:sp>
+        <p:nvSpPr>
+          <p:cNvPr id="6" name="Espaço Reservado para Número de Slide 5"/>
+          <p:cNvSpPr>
+            <a:spLocks noGrp="1"/>
+          </p:cNvSpPr>
+          <p:nvPr>
+            <p:ph type="sldNum" sz="quarter" idx="12"/>
+          </p:nvPr>
+        </p:nvSpPr>
+        <p:spPr/>
+        <p:txBody>
+          <a:bodyPr/>
+          <a:lstStyle/>
+          <a:p>
+            <a:fld id="{E15E65B2-3271-4EB1-B955-03EC741CF5EC}" type="slidenum">
+              <a:rPr lang="pt-BR" smtClean="0"/>
+              <a:t>30</a:t>
+            </a:fld>
+            <a:endParaRPr lang="pt-BR"/>
+          </a:p>
+        </p:txBody>
+      </p:sp>
+    </p:spTree>
+    <p:extLst>
+      <p:ext uri="{BB962C8B-B14F-4D97-AF65-F5344CB8AC3E}">
+        <p14:creationId xmlns:p14="http://schemas.microsoft.com/office/powerpoint/2010/main" val="942896521"/>
+      </p:ext>
+    </p:extLst>
+  </p:cSld>
+  <p:clrMapOvr>
+    <a:masterClrMapping/>
+  </p:clrMapOvr>
+  <p:timing>
+    <p:tnLst>
+      <p:par>
+        <p:cTn id="1" dur="indefinite" restart="never" nodeType="tmRoot"/>
+      </p:par>
+    </p:tnLst>
+  </p:timing>
+</p:sld>
+</file>
+
+<file path=ppt/slides/slide31.xml><?xml version="1.0" encoding="utf-8"?>
+<p:sld xmlns:a="http://schemas.openxmlformats.org/drawingml/2006/main" xmlns:r="http://schemas.openxmlformats.org/officeDocument/2006/relationships" xmlns:p="http://schemas.openxmlformats.org/presentationml/2006/main">
+  <p:cSld>
+    <p:spTree>
+      <p:nvGrpSpPr>
+        <p:cNvPr id="1" name=""/>
+        <p:cNvGrpSpPr/>
+        <p:nvPr/>
+      </p:nvGrpSpPr>
+      <p:grpSpPr>
+        <a:xfrm>
+          <a:off x="0" y="0"/>
+          <a:ext cx="0" cy="0"/>
+          <a:chOff x="0" y="0"/>
+          <a:chExt cx="0" cy="0"/>
+        </a:xfrm>
+      </p:grpSpPr>
+      <p:sp>
+        <p:nvSpPr>
+          <p:cNvPr id="2" name="Título 1"/>
+          <p:cNvSpPr>
+            <a:spLocks noGrp="1"/>
+          </p:cNvSpPr>
+          <p:nvPr>
+            <p:ph type="title"/>
+          </p:nvPr>
+        </p:nvSpPr>
+        <p:spPr/>
+        <p:txBody>
+          <a:bodyPr/>
+          <a:lstStyle/>
+          <a:p>
+            <a:r>
+              <a:rPr lang="pt-BR" dirty="0" smtClean="0"/>
+              <a:t>Conclusão</a:t>
+            </a:r>
+            <a:endParaRPr lang="pt-BR" dirty="0"/>
+          </a:p>
+        </p:txBody>
+      </p:sp>
+      <p:sp>
+        <p:nvSpPr>
+          <p:cNvPr id="3" name="Espaço Reservado para Conteúdo 2"/>
+          <p:cNvSpPr>
+            <a:spLocks noGrp="1"/>
+          </p:cNvSpPr>
+          <p:nvPr>
+            <p:ph idx="1"/>
+          </p:nvPr>
+        </p:nvSpPr>
+        <p:spPr/>
+        <p:txBody>
+          <a:bodyPr/>
+          <a:lstStyle/>
+          <a:p>
+            <a:endParaRPr lang="pt-BR" dirty="0"/>
+          </a:p>
+        </p:txBody>
+      </p:sp>
+      <p:sp>
+        <p:nvSpPr>
+          <p:cNvPr id="4" name="Espaço Reservado para Data 3"/>
+          <p:cNvSpPr>
+            <a:spLocks noGrp="1"/>
+          </p:cNvSpPr>
+          <p:nvPr>
+            <p:ph type="dt" sz="half" idx="10"/>
+          </p:nvPr>
+        </p:nvSpPr>
+        <p:spPr/>
+        <p:txBody>
+          <a:bodyPr/>
+          <a:lstStyle/>
+          <a:p>
+            <a:r>
+              <a:rPr lang="pt-BR" smtClean="0"/>
+              <a:t>16 de dezembro de 2013</a:t>
+            </a:r>
+            <a:endParaRPr lang="pt-BR"/>
+          </a:p>
+        </p:txBody>
+      </p:sp>
+      <p:sp>
+        <p:nvSpPr>
+          <p:cNvPr id="5" name="Espaço Reservado para Rodapé 4"/>
+          <p:cNvSpPr>
+            <a:spLocks noGrp="1"/>
+          </p:cNvSpPr>
+          <p:nvPr>
+            <p:ph type="ftr" sz="quarter" idx="11"/>
+          </p:nvPr>
+        </p:nvSpPr>
+        <p:spPr/>
+        <p:txBody>
+          <a:bodyPr/>
+          <a:lstStyle/>
+          <a:p>
+            <a:endParaRPr lang="pt-BR"/>
+          </a:p>
+        </p:txBody>
+      </p:sp>
+      <p:sp>
+        <p:nvSpPr>
+          <p:cNvPr id="6" name="Espaço Reservado para Número de Slide 5"/>
+          <p:cNvSpPr>
+            <a:spLocks noGrp="1"/>
+          </p:cNvSpPr>
+          <p:nvPr>
+            <p:ph type="sldNum" sz="quarter" idx="12"/>
+          </p:nvPr>
+        </p:nvSpPr>
+        <p:spPr/>
+        <p:txBody>
+          <a:bodyPr/>
+          <a:lstStyle/>
+          <a:p>
+            <a:fld id="{E15E65B2-3271-4EB1-B955-03EC741CF5EC}" type="slidenum">
+              <a:rPr lang="pt-BR" smtClean="0"/>
+              <a:t>31</a:t>
+            </a:fld>
+            <a:endParaRPr lang="pt-BR"/>
+          </a:p>
+        </p:txBody>
+      </p:sp>
+    </p:spTree>
+    <p:extLst>
+      <p:ext uri="{BB962C8B-B14F-4D97-AF65-F5344CB8AC3E}">
+        <p14:creationId xmlns:p14="http://schemas.microsoft.com/office/powerpoint/2010/main" val="356155338"/>
       </p:ext>
     </p:extLst>
   </p:cSld>

--- a/Apresentação/Estudo e Implementação de Reconfiguração Dinâmica.pptx
+++ b/Apresentação/Estudo e Implementação de Reconfiguração Dinâmica.pptx
@@ -5,10 +5,10 @@
     <p:sldMasterId id="2147483648" r:id="rId1"/>
   </p:sldMasterIdLst>
   <p:notesMasterIdLst>
-    <p:notesMasterId r:id="rId33"/>
+    <p:notesMasterId r:id="rId36"/>
   </p:notesMasterIdLst>
   <p:handoutMasterIdLst>
-    <p:handoutMasterId r:id="rId34"/>
+    <p:handoutMasterId r:id="rId37"/>
   </p:handoutMasterIdLst>
   <p:sldIdLst>
     <p:sldId id="256" r:id="rId2"/>
@@ -35,13 +35,16 @@
     <p:sldId id="264" r:id="rId23"/>
     <p:sldId id="265" r:id="rId24"/>
     <p:sldId id="287" r:id="rId25"/>
-    <p:sldId id="266" r:id="rId26"/>
-    <p:sldId id="267" r:id="rId27"/>
-    <p:sldId id="268" r:id="rId28"/>
-    <p:sldId id="269" r:id="rId29"/>
-    <p:sldId id="271" r:id="rId30"/>
-    <p:sldId id="270" r:id="rId31"/>
-    <p:sldId id="272" r:id="rId32"/>
+    <p:sldId id="288" r:id="rId26"/>
+    <p:sldId id="289" r:id="rId27"/>
+    <p:sldId id="266" r:id="rId28"/>
+    <p:sldId id="267" r:id="rId29"/>
+    <p:sldId id="290" r:id="rId30"/>
+    <p:sldId id="268" r:id="rId31"/>
+    <p:sldId id="269" r:id="rId32"/>
+    <p:sldId id="271" r:id="rId33"/>
+    <p:sldId id="270" r:id="rId34"/>
+    <p:sldId id="272" r:id="rId35"/>
   </p:sldIdLst>
   <p:sldSz cx="9144000" cy="6858000" type="screen4x3"/>
   <p:notesSz cx="6858000" cy="9144000"/>
@@ -197,12 +200,15 @@
             <p14:sldId id="264"/>
             <p14:sldId id="265"/>
             <p14:sldId id="287"/>
+            <p14:sldId id="288"/>
+            <p14:sldId id="289"/>
           </p14:sldIdLst>
         </p14:section>
         <p14:section name="Exp4" id="{2177F082-25EC-4EFD-86B5-0F0767EF76BA}">
           <p14:sldIdLst>
             <p14:sldId id="266"/>
             <p14:sldId id="267"/>
+            <p14:sldId id="290"/>
           </p14:sldIdLst>
         </p14:section>
         <p14:section name="Exp5" id="{D4F404D7-3558-4F8B-8022-B26DDB3CE05F}">
@@ -1013,6 +1019,129 @@
           <a:p>
             <a:r>
               <a:rPr lang="pt-BR" dirty="0" smtClean="0"/>
+              <a:t>Fluxo muito</a:t>
+            </a:r>
+            <a:r>
+              <a:rPr lang="pt-BR" baseline="0" dirty="0" smtClean="0"/>
+              <a:t> similar ao anterior. Mesmo </a:t>
+            </a:r>
+            <a:r>
+              <a:rPr lang="pt-BR" baseline="0" dirty="0" err="1" smtClean="0"/>
+              <a:t>microcontrolador</a:t>
+            </a:r>
+            <a:r>
+              <a:rPr lang="pt-BR" baseline="0" dirty="0" smtClean="0"/>
+              <a:t> foi utilizado.</a:t>
+            </a:r>
+            <a:endParaRPr lang="pt-BR" dirty="0"/>
+          </a:p>
+        </p:txBody>
+      </p:sp>
+      <p:sp>
+        <p:nvSpPr>
+          <p:cNvPr id="4" name="Espaço Reservado para Cabeçalho 3"/>
+          <p:cNvSpPr>
+            <a:spLocks noGrp="1"/>
+          </p:cNvSpPr>
+          <p:nvPr>
+            <p:ph type="hdr" sz="quarter" idx="10"/>
+          </p:nvPr>
+        </p:nvSpPr>
+        <p:spPr/>
+        <p:txBody>
+          <a:bodyPr/>
+          <a:lstStyle/>
+          <a:p>
+            <a:r>
+              <a:rPr lang="pt-BR" smtClean="0"/>
+              <a:t>Trabalho de Graduação - Lucas Sousa de Oliveira</a:t>
+            </a:r>
+            <a:endParaRPr lang="pt-BR"/>
+          </a:p>
+        </p:txBody>
+      </p:sp>
+      <p:sp>
+        <p:nvSpPr>
+          <p:cNvPr id="5" name="Espaço Reservado para Número de Slide 4"/>
+          <p:cNvSpPr>
+            <a:spLocks noGrp="1"/>
+          </p:cNvSpPr>
+          <p:nvPr>
+            <p:ph type="sldNum" sz="quarter" idx="11"/>
+          </p:nvPr>
+        </p:nvSpPr>
+        <p:spPr/>
+        <p:txBody>
+          <a:bodyPr/>
+          <a:lstStyle/>
+          <a:p>
+            <a:fld id="{1E44202D-4052-406C-9FDC-32FFB5B9FC5A}" type="slidenum">
+              <a:rPr lang="pt-BR" smtClean="0"/>
+              <a:t>22</a:t>
+            </a:fld>
+            <a:endParaRPr lang="pt-BR"/>
+          </a:p>
+        </p:txBody>
+      </p:sp>
+    </p:spTree>
+    <p:extLst>
+      <p:ext uri="{BB962C8B-B14F-4D97-AF65-F5344CB8AC3E}">
+        <p14:creationId xmlns:p14="http://schemas.microsoft.com/office/powerpoint/2010/main" val="374732856"/>
+      </p:ext>
+    </p:extLst>
+  </p:cSld>
+  <p:clrMapOvr>
+    <a:masterClrMapping/>
+  </p:clrMapOvr>
+</p:notes>
+</file>
+
+<file path=ppt/notesSlides/notesSlide4.xml><?xml version="1.0" encoding="utf-8"?>
+<p:notes xmlns:a="http://schemas.openxmlformats.org/drawingml/2006/main" xmlns:r="http://schemas.openxmlformats.org/officeDocument/2006/relationships" xmlns:p="http://schemas.openxmlformats.org/presentationml/2006/main">
+  <p:cSld>
+    <p:spTree>
+      <p:nvGrpSpPr>
+        <p:cNvPr id="1" name=""/>
+        <p:cNvGrpSpPr/>
+        <p:nvPr/>
+      </p:nvGrpSpPr>
+      <p:grpSpPr>
+        <a:xfrm>
+          <a:off x="0" y="0"/>
+          <a:ext cx="0" cy="0"/>
+          <a:chOff x="0" y="0"/>
+          <a:chExt cx="0" cy="0"/>
+        </a:xfrm>
+      </p:grpSpPr>
+      <p:sp>
+        <p:nvSpPr>
+          <p:cNvPr id="2" name="Espaço Reservado para Imagem de Slide 1"/>
+          <p:cNvSpPr>
+            <a:spLocks noGrp="1" noRot="1" noChangeAspect="1"/>
+          </p:cNvSpPr>
+          <p:nvPr>
+            <p:ph type="sldImg"/>
+          </p:nvPr>
+        </p:nvSpPr>
+        <p:spPr/>
+      </p:sp>
+      <p:sp>
+        <p:nvSpPr>
+          <p:cNvPr id="3" name="Espaço Reservado para Anotações 2"/>
+          <p:cNvSpPr>
+            <a:spLocks noGrp="1"/>
+          </p:cNvSpPr>
+          <p:nvPr>
+            <p:ph type="body" idx="1"/>
+          </p:nvPr>
+        </p:nvSpPr>
+        <p:spPr/>
+        <p:txBody>
+          <a:bodyPr/>
+          <a:lstStyle/>
+          <a:p>
+            <a:r>
+              <a:rPr lang="pt-BR" dirty="0" smtClean="0"/>
               <a:t>Já que eu já estou carregando</a:t>
             </a:r>
             <a:r>
@@ -1023,11 +1152,7 @@
           <a:p>
             <a:r>
               <a:rPr lang="pt-BR" baseline="0" dirty="0" smtClean="0"/>
-              <a:t>Até porque carregar por carregar eu já testei no </a:t>
-            </a:r>
-            <a:r>
-              <a:rPr lang="pt-BR" baseline="0" smtClean="0"/>
-              <a:t>experimento anterior.</a:t>
+              <a:t>Até porque carregar por carregar eu já testei no experimento anterior.</a:t>
             </a:r>
           </a:p>
         </p:txBody>
@@ -1082,6 +1207,121 @@
     <p:extLst>
       <p:ext uri="{BB962C8B-B14F-4D97-AF65-F5344CB8AC3E}">
         <p14:creationId xmlns:p14="http://schemas.microsoft.com/office/powerpoint/2010/main" val="1900265468"/>
+      </p:ext>
+    </p:extLst>
+  </p:cSld>
+  <p:clrMapOvr>
+    <a:masterClrMapping/>
+  </p:clrMapOvr>
+</p:notes>
+</file>
+
+<file path=ppt/notesSlides/notesSlide5.xml><?xml version="1.0" encoding="utf-8"?>
+<p:notes xmlns:a="http://schemas.openxmlformats.org/drawingml/2006/main" xmlns:r="http://schemas.openxmlformats.org/officeDocument/2006/relationships" xmlns:p="http://schemas.openxmlformats.org/presentationml/2006/main">
+  <p:cSld>
+    <p:spTree>
+      <p:nvGrpSpPr>
+        <p:cNvPr id="1" name=""/>
+        <p:cNvGrpSpPr/>
+        <p:nvPr/>
+      </p:nvGrpSpPr>
+      <p:grpSpPr>
+        <a:xfrm>
+          <a:off x="0" y="0"/>
+          <a:ext cx="0" cy="0"/>
+          <a:chOff x="0" y="0"/>
+          <a:chExt cx="0" cy="0"/>
+        </a:xfrm>
+      </p:grpSpPr>
+      <p:sp>
+        <p:nvSpPr>
+          <p:cNvPr id="2" name="Espaço Reservado para Imagem de Slide 1"/>
+          <p:cNvSpPr>
+            <a:spLocks noGrp="1" noRot="1" noChangeAspect="1"/>
+          </p:cNvSpPr>
+          <p:nvPr>
+            <p:ph type="sldImg"/>
+          </p:nvPr>
+        </p:nvSpPr>
+        <p:spPr/>
+      </p:sp>
+      <p:sp>
+        <p:nvSpPr>
+          <p:cNvPr id="3" name="Espaço Reservado para Anotações 2"/>
+          <p:cNvSpPr>
+            <a:spLocks noGrp="1"/>
+          </p:cNvSpPr>
+          <p:nvPr>
+            <p:ph type="body" idx="1"/>
+          </p:nvPr>
+        </p:nvSpPr>
+        <p:spPr/>
+        <p:txBody>
+          <a:bodyPr/>
+          <a:lstStyle/>
+          <a:p>
+            <a:r>
+              <a:rPr lang="pt-BR" dirty="0" smtClean="0"/>
+              <a:t>Nota-se o loop no estágio inicial.</a:t>
+            </a:r>
+            <a:r>
+              <a:rPr lang="pt-BR" baseline="0" dirty="0" smtClean="0"/>
+              <a:t> Apesar disso, tentou-se ignorar o requisito que liga a SDK ao ISE, mas isto gerou erros na definição do programa inicial.</a:t>
+            </a:r>
+            <a:endParaRPr lang="pt-BR" dirty="0"/>
+          </a:p>
+        </p:txBody>
+      </p:sp>
+      <p:sp>
+        <p:nvSpPr>
+          <p:cNvPr id="4" name="Espaço Reservado para Cabeçalho 3"/>
+          <p:cNvSpPr>
+            <a:spLocks noGrp="1"/>
+          </p:cNvSpPr>
+          <p:nvPr>
+            <p:ph type="hdr" sz="quarter" idx="10"/>
+          </p:nvPr>
+        </p:nvSpPr>
+        <p:spPr/>
+        <p:txBody>
+          <a:bodyPr/>
+          <a:lstStyle/>
+          <a:p>
+            <a:r>
+              <a:rPr lang="pt-BR" smtClean="0"/>
+              <a:t>Trabalho de Graduação - Lucas Sousa de Oliveira</a:t>
+            </a:r>
+            <a:endParaRPr lang="pt-BR"/>
+          </a:p>
+        </p:txBody>
+      </p:sp>
+      <p:sp>
+        <p:nvSpPr>
+          <p:cNvPr id="5" name="Espaço Reservado para Número de Slide 4"/>
+          <p:cNvSpPr>
+            <a:spLocks noGrp="1"/>
+          </p:cNvSpPr>
+          <p:nvPr>
+            <p:ph type="sldNum" sz="quarter" idx="11"/>
+          </p:nvPr>
+        </p:nvSpPr>
+        <p:spPr/>
+        <p:txBody>
+          <a:bodyPr/>
+          <a:lstStyle/>
+          <a:p>
+            <a:fld id="{1E44202D-4052-406C-9FDC-32FFB5B9FC5A}" type="slidenum">
+              <a:rPr lang="pt-BR" smtClean="0"/>
+              <a:t>28</a:t>
+            </a:fld>
+            <a:endParaRPr lang="pt-BR"/>
+          </a:p>
+        </p:txBody>
+      </p:sp>
+    </p:spTree>
+    <p:extLst>
+      <p:ext uri="{BB962C8B-B14F-4D97-AF65-F5344CB8AC3E}">
+        <p14:creationId xmlns:p14="http://schemas.microsoft.com/office/powerpoint/2010/main" val="2812235418"/>
       </p:ext>
     </p:extLst>
   </p:cSld>
@@ -7273,7 +7513,11 @@
           <a:bodyPr/>
           <a:lstStyle/>
           <a:p>
-            <a:endParaRPr lang="pt-BR"/>
+            <a:r>
+              <a:rPr lang="pt-BR" dirty="0" smtClean="0"/>
+              <a:t>Experimento 2</a:t>
+            </a:r>
+            <a:endParaRPr lang="pt-BR" dirty="0"/>
           </a:p>
         </p:txBody>
       </p:sp>
@@ -7662,44 +7906,35 @@
           </a:p>
         </p:txBody>
       </p:sp>
-      <p:sp>
-        <p:nvSpPr>
-          <p:cNvPr id="8" name="Espaço Reservado para Conteúdo 7"/>
-          <p:cNvSpPr>
-            <a:spLocks noGrp="1"/>
-          </p:cNvSpPr>
+      <p:pic>
+        <p:nvPicPr>
+          <p:cNvPr id="14" name="Espaço Reservado para Conteúdo 13"/>
+          <p:cNvPicPr>
+            <a:picLocks noGrp="1" noChangeAspect="1"/>
+          </p:cNvPicPr>
           <p:nvPr>
             <p:ph sz="half" idx="1"/>
           </p:nvPr>
-        </p:nvSpPr>
-        <p:spPr/>
-        <p:txBody>
-          <a:bodyPr/>
-          <a:lstStyle/>
-          <a:p>
-            <a:endParaRPr lang="pt-BR"/>
-          </a:p>
-        </p:txBody>
-      </p:sp>
-      <p:sp>
-        <p:nvSpPr>
-          <p:cNvPr id="9" name="Espaço Reservado para Conteúdo 8"/>
-          <p:cNvSpPr>
-            <a:spLocks noGrp="1"/>
-          </p:cNvSpPr>
-          <p:nvPr>
-            <p:ph sz="half" idx="2"/>
-          </p:nvPr>
-        </p:nvSpPr>
-        <p:spPr/>
-        <p:txBody>
-          <a:bodyPr/>
-          <a:lstStyle/>
-          <a:p>
-            <a:endParaRPr lang="pt-BR"/>
-          </a:p>
-        </p:txBody>
-      </p:sp>
+        </p:nvPicPr>
+        <p:blipFill>
+          <a:blip r:embed="rId3">
+            <a:extLst>
+              <a:ext uri="{28A0092B-C50C-407E-A947-70E740481C1C}">
+                <a14:useLocalDpi xmlns:a14="http://schemas.microsoft.com/office/drawing/2010/main" val="0"/>
+              </a:ext>
+            </a:extLst>
+          </a:blip>
+          <a:stretch>
+            <a:fillRect/>
+          </a:stretch>
+        </p:blipFill>
+        <p:spPr>
+          <a:xfrm>
+            <a:off x="972000" y="2060848"/>
+            <a:ext cx="7200000" cy="1322704"/>
+          </a:xfrm>
+        </p:spPr>
+      </p:pic>
       <p:sp>
         <p:nvSpPr>
           <p:cNvPr id="4" name="Espaço Reservado para Data 3"/>
@@ -7768,6 +8003,238 @@
           </a:p>
         </p:txBody>
       </p:sp>
+      <p:graphicFrame>
+        <p:nvGraphicFramePr>
+          <p:cNvPr id="13" name="Espaço Reservado para Conteúdo 12"/>
+          <p:cNvGraphicFramePr>
+            <a:graphicFrameLocks noGrp="1"/>
+          </p:cNvGraphicFramePr>
+          <p:nvPr>
+            <p:ph sz="half" idx="2"/>
+            <p:extLst>
+              <p:ext uri="{D42A27DB-BD31-4B8C-83A1-F6EECF244321}">
+                <p14:modId xmlns:p14="http://schemas.microsoft.com/office/powerpoint/2010/main" val="2148023014"/>
+              </p:ext>
+            </p:extLst>
+          </p:nvPr>
+        </p:nvGraphicFramePr>
+        <p:xfrm>
+          <a:off x="1619672" y="3501008"/>
+          <a:ext cx="5904656" cy="2225040"/>
+        </p:xfrm>
+        <a:graphic>
+          <a:graphicData uri="http://schemas.openxmlformats.org/drawingml/2006/table">
+            <a:tbl>
+              <a:tblPr firstRow="1">
+                <a:tableStyleId>{9D7B26C5-4107-4FEC-AEDC-1716B250A1EF}</a:tableStyleId>
+              </a:tblPr>
+              <a:tblGrid>
+                <a:gridCol w="2099465"/>
+                <a:gridCol w="3805191"/>
+              </a:tblGrid>
+              <a:tr h="370840">
+                <a:tc>
+                  <a:txBody>
+                    <a:bodyPr/>
+                    <a:lstStyle/>
+                    <a:p>
+                      <a:pPr algn="ctr"/>
+                      <a:r>
+                        <a:rPr lang="pt-BR" dirty="0" smtClean="0"/>
+                        <a:t>Identificador</a:t>
+                      </a:r>
+                      <a:endParaRPr lang="pt-BR" dirty="0"/>
+                    </a:p>
+                  </a:txBody>
+                  <a:tcPr/>
+                </a:tc>
+                <a:tc>
+                  <a:txBody>
+                    <a:bodyPr/>
+                    <a:lstStyle/>
+                    <a:p>
+                      <a:pPr algn="ctr"/>
+                      <a:r>
+                        <a:rPr lang="pt-BR" dirty="0" smtClean="0"/>
+                        <a:t>Valor</a:t>
+                      </a:r>
+                      <a:endParaRPr lang="pt-BR" dirty="0"/>
+                    </a:p>
+                  </a:txBody>
+                  <a:tcPr/>
+                </a:tc>
+              </a:tr>
+              <a:tr h="370840">
+                <a:tc>
+                  <a:txBody>
+                    <a:bodyPr/>
+                    <a:lstStyle/>
+                    <a:p>
+                      <a:pPr algn="ctr"/>
+                      <a:r>
+                        <a:rPr lang="pt-BR" dirty="0" smtClean="0"/>
+                        <a:t>“a”</a:t>
+                      </a:r>
+                      <a:endParaRPr lang="pt-BR" dirty="0"/>
+                    </a:p>
+                  </a:txBody>
+                  <a:tcPr/>
+                </a:tc>
+                <a:tc>
+                  <a:txBody>
+                    <a:bodyPr/>
+                    <a:lstStyle/>
+                    <a:p>
+                      <a:r>
+                        <a:rPr lang="pt-BR" sz="1800" u="none" strike="noStrike" kern="1200" baseline="0" dirty="0" err="1" smtClean="0"/>
+                        <a:t>Blank_routed.ncd</a:t>
+                      </a:r>
+                      <a:r>
+                        <a:rPr lang="pt-BR" sz="1800" u="none" strike="noStrike" kern="1200" baseline="0" dirty="0" smtClean="0"/>
+                        <a:t>; </a:t>
+                      </a:r>
+                      <a:r>
+                        <a:rPr lang="pt-BR" sz="1800" u="none" strike="noStrike" kern="1200" baseline="0" dirty="0" err="1" smtClean="0"/>
+                        <a:t>UserID</a:t>
+                      </a:r>
+                      <a:r>
+                        <a:rPr lang="pt-BR" sz="1800" u="none" strike="noStrike" kern="1200" baseline="0" dirty="0" smtClean="0"/>
+                        <a:t>=0xFFFFFFFF</a:t>
+                      </a:r>
+                      <a:endParaRPr lang="pt-BR" dirty="0"/>
+                    </a:p>
+                  </a:txBody>
+                  <a:tcPr/>
+                </a:tc>
+              </a:tr>
+              <a:tr h="370840">
+                <a:tc>
+                  <a:txBody>
+                    <a:bodyPr/>
+                    <a:lstStyle/>
+                    <a:p>
+                      <a:pPr algn="ctr"/>
+                      <a:r>
+                        <a:rPr lang="pt-BR" dirty="0" smtClean="0"/>
+                        <a:t>“b”</a:t>
+                      </a:r>
+                      <a:endParaRPr lang="pt-BR" dirty="0"/>
+                    </a:p>
+                  </a:txBody>
+                  <a:tcPr/>
+                </a:tc>
+                <a:tc>
+                  <a:txBody>
+                    <a:bodyPr/>
+                    <a:lstStyle/>
+                    <a:p>
+                      <a:r>
+                        <a:rPr lang="pt-BR" sz="1800" u="none" strike="noStrike" kern="1200" baseline="0" dirty="0" smtClean="0"/>
+                        <a:t>7k325tffg900</a:t>
+                      </a:r>
+                      <a:endParaRPr lang="pt-BR" dirty="0"/>
+                    </a:p>
+                  </a:txBody>
+                  <a:tcPr/>
+                </a:tc>
+              </a:tr>
+              <a:tr h="370840">
+                <a:tc>
+                  <a:txBody>
+                    <a:bodyPr/>
+                    <a:lstStyle/>
+                    <a:p>
+                      <a:pPr algn="ctr"/>
+                      <a:r>
+                        <a:rPr lang="pt-BR" dirty="0" smtClean="0"/>
+                        <a:t>“c”</a:t>
+                      </a:r>
+                      <a:endParaRPr lang="pt-BR" dirty="0"/>
+                    </a:p>
+                  </a:txBody>
+                  <a:tcPr/>
+                </a:tc>
+                <a:tc>
+                  <a:txBody>
+                    <a:bodyPr/>
+                    <a:lstStyle/>
+                    <a:p>
+                      <a:r>
+                        <a:rPr lang="pt-BR" sz="1800" u="none" strike="noStrike" kern="1200" baseline="0" dirty="0" smtClean="0"/>
+                        <a:t>2013/11/26</a:t>
+                      </a:r>
+                      <a:endParaRPr lang="pt-BR" dirty="0"/>
+                    </a:p>
+                  </a:txBody>
+                  <a:tcPr/>
+                </a:tc>
+              </a:tr>
+              <a:tr h="370840">
+                <a:tc>
+                  <a:txBody>
+                    <a:bodyPr/>
+                    <a:lstStyle/>
+                    <a:p>
+                      <a:pPr algn="ctr"/>
+                      <a:r>
+                        <a:rPr lang="pt-BR" dirty="0" smtClean="0"/>
+                        <a:t>“d”</a:t>
+                      </a:r>
+                      <a:endParaRPr lang="pt-BR" dirty="0"/>
+                    </a:p>
+                  </a:txBody>
+                  <a:tcPr/>
+                </a:tc>
+                <a:tc>
+                  <a:txBody>
+                    <a:bodyPr/>
+                    <a:lstStyle/>
+                    <a:p>
+                      <a:r>
+                        <a:rPr lang="pt-BR" sz="1800" u="none" strike="noStrike" kern="1200" baseline="0" dirty="0" smtClean="0"/>
+                        <a:t>08:54:11</a:t>
+                      </a:r>
+                      <a:endParaRPr lang="pt-BR" dirty="0"/>
+                    </a:p>
+                  </a:txBody>
+                  <a:tcPr/>
+                </a:tc>
+              </a:tr>
+              <a:tr h="370840">
+                <a:tc>
+                  <a:txBody>
+                    <a:bodyPr/>
+                    <a:lstStyle/>
+                    <a:p>
+                      <a:pPr algn="ctr"/>
+                      <a:r>
+                        <a:rPr lang="pt-BR" dirty="0" smtClean="0"/>
+                        <a:t>“e”</a:t>
+                      </a:r>
+                      <a:endParaRPr lang="pt-BR" dirty="0"/>
+                    </a:p>
+                  </a:txBody>
+                  <a:tcPr/>
+                </a:tc>
+                <a:tc>
+                  <a:txBody>
+                    <a:bodyPr/>
+                    <a:lstStyle/>
+                    <a:p>
+                      <a:r>
+                        <a:rPr lang="pt-BR" sz="1800" u="none" strike="noStrike" kern="1200" baseline="0" dirty="0" smtClean="0"/>
+                        <a:t>661188 bytes</a:t>
+                      </a:r>
+                      <a:endParaRPr lang="pt-BR" dirty="0"/>
+                    </a:p>
+                  </a:txBody>
+                  <a:tcPr/>
+                </a:tc>
+              </a:tr>
+            </a:tbl>
+          </a:graphicData>
+        </a:graphic>
+      </p:graphicFrame>
     </p:spTree>
     <p:extLst>
       <p:ext uri="{BB962C8B-B14F-4D97-AF65-F5344CB8AC3E}">
@@ -7781,7 +8248,83 @@
   <p:timing>
     <p:tnLst>
       <p:par>
-        <p:cTn id="1" dur="indefinite" restart="never" nodeType="tmRoot"/>
+        <p:cTn id="1" dur="indefinite" restart="never" nodeType="tmRoot">
+          <p:childTnLst>
+            <p:seq concurrent="1" nextAc="seek">
+              <p:cTn id="2" dur="indefinite" nodeType="mainSeq">
+                <p:childTnLst>
+                  <p:par>
+                    <p:cTn id="3" fill="hold">
+                      <p:stCondLst>
+                        <p:cond delay="indefinite"/>
+                      </p:stCondLst>
+                      <p:childTnLst>
+                        <p:par>
+                          <p:cTn id="4" fill="hold">
+                            <p:stCondLst>
+                              <p:cond delay="0"/>
+                            </p:stCondLst>
+                            <p:childTnLst>
+                              <p:par>
+                                <p:cTn id="5" presetID="10" presetClass="entr" presetSubtype="0" fill="hold" nodeType="clickEffect">
+                                  <p:stCondLst>
+                                    <p:cond delay="0"/>
+                                  </p:stCondLst>
+                                  <p:childTnLst>
+                                    <p:set>
+                                      <p:cBhvr>
+                                        <p:cTn id="6" dur="1" fill="hold">
+                                          <p:stCondLst>
+                                            <p:cond delay="0"/>
+                                          </p:stCondLst>
+                                        </p:cTn>
+                                        <p:tgtEl>
+                                          <p:spTgt spid="13"/>
+                                        </p:tgtEl>
+                                        <p:attrNameLst>
+                                          <p:attrName>style.visibility</p:attrName>
+                                        </p:attrNameLst>
+                                      </p:cBhvr>
+                                      <p:to>
+                                        <p:strVal val="visible"/>
+                                      </p:to>
+                                    </p:set>
+                                    <p:animEffect transition="in" filter="fade">
+                                      <p:cBhvr>
+                                        <p:cTn id="7" dur="500"/>
+                                        <p:tgtEl>
+                                          <p:spTgt spid="13"/>
+                                        </p:tgtEl>
+                                      </p:cBhvr>
+                                    </p:animEffect>
+                                  </p:childTnLst>
+                                </p:cTn>
+                              </p:par>
+                            </p:childTnLst>
+                          </p:cTn>
+                        </p:par>
+                      </p:childTnLst>
+                    </p:cTn>
+                  </p:par>
+                </p:childTnLst>
+              </p:cTn>
+              <p:prevCondLst>
+                <p:cond evt="onPrev" delay="0">
+                  <p:tgtEl>
+                    <p:sldTgt/>
+                  </p:tgtEl>
+                </p:cond>
+              </p:prevCondLst>
+              <p:nextCondLst>
+                <p:cond evt="onNext" delay="0">
+                  <p:tgtEl>
+                    <p:sldTgt/>
+                  </p:tgtEl>
+                </p:cond>
+              </p:nextCondLst>
+            </p:seq>
+          </p:childTnLst>
+        </p:cTn>
       </p:par>
     </p:tnLst>
   </p:timing>
@@ -7817,14 +8360,12 @@
         </p:nvSpPr>
         <p:spPr/>
         <p:txBody>
-          <a:bodyPr>
-            <a:normAutofit/>
-          </a:bodyPr>
+          <a:bodyPr/>
           <a:lstStyle/>
           <a:p>
             <a:r>
               <a:rPr lang="pt-BR" dirty="0" smtClean="0"/>
-              <a:t>Experimento 4</a:t>
+              <a:t>Inicialização da Memória</a:t>
             </a:r>
             <a:endParaRPr lang="pt-BR" dirty="0"/>
           </a:p>
@@ -7837,21 +8378,37 @@
             <a:spLocks noGrp="1"/>
           </p:cNvSpPr>
           <p:nvPr>
-            <p:ph idx="1"/>
-          </p:nvPr>
-        </p:nvSpPr>
-        <p:spPr/>
-        <p:txBody>
-          <a:bodyPr/>
-          <a:lstStyle/>
-          <a:p>
-            <a:endParaRPr lang="pt-BR"/>
-          </a:p>
-        </p:txBody>
-      </p:sp>
-      <p:sp>
-        <p:nvSpPr>
-          <p:cNvPr id="4" name="Espaço Reservado para Data 3"/>
+            <p:ph sz="half" idx="1"/>
+          </p:nvPr>
+        </p:nvSpPr>
+        <p:spPr/>
+        <p:txBody>
+          <a:bodyPr/>
+          <a:lstStyle/>
+          <a:p>
+            <a:r>
+              <a:rPr lang="pt-BR" dirty="0" smtClean="0"/>
+              <a:t>XST</a:t>
+            </a:r>
+          </a:p>
+          <a:p>
+            <a:r>
+              <a:rPr lang="pt-BR" dirty="0" smtClean="0"/>
+              <a:t>data2mem</a:t>
+            </a:r>
+          </a:p>
+          <a:p>
+            <a:r>
+              <a:rPr lang="pt-BR" dirty="0" err="1" smtClean="0"/>
+              <a:t>iMPACT</a:t>
+            </a:r>
+            <a:endParaRPr lang="pt-BR" dirty="0"/>
+          </a:p>
+        </p:txBody>
+      </p:sp>
+      <p:sp>
+        <p:nvSpPr>
+          <p:cNvPr id="5" name="Espaço Reservado para Data 4"/>
           <p:cNvSpPr>
             <a:spLocks noGrp="1"/>
           </p:cNvSpPr>
@@ -7874,7 +8431,7 @@
       </p:sp>
       <p:sp>
         <p:nvSpPr>
-          <p:cNvPr id="5" name="Espaço Reservado para Rodapé 4"/>
+          <p:cNvPr id="6" name="Espaço Reservado para Rodapé 5"/>
           <p:cNvSpPr>
             <a:spLocks noGrp="1"/>
           </p:cNvSpPr>
@@ -7887,13 +8444,17 @@
           <a:bodyPr/>
           <a:lstStyle/>
           <a:p>
-            <a:endParaRPr lang="pt-BR"/>
-          </a:p>
-        </p:txBody>
-      </p:sp>
-      <p:sp>
-        <p:nvSpPr>
-          <p:cNvPr id="6" name="Espaço Reservado para Número de Slide 5"/>
+            <a:r>
+              <a:rPr lang="pt-BR" dirty="0" smtClean="0"/>
+              <a:t>Experimento 3</a:t>
+            </a:r>
+            <a:endParaRPr lang="pt-BR" dirty="0"/>
+          </a:p>
+        </p:txBody>
+      </p:sp>
+      <p:sp>
+        <p:nvSpPr>
+          <p:cNvPr id="7" name="Espaço Reservado para Número de Slide 6"/>
           <p:cNvSpPr>
             <a:spLocks noGrp="1"/>
           </p:cNvSpPr>
@@ -7914,10 +8475,39 @@
           </a:p>
         </p:txBody>
       </p:sp>
+      <p:pic>
+        <p:nvPicPr>
+          <p:cNvPr id="10" name="Espaço Reservado para Conteúdo 9"/>
+          <p:cNvPicPr>
+            <a:picLocks noGrp="1" noChangeAspect="1"/>
+          </p:cNvPicPr>
+          <p:nvPr>
+            <p:ph sz="half" idx="2"/>
+          </p:nvPr>
+        </p:nvPicPr>
+        <p:blipFill>
+          <a:blip r:embed="rId2" cstate="print">
+            <a:extLst>
+              <a:ext uri="{28A0092B-C50C-407E-A947-70E740481C1C}">
+                <a14:useLocalDpi xmlns:a14="http://schemas.microsoft.com/office/drawing/2010/main" val="0"/>
+              </a:ext>
+            </a:extLst>
+          </a:blip>
+          <a:stretch>
+            <a:fillRect/>
+          </a:stretch>
+        </p:blipFill>
+        <p:spPr>
+          <a:xfrm>
+            <a:off x="612000" y="4293096"/>
+            <a:ext cx="7920000" cy="1254839"/>
+          </a:xfrm>
+        </p:spPr>
+      </p:pic>
     </p:spTree>
     <p:extLst>
       <p:ext uri="{BB962C8B-B14F-4D97-AF65-F5344CB8AC3E}">
-        <p14:creationId xmlns:p14="http://schemas.microsoft.com/office/powerpoint/2010/main" val="1631175770"/>
+        <p14:creationId xmlns:p14="http://schemas.microsoft.com/office/powerpoint/2010/main" val="1484258185"/>
       </p:ext>
     </p:extLst>
   </p:cSld>
@@ -7981,21 +8571,57 @@
             <a:spLocks noGrp="1"/>
           </p:cNvSpPr>
           <p:nvPr>
-            <p:ph idx="1"/>
-          </p:nvPr>
-        </p:nvSpPr>
-        <p:spPr/>
-        <p:txBody>
-          <a:bodyPr/>
-          <a:lstStyle/>
-          <a:p>
-            <a:endParaRPr lang="pt-BR"/>
-          </a:p>
-        </p:txBody>
-      </p:sp>
-      <p:sp>
-        <p:nvSpPr>
-          <p:cNvPr id="4" name="Espaço Reservado para Data 3"/>
+            <p:ph sz="half" idx="1"/>
+          </p:nvPr>
+        </p:nvSpPr>
+        <p:spPr/>
+        <p:txBody>
+          <a:bodyPr/>
+          <a:lstStyle/>
+          <a:p>
+            <a:pPr marL="0" indent="0">
+              <a:buNone/>
+            </a:pPr>
+            <a:r>
+              <a:rPr lang="pt-BR" dirty="0" smtClean="0"/>
+              <a:t>Este experimento foi bem sucedido.</a:t>
+            </a:r>
+            <a:endParaRPr lang="pt-BR" dirty="0"/>
+          </a:p>
+        </p:txBody>
+      </p:sp>
+      <p:pic>
+        <p:nvPicPr>
+          <p:cNvPr id="8" name="Espaço Reservado para Conteúdo 7"/>
+          <p:cNvPicPr>
+            <a:picLocks noGrp="1" noChangeAspect="1"/>
+          </p:cNvPicPr>
+          <p:nvPr>
+            <p:ph sz="half" idx="2"/>
+          </p:nvPr>
+        </p:nvPicPr>
+        <p:blipFill>
+          <a:blip r:embed="rId2" cstate="print">
+            <a:extLst>
+              <a:ext uri="{28A0092B-C50C-407E-A947-70E740481C1C}">
+                <a14:useLocalDpi xmlns:a14="http://schemas.microsoft.com/office/drawing/2010/main" val="0"/>
+              </a:ext>
+            </a:extLst>
+          </a:blip>
+          <a:stretch>
+            <a:fillRect/>
+          </a:stretch>
+        </p:blipFill>
+        <p:spPr>
+          <a:xfrm>
+            <a:off x="4712507" y="1600200"/>
+            <a:ext cx="3909986" cy="4525963"/>
+          </a:xfrm>
+        </p:spPr>
+      </p:pic>
+      <p:sp>
+        <p:nvSpPr>
+          <p:cNvPr id="5" name="Espaço Reservado para Data 4"/>
           <p:cNvSpPr>
             <a:spLocks noGrp="1"/>
           </p:cNvSpPr>
@@ -8018,7 +8644,7 @@
       </p:sp>
       <p:sp>
         <p:nvSpPr>
-          <p:cNvPr id="5" name="Espaço Reservado para Rodapé 4"/>
+          <p:cNvPr id="6" name="Espaço Reservado para Rodapé 5"/>
           <p:cNvSpPr>
             <a:spLocks noGrp="1"/>
           </p:cNvSpPr>
@@ -8037,7 +8663,7 @@
       </p:sp>
       <p:sp>
         <p:nvSpPr>
-          <p:cNvPr id="6" name="Espaço Reservado para Número de Slide 5"/>
+          <p:cNvPr id="7" name="Espaço Reservado para Número de Slide 6"/>
           <p:cNvSpPr>
             <a:spLocks noGrp="1"/>
           </p:cNvSpPr>
@@ -8061,7 +8687,7 @@
     </p:spTree>
     <p:extLst>
       <p:ext uri="{BB962C8B-B14F-4D97-AF65-F5344CB8AC3E}">
-        <p14:creationId xmlns:p14="http://schemas.microsoft.com/office/powerpoint/2010/main" val="1178305631"/>
+        <p14:creationId xmlns:p14="http://schemas.microsoft.com/office/powerpoint/2010/main" val="3382419477"/>
       </p:ext>
     </p:extLst>
   </p:cSld>
@@ -8113,29 +8739,32 @@
           <a:lstStyle/>
           <a:p>
             <a:r>
+              <a:rPr lang="pt-BR" dirty="0"/>
+              <a:t>Autorreconfiguração com MicroBlaze e DDR3</a:t>
+            </a:r>
+          </a:p>
+        </p:txBody>
+      </p:sp>
+      <p:sp>
+        <p:nvSpPr>
+          <p:cNvPr id="7" name="Espaço Reservado para Texto 6"/>
+          <p:cNvSpPr>
+            <a:spLocks noGrp="1"/>
+          </p:cNvSpPr>
+          <p:nvPr>
+            <p:ph type="body" idx="1"/>
+          </p:nvPr>
+        </p:nvSpPr>
+        <p:spPr/>
+        <p:txBody>
+          <a:bodyPr/>
+          <a:lstStyle/>
+          <a:p>
+            <a:r>
               <a:rPr lang="pt-BR" dirty="0" smtClean="0"/>
-              <a:t>Experimento 5</a:t>
+              <a:t>Experimento 4</a:t>
             </a:r>
             <a:endParaRPr lang="pt-BR" dirty="0"/>
-          </a:p>
-        </p:txBody>
-      </p:sp>
-      <p:sp>
-        <p:nvSpPr>
-          <p:cNvPr id="3" name="Espaço Reservado para Conteúdo 2"/>
-          <p:cNvSpPr>
-            <a:spLocks noGrp="1"/>
-          </p:cNvSpPr>
-          <p:nvPr>
-            <p:ph idx="1"/>
-          </p:nvPr>
-        </p:nvSpPr>
-        <p:spPr/>
-        <p:txBody>
-          <a:bodyPr/>
-          <a:lstStyle/>
-          <a:p>
-            <a:endParaRPr lang="pt-BR"/>
           </a:p>
         </p:txBody>
       </p:sp>
@@ -8207,7 +8836,7 @@
     </p:spTree>
     <p:extLst>
       <p:ext uri="{BB962C8B-B14F-4D97-AF65-F5344CB8AC3E}">
-        <p14:creationId xmlns:p14="http://schemas.microsoft.com/office/powerpoint/2010/main" val="669085642"/>
+        <p14:creationId xmlns:p14="http://schemas.microsoft.com/office/powerpoint/2010/main" val="1631175770"/>
       </p:ext>
     </p:extLst>
   </p:cSld>
@@ -8258,31 +8887,41 @@
           <a:p>
             <a:r>
               <a:rPr lang="pt-BR" dirty="0" smtClean="0"/>
-              <a:t>Resultados</a:t>
+              <a:t>Fluxo de Projeto</a:t>
             </a:r>
             <a:endParaRPr lang="pt-BR" dirty="0"/>
           </a:p>
         </p:txBody>
       </p:sp>
-      <p:sp>
-        <p:nvSpPr>
-          <p:cNvPr id="3" name="Espaço Reservado para Conteúdo 2"/>
-          <p:cNvSpPr>
-            <a:spLocks noGrp="1"/>
-          </p:cNvSpPr>
+      <p:pic>
+        <p:nvPicPr>
+          <p:cNvPr id="7" name="Espaço Reservado para Conteúdo 6"/>
+          <p:cNvPicPr>
+            <a:picLocks noGrp="1" noChangeAspect="1"/>
+          </p:cNvPicPr>
           <p:nvPr>
             <p:ph idx="1"/>
           </p:nvPr>
-        </p:nvSpPr>
-        <p:spPr/>
-        <p:txBody>
-          <a:bodyPr/>
-          <a:lstStyle/>
-          <a:p>
-            <a:endParaRPr lang="pt-BR"/>
-          </a:p>
-        </p:txBody>
-      </p:sp>
+        </p:nvPicPr>
+        <p:blipFill>
+          <a:blip r:embed="rId3" cstate="print">
+            <a:extLst>
+              <a:ext uri="{28A0092B-C50C-407E-A947-70E740481C1C}">
+                <a14:useLocalDpi xmlns:a14="http://schemas.microsoft.com/office/drawing/2010/main" val="0"/>
+              </a:ext>
+            </a:extLst>
+          </a:blip>
+          <a:stretch>
+            <a:fillRect/>
+          </a:stretch>
+        </p:blipFill>
+        <p:spPr>
+          <a:xfrm>
+            <a:off x="457200" y="2945951"/>
+            <a:ext cx="8229600" cy="1834461"/>
+          </a:xfrm>
+        </p:spPr>
+      </p:pic>
       <p:sp>
         <p:nvSpPr>
           <p:cNvPr id="4" name="Espaço Reservado para Data 3"/>
@@ -8321,7 +8960,11 @@
           <a:bodyPr/>
           <a:lstStyle/>
           <a:p>
-            <a:endParaRPr lang="pt-BR"/>
+            <a:r>
+              <a:rPr lang="pt-BR" dirty="0" smtClean="0"/>
+              <a:t>Experimento 4</a:t>
+            </a:r>
+            <a:endParaRPr lang="pt-BR" dirty="0"/>
           </a:p>
         </p:txBody>
       </p:sp>
@@ -8351,7 +8994,7 @@
     </p:spTree>
     <p:extLst>
       <p:ext uri="{BB962C8B-B14F-4D97-AF65-F5344CB8AC3E}">
-        <p14:creationId xmlns:p14="http://schemas.microsoft.com/office/powerpoint/2010/main" val="1197866311"/>
+        <p14:creationId xmlns:p14="http://schemas.microsoft.com/office/powerpoint/2010/main" val="1178305631"/>
       </p:ext>
     </p:extLst>
   </p:cSld>
@@ -8402,7 +9045,7 @@
           <a:p>
             <a:r>
               <a:rPr lang="pt-BR" dirty="0" smtClean="0"/>
-              <a:t>Resultados Gerais</a:t>
+              <a:t>Resultados</a:t>
             </a:r>
             <a:endParaRPr lang="pt-BR" dirty="0"/>
           </a:p>
@@ -8410,7 +9053,7 @@
       </p:sp>
       <p:sp>
         <p:nvSpPr>
-          <p:cNvPr id="3" name="Espaço Reservado para Conteúdo 2"/>
+          <p:cNvPr id="8" name="Espaço Reservado para Conteúdo 7"/>
           <p:cNvSpPr>
             <a:spLocks noGrp="1"/>
           </p:cNvSpPr>
@@ -8423,7 +9066,31 @@
           <a:bodyPr/>
           <a:lstStyle/>
           <a:p>
-            <a:endParaRPr lang="pt-BR"/>
+            <a:pPr marL="0" indent="0">
+              <a:buNone/>
+            </a:pPr>
+            <a:r>
+              <a:rPr lang="pt-BR" dirty="0" smtClean="0"/>
+              <a:t>Este experimento requer modificações</a:t>
+            </a:r>
+          </a:p>
+          <a:p>
+            <a:r>
+              <a:rPr lang="pt-BR" dirty="0" smtClean="0"/>
+              <a:t>Remoção da DDR3</a:t>
+            </a:r>
+          </a:p>
+          <a:p>
+            <a:r>
+              <a:rPr lang="pt-BR" dirty="0" smtClean="0"/>
+              <a:t>Usar MicroBlaze como Top</a:t>
+            </a:r>
+          </a:p>
+          <a:p>
+            <a:endParaRPr lang="pt-BR" dirty="0" smtClean="0"/>
+          </a:p>
+          <a:p>
+            <a:endParaRPr lang="pt-BR" dirty="0"/>
           </a:p>
         </p:txBody>
       </p:sp>
@@ -8465,7 +9132,11 @@
           <a:bodyPr/>
           <a:lstStyle/>
           <a:p>
-            <a:endParaRPr lang="pt-BR"/>
+            <a:r>
+              <a:rPr lang="pt-BR" dirty="0" smtClean="0"/>
+              <a:t>Experimento 4</a:t>
+            </a:r>
+            <a:endParaRPr lang="pt-BR" dirty="0"/>
           </a:p>
         </p:txBody>
       </p:sp>
@@ -8495,7 +9166,7 @@
     </p:spTree>
     <p:extLst>
       <p:ext uri="{BB962C8B-B14F-4D97-AF65-F5344CB8AC3E}">
-        <p14:creationId xmlns:p14="http://schemas.microsoft.com/office/powerpoint/2010/main" val="3117479486"/>
+        <p14:creationId xmlns:p14="http://schemas.microsoft.com/office/powerpoint/2010/main" val="3011382053"/>
       </p:ext>
     </p:extLst>
   </p:cSld>
@@ -8689,12 +9360,14 @@
         </p:nvSpPr>
         <p:spPr/>
         <p:txBody>
-          <a:bodyPr/>
+          <a:bodyPr>
+            <a:normAutofit/>
+          </a:bodyPr>
           <a:lstStyle/>
           <a:p>
             <a:r>
               <a:rPr lang="pt-BR" dirty="0" smtClean="0"/>
-              <a:t>Fluxo de Projeto Final</a:t>
+              <a:t>Experimento 5</a:t>
             </a:r>
             <a:endParaRPr lang="pt-BR" dirty="0"/>
           </a:p>
@@ -8787,7 +9460,7 @@
     </p:spTree>
     <p:extLst>
       <p:ext uri="{BB962C8B-B14F-4D97-AF65-F5344CB8AC3E}">
-        <p14:creationId xmlns:p14="http://schemas.microsoft.com/office/powerpoint/2010/main" val="942896521"/>
+        <p14:creationId xmlns:p14="http://schemas.microsoft.com/office/powerpoint/2010/main" val="669085642"/>
       </p:ext>
     </p:extLst>
   </p:cSld>
@@ -8838,6 +9511,438 @@
           <a:p>
             <a:r>
               <a:rPr lang="pt-BR" dirty="0" smtClean="0"/>
+              <a:t>Resultados</a:t>
+            </a:r>
+            <a:endParaRPr lang="pt-BR" dirty="0"/>
+          </a:p>
+        </p:txBody>
+      </p:sp>
+      <p:sp>
+        <p:nvSpPr>
+          <p:cNvPr id="3" name="Espaço Reservado para Conteúdo 2"/>
+          <p:cNvSpPr>
+            <a:spLocks noGrp="1"/>
+          </p:cNvSpPr>
+          <p:nvPr>
+            <p:ph idx="1"/>
+          </p:nvPr>
+        </p:nvSpPr>
+        <p:spPr/>
+        <p:txBody>
+          <a:bodyPr/>
+          <a:lstStyle/>
+          <a:p>
+            <a:endParaRPr lang="pt-BR"/>
+          </a:p>
+        </p:txBody>
+      </p:sp>
+      <p:sp>
+        <p:nvSpPr>
+          <p:cNvPr id="4" name="Espaço Reservado para Data 3"/>
+          <p:cNvSpPr>
+            <a:spLocks noGrp="1"/>
+          </p:cNvSpPr>
+          <p:nvPr>
+            <p:ph type="dt" sz="half" idx="10"/>
+          </p:nvPr>
+        </p:nvSpPr>
+        <p:spPr/>
+        <p:txBody>
+          <a:bodyPr/>
+          <a:lstStyle/>
+          <a:p>
+            <a:r>
+              <a:rPr lang="pt-BR" smtClean="0"/>
+              <a:t>16 de dezembro de 2013</a:t>
+            </a:r>
+            <a:endParaRPr lang="pt-BR"/>
+          </a:p>
+        </p:txBody>
+      </p:sp>
+      <p:sp>
+        <p:nvSpPr>
+          <p:cNvPr id="5" name="Espaço Reservado para Rodapé 4"/>
+          <p:cNvSpPr>
+            <a:spLocks noGrp="1"/>
+          </p:cNvSpPr>
+          <p:nvPr>
+            <p:ph type="ftr" sz="quarter" idx="11"/>
+          </p:nvPr>
+        </p:nvSpPr>
+        <p:spPr/>
+        <p:txBody>
+          <a:bodyPr/>
+          <a:lstStyle/>
+          <a:p>
+            <a:endParaRPr lang="pt-BR"/>
+          </a:p>
+        </p:txBody>
+      </p:sp>
+      <p:sp>
+        <p:nvSpPr>
+          <p:cNvPr id="6" name="Espaço Reservado para Número de Slide 5"/>
+          <p:cNvSpPr>
+            <a:spLocks noGrp="1"/>
+          </p:cNvSpPr>
+          <p:nvPr>
+            <p:ph type="sldNum" sz="quarter" idx="12"/>
+          </p:nvPr>
+        </p:nvSpPr>
+        <p:spPr/>
+        <p:txBody>
+          <a:bodyPr/>
+          <a:lstStyle/>
+          <a:p>
+            <a:fld id="{E15E65B2-3271-4EB1-B955-03EC741CF5EC}" type="slidenum">
+              <a:rPr lang="pt-BR" smtClean="0"/>
+              <a:t>31</a:t>
+            </a:fld>
+            <a:endParaRPr lang="pt-BR"/>
+          </a:p>
+        </p:txBody>
+      </p:sp>
+    </p:spTree>
+    <p:extLst>
+      <p:ext uri="{BB962C8B-B14F-4D97-AF65-F5344CB8AC3E}">
+        <p14:creationId xmlns:p14="http://schemas.microsoft.com/office/powerpoint/2010/main" val="1197866311"/>
+      </p:ext>
+    </p:extLst>
+  </p:cSld>
+  <p:clrMapOvr>
+    <a:masterClrMapping/>
+  </p:clrMapOvr>
+  <p:timing>
+    <p:tnLst>
+      <p:par>
+        <p:cTn id="1" dur="indefinite" restart="never" nodeType="tmRoot"/>
+      </p:par>
+    </p:tnLst>
+  </p:timing>
+</p:sld>
+</file>
+
+<file path=ppt/slides/slide32.xml><?xml version="1.0" encoding="utf-8"?>
+<p:sld xmlns:a="http://schemas.openxmlformats.org/drawingml/2006/main" xmlns:r="http://schemas.openxmlformats.org/officeDocument/2006/relationships" xmlns:p="http://schemas.openxmlformats.org/presentationml/2006/main">
+  <p:cSld>
+    <p:spTree>
+      <p:nvGrpSpPr>
+        <p:cNvPr id="1" name=""/>
+        <p:cNvGrpSpPr/>
+        <p:nvPr/>
+      </p:nvGrpSpPr>
+      <p:grpSpPr>
+        <a:xfrm>
+          <a:off x="0" y="0"/>
+          <a:ext cx="0" cy="0"/>
+          <a:chOff x="0" y="0"/>
+          <a:chExt cx="0" cy="0"/>
+        </a:xfrm>
+      </p:grpSpPr>
+      <p:sp>
+        <p:nvSpPr>
+          <p:cNvPr id="2" name="Título 1"/>
+          <p:cNvSpPr>
+            <a:spLocks noGrp="1"/>
+          </p:cNvSpPr>
+          <p:nvPr>
+            <p:ph type="title"/>
+          </p:nvPr>
+        </p:nvSpPr>
+        <p:spPr/>
+        <p:txBody>
+          <a:bodyPr/>
+          <a:lstStyle/>
+          <a:p>
+            <a:r>
+              <a:rPr lang="pt-BR" dirty="0" smtClean="0"/>
+              <a:t>Resultados Gerais</a:t>
+            </a:r>
+            <a:endParaRPr lang="pt-BR" dirty="0"/>
+          </a:p>
+        </p:txBody>
+      </p:sp>
+      <p:sp>
+        <p:nvSpPr>
+          <p:cNvPr id="3" name="Espaço Reservado para Conteúdo 2"/>
+          <p:cNvSpPr>
+            <a:spLocks noGrp="1"/>
+          </p:cNvSpPr>
+          <p:nvPr>
+            <p:ph idx="1"/>
+          </p:nvPr>
+        </p:nvSpPr>
+        <p:spPr/>
+        <p:txBody>
+          <a:bodyPr/>
+          <a:lstStyle/>
+          <a:p>
+            <a:endParaRPr lang="pt-BR"/>
+          </a:p>
+        </p:txBody>
+      </p:sp>
+      <p:sp>
+        <p:nvSpPr>
+          <p:cNvPr id="4" name="Espaço Reservado para Data 3"/>
+          <p:cNvSpPr>
+            <a:spLocks noGrp="1"/>
+          </p:cNvSpPr>
+          <p:nvPr>
+            <p:ph type="dt" sz="half" idx="10"/>
+          </p:nvPr>
+        </p:nvSpPr>
+        <p:spPr/>
+        <p:txBody>
+          <a:bodyPr/>
+          <a:lstStyle/>
+          <a:p>
+            <a:r>
+              <a:rPr lang="pt-BR" smtClean="0"/>
+              <a:t>16 de dezembro de 2013</a:t>
+            </a:r>
+            <a:endParaRPr lang="pt-BR"/>
+          </a:p>
+        </p:txBody>
+      </p:sp>
+      <p:sp>
+        <p:nvSpPr>
+          <p:cNvPr id="5" name="Espaço Reservado para Rodapé 4"/>
+          <p:cNvSpPr>
+            <a:spLocks noGrp="1"/>
+          </p:cNvSpPr>
+          <p:nvPr>
+            <p:ph type="ftr" sz="quarter" idx="11"/>
+          </p:nvPr>
+        </p:nvSpPr>
+        <p:spPr/>
+        <p:txBody>
+          <a:bodyPr/>
+          <a:lstStyle/>
+          <a:p>
+            <a:endParaRPr lang="pt-BR"/>
+          </a:p>
+        </p:txBody>
+      </p:sp>
+      <p:sp>
+        <p:nvSpPr>
+          <p:cNvPr id="6" name="Espaço Reservado para Número de Slide 5"/>
+          <p:cNvSpPr>
+            <a:spLocks noGrp="1"/>
+          </p:cNvSpPr>
+          <p:nvPr>
+            <p:ph type="sldNum" sz="quarter" idx="12"/>
+          </p:nvPr>
+        </p:nvSpPr>
+        <p:spPr/>
+        <p:txBody>
+          <a:bodyPr/>
+          <a:lstStyle/>
+          <a:p>
+            <a:fld id="{E15E65B2-3271-4EB1-B955-03EC741CF5EC}" type="slidenum">
+              <a:rPr lang="pt-BR" smtClean="0"/>
+              <a:t>32</a:t>
+            </a:fld>
+            <a:endParaRPr lang="pt-BR"/>
+          </a:p>
+        </p:txBody>
+      </p:sp>
+    </p:spTree>
+    <p:extLst>
+      <p:ext uri="{BB962C8B-B14F-4D97-AF65-F5344CB8AC3E}">
+        <p14:creationId xmlns:p14="http://schemas.microsoft.com/office/powerpoint/2010/main" val="3117479486"/>
+      </p:ext>
+    </p:extLst>
+  </p:cSld>
+  <p:clrMapOvr>
+    <a:masterClrMapping/>
+  </p:clrMapOvr>
+  <p:timing>
+    <p:tnLst>
+      <p:par>
+        <p:cTn id="1" dur="indefinite" restart="never" nodeType="tmRoot"/>
+      </p:par>
+    </p:tnLst>
+  </p:timing>
+</p:sld>
+</file>
+
+<file path=ppt/slides/slide33.xml><?xml version="1.0" encoding="utf-8"?>
+<p:sld xmlns:a="http://schemas.openxmlformats.org/drawingml/2006/main" xmlns:r="http://schemas.openxmlformats.org/officeDocument/2006/relationships" xmlns:p="http://schemas.openxmlformats.org/presentationml/2006/main">
+  <p:cSld>
+    <p:spTree>
+      <p:nvGrpSpPr>
+        <p:cNvPr id="1" name=""/>
+        <p:cNvGrpSpPr/>
+        <p:nvPr/>
+      </p:nvGrpSpPr>
+      <p:grpSpPr>
+        <a:xfrm>
+          <a:off x="0" y="0"/>
+          <a:ext cx="0" cy="0"/>
+          <a:chOff x="0" y="0"/>
+          <a:chExt cx="0" cy="0"/>
+        </a:xfrm>
+      </p:grpSpPr>
+      <p:sp>
+        <p:nvSpPr>
+          <p:cNvPr id="2" name="Título 1"/>
+          <p:cNvSpPr>
+            <a:spLocks noGrp="1"/>
+          </p:cNvSpPr>
+          <p:nvPr>
+            <p:ph type="title"/>
+          </p:nvPr>
+        </p:nvSpPr>
+        <p:spPr/>
+        <p:txBody>
+          <a:bodyPr/>
+          <a:lstStyle/>
+          <a:p>
+            <a:r>
+              <a:rPr lang="pt-BR" dirty="0" smtClean="0"/>
+              <a:t>Fluxo de Projeto Final</a:t>
+            </a:r>
+            <a:endParaRPr lang="pt-BR" dirty="0"/>
+          </a:p>
+        </p:txBody>
+      </p:sp>
+      <p:sp>
+        <p:nvSpPr>
+          <p:cNvPr id="3" name="Espaço Reservado para Conteúdo 2"/>
+          <p:cNvSpPr>
+            <a:spLocks noGrp="1"/>
+          </p:cNvSpPr>
+          <p:nvPr>
+            <p:ph idx="1"/>
+          </p:nvPr>
+        </p:nvSpPr>
+        <p:spPr/>
+        <p:txBody>
+          <a:bodyPr/>
+          <a:lstStyle/>
+          <a:p>
+            <a:endParaRPr lang="pt-BR"/>
+          </a:p>
+        </p:txBody>
+      </p:sp>
+      <p:sp>
+        <p:nvSpPr>
+          <p:cNvPr id="4" name="Espaço Reservado para Data 3"/>
+          <p:cNvSpPr>
+            <a:spLocks noGrp="1"/>
+          </p:cNvSpPr>
+          <p:nvPr>
+            <p:ph type="dt" sz="half" idx="10"/>
+          </p:nvPr>
+        </p:nvSpPr>
+        <p:spPr/>
+        <p:txBody>
+          <a:bodyPr/>
+          <a:lstStyle/>
+          <a:p>
+            <a:r>
+              <a:rPr lang="pt-BR" smtClean="0"/>
+              <a:t>16 de dezembro de 2013</a:t>
+            </a:r>
+            <a:endParaRPr lang="pt-BR"/>
+          </a:p>
+        </p:txBody>
+      </p:sp>
+      <p:sp>
+        <p:nvSpPr>
+          <p:cNvPr id="5" name="Espaço Reservado para Rodapé 4"/>
+          <p:cNvSpPr>
+            <a:spLocks noGrp="1"/>
+          </p:cNvSpPr>
+          <p:nvPr>
+            <p:ph type="ftr" sz="quarter" idx="11"/>
+          </p:nvPr>
+        </p:nvSpPr>
+        <p:spPr/>
+        <p:txBody>
+          <a:bodyPr/>
+          <a:lstStyle/>
+          <a:p>
+            <a:endParaRPr lang="pt-BR"/>
+          </a:p>
+        </p:txBody>
+      </p:sp>
+      <p:sp>
+        <p:nvSpPr>
+          <p:cNvPr id="6" name="Espaço Reservado para Número de Slide 5"/>
+          <p:cNvSpPr>
+            <a:spLocks noGrp="1"/>
+          </p:cNvSpPr>
+          <p:nvPr>
+            <p:ph type="sldNum" sz="quarter" idx="12"/>
+          </p:nvPr>
+        </p:nvSpPr>
+        <p:spPr/>
+        <p:txBody>
+          <a:bodyPr/>
+          <a:lstStyle/>
+          <a:p>
+            <a:fld id="{E15E65B2-3271-4EB1-B955-03EC741CF5EC}" type="slidenum">
+              <a:rPr lang="pt-BR" smtClean="0"/>
+              <a:t>33</a:t>
+            </a:fld>
+            <a:endParaRPr lang="pt-BR"/>
+          </a:p>
+        </p:txBody>
+      </p:sp>
+    </p:spTree>
+    <p:extLst>
+      <p:ext uri="{BB962C8B-B14F-4D97-AF65-F5344CB8AC3E}">
+        <p14:creationId xmlns:p14="http://schemas.microsoft.com/office/powerpoint/2010/main" val="942896521"/>
+      </p:ext>
+    </p:extLst>
+  </p:cSld>
+  <p:clrMapOvr>
+    <a:masterClrMapping/>
+  </p:clrMapOvr>
+  <p:timing>
+    <p:tnLst>
+      <p:par>
+        <p:cTn id="1" dur="indefinite" restart="never" nodeType="tmRoot"/>
+      </p:par>
+    </p:tnLst>
+  </p:timing>
+</p:sld>
+</file>
+
+<file path=ppt/slides/slide34.xml><?xml version="1.0" encoding="utf-8"?>
+<p:sld xmlns:a="http://schemas.openxmlformats.org/drawingml/2006/main" xmlns:r="http://schemas.openxmlformats.org/officeDocument/2006/relationships" xmlns:p="http://schemas.openxmlformats.org/presentationml/2006/main">
+  <p:cSld>
+    <p:spTree>
+      <p:nvGrpSpPr>
+        <p:cNvPr id="1" name=""/>
+        <p:cNvGrpSpPr/>
+        <p:nvPr/>
+      </p:nvGrpSpPr>
+      <p:grpSpPr>
+        <a:xfrm>
+          <a:off x="0" y="0"/>
+          <a:ext cx="0" cy="0"/>
+          <a:chOff x="0" y="0"/>
+          <a:chExt cx="0" cy="0"/>
+        </a:xfrm>
+      </p:grpSpPr>
+      <p:sp>
+        <p:nvSpPr>
+          <p:cNvPr id="2" name="Título 1"/>
+          <p:cNvSpPr>
+            <a:spLocks noGrp="1"/>
+          </p:cNvSpPr>
+          <p:nvPr>
+            <p:ph type="title"/>
+          </p:nvPr>
+        </p:nvSpPr>
+        <p:spPr/>
+        <p:txBody>
+          <a:bodyPr/>
+          <a:lstStyle/>
+          <a:p>
+            <a:r>
+              <a:rPr lang="pt-BR" dirty="0" smtClean="0"/>
               <a:t>Conclusão</a:t>
             </a:r>
             <a:endParaRPr lang="pt-BR" dirty="0"/>
@@ -8922,7 +10027,7 @@
           <a:p>
             <a:fld id="{E15E65B2-3271-4EB1-B955-03EC741CF5EC}" type="slidenum">
               <a:rPr lang="pt-BR" smtClean="0"/>
-              <a:t>31</a:t>
+              <a:t>34</a:t>
             </a:fld>
             <a:endParaRPr lang="pt-BR"/>
           </a:p>

--- a/Apresentação/Estudo e Implementação de Reconfiguração Dinâmica.pptx
+++ b/Apresentação/Estudo e Implementação de Reconfiguração Dinâmica.pptx
@@ -5,10 +5,10 @@
     <p:sldMasterId id="2147483648" r:id="rId1"/>
   </p:sldMasterIdLst>
   <p:notesMasterIdLst>
-    <p:notesMasterId r:id="rId36"/>
+    <p:notesMasterId r:id="rId38"/>
   </p:notesMasterIdLst>
   <p:handoutMasterIdLst>
-    <p:handoutMasterId r:id="rId37"/>
+    <p:handoutMasterId r:id="rId39"/>
   </p:handoutMasterIdLst>
   <p:sldIdLst>
     <p:sldId id="256" r:id="rId2"/>
@@ -42,9 +42,11 @@
     <p:sldId id="290" r:id="rId30"/>
     <p:sldId id="268" r:id="rId31"/>
     <p:sldId id="269" r:id="rId32"/>
-    <p:sldId id="271" r:id="rId33"/>
-    <p:sldId id="270" r:id="rId34"/>
-    <p:sldId id="272" r:id="rId35"/>
+    <p:sldId id="291" r:id="rId33"/>
+    <p:sldId id="271" r:id="rId34"/>
+    <p:sldId id="292" r:id="rId35"/>
+    <p:sldId id="270" r:id="rId36"/>
+    <p:sldId id="272" r:id="rId37"/>
   </p:sldIdLst>
   <p:sldSz cx="9144000" cy="6858000" type="screen4x3"/>
   <p:notesSz cx="6858000" cy="9144000"/>
@@ -215,11 +217,13 @@
           <p14:sldIdLst>
             <p14:sldId id="268"/>
             <p14:sldId id="269"/>
+            <p14:sldId id="291"/>
           </p14:sldIdLst>
         </p14:section>
         <p14:section name="Resultados" id="{84E9BD8B-4C85-4EFF-85B2-BA17786FEDEA}">
           <p14:sldIdLst>
             <p14:sldId id="271"/>
+            <p14:sldId id="292"/>
             <p14:sldId id="270"/>
           </p14:sldIdLst>
         </p14:section>
@@ -4816,16 +4820,12 @@
   <p:clrMapOvr>
     <a:masterClrMapping/>
   </p:clrMapOvr>
-  <mc:AlternateContent xmlns:mc="http://schemas.openxmlformats.org/markup-compatibility/2006" xmlns:p14="http://schemas.microsoft.com/office/powerpoint/2010/main">
-    <mc:Choice Requires="p14">
-      <p:transition spd="med" p14:dur="700">
-        <p:fade/>
-      </p:transition>
+  <mc:AlternateContent xmlns:mc="http://schemas.openxmlformats.org/markup-compatibility/2006">
+    <mc:Choice xmlns:p14="http://schemas.microsoft.com/office/powerpoint/2010/main" Requires="p14">
+      <p:transition p14:dur="0"/>
     </mc:Choice>
-    <mc:Fallback xmlns="">
-      <p:transition spd="med">
-        <p:fade/>
-      </p:transition>
+    <mc:Fallback>
+      <p:transition/>
     </mc:Fallback>
   </mc:AlternateContent>
   <p:timing>
@@ -4870,10 +4870,6 @@
           <a:bodyPr/>
           <a:lstStyle/>
           <a:p>
-            <a:r>
-              <a:rPr lang="pt-BR" dirty="0" smtClean="0"/>
-              <a:t>Objetivos</a:t>
-            </a:r>
             <a:endParaRPr lang="pt-BR" dirty="0"/>
           </a:p>
         </p:txBody>
@@ -5178,7 +5174,7 @@
         <p:spPr>
           <a:xfrm>
             <a:off x="4283968" y="3573016"/>
-            <a:ext cx="1728192" cy="792088"/>
+            <a:ext cx="1728192" cy="804788"/>
           </a:xfrm>
           <a:prstGeom prst="curvedConnector3">
             <a:avLst/>
@@ -5245,16 +5241,12 @@
   <p:clrMapOvr>
     <a:masterClrMapping/>
   </p:clrMapOvr>
-  <mc:AlternateContent xmlns:mc="http://schemas.openxmlformats.org/markup-compatibility/2006" xmlns:p14="http://schemas.microsoft.com/office/powerpoint/2010/main">
-    <mc:Choice Requires="p14">
-      <p:transition spd="med" p14:dur="700">
-        <p:fade/>
-      </p:transition>
+  <mc:AlternateContent xmlns:mc="http://schemas.openxmlformats.org/markup-compatibility/2006">
+    <mc:Choice xmlns:p14="http://schemas.microsoft.com/office/powerpoint/2010/main" Requires="p14">
+      <p:transition p14:dur="0"/>
     </mc:Choice>
-    <mc:Fallback xmlns="">
-      <p:transition spd="med">
-        <p:fade/>
-      </p:transition>
+    <mc:Fallback>
+      <p:transition/>
     </mc:Fallback>
   </mc:AlternateContent>
   <p:timing>
@@ -5485,6 +5477,13 @@
   <p:clrMapOvr>
     <a:masterClrMapping/>
   </p:clrMapOvr>
+  <p:timing>
+    <p:tnLst>
+      <p:par>
+        <p:cTn id="1" dur="indefinite" restart="never" nodeType="tmRoot"/>
+      </p:par>
+    </p:tnLst>
+  </p:timing>
 </p:sld>
 </file>
 
@@ -5700,8 +5699,8 @@
         </p:blipFill>
         <p:spPr>
           <a:xfrm>
-            <a:off x="1332000" y="1844824"/>
-            <a:ext cx="6480000" cy="1446665"/>
+            <a:off x="457200" y="1844824"/>
+            <a:ext cx="8229600" cy="1837265"/>
           </a:xfrm>
         </p:spPr>
       </p:pic>
@@ -5729,8 +5728,8 @@
         </p:blipFill>
         <p:spPr>
           <a:xfrm>
-            <a:off x="1332000" y="3856030"/>
-            <a:ext cx="6480000" cy="1445178"/>
+            <a:off x="457200" y="3969888"/>
+            <a:ext cx="8229600" cy="1835376"/>
           </a:xfrm>
         </p:spPr>
       </p:pic>
@@ -6970,24 +6969,24 @@
         <p:spPr/>
         <p:txBody>
           <a:bodyPr>
-            <a:normAutofit fontScale="92500" lnSpcReduction="20000"/>
+            <a:normAutofit/>
           </a:bodyPr>
           <a:lstStyle/>
           <a:p>
             <a:r>
-              <a:rPr lang="pt-BR" dirty="0" smtClean="0"/>
+              <a:rPr lang="pt-BR" sz="2000" dirty="0" smtClean="0"/>
               <a:t>Introdução</a:t>
             </a:r>
           </a:p>
           <a:p>
             <a:r>
-              <a:rPr lang="pt-BR" dirty="0" smtClean="0"/>
+              <a:rPr lang="pt-BR" sz="2000" dirty="0" smtClean="0"/>
               <a:t>Revisão Bibliográfica</a:t>
             </a:r>
           </a:p>
           <a:p>
             <a:r>
-              <a:rPr lang="pt-BR" dirty="0" smtClean="0"/>
+              <a:rPr lang="pt-BR" sz="2000" dirty="0" smtClean="0"/>
               <a:t>Experimentos</a:t>
             </a:r>
           </a:p>
@@ -6997,7 +6996,7 @@
               <a:buAutoNum type="arabicPeriod"/>
             </a:pPr>
             <a:r>
-              <a:rPr lang="pt-BR" dirty="0" smtClean="0"/>
+              <a:rPr lang="pt-BR" sz="2000" dirty="0" smtClean="0"/>
               <a:t>Reconfiguração Dinâmica</a:t>
             </a:r>
           </a:p>
@@ -7007,7 +7006,7 @@
               <a:buAutoNum type="arabicPeriod"/>
             </a:pPr>
             <a:r>
-              <a:rPr lang="pt-BR" dirty="0" smtClean="0"/>
+              <a:rPr lang="pt-BR" sz="2000" dirty="0" smtClean="0"/>
               <a:t>Memórias</a:t>
             </a:r>
           </a:p>
@@ -7017,7 +7016,7 @@
               <a:buAutoNum type="arabicPeriod"/>
             </a:pPr>
             <a:r>
-              <a:rPr lang="pt-BR" i="1" dirty="0" smtClean="0"/>
+              <a:rPr lang="pt-BR" sz="2000" i="1" dirty="0" smtClean="0"/>
               <a:t>Bootloader</a:t>
             </a:r>
           </a:p>
@@ -7027,7 +7026,7 @@
               <a:buAutoNum type="arabicPeriod"/>
             </a:pPr>
             <a:r>
-              <a:rPr lang="pt-BR" dirty="0" smtClean="0"/>
+              <a:rPr lang="pt-BR" sz="2000" dirty="0" smtClean="0"/>
               <a:t>Autorreconfiguração com MicroBlaze e DDR3</a:t>
             </a:r>
           </a:p>
@@ -7037,19 +7036,19 @@
               <a:buAutoNum type="arabicPeriod"/>
             </a:pPr>
             <a:r>
-              <a:rPr lang="pt-BR" dirty="0" smtClean="0"/>
+              <a:rPr lang="pt-BR" sz="2000" dirty="0" smtClean="0"/>
               <a:t>Autorreconfiguração com MicroBlaze e sem DDR3</a:t>
             </a:r>
           </a:p>
           <a:p>
             <a:r>
-              <a:rPr lang="pt-BR" dirty="0" smtClean="0"/>
+              <a:rPr lang="pt-BR" sz="2000" dirty="0" smtClean="0"/>
               <a:t>Resultados Gerais</a:t>
             </a:r>
           </a:p>
           <a:p>
             <a:r>
-              <a:rPr lang="pt-BR" dirty="0" smtClean="0"/>
+              <a:rPr lang="pt-BR" sz="2000" dirty="0" smtClean="0"/>
               <a:t>Conclusão</a:t>
             </a:r>
           </a:p>
@@ -8574,7 +8573,12 @@
             <p:ph sz="half" idx="1"/>
           </p:nvPr>
         </p:nvSpPr>
-        <p:spPr/>
+        <p:spPr>
+          <a:xfrm>
+            <a:off x="457200" y="1600200"/>
+            <a:ext cx="4186808" cy="4525963"/>
+          </a:xfrm>
+        </p:spPr>
         <p:txBody>
           <a:bodyPr/>
           <a:lstStyle/>
@@ -8584,7 +8588,7 @@
             </a:pPr>
             <a:r>
               <a:rPr lang="pt-BR" dirty="0" smtClean="0"/>
-              <a:t>Este experimento foi bem sucedido.</a:t>
+              <a:t>Experimento bem sucedido</a:t>
             </a:r>
             <a:endParaRPr lang="pt-BR" dirty="0"/>
           </a:p>
@@ -9071,7 +9075,7 @@
             </a:pPr>
             <a:r>
               <a:rPr lang="pt-BR" dirty="0" smtClean="0"/>
-              <a:t>Este experimento requer modificações</a:t>
+              <a:t>Experimento requer modificações</a:t>
             </a:r>
           </a:p>
           <a:p>
@@ -9366,29 +9370,37 @@
           <a:lstStyle/>
           <a:p>
             <a:r>
+              <a:rPr lang="pt-BR" dirty="0"/>
+              <a:t>Autorreconfiguração com MicroBlaze e </a:t>
+            </a:r>
+            <a:r>
+              <a:rPr lang="pt-BR" dirty="0" smtClean="0"/>
+              <a:t>sem DDR3</a:t>
+            </a:r>
+            <a:endParaRPr lang="pt-BR" dirty="0"/>
+          </a:p>
+        </p:txBody>
+      </p:sp>
+      <p:sp>
+        <p:nvSpPr>
+          <p:cNvPr id="7" name="Espaço Reservado para Texto 6"/>
+          <p:cNvSpPr>
+            <a:spLocks noGrp="1"/>
+          </p:cNvSpPr>
+          <p:nvPr>
+            <p:ph type="body" idx="1"/>
+          </p:nvPr>
+        </p:nvSpPr>
+        <p:spPr/>
+        <p:txBody>
+          <a:bodyPr/>
+          <a:lstStyle/>
+          <a:p>
+            <a:r>
               <a:rPr lang="pt-BR" dirty="0" smtClean="0"/>
               <a:t>Experimento 5</a:t>
             </a:r>
             <a:endParaRPr lang="pt-BR" dirty="0"/>
-          </a:p>
-        </p:txBody>
-      </p:sp>
-      <p:sp>
-        <p:nvSpPr>
-          <p:cNvPr id="3" name="Espaço Reservado para Conteúdo 2"/>
-          <p:cNvSpPr>
-            <a:spLocks noGrp="1"/>
-          </p:cNvSpPr>
-          <p:nvPr>
-            <p:ph idx="1"/>
-          </p:nvPr>
-        </p:nvSpPr>
-        <p:spPr/>
-        <p:txBody>
-          <a:bodyPr/>
-          <a:lstStyle/>
-          <a:p>
-            <a:endParaRPr lang="pt-BR"/>
           </a:p>
         </p:txBody>
       </p:sp>
@@ -9511,31 +9523,41 @@
           <a:p>
             <a:r>
               <a:rPr lang="pt-BR" dirty="0" smtClean="0"/>
-              <a:t>Resultados</a:t>
+              <a:t>Fluxo de Projeto</a:t>
             </a:r>
             <a:endParaRPr lang="pt-BR" dirty="0"/>
           </a:p>
         </p:txBody>
       </p:sp>
-      <p:sp>
-        <p:nvSpPr>
-          <p:cNvPr id="3" name="Espaço Reservado para Conteúdo 2"/>
-          <p:cNvSpPr>
-            <a:spLocks noGrp="1"/>
-          </p:cNvSpPr>
+      <p:pic>
+        <p:nvPicPr>
+          <p:cNvPr id="7" name="Espaço Reservado para Conteúdo 6"/>
+          <p:cNvPicPr>
+            <a:picLocks noGrp="1" noChangeAspect="1"/>
+          </p:cNvPicPr>
           <p:nvPr>
             <p:ph idx="1"/>
           </p:nvPr>
-        </p:nvSpPr>
-        <p:spPr/>
-        <p:txBody>
-          <a:bodyPr/>
-          <a:lstStyle/>
-          <a:p>
-            <a:endParaRPr lang="pt-BR"/>
-          </a:p>
-        </p:txBody>
-      </p:sp>
+        </p:nvPicPr>
+        <p:blipFill>
+          <a:blip r:embed="rId2" cstate="print">
+            <a:extLst>
+              <a:ext uri="{28A0092B-C50C-407E-A947-70E740481C1C}">
+                <a14:useLocalDpi xmlns:a14="http://schemas.microsoft.com/office/drawing/2010/main" val="0"/>
+              </a:ext>
+            </a:extLst>
+          </a:blip>
+          <a:stretch>
+            <a:fillRect/>
+          </a:stretch>
+        </p:blipFill>
+        <p:spPr>
+          <a:xfrm>
+            <a:off x="457200" y="2708920"/>
+            <a:ext cx="8229600" cy="1834461"/>
+          </a:xfrm>
+        </p:spPr>
+      </p:pic>
       <p:sp>
         <p:nvSpPr>
           <p:cNvPr id="4" name="Espaço Reservado para Data 3"/>
@@ -9574,7 +9596,10 @@
           <a:bodyPr/>
           <a:lstStyle/>
           <a:p>
-            <a:endParaRPr lang="pt-BR"/>
+            <a:r>
+              <a:rPr lang="pt-BR" dirty="0" smtClean="0"/>
+              <a:t>Experimento 5</a:t>
+            </a:r>
           </a:p>
         </p:txBody>
       </p:sp>
@@ -9655,7 +9680,7 @@
           <a:p>
             <a:r>
               <a:rPr lang="pt-BR" dirty="0" smtClean="0"/>
-              <a:t>Resultados Gerais</a:t>
+              <a:t>Resultados</a:t>
             </a:r>
             <a:endParaRPr lang="pt-BR" dirty="0"/>
           </a:p>
@@ -9668,18 +9693,54 @@
             <a:spLocks noGrp="1"/>
           </p:cNvSpPr>
           <p:nvPr>
-            <p:ph idx="1"/>
-          </p:nvPr>
-        </p:nvSpPr>
-        <p:spPr/>
-        <p:txBody>
-          <a:bodyPr/>
-          <a:lstStyle/>
-          <a:p>
-            <a:endParaRPr lang="pt-BR"/>
-          </a:p>
-        </p:txBody>
-      </p:sp>
+            <p:ph sz="half" idx="1"/>
+          </p:nvPr>
+        </p:nvSpPr>
+        <p:spPr/>
+        <p:txBody>
+          <a:bodyPr/>
+          <a:lstStyle/>
+          <a:p>
+            <a:pPr marL="0" indent="0">
+              <a:buNone/>
+            </a:pPr>
+            <a:r>
+              <a:rPr lang="pt-BR" dirty="0" smtClean="0"/>
+              <a:t>Experimento bem sucedido</a:t>
+            </a:r>
+            <a:endParaRPr lang="pt-BR" dirty="0"/>
+          </a:p>
+        </p:txBody>
+      </p:sp>
+      <p:pic>
+        <p:nvPicPr>
+          <p:cNvPr id="8" name="Espaço Reservado para Conteúdo 7"/>
+          <p:cNvPicPr>
+            <a:picLocks noGrp="1" noChangeAspect="1"/>
+          </p:cNvPicPr>
+          <p:nvPr>
+            <p:ph sz="half" idx="2"/>
+          </p:nvPr>
+        </p:nvPicPr>
+        <p:blipFill>
+          <a:blip r:embed="rId2">
+            <a:extLst>
+              <a:ext uri="{28A0092B-C50C-407E-A947-70E740481C1C}">
+                <a14:useLocalDpi xmlns:a14="http://schemas.microsoft.com/office/drawing/2010/main" val="0"/>
+              </a:ext>
+            </a:extLst>
+          </a:blip>
+          <a:stretch>
+            <a:fillRect/>
+          </a:stretch>
+        </p:blipFill>
+        <p:spPr>
+          <a:xfrm>
+            <a:off x="4716016" y="3284984"/>
+            <a:ext cx="4038600" cy="3064465"/>
+          </a:xfrm>
+        </p:spPr>
+      </p:pic>
       <p:sp>
         <p:nvSpPr>
           <p:cNvPr id="4" name="Espaço Reservado para Data 3"/>
@@ -9718,7 +9779,10 @@
           <a:bodyPr/>
           <a:lstStyle/>
           <a:p>
-            <a:endParaRPr lang="pt-BR"/>
+            <a:r>
+              <a:rPr lang="pt-BR" dirty="0" smtClean="0"/>
+              <a:t>Experimento 5</a:t>
+            </a:r>
           </a:p>
         </p:txBody>
       </p:sp>
@@ -9745,10 +9809,40 @@
           </a:p>
         </p:txBody>
       </p:sp>
+      <p:pic>
+        <p:nvPicPr>
+          <p:cNvPr id="9" name="Imagem 8"/>
+          <p:cNvPicPr>
+            <a:picLocks noChangeAspect="1"/>
+          </p:cNvPicPr>
+          <p:nvPr/>
+        </p:nvPicPr>
+        <p:blipFill>
+          <a:blip r:embed="rId3">
+            <a:extLst>
+              <a:ext uri="{28A0092B-C50C-407E-A947-70E740481C1C}">
+                <a14:useLocalDpi xmlns:a14="http://schemas.microsoft.com/office/drawing/2010/main" val="0"/>
+              </a:ext>
+            </a:extLst>
+          </a:blip>
+          <a:stretch>
+            <a:fillRect/>
+          </a:stretch>
+        </p:blipFill>
+        <p:spPr>
+          <a:xfrm>
+            <a:off x="4716016" y="1124744"/>
+            <a:ext cx="4032448" cy="2043911"/>
+          </a:xfrm>
+          <a:prstGeom prst="rect">
+            <a:avLst/>
+          </a:prstGeom>
+        </p:spPr>
+      </p:pic>
     </p:spTree>
     <p:extLst>
       <p:ext uri="{BB962C8B-B14F-4D97-AF65-F5344CB8AC3E}">
-        <p14:creationId xmlns:p14="http://schemas.microsoft.com/office/powerpoint/2010/main" val="3117479486"/>
+        <p14:creationId xmlns:p14="http://schemas.microsoft.com/office/powerpoint/2010/main" val="3727478508"/>
       </p:ext>
     </p:extLst>
   </p:cSld>
@@ -9799,7 +9893,7 @@
           <a:p>
             <a:r>
               <a:rPr lang="pt-BR" dirty="0" smtClean="0"/>
-              <a:t>Fluxo de Projeto Final</a:t>
+              <a:t>Resultados Gerais</a:t>
             </a:r>
             <a:endParaRPr lang="pt-BR" dirty="0"/>
           </a:p>
@@ -9807,12 +9901,12 @@
       </p:sp>
       <p:sp>
         <p:nvSpPr>
-          <p:cNvPr id="3" name="Espaço Reservado para Conteúdo 2"/>
-          <p:cNvSpPr>
-            <a:spLocks noGrp="1"/>
-          </p:cNvSpPr>
-          <p:nvPr>
-            <p:ph idx="1"/>
+          <p:cNvPr id="7" name="Espaço Reservado para Texto 6"/>
+          <p:cNvSpPr>
+            <a:spLocks noGrp="1"/>
+          </p:cNvSpPr>
+          <p:nvPr>
+            <p:ph type="body" idx="1"/>
           </p:nvPr>
         </p:nvSpPr>
         <p:spPr/>
@@ -9892,7 +9986,7 @@
     </p:spTree>
     <p:extLst>
       <p:ext uri="{BB962C8B-B14F-4D97-AF65-F5344CB8AC3E}">
-        <p14:creationId xmlns:p14="http://schemas.microsoft.com/office/powerpoint/2010/main" val="942896521"/>
+        <p14:creationId xmlns:p14="http://schemas.microsoft.com/office/powerpoint/2010/main" val="3117479486"/>
       </p:ext>
     </p:extLst>
   </p:cSld>
@@ -9943,6 +10037,357 @@
           <a:p>
             <a:r>
               <a:rPr lang="pt-BR" dirty="0" smtClean="0"/>
+              <a:t>Problemas</a:t>
+            </a:r>
+            <a:endParaRPr lang="pt-BR" dirty="0"/>
+          </a:p>
+        </p:txBody>
+      </p:sp>
+      <p:sp>
+        <p:nvSpPr>
+          <p:cNvPr id="3" name="Espaço Reservado para Conteúdo 2"/>
+          <p:cNvSpPr>
+            <a:spLocks noGrp="1"/>
+          </p:cNvSpPr>
+          <p:nvPr>
+            <p:ph idx="1"/>
+          </p:nvPr>
+        </p:nvSpPr>
+        <p:spPr/>
+        <p:txBody>
+          <a:bodyPr/>
+          <a:lstStyle/>
+          <a:p>
+            <a:r>
+              <a:rPr lang="pt-BR" dirty="0" smtClean="0"/>
+              <a:t>Análise de </a:t>
+            </a:r>
+            <a:r>
+              <a:rPr lang="pt-BR" i="1" dirty="0"/>
+              <a:t>t</a:t>
+            </a:r>
+            <a:r>
+              <a:rPr lang="pt-BR" i="1" dirty="0" smtClean="0"/>
+              <a:t>iming</a:t>
+            </a:r>
+          </a:p>
+          <a:p>
+            <a:r>
+              <a:rPr lang="pt-BR" dirty="0" smtClean="0"/>
+              <a:t>Quantidade de recursos</a:t>
+            </a:r>
+            <a:endParaRPr lang="pt-BR" dirty="0" smtClean="0"/>
+          </a:p>
+          <a:p>
+            <a:r>
+              <a:rPr lang="pt-BR" dirty="0" smtClean="0"/>
+              <a:t>Alocação da partição</a:t>
+            </a:r>
+          </a:p>
+          <a:p>
+            <a:r>
+              <a:rPr lang="pt-BR" dirty="0" smtClean="0"/>
+              <a:t>Configurações da partição</a:t>
+            </a:r>
+            <a:endParaRPr lang="pt-BR" dirty="0" smtClean="0"/>
+          </a:p>
+          <a:p>
+            <a:r>
+              <a:rPr lang="pt-BR" dirty="0" smtClean="0"/>
+              <a:t>Tamanho da memória local do MicroBlaze</a:t>
+            </a:r>
+          </a:p>
+          <a:p>
+            <a:r>
+              <a:rPr lang="pt-BR" dirty="0" smtClean="0"/>
+              <a:t>Falta de documentação</a:t>
+            </a:r>
+          </a:p>
+          <a:p>
+            <a:endParaRPr lang="pt-BR" dirty="0"/>
+          </a:p>
+        </p:txBody>
+      </p:sp>
+      <p:sp>
+        <p:nvSpPr>
+          <p:cNvPr id="4" name="Espaço Reservado para Data 3"/>
+          <p:cNvSpPr>
+            <a:spLocks noGrp="1"/>
+          </p:cNvSpPr>
+          <p:nvPr>
+            <p:ph type="dt" sz="half" idx="10"/>
+          </p:nvPr>
+        </p:nvSpPr>
+        <p:spPr/>
+        <p:txBody>
+          <a:bodyPr/>
+          <a:lstStyle/>
+          <a:p>
+            <a:r>
+              <a:rPr lang="pt-BR" smtClean="0"/>
+              <a:t>16 de dezembro de 2013</a:t>
+            </a:r>
+            <a:endParaRPr lang="pt-BR"/>
+          </a:p>
+        </p:txBody>
+      </p:sp>
+      <p:sp>
+        <p:nvSpPr>
+          <p:cNvPr id="5" name="Espaço Reservado para Rodapé 4"/>
+          <p:cNvSpPr>
+            <a:spLocks noGrp="1"/>
+          </p:cNvSpPr>
+          <p:nvPr>
+            <p:ph type="ftr" sz="quarter" idx="11"/>
+          </p:nvPr>
+        </p:nvSpPr>
+        <p:spPr/>
+        <p:txBody>
+          <a:bodyPr/>
+          <a:lstStyle/>
+          <a:p>
+            <a:r>
+              <a:rPr lang="pt-BR" dirty="0" smtClean="0"/>
+              <a:t>Resultados</a:t>
+            </a:r>
+          </a:p>
+        </p:txBody>
+      </p:sp>
+      <p:sp>
+        <p:nvSpPr>
+          <p:cNvPr id="6" name="Espaço Reservado para Número de Slide 5"/>
+          <p:cNvSpPr>
+            <a:spLocks noGrp="1"/>
+          </p:cNvSpPr>
+          <p:nvPr>
+            <p:ph type="sldNum" sz="quarter" idx="12"/>
+          </p:nvPr>
+        </p:nvSpPr>
+        <p:spPr/>
+        <p:txBody>
+          <a:bodyPr/>
+          <a:lstStyle/>
+          <a:p>
+            <a:fld id="{E15E65B2-3271-4EB1-B955-03EC741CF5EC}" type="slidenum">
+              <a:rPr lang="pt-BR" smtClean="0"/>
+              <a:t>34</a:t>
+            </a:fld>
+            <a:endParaRPr lang="pt-BR"/>
+          </a:p>
+        </p:txBody>
+      </p:sp>
+    </p:spTree>
+    <p:extLst>
+      <p:ext uri="{BB962C8B-B14F-4D97-AF65-F5344CB8AC3E}">
+        <p14:creationId xmlns:p14="http://schemas.microsoft.com/office/powerpoint/2010/main" val="179386271"/>
+      </p:ext>
+    </p:extLst>
+  </p:cSld>
+  <p:clrMapOvr>
+    <a:masterClrMapping/>
+  </p:clrMapOvr>
+  <p:timing>
+    <p:tnLst>
+      <p:par>
+        <p:cTn id="1" dur="indefinite" restart="never" nodeType="tmRoot"/>
+      </p:par>
+    </p:tnLst>
+  </p:timing>
+</p:sld>
+</file>
+
+<file path=ppt/slides/slide35.xml><?xml version="1.0" encoding="utf-8"?>
+<p:sld xmlns:a="http://schemas.openxmlformats.org/drawingml/2006/main" xmlns:r="http://schemas.openxmlformats.org/officeDocument/2006/relationships" xmlns:p="http://schemas.openxmlformats.org/presentationml/2006/main">
+  <p:cSld>
+    <p:spTree>
+      <p:nvGrpSpPr>
+        <p:cNvPr id="1" name=""/>
+        <p:cNvGrpSpPr/>
+        <p:nvPr/>
+      </p:nvGrpSpPr>
+      <p:grpSpPr>
+        <a:xfrm>
+          <a:off x="0" y="0"/>
+          <a:ext cx="0" cy="0"/>
+          <a:chOff x="0" y="0"/>
+          <a:chExt cx="0" cy="0"/>
+        </a:xfrm>
+      </p:grpSpPr>
+      <p:sp>
+        <p:nvSpPr>
+          <p:cNvPr id="2" name="Título 1"/>
+          <p:cNvSpPr>
+            <a:spLocks noGrp="1"/>
+          </p:cNvSpPr>
+          <p:nvPr>
+            <p:ph type="title"/>
+          </p:nvPr>
+        </p:nvSpPr>
+        <p:spPr/>
+        <p:txBody>
+          <a:bodyPr/>
+          <a:lstStyle/>
+          <a:p>
+            <a:r>
+              <a:rPr lang="pt-BR" dirty="0" smtClean="0"/>
+              <a:t>Fluxo de Projeto Final</a:t>
+            </a:r>
+            <a:endParaRPr lang="pt-BR" dirty="0"/>
+          </a:p>
+        </p:txBody>
+      </p:sp>
+      <p:pic>
+        <p:nvPicPr>
+          <p:cNvPr id="7" name="Espaço Reservado para Conteúdo 6"/>
+          <p:cNvPicPr>
+            <a:picLocks noGrp="1" noChangeAspect="1"/>
+          </p:cNvPicPr>
+          <p:nvPr>
+            <p:ph idx="1"/>
+          </p:nvPr>
+        </p:nvPicPr>
+        <p:blipFill>
+          <a:blip r:embed="rId2" cstate="print">
+            <a:extLst>
+              <a:ext uri="{28A0092B-C50C-407E-A947-70E740481C1C}">
+                <a14:useLocalDpi xmlns:a14="http://schemas.microsoft.com/office/drawing/2010/main" val="0"/>
+              </a:ext>
+            </a:extLst>
+          </a:blip>
+          <a:stretch>
+            <a:fillRect/>
+          </a:stretch>
+        </p:blipFill>
+        <p:spPr>
+          <a:xfrm>
+            <a:off x="1682925" y="1269320"/>
+            <a:ext cx="5778151" cy="5040000"/>
+          </a:xfrm>
+        </p:spPr>
+      </p:pic>
+      <p:sp>
+        <p:nvSpPr>
+          <p:cNvPr id="4" name="Espaço Reservado para Data 3"/>
+          <p:cNvSpPr>
+            <a:spLocks noGrp="1"/>
+          </p:cNvSpPr>
+          <p:nvPr>
+            <p:ph type="dt" sz="half" idx="10"/>
+          </p:nvPr>
+        </p:nvSpPr>
+        <p:spPr/>
+        <p:txBody>
+          <a:bodyPr/>
+          <a:lstStyle/>
+          <a:p>
+            <a:r>
+              <a:rPr lang="pt-BR" smtClean="0"/>
+              <a:t>16 de dezembro de 2013</a:t>
+            </a:r>
+            <a:endParaRPr lang="pt-BR"/>
+          </a:p>
+        </p:txBody>
+      </p:sp>
+      <p:sp>
+        <p:nvSpPr>
+          <p:cNvPr id="5" name="Espaço Reservado para Rodapé 4"/>
+          <p:cNvSpPr>
+            <a:spLocks noGrp="1"/>
+          </p:cNvSpPr>
+          <p:nvPr>
+            <p:ph type="ftr" sz="quarter" idx="11"/>
+          </p:nvPr>
+        </p:nvSpPr>
+        <p:spPr/>
+        <p:txBody>
+          <a:bodyPr/>
+          <a:lstStyle/>
+          <a:p>
+            <a:r>
+              <a:rPr lang="pt-BR" dirty="0" smtClean="0"/>
+              <a:t>Resultados</a:t>
+            </a:r>
+            <a:endParaRPr lang="pt-BR" dirty="0"/>
+          </a:p>
+        </p:txBody>
+      </p:sp>
+      <p:sp>
+        <p:nvSpPr>
+          <p:cNvPr id="6" name="Espaço Reservado para Número de Slide 5"/>
+          <p:cNvSpPr>
+            <a:spLocks noGrp="1"/>
+          </p:cNvSpPr>
+          <p:nvPr>
+            <p:ph type="sldNum" sz="quarter" idx="12"/>
+          </p:nvPr>
+        </p:nvSpPr>
+        <p:spPr/>
+        <p:txBody>
+          <a:bodyPr/>
+          <a:lstStyle/>
+          <a:p>
+            <a:fld id="{E15E65B2-3271-4EB1-B955-03EC741CF5EC}" type="slidenum">
+              <a:rPr lang="pt-BR" smtClean="0"/>
+              <a:t>35</a:t>
+            </a:fld>
+            <a:endParaRPr lang="pt-BR"/>
+          </a:p>
+        </p:txBody>
+      </p:sp>
+    </p:spTree>
+    <p:extLst>
+      <p:ext uri="{BB962C8B-B14F-4D97-AF65-F5344CB8AC3E}">
+        <p14:creationId xmlns:p14="http://schemas.microsoft.com/office/powerpoint/2010/main" val="942896521"/>
+      </p:ext>
+    </p:extLst>
+  </p:cSld>
+  <p:clrMapOvr>
+    <a:masterClrMapping/>
+  </p:clrMapOvr>
+  <p:timing>
+    <p:tnLst>
+      <p:par>
+        <p:cTn id="1" dur="indefinite" restart="never" nodeType="tmRoot"/>
+      </p:par>
+    </p:tnLst>
+  </p:timing>
+</p:sld>
+</file>
+
+<file path=ppt/slides/slide36.xml><?xml version="1.0" encoding="utf-8"?>
+<p:sld xmlns:a="http://schemas.openxmlformats.org/drawingml/2006/main" xmlns:r="http://schemas.openxmlformats.org/officeDocument/2006/relationships" xmlns:p="http://schemas.openxmlformats.org/presentationml/2006/main">
+  <p:cSld>
+    <p:spTree>
+      <p:nvGrpSpPr>
+        <p:cNvPr id="1" name=""/>
+        <p:cNvGrpSpPr/>
+        <p:nvPr/>
+      </p:nvGrpSpPr>
+      <p:grpSpPr>
+        <a:xfrm>
+          <a:off x="0" y="0"/>
+          <a:ext cx="0" cy="0"/>
+          <a:chOff x="0" y="0"/>
+          <a:chExt cx="0" cy="0"/>
+        </a:xfrm>
+      </p:grpSpPr>
+      <p:sp>
+        <p:nvSpPr>
+          <p:cNvPr id="2" name="Título 1"/>
+          <p:cNvSpPr>
+            <a:spLocks noGrp="1"/>
+          </p:cNvSpPr>
+          <p:nvPr>
+            <p:ph type="title"/>
+          </p:nvPr>
+        </p:nvSpPr>
+        <p:spPr/>
+        <p:txBody>
+          <a:bodyPr/>
+          <a:lstStyle/>
+          <a:p>
+            <a:r>
+              <a:rPr lang="pt-BR" dirty="0" smtClean="0"/>
               <a:t>Conclusão</a:t>
             </a:r>
             <a:endParaRPr lang="pt-BR" dirty="0"/>
@@ -9964,8 +10409,35 @@
           <a:bodyPr/>
           <a:lstStyle/>
           <a:p>
+            <a:r>
+              <a:rPr lang="pt-BR" dirty="0" smtClean="0"/>
+              <a:t>MicroBlaze</a:t>
+            </a:r>
+          </a:p>
+          <a:p>
+            <a:pPr lvl="1"/>
+            <a:r>
+              <a:rPr lang="pt-BR" dirty="0" smtClean="0"/>
+              <a:t>Memórias</a:t>
+            </a:r>
+          </a:p>
+          <a:p>
+            <a:pPr lvl="1"/>
+            <a:r>
+              <a:rPr lang="pt-BR" dirty="0" smtClean="0"/>
+              <a:t>Periféricos customizados</a:t>
+            </a:r>
+          </a:p>
+          <a:p>
+            <a:r>
+              <a:rPr lang="pt-BR" dirty="0" smtClean="0"/>
+              <a:t>Autorreconfiguração através do MicroBlaze</a:t>
+            </a:r>
             <a:endParaRPr lang="pt-BR" dirty="0"/>
           </a:p>
+          <a:p>
+            <a:endParaRPr lang="pt-BR" dirty="0"/>
+          </a:p>
         </p:txBody>
       </p:sp>
       <p:sp>
@@ -10027,7 +10499,7 @@
           <a:p>
             <a:fld id="{E15E65B2-3271-4EB1-B955-03EC741CF5EC}" type="slidenum">
               <a:rPr lang="pt-BR" smtClean="0"/>
-              <a:t>34</a:t>
+              <a:t>36</a:t>
             </a:fld>
             <a:endParaRPr lang="pt-BR"/>
           </a:p>
@@ -10574,8 +11046,13 @@
           <a:p>
             <a:r>
               <a:rPr lang="pt-BR" dirty="0" smtClean="0"/>
-              <a:t>Quanto ao estado do sistema</a:t>
-            </a:r>
+              <a:t>Quanto ao estado </a:t>
+            </a:r>
+            <a:r>
+              <a:rPr lang="pt-BR" dirty="0" smtClean="0"/>
+              <a:t>da FPGA</a:t>
+            </a:r>
+            <a:endParaRPr lang="pt-BR" dirty="0" smtClean="0"/>
           </a:p>
           <a:p>
             <a:pPr lvl="1"/>

--- a/Apresentação/Estudo e Implementação de Reconfiguração Dinâmica.pptx
+++ b/Apresentação/Estudo e Implementação de Reconfiguração Dinâmica.pptx
@@ -5,10 +5,10 @@
     <p:sldMasterId id="2147483648" r:id="rId1"/>
   </p:sldMasterIdLst>
   <p:notesMasterIdLst>
-    <p:notesMasterId r:id="rId38"/>
+    <p:notesMasterId r:id="rId40"/>
   </p:notesMasterIdLst>
   <p:handoutMasterIdLst>
-    <p:handoutMasterId r:id="rId39"/>
+    <p:handoutMasterId r:id="rId41"/>
   </p:handoutMasterIdLst>
   <p:sldIdLst>
     <p:sldId id="256" r:id="rId2"/>
@@ -16,37 +16,39 @@
     <p:sldId id="257" r:id="rId4"/>
     <p:sldId id="275" r:id="rId5"/>
     <p:sldId id="274" r:id="rId6"/>
-    <p:sldId id="258" r:id="rId7"/>
-    <p:sldId id="277" r:id="rId8"/>
-    <p:sldId id="276" r:id="rId9"/>
+    <p:sldId id="293" r:id="rId7"/>
+    <p:sldId id="294" r:id="rId8"/>
+    <p:sldId id="258" r:id="rId9"/>
     <p:sldId id="278" r:id="rId10"/>
-    <p:sldId id="259" r:id="rId11"/>
-    <p:sldId id="279" r:id="rId12"/>
-    <p:sldId id="280" r:id="rId13"/>
-    <p:sldId id="283" r:id="rId14"/>
-    <p:sldId id="281" r:id="rId15"/>
-    <p:sldId id="260" r:id="rId16"/>
-    <p:sldId id="261" r:id="rId17"/>
-    <p:sldId id="284" r:id="rId18"/>
-    <p:sldId id="262" r:id="rId19"/>
-    <p:sldId id="263" r:id="rId20"/>
-    <p:sldId id="285" r:id="rId21"/>
-    <p:sldId id="286" r:id="rId22"/>
-    <p:sldId id="264" r:id="rId23"/>
-    <p:sldId id="265" r:id="rId24"/>
-    <p:sldId id="287" r:id="rId25"/>
-    <p:sldId id="288" r:id="rId26"/>
-    <p:sldId id="289" r:id="rId27"/>
-    <p:sldId id="266" r:id="rId28"/>
-    <p:sldId id="267" r:id="rId29"/>
-    <p:sldId id="290" r:id="rId30"/>
-    <p:sldId id="268" r:id="rId31"/>
-    <p:sldId id="269" r:id="rId32"/>
-    <p:sldId id="291" r:id="rId33"/>
-    <p:sldId id="271" r:id="rId34"/>
-    <p:sldId id="292" r:id="rId35"/>
-    <p:sldId id="270" r:id="rId36"/>
-    <p:sldId id="272" r:id="rId37"/>
+    <p:sldId id="277" r:id="rId11"/>
+    <p:sldId id="276" r:id="rId12"/>
+    <p:sldId id="259" r:id="rId13"/>
+    <p:sldId id="279" r:id="rId14"/>
+    <p:sldId id="280" r:id="rId15"/>
+    <p:sldId id="283" r:id="rId16"/>
+    <p:sldId id="281" r:id="rId17"/>
+    <p:sldId id="260" r:id="rId18"/>
+    <p:sldId id="261" r:id="rId19"/>
+    <p:sldId id="284" r:id="rId20"/>
+    <p:sldId id="262" r:id="rId21"/>
+    <p:sldId id="263" r:id="rId22"/>
+    <p:sldId id="285" r:id="rId23"/>
+    <p:sldId id="286" r:id="rId24"/>
+    <p:sldId id="264" r:id="rId25"/>
+    <p:sldId id="265" r:id="rId26"/>
+    <p:sldId id="287" r:id="rId27"/>
+    <p:sldId id="288" r:id="rId28"/>
+    <p:sldId id="289" r:id="rId29"/>
+    <p:sldId id="266" r:id="rId30"/>
+    <p:sldId id="267" r:id="rId31"/>
+    <p:sldId id="290" r:id="rId32"/>
+    <p:sldId id="268" r:id="rId33"/>
+    <p:sldId id="269" r:id="rId34"/>
+    <p:sldId id="291" r:id="rId35"/>
+    <p:sldId id="271" r:id="rId36"/>
+    <p:sldId id="292" r:id="rId37"/>
+    <p:sldId id="270" r:id="rId38"/>
+    <p:sldId id="272" r:id="rId39"/>
   </p:sldIdLst>
   <p:sldSz cx="9144000" cy="6858000" type="screen4x3"/>
   <p:notesSz cx="6858000" cy="9144000"/>
@@ -163,14 +165,16 @@
             <p14:sldId id="257"/>
             <p14:sldId id="275"/>
             <p14:sldId id="274"/>
+            <p14:sldId id="293"/>
+            <p14:sldId id="294"/>
           </p14:sldIdLst>
         </p14:section>
         <p14:section name="Revisão" id="{B129FBAF-78F5-4999-AF66-03F1328FD215}">
           <p14:sldIdLst>
             <p14:sldId id="258"/>
+            <p14:sldId id="278"/>
             <p14:sldId id="277"/>
             <p14:sldId id="276"/>
-            <p14:sldId id="278"/>
           </p14:sldIdLst>
         </p14:section>
         <p14:section name="Experimentos" id="{11CBBEB2-C58C-48A9-8EA8-D596534A628D}">
@@ -870,6 +874,121 @@
 </p:notes>
 </file>
 
+<file path=ppt/notesSlides/notesSlide10.xml><?xml version="1.0" encoding="utf-8"?>
+<p:notes xmlns:a="http://schemas.openxmlformats.org/drawingml/2006/main" xmlns:r="http://schemas.openxmlformats.org/officeDocument/2006/relationships" xmlns:p="http://schemas.openxmlformats.org/presentationml/2006/main">
+  <p:cSld>
+    <p:spTree>
+      <p:nvGrpSpPr>
+        <p:cNvPr id="1" name=""/>
+        <p:cNvGrpSpPr/>
+        <p:nvPr/>
+      </p:nvGrpSpPr>
+      <p:grpSpPr>
+        <a:xfrm>
+          <a:off x="0" y="0"/>
+          <a:ext cx="0" cy="0"/>
+          <a:chOff x="0" y="0"/>
+          <a:chExt cx="0" cy="0"/>
+        </a:xfrm>
+      </p:grpSpPr>
+      <p:sp>
+        <p:nvSpPr>
+          <p:cNvPr id="2" name="Espaço Reservado para Imagem de Slide 1"/>
+          <p:cNvSpPr>
+            <a:spLocks noGrp="1" noRot="1" noChangeAspect="1"/>
+          </p:cNvSpPr>
+          <p:nvPr>
+            <p:ph type="sldImg"/>
+          </p:nvPr>
+        </p:nvSpPr>
+        <p:spPr/>
+      </p:sp>
+      <p:sp>
+        <p:nvSpPr>
+          <p:cNvPr id="3" name="Espaço Reservado para Anotações 2"/>
+          <p:cNvSpPr>
+            <a:spLocks noGrp="1"/>
+          </p:cNvSpPr>
+          <p:nvPr>
+            <p:ph type="body" idx="1"/>
+          </p:nvPr>
+        </p:nvSpPr>
+        <p:spPr/>
+        <p:txBody>
+          <a:bodyPr/>
+          <a:lstStyle/>
+          <a:p>
+            <a:r>
+              <a:rPr lang="pt-BR" dirty="0" smtClean="0"/>
+              <a:t>Nota-se o loop no estágio inicial.</a:t>
+            </a:r>
+            <a:r>
+              <a:rPr lang="pt-BR" baseline="0" dirty="0" smtClean="0"/>
+              <a:t> Apesar disso, tentou-se ignorar o requisito que liga a SDK ao ISE, mas isto gerou erros na definição do programa inicial.</a:t>
+            </a:r>
+            <a:endParaRPr lang="pt-BR" dirty="0"/>
+          </a:p>
+        </p:txBody>
+      </p:sp>
+      <p:sp>
+        <p:nvSpPr>
+          <p:cNvPr id="4" name="Espaço Reservado para Cabeçalho 3"/>
+          <p:cNvSpPr>
+            <a:spLocks noGrp="1"/>
+          </p:cNvSpPr>
+          <p:nvPr>
+            <p:ph type="hdr" sz="quarter" idx="10"/>
+          </p:nvPr>
+        </p:nvSpPr>
+        <p:spPr/>
+        <p:txBody>
+          <a:bodyPr/>
+          <a:lstStyle/>
+          <a:p>
+            <a:r>
+              <a:rPr lang="pt-BR" smtClean="0"/>
+              <a:t>Trabalho de Graduação - Lucas Sousa de Oliveira</a:t>
+            </a:r>
+            <a:endParaRPr lang="pt-BR"/>
+          </a:p>
+        </p:txBody>
+      </p:sp>
+      <p:sp>
+        <p:nvSpPr>
+          <p:cNvPr id="5" name="Espaço Reservado para Número de Slide 4"/>
+          <p:cNvSpPr>
+            <a:spLocks noGrp="1"/>
+          </p:cNvSpPr>
+          <p:nvPr>
+            <p:ph type="sldNum" sz="quarter" idx="11"/>
+          </p:nvPr>
+        </p:nvSpPr>
+        <p:spPr/>
+        <p:txBody>
+          <a:bodyPr/>
+          <a:lstStyle/>
+          <a:p>
+            <a:fld id="{1E44202D-4052-406C-9FDC-32FFB5B9FC5A}" type="slidenum">
+              <a:rPr lang="pt-BR" smtClean="0"/>
+              <a:t>30</a:t>
+            </a:fld>
+            <a:endParaRPr lang="pt-BR"/>
+          </a:p>
+        </p:txBody>
+      </p:sp>
+    </p:spTree>
+    <p:extLst>
+      <p:ext uri="{BB962C8B-B14F-4D97-AF65-F5344CB8AC3E}">
+        <p14:creationId xmlns:p14="http://schemas.microsoft.com/office/powerpoint/2010/main" val="2812235418"/>
+      </p:ext>
+    </p:extLst>
+  </p:cSld>
+  <p:clrMapOvr>
+    <a:masterClrMapping/>
+  </p:clrMapOvr>
+</p:notes>
+</file>
+
 <file path=ppt/notesSlides/notesSlide2.xml><?xml version="1.0" encoding="utf-8"?>
 <p:notes xmlns:a="http://schemas.openxmlformats.org/drawingml/2006/main" xmlns:r="http://schemas.openxmlformats.org/officeDocument/2006/relationships" xmlns:p="http://schemas.openxmlformats.org/presentationml/2006/main">
   <p:cSld>
@@ -914,6 +1033,14 @@
           <a:bodyPr/>
           <a:lstStyle/>
           <a:p>
+            <a:r>
+              <a:rPr lang="pt-BR" dirty="0" smtClean="0"/>
+              <a:t>Desde que foi criada, sempre tentou-se obter mais da computação,</a:t>
+            </a:r>
+            <a:r>
+              <a:rPr lang="pt-BR" baseline="0" dirty="0" smtClean="0"/>
+              <a:t> para tentar extrair todo o seu potencial.</a:t>
+            </a:r>
             <a:endParaRPr lang="pt-BR" dirty="0"/>
           </a:p>
         </p:txBody>
@@ -958,7 +1085,7 @@
           <a:p>
             <a:fld id="{1E44202D-4052-406C-9FDC-32FFB5B9FC5A}" type="slidenum">
               <a:rPr lang="pt-BR" smtClean="0"/>
-              <a:t>20</a:t>
+              <a:t>3</a:t>
             </a:fld>
             <a:endParaRPr lang="pt-BR"/>
           </a:p>
@@ -967,7 +1094,7 @@
     </p:spTree>
     <p:extLst>
       <p:ext uri="{BB962C8B-B14F-4D97-AF65-F5344CB8AC3E}">
-        <p14:creationId xmlns:p14="http://schemas.microsoft.com/office/powerpoint/2010/main" val="1333983335"/>
+        <p14:creationId xmlns:p14="http://schemas.microsoft.com/office/powerpoint/2010/main" val="3559366147"/>
       </p:ext>
     </p:extLst>
   </p:cSld>
@@ -1023,19 +1150,19 @@
           <a:p>
             <a:r>
               <a:rPr lang="pt-BR" dirty="0" smtClean="0"/>
-              <a:t>Fluxo muito</a:t>
+              <a:t>Em </a:t>
+            </a:r>
+            <a:r>
+              <a:rPr lang="pt-BR" dirty="0" smtClean="0"/>
+              <a:t>1965, </a:t>
+            </a:r>
+            <a:r>
+              <a:rPr lang="pt-BR" dirty="0" smtClean="0"/>
+              <a:t>Gordon Moore, presidente</a:t>
             </a:r>
             <a:r>
               <a:rPr lang="pt-BR" baseline="0" dirty="0" smtClean="0"/>
-              <a:t> similar ao anterior. Mesmo </a:t>
-            </a:r>
-            <a:r>
-              <a:rPr lang="pt-BR" baseline="0" dirty="0" err="1" smtClean="0"/>
-              <a:t>microcontrolador</a:t>
-            </a:r>
-            <a:r>
-              <a:rPr lang="pt-BR" baseline="0" dirty="0" smtClean="0"/>
-              <a:t> foi utilizado.</a:t>
+              <a:t> da Intel.</a:t>
             </a:r>
             <a:endParaRPr lang="pt-BR" dirty="0"/>
           </a:p>
@@ -1081,7 +1208,7 @@
           <a:p>
             <a:fld id="{1E44202D-4052-406C-9FDC-32FFB5B9FC5A}" type="slidenum">
               <a:rPr lang="pt-BR" smtClean="0"/>
-              <a:t>22</a:t>
+              <a:t>4</a:t>
             </a:fld>
             <a:endParaRPr lang="pt-BR"/>
           </a:p>
@@ -1090,7 +1217,7 @@
     </p:spTree>
     <p:extLst>
       <p:ext uri="{BB962C8B-B14F-4D97-AF65-F5344CB8AC3E}">
-        <p14:creationId xmlns:p14="http://schemas.microsoft.com/office/powerpoint/2010/main" val="374732856"/>
+        <p14:creationId xmlns:p14="http://schemas.microsoft.com/office/powerpoint/2010/main" val="3974176555"/>
       </p:ext>
     </p:extLst>
   </p:cSld>
@@ -1146,18 +1273,53 @@
           <a:p>
             <a:r>
               <a:rPr lang="pt-BR" dirty="0" smtClean="0"/>
-              <a:t>Já que eu já estou carregando</a:t>
+              <a:t>1962</a:t>
             </a:r>
             <a:r>
               <a:rPr lang="pt-BR" baseline="0" dirty="0" smtClean="0"/>
-              <a:t> informações da memória Flash, e se eu aproveitar e interpretar o arquivo binário.</a:t>
-            </a:r>
-          </a:p>
-          <a:p>
-            <a:r>
-              <a:rPr lang="pt-BR" baseline="0" dirty="0" smtClean="0"/>
-              <a:t>Até porque carregar por carregar eu já testei no experimento anterior.</a:t>
-            </a:r>
+              <a:t>, </a:t>
+            </a:r>
+            <a:r>
+              <a:rPr lang="pt-BR" sz="1200" b="0" i="0" u="none" strike="noStrike" kern="1200" baseline="0" dirty="0" smtClean="0">
+                <a:solidFill>
+                  <a:schemeClr val="tx1"/>
+                </a:solidFill>
+                <a:latin typeface="+mn-lt"/>
+                <a:ea typeface="+mn-ea"/>
+                <a:cs typeface="+mn-cs"/>
+              </a:rPr>
+              <a:t>Gerald </a:t>
+            </a:r>
+            <a:r>
+              <a:rPr lang="pt-BR" sz="1200" b="0" i="0" u="none" strike="noStrike" kern="1200" baseline="0" dirty="0" err="1" smtClean="0">
+                <a:solidFill>
+                  <a:schemeClr val="tx1"/>
+                </a:solidFill>
+                <a:latin typeface="+mn-lt"/>
+                <a:ea typeface="+mn-ea"/>
+                <a:cs typeface="+mn-cs"/>
+              </a:rPr>
+              <a:t>Estrin</a:t>
+            </a:r>
+            <a:r>
+              <a:rPr lang="pt-BR" sz="1200" b="0" i="0" u="none" strike="noStrike" kern="1200" baseline="0" dirty="0" smtClean="0">
+                <a:solidFill>
+                  <a:schemeClr val="tx1"/>
+                </a:solidFill>
+                <a:latin typeface="+mn-lt"/>
+                <a:ea typeface="+mn-ea"/>
+                <a:cs typeface="+mn-cs"/>
+              </a:rPr>
+              <a:t>. Introduziu o conceito de computação reconfigurável, abrindo portas para uma gama gigantesca de aplicações.</a:t>
+            </a:r>
+            <a:endParaRPr lang="pt-BR" sz="1200" b="0" i="0" u="sng" strike="noStrike" kern="1200" baseline="0" dirty="0" smtClean="0">
+              <a:solidFill>
+                <a:schemeClr val="tx1"/>
+              </a:solidFill>
+              <a:latin typeface="+mn-lt"/>
+              <a:ea typeface="+mn-ea"/>
+              <a:cs typeface="+mn-cs"/>
+            </a:endParaRPr>
           </a:p>
         </p:txBody>
       </p:sp>
@@ -1201,7 +1363,7 @@
           <a:p>
             <a:fld id="{1E44202D-4052-406C-9FDC-32FFB5B9FC5A}" type="slidenum">
               <a:rPr lang="pt-BR" smtClean="0"/>
-              <a:t>24</a:t>
+              <a:t>5</a:t>
             </a:fld>
             <a:endParaRPr lang="pt-BR"/>
           </a:p>
@@ -1210,7 +1372,7 @@
     </p:spTree>
     <p:extLst>
       <p:ext uri="{BB962C8B-B14F-4D97-AF65-F5344CB8AC3E}">
-        <p14:creationId xmlns:p14="http://schemas.microsoft.com/office/powerpoint/2010/main" val="1900265468"/>
+        <p14:creationId xmlns:p14="http://schemas.microsoft.com/office/powerpoint/2010/main" val="3554098737"/>
       </p:ext>
     </p:extLst>
   </p:cSld>
@@ -1265,14 +1427,40 @@
           <a:lstStyle/>
           <a:p>
             <a:r>
-              <a:rPr lang="pt-BR" dirty="0" smtClean="0"/>
-              <a:t>Nota-se o loop no estágio inicial.</a:t>
-            </a:r>
-            <a:r>
-              <a:rPr lang="pt-BR" baseline="0" dirty="0" smtClean="0"/>
-              <a:t> Apesar disso, tentou-se ignorar o requisito que liga a SDK ao ISE, mas isto gerou erros na definição do programa inicial.</a:t>
-            </a:r>
-            <a:endParaRPr lang="pt-BR" dirty="0"/>
+              <a:rPr lang="pt-BR" sz="1200" b="0" i="0" u="none" strike="noStrike" kern="1200" baseline="0" dirty="0" smtClean="0">
+                <a:solidFill>
+                  <a:schemeClr val="tx1"/>
+                </a:solidFill>
+                <a:latin typeface="+mn-lt"/>
+                <a:ea typeface="+mn-ea"/>
+                <a:cs typeface="+mn-cs"/>
+              </a:rPr>
+              <a:t>Hoje, a FPGA é o dispositivo mais utilizado na computação reconfigurável. Ela está presente em muitas coisas. </a:t>
+            </a:r>
+          </a:p>
+          <a:p>
+            <a:endParaRPr lang="pt-BR" sz="1200" b="0" i="0" u="none" strike="noStrike" kern="1200" baseline="0" dirty="0" smtClean="0">
+              <a:solidFill>
+                <a:schemeClr val="tx1"/>
+              </a:solidFill>
+              <a:latin typeface="+mn-lt"/>
+              <a:ea typeface="+mn-ea"/>
+              <a:cs typeface="+mn-cs"/>
+            </a:endParaRPr>
+          </a:p>
+          <a:p>
+            <a:r>
+              <a:rPr lang="pt-BR" sz="1200" b="0" i="0" u="none" strike="noStrike" kern="1200" baseline="0" dirty="0" smtClean="0">
+                <a:solidFill>
+                  <a:schemeClr val="tx1"/>
+                </a:solidFill>
+                <a:latin typeface="+mn-lt"/>
+                <a:ea typeface="+mn-ea"/>
+                <a:cs typeface="+mn-cs"/>
+              </a:rPr>
+              <a:t>Mas como programar algo assim? Não é fácil.</a:t>
+            </a:r>
+            <a:endParaRPr lang="pt-BR" u="none" dirty="0"/>
           </a:p>
         </p:txBody>
       </p:sp>
@@ -1316,7 +1504,7 @@
           <a:p>
             <a:fld id="{1E44202D-4052-406C-9FDC-32FFB5B9FC5A}" type="slidenum">
               <a:rPr lang="pt-BR" smtClean="0"/>
-              <a:t>28</a:t>
+              <a:t>6</a:t>
             </a:fld>
             <a:endParaRPr lang="pt-BR"/>
           </a:p>
@@ -1325,7 +1513,464 @@
     </p:spTree>
     <p:extLst>
       <p:ext uri="{BB962C8B-B14F-4D97-AF65-F5344CB8AC3E}">
-        <p14:creationId xmlns:p14="http://schemas.microsoft.com/office/powerpoint/2010/main" val="2812235418"/>
+        <p14:creationId xmlns:p14="http://schemas.microsoft.com/office/powerpoint/2010/main" val="3554098737"/>
+      </p:ext>
+    </p:extLst>
+  </p:cSld>
+  <p:clrMapOvr>
+    <a:masterClrMapping/>
+  </p:clrMapOvr>
+</p:notes>
+</file>
+
+<file path=ppt/notesSlides/notesSlide6.xml><?xml version="1.0" encoding="utf-8"?>
+<p:notes xmlns:a="http://schemas.openxmlformats.org/drawingml/2006/main" xmlns:r="http://schemas.openxmlformats.org/officeDocument/2006/relationships" xmlns:p="http://schemas.openxmlformats.org/presentationml/2006/main">
+  <p:cSld>
+    <p:spTree>
+      <p:nvGrpSpPr>
+        <p:cNvPr id="1" name=""/>
+        <p:cNvGrpSpPr/>
+        <p:nvPr/>
+      </p:nvGrpSpPr>
+      <p:grpSpPr>
+        <a:xfrm>
+          <a:off x="0" y="0"/>
+          <a:ext cx="0" cy="0"/>
+          <a:chOff x="0" y="0"/>
+          <a:chExt cx="0" cy="0"/>
+        </a:xfrm>
+      </p:grpSpPr>
+      <p:sp>
+        <p:nvSpPr>
+          <p:cNvPr id="2" name="Espaço Reservado para Imagem de Slide 1"/>
+          <p:cNvSpPr>
+            <a:spLocks noGrp="1" noRot="1" noChangeAspect="1"/>
+          </p:cNvSpPr>
+          <p:nvPr>
+            <p:ph type="sldImg"/>
+          </p:nvPr>
+        </p:nvSpPr>
+        <p:spPr/>
+      </p:sp>
+      <p:sp>
+        <p:nvSpPr>
+          <p:cNvPr id="3" name="Espaço Reservado para Anotações 2"/>
+          <p:cNvSpPr>
+            <a:spLocks noGrp="1"/>
+          </p:cNvSpPr>
+          <p:nvPr>
+            <p:ph type="body" idx="1"/>
+          </p:nvPr>
+        </p:nvSpPr>
+        <p:spPr/>
+        <p:txBody>
+          <a:bodyPr/>
+          <a:lstStyle/>
+          <a:p>
+            <a:endParaRPr lang="pt-BR" u="none" dirty="0"/>
+          </a:p>
+        </p:txBody>
+      </p:sp>
+      <p:sp>
+        <p:nvSpPr>
+          <p:cNvPr id="4" name="Espaço Reservado para Cabeçalho 3"/>
+          <p:cNvSpPr>
+            <a:spLocks noGrp="1"/>
+          </p:cNvSpPr>
+          <p:nvPr>
+            <p:ph type="hdr" sz="quarter" idx="10"/>
+          </p:nvPr>
+        </p:nvSpPr>
+        <p:spPr/>
+        <p:txBody>
+          <a:bodyPr/>
+          <a:lstStyle/>
+          <a:p>
+            <a:r>
+              <a:rPr lang="pt-BR" smtClean="0"/>
+              <a:t>Trabalho de Graduação - Lucas Sousa de Oliveira</a:t>
+            </a:r>
+            <a:endParaRPr lang="pt-BR"/>
+          </a:p>
+        </p:txBody>
+      </p:sp>
+      <p:sp>
+        <p:nvSpPr>
+          <p:cNvPr id="5" name="Espaço Reservado para Número de Slide 4"/>
+          <p:cNvSpPr>
+            <a:spLocks noGrp="1"/>
+          </p:cNvSpPr>
+          <p:nvPr>
+            <p:ph type="sldNum" sz="quarter" idx="11"/>
+          </p:nvPr>
+        </p:nvSpPr>
+        <p:spPr/>
+        <p:txBody>
+          <a:bodyPr/>
+          <a:lstStyle/>
+          <a:p>
+            <a:fld id="{1E44202D-4052-406C-9FDC-32FFB5B9FC5A}" type="slidenum">
+              <a:rPr lang="pt-BR" smtClean="0"/>
+              <a:t>7</a:t>
+            </a:fld>
+            <a:endParaRPr lang="pt-BR"/>
+          </a:p>
+        </p:txBody>
+      </p:sp>
+    </p:spTree>
+    <p:extLst>
+      <p:ext uri="{BB962C8B-B14F-4D97-AF65-F5344CB8AC3E}">
+        <p14:creationId xmlns:p14="http://schemas.microsoft.com/office/powerpoint/2010/main" val="3554098737"/>
+      </p:ext>
+    </p:extLst>
+  </p:cSld>
+  <p:clrMapOvr>
+    <a:masterClrMapping/>
+  </p:clrMapOvr>
+</p:notes>
+</file>
+
+<file path=ppt/notesSlides/notesSlide7.xml><?xml version="1.0" encoding="utf-8"?>
+<p:notes xmlns:a="http://schemas.openxmlformats.org/drawingml/2006/main" xmlns:r="http://schemas.openxmlformats.org/officeDocument/2006/relationships" xmlns:p="http://schemas.openxmlformats.org/presentationml/2006/main">
+  <p:cSld>
+    <p:spTree>
+      <p:nvGrpSpPr>
+        <p:cNvPr id="1" name=""/>
+        <p:cNvGrpSpPr/>
+        <p:nvPr/>
+      </p:nvGrpSpPr>
+      <p:grpSpPr>
+        <a:xfrm>
+          <a:off x="0" y="0"/>
+          <a:ext cx="0" cy="0"/>
+          <a:chOff x="0" y="0"/>
+          <a:chExt cx="0" cy="0"/>
+        </a:xfrm>
+      </p:grpSpPr>
+      <p:sp>
+        <p:nvSpPr>
+          <p:cNvPr id="2" name="Espaço Reservado para Imagem de Slide 1"/>
+          <p:cNvSpPr>
+            <a:spLocks noGrp="1" noRot="1" noChangeAspect="1"/>
+          </p:cNvSpPr>
+          <p:nvPr>
+            <p:ph type="sldImg"/>
+          </p:nvPr>
+        </p:nvSpPr>
+        <p:spPr/>
+      </p:sp>
+      <p:sp>
+        <p:nvSpPr>
+          <p:cNvPr id="3" name="Espaço Reservado para Anotações 2"/>
+          <p:cNvSpPr>
+            <a:spLocks noGrp="1"/>
+          </p:cNvSpPr>
+          <p:nvPr>
+            <p:ph type="body" idx="1"/>
+          </p:nvPr>
+        </p:nvSpPr>
+        <p:spPr/>
+        <p:txBody>
+          <a:bodyPr/>
+          <a:lstStyle/>
+          <a:p>
+            <a:endParaRPr lang="pt-BR" dirty="0"/>
+          </a:p>
+        </p:txBody>
+      </p:sp>
+      <p:sp>
+        <p:nvSpPr>
+          <p:cNvPr id="4" name="Espaço Reservado para Cabeçalho 3"/>
+          <p:cNvSpPr>
+            <a:spLocks noGrp="1"/>
+          </p:cNvSpPr>
+          <p:nvPr>
+            <p:ph type="hdr" sz="quarter" idx="10"/>
+          </p:nvPr>
+        </p:nvSpPr>
+        <p:spPr/>
+        <p:txBody>
+          <a:bodyPr/>
+          <a:lstStyle/>
+          <a:p>
+            <a:r>
+              <a:rPr lang="pt-BR" smtClean="0"/>
+              <a:t>Trabalho de Graduação - Lucas Sousa de Oliveira</a:t>
+            </a:r>
+            <a:endParaRPr lang="pt-BR"/>
+          </a:p>
+        </p:txBody>
+      </p:sp>
+      <p:sp>
+        <p:nvSpPr>
+          <p:cNvPr id="5" name="Espaço Reservado para Número de Slide 4"/>
+          <p:cNvSpPr>
+            <a:spLocks noGrp="1"/>
+          </p:cNvSpPr>
+          <p:nvPr>
+            <p:ph type="sldNum" sz="quarter" idx="11"/>
+          </p:nvPr>
+        </p:nvSpPr>
+        <p:spPr/>
+        <p:txBody>
+          <a:bodyPr/>
+          <a:lstStyle/>
+          <a:p>
+            <a:fld id="{1E44202D-4052-406C-9FDC-32FFB5B9FC5A}" type="slidenum">
+              <a:rPr lang="pt-BR" smtClean="0"/>
+              <a:t>22</a:t>
+            </a:fld>
+            <a:endParaRPr lang="pt-BR"/>
+          </a:p>
+        </p:txBody>
+      </p:sp>
+    </p:spTree>
+    <p:extLst>
+      <p:ext uri="{BB962C8B-B14F-4D97-AF65-F5344CB8AC3E}">
+        <p14:creationId xmlns:p14="http://schemas.microsoft.com/office/powerpoint/2010/main" val="1333983335"/>
+      </p:ext>
+    </p:extLst>
+  </p:cSld>
+  <p:clrMapOvr>
+    <a:masterClrMapping/>
+  </p:clrMapOvr>
+</p:notes>
+</file>
+
+<file path=ppt/notesSlides/notesSlide8.xml><?xml version="1.0" encoding="utf-8"?>
+<p:notes xmlns:a="http://schemas.openxmlformats.org/drawingml/2006/main" xmlns:r="http://schemas.openxmlformats.org/officeDocument/2006/relationships" xmlns:p="http://schemas.openxmlformats.org/presentationml/2006/main">
+  <p:cSld>
+    <p:spTree>
+      <p:nvGrpSpPr>
+        <p:cNvPr id="1" name=""/>
+        <p:cNvGrpSpPr/>
+        <p:nvPr/>
+      </p:nvGrpSpPr>
+      <p:grpSpPr>
+        <a:xfrm>
+          <a:off x="0" y="0"/>
+          <a:ext cx="0" cy="0"/>
+          <a:chOff x="0" y="0"/>
+          <a:chExt cx="0" cy="0"/>
+        </a:xfrm>
+      </p:grpSpPr>
+      <p:sp>
+        <p:nvSpPr>
+          <p:cNvPr id="2" name="Espaço Reservado para Imagem de Slide 1"/>
+          <p:cNvSpPr>
+            <a:spLocks noGrp="1" noRot="1" noChangeAspect="1"/>
+          </p:cNvSpPr>
+          <p:nvPr>
+            <p:ph type="sldImg"/>
+          </p:nvPr>
+        </p:nvSpPr>
+        <p:spPr/>
+      </p:sp>
+      <p:sp>
+        <p:nvSpPr>
+          <p:cNvPr id="3" name="Espaço Reservado para Anotações 2"/>
+          <p:cNvSpPr>
+            <a:spLocks noGrp="1"/>
+          </p:cNvSpPr>
+          <p:nvPr>
+            <p:ph type="body" idx="1"/>
+          </p:nvPr>
+        </p:nvSpPr>
+        <p:spPr/>
+        <p:txBody>
+          <a:bodyPr/>
+          <a:lstStyle/>
+          <a:p>
+            <a:r>
+              <a:rPr lang="pt-BR" dirty="0" smtClean="0"/>
+              <a:t>Fluxo muito</a:t>
+            </a:r>
+            <a:r>
+              <a:rPr lang="pt-BR" baseline="0" dirty="0" smtClean="0"/>
+              <a:t> similar ao anterior. Mesmo </a:t>
+            </a:r>
+            <a:r>
+              <a:rPr lang="pt-BR" baseline="0" dirty="0" err="1" smtClean="0"/>
+              <a:t>microcontrolador</a:t>
+            </a:r>
+            <a:r>
+              <a:rPr lang="pt-BR" baseline="0" dirty="0" smtClean="0"/>
+              <a:t> foi utilizado.</a:t>
+            </a:r>
+            <a:endParaRPr lang="pt-BR" dirty="0"/>
+          </a:p>
+        </p:txBody>
+      </p:sp>
+      <p:sp>
+        <p:nvSpPr>
+          <p:cNvPr id="4" name="Espaço Reservado para Cabeçalho 3"/>
+          <p:cNvSpPr>
+            <a:spLocks noGrp="1"/>
+          </p:cNvSpPr>
+          <p:nvPr>
+            <p:ph type="hdr" sz="quarter" idx="10"/>
+          </p:nvPr>
+        </p:nvSpPr>
+        <p:spPr/>
+        <p:txBody>
+          <a:bodyPr/>
+          <a:lstStyle/>
+          <a:p>
+            <a:r>
+              <a:rPr lang="pt-BR" smtClean="0"/>
+              <a:t>Trabalho de Graduação - Lucas Sousa de Oliveira</a:t>
+            </a:r>
+            <a:endParaRPr lang="pt-BR"/>
+          </a:p>
+        </p:txBody>
+      </p:sp>
+      <p:sp>
+        <p:nvSpPr>
+          <p:cNvPr id="5" name="Espaço Reservado para Número de Slide 4"/>
+          <p:cNvSpPr>
+            <a:spLocks noGrp="1"/>
+          </p:cNvSpPr>
+          <p:nvPr>
+            <p:ph type="sldNum" sz="quarter" idx="11"/>
+          </p:nvPr>
+        </p:nvSpPr>
+        <p:spPr/>
+        <p:txBody>
+          <a:bodyPr/>
+          <a:lstStyle/>
+          <a:p>
+            <a:fld id="{1E44202D-4052-406C-9FDC-32FFB5B9FC5A}" type="slidenum">
+              <a:rPr lang="pt-BR" smtClean="0"/>
+              <a:t>24</a:t>
+            </a:fld>
+            <a:endParaRPr lang="pt-BR"/>
+          </a:p>
+        </p:txBody>
+      </p:sp>
+    </p:spTree>
+    <p:extLst>
+      <p:ext uri="{BB962C8B-B14F-4D97-AF65-F5344CB8AC3E}">
+        <p14:creationId xmlns:p14="http://schemas.microsoft.com/office/powerpoint/2010/main" val="374732856"/>
+      </p:ext>
+    </p:extLst>
+  </p:cSld>
+  <p:clrMapOvr>
+    <a:masterClrMapping/>
+  </p:clrMapOvr>
+</p:notes>
+</file>
+
+<file path=ppt/notesSlides/notesSlide9.xml><?xml version="1.0" encoding="utf-8"?>
+<p:notes xmlns:a="http://schemas.openxmlformats.org/drawingml/2006/main" xmlns:r="http://schemas.openxmlformats.org/officeDocument/2006/relationships" xmlns:p="http://schemas.openxmlformats.org/presentationml/2006/main">
+  <p:cSld>
+    <p:spTree>
+      <p:nvGrpSpPr>
+        <p:cNvPr id="1" name=""/>
+        <p:cNvGrpSpPr/>
+        <p:nvPr/>
+      </p:nvGrpSpPr>
+      <p:grpSpPr>
+        <a:xfrm>
+          <a:off x="0" y="0"/>
+          <a:ext cx="0" cy="0"/>
+          <a:chOff x="0" y="0"/>
+          <a:chExt cx="0" cy="0"/>
+        </a:xfrm>
+      </p:grpSpPr>
+      <p:sp>
+        <p:nvSpPr>
+          <p:cNvPr id="2" name="Espaço Reservado para Imagem de Slide 1"/>
+          <p:cNvSpPr>
+            <a:spLocks noGrp="1" noRot="1" noChangeAspect="1"/>
+          </p:cNvSpPr>
+          <p:nvPr>
+            <p:ph type="sldImg"/>
+          </p:nvPr>
+        </p:nvSpPr>
+        <p:spPr/>
+      </p:sp>
+      <p:sp>
+        <p:nvSpPr>
+          <p:cNvPr id="3" name="Espaço Reservado para Anotações 2"/>
+          <p:cNvSpPr>
+            <a:spLocks noGrp="1"/>
+          </p:cNvSpPr>
+          <p:nvPr>
+            <p:ph type="body" idx="1"/>
+          </p:nvPr>
+        </p:nvSpPr>
+        <p:spPr/>
+        <p:txBody>
+          <a:bodyPr/>
+          <a:lstStyle/>
+          <a:p>
+            <a:r>
+              <a:rPr lang="pt-BR" dirty="0" smtClean="0"/>
+              <a:t>Já que eu já estou carregando</a:t>
+            </a:r>
+            <a:r>
+              <a:rPr lang="pt-BR" baseline="0" dirty="0" smtClean="0"/>
+              <a:t> informações da memória Flash, e se eu aproveitar e interpretar o arquivo binário.</a:t>
+            </a:r>
+          </a:p>
+          <a:p>
+            <a:r>
+              <a:rPr lang="pt-BR" baseline="0" dirty="0" smtClean="0"/>
+              <a:t>Até porque carregar por carregar eu já testei no experimento anterior.</a:t>
+            </a:r>
+          </a:p>
+        </p:txBody>
+      </p:sp>
+      <p:sp>
+        <p:nvSpPr>
+          <p:cNvPr id="4" name="Espaço Reservado para Cabeçalho 3"/>
+          <p:cNvSpPr>
+            <a:spLocks noGrp="1"/>
+          </p:cNvSpPr>
+          <p:nvPr>
+            <p:ph type="hdr" sz="quarter" idx="10"/>
+          </p:nvPr>
+        </p:nvSpPr>
+        <p:spPr/>
+        <p:txBody>
+          <a:bodyPr/>
+          <a:lstStyle/>
+          <a:p>
+            <a:r>
+              <a:rPr lang="pt-BR" smtClean="0"/>
+              <a:t>Trabalho de Graduação - Lucas Sousa de Oliveira</a:t>
+            </a:r>
+            <a:endParaRPr lang="pt-BR"/>
+          </a:p>
+        </p:txBody>
+      </p:sp>
+      <p:sp>
+        <p:nvSpPr>
+          <p:cNvPr id="5" name="Espaço Reservado para Número de Slide 4"/>
+          <p:cNvSpPr>
+            <a:spLocks noGrp="1"/>
+          </p:cNvSpPr>
+          <p:nvPr>
+            <p:ph type="sldNum" sz="quarter" idx="11"/>
+          </p:nvPr>
+        </p:nvSpPr>
+        <p:spPr/>
+        <p:txBody>
+          <a:bodyPr/>
+          <a:lstStyle/>
+          <a:p>
+            <a:fld id="{1E44202D-4052-406C-9FDC-32FFB5B9FC5A}" type="slidenum">
+              <a:rPr lang="pt-BR" smtClean="0"/>
+              <a:t>26</a:t>
+            </a:fld>
+            <a:endParaRPr lang="pt-BR"/>
+          </a:p>
+        </p:txBody>
+      </p:sp>
+    </p:spTree>
+    <p:extLst>
+      <p:ext uri="{BB962C8B-B14F-4D97-AF65-F5344CB8AC3E}">
+        <p14:creationId xmlns:p14="http://schemas.microsoft.com/office/powerpoint/2010/main" val="1900265468"/>
       </p:ext>
     </p:extLst>
   </p:cSld>
@@ -4562,7 +5207,7 @@
           <a:p>
             <a:r>
               <a:rPr lang="pt-BR" dirty="0" smtClean="0"/>
-              <a:t>Experimentos</a:t>
+              <a:t>Classes de Reconfiguração</a:t>
             </a:r>
             <a:endParaRPr lang="pt-BR" dirty="0"/>
           </a:p>
@@ -4570,20 +5215,71 @@
       </p:sp>
       <p:sp>
         <p:nvSpPr>
-          <p:cNvPr id="7" name="Espaço Reservado para Texto 6"/>
-          <p:cNvSpPr>
-            <a:spLocks noGrp="1"/>
-          </p:cNvSpPr>
-          <p:nvPr>
-            <p:ph type="body" idx="1"/>
-          </p:nvPr>
-        </p:nvSpPr>
-        <p:spPr/>
-        <p:txBody>
-          <a:bodyPr/>
-          <a:lstStyle/>
-          <a:p>
-            <a:endParaRPr lang="pt-BR"/>
+          <p:cNvPr id="3" name="Espaço Reservado para Conteúdo 2"/>
+          <p:cNvSpPr>
+            <a:spLocks noGrp="1"/>
+          </p:cNvSpPr>
+          <p:nvPr>
+            <p:ph idx="1"/>
+          </p:nvPr>
+        </p:nvSpPr>
+        <p:spPr/>
+        <p:txBody>
+          <a:bodyPr/>
+          <a:lstStyle/>
+          <a:p>
+            <a:r>
+              <a:rPr lang="pt-BR" sz="2600" dirty="0" smtClean="0"/>
+              <a:t>Quanto ao estado </a:t>
+            </a:r>
+            <a:r>
+              <a:rPr lang="pt-BR" sz="2600" dirty="0" smtClean="0"/>
+              <a:t>da FPGA</a:t>
+            </a:r>
+            <a:endParaRPr lang="pt-BR" sz="2600" dirty="0" smtClean="0"/>
+          </a:p>
+          <a:p>
+            <a:pPr lvl="1"/>
+            <a:r>
+              <a:rPr lang="pt-BR" sz="2200" dirty="0" smtClean="0"/>
+              <a:t>Estática: sistema desligado</a:t>
+            </a:r>
+          </a:p>
+          <a:p>
+            <a:pPr lvl="1"/>
+            <a:r>
+              <a:rPr lang="pt-BR" sz="2200" dirty="0" smtClean="0"/>
+              <a:t>Dinâmica: sistema funcionando</a:t>
+            </a:r>
+          </a:p>
+          <a:p>
+            <a:r>
+              <a:rPr lang="pt-BR" sz="2600" dirty="0" smtClean="0"/>
+              <a:t>Quanto às modificações promovidas</a:t>
+            </a:r>
+          </a:p>
+          <a:p>
+            <a:pPr lvl="1"/>
+            <a:r>
+              <a:rPr lang="pt-BR" sz="2200" dirty="0" smtClean="0"/>
+              <a:t>Total</a:t>
+            </a:r>
+          </a:p>
+          <a:p>
+            <a:pPr lvl="1"/>
+            <a:r>
+              <a:rPr lang="pt-BR" sz="2200" dirty="0" smtClean="0"/>
+              <a:t>Parcial</a:t>
+            </a:r>
+          </a:p>
+          <a:p>
+            <a:r>
+              <a:rPr lang="pt-BR" sz="2600" dirty="0" smtClean="0"/>
+              <a:t>Quanto ao agente controlador da reconfiguração</a:t>
+            </a:r>
+          </a:p>
+          <a:p>
+            <a:endParaRPr lang="pt-BR" dirty="0" smtClean="0"/>
           </a:p>
         </p:txBody>
       </p:sp>
@@ -4625,7 +5321,10 @@
           <a:bodyPr/>
           <a:lstStyle/>
           <a:p>
-            <a:endParaRPr lang="pt-BR"/>
+            <a:r>
+              <a:rPr lang="pt-BR" dirty="0"/>
+              <a:t>Revisão Bibliográfica</a:t>
+            </a:r>
           </a:p>
         </p:txBody>
       </p:sp>
@@ -4655,7 +5354,7 @@
     </p:spTree>
     <p:extLst>
       <p:ext uri="{BB962C8B-B14F-4D97-AF65-F5344CB8AC3E}">
-        <p14:creationId xmlns:p14="http://schemas.microsoft.com/office/powerpoint/2010/main" val="1840315443"/>
+        <p14:creationId xmlns:p14="http://schemas.microsoft.com/office/powerpoint/2010/main" val="422507069"/>
       </p:ext>
     </p:extLst>
   </p:cSld>
@@ -4706,6 +5405,308 @@
           <a:p>
             <a:r>
               <a:rPr lang="pt-BR" dirty="0" smtClean="0"/>
+              <a:t>Reconfiguração</a:t>
+            </a:r>
+            <a:endParaRPr lang="pt-BR" dirty="0"/>
+          </a:p>
+        </p:txBody>
+      </p:sp>
+      <p:pic>
+        <p:nvPicPr>
+          <p:cNvPr id="10" name="Espaço Reservado para Conteúdo 9"/>
+          <p:cNvPicPr>
+            <a:picLocks noGrp="1" noChangeAspect="1"/>
+          </p:cNvPicPr>
+          <p:nvPr>
+            <p:ph idx="1"/>
+          </p:nvPr>
+        </p:nvPicPr>
+        <p:blipFill>
+          <a:blip r:embed="rId2">
+            <a:extLst>
+              <a:ext uri="{28A0092B-C50C-407E-A947-70E740481C1C}">
+                <a14:useLocalDpi xmlns:a14="http://schemas.microsoft.com/office/drawing/2010/main" val="0"/>
+              </a:ext>
+            </a:extLst>
+          </a:blip>
+          <a:stretch>
+            <a:fillRect/>
+          </a:stretch>
+        </p:blipFill>
+        <p:spPr>
+          <a:xfrm>
+            <a:off x="1627875" y="2007103"/>
+            <a:ext cx="5888250" cy="3712157"/>
+          </a:xfrm>
+        </p:spPr>
+      </p:pic>
+      <p:sp>
+        <p:nvSpPr>
+          <p:cNvPr id="4" name="Espaço Reservado para Data 3"/>
+          <p:cNvSpPr>
+            <a:spLocks noGrp="1"/>
+          </p:cNvSpPr>
+          <p:nvPr>
+            <p:ph type="dt" sz="half" idx="10"/>
+          </p:nvPr>
+        </p:nvSpPr>
+        <p:spPr/>
+        <p:txBody>
+          <a:bodyPr/>
+          <a:lstStyle/>
+          <a:p>
+            <a:r>
+              <a:rPr lang="pt-BR" smtClean="0"/>
+              <a:t>16 de dezembro de 2013</a:t>
+            </a:r>
+            <a:endParaRPr lang="pt-BR"/>
+          </a:p>
+        </p:txBody>
+      </p:sp>
+      <p:sp>
+        <p:nvSpPr>
+          <p:cNvPr id="5" name="Espaço Reservado para Rodapé 4"/>
+          <p:cNvSpPr>
+            <a:spLocks noGrp="1"/>
+          </p:cNvSpPr>
+          <p:nvPr>
+            <p:ph type="ftr" sz="quarter" idx="11"/>
+          </p:nvPr>
+        </p:nvSpPr>
+        <p:spPr/>
+        <p:txBody>
+          <a:bodyPr/>
+          <a:lstStyle/>
+          <a:p>
+            <a:r>
+              <a:rPr lang="pt-BR" dirty="0" smtClean="0"/>
+              <a:t>Revisão Bibliográfica</a:t>
+            </a:r>
+            <a:endParaRPr lang="pt-BR" dirty="0"/>
+          </a:p>
+        </p:txBody>
+      </p:sp>
+      <p:sp>
+        <p:nvSpPr>
+          <p:cNvPr id="6" name="Espaço Reservado para Número de Slide 5"/>
+          <p:cNvSpPr>
+            <a:spLocks noGrp="1"/>
+          </p:cNvSpPr>
+          <p:nvPr>
+            <p:ph type="sldNum" sz="quarter" idx="12"/>
+          </p:nvPr>
+        </p:nvSpPr>
+        <p:spPr/>
+        <p:txBody>
+          <a:bodyPr/>
+          <a:lstStyle/>
+          <a:p>
+            <a:fld id="{E15E65B2-3271-4EB1-B955-03EC741CF5EC}" type="slidenum">
+              <a:rPr lang="pt-BR" smtClean="0"/>
+              <a:t>11</a:t>
+            </a:fld>
+            <a:endParaRPr lang="pt-BR"/>
+          </a:p>
+        </p:txBody>
+      </p:sp>
+    </p:spTree>
+    <p:extLst>
+      <p:ext uri="{BB962C8B-B14F-4D97-AF65-F5344CB8AC3E}">
+        <p14:creationId xmlns:p14="http://schemas.microsoft.com/office/powerpoint/2010/main" val="3408625010"/>
+      </p:ext>
+    </p:extLst>
+  </p:cSld>
+  <p:clrMapOvr>
+    <a:masterClrMapping/>
+  </p:clrMapOvr>
+  <p:timing>
+    <p:tnLst>
+      <p:par>
+        <p:cTn id="1" dur="indefinite" restart="never" nodeType="tmRoot"/>
+      </p:par>
+    </p:tnLst>
+  </p:timing>
+</p:sld>
+</file>
+
+<file path=ppt/slides/slide12.xml><?xml version="1.0" encoding="utf-8"?>
+<p:sld xmlns:a="http://schemas.openxmlformats.org/drawingml/2006/main" xmlns:r="http://schemas.openxmlformats.org/officeDocument/2006/relationships" xmlns:p="http://schemas.openxmlformats.org/presentationml/2006/main">
+  <p:cSld>
+    <p:spTree>
+      <p:nvGrpSpPr>
+        <p:cNvPr id="1" name=""/>
+        <p:cNvGrpSpPr/>
+        <p:nvPr/>
+      </p:nvGrpSpPr>
+      <p:grpSpPr>
+        <a:xfrm>
+          <a:off x="0" y="0"/>
+          <a:ext cx="0" cy="0"/>
+          <a:chOff x="0" y="0"/>
+          <a:chExt cx="0" cy="0"/>
+        </a:xfrm>
+      </p:grpSpPr>
+      <p:sp>
+        <p:nvSpPr>
+          <p:cNvPr id="2" name="Título 1"/>
+          <p:cNvSpPr>
+            <a:spLocks noGrp="1"/>
+          </p:cNvSpPr>
+          <p:nvPr>
+            <p:ph type="title"/>
+          </p:nvPr>
+        </p:nvSpPr>
+        <p:spPr/>
+        <p:txBody>
+          <a:bodyPr/>
+          <a:lstStyle/>
+          <a:p>
+            <a:r>
+              <a:rPr lang="pt-BR" dirty="0" smtClean="0"/>
+              <a:t>Experimentos</a:t>
+            </a:r>
+            <a:endParaRPr lang="pt-BR" dirty="0"/>
+          </a:p>
+        </p:txBody>
+      </p:sp>
+      <p:sp>
+        <p:nvSpPr>
+          <p:cNvPr id="7" name="Espaço Reservado para Texto 6"/>
+          <p:cNvSpPr>
+            <a:spLocks noGrp="1"/>
+          </p:cNvSpPr>
+          <p:nvPr>
+            <p:ph type="body" idx="1"/>
+          </p:nvPr>
+        </p:nvSpPr>
+        <p:spPr/>
+        <p:txBody>
+          <a:bodyPr/>
+          <a:lstStyle/>
+          <a:p>
+            <a:endParaRPr lang="pt-BR"/>
+          </a:p>
+        </p:txBody>
+      </p:sp>
+      <p:sp>
+        <p:nvSpPr>
+          <p:cNvPr id="4" name="Espaço Reservado para Data 3"/>
+          <p:cNvSpPr>
+            <a:spLocks noGrp="1"/>
+          </p:cNvSpPr>
+          <p:nvPr>
+            <p:ph type="dt" sz="half" idx="10"/>
+          </p:nvPr>
+        </p:nvSpPr>
+        <p:spPr/>
+        <p:txBody>
+          <a:bodyPr/>
+          <a:lstStyle/>
+          <a:p>
+            <a:r>
+              <a:rPr lang="pt-BR" smtClean="0"/>
+              <a:t>16 de dezembro de 2013</a:t>
+            </a:r>
+            <a:endParaRPr lang="pt-BR"/>
+          </a:p>
+        </p:txBody>
+      </p:sp>
+      <p:sp>
+        <p:nvSpPr>
+          <p:cNvPr id="5" name="Espaço Reservado para Rodapé 4"/>
+          <p:cNvSpPr>
+            <a:spLocks noGrp="1"/>
+          </p:cNvSpPr>
+          <p:nvPr>
+            <p:ph type="ftr" sz="quarter" idx="11"/>
+          </p:nvPr>
+        </p:nvSpPr>
+        <p:spPr/>
+        <p:txBody>
+          <a:bodyPr/>
+          <a:lstStyle/>
+          <a:p>
+            <a:endParaRPr lang="pt-BR"/>
+          </a:p>
+        </p:txBody>
+      </p:sp>
+      <p:sp>
+        <p:nvSpPr>
+          <p:cNvPr id="6" name="Espaço Reservado para Número de Slide 5"/>
+          <p:cNvSpPr>
+            <a:spLocks noGrp="1"/>
+          </p:cNvSpPr>
+          <p:nvPr>
+            <p:ph type="sldNum" sz="quarter" idx="12"/>
+          </p:nvPr>
+        </p:nvSpPr>
+        <p:spPr/>
+        <p:txBody>
+          <a:bodyPr/>
+          <a:lstStyle/>
+          <a:p>
+            <a:fld id="{E15E65B2-3271-4EB1-B955-03EC741CF5EC}" type="slidenum">
+              <a:rPr lang="pt-BR" smtClean="0"/>
+              <a:t>12</a:t>
+            </a:fld>
+            <a:endParaRPr lang="pt-BR"/>
+          </a:p>
+        </p:txBody>
+      </p:sp>
+    </p:spTree>
+    <p:extLst>
+      <p:ext uri="{BB962C8B-B14F-4D97-AF65-F5344CB8AC3E}">
+        <p14:creationId xmlns:p14="http://schemas.microsoft.com/office/powerpoint/2010/main" val="1840315443"/>
+      </p:ext>
+    </p:extLst>
+  </p:cSld>
+  <p:clrMapOvr>
+    <a:masterClrMapping/>
+  </p:clrMapOvr>
+  <p:timing>
+    <p:tnLst>
+      <p:par>
+        <p:cTn id="1" dur="indefinite" restart="never" nodeType="tmRoot"/>
+      </p:par>
+    </p:tnLst>
+  </p:timing>
+</p:sld>
+</file>
+
+<file path=ppt/slides/slide13.xml><?xml version="1.0" encoding="utf-8"?>
+<p:sld xmlns:a="http://schemas.openxmlformats.org/drawingml/2006/main" xmlns:r="http://schemas.openxmlformats.org/officeDocument/2006/relationships" xmlns:p="http://schemas.openxmlformats.org/presentationml/2006/main">
+  <p:cSld>
+    <p:spTree>
+      <p:nvGrpSpPr>
+        <p:cNvPr id="1" name=""/>
+        <p:cNvGrpSpPr/>
+        <p:nvPr/>
+      </p:nvGrpSpPr>
+      <p:grpSpPr>
+        <a:xfrm>
+          <a:off x="0" y="0"/>
+          <a:ext cx="0" cy="0"/>
+          <a:chOff x="0" y="0"/>
+          <a:chExt cx="0" cy="0"/>
+        </a:xfrm>
+      </p:grpSpPr>
+      <p:sp>
+        <p:nvSpPr>
+          <p:cNvPr id="7" name="Título 6"/>
+          <p:cNvSpPr>
+            <a:spLocks noGrp="1"/>
+          </p:cNvSpPr>
+          <p:nvPr>
+            <p:ph type="title"/>
+          </p:nvPr>
+        </p:nvSpPr>
+        <p:spPr/>
+        <p:txBody>
+          <a:bodyPr/>
+          <a:lstStyle/>
+          <a:p>
+            <a:r>
+              <a:rPr lang="pt-BR" dirty="0" smtClean="0"/>
               <a:t>Objetivos</a:t>
             </a:r>
             <a:endParaRPr lang="pt-BR" dirty="0"/>
@@ -4804,7 +5805,7 @@
           <a:p>
             <a:fld id="{E15E65B2-3271-4EB1-B955-03EC741CF5EC}" type="slidenum">
               <a:rPr lang="pt-BR" smtClean="0"/>
-              <a:t>11</a:t>
+              <a:t>13</a:t>
             </a:fld>
             <a:endParaRPr lang="pt-BR"/>
           </a:p>
@@ -4838,7 +5839,7 @@
 </p:sld>
 </file>
 
-<file path=ppt/slides/slide12.xml><?xml version="1.0" encoding="utf-8"?>
+<file path=ppt/slides/slide14.xml><?xml version="1.0" encoding="utf-8"?>
 <p:sld xmlns:a="http://schemas.openxmlformats.org/drawingml/2006/main" xmlns:r="http://schemas.openxmlformats.org/officeDocument/2006/relationships" xmlns:p="http://schemas.openxmlformats.org/presentationml/2006/main">
   <p:cSld>
     <p:spTree>
@@ -5060,7 +6061,7 @@
           <a:p>
             <a:fld id="{E15E65B2-3271-4EB1-B955-03EC741CF5EC}" type="slidenum">
               <a:rPr lang="pt-BR" smtClean="0"/>
-              <a:t>12</a:t>
+              <a:t>14</a:t>
             </a:fld>
             <a:endParaRPr lang="pt-BR"/>
           </a:p>
@@ -5259,7 +6260,7 @@
 </p:sld>
 </file>
 
-<file path=ppt/slides/slide13.xml><?xml version="1.0" encoding="utf-8"?>
+<file path=ppt/slides/slide15.xml><?xml version="1.0" encoding="utf-8"?>
 <p:sld xmlns:a="http://schemas.openxmlformats.org/drawingml/2006/main" xmlns:r="http://schemas.openxmlformats.org/officeDocument/2006/relationships" xmlns:p="http://schemas.openxmlformats.org/presentationml/2006/main">
   <p:cSld>
     <p:spTree>
@@ -5461,7 +6462,7 @@
           <a:p>
             <a:fld id="{E15E65B2-3271-4EB1-B955-03EC741CF5EC}" type="slidenum">
               <a:rPr lang="pt-BR" smtClean="0"/>
-              <a:t>13</a:t>
+              <a:t>15</a:t>
             </a:fld>
             <a:endParaRPr lang="pt-BR"/>
           </a:p>
@@ -5471,340 +6472,6 @@
     <p:extLst>
       <p:ext uri="{BB962C8B-B14F-4D97-AF65-F5344CB8AC3E}">
         <p14:creationId xmlns:p14="http://schemas.microsoft.com/office/powerpoint/2010/main" val="2984185610"/>
-      </p:ext>
-    </p:extLst>
-  </p:cSld>
-  <p:clrMapOvr>
-    <a:masterClrMapping/>
-  </p:clrMapOvr>
-  <p:timing>
-    <p:tnLst>
-      <p:par>
-        <p:cTn id="1" dur="indefinite" restart="never" nodeType="tmRoot"/>
-      </p:par>
-    </p:tnLst>
-  </p:timing>
-</p:sld>
-</file>
-
-<file path=ppt/slides/slide14.xml><?xml version="1.0" encoding="utf-8"?>
-<p:sld xmlns:a="http://schemas.openxmlformats.org/drawingml/2006/main" xmlns:r="http://schemas.openxmlformats.org/officeDocument/2006/relationships" xmlns:p="http://schemas.openxmlformats.org/presentationml/2006/main">
-  <p:cSld>
-    <p:spTree>
-      <p:nvGrpSpPr>
-        <p:cNvPr id="1" name=""/>
-        <p:cNvGrpSpPr/>
-        <p:nvPr/>
-      </p:nvGrpSpPr>
-      <p:grpSpPr>
-        <a:xfrm>
-          <a:off x="0" y="0"/>
-          <a:ext cx="0" cy="0"/>
-          <a:chOff x="0" y="0"/>
-          <a:chExt cx="0" cy="0"/>
-        </a:xfrm>
-      </p:grpSpPr>
-      <p:sp>
-        <p:nvSpPr>
-          <p:cNvPr id="7" name="Título 6"/>
-          <p:cNvSpPr>
-            <a:spLocks noGrp="1"/>
-          </p:cNvSpPr>
-          <p:nvPr>
-            <p:ph type="title"/>
-          </p:nvPr>
-        </p:nvSpPr>
-        <p:spPr/>
-        <p:txBody>
-          <a:bodyPr/>
-          <a:lstStyle/>
-          <a:p>
-            <a:r>
-              <a:rPr lang="pt-BR" dirty="0" smtClean="0"/>
-              <a:t>Reconfiguração dinâmica</a:t>
-            </a:r>
-            <a:endParaRPr lang="pt-BR" dirty="0"/>
-          </a:p>
-        </p:txBody>
-      </p:sp>
-      <p:sp>
-        <p:nvSpPr>
-          <p:cNvPr id="8" name="Espaço Reservado para Texto 7"/>
-          <p:cNvSpPr>
-            <a:spLocks noGrp="1"/>
-          </p:cNvSpPr>
-          <p:nvPr>
-            <p:ph type="body" idx="1"/>
-          </p:nvPr>
-        </p:nvSpPr>
-        <p:spPr/>
-        <p:txBody>
-          <a:bodyPr/>
-          <a:lstStyle/>
-          <a:p>
-            <a:r>
-              <a:rPr lang="pt-BR" dirty="0" smtClean="0"/>
-              <a:t>Experimento 1</a:t>
-            </a:r>
-            <a:endParaRPr lang="pt-BR" dirty="0"/>
-          </a:p>
-        </p:txBody>
-      </p:sp>
-      <p:sp>
-        <p:nvSpPr>
-          <p:cNvPr id="4" name="Espaço Reservado para Data 3"/>
-          <p:cNvSpPr>
-            <a:spLocks noGrp="1"/>
-          </p:cNvSpPr>
-          <p:nvPr>
-            <p:ph type="dt" sz="half" idx="10"/>
-          </p:nvPr>
-        </p:nvSpPr>
-        <p:spPr/>
-        <p:txBody>
-          <a:bodyPr/>
-          <a:lstStyle/>
-          <a:p>
-            <a:r>
-              <a:rPr lang="pt-BR" smtClean="0"/>
-              <a:t>16 de dezembro de 2013</a:t>
-            </a:r>
-            <a:endParaRPr lang="pt-BR"/>
-          </a:p>
-        </p:txBody>
-      </p:sp>
-      <p:sp>
-        <p:nvSpPr>
-          <p:cNvPr id="5" name="Espaço Reservado para Rodapé 4"/>
-          <p:cNvSpPr>
-            <a:spLocks noGrp="1"/>
-          </p:cNvSpPr>
-          <p:nvPr>
-            <p:ph type="ftr" sz="quarter" idx="11"/>
-          </p:nvPr>
-        </p:nvSpPr>
-        <p:spPr/>
-        <p:txBody>
-          <a:bodyPr/>
-          <a:lstStyle/>
-          <a:p>
-            <a:endParaRPr lang="pt-BR"/>
-          </a:p>
-        </p:txBody>
-      </p:sp>
-      <p:sp>
-        <p:nvSpPr>
-          <p:cNvPr id="6" name="Espaço Reservado para Número de Slide 5"/>
-          <p:cNvSpPr>
-            <a:spLocks noGrp="1"/>
-          </p:cNvSpPr>
-          <p:nvPr>
-            <p:ph type="sldNum" sz="quarter" idx="12"/>
-          </p:nvPr>
-        </p:nvSpPr>
-        <p:spPr/>
-        <p:txBody>
-          <a:bodyPr/>
-          <a:lstStyle/>
-          <a:p>
-            <a:fld id="{E15E65B2-3271-4EB1-B955-03EC741CF5EC}" type="slidenum">
-              <a:rPr lang="pt-BR" smtClean="0"/>
-              <a:t>14</a:t>
-            </a:fld>
-            <a:endParaRPr lang="pt-BR"/>
-          </a:p>
-        </p:txBody>
-      </p:sp>
-    </p:spTree>
-    <p:extLst>
-      <p:ext uri="{BB962C8B-B14F-4D97-AF65-F5344CB8AC3E}">
-        <p14:creationId xmlns:p14="http://schemas.microsoft.com/office/powerpoint/2010/main" val="4232592810"/>
-      </p:ext>
-    </p:extLst>
-  </p:cSld>
-  <p:clrMapOvr>
-    <a:masterClrMapping/>
-  </p:clrMapOvr>
-  <p:timing>
-    <p:tnLst>
-      <p:par>
-        <p:cTn id="1" dur="indefinite" restart="never" nodeType="tmRoot"/>
-      </p:par>
-    </p:tnLst>
-  </p:timing>
-</p:sld>
-</file>
-
-<file path=ppt/slides/slide15.xml><?xml version="1.0" encoding="utf-8"?>
-<p:sld xmlns:a="http://schemas.openxmlformats.org/drawingml/2006/main" xmlns:r="http://schemas.openxmlformats.org/officeDocument/2006/relationships" xmlns:p="http://schemas.openxmlformats.org/presentationml/2006/main">
-  <p:cSld>
-    <p:spTree>
-      <p:nvGrpSpPr>
-        <p:cNvPr id="1" name=""/>
-        <p:cNvGrpSpPr/>
-        <p:nvPr/>
-      </p:nvGrpSpPr>
-      <p:grpSpPr>
-        <a:xfrm>
-          <a:off x="0" y="0"/>
-          <a:ext cx="0" cy="0"/>
-          <a:chOff x="0" y="0"/>
-          <a:chExt cx="0" cy="0"/>
-        </a:xfrm>
-      </p:grpSpPr>
-      <p:sp>
-        <p:nvSpPr>
-          <p:cNvPr id="14" name="Título 13"/>
-          <p:cNvSpPr>
-            <a:spLocks noGrp="1"/>
-          </p:cNvSpPr>
-          <p:nvPr>
-            <p:ph type="title"/>
-          </p:nvPr>
-        </p:nvSpPr>
-        <p:spPr/>
-        <p:txBody>
-          <a:bodyPr/>
-          <a:lstStyle/>
-          <a:p>
-            <a:r>
-              <a:rPr lang="pt-BR" dirty="0" smtClean="0"/>
-              <a:t>Fluxo de Projeto</a:t>
-            </a:r>
-            <a:endParaRPr lang="pt-BR" dirty="0"/>
-          </a:p>
-        </p:txBody>
-      </p:sp>
-      <p:pic>
-        <p:nvPicPr>
-          <p:cNvPr id="12" name="Espaço Reservado para Conteúdo 11"/>
-          <p:cNvPicPr>
-            <a:picLocks noGrp="1" noChangeAspect="1"/>
-          </p:cNvPicPr>
-          <p:nvPr>
-            <p:ph sz="half" idx="1"/>
-          </p:nvPr>
-        </p:nvPicPr>
-        <p:blipFill>
-          <a:blip r:embed="rId2" cstate="print">
-            <a:extLst>
-              <a:ext uri="{28A0092B-C50C-407E-A947-70E740481C1C}">
-                <a14:useLocalDpi xmlns:a14="http://schemas.microsoft.com/office/drawing/2010/main" val="0"/>
-              </a:ext>
-            </a:extLst>
-          </a:blip>
-          <a:stretch>
-            <a:fillRect/>
-          </a:stretch>
-        </p:blipFill>
-        <p:spPr>
-          <a:xfrm>
-            <a:off x="457200" y="1844824"/>
-            <a:ext cx="8229600" cy="1837265"/>
-          </a:xfrm>
-        </p:spPr>
-      </p:pic>
-      <p:pic>
-        <p:nvPicPr>
-          <p:cNvPr id="13" name="Espaço Reservado para Conteúdo 12"/>
-          <p:cNvPicPr>
-            <a:picLocks noGrp="1" noChangeAspect="1"/>
-          </p:cNvPicPr>
-          <p:nvPr>
-            <p:ph sz="half" idx="2"/>
-          </p:nvPr>
-        </p:nvPicPr>
-        <p:blipFill>
-          <a:blip r:embed="rId3" cstate="print">
-            <a:extLst>
-              <a:ext uri="{28A0092B-C50C-407E-A947-70E740481C1C}">
-                <a14:useLocalDpi xmlns:a14="http://schemas.microsoft.com/office/drawing/2010/main" val="0"/>
-              </a:ext>
-            </a:extLst>
-          </a:blip>
-          <a:stretch>
-            <a:fillRect/>
-          </a:stretch>
-        </p:blipFill>
-        <p:spPr>
-          <a:xfrm>
-            <a:off x="457200" y="3969888"/>
-            <a:ext cx="8229600" cy="1835376"/>
-          </a:xfrm>
-        </p:spPr>
-      </p:pic>
-      <p:sp>
-        <p:nvSpPr>
-          <p:cNvPr id="4" name="Espaço Reservado para Data 3"/>
-          <p:cNvSpPr>
-            <a:spLocks noGrp="1"/>
-          </p:cNvSpPr>
-          <p:nvPr>
-            <p:ph type="dt" sz="half" idx="10"/>
-          </p:nvPr>
-        </p:nvSpPr>
-        <p:spPr/>
-        <p:txBody>
-          <a:bodyPr/>
-          <a:lstStyle/>
-          <a:p>
-            <a:r>
-              <a:rPr lang="pt-BR" smtClean="0"/>
-              <a:t>16 de dezembro de 2013</a:t>
-            </a:r>
-            <a:endParaRPr lang="pt-BR"/>
-          </a:p>
-        </p:txBody>
-      </p:sp>
-      <p:sp>
-        <p:nvSpPr>
-          <p:cNvPr id="5" name="Espaço Reservado para Rodapé 4"/>
-          <p:cNvSpPr>
-            <a:spLocks noGrp="1"/>
-          </p:cNvSpPr>
-          <p:nvPr>
-            <p:ph type="ftr" sz="quarter" idx="11"/>
-          </p:nvPr>
-        </p:nvSpPr>
-        <p:spPr/>
-        <p:txBody>
-          <a:bodyPr/>
-          <a:lstStyle/>
-          <a:p>
-            <a:r>
-              <a:rPr lang="pt-BR" dirty="0"/>
-              <a:t>Experimento 1</a:t>
-            </a:r>
-          </a:p>
-        </p:txBody>
-      </p:sp>
-      <p:sp>
-        <p:nvSpPr>
-          <p:cNvPr id="6" name="Espaço Reservado para Número de Slide 5"/>
-          <p:cNvSpPr>
-            <a:spLocks noGrp="1"/>
-          </p:cNvSpPr>
-          <p:nvPr>
-            <p:ph type="sldNum" sz="quarter" idx="12"/>
-          </p:nvPr>
-        </p:nvSpPr>
-        <p:spPr/>
-        <p:txBody>
-          <a:bodyPr/>
-          <a:lstStyle/>
-          <a:p>
-            <a:fld id="{E15E65B2-3271-4EB1-B955-03EC741CF5EC}" type="slidenum">
-              <a:rPr lang="pt-BR" smtClean="0"/>
-              <a:t>15</a:t>
-            </a:fld>
-            <a:endParaRPr lang="pt-BR"/>
-          </a:p>
-        </p:txBody>
-      </p:sp>
-    </p:spTree>
-    <p:extLst>
-      <p:ext uri="{BB962C8B-B14F-4D97-AF65-F5344CB8AC3E}">
-        <p14:creationId xmlns:p14="http://schemas.microsoft.com/office/powerpoint/2010/main" val="2541514933"/>
       </p:ext>
     </p:extLst>
   </p:cSld>
@@ -5840,7 +6507,7 @@
       </p:grpSpPr>
       <p:sp>
         <p:nvSpPr>
-          <p:cNvPr id="2" name="Título 1"/>
+          <p:cNvPr id="7" name="Título 6"/>
           <p:cNvSpPr>
             <a:spLocks noGrp="1"/>
           </p:cNvSpPr>
@@ -5855,41 +6522,35 @@
           <a:p>
             <a:r>
               <a:rPr lang="pt-BR" dirty="0" smtClean="0"/>
-              <a:t>Comportamento</a:t>
+              <a:t>Reconfiguração dinâmica</a:t>
             </a:r>
             <a:endParaRPr lang="pt-BR" dirty="0"/>
           </a:p>
         </p:txBody>
       </p:sp>
-      <p:pic>
-        <p:nvPicPr>
-          <p:cNvPr id="7" name="Espaço Reservado para Conteúdo 6"/>
-          <p:cNvPicPr>
-            <a:picLocks noGrp="1" noChangeAspect="1"/>
-          </p:cNvPicPr>
-          <p:nvPr>
-            <p:ph idx="1"/>
-          </p:nvPr>
-        </p:nvPicPr>
-        <p:blipFill>
-          <a:blip r:embed="rId2">
-            <a:extLst>
-              <a:ext uri="{28A0092B-C50C-407E-A947-70E740481C1C}">
-                <a14:useLocalDpi xmlns:a14="http://schemas.microsoft.com/office/drawing/2010/main" val="0"/>
-              </a:ext>
-            </a:extLst>
-          </a:blip>
-          <a:stretch>
-            <a:fillRect/>
-          </a:stretch>
-        </p:blipFill>
-        <p:spPr>
-          <a:xfrm>
-            <a:off x="2514600" y="2125980"/>
-            <a:ext cx="4114800" cy="2606040"/>
-          </a:xfrm>
-        </p:spPr>
-      </p:pic>
+      <p:sp>
+        <p:nvSpPr>
+          <p:cNvPr id="8" name="Espaço Reservado para Texto 7"/>
+          <p:cNvSpPr>
+            <a:spLocks noGrp="1"/>
+          </p:cNvSpPr>
+          <p:nvPr>
+            <p:ph type="body" idx="1"/>
+          </p:nvPr>
+        </p:nvSpPr>
+        <p:spPr/>
+        <p:txBody>
+          <a:bodyPr/>
+          <a:lstStyle/>
+          <a:p>
+            <a:r>
+              <a:rPr lang="pt-BR" dirty="0" smtClean="0"/>
+              <a:t>Experimento 1</a:t>
+            </a:r>
+            <a:endParaRPr lang="pt-BR" dirty="0"/>
+          </a:p>
+        </p:txBody>
+      </p:sp>
       <p:sp>
         <p:nvSpPr>
           <p:cNvPr id="4" name="Espaço Reservado para Data 3"/>
@@ -5928,15 +6589,7 @@
           <a:bodyPr/>
           <a:lstStyle/>
           <a:p>
-            <a:r>
-              <a:rPr lang="pt-BR" dirty="0"/>
-              <a:t>Experimento </a:t>
-            </a:r>
-            <a:r>
-              <a:rPr lang="pt-BR" dirty="0" smtClean="0"/>
-              <a:t>1</a:t>
-            </a:r>
-            <a:endParaRPr lang="pt-BR" dirty="0"/>
+            <a:endParaRPr lang="pt-BR"/>
           </a:p>
         </p:txBody>
       </p:sp>
@@ -5966,7 +6619,7 @@
     </p:spTree>
     <p:extLst>
       <p:ext uri="{BB962C8B-B14F-4D97-AF65-F5344CB8AC3E}">
-        <p14:creationId xmlns:p14="http://schemas.microsoft.com/office/powerpoint/2010/main" val="1010192082"/>
+        <p14:creationId xmlns:p14="http://schemas.microsoft.com/office/powerpoint/2010/main" val="4232592810"/>
       </p:ext>
     </p:extLst>
   </p:cSld>
@@ -6002,7 +6655,7 @@
       </p:grpSpPr>
       <p:sp>
         <p:nvSpPr>
-          <p:cNvPr id="2" name="Título 1"/>
+          <p:cNvPr id="14" name="Título 13"/>
           <p:cNvSpPr>
             <a:spLocks noGrp="1"/>
           </p:cNvSpPr>
@@ -6017,38 +6670,7 @@
           <a:p>
             <a:r>
               <a:rPr lang="pt-BR" dirty="0" smtClean="0"/>
-              <a:t>Resultado</a:t>
-            </a:r>
-            <a:endParaRPr lang="pt-BR" dirty="0"/>
-          </a:p>
-        </p:txBody>
-      </p:sp>
-      <p:sp>
-        <p:nvSpPr>
-          <p:cNvPr id="13" name="Espaço Reservado para Conteúdo 12"/>
-          <p:cNvSpPr>
-            <a:spLocks noGrp="1"/>
-          </p:cNvSpPr>
-          <p:nvPr>
-            <p:ph sz="half" idx="1"/>
-          </p:nvPr>
-        </p:nvSpPr>
-        <p:spPr>
-          <a:xfrm>
-            <a:off x="457200" y="1600200"/>
-            <a:ext cx="4834880" cy="4525963"/>
-          </a:xfrm>
-        </p:spPr>
-        <p:txBody>
-          <a:bodyPr/>
-          <a:lstStyle/>
-          <a:p>
-            <a:pPr marL="0" indent="0">
-              <a:buNone/>
-            </a:pPr>
-            <a:r>
-              <a:rPr lang="pt-BR" dirty="0" smtClean="0"/>
-              <a:t>Experimento bem sucedido</a:t>
+              <a:t>Fluxo de Projeto</a:t>
             </a:r>
             <a:endParaRPr lang="pt-BR" dirty="0"/>
           </a:p>
@@ -6056,12 +6678,12 @@
       </p:sp>
       <p:pic>
         <p:nvPicPr>
-          <p:cNvPr id="15" name="Espaço Reservado para Conteúdo 14"/>
+          <p:cNvPr id="12" name="Espaço Reservado para Conteúdo 11"/>
           <p:cNvPicPr>
             <a:picLocks noGrp="1" noChangeAspect="1"/>
           </p:cNvPicPr>
           <p:nvPr>
-            <p:ph sz="half" idx="2"/>
+            <p:ph sz="half" idx="1"/>
           </p:nvPr>
         </p:nvPicPr>
         <p:blipFill>
@@ -6078,11 +6700,40 @@
         </p:blipFill>
         <p:spPr>
           <a:xfrm>
-            <a:off x="5378557" y="1600200"/>
-            <a:ext cx="2577886" cy="4525963"/>
+            <a:off x="457200" y="1844824"/>
+            <a:ext cx="8229600" cy="1837265"/>
           </a:xfrm>
         </p:spPr>
       </p:pic>
+      <p:pic>
+        <p:nvPicPr>
+          <p:cNvPr id="13" name="Espaço Reservado para Conteúdo 12"/>
+          <p:cNvPicPr>
+            <a:picLocks noGrp="1" noChangeAspect="1"/>
+          </p:cNvPicPr>
+          <p:nvPr>
+            <p:ph sz="half" idx="2"/>
+          </p:nvPr>
+        </p:nvPicPr>
+        <p:blipFill>
+          <a:blip r:embed="rId3" cstate="print">
+            <a:extLst>
+              <a:ext uri="{28A0092B-C50C-407E-A947-70E740481C1C}">
+                <a14:useLocalDpi xmlns:a14="http://schemas.microsoft.com/office/drawing/2010/main" val="0"/>
+              </a:ext>
+            </a:extLst>
+          </a:blip>
+          <a:stretch>
+            <a:fillRect/>
+          </a:stretch>
+        </p:blipFill>
+        <p:spPr>
+          <a:xfrm>
+            <a:off x="457200" y="3969888"/>
+            <a:ext cx="8229600" cy="1835376"/>
+          </a:xfrm>
+        </p:spPr>
+      </p:pic>
       <p:sp>
         <p:nvSpPr>
           <p:cNvPr id="4" name="Espaço Reservado para Data 3"/>
@@ -6122,10 +6773,9 @@
           <a:lstStyle/>
           <a:p>
             <a:r>
-              <a:rPr lang="pt-BR" smtClean="0"/>
+              <a:rPr lang="pt-BR" dirty="0"/>
               <a:t>Experimento 1</a:t>
             </a:r>
-            <a:endParaRPr lang="pt-BR" dirty="0"/>
           </a:p>
         </p:txBody>
       </p:sp>
@@ -6146,7 +6796,6 @@
           <a:p>
             <a:fld id="{E15E65B2-3271-4EB1-B955-03EC741CF5EC}" type="slidenum">
               <a:rPr lang="pt-BR" smtClean="0"/>
-              <a:pPr/>
               <a:t>17</a:t>
             </a:fld>
             <a:endParaRPr lang="pt-BR"/>
@@ -6156,7 +6805,7 @@
     </p:spTree>
     <p:extLst>
       <p:ext uri="{BB962C8B-B14F-4D97-AF65-F5344CB8AC3E}">
-        <p14:creationId xmlns:p14="http://schemas.microsoft.com/office/powerpoint/2010/main" val="1077336771"/>
+        <p14:creationId xmlns:p14="http://schemas.microsoft.com/office/powerpoint/2010/main" val="2541514933"/>
       </p:ext>
     </p:extLst>
   </p:cSld>
@@ -6202,27 +6851,77 @@
         </p:nvSpPr>
         <p:spPr/>
         <p:txBody>
-          <a:bodyPr>
-            <a:normAutofit/>
-          </a:bodyPr>
+          <a:bodyPr/>
           <a:lstStyle/>
           <a:p>
             <a:r>
               <a:rPr lang="pt-BR" dirty="0" smtClean="0"/>
-              <a:t>Memórias</a:t>
+              <a:t>Comportamento</a:t>
             </a:r>
             <a:endParaRPr lang="pt-BR" dirty="0"/>
           </a:p>
         </p:txBody>
       </p:sp>
-      <p:sp>
-        <p:nvSpPr>
-          <p:cNvPr id="7" name="Espaço Reservado para Texto 6"/>
-          <p:cNvSpPr>
-            <a:spLocks noGrp="1"/>
-          </p:cNvSpPr>
-          <p:nvPr>
-            <p:ph type="body" idx="1"/>
+      <p:pic>
+        <p:nvPicPr>
+          <p:cNvPr id="7" name="Espaço Reservado para Conteúdo 6"/>
+          <p:cNvPicPr>
+            <a:picLocks noGrp="1" noChangeAspect="1"/>
+          </p:cNvPicPr>
+          <p:nvPr>
+            <p:ph idx="1"/>
+          </p:nvPr>
+        </p:nvPicPr>
+        <p:blipFill>
+          <a:blip r:embed="rId2">
+            <a:extLst>
+              <a:ext uri="{28A0092B-C50C-407E-A947-70E740481C1C}">
+                <a14:useLocalDpi xmlns:a14="http://schemas.microsoft.com/office/drawing/2010/main" val="0"/>
+              </a:ext>
+            </a:extLst>
+          </a:blip>
+          <a:stretch>
+            <a:fillRect/>
+          </a:stretch>
+        </p:blipFill>
+        <p:spPr>
+          <a:xfrm>
+            <a:off x="2514600" y="2125980"/>
+            <a:ext cx="4114800" cy="2606040"/>
+          </a:xfrm>
+        </p:spPr>
+      </p:pic>
+      <p:sp>
+        <p:nvSpPr>
+          <p:cNvPr id="4" name="Espaço Reservado para Data 3"/>
+          <p:cNvSpPr>
+            <a:spLocks noGrp="1"/>
+          </p:cNvSpPr>
+          <p:nvPr>
+            <p:ph type="dt" sz="half" idx="10"/>
+          </p:nvPr>
+        </p:nvSpPr>
+        <p:spPr/>
+        <p:txBody>
+          <a:bodyPr/>
+          <a:lstStyle/>
+          <a:p>
+            <a:r>
+              <a:rPr lang="pt-BR" smtClean="0"/>
+              <a:t>16 de dezembro de 2013</a:t>
+            </a:r>
+            <a:endParaRPr lang="pt-BR"/>
+          </a:p>
+        </p:txBody>
+      </p:sp>
+      <p:sp>
+        <p:nvSpPr>
+          <p:cNvPr id="5" name="Espaço Reservado para Rodapé 4"/>
+          <p:cNvSpPr>
+            <a:spLocks noGrp="1"/>
+          </p:cNvSpPr>
+          <p:nvPr>
+            <p:ph type="ftr" sz="quarter" idx="11"/>
           </p:nvPr>
         </p:nvSpPr>
         <p:spPr/>
@@ -6232,50 +6931,13 @@
           <a:p>
             <a:r>
               <a:rPr lang="pt-BR" dirty="0"/>
-              <a:t>Experimento 2</a:t>
-            </a:r>
-          </a:p>
-        </p:txBody>
-      </p:sp>
-      <p:sp>
-        <p:nvSpPr>
-          <p:cNvPr id="4" name="Espaço Reservado para Data 3"/>
-          <p:cNvSpPr>
-            <a:spLocks noGrp="1"/>
-          </p:cNvSpPr>
-          <p:nvPr>
-            <p:ph type="dt" sz="half" idx="10"/>
-          </p:nvPr>
-        </p:nvSpPr>
-        <p:spPr/>
-        <p:txBody>
-          <a:bodyPr/>
-          <a:lstStyle/>
-          <a:p>
-            <a:r>
-              <a:rPr lang="pt-BR" smtClean="0"/>
-              <a:t>16 de dezembro de 2013</a:t>
-            </a:r>
-            <a:endParaRPr lang="pt-BR"/>
-          </a:p>
-        </p:txBody>
-      </p:sp>
-      <p:sp>
-        <p:nvSpPr>
-          <p:cNvPr id="5" name="Espaço Reservado para Rodapé 4"/>
-          <p:cNvSpPr>
-            <a:spLocks noGrp="1"/>
-          </p:cNvSpPr>
-          <p:nvPr>
-            <p:ph type="ftr" sz="quarter" idx="11"/>
-          </p:nvPr>
-        </p:nvSpPr>
-        <p:spPr/>
-        <p:txBody>
-          <a:bodyPr/>
-          <a:lstStyle/>
-          <a:p>
-            <a:endParaRPr lang="pt-BR"/>
+              <a:t>Experimento </a:t>
+            </a:r>
+            <a:r>
+              <a:rPr lang="pt-BR" dirty="0" smtClean="0"/>
+              <a:t>1</a:t>
+            </a:r>
+            <a:endParaRPr lang="pt-BR" dirty="0"/>
           </a:p>
         </p:txBody>
       </p:sp>
@@ -6305,7 +6967,7 @@
     </p:spTree>
     <p:extLst>
       <p:ext uri="{BB962C8B-B14F-4D97-AF65-F5344CB8AC3E}">
-        <p14:creationId xmlns:p14="http://schemas.microsoft.com/office/powerpoint/2010/main" val="1049227361"/>
+        <p14:creationId xmlns:p14="http://schemas.microsoft.com/office/powerpoint/2010/main" val="1010192082"/>
       </p:ext>
     </p:extLst>
   </p:cSld>
@@ -6356,6 +7018,571 @@
           <a:p>
             <a:r>
               <a:rPr lang="pt-BR" dirty="0" smtClean="0"/>
+              <a:t>Resultado</a:t>
+            </a:r>
+            <a:endParaRPr lang="pt-BR" dirty="0"/>
+          </a:p>
+        </p:txBody>
+      </p:sp>
+      <p:sp>
+        <p:nvSpPr>
+          <p:cNvPr id="13" name="Espaço Reservado para Conteúdo 12"/>
+          <p:cNvSpPr>
+            <a:spLocks noGrp="1"/>
+          </p:cNvSpPr>
+          <p:nvPr>
+            <p:ph sz="half" idx="1"/>
+          </p:nvPr>
+        </p:nvSpPr>
+        <p:spPr>
+          <a:xfrm>
+            <a:off x="457200" y="1600200"/>
+            <a:ext cx="4834880" cy="4525963"/>
+          </a:xfrm>
+        </p:spPr>
+        <p:txBody>
+          <a:bodyPr/>
+          <a:lstStyle/>
+          <a:p>
+            <a:pPr marL="0" indent="0">
+              <a:buNone/>
+            </a:pPr>
+            <a:r>
+              <a:rPr lang="pt-BR" dirty="0" smtClean="0"/>
+              <a:t>Experimento bem sucedido</a:t>
+            </a:r>
+            <a:endParaRPr lang="pt-BR" dirty="0"/>
+          </a:p>
+        </p:txBody>
+      </p:sp>
+      <p:pic>
+        <p:nvPicPr>
+          <p:cNvPr id="15" name="Espaço Reservado para Conteúdo 14"/>
+          <p:cNvPicPr>
+            <a:picLocks noGrp="1" noChangeAspect="1"/>
+          </p:cNvPicPr>
+          <p:nvPr>
+            <p:ph sz="half" idx="2"/>
+          </p:nvPr>
+        </p:nvPicPr>
+        <p:blipFill>
+          <a:blip r:embed="rId2" cstate="print">
+            <a:extLst>
+              <a:ext uri="{28A0092B-C50C-407E-A947-70E740481C1C}">
+                <a14:useLocalDpi xmlns:a14="http://schemas.microsoft.com/office/drawing/2010/main" val="0"/>
+              </a:ext>
+            </a:extLst>
+          </a:blip>
+          <a:stretch>
+            <a:fillRect/>
+          </a:stretch>
+        </p:blipFill>
+        <p:spPr>
+          <a:xfrm>
+            <a:off x="5378557" y="1600200"/>
+            <a:ext cx="2577886" cy="4525963"/>
+          </a:xfrm>
+        </p:spPr>
+      </p:pic>
+      <p:sp>
+        <p:nvSpPr>
+          <p:cNvPr id="4" name="Espaço Reservado para Data 3"/>
+          <p:cNvSpPr>
+            <a:spLocks noGrp="1"/>
+          </p:cNvSpPr>
+          <p:nvPr>
+            <p:ph type="dt" sz="half" idx="10"/>
+          </p:nvPr>
+        </p:nvSpPr>
+        <p:spPr/>
+        <p:txBody>
+          <a:bodyPr/>
+          <a:lstStyle/>
+          <a:p>
+            <a:r>
+              <a:rPr lang="pt-BR" smtClean="0"/>
+              <a:t>16 de dezembro de 2013</a:t>
+            </a:r>
+            <a:endParaRPr lang="pt-BR"/>
+          </a:p>
+        </p:txBody>
+      </p:sp>
+      <p:sp>
+        <p:nvSpPr>
+          <p:cNvPr id="5" name="Espaço Reservado para Rodapé 4"/>
+          <p:cNvSpPr>
+            <a:spLocks noGrp="1"/>
+          </p:cNvSpPr>
+          <p:nvPr>
+            <p:ph type="ftr" sz="quarter" idx="11"/>
+          </p:nvPr>
+        </p:nvSpPr>
+        <p:spPr/>
+        <p:txBody>
+          <a:bodyPr/>
+          <a:lstStyle/>
+          <a:p>
+            <a:r>
+              <a:rPr lang="pt-BR" smtClean="0"/>
+              <a:t>Experimento 1</a:t>
+            </a:r>
+            <a:endParaRPr lang="pt-BR" dirty="0"/>
+          </a:p>
+        </p:txBody>
+      </p:sp>
+      <p:sp>
+        <p:nvSpPr>
+          <p:cNvPr id="6" name="Espaço Reservado para Número de Slide 5"/>
+          <p:cNvSpPr>
+            <a:spLocks noGrp="1"/>
+          </p:cNvSpPr>
+          <p:nvPr>
+            <p:ph type="sldNum" sz="quarter" idx="12"/>
+          </p:nvPr>
+        </p:nvSpPr>
+        <p:spPr/>
+        <p:txBody>
+          <a:bodyPr/>
+          <a:lstStyle/>
+          <a:p>
+            <a:fld id="{E15E65B2-3271-4EB1-B955-03EC741CF5EC}" type="slidenum">
+              <a:rPr lang="pt-BR" smtClean="0"/>
+              <a:pPr/>
+              <a:t>19</a:t>
+            </a:fld>
+            <a:endParaRPr lang="pt-BR"/>
+          </a:p>
+        </p:txBody>
+      </p:sp>
+    </p:spTree>
+    <p:extLst>
+      <p:ext uri="{BB962C8B-B14F-4D97-AF65-F5344CB8AC3E}">
+        <p14:creationId xmlns:p14="http://schemas.microsoft.com/office/powerpoint/2010/main" val="1077336771"/>
+      </p:ext>
+    </p:extLst>
+  </p:cSld>
+  <p:clrMapOvr>
+    <a:masterClrMapping/>
+  </p:clrMapOvr>
+  <p:timing>
+    <p:tnLst>
+      <p:par>
+        <p:cTn id="1" dur="indefinite" restart="never" nodeType="tmRoot"/>
+      </p:par>
+    </p:tnLst>
+  </p:timing>
+</p:sld>
+</file>
+
+<file path=ppt/slides/slide2.xml><?xml version="1.0" encoding="utf-8"?>
+<p:sld xmlns:a="http://schemas.openxmlformats.org/drawingml/2006/main" xmlns:r="http://schemas.openxmlformats.org/officeDocument/2006/relationships" xmlns:p="http://schemas.openxmlformats.org/presentationml/2006/main">
+  <p:cSld>
+    <p:spTree>
+      <p:nvGrpSpPr>
+        <p:cNvPr id="1" name=""/>
+        <p:cNvGrpSpPr/>
+        <p:nvPr/>
+      </p:nvGrpSpPr>
+      <p:grpSpPr>
+        <a:xfrm>
+          <a:off x="0" y="0"/>
+          <a:ext cx="0" cy="0"/>
+          <a:chOff x="0" y="0"/>
+          <a:chExt cx="0" cy="0"/>
+        </a:xfrm>
+      </p:grpSpPr>
+      <p:sp>
+        <p:nvSpPr>
+          <p:cNvPr id="2" name="Título 1"/>
+          <p:cNvSpPr>
+            <a:spLocks noGrp="1"/>
+          </p:cNvSpPr>
+          <p:nvPr>
+            <p:ph type="title"/>
+          </p:nvPr>
+        </p:nvSpPr>
+        <p:spPr/>
+        <p:txBody>
+          <a:bodyPr/>
+          <a:lstStyle/>
+          <a:p>
+            <a:r>
+              <a:rPr lang="pt-BR" dirty="0" smtClean="0"/>
+              <a:t>Sumário</a:t>
+            </a:r>
+            <a:endParaRPr lang="pt-BR" dirty="0"/>
+          </a:p>
+        </p:txBody>
+      </p:sp>
+      <p:sp>
+        <p:nvSpPr>
+          <p:cNvPr id="3" name="Espaço Reservado para Conteúdo 2"/>
+          <p:cNvSpPr>
+            <a:spLocks noGrp="1"/>
+          </p:cNvSpPr>
+          <p:nvPr>
+            <p:ph idx="1"/>
+          </p:nvPr>
+        </p:nvSpPr>
+        <p:spPr/>
+        <p:txBody>
+          <a:bodyPr>
+            <a:normAutofit/>
+          </a:bodyPr>
+          <a:lstStyle/>
+          <a:p>
+            <a:r>
+              <a:rPr lang="pt-BR" sz="2000" dirty="0" smtClean="0"/>
+              <a:t>Introdução</a:t>
+            </a:r>
+          </a:p>
+          <a:p>
+            <a:r>
+              <a:rPr lang="pt-BR" sz="2000" dirty="0" smtClean="0"/>
+              <a:t>Revisão Bibliográfica</a:t>
+            </a:r>
+          </a:p>
+          <a:p>
+            <a:r>
+              <a:rPr lang="pt-BR" sz="2000" dirty="0" smtClean="0"/>
+              <a:t>Experimentos</a:t>
+            </a:r>
+          </a:p>
+          <a:p>
+            <a:pPr marL="971550" lvl="1" indent="-514350">
+              <a:buFont typeface="+mj-lt"/>
+              <a:buAutoNum type="arabicPeriod"/>
+            </a:pPr>
+            <a:r>
+              <a:rPr lang="pt-BR" sz="2000" dirty="0" smtClean="0"/>
+              <a:t>Reconfiguração Dinâmica</a:t>
+            </a:r>
+          </a:p>
+          <a:p>
+            <a:pPr marL="971550" lvl="1" indent="-514350">
+              <a:buFont typeface="+mj-lt"/>
+              <a:buAutoNum type="arabicPeriod"/>
+            </a:pPr>
+            <a:r>
+              <a:rPr lang="pt-BR" sz="2000" dirty="0" smtClean="0"/>
+              <a:t>Memórias</a:t>
+            </a:r>
+          </a:p>
+          <a:p>
+            <a:pPr marL="971550" lvl="1" indent="-514350">
+              <a:buFont typeface="+mj-lt"/>
+              <a:buAutoNum type="arabicPeriod"/>
+            </a:pPr>
+            <a:r>
+              <a:rPr lang="pt-BR" sz="2000" i="1" dirty="0" smtClean="0"/>
+              <a:t>Bootloader</a:t>
+            </a:r>
+          </a:p>
+          <a:p>
+            <a:pPr marL="971550" lvl="1" indent="-514350">
+              <a:buFont typeface="+mj-lt"/>
+              <a:buAutoNum type="arabicPeriod"/>
+            </a:pPr>
+            <a:r>
+              <a:rPr lang="pt-BR" sz="2000" dirty="0" smtClean="0"/>
+              <a:t>Autorreconfiguração com MicroBlaze e DDR3</a:t>
+            </a:r>
+          </a:p>
+          <a:p>
+            <a:pPr marL="971550" lvl="1" indent="-514350">
+              <a:buFont typeface="+mj-lt"/>
+              <a:buAutoNum type="arabicPeriod"/>
+            </a:pPr>
+            <a:r>
+              <a:rPr lang="pt-BR" sz="2000" dirty="0" smtClean="0"/>
+              <a:t>Autorreconfiguração com MicroBlaze e sem DDR3</a:t>
+            </a:r>
+          </a:p>
+          <a:p>
+            <a:r>
+              <a:rPr lang="pt-BR" sz="2000" dirty="0" smtClean="0"/>
+              <a:t>Resultados Gerais</a:t>
+            </a:r>
+          </a:p>
+          <a:p>
+            <a:r>
+              <a:rPr lang="pt-BR" sz="2000" dirty="0" smtClean="0"/>
+              <a:t>Conclusão</a:t>
+            </a:r>
+          </a:p>
+          <a:p>
+            <a:endParaRPr lang="pt-BR" dirty="0"/>
+          </a:p>
+        </p:txBody>
+      </p:sp>
+      <p:sp>
+        <p:nvSpPr>
+          <p:cNvPr id="4" name="Espaço Reservado para Data 3"/>
+          <p:cNvSpPr>
+            <a:spLocks noGrp="1"/>
+          </p:cNvSpPr>
+          <p:nvPr>
+            <p:ph type="dt" sz="half" idx="10"/>
+          </p:nvPr>
+        </p:nvSpPr>
+        <p:spPr/>
+        <p:txBody>
+          <a:bodyPr/>
+          <a:lstStyle/>
+          <a:p>
+            <a:r>
+              <a:rPr lang="pt-BR" smtClean="0"/>
+              <a:t>16 de dezembro de 2013</a:t>
+            </a:r>
+            <a:endParaRPr lang="pt-BR"/>
+          </a:p>
+        </p:txBody>
+      </p:sp>
+      <p:sp>
+        <p:nvSpPr>
+          <p:cNvPr id="5" name="Espaço Reservado para Rodapé 4"/>
+          <p:cNvSpPr>
+            <a:spLocks noGrp="1"/>
+          </p:cNvSpPr>
+          <p:nvPr>
+            <p:ph type="ftr" sz="quarter" idx="11"/>
+          </p:nvPr>
+        </p:nvSpPr>
+        <p:spPr/>
+        <p:txBody>
+          <a:bodyPr/>
+          <a:lstStyle/>
+          <a:p>
+            <a:endParaRPr lang="pt-BR" dirty="0"/>
+          </a:p>
+        </p:txBody>
+      </p:sp>
+      <p:sp>
+        <p:nvSpPr>
+          <p:cNvPr id="6" name="Espaço Reservado para Número de Slide 5"/>
+          <p:cNvSpPr>
+            <a:spLocks noGrp="1"/>
+          </p:cNvSpPr>
+          <p:nvPr>
+            <p:ph type="sldNum" sz="quarter" idx="12"/>
+          </p:nvPr>
+        </p:nvSpPr>
+        <p:spPr/>
+        <p:txBody>
+          <a:bodyPr/>
+          <a:lstStyle/>
+          <a:p>
+            <a:fld id="{E15E65B2-3271-4EB1-B955-03EC741CF5EC}" type="slidenum">
+              <a:rPr lang="pt-BR" smtClean="0"/>
+              <a:t>2</a:t>
+            </a:fld>
+            <a:endParaRPr lang="pt-BR"/>
+          </a:p>
+        </p:txBody>
+      </p:sp>
+    </p:spTree>
+    <p:extLst>
+      <p:ext uri="{BB962C8B-B14F-4D97-AF65-F5344CB8AC3E}">
+        <p14:creationId xmlns:p14="http://schemas.microsoft.com/office/powerpoint/2010/main" val="1502066498"/>
+      </p:ext>
+    </p:extLst>
+  </p:cSld>
+  <p:clrMapOvr>
+    <a:masterClrMapping/>
+  </p:clrMapOvr>
+  <p:timing>
+    <p:tnLst>
+      <p:par>
+        <p:cTn id="1" dur="indefinite" restart="never" nodeType="tmRoot"/>
+      </p:par>
+    </p:tnLst>
+  </p:timing>
+</p:sld>
+</file>
+
+<file path=ppt/slides/slide20.xml><?xml version="1.0" encoding="utf-8"?>
+<p:sld xmlns:a="http://schemas.openxmlformats.org/drawingml/2006/main" xmlns:r="http://schemas.openxmlformats.org/officeDocument/2006/relationships" xmlns:p="http://schemas.openxmlformats.org/presentationml/2006/main">
+  <p:cSld>
+    <p:spTree>
+      <p:nvGrpSpPr>
+        <p:cNvPr id="1" name=""/>
+        <p:cNvGrpSpPr/>
+        <p:nvPr/>
+      </p:nvGrpSpPr>
+      <p:grpSpPr>
+        <a:xfrm>
+          <a:off x="0" y="0"/>
+          <a:ext cx="0" cy="0"/>
+          <a:chOff x="0" y="0"/>
+          <a:chExt cx="0" cy="0"/>
+        </a:xfrm>
+      </p:grpSpPr>
+      <p:sp>
+        <p:nvSpPr>
+          <p:cNvPr id="2" name="Título 1"/>
+          <p:cNvSpPr>
+            <a:spLocks noGrp="1"/>
+          </p:cNvSpPr>
+          <p:nvPr>
+            <p:ph type="title"/>
+          </p:nvPr>
+        </p:nvSpPr>
+        <p:spPr/>
+        <p:txBody>
+          <a:bodyPr>
+            <a:normAutofit/>
+          </a:bodyPr>
+          <a:lstStyle/>
+          <a:p>
+            <a:r>
+              <a:rPr lang="pt-BR" dirty="0" smtClean="0"/>
+              <a:t>Memórias</a:t>
+            </a:r>
+            <a:endParaRPr lang="pt-BR" dirty="0"/>
+          </a:p>
+        </p:txBody>
+      </p:sp>
+      <p:sp>
+        <p:nvSpPr>
+          <p:cNvPr id="7" name="Espaço Reservado para Texto 6"/>
+          <p:cNvSpPr>
+            <a:spLocks noGrp="1"/>
+          </p:cNvSpPr>
+          <p:nvPr>
+            <p:ph type="body" idx="1"/>
+          </p:nvPr>
+        </p:nvSpPr>
+        <p:spPr/>
+        <p:txBody>
+          <a:bodyPr/>
+          <a:lstStyle/>
+          <a:p>
+            <a:r>
+              <a:rPr lang="pt-BR" dirty="0"/>
+              <a:t>Experimento 2</a:t>
+            </a:r>
+          </a:p>
+        </p:txBody>
+      </p:sp>
+      <p:sp>
+        <p:nvSpPr>
+          <p:cNvPr id="4" name="Espaço Reservado para Data 3"/>
+          <p:cNvSpPr>
+            <a:spLocks noGrp="1"/>
+          </p:cNvSpPr>
+          <p:nvPr>
+            <p:ph type="dt" sz="half" idx="10"/>
+          </p:nvPr>
+        </p:nvSpPr>
+        <p:spPr/>
+        <p:txBody>
+          <a:bodyPr/>
+          <a:lstStyle/>
+          <a:p>
+            <a:r>
+              <a:rPr lang="pt-BR" smtClean="0"/>
+              <a:t>16 de dezembro de 2013</a:t>
+            </a:r>
+            <a:endParaRPr lang="pt-BR"/>
+          </a:p>
+        </p:txBody>
+      </p:sp>
+      <p:sp>
+        <p:nvSpPr>
+          <p:cNvPr id="5" name="Espaço Reservado para Rodapé 4"/>
+          <p:cNvSpPr>
+            <a:spLocks noGrp="1"/>
+          </p:cNvSpPr>
+          <p:nvPr>
+            <p:ph type="ftr" sz="quarter" idx="11"/>
+          </p:nvPr>
+        </p:nvSpPr>
+        <p:spPr/>
+        <p:txBody>
+          <a:bodyPr/>
+          <a:lstStyle/>
+          <a:p>
+            <a:endParaRPr lang="pt-BR"/>
+          </a:p>
+        </p:txBody>
+      </p:sp>
+      <p:sp>
+        <p:nvSpPr>
+          <p:cNvPr id="6" name="Espaço Reservado para Número de Slide 5"/>
+          <p:cNvSpPr>
+            <a:spLocks noGrp="1"/>
+          </p:cNvSpPr>
+          <p:nvPr>
+            <p:ph type="sldNum" sz="quarter" idx="12"/>
+          </p:nvPr>
+        </p:nvSpPr>
+        <p:spPr/>
+        <p:txBody>
+          <a:bodyPr/>
+          <a:lstStyle/>
+          <a:p>
+            <a:fld id="{E15E65B2-3271-4EB1-B955-03EC741CF5EC}" type="slidenum">
+              <a:rPr lang="pt-BR" smtClean="0"/>
+              <a:t>20</a:t>
+            </a:fld>
+            <a:endParaRPr lang="pt-BR"/>
+          </a:p>
+        </p:txBody>
+      </p:sp>
+    </p:spTree>
+    <p:extLst>
+      <p:ext uri="{BB962C8B-B14F-4D97-AF65-F5344CB8AC3E}">
+        <p14:creationId xmlns:p14="http://schemas.microsoft.com/office/powerpoint/2010/main" val="1049227361"/>
+      </p:ext>
+    </p:extLst>
+  </p:cSld>
+  <p:clrMapOvr>
+    <a:masterClrMapping/>
+  </p:clrMapOvr>
+  <p:timing>
+    <p:tnLst>
+      <p:par>
+        <p:cTn id="1" dur="indefinite" restart="never" nodeType="tmRoot"/>
+      </p:par>
+    </p:tnLst>
+  </p:timing>
+</p:sld>
+</file>
+
+<file path=ppt/slides/slide21.xml><?xml version="1.0" encoding="utf-8"?>
+<p:sld xmlns:a="http://schemas.openxmlformats.org/drawingml/2006/main" xmlns:r="http://schemas.openxmlformats.org/officeDocument/2006/relationships" xmlns:p="http://schemas.openxmlformats.org/presentationml/2006/main">
+  <p:cSld>
+    <p:spTree>
+      <p:nvGrpSpPr>
+        <p:cNvPr id="1" name=""/>
+        <p:cNvGrpSpPr/>
+        <p:nvPr/>
+      </p:nvGrpSpPr>
+      <p:grpSpPr>
+        <a:xfrm>
+          <a:off x="0" y="0"/>
+          <a:ext cx="0" cy="0"/>
+          <a:chOff x="0" y="0"/>
+          <a:chExt cx="0" cy="0"/>
+        </a:xfrm>
+      </p:grpSpPr>
+      <p:sp>
+        <p:nvSpPr>
+          <p:cNvPr id="2" name="Título 1"/>
+          <p:cNvSpPr>
+            <a:spLocks noGrp="1"/>
+          </p:cNvSpPr>
+          <p:nvPr>
+            <p:ph type="title"/>
+          </p:nvPr>
+        </p:nvSpPr>
+        <p:spPr/>
+        <p:txBody>
+          <a:bodyPr/>
+          <a:lstStyle/>
+          <a:p>
+            <a:r>
+              <a:rPr lang="pt-BR" dirty="0" smtClean="0"/>
               <a:t>Memórias Disponíveis</a:t>
             </a:r>
             <a:endParaRPr lang="pt-BR" dirty="0"/>
@@ -6520,7 +7747,7 @@
           <a:p>
             <a:fld id="{E15E65B2-3271-4EB1-B955-03EC741CF5EC}" type="slidenum">
               <a:rPr lang="pt-BR" smtClean="0"/>
-              <a:t>19</a:t>
+              <a:t>21</a:t>
             </a:fld>
             <a:endParaRPr lang="pt-BR"/>
           </a:p>
@@ -6916,233 +8143,7 @@
 </p:sld>
 </file>
 
-<file path=ppt/slides/slide2.xml><?xml version="1.0" encoding="utf-8"?>
-<p:sld xmlns:a="http://schemas.openxmlformats.org/drawingml/2006/main" xmlns:r="http://schemas.openxmlformats.org/officeDocument/2006/relationships" xmlns:p="http://schemas.openxmlformats.org/presentationml/2006/main">
-  <p:cSld>
-    <p:spTree>
-      <p:nvGrpSpPr>
-        <p:cNvPr id="1" name=""/>
-        <p:cNvGrpSpPr/>
-        <p:nvPr/>
-      </p:nvGrpSpPr>
-      <p:grpSpPr>
-        <a:xfrm>
-          <a:off x="0" y="0"/>
-          <a:ext cx="0" cy="0"/>
-          <a:chOff x="0" y="0"/>
-          <a:chExt cx="0" cy="0"/>
-        </a:xfrm>
-      </p:grpSpPr>
-      <p:sp>
-        <p:nvSpPr>
-          <p:cNvPr id="2" name="Título 1"/>
-          <p:cNvSpPr>
-            <a:spLocks noGrp="1"/>
-          </p:cNvSpPr>
-          <p:nvPr>
-            <p:ph type="title"/>
-          </p:nvPr>
-        </p:nvSpPr>
-        <p:spPr/>
-        <p:txBody>
-          <a:bodyPr/>
-          <a:lstStyle/>
-          <a:p>
-            <a:r>
-              <a:rPr lang="pt-BR" dirty="0" smtClean="0"/>
-              <a:t>Sumário</a:t>
-            </a:r>
-            <a:endParaRPr lang="pt-BR" dirty="0"/>
-          </a:p>
-        </p:txBody>
-      </p:sp>
-      <p:sp>
-        <p:nvSpPr>
-          <p:cNvPr id="3" name="Espaço Reservado para Conteúdo 2"/>
-          <p:cNvSpPr>
-            <a:spLocks noGrp="1"/>
-          </p:cNvSpPr>
-          <p:nvPr>
-            <p:ph idx="1"/>
-          </p:nvPr>
-        </p:nvSpPr>
-        <p:spPr/>
-        <p:txBody>
-          <a:bodyPr>
-            <a:normAutofit/>
-          </a:bodyPr>
-          <a:lstStyle/>
-          <a:p>
-            <a:r>
-              <a:rPr lang="pt-BR" sz="2000" dirty="0" smtClean="0"/>
-              <a:t>Introdução</a:t>
-            </a:r>
-          </a:p>
-          <a:p>
-            <a:r>
-              <a:rPr lang="pt-BR" sz="2000" dirty="0" smtClean="0"/>
-              <a:t>Revisão Bibliográfica</a:t>
-            </a:r>
-          </a:p>
-          <a:p>
-            <a:r>
-              <a:rPr lang="pt-BR" sz="2000" dirty="0" smtClean="0"/>
-              <a:t>Experimentos</a:t>
-            </a:r>
-          </a:p>
-          <a:p>
-            <a:pPr marL="971550" lvl="1" indent="-514350">
-              <a:buFont typeface="+mj-lt"/>
-              <a:buAutoNum type="arabicPeriod"/>
-            </a:pPr>
-            <a:r>
-              <a:rPr lang="pt-BR" sz="2000" dirty="0" smtClean="0"/>
-              <a:t>Reconfiguração Dinâmica</a:t>
-            </a:r>
-          </a:p>
-          <a:p>
-            <a:pPr marL="971550" lvl="1" indent="-514350">
-              <a:buFont typeface="+mj-lt"/>
-              <a:buAutoNum type="arabicPeriod"/>
-            </a:pPr>
-            <a:r>
-              <a:rPr lang="pt-BR" sz="2000" dirty="0" smtClean="0"/>
-              <a:t>Memórias</a:t>
-            </a:r>
-          </a:p>
-          <a:p>
-            <a:pPr marL="971550" lvl="1" indent="-514350">
-              <a:buFont typeface="+mj-lt"/>
-              <a:buAutoNum type="arabicPeriod"/>
-            </a:pPr>
-            <a:r>
-              <a:rPr lang="pt-BR" sz="2000" i="1" dirty="0" smtClean="0"/>
-              <a:t>Bootloader</a:t>
-            </a:r>
-          </a:p>
-          <a:p>
-            <a:pPr marL="971550" lvl="1" indent="-514350">
-              <a:buFont typeface="+mj-lt"/>
-              <a:buAutoNum type="arabicPeriod"/>
-            </a:pPr>
-            <a:r>
-              <a:rPr lang="pt-BR" sz="2000" dirty="0" smtClean="0"/>
-              <a:t>Autorreconfiguração com MicroBlaze e DDR3</a:t>
-            </a:r>
-          </a:p>
-          <a:p>
-            <a:pPr marL="971550" lvl="1" indent="-514350">
-              <a:buFont typeface="+mj-lt"/>
-              <a:buAutoNum type="arabicPeriod"/>
-            </a:pPr>
-            <a:r>
-              <a:rPr lang="pt-BR" sz="2000" dirty="0" smtClean="0"/>
-              <a:t>Autorreconfiguração com MicroBlaze e sem DDR3</a:t>
-            </a:r>
-          </a:p>
-          <a:p>
-            <a:r>
-              <a:rPr lang="pt-BR" sz="2000" dirty="0" smtClean="0"/>
-              <a:t>Resultados Gerais</a:t>
-            </a:r>
-          </a:p>
-          <a:p>
-            <a:r>
-              <a:rPr lang="pt-BR" sz="2000" dirty="0" smtClean="0"/>
-              <a:t>Conclusão</a:t>
-            </a:r>
-          </a:p>
-          <a:p>
-            <a:endParaRPr lang="pt-BR" dirty="0"/>
-          </a:p>
-        </p:txBody>
-      </p:sp>
-      <p:sp>
-        <p:nvSpPr>
-          <p:cNvPr id="4" name="Espaço Reservado para Data 3"/>
-          <p:cNvSpPr>
-            <a:spLocks noGrp="1"/>
-          </p:cNvSpPr>
-          <p:nvPr>
-            <p:ph type="dt" sz="half" idx="10"/>
-          </p:nvPr>
-        </p:nvSpPr>
-        <p:spPr/>
-        <p:txBody>
-          <a:bodyPr/>
-          <a:lstStyle/>
-          <a:p>
-            <a:r>
-              <a:rPr lang="pt-BR" smtClean="0"/>
-              <a:t>16 de dezembro de 2013</a:t>
-            </a:r>
-            <a:endParaRPr lang="pt-BR"/>
-          </a:p>
-        </p:txBody>
-      </p:sp>
-      <p:sp>
-        <p:nvSpPr>
-          <p:cNvPr id="5" name="Espaço Reservado para Rodapé 4"/>
-          <p:cNvSpPr>
-            <a:spLocks noGrp="1"/>
-          </p:cNvSpPr>
-          <p:nvPr>
-            <p:ph type="ftr" sz="quarter" idx="11"/>
-          </p:nvPr>
-        </p:nvSpPr>
-        <p:spPr/>
-        <p:txBody>
-          <a:bodyPr/>
-          <a:lstStyle/>
-          <a:p>
-            <a:endParaRPr lang="pt-BR" dirty="0"/>
-          </a:p>
-        </p:txBody>
-      </p:sp>
-      <p:sp>
-        <p:nvSpPr>
-          <p:cNvPr id="6" name="Espaço Reservado para Número de Slide 5"/>
-          <p:cNvSpPr>
-            <a:spLocks noGrp="1"/>
-          </p:cNvSpPr>
-          <p:nvPr>
-            <p:ph type="sldNum" sz="quarter" idx="12"/>
-          </p:nvPr>
-        </p:nvSpPr>
-        <p:spPr/>
-        <p:txBody>
-          <a:bodyPr/>
-          <a:lstStyle/>
-          <a:p>
-            <a:fld id="{E15E65B2-3271-4EB1-B955-03EC741CF5EC}" type="slidenum">
-              <a:rPr lang="pt-BR" smtClean="0"/>
-              <a:t>2</a:t>
-            </a:fld>
-            <a:endParaRPr lang="pt-BR"/>
-          </a:p>
-        </p:txBody>
-      </p:sp>
-    </p:spTree>
-    <p:extLst>
-      <p:ext uri="{BB962C8B-B14F-4D97-AF65-F5344CB8AC3E}">
-        <p14:creationId xmlns:p14="http://schemas.microsoft.com/office/powerpoint/2010/main" val="1502066498"/>
-      </p:ext>
-    </p:extLst>
-  </p:cSld>
-  <p:clrMapOvr>
-    <a:masterClrMapping/>
-  </p:clrMapOvr>
-  <p:timing>
-    <p:tnLst>
-      <p:par>
-        <p:cTn id="1" dur="indefinite" restart="never" nodeType="tmRoot"/>
-      </p:par>
-    </p:tnLst>
-  </p:timing>
-</p:sld>
-</file>
-
-<file path=ppt/slides/slide20.xml><?xml version="1.0" encoding="utf-8"?>
+<file path=ppt/slides/slide22.xml><?xml version="1.0" encoding="utf-8"?>
 <p:sld xmlns:a="http://schemas.openxmlformats.org/drawingml/2006/main" xmlns:r="http://schemas.openxmlformats.org/officeDocument/2006/relationships" xmlns:p="http://schemas.openxmlformats.org/presentationml/2006/main">
   <p:cSld>
     <p:spTree>
@@ -7274,7 +8275,7 @@
           <a:p>
             <a:fld id="{E15E65B2-3271-4EB1-B955-03EC741CF5EC}" type="slidenum">
               <a:rPr lang="pt-BR" smtClean="0"/>
-              <a:t>20</a:t>
+              <a:t>22</a:t>
             </a:fld>
             <a:endParaRPr lang="pt-BR"/>
           </a:p>
@@ -7408,310 +8409,6 @@
 </p:sld>
 </file>
 
-<file path=ppt/slides/slide21.xml><?xml version="1.0" encoding="utf-8"?>
-<p:sld xmlns:a="http://schemas.openxmlformats.org/drawingml/2006/main" xmlns:r="http://schemas.openxmlformats.org/officeDocument/2006/relationships" xmlns:p="http://schemas.openxmlformats.org/presentationml/2006/main">
-  <p:cSld>
-    <p:spTree>
-      <p:nvGrpSpPr>
-        <p:cNvPr id="1" name=""/>
-        <p:cNvGrpSpPr/>
-        <p:nvPr/>
-      </p:nvGrpSpPr>
-      <p:grpSpPr>
-        <a:xfrm>
-          <a:off x="0" y="0"/>
-          <a:ext cx="0" cy="0"/>
-          <a:chOff x="0" y="0"/>
-          <a:chExt cx="0" cy="0"/>
-        </a:xfrm>
-      </p:grpSpPr>
-      <p:sp>
-        <p:nvSpPr>
-          <p:cNvPr id="2" name="Título 1"/>
-          <p:cNvSpPr>
-            <a:spLocks noGrp="1"/>
-          </p:cNvSpPr>
-          <p:nvPr>
-            <p:ph type="title"/>
-          </p:nvPr>
-        </p:nvSpPr>
-        <p:spPr/>
-        <p:txBody>
-          <a:bodyPr/>
-          <a:lstStyle/>
-          <a:p>
-            <a:r>
-              <a:rPr lang="pt-BR" dirty="0" smtClean="0"/>
-              <a:t>Resultados</a:t>
-            </a:r>
-            <a:endParaRPr lang="pt-BR" dirty="0"/>
-          </a:p>
-        </p:txBody>
-      </p:sp>
-      <p:sp>
-        <p:nvSpPr>
-          <p:cNvPr id="3" name="Espaço Reservado para Conteúdo 2"/>
-          <p:cNvSpPr>
-            <a:spLocks noGrp="1"/>
-          </p:cNvSpPr>
-          <p:nvPr>
-            <p:ph idx="1"/>
-          </p:nvPr>
-        </p:nvSpPr>
-        <p:spPr/>
-        <p:txBody>
-          <a:bodyPr/>
-          <a:lstStyle/>
-          <a:p>
-            <a:pPr marL="0" indent="0">
-              <a:buNone/>
-            </a:pPr>
-            <a:r>
-              <a:rPr lang="pt-BR" dirty="0" smtClean="0"/>
-              <a:t>Experimento bem sucedido</a:t>
-            </a:r>
-            <a:endParaRPr lang="pt-BR" dirty="0"/>
-          </a:p>
-        </p:txBody>
-      </p:sp>
-      <p:sp>
-        <p:nvSpPr>
-          <p:cNvPr id="4" name="Espaço Reservado para Data 3"/>
-          <p:cNvSpPr>
-            <a:spLocks noGrp="1"/>
-          </p:cNvSpPr>
-          <p:nvPr>
-            <p:ph type="dt" sz="half" idx="10"/>
-          </p:nvPr>
-        </p:nvSpPr>
-        <p:spPr/>
-        <p:txBody>
-          <a:bodyPr/>
-          <a:lstStyle/>
-          <a:p>
-            <a:r>
-              <a:rPr lang="pt-BR" smtClean="0"/>
-              <a:t>16 de dezembro de 2013</a:t>
-            </a:r>
-            <a:endParaRPr lang="pt-BR"/>
-          </a:p>
-        </p:txBody>
-      </p:sp>
-      <p:sp>
-        <p:nvSpPr>
-          <p:cNvPr id="5" name="Espaço Reservado para Rodapé 4"/>
-          <p:cNvSpPr>
-            <a:spLocks noGrp="1"/>
-          </p:cNvSpPr>
-          <p:nvPr>
-            <p:ph type="ftr" sz="quarter" idx="11"/>
-          </p:nvPr>
-        </p:nvSpPr>
-        <p:spPr/>
-        <p:txBody>
-          <a:bodyPr/>
-          <a:lstStyle/>
-          <a:p>
-            <a:r>
-              <a:rPr lang="pt-BR" dirty="0" smtClean="0"/>
-              <a:t>Experimento 2</a:t>
-            </a:r>
-            <a:endParaRPr lang="pt-BR" dirty="0"/>
-          </a:p>
-        </p:txBody>
-      </p:sp>
-      <p:sp>
-        <p:nvSpPr>
-          <p:cNvPr id="6" name="Espaço Reservado para Número de Slide 5"/>
-          <p:cNvSpPr>
-            <a:spLocks noGrp="1"/>
-          </p:cNvSpPr>
-          <p:nvPr>
-            <p:ph type="sldNum" sz="quarter" idx="12"/>
-          </p:nvPr>
-        </p:nvSpPr>
-        <p:spPr/>
-        <p:txBody>
-          <a:bodyPr/>
-          <a:lstStyle/>
-          <a:p>
-            <a:fld id="{E15E65B2-3271-4EB1-B955-03EC741CF5EC}" type="slidenum">
-              <a:rPr lang="pt-BR" smtClean="0"/>
-              <a:t>21</a:t>
-            </a:fld>
-            <a:endParaRPr lang="pt-BR"/>
-          </a:p>
-        </p:txBody>
-      </p:sp>
-    </p:spTree>
-    <p:extLst>
-      <p:ext uri="{BB962C8B-B14F-4D97-AF65-F5344CB8AC3E}">
-        <p14:creationId xmlns:p14="http://schemas.microsoft.com/office/powerpoint/2010/main" val="3907980999"/>
-      </p:ext>
-    </p:extLst>
-  </p:cSld>
-  <p:clrMapOvr>
-    <a:masterClrMapping/>
-  </p:clrMapOvr>
-  <p:timing>
-    <p:tnLst>
-      <p:par>
-        <p:cTn id="1" dur="indefinite" restart="never" nodeType="tmRoot"/>
-      </p:par>
-    </p:tnLst>
-  </p:timing>
-</p:sld>
-</file>
-
-<file path=ppt/slides/slide22.xml><?xml version="1.0" encoding="utf-8"?>
-<p:sld xmlns:a="http://schemas.openxmlformats.org/drawingml/2006/main" xmlns:r="http://schemas.openxmlformats.org/officeDocument/2006/relationships" xmlns:p="http://schemas.openxmlformats.org/presentationml/2006/main">
-  <p:cSld>
-    <p:spTree>
-      <p:nvGrpSpPr>
-        <p:cNvPr id="1" name=""/>
-        <p:cNvGrpSpPr/>
-        <p:nvPr/>
-      </p:nvGrpSpPr>
-      <p:grpSpPr>
-        <a:xfrm>
-          <a:off x="0" y="0"/>
-          <a:ext cx="0" cy="0"/>
-          <a:chOff x="0" y="0"/>
-          <a:chExt cx="0" cy="0"/>
-        </a:xfrm>
-      </p:grpSpPr>
-      <p:sp>
-        <p:nvSpPr>
-          <p:cNvPr id="2" name="Título 1"/>
-          <p:cNvSpPr>
-            <a:spLocks noGrp="1"/>
-          </p:cNvSpPr>
-          <p:nvPr>
-            <p:ph type="title"/>
-          </p:nvPr>
-        </p:nvSpPr>
-        <p:spPr/>
-        <p:txBody>
-          <a:bodyPr>
-            <a:normAutofit/>
-          </a:bodyPr>
-          <a:lstStyle/>
-          <a:p>
-            <a:r>
-              <a:rPr lang="pt-BR" i="1" dirty="0" smtClean="0"/>
-              <a:t>Bootloader</a:t>
-            </a:r>
-            <a:endParaRPr lang="pt-BR" i="1" dirty="0"/>
-          </a:p>
-        </p:txBody>
-      </p:sp>
-      <p:sp>
-        <p:nvSpPr>
-          <p:cNvPr id="7" name="Espaço Reservado para Texto 6"/>
-          <p:cNvSpPr>
-            <a:spLocks noGrp="1"/>
-          </p:cNvSpPr>
-          <p:nvPr>
-            <p:ph type="body" idx="1"/>
-          </p:nvPr>
-        </p:nvSpPr>
-        <p:spPr/>
-        <p:txBody>
-          <a:bodyPr/>
-          <a:lstStyle/>
-          <a:p>
-            <a:r>
-              <a:rPr lang="pt-BR" dirty="0"/>
-              <a:t>Experimento 3</a:t>
-            </a:r>
-          </a:p>
-        </p:txBody>
-      </p:sp>
-      <p:sp>
-        <p:nvSpPr>
-          <p:cNvPr id="4" name="Espaço Reservado para Data 3"/>
-          <p:cNvSpPr>
-            <a:spLocks noGrp="1"/>
-          </p:cNvSpPr>
-          <p:nvPr>
-            <p:ph type="dt" sz="half" idx="10"/>
-          </p:nvPr>
-        </p:nvSpPr>
-        <p:spPr/>
-        <p:txBody>
-          <a:bodyPr/>
-          <a:lstStyle/>
-          <a:p>
-            <a:r>
-              <a:rPr lang="pt-BR" smtClean="0"/>
-              <a:t>16 de dezembro de 2013</a:t>
-            </a:r>
-            <a:endParaRPr lang="pt-BR"/>
-          </a:p>
-        </p:txBody>
-      </p:sp>
-      <p:sp>
-        <p:nvSpPr>
-          <p:cNvPr id="5" name="Espaço Reservado para Rodapé 4"/>
-          <p:cNvSpPr>
-            <a:spLocks noGrp="1"/>
-          </p:cNvSpPr>
-          <p:nvPr>
-            <p:ph type="ftr" sz="quarter" idx="11"/>
-          </p:nvPr>
-        </p:nvSpPr>
-        <p:spPr/>
-        <p:txBody>
-          <a:bodyPr/>
-          <a:lstStyle/>
-          <a:p>
-            <a:endParaRPr lang="pt-BR"/>
-          </a:p>
-        </p:txBody>
-      </p:sp>
-      <p:sp>
-        <p:nvSpPr>
-          <p:cNvPr id="6" name="Espaço Reservado para Número de Slide 5"/>
-          <p:cNvSpPr>
-            <a:spLocks noGrp="1"/>
-          </p:cNvSpPr>
-          <p:nvPr>
-            <p:ph type="sldNum" sz="quarter" idx="12"/>
-          </p:nvPr>
-        </p:nvSpPr>
-        <p:spPr/>
-        <p:txBody>
-          <a:bodyPr/>
-          <a:lstStyle/>
-          <a:p>
-            <a:fld id="{E15E65B2-3271-4EB1-B955-03EC741CF5EC}" type="slidenum">
-              <a:rPr lang="pt-BR" smtClean="0"/>
-              <a:t>22</a:t>
-            </a:fld>
-            <a:endParaRPr lang="pt-BR"/>
-          </a:p>
-        </p:txBody>
-      </p:sp>
-    </p:spTree>
-    <p:extLst>
-      <p:ext uri="{BB962C8B-B14F-4D97-AF65-F5344CB8AC3E}">
-        <p14:creationId xmlns:p14="http://schemas.microsoft.com/office/powerpoint/2010/main" val="1238485748"/>
-      </p:ext>
-    </p:extLst>
-  </p:cSld>
-  <p:clrMapOvr>
-    <a:masterClrMapping/>
-  </p:clrMapOvr>
-  <p:timing>
-    <p:tnLst>
-      <p:par>
-        <p:cTn id="1" dur="indefinite" restart="never" nodeType="tmRoot"/>
-      </p:par>
-    </p:tnLst>
-  </p:timing>
-</p:sld>
-</file>
-
 <file path=ppt/slides/slide23.xml><?xml version="1.0" encoding="utf-8"?>
 <p:sld xmlns:a="http://schemas.openxmlformats.org/drawingml/2006/main" xmlns:r="http://schemas.openxmlformats.org/officeDocument/2006/relationships" xmlns:p="http://schemas.openxmlformats.org/presentationml/2006/main">
   <p:cSld>
@@ -7744,39 +8441,40 @@
           <a:bodyPr/>
           <a:lstStyle/>
           <a:p>
+            <a:r>
+              <a:rPr lang="pt-BR" dirty="0" smtClean="0"/>
+              <a:t>Resultados</a:t>
+            </a:r>
             <a:endParaRPr lang="pt-BR" dirty="0"/>
           </a:p>
         </p:txBody>
       </p:sp>
-      <p:pic>
-        <p:nvPicPr>
-          <p:cNvPr id="7" name="Espaço Reservado para Conteúdo 6"/>
-          <p:cNvPicPr>
-            <a:picLocks noGrp="1" noChangeAspect="1"/>
-          </p:cNvPicPr>
+      <p:sp>
+        <p:nvSpPr>
+          <p:cNvPr id="3" name="Espaço Reservado para Conteúdo 2"/>
+          <p:cNvSpPr>
+            <a:spLocks noGrp="1"/>
+          </p:cNvSpPr>
           <p:nvPr>
             <p:ph idx="1"/>
           </p:nvPr>
-        </p:nvPicPr>
-        <p:blipFill>
-          <a:blip r:embed="rId2">
-            <a:extLst>
-              <a:ext uri="{28A0092B-C50C-407E-A947-70E740481C1C}">
-                <a14:useLocalDpi xmlns:a14="http://schemas.microsoft.com/office/drawing/2010/main" val="0"/>
-              </a:ext>
-            </a:extLst>
-          </a:blip>
-          <a:stretch>
-            <a:fillRect/>
-          </a:stretch>
-        </p:blipFill>
-        <p:spPr>
-          <a:xfrm>
-            <a:off x="2075688" y="1179576"/>
-            <a:ext cx="4992624" cy="4498848"/>
-          </a:xfrm>
-        </p:spPr>
-      </p:pic>
+        </p:nvSpPr>
+        <p:spPr/>
+        <p:txBody>
+          <a:bodyPr/>
+          <a:lstStyle/>
+          <a:p>
+            <a:pPr marL="0" indent="0">
+              <a:buNone/>
+            </a:pPr>
+            <a:r>
+              <a:rPr lang="pt-BR" dirty="0" smtClean="0"/>
+              <a:t>Experimento bem sucedido</a:t>
+            </a:r>
+            <a:endParaRPr lang="pt-BR" dirty="0"/>
+          </a:p>
+        </p:txBody>
+      </p:sp>
       <p:sp>
         <p:nvSpPr>
           <p:cNvPr id="4" name="Espaço Reservado para Data 3"/>
@@ -7817,8 +8515,9 @@
           <a:p>
             <a:r>
               <a:rPr lang="pt-BR" dirty="0" smtClean="0"/>
-              <a:t>Experimento 3</a:t>
-            </a:r>
+              <a:t>Experimento 2</a:t>
+            </a:r>
+            <a:endParaRPr lang="pt-BR" dirty="0"/>
           </a:p>
         </p:txBody>
       </p:sp>
@@ -7848,7 +8547,7 @@
     </p:spTree>
     <p:extLst>
       <p:ext uri="{BB962C8B-B14F-4D97-AF65-F5344CB8AC3E}">
-        <p14:creationId xmlns:p14="http://schemas.microsoft.com/office/powerpoint/2010/main" val="840518965"/>
+        <p14:creationId xmlns:p14="http://schemas.microsoft.com/office/powerpoint/2010/main" val="3907980999"/>
       </p:ext>
     </p:extLst>
   </p:cSld>
@@ -7894,6 +8593,308 @@
         </p:nvSpPr>
         <p:spPr/>
         <p:txBody>
+          <a:bodyPr>
+            <a:normAutofit/>
+          </a:bodyPr>
+          <a:lstStyle/>
+          <a:p>
+            <a:r>
+              <a:rPr lang="pt-BR" i="1" dirty="0" smtClean="0"/>
+              <a:t>Bootloader</a:t>
+            </a:r>
+            <a:endParaRPr lang="pt-BR" i="1" dirty="0"/>
+          </a:p>
+        </p:txBody>
+      </p:sp>
+      <p:sp>
+        <p:nvSpPr>
+          <p:cNvPr id="7" name="Espaço Reservado para Texto 6"/>
+          <p:cNvSpPr>
+            <a:spLocks noGrp="1"/>
+          </p:cNvSpPr>
+          <p:nvPr>
+            <p:ph type="body" idx="1"/>
+          </p:nvPr>
+        </p:nvSpPr>
+        <p:spPr/>
+        <p:txBody>
+          <a:bodyPr/>
+          <a:lstStyle/>
+          <a:p>
+            <a:r>
+              <a:rPr lang="pt-BR" dirty="0"/>
+              <a:t>Experimento 3</a:t>
+            </a:r>
+          </a:p>
+        </p:txBody>
+      </p:sp>
+      <p:sp>
+        <p:nvSpPr>
+          <p:cNvPr id="4" name="Espaço Reservado para Data 3"/>
+          <p:cNvSpPr>
+            <a:spLocks noGrp="1"/>
+          </p:cNvSpPr>
+          <p:nvPr>
+            <p:ph type="dt" sz="half" idx="10"/>
+          </p:nvPr>
+        </p:nvSpPr>
+        <p:spPr/>
+        <p:txBody>
+          <a:bodyPr/>
+          <a:lstStyle/>
+          <a:p>
+            <a:r>
+              <a:rPr lang="pt-BR" smtClean="0"/>
+              <a:t>16 de dezembro de 2013</a:t>
+            </a:r>
+            <a:endParaRPr lang="pt-BR"/>
+          </a:p>
+        </p:txBody>
+      </p:sp>
+      <p:sp>
+        <p:nvSpPr>
+          <p:cNvPr id="5" name="Espaço Reservado para Rodapé 4"/>
+          <p:cNvSpPr>
+            <a:spLocks noGrp="1"/>
+          </p:cNvSpPr>
+          <p:nvPr>
+            <p:ph type="ftr" sz="quarter" idx="11"/>
+          </p:nvPr>
+        </p:nvSpPr>
+        <p:spPr/>
+        <p:txBody>
+          <a:bodyPr/>
+          <a:lstStyle/>
+          <a:p>
+            <a:endParaRPr lang="pt-BR"/>
+          </a:p>
+        </p:txBody>
+      </p:sp>
+      <p:sp>
+        <p:nvSpPr>
+          <p:cNvPr id="6" name="Espaço Reservado para Número de Slide 5"/>
+          <p:cNvSpPr>
+            <a:spLocks noGrp="1"/>
+          </p:cNvSpPr>
+          <p:nvPr>
+            <p:ph type="sldNum" sz="quarter" idx="12"/>
+          </p:nvPr>
+        </p:nvSpPr>
+        <p:spPr/>
+        <p:txBody>
+          <a:bodyPr/>
+          <a:lstStyle/>
+          <a:p>
+            <a:fld id="{E15E65B2-3271-4EB1-B955-03EC741CF5EC}" type="slidenum">
+              <a:rPr lang="pt-BR" smtClean="0"/>
+              <a:t>24</a:t>
+            </a:fld>
+            <a:endParaRPr lang="pt-BR"/>
+          </a:p>
+        </p:txBody>
+      </p:sp>
+    </p:spTree>
+    <p:extLst>
+      <p:ext uri="{BB962C8B-B14F-4D97-AF65-F5344CB8AC3E}">
+        <p14:creationId xmlns:p14="http://schemas.microsoft.com/office/powerpoint/2010/main" val="1238485748"/>
+      </p:ext>
+    </p:extLst>
+  </p:cSld>
+  <p:clrMapOvr>
+    <a:masterClrMapping/>
+  </p:clrMapOvr>
+  <p:timing>
+    <p:tnLst>
+      <p:par>
+        <p:cTn id="1" dur="indefinite" restart="never" nodeType="tmRoot"/>
+      </p:par>
+    </p:tnLst>
+  </p:timing>
+</p:sld>
+</file>
+
+<file path=ppt/slides/slide25.xml><?xml version="1.0" encoding="utf-8"?>
+<p:sld xmlns:a="http://schemas.openxmlformats.org/drawingml/2006/main" xmlns:r="http://schemas.openxmlformats.org/officeDocument/2006/relationships" xmlns:p="http://schemas.openxmlformats.org/presentationml/2006/main">
+  <p:cSld>
+    <p:spTree>
+      <p:nvGrpSpPr>
+        <p:cNvPr id="1" name=""/>
+        <p:cNvGrpSpPr/>
+        <p:nvPr/>
+      </p:nvGrpSpPr>
+      <p:grpSpPr>
+        <a:xfrm>
+          <a:off x="0" y="0"/>
+          <a:ext cx="0" cy="0"/>
+          <a:chOff x="0" y="0"/>
+          <a:chExt cx="0" cy="0"/>
+        </a:xfrm>
+      </p:grpSpPr>
+      <p:sp>
+        <p:nvSpPr>
+          <p:cNvPr id="2" name="Título 1"/>
+          <p:cNvSpPr>
+            <a:spLocks noGrp="1"/>
+          </p:cNvSpPr>
+          <p:nvPr>
+            <p:ph type="title"/>
+          </p:nvPr>
+        </p:nvSpPr>
+        <p:spPr/>
+        <p:txBody>
+          <a:bodyPr/>
+          <a:lstStyle/>
+          <a:p>
+            <a:endParaRPr lang="pt-BR" dirty="0"/>
+          </a:p>
+        </p:txBody>
+      </p:sp>
+      <p:pic>
+        <p:nvPicPr>
+          <p:cNvPr id="7" name="Espaço Reservado para Conteúdo 6"/>
+          <p:cNvPicPr>
+            <a:picLocks noGrp="1" noChangeAspect="1"/>
+          </p:cNvPicPr>
+          <p:nvPr>
+            <p:ph idx="1"/>
+          </p:nvPr>
+        </p:nvPicPr>
+        <p:blipFill>
+          <a:blip r:embed="rId2">
+            <a:extLst>
+              <a:ext uri="{28A0092B-C50C-407E-A947-70E740481C1C}">
+                <a14:useLocalDpi xmlns:a14="http://schemas.microsoft.com/office/drawing/2010/main" val="0"/>
+              </a:ext>
+            </a:extLst>
+          </a:blip>
+          <a:stretch>
+            <a:fillRect/>
+          </a:stretch>
+        </p:blipFill>
+        <p:spPr>
+          <a:xfrm>
+            <a:off x="2075688" y="1179576"/>
+            <a:ext cx="4992624" cy="4498848"/>
+          </a:xfrm>
+        </p:spPr>
+      </p:pic>
+      <p:sp>
+        <p:nvSpPr>
+          <p:cNvPr id="4" name="Espaço Reservado para Data 3"/>
+          <p:cNvSpPr>
+            <a:spLocks noGrp="1"/>
+          </p:cNvSpPr>
+          <p:nvPr>
+            <p:ph type="dt" sz="half" idx="10"/>
+          </p:nvPr>
+        </p:nvSpPr>
+        <p:spPr/>
+        <p:txBody>
+          <a:bodyPr/>
+          <a:lstStyle/>
+          <a:p>
+            <a:r>
+              <a:rPr lang="pt-BR" smtClean="0"/>
+              <a:t>16 de dezembro de 2013</a:t>
+            </a:r>
+            <a:endParaRPr lang="pt-BR"/>
+          </a:p>
+        </p:txBody>
+      </p:sp>
+      <p:sp>
+        <p:nvSpPr>
+          <p:cNvPr id="5" name="Espaço Reservado para Rodapé 4"/>
+          <p:cNvSpPr>
+            <a:spLocks noGrp="1"/>
+          </p:cNvSpPr>
+          <p:nvPr>
+            <p:ph type="ftr" sz="quarter" idx="11"/>
+          </p:nvPr>
+        </p:nvSpPr>
+        <p:spPr/>
+        <p:txBody>
+          <a:bodyPr/>
+          <a:lstStyle/>
+          <a:p>
+            <a:r>
+              <a:rPr lang="pt-BR" dirty="0" smtClean="0"/>
+              <a:t>Experimento 3</a:t>
+            </a:r>
+          </a:p>
+        </p:txBody>
+      </p:sp>
+      <p:sp>
+        <p:nvSpPr>
+          <p:cNvPr id="6" name="Espaço Reservado para Número de Slide 5"/>
+          <p:cNvSpPr>
+            <a:spLocks noGrp="1"/>
+          </p:cNvSpPr>
+          <p:nvPr>
+            <p:ph type="sldNum" sz="quarter" idx="12"/>
+          </p:nvPr>
+        </p:nvSpPr>
+        <p:spPr/>
+        <p:txBody>
+          <a:bodyPr/>
+          <a:lstStyle/>
+          <a:p>
+            <a:fld id="{E15E65B2-3271-4EB1-B955-03EC741CF5EC}" type="slidenum">
+              <a:rPr lang="pt-BR" smtClean="0"/>
+              <a:t>25</a:t>
+            </a:fld>
+            <a:endParaRPr lang="pt-BR"/>
+          </a:p>
+        </p:txBody>
+      </p:sp>
+    </p:spTree>
+    <p:extLst>
+      <p:ext uri="{BB962C8B-B14F-4D97-AF65-F5344CB8AC3E}">
+        <p14:creationId xmlns:p14="http://schemas.microsoft.com/office/powerpoint/2010/main" val="840518965"/>
+      </p:ext>
+    </p:extLst>
+  </p:cSld>
+  <p:clrMapOvr>
+    <a:masterClrMapping/>
+  </p:clrMapOvr>
+  <p:timing>
+    <p:tnLst>
+      <p:par>
+        <p:cTn id="1" dur="indefinite" restart="never" nodeType="tmRoot"/>
+      </p:par>
+    </p:tnLst>
+  </p:timing>
+</p:sld>
+</file>
+
+<file path=ppt/slides/slide26.xml><?xml version="1.0" encoding="utf-8"?>
+<p:sld xmlns:a="http://schemas.openxmlformats.org/drawingml/2006/main" xmlns:r="http://schemas.openxmlformats.org/officeDocument/2006/relationships" xmlns:p="http://schemas.openxmlformats.org/presentationml/2006/main">
+  <p:cSld>
+    <p:spTree>
+      <p:nvGrpSpPr>
+        <p:cNvPr id="1" name=""/>
+        <p:cNvGrpSpPr/>
+        <p:nvPr/>
+      </p:nvGrpSpPr>
+      <p:grpSpPr>
+        <a:xfrm>
+          <a:off x="0" y="0"/>
+          <a:ext cx="0" cy="0"/>
+          <a:chOff x="0" y="0"/>
+          <a:chExt cx="0" cy="0"/>
+        </a:xfrm>
+      </p:grpSpPr>
+      <p:sp>
+        <p:nvSpPr>
+          <p:cNvPr id="2" name="Título 1"/>
+          <p:cNvSpPr>
+            <a:spLocks noGrp="1"/>
+          </p:cNvSpPr>
+          <p:nvPr>
+            <p:ph type="title"/>
+          </p:nvPr>
+        </p:nvSpPr>
+        <p:spPr/>
+        <p:txBody>
           <a:bodyPr/>
           <a:lstStyle/>
           <a:p>
@@ -7996,7 +8997,7 @@
           <a:p>
             <a:fld id="{E15E65B2-3271-4EB1-B955-03EC741CF5EC}" type="slidenum">
               <a:rPr lang="pt-BR" smtClean="0"/>
-              <a:t>24</a:t>
+              <a:t>26</a:t>
             </a:fld>
             <a:endParaRPr lang="pt-BR"/>
           </a:p>
@@ -8330,7 +9331,7 @@
 </p:sld>
 </file>
 
-<file path=ppt/slides/slide25.xml><?xml version="1.0" encoding="utf-8"?>
+<file path=ppt/slides/slide27.xml><?xml version="1.0" encoding="utf-8"?>
 <p:sld xmlns:a="http://schemas.openxmlformats.org/drawingml/2006/main" xmlns:r="http://schemas.openxmlformats.org/officeDocument/2006/relationships" xmlns:p="http://schemas.openxmlformats.org/presentationml/2006/main">
   <p:cSld>
     <p:spTree>
@@ -8468,7 +9469,7 @@
           <a:p>
             <a:fld id="{E15E65B2-3271-4EB1-B955-03EC741CF5EC}" type="slidenum">
               <a:rPr lang="pt-BR" smtClean="0"/>
-              <a:t>25</a:t>
+              <a:t>27</a:t>
             </a:fld>
             <a:endParaRPr lang="pt-BR"/>
           </a:p>
@@ -8523,7 +9524,7 @@
 </p:sld>
 </file>
 
-<file path=ppt/slides/slide26.xml><?xml version="1.0" encoding="utf-8"?>
+<file path=ppt/slides/slide28.xml><?xml version="1.0" encoding="utf-8"?>
 <p:sld xmlns:a="http://schemas.openxmlformats.org/drawingml/2006/main" xmlns:r="http://schemas.openxmlformats.org/officeDocument/2006/relationships" xmlns:p="http://schemas.openxmlformats.org/presentationml/2006/main">
   <p:cSld>
     <p:spTree>
@@ -8682,7 +9683,7 @@
           <a:p>
             <a:fld id="{E15E65B2-3271-4EB1-B955-03EC741CF5EC}" type="slidenum">
               <a:rPr lang="pt-BR" smtClean="0"/>
-              <a:t>26</a:t>
+              <a:t>28</a:t>
             </a:fld>
             <a:endParaRPr lang="pt-BR"/>
           </a:p>
@@ -8692,313 +9693,6 @@
     <p:extLst>
       <p:ext uri="{BB962C8B-B14F-4D97-AF65-F5344CB8AC3E}">
         <p14:creationId xmlns:p14="http://schemas.microsoft.com/office/powerpoint/2010/main" val="3382419477"/>
-      </p:ext>
-    </p:extLst>
-  </p:cSld>
-  <p:clrMapOvr>
-    <a:masterClrMapping/>
-  </p:clrMapOvr>
-  <p:timing>
-    <p:tnLst>
-      <p:par>
-        <p:cTn id="1" dur="indefinite" restart="never" nodeType="tmRoot"/>
-      </p:par>
-    </p:tnLst>
-  </p:timing>
-</p:sld>
-</file>
-
-<file path=ppt/slides/slide27.xml><?xml version="1.0" encoding="utf-8"?>
-<p:sld xmlns:a="http://schemas.openxmlformats.org/drawingml/2006/main" xmlns:r="http://schemas.openxmlformats.org/officeDocument/2006/relationships" xmlns:p="http://schemas.openxmlformats.org/presentationml/2006/main">
-  <p:cSld>
-    <p:spTree>
-      <p:nvGrpSpPr>
-        <p:cNvPr id="1" name=""/>
-        <p:cNvGrpSpPr/>
-        <p:nvPr/>
-      </p:nvGrpSpPr>
-      <p:grpSpPr>
-        <a:xfrm>
-          <a:off x="0" y="0"/>
-          <a:ext cx="0" cy="0"/>
-          <a:chOff x="0" y="0"/>
-          <a:chExt cx="0" cy="0"/>
-        </a:xfrm>
-      </p:grpSpPr>
-      <p:sp>
-        <p:nvSpPr>
-          <p:cNvPr id="2" name="Título 1"/>
-          <p:cNvSpPr>
-            <a:spLocks noGrp="1"/>
-          </p:cNvSpPr>
-          <p:nvPr>
-            <p:ph type="title"/>
-          </p:nvPr>
-        </p:nvSpPr>
-        <p:spPr/>
-        <p:txBody>
-          <a:bodyPr>
-            <a:normAutofit/>
-          </a:bodyPr>
-          <a:lstStyle/>
-          <a:p>
-            <a:r>
-              <a:rPr lang="pt-BR" dirty="0"/>
-              <a:t>Autorreconfiguração com MicroBlaze e DDR3</a:t>
-            </a:r>
-          </a:p>
-        </p:txBody>
-      </p:sp>
-      <p:sp>
-        <p:nvSpPr>
-          <p:cNvPr id="7" name="Espaço Reservado para Texto 6"/>
-          <p:cNvSpPr>
-            <a:spLocks noGrp="1"/>
-          </p:cNvSpPr>
-          <p:nvPr>
-            <p:ph type="body" idx="1"/>
-          </p:nvPr>
-        </p:nvSpPr>
-        <p:spPr/>
-        <p:txBody>
-          <a:bodyPr/>
-          <a:lstStyle/>
-          <a:p>
-            <a:r>
-              <a:rPr lang="pt-BR" dirty="0" smtClean="0"/>
-              <a:t>Experimento 4</a:t>
-            </a:r>
-            <a:endParaRPr lang="pt-BR" dirty="0"/>
-          </a:p>
-        </p:txBody>
-      </p:sp>
-      <p:sp>
-        <p:nvSpPr>
-          <p:cNvPr id="4" name="Espaço Reservado para Data 3"/>
-          <p:cNvSpPr>
-            <a:spLocks noGrp="1"/>
-          </p:cNvSpPr>
-          <p:nvPr>
-            <p:ph type="dt" sz="half" idx="10"/>
-          </p:nvPr>
-        </p:nvSpPr>
-        <p:spPr/>
-        <p:txBody>
-          <a:bodyPr/>
-          <a:lstStyle/>
-          <a:p>
-            <a:r>
-              <a:rPr lang="pt-BR" smtClean="0"/>
-              <a:t>16 de dezembro de 2013</a:t>
-            </a:r>
-            <a:endParaRPr lang="pt-BR"/>
-          </a:p>
-        </p:txBody>
-      </p:sp>
-      <p:sp>
-        <p:nvSpPr>
-          <p:cNvPr id="5" name="Espaço Reservado para Rodapé 4"/>
-          <p:cNvSpPr>
-            <a:spLocks noGrp="1"/>
-          </p:cNvSpPr>
-          <p:nvPr>
-            <p:ph type="ftr" sz="quarter" idx="11"/>
-          </p:nvPr>
-        </p:nvSpPr>
-        <p:spPr/>
-        <p:txBody>
-          <a:bodyPr/>
-          <a:lstStyle/>
-          <a:p>
-            <a:endParaRPr lang="pt-BR"/>
-          </a:p>
-        </p:txBody>
-      </p:sp>
-      <p:sp>
-        <p:nvSpPr>
-          <p:cNvPr id="6" name="Espaço Reservado para Número de Slide 5"/>
-          <p:cNvSpPr>
-            <a:spLocks noGrp="1"/>
-          </p:cNvSpPr>
-          <p:nvPr>
-            <p:ph type="sldNum" sz="quarter" idx="12"/>
-          </p:nvPr>
-        </p:nvSpPr>
-        <p:spPr/>
-        <p:txBody>
-          <a:bodyPr/>
-          <a:lstStyle/>
-          <a:p>
-            <a:fld id="{E15E65B2-3271-4EB1-B955-03EC741CF5EC}" type="slidenum">
-              <a:rPr lang="pt-BR" smtClean="0"/>
-              <a:t>27</a:t>
-            </a:fld>
-            <a:endParaRPr lang="pt-BR"/>
-          </a:p>
-        </p:txBody>
-      </p:sp>
-    </p:spTree>
-    <p:extLst>
-      <p:ext uri="{BB962C8B-B14F-4D97-AF65-F5344CB8AC3E}">
-        <p14:creationId xmlns:p14="http://schemas.microsoft.com/office/powerpoint/2010/main" val="1631175770"/>
-      </p:ext>
-    </p:extLst>
-  </p:cSld>
-  <p:clrMapOvr>
-    <a:masterClrMapping/>
-  </p:clrMapOvr>
-  <p:timing>
-    <p:tnLst>
-      <p:par>
-        <p:cTn id="1" dur="indefinite" restart="never" nodeType="tmRoot"/>
-      </p:par>
-    </p:tnLst>
-  </p:timing>
-</p:sld>
-</file>
-
-<file path=ppt/slides/slide28.xml><?xml version="1.0" encoding="utf-8"?>
-<p:sld xmlns:a="http://schemas.openxmlformats.org/drawingml/2006/main" xmlns:r="http://schemas.openxmlformats.org/officeDocument/2006/relationships" xmlns:p="http://schemas.openxmlformats.org/presentationml/2006/main">
-  <p:cSld>
-    <p:spTree>
-      <p:nvGrpSpPr>
-        <p:cNvPr id="1" name=""/>
-        <p:cNvGrpSpPr/>
-        <p:nvPr/>
-      </p:nvGrpSpPr>
-      <p:grpSpPr>
-        <a:xfrm>
-          <a:off x="0" y="0"/>
-          <a:ext cx="0" cy="0"/>
-          <a:chOff x="0" y="0"/>
-          <a:chExt cx="0" cy="0"/>
-        </a:xfrm>
-      </p:grpSpPr>
-      <p:sp>
-        <p:nvSpPr>
-          <p:cNvPr id="2" name="Título 1"/>
-          <p:cNvSpPr>
-            <a:spLocks noGrp="1"/>
-          </p:cNvSpPr>
-          <p:nvPr>
-            <p:ph type="title"/>
-          </p:nvPr>
-        </p:nvSpPr>
-        <p:spPr/>
-        <p:txBody>
-          <a:bodyPr/>
-          <a:lstStyle/>
-          <a:p>
-            <a:r>
-              <a:rPr lang="pt-BR" dirty="0" smtClean="0"/>
-              <a:t>Fluxo de Projeto</a:t>
-            </a:r>
-            <a:endParaRPr lang="pt-BR" dirty="0"/>
-          </a:p>
-        </p:txBody>
-      </p:sp>
-      <p:pic>
-        <p:nvPicPr>
-          <p:cNvPr id="7" name="Espaço Reservado para Conteúdo 6"/>
-          <p:cNvPicPr>
-            <a:picLocks noGrp="1" noChangeAspect="1"/>
-          </p:cNvPicPr>
-          <p:nvPr>
-            <p:ph idx="1"/>
-          </p:nvPr>
-        </p:nvPicPr>
-        <p:blipFill>
-          <a:blip r:embed="rId3" cstate="print">
-            <a:extLst>
-              <a:ext uri="{28A0092B-C50C-407E-A947-70E740481C1C}">
-                <a14:useLocalDpi xmlns:a14="http://schemas.microsoft.com/office/drawing/2010/main" val="0"/>
-              </a:ext>
-            </a:extLst>
-          </a:blip>
-          <a:stretch>
-            <a:fillRect/>
-          </a:stretch>
-        </p:blipFill>
-        <p:spPr>
-          <a:xfrm>
-            <a:off x="457200" y="2945951"/>
-            <a:ext cx="8229600" cy="1834461"/>
-          </a:xfrm>
-        </p:spPr>
-      </p:pic>
-      <p:sp>
-        <p:nvSpPr>
-          <p:cNvPr id="4" name="Espaço Reservado para Data 3"/>
-          <p:cNvSpPr>
-            <a:spLocks noGrp="1"/>
-          </p:cNvSpPr>
-          <p:nvPr>
-            <p:ph type="dt" sz="half" idx="10"/>
-          </p:nvPr>
-        </p:nvSpPr>
-        <p:spPr/>
-        <p:txBody>
-          <a:bodyPr/>
-          <a:lstStyle/>
-          <a:p>
-            <a:r>
-              <a:rPr lang="pt-BR" smtClean="0"/>
-              <a:t>16 de dezembro de 2013</a:t>
-            </a:r>
-            <a:endParaRPr lang="pt-BR"/>
-          </a:p>
-        </p:txBody>
-      </p:sp>
-      <p:sp>
-        <p:nvSpPr>
-          <p:cNvPr id="5" name="Espaço Reservado para Rodapé 4"/>
-          <p:cNvSpPr>
-            <a:spLocks noGrp="1"/>
-          </p:cNvSpPr>
-          <p:nvPr>
-            <p:ph type="ftr" sz="quarter" idx="11"/>
-          </p:nvPr>
-        </p:nvSpPr>
-        <p:spPr/>
-        <p:txBody>
-          <a:bodyPr/>
-          <a:lstStyle/>
-          <a:p>
-            <a:r>
-              <a:rPr lang="pt-BR" dirty="0" smtClean="0"/>
-              <a:t>Experimento 4</a:t>
-            </a:r>
-            <a:endParaRPr lang="pt-BR" dirty="0"/>
-          </a:p>
-        </p:txBody>
-      </p:sp>
-      <p:sp>
-        <p:nvSpPr>
-          <p:cNvPr id="6" name="Espaço Reservado para Número de Slide 5"/>
-          <p:cNvSpPr>
-            <a:spLocks noGrp="1"/>
-          </p:cNvSpPr>
-          <p:nvPr>
-            <p:ph type="sldNum" sz="quarter" idx="12"/>
-          </p:nvPr>
-        </p:nvSpPr>
-        <p:spPr/>
-        <p:txBody>
-          <a:bodyPr/>
-          <a:lstStyle/>
-          <a:p>
-            <a:fld id="{E15E65B2-3271-4EB1-B955-03EC741CF5EC}" type="slidenum">
-              <a:rPr lang="pt-BR" smtClean="0"/>
-              <a:t>28</a:t>
-            </a:fld>
-            <a:endParaRPr lang="pt-BR"/>
-          </a:p>
-        </p:txBody>
-      </p:sp>
-    </p:spTree>
-    <p:extLst>
-      <p:ext uri="{BB962C8B-B14F-4D97-AF65-F5344CB8AC3E}">
-        <p14:creationId xmlns:p14="http://schemas.microsoft.com/office/powerpoint/2010/main" val="1178305631"/>
       </p:ext>
     </p:extLst>
   </p:cSld>
@@ -9044,91 +9738,26 @@
         </p:nvSpPr>
         <p:spPr/>
         <p:txBody>
-          <a:bodyPr/>
-          <a:lstStyle/>
-          <a:p>
-            <a:r>
-              <a:rPr lang="pt-BR" dirty="0" smtClean="0"/>
-              <a:t>Resultados</a:t>
-            </a:r>
-            <a:endParaRPr lang="pt-BR" dirty="0"/>
-          </a:p>
-        </p:txBody>
-      </p:sp>
-      <p:sp>
-        <p:nvSpPr>
-          <p:cNvPr id="8" name="Espaço Reservado para Conteúdo 7"/>
-          <p:cNvSpPr>
-            <a:spLocks noGrp="1"/>
-          </p:cNvSpPr>
-          <p:nvPr>
-            <p:ph idx="1"/>
-          </p:nvPr>
-        </p:nvSpPr>
-        <p:spPr/>
-        <p:txBody>
-          <a:bodyPr/>
-          <a:lstStyle/>
-          <a:p>
-            <a:pPr marL="0" indent="0">
-              <a:buNone/>
-            </a:pPr>
-            <a:r>
-              <a:rPr lang="pt-BR" dirty="0" smtClean="0"/>
-              <a:t>Experimento requer modificações</a:t>
-            </a:r>
-          </a:p>
-          <a:p>
-            <a:r>
-              <a:rPr lang="pt-BR" dirty="0" smtClean="0"/>
-              <a:t>Remoção da DDR3</a:t>
-            </a:r>
-          </a:p>
-          <a:p>
-            <a:r>
-              <a:rPr lang="pt-BR" dirty="0" smtClean="0"/>
-              <a:t>Usar MicroBlaze como Top</a:t>
-            </a:r>
-          </a:p>
-          <a:p>
-            <a:endParaRPr lang="pt-BR" dirty="0" smtClean="0"/>
-          </a:p>
-          <a:p>
-            <a:endParaRPr lang="pt-BR" dirty="0"/>
-          </a:p>
-        </p:txBody>
-      </p:sp>
-      <p:sp>
-        <p:nvSpPr>
-          <p:cNvPr id="4" name="Espaço Reservado para Data 3"/>
-          <p:cNvSpPr>
-            <a:spLocks noGrp="1"/>
-          </p:cNvSpPr>
-          <p:nvPr>
-            <p:ph type="dt" sz="half" idx="10"/>
-          </p:nvPr>
-        </p:nvSpPr>
-        <p:spPr/>
-        <p:txBody>
-          <a:bodyPr/>
-          <a:lstStyle/>
-          <a:p>
-            <a:r>
-              <a:rPr lang="pt-BR" smtClean="0"/>
-              <a:t>16 de dezembro de 2013</a:t>
-            </a:r>
-            <a:endParaRPr lang="pt-BR"/>
-          </a:p>
-        </p:txBody>
-      </p:sp>
-      <p:sp>
-        <p:nvSpPr>
-          <p:cNvPr id="5" name="Espaço Reservado para Rodapé 4"/>
-          <p:cNvSpPr>
-            <a:spLocks noGrp="1"/>
-          </p:cNvSpPr>
-          <p:nvPr>
-            <p:ph type="ftr" sz="quarter" idx="11"/>
+          <a:bodyPr>
+            <a:normAutofit/>
+          </a:bodyPr>
+          <a:lstStyle/>
+          <a:p>
+            <a:r>
+              <a:rPr lang="pt-BR" dirty="0"/>
+              <a:t>Autorreconfiguração com MicroBlaze e DDR3</a:t>
+            </a:r>
+          </a:p>
+        </p:txBody>
+      </p:sp>
+      <p:sp>
+        <p:nvSpPr>
+          <p:cNvPr id="7" name="Espaço Reservado para Texto 6"/>
+          <p:cNvSpPr>
+            <a:spLocks noGrp="1"/>
+          </p:cNvSpPr>
+          <p:nvPr>
+            <p:ph type="body" idx="1"/>
           </p:nvPr>
         </p:nvSpPr>
         <p:spPr/>
@@ -9141,6 +9770,48 @@
               <a:t>Experimento 4</a:t>
             </a:r>
             <a:endParaRPr lang="pt-BR" dirty="0"/>
+          </a:p>
+        </p:txBody>
+      </p:sp>
+      <p:sp>
+        <p:nvSpPr>
+          <p:cNvPr id="4" name="Espaço Reservado para Data 3"/>
+          <p:cNvSpPr>
+            <a:spLocks noGrp="1"/>
+          </p:cNvSpPr>
+          <p:nvPr>
+            <p:ph type="dt" sz="half" idx="10"/>
+          </p:nvPr>
+        </p:nvSpPr>
+        <p:spPr/>
+        <p:txBody>
+          <a:bodyPr/>
+          <a:lstStyle/>
+          <a:p>
+            <a:r>
+              <a:rPr lang="pt-BR" smtClean="0"/>
+              <a:t>16 de dezembro de 2013</a:t>
+            </a:r>
+            <a:endParaRPr lang="pt-BR"/>
+          </a:p>
+        </p:txBody>
+      </p:sp>
+      <p:sp>
+        <p:nvSpPr>
+          <p:cNvPr id="5" name="Espaço Reservado para Rodapé 4"/>
+          <p:cNvSpPr>
+            <a:spLocks noGrp="1"/>
+          </p:cNvSpPr>
+          <p:nvPr>
+            <p:ph type="ftr" sz="quarter" idx="11"/>
+          </p:nvPr>
+        </p:nvSpPr>
+        <p:spPr/>
+        <p:txBody>
+          <a:bodyPr/>
+          <a:lstStyle/>
+          <a:p>
+            <a:endParaRPr lang="pt-BR"/>
           </a:p>
         </p:txBody>
       </p:sp>
@@ -9170,7 +9841,7 @@
     </p:spTree>
     <p:extLst>
       <p:ext uri="{BB962C8B-B14F-4D97-AF65-F5344CB8AC3E}">
-        <p14:creationId xmlns:p14="http://schemas.microsoft.com/office/powerpoint/2010/main" val="3011382053"/>
+        <p14:creationId xmlns:p14="http://schemas.microsoft.com/office/powerpoint/2010/main" val="1631175770"/>
       </p:ext>
     </p:extLst>
   </p:cSld>
@@ -9364,31 +10035,77 @@
         </p:nvSpPr>
         <p:spPr/>
         <p:txBody>
-          <a:bodyPr>
-            <a:normAutofit/>
-          </a:bodyPr>
-          <a:lstStyle/>
-          <a:p>
-            <a:r>
-              <a:rPr lang="pt-BR" dirty="0"/>
-              <a:t>Autorreconfiguração com MicroBlaze e </a:t>
-            </a:r>
+          <a:bodyPr/>
+          <a:lstStyle/>
+          <a:p>
             <a:r>
               <a:rPr lang="pt-BR" dirty="0" smtClean="0"/>
-              <a:t>sem DDR3</a:t>
+              <a:t>Fluxo de Projeto</a:t>
             </a:r>
             <a:endParaRPr lang="pt-BR" dirty="0"/>
           </a:p>
         </p:txBody>
       </p:sp>
-      <p:sp>
-        <p:nvSpPr>
-          <p:cNvPr id="7" name="Espaço Reservado para Texto 6"/>
-          <p:cNvSpPr>
-            <a:spLocks noGrp="1"/>
-          </p:cNvSpPr>
-          <p:nvPr>
-            <p:ph type="body" idx="1"/>
+      <p:pic>
+        <p:nvPicPr>
+          <p:cNvPr id="7" name="Espaço Reservado para Conteúdo 6"/>
+          <p:cNvPicPr>
+            <a:picLocks noGrp="1" noChangeAspect="1"/>
+          </p:cNvPicPr>
+          <p:nvPr>
+            <p:ph idx="1"/>
+          </p:nvPr>
+        </p:nvPicPr>
+        <p:blipFill>
+          <a:blip r:embed="rId3" cstate="print">
+            <a:extLst>
+              <a:ext uri="{28A0092B-C50C-407E-A947-70E740481C1C}">
+                <a14:useLocalDpi xmlns:a14="http://schemas.microsoft.com/office/drawing/2010/main" val="0"/>
+              </a:ext>
+            </a:extLst>
+          </a:blip>
+          <a:stretch>
+            <a:fillRect/>
+          </a:stretch>
+        </p:blipFill>
+        <p:spPr>
+          <a:xfrm>
+            <a:off x="457200" y="2945951"/>
+            <a:ext cx="8229600" cy="1834461"/>
+          </a:xfrm>
+        </p:spPr>
+      </p:pic>
+      <p:sp>
+        <p:nvSpPr>
+          <p:cNvPr id="4" name="Espaço Reservado para Data 3"/>
+          <p:cNvSpPr>
+            <a:spLocks noGrp="1"/>
+          </p:cNvSpPr>
+          <p:nvPr>
+            <p:ph type="dt" sz="half" idx="10"/>
+          </p:nvPr>
+        </p:nvSpPr>
+        <p:spPr/>
+        <p:txBody>
+          <a:bodyPr/>
+          <a:lstStyle/>
+          <a:p>
+            <a:r>
+              <a:rPr lang="pt-BR" smtClean="0"/>
+              <a:t>16 de dezembro de 2013</a:t>
+            </a:r>
+            <a:endParaRPr lang="pt-BR"/>
+          </a:p>
+        </p:txBody>
+      </p:sp>
+      <p:sp>
+        <p:nvSpPr>
+          <p:cNvPr id="5" name="Espaço Reservado para Rodapé 4"/>
+          <p:cNvSpPr>
+            <a:spLocks noGrp="1"/>
+          </p:cNvSpPr>
+          <p:nvPr>
+            <p:ph type="ftr" sz="quarter" idx="11"/>
           </p:nvPr>
         </p:nvSpPr>
         <p:spPr/>
@@ -9398,51 +10115,9 @@
           <a:p>
             <a:r>
               <a:rPr lang="pt-BR" dirty="0" smtClean="0"/>
-              <a:t>Experimento 5</a:t>
+              <a:t>Experimento 4</a:t>
             </a:r>
             <a:endParaRPr lang="pt-BR" dirty="0"/>
-          </a:p>
-        </p:txBody>
-      </p:sp>
-      <p:sp>
-        <p:nvSpPr>
-          <p:cNvPr id="4" name="Espaço Reservado para Data 3"/>
-          <p:cNvSpPr>
-            <a:spLocks noGrp="1"/>
-          </p:cNvSpPr>
-          <p:nvPr>
-            <p:ph type="dt" sz="half" idx="10"/>
-          </p:nvPr>
-        </p:nvSpPr>
-        <p:spPr/>
-        <p:txBody>
-          <a:bodyPr/>
-          <a:lstStyle/>
-          <a:p>
-            <a:r>
-              <a:rPr lang="pt-BR" smtClean="0"/>
-              <a:t>16 de dezembro de 2013</a:t>
-            </a:r>
-            <a:endParaRPr lang="pt-BR"/>
-          </a:p>
-        </p:txBody>
-      </p:sp>
-      <p:sp>
-        <p:nvSpPr>
-          <p:cNvPr id="5" name="Espaço Reservado para Rodapé 4"/>
-          <p:cNvSpPr>
-            <a:spLocks noGrp="1"/>
-          </p:cNvSpPr>
-          <p:nvPr>
-            <p:ph type="ftr" sz="quarter" idx="11"/>
-          </p:nvPr>
-        </p:nvSpPr>
-        <p:spPr/>
-        <p:txBody>
-          <a:bodyPr/>
-          <a:lstStyle/>
-          <a:p>
-            <a:endParaRPr lang="pt-BR"/>
           </a:p>
         </p:txBody>
       </p:sp>
@@ -9472,7 +10147,7 @@
     </p:spTree>
     <p:extLst>
       <p:ext uri="{BB962C8B-B14F-4D97-AF65-F5344CB8AC3E}">
-        <p14:creationId xmlns:p14="http://schemas.microsoft.com/office/powerpoint/2010/main" val="669085642"/>
+        <p14:creationId xmlns:p14="http://schemas.microsoft.com/office/powerpoint/2010/main" val="1178305631"/>
       </p:ext>
     </p:extLst>
   </p:cSld>
@@ -9523,41 +10198,55 @@
           <a:p>
             <a:r>
               <a:rPr lang="pt-BR" dirty="0" smtClean="0"/>
-              <a:t>Fluxo de Projeto</a:t>
+              <a:t>Resultados</a:t>
             </a:r>
             <a:endParaRPr lang="pt-BR" dirty="0"/>
           </a:p>
         </p:txBody>
       </p:sp>
-      <p:pic>
-        <p:nvPicPr>
-          <p:cNvPr id="7" name="Espaço Reservado para Conteúdo 6"/>
-          <p:cNvPicPr>
-            <a:picLocks noGrp="1" noChangeAspect="1"/>
-          </p:cNvPicPr>
+      <p:sp>
+        <p:nvSpPr>
+          <p:cNvPr id="8" name="Espaço Reservado para Conteúdo 7"/>
+          <p:cNvSpPr>
+            <a:spLocks noGrp="1"/>
+          </p:cNvSpPr>
           <p:nvPr>
             <p:ph idx="1"/>
           </p:nvPr>
-        </p:nvPicPr>
-        <p:blipFill>
-          <a:blip r:embed="rId2" cstate="print">
-            <a:extLst>
-              <a:ext uri="{28A0092B-C50C-407E-A947-70E740481C1C}">
-                <a14:useLocalDpi xmlns:a14="http://schemas.microsoft.com/office/drawing/2010/main" val="0"/>
-              </a:ext>
-            </a:extLst>
-          </a:blip>
-          <a:stretch>
-            <a:fillRect/>
-          </a:stretch>
-        </p:blipFill>
-        <p:spPr>
-          <a:xfrm>
-            <a:off x="457200" y="2708920"/>
-            <a:ext cx="8229600" cy="1834461"/>
-          </a:xfrm>
-        </p:spPr>
-      </p:pic>
+        </p:nvSpPr>
+        <p:spPr/>
+        <p:txBody>
+          <a:bodyPr/>
+          <a:lstStyle/>
+          <a:p>
+            <a:pPr marL="0" indent="0">
+              <a:buNone/>
+            </a:pPr>
+            <a:r>
+              <a:rPr lang="pt-BR" dirty="0" smtClean="0"/>
+              <a:t>Experimento requer modificações</a:t>
+            </a:r>
+          </a:p>
+          <a:p>
+            <a:r>
+              <a:rPr lang="pt-BR" dirty="0" smtClean="0"/>
+              <a:t>Remoção da DDR3</a:t>
+            </a:r>
+          </a:p>
+          <a:p>
+            <a:r>
+              <a:rPr lang="pt-BR" dirty="0" smtClean="0"/>
+              <a:t>Usar MicroBlaze como Top</a:t>
+            </a:r>
+          </a:p>
+          <a:p>
+            <a:endParaRPr lang="pt-BR" dirty="0" smtClean="0"/>
+          </a:p>
+          <a:p>
+            <a:endParaRPr lang="pt-BR" dirty="0"/>
+          </a:p>
+        </p:txBody>
+      </p:sp>
       <p:sp>
         <p:nvSpPr>
           <p:cNvPr id="4" name="Espaço Reservado para Data 3"/>
@@ -9598,8 +10287,9 @@
           <a:p>
             <a:r>
               <a:rPr lang="pt-BR" dirty="0" smtClean="0"/>
-              <a:t>Experimento 5</a:t>
-            </a:r>
+              <a:t>Experimento 4</a:t>
+            </a:r>
+            <a:endParaRPr lang="pt-BR" dirty="0"/>
           </a:p>
         </p:txBody>
       </p:sp>
@@ -9629,7 +10319,7 @@
     </p:spTree>
     <p:extLst>
       <p:ext uri="{BB962C8B-B14F-4D97-AF65-F5344CB8AC3E}">
-        <p14:creationId xmlns:p14="http://schemas.microsoft.com/office/powerpoint/2010/main" val="1197866311"/>
+        <p14:creationId xmlns:p14="http://schemas.microsoft.com/office/powerpoint/2010/main" val="3011382053"/>
       </p:ext>
     </p:extLst>
   </p:cSld>
@@ -9675,6 +10365,317 @@
         </p:nvSpPr>
         <p:spPr/>
         <p:txBody>
+          <a:bodyPr>
+            <a:normAutofit/>
+          </a:bodyPr>
+          <a:lstStyle/>
+          <a:p>
+            <a:r>
+              <a:rPr lang="pt-BR" dirty="0"/>
+              <a:t>Autorreconfiguração com MicroBlaze e </a:t>
+            </a:r>
+            <a:r>
+              <a:rPr lang="pt-BR" dirty="0" smtClean="0"/>
+              <a:t>sem DDR3</a:t>
+            </a:r>
+            <a:endParaRPr lang="pt-BR" dirty="0"/>
+          </a:p>
+        </p:txBody>
+      </p:sp>
+      <p:sp>
+        <p:nvSpPr>
+          <p:cNvPr id="7" name="Espaço Reservado para Texto 6"/>
+          <p:cNvSpPr>
+            <a:spLocks noGrp="1"/>
+          </p:cNvSpPr>
+          <p:nvPr>
+            <p:ph type="body" idx="1"/>
+          </p:nvPr>
+        </p:nvSpPr>
+        <p:spPr/>
+        <p:txBody>
+          <a:bodyPr/>
+          <a:lstStyle/>
+          <a:p>
+            <a:r>
+              <a:rPr lang="pt-BR" dirty="0" smtClean="0"/>
+              <a:t>Experimento 5</a:t>
+            </a:r>
+            <a:endParaRPr lang="pt-BR" dirty="0"/>
+          </a:p>
+        </p:txBody>
+      </p:sp>
+      <p:sp>
+        <p:nvSpPr>
+          <p:cNvPr id="4" name="Espaço Reservado para Data 3"/>
+          <p:cNvSpPr>
+            <a:spLocks noGrp="1"/>
+          </p:cNvSpPr>
+          <p:nvPr>
+            <p:ph type="dt" sz="half" idx="10"/>
+          </p:nvPr>
+        </p:nvSpPr>
+        <p:spPr/>
+        <p:txBody>
+          <a:bodyPr/>
+          <a:lstStyle/>
+          <a:p>
+            <a:r>
+              <a:rPr lang="pt-BR" smtClean="0"/>
+              <a:t>16 de dezembro de 2013</a:t>
+            </a:r>
+            <a:endParaRPr lang="pt-BR"/>
+          </a:p>
+        </p:txBody>
+      </p:sp>
+      <p:sp>
+        <p:nvSpPr>
+          <p:cNvPr id="5" name="Espaço Reservado para Rodapé 4"/>
+          <p:cNvSpPr>
+            <a:spLocks noGrp="1"/>
+          </p:cNvSpPr>
+          <p:nvPr>
+            <p:ph type="ftr" sz="quarter" idx="11"/>
+          </p:nvPr>
+        </p:nvSpPr>
+        <p:spPr/>
+        <p:txBody>
+          <a:bodyPr/>
+          <a:lstStyle/>
+          <a:p>
+            <a:endParaRPr lang="pt-BR"/>
+          </a:p>
+        </p:txBody>
+      </p:sp>
+      <p:sp>
+        <p:nvSpPr>
+          <p:cNvPr id="6" name="Espaço Reservado para Número de Slide 5"/>
+          <p:cNvSpPr>
+            <a:spLocks noGrp="1"/>
+          </p:cNvSpPr>
+          <p:nvPr>
+            <p:ph type="sldNum" sz="quarter" idx="12"/>
+          </p:nvPr>
+        </p:nvSpPr>
+        <p:spPr/>
+        <p:txBody>
+          <a:bodyPr/>
+          <a:lstStyle/>
+          <a:p>
+            <a:fld id="{E15E65B2-3271-4EB1-B955-03EC741CF5EC}" type="slidenum">
+              <a:rPr lang="pt-BR" smtClean="0"/>
+              <a:t>32</a:t>
+            </a:fld>
+            <a:endParaRPr lang="pt-BR"/>
+          </a:p>
+        </p:txBody>
+      </p:sp>
+    </p:spTree>
+    <p:extLst>
+      <p:ext uri="{BB962C8B-B14F-4D97-AF65-F5344CB8AC3E}">
+        <p14:creationId xmlns:p14="http://schemas.microsoft.com/office/powerpoint/2010/main" val="669085642"/>
+      </p:ext>
+    </p:extLst>
+  </p:cSld>
+  <p:clrMapOvr>
+    <a:masterClrMapping/>
+  </p:clrMapOvr>
+  <p:timing>
+    <p:tnLst>
+      <p:par>
+        <p:cTn id="1" dur="indefinite" restart="never" nodeType="tmRoot"/>
+      </p:par>
+    </p:tnLst>
+  </p:timing>
+</p:sld>
+</file>
+
+<file path=ppt/slides/slide33.xml><?xml version="1.0" encoding="utf-8"?>
+<p:sld xmlns:a="http://schemas.openxmlformats.org/drawingml/2006/main" xmlns:r="http://schemas.openxmlformats.org/officeDocument/2006/relationships" xmlns:p="http://schemas.openxmlformats.org/presentationml/2006/main">
+  <p:cSld>
+    <p:spTree>
+      <p:nvGrpSpPr>
+        <p:cNvPr id="1" name=""/>
+        <p:cNvGrpSpPr/>
+        <p:nvPr/>
+      </p:nvGrpSpPr>
+      <p:grpSpPr>
+        <a:xfrm>
+          <a:off x="0" y="0"/>
+          <a:ext cx="0" cy="0"/>
+          <a:chOff x="0" y="0"/>
+          <a:chExt cx="0" cy="0"/>
+        </a:xfrm>
+      </p:grpSpPr>
+      <p:sp>
+        <p:nvSpPr>
+          <p:cNvPr id="2" name="Título 1"/>
+          <p:cNvSpPr>
+            <a:spLocks noGrp="1"/>
+          </p:cNvSpPr>
+          <p:nvPr>
+            <p:ph type="title"/>
+          </p:nvPr>
+        </p:nvSpPr>
+        <p:spPr/>
+        <p:txBody>
+          <a:bodyPr/>
+          <a:lstStyle/>
+          <a:p>
+            <a:r>
+              <a:rPr lang="pt-BR" dirty="0" smtClean="0"/>
+              <a:t>Fluxo de Projeto</a:t>
+            </a:r>
+            <a:endParaRPr lang="pt-BR" dirty="0"/>
+          </a:p>
+        </p:txBody>
+      </p:sp>
+      <p:pic>
+        <p:nvPicPr>
+          <p:cNvPr id="7" name="Espaço Reservado para Conteúdo 6"/>
+          <p:cNvPicPr>
+            <a:picLocks noGrp="1" noChangeAspect="1"/>
+          </p:cNvPicPr>
+          <p:nvPr>
+            <p:ph idx="1"/>
+          </p:nvPr>
+        </p:nvPicPr>
+        <p:blipFill>
+          <a:blip r:embed="rId2" cstate="print">
+            <a:extLst>
+              <a:ext uri="{28A0092B-C50C-407E-A947-70E740481C1C}">
+                <a14:useLocalDpi xmlns:a14="http://schemas.microsoft.com/office/drawing/2010/main" val="0"/>
+              </a:ext>
+            </a:extLst>
+          </a:blip>
+          <a:stretch>
+            <a:fillRect/>
+          </a:stretch>
+        </p:blipFill>
+        <p:spPr>
+          <a:xfrm>
+            <a:off x="457200" y="2708920"/>
+            <a:ext cx="8229600" cy="1834461"/>
+          </a:xfrm>
+        </p:spPr>
+      </p:pic>
+      <p:sp>
+        <p:nvSpPr>
+          <p:cNvPr id="4" name="Espaço Reservado para Data 3"/>
+          <p:cNvSpPr>
+            <a:spLocks noGrp="1"/>
+          </p:cNvSpPr>
+          <p:nvPr>
+            <p:ph type="dt" sz="half" idx="10"/>
+          </p:nvPr>
+        </p:nvSpPr>
+        <p:spPr/>
+        <p:txBody>
+          <a:bodyPr/>
+          <a:lstStyle/>
+          <a:p>
+            <a:r>
+              <a:rPr lang="pt-BR" smtClean="0"/>
+              <a:t>16 de dezembro de 2013</a:t>
+            </a:r>
+            <a:endParaRPr lang="pt-BR"/>
+          </a:p>
+        </p:txBody>
+      </p:sp>
+      <p:sp>
+        <p:nvSpPr>
+          <p:cNvPr id="5" name="Espaço Reservado para Rodapé 4"/>
+          <p:cNvSpPr>
+            <a:spLocks noGrp="1"/>
+          </p:cNvSpPr>
+          <p:nvPr>
+            <p:ph type="ftr" sz="quarter" idx="11"/>
+          </p:nvPr>
+        </p:nvSpPr>
+        <p:spPr/>
+        <p:txBody>
+          <a:bodyPr/>
+          <a:lstStyle/>
+          <a:p>
+            <a:r>
+              <a:rPr lang="pt-BR" dirty="0" smtClean="0"/>
+              <a:t>Experimento 5</a:t>
+            </a:r>
+          </a:p>
+        </p:txBody>
+      </p:sp>
+      <p:sp>
+        <p:nvSpPr>
+          <p:cNvPr id="6" name="Espaço Reservado para Número de Slide 5"/>
+          <p:cNvSpPr>
+            <a:spLocks noGrp="1"/>
+          </p:cNvSpPr>
+          <p:nvPr>
+            <p:ph type="sldNum" sz="quarter" idx="12"/>
+          </p:nvPr>
+        </p:nvSpPr>
+        <p:spPr/>
+        <p:txBody>
+          <a:bodyPr/>
+          <a:lstStyle/>
+          <a:p>
+            <a:fld id="{E15E65B2-3271-4EB1-B955-03EC741CF5EC}" type="slidenum">
+              <a:rPr lang="pt-BR" smtClean="0"/>
+              <a:t>33</a:t>
+            </a:fld>
+            <a:endParaRPr lang="pt-BR"/>
+          </a:p>
+        </p:txBody>
+      </p:sp>
+    </p:spTree>
+    <p:extLst>
+      <p:ext uri="{BB962C8B-B14F-4D97-AF65-F5344CB8AC3E}">
+        <p14:creationId xmlns:p14="http://schemas.microsoft.com/office/powerpoint/2010/main" val="1197866311"/>
+      </p:ext>
+    </p:extLst>
+  </p:cSld>
+  <p:clrMapOvr>
+    <a:masterClrMapping/>
+  </p:clrMapOvr>
+  <p:timing>
+    <p:tnLst>
+      <p:par>
+        <p:cTn id="1" dur="indefinite" restart="never" nodeType="tmRoot"/>
+      </p:par>
+    </p:tnLst>
+  </p:timing>
+</p:sld>
+</file>
+
+<file path=ppt/slides/slide34.xml><?xml version="1.0" encoding="utf-8"?>
+<p:sld xmlns:a="http://schemas.openxmlformats.org/drawingml/2006/main" xmlns:r="http://schemas.openxmlformats.org/officeDocument/2006/relationships" xmlns:p="http://schemas.openxmlformats.org/presentationml/2006/main">
+  <p:cSld>
+    <p:spTree>
+      <p:nvGrpSpPr>
+        <p:cNvPr id="1" name=""/>
+        <p:cNvGrpSpPr/>
+        <p:nvPr/>
+      </p:nvGrpSpPr>
+      <p:grpSpPr>
+        <a:xfrm>
+          <a:off x="0" y="0"/>
+          <a:ext cx="0" cy="0"/>
+          <a:chOff x="0" y="0"/>
+          <a:chExt cx="0" cy="0"/>
+        </a:xfrm>
+      </p:grpSpPr>
+      <p:sp>
+        <p:nvSpPr>
+          <p:cNvPr id="2" name="Título 1"/>
+          <p:cNvSpPr>
+            <a:spLocks noGrp="1"/>
+          </p:cNvSpPr>
+          <p:nvPr>
+            <p:ph type="title"/>
+          </p:nvPr>
+        </p:nvSpPr>
+        <p:spPr/>
+        <p:txBody>
           <a:bodyPr/>
           <a:lstStyle/>
           <a:p>
@@ -9803,7 +10804,7 @@
           <a:p>
             <a:fld id="{E15E65B2-3271-4EB1-B955-03EC741CF5EC}" type="slidenum">
               <a:rPr lang="pt-BR" smtClean="0"/>
-              <a:t>32</a:t>
+              <a:t>34</a:t>
             </a:fld>
             <a:endParaRPr lang="pt-BR"/>
           </a:p>
@@ -9859,343 +10860,6 @@
 </p:sld>
 </file>
 
-<file path=ppt/slides/slide33.xml><?xml version="1.0" encoding="utf-8"?>
-<p:sld xmlns:a="http://schemas.openxmlformats.org/drawingml/2006/main" xmlns:r="http://schemas.openxmlformats.org/officeDocument/2006/relationships" xmlns:p="http://schemas.openxmlformats.org/presentationml/2006/main">
-  <p:cSld>
-    <p:spTree>
-      <p:nvGrpSpPr>
-        <p:cNvPr id="1" name=""/>
-        <p:cNvGrpSpPr/>
-        <p:nvPr/>
-      </p:nvGrpSpPr>
-      <p:grpSpPr>
-        <a:xfrm>
-          <a:off x="0" y="0"/>
-          <a:ext cx="0" cy="0"/>
-          <a:chOff x="0" y="0"/>
-          <a:chExt cx="0" cy="0"/>
-        </a:xfrm>
-      </p:grpSpPr>
-      <p:sp>
-        <p:nvSpPr>
-          <p:cNvPr id="2" name="Título 1"/>
-          <p:cNvSpPr>
-            <a:spLocks noGrp="1"/>
-          </p:cNvSpPr>
-          <p:nvPr>
-            <p:ph type="title"/>
-          </p:nvPr>
-        </p:nvSpPr>
-        <p:spPr/>
-        <p:txBody>
-          <a:bodyPr/>
-          <a:lstStyle/>
-          <a:p>
-            <a:r>
-              <a:rPr lang="pt-BR" dirty="0" smtClean="0"/>
-              <a:t>Resultados Gerais</a:t>
-            </a:r>
-            <a:endParaRPr lang="pt-BR" dirty="0"/>
-          </a:p>
-        </p:txBody>
-      </p:sp>
-      <p:sp>
-        <p:nvSpPr>
-          <p:cNvPr id="7" name="Espaço Reservado para Texto 6"/>
-          <p:cNvSpPr>
-            <a:spLocks noGrp="1"/>
-          </p:cNvSpPr>
-          <p:nvPr>
-            <p:ph type="body" idx="1"/>
-          </p:nvPr>
-        </p:nvSpPr>
-        <p:spPr/>
-        <p:txBody>
-          <a:bodyPr/>
-          <a:lstStyle/>
-          <a:p>
-            <a:endParaRPr lang="pt-BR"/>
-          </a:p>
-        </p:txBody>
-      </p:sp>
-      <p:sp>
-        <p:nvSpPr>
-          <p:cNvPr id="4" name="Espaço Reservado para Data 3"/>
-          <p:cNvSpPr>
-            <a:spLocks noGrp="1"/>
-          </p:cNvSpPr>
-          <p:nvPr>
-            <p:ph type="dt" sz="half" idx="10"/>
-          </p:nvPr>
-        </p:nvSpPr>
-        <p:spPr/>
-        <p:txBody>
-          <a:bodyPr/>
-          <a:lstStyle/>
-          <a:p>
-            <a:r>
-              <a:rPr lang="pt-BR" smtClean="0"/>
-              <a:t>16 de dezembro de 2013</a:t>
-            </a:r>
-            <a:endParaRPr lang="pt-BR"/>
-          </a:p>
-        </p:txBody>
-      </p:sp>
-      <p:sp>
-        <p:nvSpPr>
-          <p:cNvPr id="5" name="Espaço Reservado para Rodapé 4"/>
-          <p:cNvSpPr>
-            <a:spLocks noGrp="1"/>
-          </p:cNvSpPr>
-          <p:nvPr>
-            <p:ph type="ftr" sz="quarter" idx="11"/>
-          </p:nvPr>
-        </p:nvSpPr>
-        <p:spPr/>
-        <p:txBody>
-          <a:bodyPr/>
-          <a:lstStyle/>
-          <a:p>
-            <a:endParaRPr lang="pt-BR"/>
-          </a:p>
-        </p:txBody>
-      </p:sp>
-      <p:sp>
-        <p:nvSpPr>
-          <p:cNvPr id="6" name="Espaço Reservado para Número de Slide 5"/>
-          <p:cNvSpPr>
-            <a:spLocks noGrp="1"/>
-          </p:cNvSpPr>
-          <p:nvPr>
-            <p:ph type="sldNum" sz="quarter" idx="12"/>
-          </p:nvPr>
-        </p:nvSpPr>
-        <p:spPr/>
-        <p:txBody>
-          <a:bodyPr/>
-          <a:lstStyle/>
-          <a:p>
-            <a:fld id="{E15E65B2-3271-4EB1-B955-03EC741CF5EC}" type="slidenum">
-              <a:rPr lang="pt-BR" smtClean="0"/>
-              <a:t>33</a:t>
-            </a:fld>
-            <a:endParaRPr lang="pt-BR"/>
-          </a:p>
-        </p:txBody>
-      </p:sp>
-    </p:spTree>
-    <p:extLst>
-      <p:ext uri="{BB962C8B-B14F-4D97-AF65-F5344CB8AC3E}">
-        <p14:creationId xmlns:p14="http://schemas.microsoft.com/office/powerpoint/2010/main" val="3117479486"/>
-      </p:ext>
-    </p:extLst>
-  </p:cSld>
-  <p:clrMapOvr>
-    <a:masterClrMapping/>
-  </p:clrMapOvr>
-  <p:timing>
-    <p:tnLst>
-      <p:par>
-        <p:cTn id="1" dur="indefinite" restart="never" nodeType="tmRoot"/>
-      </p:par>
-    </p:tnLst>
-  </p:timing>
-</p:sld>
-</file>
-
-<file path=ppt/slides/slide34.xml><?xml version="1.0" encoding="utf-8"?>
-<p:sld xmlns:a="http://schemas.openxmlformats.org/drawingml/2006/main" xmlns:r="http://schemas.openxmlformats.org/officeDocument/2006/relationships" xmlns:p="http://schemas.openxmlformats.org/presentationml/2006/main">
-  <p:cSld>
-    <p:spTree>
-      <p:nvGrpSpPr>
-        <p:cNvPr id="1" name=""/>
-        <p:cNvGrpSpPr/>
-        <p:nvPr/>
-      </p:nvGrpSpPr>
-      <p:grpSpPr>
-        <a:xfrm>
-          <a:off x="0" y="0"/>
-          <a:ext cx="0" cy="0"/>
-          <a:chOff x="0" y="0"/>
-          <a:chExt cx="0" cy="0"/>
-        </a:xfrm>
-      </p:grpSpPr>
-      <p:sp>
-        <p:nvSpPr>
-          <p:cNvPr id="2" name="Título 1"/>
-          <p:cNvSpPr>
-            <a:spLocks noGrp="1"/>
-          </p:cNvSpPr>
-          <p:nvPr>
-            <p:ph type="title"/>
-          </p:nvPr>
-        </p:nvSpPr>
-        <p:spPr/>
-        <p:txBody>
-          <a:bodyPr/>
-          <a:lstStyle/>
-          <a:p>
-            <a:r>
-              <a:rPr lang="pt-BR" dirty="0" smtClean="0"/>
-              <a:t>Problemas</a:t>
-            </a:r>
-            <a:endParaRPr lang="pt-BR" dirty="0"/>
-          </a:p>
-        </p:txBody>
-      </p:sp>
-      <p:sp>
-        <p:nvSpPr>
-          <p:cNvPr id="3" name="Espaço Reservado para Conteúdo 2"/>
-          <p:cNvSpPr>
-            <a:spLocks noGrp="1"/>
-          </p:cNvSpPr>
-          <p:nvPr>
-            <p:ph idx="1"/>
-          </p:nvPr>
-        </p:nvSpPr>
-        <p:spPr/>
-        <p:txBody>
-          <a:bodyPr/>
-          <a:lstStyle/>
-          <a:p>
-            <a:r>
-              <a:rPr lang="pt-BR" dirty="0" smtClean="0"/>
-              <a:t>Análise de </a:t>
-            </a:r>
-            <a:r>
-              <a:rPr lang="pt-BR" i="1" dirty="0"/>
-              <a:t>t</a:t>
-            </a:r>
-            <a:r>
-              <a:rPr lang="pt-BR" i="1" dirty="0" smtClean="0"/>
-              <a:t>iming</a:t>
-            </a:r>
-          </a:p>
-          <a:p>
-            <a:r>
-              <a:rPr lang="pt-BR" dirty="0" smtClean="0"/>
-              <a:t>Quantidade de recursos</a:t>
-            </a:r>
-            <a:endParaRPr lang="pt-BR" dirty="0" smtClean="0"/>
-          </a:p>
-          <a:p>
-            <a:r>
-              <a:rPr lang="pt-BR" dirty="0" smtClean="0"/>
-              <a:t>Alocação da partição</a:t>
-            </a:r>
-          </a:p>
-          <a:p>
-            <a:r>
-              <a:rPr lang="pt-BR" dirty="0" smtClean="0"/>
-              <a:t>Configurações da partição</a:t>
-            </a:r>
-            <a:endParaRPr lang="pt-BR" dirty="0" smtClean="0"/>
-          </a:p>
-          <a:p>
-            <a:r>
-              <a:rPr lang="pt-BR" dirty="0" smtClean="0"/>
-              <a:t>Tamanho da memória local do MicroBlaze</a:t>
-            </a:r>
-          </a:p>
-          <a:p>
-            <a:r>
-              <a:rPr lang="pt-BR" dirty="0" smtClean="0"/>
-              <a:t>Falta de documentação</a:t>
-            </a:r>
-          </a:p>
-          <a:p>
-            <a:endParaRPr lang="pt-BR" dirty="0"/>
-          </a:p>
-        </p:txBody>
-      </p:sp>
-      <p:sp>
-        <p:nvSpPr>
-          <p:cNvPr id="4" name="Espaço Reservado para Data 3"/>
-          <p:cNvSpPr>
-            <a:spLocks noGrp="1"/>
-          </p:cNvSpPr>
-          <p:nvPr>
-            <p:ph type="dt" sz="half" idx="10"/>
-          </p:nvPr>
-        </p:nvSpPr>
-        <p:spPr/>
-        <p:txBody>
-          <a:bodyPr/>
-          <a:lstStyle/>
-          <a:p>
-            <a:r>
-              <a:rPr lang="pt-BR" smtClean="0"/>
-              <a:t>16 de dezembro de 2013</a:t>
-            </a:r>
-            <a:endParaRPr lang="pt-BR"/>
-          </a:p>
-        </p:txBody>
-      </p:sp>
-      <p:sp>
-        <p:nvSpPr>
-          <p:cNvPr id="5" name="Espaço Reservado para Rodapé 4"/>
-          <p:cNvSpPr>
-            <a:spLocks noGrp="1"/>
-          </p:cNvSpPr>
-          <p:nvPr>
-            <p:ph type="ftr" sz="quarter" idx="11"/>
-          </p:nvPr>
-        </p:nvSpPr>
-        <p:spPr/>
-        <p:txBody>
-          <a:bodyPr/>
-          <a:lstStyle/>
-          <a:p>
-            <a:r>
-              <a:rPr lang="pt-BR" dirty="0" smtClean="0"/>
-              <a:t>Resultados</a:t>
-            </a:r>
-          </a:p>
-        </p:txBody>
-      </p:sp>
-      <p:sp>
-        <p:nvSpPr>
-          <p:cNvPr id="6" name="Espaço Reservado para Número de Slide 5"/>
-          <p:cNvSpPr>
-            <a:spLocks noGrp="1"/>
-          </p:cNvSpPr>
-          <p:nvPr>
-            <p:ph type="sldNum" sz="quarter" idx="12"/>
-          </p:nvPr>
-        </p:nvSpPr>
-        <p:spPr/>
-        <p:txBody>
-          <a:bodyPr/>
-          <a:lstStyle/>
-          <a:p>
-            <a:fld id="{E15E65B2-3271-4EB1-B955-03EC741CF5EC}" type="slidenum">
-              <a:rPr lang="pt-BR" smtClean="0"/>
-              <a:t>34</a:t>
-            </a:fld>
-            <a:endParaRPr lang="pt-BR"/>
-          </a:p>
-        </p:txBody>
-      </p:sp>
-    </p:spTree>
-    <p:extLst>
-      <p:ext uri="{BB962C8B-B14F-4D97-AF65-F5344CB8AC3E}">
-        <p14:creationId xmlns:p14="http://schemas.microsoft.com/office/powerpoint/2010/main" val="179386271"/>
-      </p:ext>
-    </p:extLst>
-  </p:cSld>
-  <p:clrMapOvr>
-    <a:masterClrMapping/>
-  </p:clrMapOvr>
-  <p:timing>
-    <p:tnLst>
-      <p:par>
-        <p:cTn id="1" dur="indefinite" restart="never" nodeType="tmRoot"/>
-      </p:par>
-    </p:tnLst>
-  </p:timing>
-</p:sld>
-</file>
-
 <file path=ppt/slides/slide35.xml><?xml version="1.0" encoding="utf-8"?>
 <p:sld xmlns:a="http://schemas.openxmlformats.org/drawingml/2006/main" xmlns:r="http://schemas.openxmlformats.org/officeDocument/2006/relationships" xmlns:p="http://schemas.openxmlformats.org/presentationml/2006/main">
   <p:cSld>
@@ -10230,41 +10894,31 @@
           <a:p>
             <a:r>
               <a:rPr lang="pt-BR" dirty="0" smtClean="0"/>
-              <a:t>Fluxo de Projeto Final</a:t>
+              <a:t>Resultados Gerais</a:t>
             </a:r>
             <a:endParaRPr lang="pt-BR" dirty="0"/>
           </a:p>
         </p:txBody>
       </p:sp>
-      <p:pic>
-        <p:nvPicPr>
-          <p:cNvPr id="7" name="Espaço Reservado para Conteúdo 6"/>
-          <p:cNvPicPr>
-            <a:picLocks noGrp="1" noChangeAspect="1"/>
-          </p:cNvPicPr>
-          <p:nvPr>
-            <p:ph idx="1"/>
-          </p:nvPr>
-        </p:nvPicPr>
-        <p:blipFill>
-          <a:blip r:embed="rId2" cstate="print">
-            <a:extLst>
-              <a:ext uri="{28A0092B-C50C-407E-A947-70E740481C1C}">
-                <a14:useLocalDpi xmlns:a14="http://schemas.microsoft.com/office/drawing/2010/main" val="0"/>
-              </a:ext>
-            </a:extLst>
-          </a:blip>
-          <a:stretch>
-            <a:fillRect/>
-          </a:stretch>
-        </p:blipFill>
-        <p:spPr>
-          <a:xfrm>
-            <a:off x="1682925" y="1269320"/>
-            <a:ext cx="5778151" cy="5040000"/>
-          </a:xfrm>
-        </p:spPr>
-      </p:pic>
+      <p:sp>
+        <p:nvSpPr>
+          <p:cNvPr id="7" name="Espaço Reservado para Texto 6"/>
+          <p:cNvSpPr>
+            <a:spLocks noGrp="1"/>
+          </p:cNvSpPr>
+          <p:nvPr>
+            <p:ph type="body" idx="1"/>
+          </p:nvPr>
+        </p:nvSpPr>
+        <p:spPr/>
+        <p:txBody>
+          <a:bodyPr/>
+          <a:lstStyle/>
+          <a:p>
+            <a:endParaRPr lang="pt-BR"/>
+          </a:p>
+        </p:txBody>
+      </p:sp>
       <p:sp>
         <p:nvSpPr>
           <p:cNvPr id="4" name="Espaço Reservado para Data 3"/>
@@ -10303,11 +10957,7 @@
           <a:bodyPr/>
           <a:lstStyle/>
           <a:p>
-            <a:r>
-              <a:rPr lang="pt-BR" dirty="0" smtClean="0"/>
-              <a:t>Resultados</a:t>
-            </a:r>
-            <a:endParaRPr lang="pt-BR" dirty="0"/>
+            <a:endParaRPr lang="pt-BR"/>
           </a:p>
         </p:txBody>
       </p:sp>
@@ -10337,7 +10987,7 @@
     </p:spTree>
     <p:extLst>
       <p:ext uri="{BB962C8B-B14F-4D97-AF65-F5344CB8AC3E}">
-        <p14:creationId xmlns:p14="http://schemas.microsoft.com/office/powerpoint/2010/main" val="942896521"/>
+        <p14:creationId xmlns:p14="http://schemas.microsoft.com/office/powerpoint/2010/main" val="3117479486"/>
       </p:ext>
     </p:extLst>
   </p:cSld>
@@ -10388,6 +11038,357 @@
           <a:p>
             <a:r>
               <a:rPr lang="pt-BR" dirty="0" smtClean="0"/>
+              <a:t>Problemas</a:t>
+            </a:r>
+            <a:endParaRPr lang="pt-BR" dirty="0"/>
+          </a:p>
+        </p:txBody>
+      </p:sp>
+      <p:sp>
+        <p:nvSpPr>
+          <p:cNvPr id="3" name="Espaço Reservado para Conteúdo 2"/>
+          <p:cNvSpPr>
+            <a:spLocks noGrp="1"/>
+          </p:cNvSpPr>
+          <p:nvPr>
+            <p:ph idx="1"/>
+          </p:nvPr>
+        </p:nvSpPr>
+        <p:spPr/>
+        <p:txBody>
+          <a:bodyPr/>
+          <a:lstStyle/>
+          <a:p>
+            <a:r>
+              <a:rPr lang="pt-BR" dirty="0" smtClean="0"/>
+              <a:t>Análise de </a:t>
+            </a:r>
+            <a:r>
+              <a:rPr lang="pt-BR" i="1" dirty="0"/>
+              <a:t>t</a:t>
+            </a:r>
+            <a:r>
+              <a:rPr lang="pt-BR" i="1" dirty="0" smtClean="0"/>
+              <a:t>iming</a:t>
+            </a:r>
+          </a:p>
+          <a:p>
+            <a:r>
+              <a:rPr lang="pt-BR" dirty="0" smtClean="0"/>
+              <a:t>Quantidade de recursos</a:t>
+            </a:r>
+            <a:endParaRPr lang="pt-BR" dirty="0" smtClean="0"/>
+          </a:p>
+          <a:p>
+            <a:r>
+              <a:rPr lang="pt-BR" dirty="0" smtClean="0"/>
+              <a:t>Alocação da partição</a:t>
+            </a:r>
+          </a:p>
+          <a:p>
+            <a:r>
+              <a:rPr lang="pt-BR" dirty="0" smtClean="0"/>
+              <a:t>Configurações da partição</a:t>
+            </a:r>
+            <a:endParaRPr lang="pt-BR" dirty="0" smtClean="0"/>
+          </a:p>
+          <a:p>
+            <a:r>
+              <a:rPr lang="pt-BR" dirty="0" smtClean="0"/>
+              <a:t>Tamanho da memória local do MicroBlaze</a:t>
+            </a:r>
+          </a:p>
+          <a:p>
+            <a:r>
+              <a:rPr lang="pt-BR" dirty="0" smtClean="0"/>
+              <a:t>Falta de documentação</a:t>
+            </a:r>
+          </a:p>
+          <a:p>
+            <a:endParaRPr lang="pt-BR" dirty="0"/>
+          </a:p>
+        </p:txBody>
+      </p:sp>
+      <p:sp>
+        <p:nvSpPr>
+          <p:cNvPr id="4" name="Espaço Reservado para Data 3"/>
+          <p:cNvSpPr>
+            <a:spLocks noGrp="1"/>
+          </p:cNvSpPr>
+          <p:nvPr>
+            <p:ph type="dt" sz="half" idx="10"/>
+          </p:nvPr>
+        </p:nvSpPr>
+        <p:spPr/>
+        <p:txBody>
+          <a:bodyPr/>
+          <a:lstStyle/>
+          <a:p>
+            <a:r>
+              <a:rPr lang="pt-BR" smtClean="0"/>
+              <a:t>16 de dezembro de 2013</a:t>
+            </a:r>
+            <a:endParaRPr lang="pt-BR"/>
+          </a:p>
+        </p:txBody>
+      </p:sp>
+      <p:sp>
+        <p:nvSpPr>
+          <p:cNvPr id="5" name="Espaço Reservado para Rodapé 4"/>
+          <p:cNvSpPr>
+            <a:spLocks noGrp="1"/>
+          </p:cNvSpPr>
+          <p:nvPr>
+            <p:ph type="ftr" sz="quarter" idx="11"/>
+          </p:nvPr>
+        </p:nvSpPr>
+        <p:spPr/>
+        <p:txBody>
+          <a:bodyPr/>
+          <a:lstStyle/>
+          <a:p>
+            <a:r>
+              <a:rPr lang="pt-BR" dirty="0" smtClean="0"/>
+              <a:t>Resultados</a:t>
+            </a:r>
+          </a:p>
+        </p:txBody>
+      </p:sp>
+      <p:sp>
+        <p:nvSpPr>
+          <p:cNvPr id="6" name="Espaço Reservado para Número de Slide 5"/>
+          <p:cNvSpPr>
+            <a:spLocks noGrp="1"/>
+          </p:cNvSpPr>
+          <p:nvPr>
+            <p:ph type="sldNum" sz="quarter" idx="12"/>
+          </p:nvPr>
+        </p:nvSpPr>
+        <p:spPr/>
+        <p:txBody>
+          <a:bodyPr/>
+          <a:lstStyle/>
+          <a:p>
+            <a:fld id="{E15E65B2-3271-4EB1-B955-03EC741CF5EC}" type="slidenum">
+              <a:rPr lang="pt-BR" smtClean="0"/>
+              <a:t>36</a:t>
+            </a:fld>
+            <a:endParaRPr lang="pt-BR"/>
+          </a:p>
+        </p:txBody>
+      </p:sp>
+    </p:spTree>
+    <p:extLst>
+      <p:ext uri="{BB962C8B-B14F-4D97-AF65-F5344CB8AC3E}">
+        <p14:creationId xmlns:p14="http://schemas.microsoft.com/office/powerpoint/2010/main" val="179386271"/>
+      </p:ext>
+    </p:extLst>
+  </p:cSld>
+  <p:clrMapOvr>
+    <a:masterClrMapping/>
+  </p:clrMapOvr>
+  <p:timing>
+    <p:tnLst>
+      <p:par>
+        <p:cTn id="1" dur="indefinite" restart="never" nodeType="tmRoot"/>
+      </p:par>
+    </p:tnLst>
+  </p:timing>
+</p:sld>
+</file>
+
+<file path=ppt/slides/slide37.xml><?xml version="1.0" encoding="utf-8"?>
+<p:sld xmlns:a="http://schemas.openxmlformats.org/drawingml/2006/main" xmlns:r="http://schemas.openxmlformats.org/officeDocument/2006/relationships" xmlns:p="http://schemas.openxmlformats.org/presentationml/2006/main">
+  <p:cSld>
+    <p:spTree>
+      <p:nvGrpSpPr>
+        <p:cNvPr id="1" name=""/>
+        <p:cNvGrpSpPr/>
+        <p:nvPr/>
+      </p:nvGrpSpPr>
+      <p:grpSpPr>
+        <a:xfrm>
+          <a:off x="0" y="0"/>
+          <a:ext cx="0" cy="0"/>
+          <a:chOff x="0" y="0"/>
+          <a:chExt cx="0" cy="0"/>
+        </a:xfrm>
+      </p:grpSpPr>
+      <p:sp>
+        <p:nvSpPr>
+          <p:cNvPr id="2" name="Título 1"/>
+          <p:cNvSpPr>
+            <a:spLocks noGrp="1"/>
+          </p:cNvSpPr>
+          <p:nvPr>
+            <p:ph type="title"/>
+          </p:nvPr>
+        </p:nvSpPr>
+        <p:spPr/>
+        <p:txBody>
+          <a:bodyPr/>
+          <a:lstStyle/>
+          <a:p>
+            <a:r>
+              <a:rPr lang="pt-BR" dirty="0" smtClean="0"/>
+              <a:t>Fluxo de Projeto Final</a:t>
+            </a:r>
+            <a:endParaRPr lang="pt-BR" dirty="0"/>
+          </a:p>
+        </p:txBody>
+      </p:sp>
+      <p:pic>
+        <p:nvPicPr>
+          <p:cNvPr id="7" name="Espaço Reservado para Conteúdo 6"/>
+          <p:cNvPicPr>
+            <a:picLocks noGrp="1" noChangeAspect="1"/>
+          </p:cNvPicPr>
+          <p:nvPr>
+            <p:ph idx="1"/>
+          </p:nvPr>
+        </p:nvPicPr>
+        <p:blipFill>
+          <a:blip r:embed="rId2" cstate="print">
+            <a:extLst>
+              <a:ext uri="{28A0092B-C50C-407E-A947-70E740481C1C}">
+                <a14:useLocalDpi xmlns:a14="http://schemas.microsoft.com/office/drawing/2010/main" val="0"/>
+              </a:ext>
+            </a:extLst>
+          </a:blip>
+          <a:stretch>
+            <a:fillRect/>
+          </a:stretch>
+        </p:blipFill>
+        <p:spPr>
+          <a:xfrm>
+            <a:off x="1682925" y="1269320"/>
+            <a:ext cx="5778151" cy="5040000"/>
+          </a:xfrm>
+        </p:spPr>
+      </p:pic>
+      <p:sp>
+        <p:nvSpPr>
+          <p:cNvPr id="4" name="Espaço Reservado para Data 3"/>
+          <p:cNvSpPr>
+            <a:spLocks noGrp="1"/>
+          </p:cNvSpPr>
+          <p:nvPr>
+            <p:ph type="dt" sz="half" idx="10"/>
+          </p:nvPr>
+        </p:nvSpPr>
+        <p:spPr/>
+        <p:txBody>
+          <a:bodyPr/>
+          <a:lstStyle/>
+          <a:p>
+            <a:r>
+              <a:rPr lang="pt-BR" smtClean="0"/>
+              <a:t>16 de dezembro de 2013</a:t>
+            </a:r>
+            <a:endParaRPr lang="pt-BR"/>
+          </a:p>
+        </p:txBody>
+      </p:sp>
+      <p:sp>
+        <p:nvSpPr>
+          <p:cNvPr id="5" name="Espaço Reservado para Rodapé 4"/>
+          <p:cNvSpPr>
+            <a:spLocks noGrp="1"/>
+          </p:cNvSpPr>
+          <p:nvPr>
+            <p:ph type="ftr" sz="quarter" idx="11"/>
+          </p:nvPr>
+        </p:nvSpPr>
+        <p:spPr/>
+        <p:txBody>
+          <a:bodyPr/>
+          <a:lstStyle/>
+          <a:p>
+            <a:r>
+              <a:rPr lang="pt-BR" dirty="0" smtClean="0"/>
+              <a:t>Resultados</a:t>
+            </a:r>
+            <a:endParaRPr lang="pt-BR" dirty="0"/>
+          </a:p>
+        </p:txBody>
+      </p:sp>
+      <p:sp>
+        <p:nvSpPr>
+          <p:cNvPr id="6" name="Espaço Reservado para Número de Slide 5"/>
+          <p:cNvSpPr>
+            <a:spLocks noGrp="1"/>
+          </p:cNvSpPr>
+          <p:nvPr>
+            <p:ph type="sldNum" sz="quarter" idx="12"/>
+          </p:nvPr>
+        </p:nvSpPr>
+        <p:spPr/>
+        <p:txBody>
+          <a:bodyPr/>
+          <a:lstStyle/>
+          <a:p>
+            <a:fld id="{E15E65B2-3271-4EB1-B955-03EC741CF5EC}" type="slidenum">
+              <a:rPr lang="pt-BR" smtClean="0"/>
+              <a:t>37</a:t>
+            </a:fld>
+            <a:endParaRPr lang="pt-BR"/>
+          </a:p>
+        </p:txBody>
+      </p:sp>
+    </p:spTree>
+    <p:extLst>
+      <p:ext uri="{BB962C8B-B14F-4D97-AF65-F5344CB8AC3E}">
+        <p14:creationId xmlns:p14="http://schemas.microsoft.com/office/powerpoint/2010/main" val="942896521"/>
+      </p:ext>
+    </p:extLst>
+  </p:cSld>
+  <p:clrMapOvr>
+    <a:masterClrMapping/>
+  </p:clrMapOvr>
+  <p:timing>
+    <p:tnLst>
+      <p:par>
+        <p:cTn id="1" dur="indefinite" restart="never" nodeType="tmRoot"/>
+      </p:par>
+    </p:tnLst>
+  </p:timing>
+</p:sld>
+</file>
+
+<file path=ppt/slides/slide38.xml><?xml version="1.0" encoding="utf-8"?>
+<p:sld xmlns:a="http://schemas.openxmlformats.org/drawingml/2006/main" xmlns:r="http://schemas.openxmlformats.org/officeDocument/2006/relationships" xmlns:p="http://schemas.openxmlformats.org/presentationml/2006/main">
+  <p:cSld>
+    <p:spTree>
+      <p:nvGrpSpPr>
+        <p:cNvPr id="1" name=""/>
+        <p:cNvGrpSpPr/>
+        <p:nvPr/>
+      </p:nvGrpSpPr>
+      <p:grpSpPr>
+        <a:xfrm>
+          <a:off x="0" y="0"/>
+          <a:ext cx="0" cy="0"/>
+          <a:chOff x="0" y="0"/>
+          <a:chExt cx="0" cy="0"/>
+        </a:xfrm>
+      </p:grpSpPr>
+      <p:sp>
+        <p:nvSpPr>
+          <p:cNvPr id="2" name="Título 1"/>
+          <p:cNvSpPr>
+            <a:spLocks noGrp="1"/>
+          </p:cNvSpPr>
+          <p:nvPr>
+            <p:ph type="title"/>
+          </p:nvPr>
+        </p:nvSpPr>
+        <p:spPr/>
+        <p:txBody>
+          <a:bodyPr/>
+          <a:lstStyle/>
+          <a:p>
+            <a:r>
+              <a:rPr lang="pt-BR" dirty="0" smtClean="0"/>
               <a:t>Conclusão</a:t>
             </a:r>
             <a:endParaRPr lang="pt-BR" dirty="0"/>
@@ -10499,7 +11500,7 @@
           <a:p>
             <a:fld id="{E15E65B2-3271-4EB1-B955-03EC741CF5EC}" type="slidenum">
               <a:rPr lang="pt-BR" smtClean="0"/>
-              <a:t>36</a:t>
+              <a:t>38</a:t>
             </a:fld>
             <a:endParaRPr lang="pt-BR"/>
           </a:p>
@@ -10576,7 +11577,7 @@
           </p:nvPr>
         </p:nvPicPr>
         <p:blipFill>
-          <a:blip r:embed="rId2" cstate="print">
+          <a:blip r:embed="rId3" cstate="print">
             <a:extLst>
               <a:ext uri="{28A0092B-C50C-407E-A947-70E740481C1C}">
                 <a14:useLocalDpi xmlns:a14="http://schemas.microsoft.com/office/drawing/2010/main" val="0"/>
@@ -10736,7 +11737,7 @@
           </p:nvPr>
         </p:nvPicPr>
         <p:blipFill>
-          <a:blip r:embed="rId2" cstate="print">
+          <a:blip r:embed="rId3" cstate="print">
             <a:extLst>
               <a:ext uri="{28A0092B-C50C-407E-A947-70E740481C1C}">
                 <a14:useLocalDpi xmlns:a14="http://schemas.microsoft.com/office/drawing/2010/main" val="0"/>
@@ -10879,7 +11880,7 @@
           <a:p>
             <a:r>
               <a:rPr lang="pt-BR" dirty="0" smtClean="0"/>
-              <a:t>Revisão Bibliográfica</a:t>
+              <a:t>FPGA</a:t>
             </a:r>
             <a:endParaRPr lang="pt-BR" dirty="0"/>
           </a:p>
@@ -10887,25 +11888,6 @@
       </p:sp>
       <p:sp>
         <p:nvSpPr>
-          <p:cNvPr id="7" name="Espaço Reservado para Texto 6"/>
-          <p:cNvSpPr>
-            <a:spLocks noGrp="1"/>
-          </p:cNvSpPr>
-          <p:nvPr>
-            <p:ph type="body" idx="1"/>
-          </p:nvPr>
-        </p:nvSpPr>
-        <p:spPr/>
-        <p:txBody>
-          <a:bodyPr/>
-          <a:lstStyle/>
-          <a:p>
-            <a:endParaRPr lang="pt-BR"/>
-          </a:p>
-        </p:txBody>
-      </p:sp>
-      <p:sp>
-        <p:nvSpPr>
           <p:cNvPr id="4" name="Espaço Reservado para Data 3"/>
           <p:cNvSpPr>
             <a:spLocks noGrp="1"/>
@@ -10942,7 +11924,11 @@
           <a:bodyPr/>
           <a:lstStyle/>
           <a:p>
-            <a:endParaRPr lang="pt-BR"/>
+            <a:r>
+              <a:rPr lang="pt-BR" dirty="0" smtClean="0"/>
+              <a:t>Introdução</a:t>
+            </a:r>
+            <a:endParaRPr lang="pt-BR" dirty="0"/>
           </a:p>
         </p:txBody>
       </p:sp>
@@ -10969,10 +11955,39 @@
           </a:p>
         </p:txBody>
       </p:sp>
+      <p:pic>
+        <p:nvPicPr>
+          <p:cNvPr id="10" name="Espaço Reservado para Conteúdo 9"/>
+          <p:cNvPicPr>
+            <a:picLocks noGrp="1" noChangeAspect="1"/>
+          </p:cNvPicPr>
+          <p:nvPr>
+            <p:ph idx="1"/>
+          </p:nvPr>
+        </p:nvPicPr>
+        <p:blipFill>
+          <a:blip r:embed="rId3">
+            <a:extLst>
+              <a:ext uri="{28A0092B-C50C-407E-A947-70E740481C1C}">
+                <a14:useLocalDpi xmlns:a14="http://schemas.microsoft.com/office/drawing/2010/main" val="0"/>
+              </a:ext>
+            </a:extLst>
+          </a:blip>
+          <a:stretch>
+            <a:fillRect/>
+          </a:stretch>
+        </p:blipFill>
+        <p:spPr>
+          <a:xfrm>
+            <a:off x="1141797" y="1600200"/>
+            <a:ext cx="6860406" cy="4525963"/>
+          </a:xfrm>
+        </p:spPr>
+      </p:pic>
     </p:spTree>
     <p:extLst>
       <p:ext uri="{BB962C8B-B14F-4D97-AF65-F5344CB8AC3E}">
-        <p14:creationId xmlns:p14="http://schemas.microsoft.com/office/powerpoint/2010/main" val="2196502774"/>
+        <p14:creationId xmlns:p14="http://schemas.microsoft.com/office/powerpoint/2010/main" val="1223246491"/>
       </p:ext>
     </p:extLst>
   </p:cSld>
@@ -11018,12 +12033,18 @@
         </p:nvSpPr>
         <p:spPr/>
         <p:txBody>
-          <a:bodyPr/>
+          <a:bodyPr>
+            <a:normAutofit/>
+          </a:bodyPr>
           <a:lstStyle/>
           <a:p>
             <a:r>
               <a:rPr lang="pt-BR" dirty="0" smtClean="0"/>
-              <a:t>Reconfiguração</a:t>
+              <a:t>Compilaç</a:t>
+            </a:r>
+            <a:r>
+              <a:rPr lang="pt-BR" dirty="0" smtClean="0"/>
+              <a:t>ão</a:t>
             </a:r>
             <a:endParaRPr lang="pt-BR" dirty="0"/>
           </a:p>
@@ -11031,12 +12052,35 @@
       </p:sp>
       <p:sp>
         <p:nvSpPr>
-          <p:cNvPr id="3" name="Espaço Reservado para Conteúdo 2"/>
-          <p:cNvSpPr>
-            <a:spLocks noGrp="1"/>
-          </p:cNvSpPr>
-          <p:nvPr>
-            <p:ph idx="1"/>
+          <p:cNvPr id="4" name="Espaço Reservado para Data 3"/>
+          <p:cNvSpPr>
+            <a:spLocks noGrp="1"/>
+          </p:cNvSpPr>
+          <p:nvPr>
+            <p:ph type="dt" sz="half" idx="10"/>
+          </p:nvPr>
+        </p:nvSpPr>
+        <p:spPr/>
+        <p:txBody>
+          <a:bodyPr/>
+          <a:lstStyle/>
+          <a:p>
+            <a:r>
+              <a:rPr lang="pt-BR" smtClean="0"/>
+              <a:t>16 de dezembro de 2013</a:t>
+            </a:r>
+            <a:endParaRPr lang="pt-BR"/>
+          </a:p>
+        </p:txBody>
+      </p:sp>
+      <p:sp>
+        <p:nvSpPr>
+          <p:cNvPr id="5" name="Espaço Reservado para Rodapé 4"/>
+          <p:cNvSpPr>
+            <a:spLocks noGrp="1"/>
+          </p:cNvSpPr>
+          <p:nvPr>
+            <p:ph type="ftr" sz="quarter" idx="11"/>
           </p:nvPr>
         </p:nvSpPr>
         <p:spPr/>
@@ -11046,101 +12090,9 @@
           <a:p>
             <a:r>
               <a:rPr lang="pt-BR" dirty="0" smtClean="0"/>
-              <a:t>Quanto ao estado </a:t>
-            </a:r>
-            <a:r>
-              <a:rPr lang="pt-BR" dirty="0" smtClean="0"/>
-              <a:t>da FPGA</a:t>
-            </a:r>
-            <a:endParaRPr lang="pt-BR" dirty="0" smtClean="0"/>
-          </a:p>
-          <a:p>
-            <a:pPr lvl="1"/>
-            <a:r>
-              <a:rPr lang="pt-BR" dirty="0" smtClean="0"/>
-              <a:t>Estática: sistema desligado</a:t>
-            </a:r>
-          </a:p>
-          <a:p>
-            <a:pPr lvl="1"/>
-            <a:r>
-              <a:rPr lang="pt-BR" dirty="0" smtClean="0"/>
-              <a:t>Dinâmica: sistema funcionando</a:t>
-            </a:r>
-          </a:p>
-          <a:p>
-            <a:r>
-              <a:rPr lang="pt-BR" dirty="0" smtClean="0"/>
-              <a:t>Quanto às modificações promovidas</a:t>
-            </a:r>
-          </a:p>
-          <a:p>
-            <a:pPr lvl="1"/>
-            <a:r>
-              <a:rPr lang="pt-BR" dirty="0" smtClean="0"/>
-              <a:t>Total</a:t>
-            </a:r>
-          </a:p>
-          <a:p>
-            <a:pPr lvl="1"/>
-            <a:r>
-              <a:rPr lang="pt-BR" dirty="0" smtClean="0"/>
-              <a:t>Parcial</a:t>
-            </a:r>
-          </a:p>
-          <a:p>
-            <a:r>
-              <a:rPr lang="pt-BR" dirty="0" smtClean="0"/>
-              <a:t>Quanto ao agente controlador da reconfiguração</a:t>
-            </a:r>
-          </a:p>
-          <a:p>
-            <a:endParaRPr lang="pt-BR" dirty="0" smtClean="0"/>
-          </a:p>
-        </p:txBody>
-      </p:sp>
-      <p:sp>
-        <p:nvSpPr>
-          <p:cNvPr id="4" name="Espaço Reservado para Data 3"/>
-          <p:cNvSpPr>
-            <a:spLocks noGrp="1"/>
-          </p:cNvSpPr>
-          <p:nvPr>
-            <p:ph type="dt" sz="half" idx="10"/>
-          </p:nvPr>
-        </p:nvSpPr>
-        <p:spPr/>
-        <p:txBody>
-          <a:bodyPr/>
-          <a:lstStyle/>
-          <a:p>
-            <a:r>
-              <a:rPr lang="pt-BR" smtClean="0"/>
-              <a:t>16 de dezembro de 2013</a:t>
-            </a:r>
-            <a:endParaRPr lang="pt-BR"/>
-          </a:p>
-        </p:txBody>
-      </p:sp>
-      <p:sp>
-        <p:nvSpPr>
-          <p:cNvPr id="5" name="Espaço Reservado para Rodapé 4"/>
-          <p:cNvSpPr>
-            <a:spLocks noGrp="1"/>
-          </p:cNvSpPr>
-          <p:nvPr>
-            <p:ph type="ftr" sz="quarter" idx="11"/>
-          </p:nvPr>
-        </p:nvSpPr>
-        <p:spPr/>
-        <p:txBody>
-          <a:bodyPr/>
-          <a:lstStyle/>
-          <a:p>
-            <a:r>
-              <a:rPr lang="pt-BR" dirty="0"/>
-              <a:t>Revisão Bibliográfica</a:t>
-            </a:r>
+              <a:t>Introdução</a:t>
+            </a:r>
+            <a:endParaRPr lang="pt-BR" dirty="0"/>
           </a:p>
         </p:txBody>
       </p:sp>
@@ -11167,10 +12119,39 @@
           </a:p>
         </p:txBody>
       </p:sp>
+      <p:pic>
+        <p:nvPicPr>
+          <p:cNvPr id="7" name="Espaço Reservado para Conteúdo 6"/>
+          <p:cNvPicPr>
+            <a:picLocks noGrp="1" noChangeAspect="1"/>
+          </p:cNvPicPr>
+          <p:nvPr>
+            <p:ph idx="1"/>
+          </p:nvPr>
+        </p:nvPicPr>
+        <p:blipFill>
+          <a:blip r:embed="rId3" cstate="print">
+            <a:extLst>
+              <a:ext uri="{28A0092B-C50C-407E-A947-70E740481C1C}">
+                <a14:useLocalDpi xmlns:a14="http://schemas.microsoft.com/office/drawing/2010/main" val="0"/>
+              </a:ext>
+            </a:extLst>
+          </a:blip>
+          <a:stretch>
+            <a:fillRect/>
+          </a:stretch>
+        </p:blipFill>
+        <p:spPr>
+          <a:xfrm>
+            <a:off x="2915816" y="1340768"/>
+            <a:ext cx="4090980" cy="5040000"/>
+          </a:xfrm>
+        </p:spPr>
+      </p:pic>
     </p:spTree>
     <p:extLst>
       <p:ext uri="{BB962C8B-B14F-4D97-AF65-F5344CB8AC3E}">
-        <p14:creationId xmlns:p14="http://schemas.microsoft.com/office/powerpoint/2010/main" val="422507069"/>
+        <p14:creationId xmlns:p14="http://schemas.microsoft.com/office/powerpoint/2010/main" val="2962977734"/>
       </p:ext>
     </p:extLst>
   </p:cSld>
@@ -11206,7 +12187,7 @@
       </p:grpSpPr>
       <p:sp>
         <p:nvSpPr>
-          <p:cNvPr id="7" name="Título 6"/>
+          <p:cNvPr id="2" name="Título 1"/>
           <p:cNvSpPr>
             <a:spLocks noGrp="1"/>
           </p:cNvSpPr>
@@ -11216,82 +12197,9 @@
         </p:nvSpPr>
         <p:spPr/>
         <p:txBody>
-          <a:bodyPr/>
-          <a:lstStyle/>
-          <a:p>
-            <a:r>
-              <a:rPr lang="pt-BR" dirty="0" smtClean="0"/>
-              <a:t>Reconfiguração</a:t>
-            </a:r>
-            <a:endParaRPr lang="pt-BR" dirty="0"/>
-          </a:p>
-        </p:txBody>
-      </p:sp>
-      <p:pic>
-        <p:nvPicPr>
-          <p:cNvPr id="10" name="Espaço Reservado para Conteúdo 9"/>
-          <p:cNvPicPr>
-            <a:picLocks noGrp="1" noChangeAspect="1"/>
-          </p:cNvPicPr>
-          <p:nvPr>
-            <p:ph idx="1"/>
-          </p:nvPr>
-        </p:nvPicPr>
-        <p:blipFill>
-          <a:blip r:embed="rId2">
-            <a:extLst>
-              <a:ext uri="{28A0092B-C50C-407E-A947-70E740481C1C}">
-                <a14:useLocalDpi xmlns:a14="http://schemas.microsoft.com/office/drawing/2010/main" val="0"/>
-              </a:ext>
-            </a:extLst>
-          </a:blip>
-          <a:stretch>
-            <a:fillRect/>
-          </a:stretch>
-        </p:blipFill>
-        <p:spPr>
-          <a:xfrm>
-            <a:off x="1627875" y="2007103"/>
-            <a:ext cx="5888250" cy="3712157"/>
-          </a:xfrm>
-        </p:spPr>
-      </p:pic>
-      <p:sp>
-        <p:nvSpPr>
-          <p:cNvPr id="4" name="Espaço Reservado para Data 3"/>
-          <p:cNvSpPr>
-            <a:spLocks noGrp="1"/>
-          </p:cNvSpPr>
-          <p:nvPr>
-            <p:ph type="dt" sz="half" idx="10"/>
-          </p:nvPr>
-        </p:nvSpPr>
-        <p:spPr/>
-        <p:txBody>
-          <a:bodyPr/>
-          <a:lstStyle/>
-          <a:p>
-            <a:r>
-              <a:rPr lang="pt-BR" smtClean="0"/>
-              <a:t>16 de dezembro de 2013</a:t>
-            </a:r>
-            <a:endParaRPr lang="pt-BR"/>
-          </a:p>
-        </p:txBody>
-      </p:sp>
-      <p:sp>
-        <p:nvSpPr>
-          <p:cNvPr id="5" name="Espaço Reservado para Rodapé 4"/>
-          <p:cNvSpPr>
-            <a:spLocks noGrp="1"/>
-          </p:cNvSpPr>
-          <p:nvPr>
-            <p:ph type="ftr" sz="quarter" idx="11"/>
-          </p:nvPr>
-        </p:nvSpPr>
-        <p:spPr/>
-        <p:txBody>
-          <a:bodyPr/>
+          <a:bodyPr>
+            <a:normAutofit/>
+          </a:bodyPr>
           <a:lstStyle/>
           <a:p>
             <a:r>
@@ -11299,6 +12207,67 @@
               <a:t>Revisão Bibliográfica</a:t>
             </a:r>
             <a:endParaRPr lang="pt-BR" dirty="0"/>
+          </a:p>
+        </p:txBody>
+      </p:sp>
+      <p:sp>
+        <p:nvSpPr>
+          <p:cNvPr id="7" name="Espaço Reservado para Texto 6"/>
+          <p:cNvSpPr>
+            <a:spLocks noGrp="1"/>
+          </p:cNvSpPr>
+          <p:nvPr>
+            <p:ph type="body" idx="1"/>
+          </p:nvPr>
+        </p:nvSpPr>
+        <p:spPr/>
+        <p:txBody>
+          <a:bodyPr/>
+          <a:lstStyle/>
+          <a:p>
+            <a:endParaRPr lang="pt-BR"/>
+          </a:p>
+        </p:txBody>
+      </p:sp>
+      <p:sp>
+        <p:nvSpPr>
+          <p:cNvPr id="4" name="Espaço Reservado para Data 3"/>
+          <p:cNvSpPr>
+            <a:spLocks noGrp="1"/>
+          </p:cNvSpPr>
+          <p:nvPr>
+            <p:ph type="dt" sz="half" idx="10"/>
+          </p:nvPr>
+        </p:nvSpPr>
+        <p:spPr/>
+        <p:txBody>
+          <a:bodyPr/>
+          <a:lstStyle/>
+          <a:p>
+            <a:r>
+              <a:rPr lang="pt-BR" smtClean="0"/>
+              <a:t>16 de dezembro de 2013</a:t>
+            </a:r>
+            <a:endParaRPr lang="pt-BR"/>
+          </a:p>
+        </p:txBody>
+      </p:sp>
+      <p:sp>
+        <p:nvSpPr>
+          <p:cNvPr id="5" name="Espaço Reservado para Rodapé 4"/>
+          <p:cNvSpPr>
+            <a:spLocks noGrp="1"/>
+          </p:cNvSpPr>
+          <p:nvPr>
+            <p:ph type="ftr" sz="quarter" idx="11"/>
+          </p:nvPr>
+        </p:nvSpPr>
+        <p:spPr/>
+        <p:txBody>
+          <a:bodyPr/>
+          <a:lstStyle/>
+          <a:p>
+            <a:endParaRPr lang="pt-BR"/>
           </a:p>
         </p:txBody>
       </p:sp>
@@ -11328,7 +12297,7 @@
     </p:spTree>
     <p:extLst>
       <p:ext uri="{BB962C8B-B14F-4D97-AF65-F5344CB8AC3E}">
-        <p14:creationId xmlns:p14="http://schemas.microsoft.com/office/powerpoint/2010/main" val="3408625010"/>
+        <p14:creationId xmlns:p14="http://schemas.microsoft.com/office/powerpoint/2010/main" val="2196502774"/>
       </p:ext>
     </p:extLst>
   </p:cSld>
@@ -11401,7 +12370,7 @@
           <a:lstStyle/>
           <a:p>
             <a:r>
-              <a:rPr lang="pt-BR" dirty="0" smtClean="0"/>
+              <a:rPr lang="pt-BR" sz="2600" dirty="0" smtClean="0"/>
               <a:t>Apresenta o uso da tecnologia em diferentes aplicações</a:t>
             </a:r>
           </a:p>
@@ -11452,8 +12421,12 @@
           <a:lstStyle/>
           <a:p>
             <a:r>
+              <a:rPr lang="pt-BR" dirty="0"/>
+              <a:t>Revisão </a:t>
+            </a:r>
+            <a:r>
               <a:rPr lang="pt-BR" dirty="0" smtClean="0"/>
-              <a:t>Introdução</a:t>
+              <a:t>Bibliográfica</a:t>
             </a:r>
             <a:endParaRPr lang="pt-BR" dirty="0"/>
           </a:p>

--- a/Apresentação/Estudo e Implementação de Reconfiguração Dinâmica.pptx
+++ b/Apresentação/Estudo e Implementação de Reconfiguração Dinâmica.pptx
@@ -51,7 +51,7 @@
     <p:sldId id="272" r:id="rId39"/>
   </p:sldIdLst>
   <p:sldSz cx="9144000" cy="6858000" type="screen4x3"/>
-  <p:notesSz cx="6858000" cy="9144000"/>
+  <p:notesSz cx="6670675" cy="9802813"/>
   <p:defaultTextStyle>
     <a:defPPr>
       <a:defRPr lang="pt-BR"/>
@@ -277,7 +277,7 @@
         <p:spPr>
           <a:xfrm>
             <a:off x="0" y="0"/>
-            <a:ext cx="2971800" cy="457200"/>
+            <a:ext cx="2890626" cy="490141"/>
           </a:xfrm>
           <a:prstGeom prst="rect">
             <a:avLst/>
@@ -293,7 +293,7 @@
           <a:p>
             <a:r>
               <a:rPr lang="pt-BR" smtClean="0"/>
-              <a:t>Trabalho de Graduação - Lucas Sousa de Oliveira</a:t>
+              <a:t>Trabalho de Graduação - Lucas Oliveira</a:t>
             </a:r>
             <a:endParaRPr lang="pt-BR"/>
           </a:p>
@@ -311,8 +311,8 @@
         </p:nvSpPr>
         <p:spPr>
           <a:xfrm>
-            <a:off x="3884613" y="0"/>
-            <a:ext cx="2971800" cy="457200"/>
+            <a:off x="3778505" y="0"/>
+            <a:ext cx="2890626" cy="490141"/>
           </a:xfrm>
           <a:prstGeom prst="rect">
             <a:avLst/>
@@ -326,10 +326,10 @@
             </a:lvl1pPr>
           </a:lstStyle>
           <a:p>
-            <a:fld id="{3C99EC4F-FE0F-49F0-B217-BE2A34BBFA9B}" type="datetimeFigureOut">
-              <a:rPr lang="pt-BR" smtClean="0"/>
-              <a:t>15/12/2013</a:t>
-            </a:fld>
+            <a:r>
+              <a:rPr lang="pt-BR" smtClean="0"/>
+              <a:t>16 de dezembro de 2013</a:t>
+            </a:r>
             <a:endParaRPr lang="pt-BR"/>
           </a:p>
         </p:txBody>
@@ -346,8 +346,8 @@
         </p:nvSpPr>
         <p:spPr>
           <a:xfrm>
-            <a:off x="0" y="8685213"/>
-            <a:ext cx="2971800" cy="457200"/>
+            <a:off x="0" y="9310971"/>
+            <a:ext cx="2890626" cy="490141"/>
           </a:xfrm>
           <a:prstGeom prst="rect">
             <a:avLst/>
@@ -377,8 +377,8 @@
         </p:nvSpPr>
         <p:spPr>
           <a:xfrm>
-            <a:off x="3884613" y="8685213"/>
-            <a:ext cx="2971800" cy="457200"/>
+            <a:off x="3778505" y="9310971"/>
+            <a:ext cx="2890626" cy="490141"/>
           </a:xfrm>
           <a:prstGeom prst="rect">
             <a:avLst/>
@@ -408,7 +408,7 @@
     </p:extLst>
   </p:cSld>
   <p:clrMap bg1="lt1" tx1="dk1" bg2="lt2" tx2="dk2" accent1="accent1" accent2="accent2" accent3="accent3" accent4="accent4" accent5="accent5" accent6="accent6" hlink="hlink" folHlink="folHlink"/>
-  <p:hf ftr="0" dt="0"/>
+  <p:hf sldNum="0" ftr="0"/>
 </p:handoutMaster>
 </file>
 
@@ -447,7 +447,7 @@
         <p:spPr>
           <a:xfrm>
             <a:off x="0" y="0"/>
-            <a:ext cx="2971800" cy="457200"/>
+            <a:ext cx="2890626" cy="490141"/>
           </a:xfrm>
           <a:prstGeom prst="rect">
             <a:avLst/>
@@ -463,7 +463,7 @@
           <a:p>
             <a:r>
               <a:rPr lang="pt-BR" smtClean="0"/>
-              <a:t>Trabalho de Graduação - Lucas Sousa de Oliveira</a:t>
+              <a:t>Trabalho de Graduação - Lucas Oliveira</a:t>
             </a:r>
             <a:endParaRPr lang="pt-BR"/>
           </a:p>
@@ -481,8 +481,8 @@
         </p:nvSpPr>
         <p:spPr>
           <a:xfrm>
-            <a:off x="3884613" y="0"/>
-            <a:ext cx="2971800" cy="457200"/>
+            <a:off x="3778505" y="0"/>
+            <a:ext cx="2890626" cy="490141"/>
           </a:xfrm>
           <a:prstGeom prst="rect">
             <a:avLst/>
@@ -496,10 +496,10 @@
             </a:lvl1pPr>
           </a:lstStyle>
           <a:p>
-            <a:fld id="{EE4C8A9F-11DB-4A3F-BAC6-C6D5782ED8AF}" type="datetimeFigureOut">
-              <a:rPr lang="pt-BR" smtClean="0"/>
-              <a:t>15/12/2013</a:t>
-            </a:fld>
+            <a:r>
+              <a:rPr lang="pt-BR" smtClean="0"/>
+              <a:t>16 de dezembro de 2013</a:t>
+            </a:r>
             <a:endParaRPr lang="pt-BR"/>
           </a:p>
         </p:txBody>
@@ -516,8 +516,8 @@
         </p:nvSpPr>
         <p:spPr>
           <a:xfrm>
-            <a:off x="1143000" y="685800"/>
-            <a:ext cx="4572000" cy="3429000"/>
+            <a:off x="884238" y="735013"/>
+            <a:ext cx="4902200" cy="3676650"/>
           </a:xfrm>
           <a:prstGeom prst="rect">
             <a:avLst/>
@@ -549,8 +549,8 @@
         </p:nvSpPr>
         <p:spPr>
           <a:xfrm>
-            <a:off x="685800" y="4343400"/>
-            <a:ext cx="5486400" cy="4114800"/>
+            <a:off x="667068" y="4656336"/>
+            <a:ext cx="5336540" cy="4411266"/>
           </a:xfrm>
           <a:prstGeom prst="rect">
             <a:avLst/>
@@ -609,8 +609,8 @@
         </p:nvSpPr>
         <p:spPr>
           <a:xfrm>
-            <a:off x="0" y="8685213"/>
-            <a:ext cx="2971800" cy="457200"/>
+            <a:off x="0" y="9310971"/>
+            <a:ext cx="2890626" cy="490141"/>
           </a:xfrm>
           <a:prstGeom prst="rect">
             <a:avLst/>
@@ -640,8 +640,8 @@
         </p:nvSpPr>
         <p:spPr>
           <a:xfrm>
-            <a:off x="3884613" y="8685213"/>
-            <a:ext cx="2971800" cy="457200"/>
+            <a:off x="3778505" y="9310971"/>
+            <a:ext cx="2890626" cy="490141"/>
           </a:xfrm>
           <a:prstGeom prst="rect">
             <a:avLst/>
@@ -671,7 +671,7 @@
     </p:extLst>
   </p:cSld>
   <p:clrMap bg1="lt1" tx1="dk1" bg2="lt2" tx2="dk2" accent1="accent1" accent2="accent2" accent3="accent3" accent4="accent4" accent5="accent5" accent6="accent6" hlink="hlink" folHlink="folHlink"/>
-  <p:hf ftr="0" dt="0"/>
+  <p:hf sldNum="0" ftr="0"/>
   <p:notesStyle>
     <a:lvl1pPr marL="0" algn="l" defTabSz="914400" rtl="0" eaLnBrk="1" latinLnBrk="0" hangingPunct="1">
       <a:defRPr sz="1200" kern="1200">
@@ -817,29 +817,6 @@
       </p:sp>
       <p:sp>
         <p:nvSpPr>
-          <p:cNvPr id="4" name="Espaço Reservado para Número de Slide 3"/>
-          <p:cNvSpPr>
-            <a:spLocks noGrp="1"/>
-          </p:cNvSpPr>
-          <p:nvPr>
-            <p:ph type="sldNum" sz="quarter" idx="10"/>
-          </p:nvPr>
-        </p:nvSpPr>
-        <p:spPr/>
-        <p:txBody>
-          <a:bodyPr/>
-          <a:lstStyle/>
-          <a:p>
-            <a:fld id="{1E44202D-4052-406C-9FDC-32FFB5B9FC5A}" type="slidenum">
-              <a:rPr lang="pt-BR" smtClean="0"/>
-              <a:t>1</a:t>
-            </a:fld>
-            <a:endParaRPr lang="pt-BR"/>
-          </a:p>
-        </p:txBody>
-      </p:sp>
-      <p:sp>
-        <p:nvSpPr>
           <p:cNvPr id="5" name="Espaço Reservado para Cabeçalho 4"/>
           <p:cNvSpPr>
             <a:spLocks noGrp="1"/>
@@ -855,7 +832,30 @@
           <a:p>
             <a:r>
               <a:rPr lang="pt-BR" smtClean="0"/>
-              <a:t>Trabalho de Graduação - Lucas Sousa de Oliveira</a:t>
+              <a:t>Trabalho de Graduação - Lucas Oliveira</a:t>
+            </a:r>
+            <a:endParaRPr lang="pt-BR"/>
+          </a:p>
+        </p:txBody>
+      </p:sp>
+      <p:sp>
+        <p:nvSpPr>
+          <p:cNvPr id="6" name="Espaço Reservado para Data 5"/>
+          <p:cNvSpPr>
+            <a:spLocks noGrp="1"/>
+          </p:cNvSpPr>
+          <p:nvPr>
+            <p:ph type="dt" idx="12"/>
+          </p:nvPr>
+        </p:nvSpPr>
+        <p:spPr/>
+        <p:txBody>
+          <a:bodyPr/>
+          <a:lstStyle/>
+          <a:p>
+            <a:r>
+              <a:rPr lang="pt-BR" smtClean="0"/>
+              <a:t>16 de dezembro de 2013</a:t>
             </a:r>
             <a:endParaRPr lang="pt-BR"/>
           </a:p>
@@ -918,15 +918,7 @@
           <a:bodyPr/>
           <a:lstStyle/>
           <a:p>
-            <a:r>
-              <a:rPr lang="pt-BR" dirty="0" smtClean="0"/>
-              <a:t>Nota-se o loop no estágio inicial.</a:t>
-            </a:r>
-            <a:r>
-              <a:rPr lang="pt-BR" baseline="0" dirty="0" smtClean="0"/>
-              <a:t> Apesar disso, tentou-se ignorar o requisito que liga a SDK ao ISE, mas isto gerou erros na definição do programa inicial.</a:t>
-            </a:r>
-            <a:endParaRPr lang="pt-BR" dirty="0"/>
+            <a:endParaRPr lang="pt-BR"/>
           </a:p>
         </p:txBody>
       </p:sp>
@@ -947,31 +939,31 @@
           <a:p>
             <a:r>
               <a:rPr lang="pt-BR" smtClean="0"/>
-              <a:t>Trabalho de Graduação - Lucas Sousa de Oliveira</a:t>
-            </a:r>
-            <a:endParaRPr lang="pt-BR"/>
-          </a:p>
-        </p:txBody>
-      </p:sp>
-      <p:sp>
-        <p:nvSpPr>
-          <p:cNvPr id="5" name="Espaço Reservado para Número de Slide 4"/>
-          <p:cNvSpPr>
-            <a:spLocks noGrp="1"/>
-          </p:cNvSpPr>
-          <p:nvPr>
-            <p:ph type="sldNum" sz="quarter" idx="11"/>
-          </p:nvPr>
-        </p:nvSpPr>
-        <p:spPr/>
-        <p:txBody>
-          <a:bodyPr/>
-          <a:lstStyle/>
-          <a:p>
-            <a:fld id="{1E44202D-4052-406C-9FDC-32FFB5B9FC5A}" type="slidenum">
-              <a:rPr lang="pt-BR" smtClean="0"/>
-              <a:t>30</a:t>
-            </a:fld>
+              <a:t>Trabalho de Graduação - Lucas Oliveira</a:t>
+            </a:r>
+            <a:endParaRPr lang="pt-BR"/>
+          </a:p>
+        </p:txBody>
+      </p:sp>
+      <p:sp>
+        <p:nvSpPr>
+          <p:cNvPr id="6" name="Espaço Reservado para Data 5"/>
+          <p:cNvSpPr>
+            <a:spLocks noGrp="1"/>
+          </p:cNvSpPr>
+          <p:nvPr>
+            <p:ph type="dt" idx="12"/>
+          </p:nvPr>
+        </p:nvSpPr>
+        <p:spPr/>
+        <p:txBody>
+          <a:bodyPr/>
+          <a:lstStyle/>
+          <a:p>
+            <a:r>
+              <a:rPr lang="pt-BR" smtClean="0"/>
+              <a:t>16 de dezembro de 2013</a:t>
+            </a:r>
             <a:endParaRPr lang="pt-BR"/>
           </a:p>
         </p:txBody>
@@ -979,7 +971,970 @@
     </p:spTree>
     <p:extLst>
       <p:ext uri="{BB962C8B-B14F-4D97-AF65-F5344CB8AC3E}">
-        <p14:creationId xmlns:p14="http://schemas.microsoft.com/office/powerpoint/2010/main" val="2812235418"/>
+        <p14:creationId xmlns:p14="http://schemas.microsoft.com/office/powerpoint/2010/main" val="1540502464"/>
+      </p:ext>
+    </p:extLst>
+  </p:cSld>
+  <p:clrMapOvr>
+    <a:masterClrMapping/>
+  </p:clrMapOvr>
+</p:notes>
+</file>
+
+<file path=ppt/notesSlides/notesSlide11.xml><?xml version="1.0" encoding="utf-8"?>
+<p:notes xmlns:a="http://schemas.openxmlformats.org/drawingml/2006/main" xmlns:r="http://schemas.openxmlformats.org/officeDocument/2006/relationships" xmlns:p="http://schemas.openxmlformats.org/presentationml/2006/main">
+  <p:cSld>
+    <p:spTree>
+      <p:nvGrpSpPr>
+        <p:cNvPr id="1" name=""/>
+        <p:cNvGrpSpPr/>
+        <p:nvPr/>
+      </p:nvGrpSpPr>
+      <p:grpSpPr>
+        <a:xfrm>
+          <a:off x="0" y="0"/>
+          <a:ext cx="0" cy="0"/>
+          <a:chOff x="0" y="0"/>
+          <a:chExt cx="0" cy="0"/>
+        </a:xfrm>
+      </p:grpSpPr>
+      <p:sp>
+        <p:nvSpPr>
+          <p:cNvPr id="2" name="Espaço Reservado para Imagem de Slide 1"/>
+          <p:cNvSpPr>
+            <a:spLocks noGrp="1" noRot="1" noChangeAspect="1"/>
+          </p:cNvSpPr>
+          <p:nvPr>
+            <p:ph type="sldImg"/>
+          </p:nvPr>
+        </p:nvSpPr>
+        <p:spPr/>
+      </p:sp>
+      <p:sp>
+        <p:nvSpPr>
+          <p:cNvPr id="3" name="Espaço Reservado para Anotações 2"/>
+          <p:cNvSpPr>
+            <a:spLocks noGrp="1"/>
+          </p:cNvSpPr>
+          <p:nvPr>
+            <p:ph type="body" idx="1"/>
+          </p:nvPr>
+        </p:nvSpPr>
+        <p:spPr/>
+        <p:txBody>
+          <a:bodyPr/>
+          <a:lstStyle/>
+          <a:p>
+            <a:endParaRPr lang="pt-BR"/>
+          </a:p>
+        </p:txBody>
+      </p:sp>
+      <p:sp>
+        <p:nvSpPr>
+          <p:cNvPr id="4" name="Espaço Reservado para Cabeçalho 3"/>
+          <p:cNvSpPr>
+            <a:spLocks noGrp="1"/>
+          </p:cNvSpPr>
+          <p:nvPr>
+            <p:ph type="hdr" sz="quarter" idx="10"/>
+          </p:nvPr>
+        </p:nvSpPr>
+        <p:spPr/>
+        <p:txBody>
+          <a:bodyPr/>
+          <a:lstStyle/>
+          <a:p>
+            <a:r>
+              <a:rPr lang="pt-BR" smtClean="0"/>
+              <a:t>Trabalho de Graduação - Lucas Oliveira</a:t>
+            </a:r>
+            <a:endParaRPr lang="pt-BR"/>
+          </a:p>
+        </p:txBody>
+      </p:sp>
+      <p:sp>
+        <p:nvSpPr>
+          <p:cNvPr id="6" name="Espaço Reservado para Data 5"/>
+          <p:cNvSpPr>
+            <a:spLocks noGrp="1"/>
+          </p:cNvSpPr>
+          <p:nvPr>
+            <p:ph type="dt" idx="12"/>
+          </p:nvPr>
+        </p:nvSpPr>
+        <p:spPr/>
+        <p:txBody>
+          <a:bodyPr/>
+          <a:lstStyle/>
+          <a:p>
+            <a:r>
+              <a:rPr lang="pt-BR" smtClean="0"/>
+              <a:t>16 de dezembro de 2013</a:t>
+            </a:r>
+            <a:endParaRPr lang="pt-BR"/>
+          </a:p>
+        </p:txBody>
+      </p:sp>
+    </p:spTree>
+    <p:extLst>
+      <p:ext uri="{BB962C8B-B14F-4D97-AF65-F5344CB8AC3E}">
+        <p14:creationId xmlns:p14="http://schemas.microsoft.com/office/powerpoint/2010/main" val="3529874381"/>
+      </p:ext>
+    </p:extLst>
+  </p:cSld>
+  <p:clrMapOvr>
+    <a:masterClrMapping/>
+  </p:clrMapOvr>
+</p:notes>
+</file>
+
+<file path=ppt/notesSlides/notesSlide12.xml><?xml version="1.0" encoding="utf-8"?>
+<p:notes xmlns:a="http://schemas.openxmlformats.org/drawingml/2006/main" xmlns:r="http://schemas.openxmlformats.org/officeDocument/2006/relationships" xmlns:p="http://schemas.openxmlformats.org/presentationml/2006/main">
+  <p:cSld>
+    <p:spTree>
+      <p:nvGrpSpPr>
+        <p:cNvPr id="1" name=""/>
+        <p:cNvGrpSpPr/>
+        <p:nvPr/>
+      </p:nvGrpSpPr>
+      <p:grpSpPr>
+        <a:xfrm>
+          <a:off x="0" y="0"/>
+          <a:ext cx="0" cy="0"/>
+          <a:chOff x="0" y="0"/>
+          <a:chExt cx="0" cy="0"/>
+        </a:xfrm>
+      </p:grpSpPr>
+      <p:sp>
+        <p:nvSpPr>
+          <p:cNvPr id="2" name="Espaço Reservado para Imagem de Slide 1"/>
+          <p:cNvSpPr>
+            <a:spLocks noGrp="1" noRot="1" noChangeAspect="1"/>
+          </p:cNvSpPr>
+          <p:nvPr>
+            <p:ph type="sldImg"/>
+          </p:nvPr>
+        </p:nvSpPr>
+        <p:spPr/>
+      </p:sp>
+      <p:sp>
+        <p:nvSpPr>
+          <p:cNvPr id="3" name="Espaço Reservado para Anotações 2"/>
+          <p:cNvSpPr>
+            <a:spLocks noGrp="1"/>
+          </p:cNvSpPr>
+          <p:nvPr>
+            <p:ph type="body" idx="1"/>
+          </p:nvPr>
+        </p:nvSpPr>
+        <p:spPr/>
+        <p:txBody>
+          <a:bodyPr/>
+          <a:lstStyle/>
+          <a:p>
+            <a:endParaRPr lang="pt-BR"/>
+          </a:p>
+        </p:txBody>
+      </p:sp>
+      <p:sp>
+        <p:nvSpPr>
+          <p:cNvPr id="4" name="Espaço Reservado para Cabeçalho 3"/>
+          <p:cNvSpPr>
+            <a:spLocks noGrp="1"/>
+          </p:cNvSpPr>
+          <p:nvPr>
+            <p:ph type="hdr" sz="quarter" idx="10"/>
+          </p:nvPr>
+        </p:nvSpPr>
+        <p:spPr/>
+        <p:txBody>
+          <a:bodyPr/>
+          <a:lstStyle/>
+          <a:p>
+            <a:r>
+              <a:rPr lang="pt-BR" smtClean="0"/>
+              <a:t>Trabalho de Graduação - Lucas Oliveira</a:t>
+            </a:r>
+            <a:endParaRPr lang="pt-BR"/>
+          </a:p>
+        </p:txBody>
+      </p:sp>
+      <p:sp>
+        <p:nvSpPr>
+          <p:cNvPr id="6" name="Espaço Reservado para Data 5"/>
+          <p:cNvSpPr>
+            <a:spLocks noGrp="1"/>
+          </p:cNvSpPr>
+          <p:nvPr>
+            <p:ph type="dt" idx="12"/>
+          </p:nvPr>
+        </p:nvSpPr>
+        <p:spPr/>
+        <p:txBody>
+          <a:bodyPr/>
+          <a:lstStyle/>
+          <a:p>
+            <a:r>
+              <a:rPr lang="pt-BR" smtClean="0"/>
+              <a:t>16 de dezembro de 2013</a:t>
+            </a:r>
+            <a:endParaRPr lang="pt-BR"/>
+          </a:p>
+        </p:txBody>
+      </p:sp>
+    </p:spTree>
+    <p:extLst>
+      <p:ext uri="{BB962C8B-B14F-4D97-AF65-F5344CB8AC3E}">
+        <p14:creationId xmlns:p14="http://schemas.microsoft.com/office/powerpoint/2010/main" val="3135773571"/>
+      </p:ext>
+    </p:extLst>
+  </p:cSld>
+  <p:clrMapOvr>
+    <a:masterClrMapping/>
+  </p:clrMapOvr>
+</p:notes>
+</file>
+
+<file path=ppt/notesSlides/notesSlide13.xml><?xml version="1.0" encoding="utf-8"?>
+<p:notes xmlns:a="http://schemas.openxmlformats.org/drawingml/2006/main" xmlns:r="http://schemas.openxmlformats.org/officeDocument/2006/relationships" xmlns:p="http://schemas.openxmlformats.org/presentationml/2006/main">
+  <p:cSld>
+    <p:spTree>
+      <p:nvGrpSpPr>
+        <p:cNvPr id="1" name=""/>
+        <p:cNvGrpSpPr/>
+        <p:nvPr/>
+      </p:nvGrpSpPr>
+      <p:grpSpPr>
+        <a:xfrm>
+          <a:off x="0" y="0"/>
+          <a:ext cx="0" cy="0"/>
+          <a:chOff x="0" y="0"/>
+          <a:chExt cx="0" cy="0"/>
+        </a:xfrm>
+      </p:grpSpPr>
+      <p:sp>
+        <p:nvSpPr>
+          <p:cNvPr id="2" name="Espaço Reservado para Imagem de Slide 1"/>
+          <p:cNvSpPr>
+            <a:spLocks noGrp="1" noRot="1" noChangeAspect="1"/>
+          </p:cNvSpPr>
+          <p:nvPr>
+            <p:ph type="sldImg"/>
+          </p:nvPr>
+        </p:nvSpPr>
+        <p:spPr/>
+      </p:sp>
+      <p:sp>
+        <p:nvSpPr>
+          <p:cNvPr id="3" name="Espaço Reservado para Anotações 2"/>
+          <p:cNvSpPr>
+            <a:spLocks noGrp="1"/>
+          </p:cNvSpPr>
+          <p:nvPr>
+            <p:ph type="body" idx="1"/>
+          </p:nvPr>
+        </p:nvSpPr>
+        <p:spPr/>
+        <p:txBody>
+          <a:bodyPr/>
+          <a:lstStyle/>
+          <a:p>
+            <a:endParaRPr lang="pt-BR"/>
+          </a:p>
+        </p:txBody>
+      </p:sp>
+      <p:sp>
+        <p:nvSpPr>
+          <p:cNvPr id="4" name="Espaço Reservado para Cabeçalho 3"/>
+          <p:cNvSpPr>
+            <a:spLocks noGrp="1"/>
+          </p:cNvSpPr>
+          <p:nvPr>
+            <p:ph type="hdr" sz="quarter" idx="10"/>
+          </p:nvPr>
+        </p:nvSpPr>
+        <p:spPr/>
+        <p:txBody>
+          <a:bodyPr/>
+          <a:lstStyle/>
+          <a:p>
+            <a:r>
+              <a:rPr lang="pt-BR" smtClean="0"/>
+              <a:t>Trabalho de Graduação - Lucas Oliveira</a:t>
+            </a:r>
+            <a:endParaRPr lang="pt-BR"/>
+          </a:p>
+        </p:txBody>
+      </p:sp>
+      <p:sp>
+        <p:nvSpPr>
+          <p:cNvPr id="6" name="Espaço Reservado para Data 5"/>
+          <p:cNvSpPr>
+            <a:spLocks noGrp="1"/>
+          </p:cNvSpPr>
+          <p:nvPr>
+            <p:ph type="dt" idx="12"/>
+          </p:nvPr>
+        </p:nvSpPr>
+        <p:spPr/>
+        <p:txBody>
+          <a:bodyPr/>
+          <a:lstStyle/>
+          <a:p>
+            <a:r>
+              <a:rPr lang="pt-BR" smtClean="0"/>
+              <a:t>16 de dezembro de 2013</a:t>
+            </a:r>
+            <a:endParaRPr lang="pt-BR"/>
+          </a:p>
+        </p:txBody>
+      </p:sp>
+    </p:spTree>
+    <p:extLst>
+      <p:ext uri="{BB962C8B-B14F-4D97-AF65-F5344CB8AC3E}">
+        <p14:creationId xmlns:p14="http://schemas.microsoft.com/office/powerpoint/2010/main" val="3918370141"/>
+      </p:ext>
+    </p:extLst>
+  </p:cSld>
+  <p:clrMapOvr>
+    <a:masterClrMapping/>
+  </p:clrMapOvr>
+</p:notes>
+</file>
+
+<file path=ppt/notesSlides/notesSlide14.xml><?xml version="1.0" encoding="utf-8"?>
+<p:notes xmlns:a="http://schemas.openxmlformats.org/drawingml/2006/main" xmlns:r="http://schemas.openxmlformats.org/officeDocument/2006/relationships" xmlns:p="http://schemas.openxmlformats.org/presentationml/2006/main">
+  <p:cSld>
+    <p:spTree>
+      <p:nvGrpSpPr>
+        <p:cNvPr id="1" name=""/>
+        <p:cNvGrpSpPr/>
+        <p:nvPr/>
+      </p:nvGrpSpPr>
+      <p:grpSpPr>
+        <a:xfrm>
+          <a:off x="0" y="0"/>
+          <a:ext cx="0" cy="0"/>
+          <a:chOff x="0" y="0"/>
+          <a:chExt cx="0" cy="0"/>
+        </a:xfrm>
+      </p:grpSpPr>
+      <p:sp>
+        <p:nvSpPr>
+          <p:cNvPr id="2" name="Espaço Reservado para Imagem de Slide 1"/>
+          <p:cNvSpPr>
+            <a:spLocks noGrp="1" noRot="1" noChangeAspect="1"/>
+          </p:cNvSpPr>
+          <p:nvPr>
+            <p:ph type="sldImg"/>
+          </p:nvPr>
+        </p:nvSpPr>
+        <p:spPr/>
+      </p:sp>
+      <p:sp>
+        <p:nvSpPr>
+          <p:cNvPr id="3" name="Espaço Reservado para Anotações 2"/>
+          <p:cNvSpPr>
+            <a:spLocks noGrp="1"/>
+          </p:cNvSpPr>
+          <p:nvPr>
+            <p:ph type="body" idx="1"/>
+          </p:nvPr>
+        </p:nvSpPr>
+        <p:spPr/>
+        <p:txBody>
+          <a:bodyPr/>
+          <a:lstStyle/>
+          <a:p>
+            <a:endParaRPr lang="pt-BR"/>
+          </a:p>
+        </p:txBody>
+      </p:sp>
+      <p:sp>
+        <p:nvSpPr>
+          <p:cNvPr id="4" name="Espaço Reservado para Cabeçalho 3"/>
+          <p:cNvSpPr>
+            <a:spLocks noGrp="1"/>
+          </p:cNvSpPr>
+          <p:nvPr>
+            <p:ph type="hdr" sz="quarter" idx="10"/>
+          </p:nvPr>
+        </p:nvSpPr>
+        <p:spPr/>
+        <p:txBody>
+          <a:bodyPr/>
+          <a:lstStyle/>
+          <a:p>
+            <a:r>
+              <a:rPr lang="pt-BR" smtClean="0"/>
+              <a:t>Trabalho de Graduação - Lucas Oliveira</a:t>
+            </a:r>
+            <a:endParaRPr lang="pt-BR"/>
+          </a:p>
+        </p:txBody>
+      </p:sp>
+      <p:sp>
+        <p:nvSpPr>
+          <p:cNvPr id="6" name="Espaço Reservado para Data 5"/>
+          <p:cNvSpPr>
+            <a:spLocks noGrp="1"/>
+          </p:cNvSpPr>
+          <p:nvPr>
+            <p:ph type="dt" idx="12"/>
+          </p:nvPr>
+        </p:nvSpPr>
+        <p:spPr/>
+        <p:txBody>
+          <a:bodyPr/>
+          <a:lstStyle/>
+          <a:p>
+            <a:r>
+              <a:rPr lang="pt-BR" smtClean="0"/>
+              <a:t>16 de dezembro de 2013</a:t>
+            </a:r>
+            <a:endParaRPr lang="pt-BR"/>
+          </a:p>
+        </p:txBody>
+      </p:sp>
+    </p:spTree>
+    <p:extLst>
+      <p:ext uri="{BB962C8B-B14F-4D97-AF65-F5344CB8AC3E}">
+        <p14:creationId xmlns:p14="http://schemas.microsoft.com/office/powerpoint/2010/main" val="3509854255"/>
+      </p:ext>
+    </p:extLst>
+  </p:cSld>
+  <p:clrMapOvr>
+    <a:masterClrMapping/>
+  </p:clrMapOvr>
+</p:notes>
+</file>
+
+<file path=ppt/notesSlides/notesSlide15.xml><?xml version="1.0" encoding="utf-8"?>
+<p:notes xmlns:a="http://schemas.openxmlformats.org/drawingml/2006/main" xmlns:r="http://schemas.openxmlformats.org/officeDocument/2006/relationships" xmlns:p="http://schemas.openxmlformats.org/presentationml/2006/main">
+  <p:cSld>
+    <p:spTree>
+      <p:nvGrpSpPr>
+        <p:cNvPr id="1" name=""/>
+        <p:cNvGrpSpPr/>
+        <p:nvPr/>
+      </p:nvGrpSpPr>
+      <p:grpSpPr>
+        <a:xfrm>
+          <a:off x="0" y="0"/>
+          <a:ext cx="0" cy="0"/>
+          <a:chOff x="0" y="0"/>
+          <a:chExt cx="0" cy="0"/>
+        </a:xfrm>
+      </p:grpSpPr>
+      <p:sp>
+        <p:nvSpPr>
+          <p:cNvPr id="2" name="Espaço Reservado para Imagem de Slide 1"/>
+          <p:cNvSpPr>
+            <a:spLocks noGrp="1" noRot="1" noChangeAspect="1"/>
+          </p:cNvSpPr>
+          <p:nvPr>
+            <p:ph type="sldImg"/>
+          </p:nvPr>
+        </p:nvSpPr>
+        <p:spPr/>
+      </p:sp>
+      <p:sp>
+        <p:nvSpPr>
+          <p:cNvPr id="3" name="Espaço Reservado para Anotações 2"/>
+          <p:cNvSpPr>
+            <a:spLocks noGrp="1"/>
+          </p:cNvSpPr>
+          <p:nvPr>
+            <p:ph type="body" idx="1"/>
+          </p:nvPr>
+        </p:nvSpPr>
+        <p:spPr/>
+        <p:txBody>
+          <a:bodyPr/>
+          <a:lstStyle/>
+          <a:p>
+            <a:endParaRPr lang="pt-BR"/>
+          </a:p>
+        </p:txBody>
+      </p:sp>
+      <p:sp>
+        <p:nvSpPr>
+          <p:cNvPr id="4" name="Espaço Reservado para Cabeçalho 3"/>
+          <p:cNvSpPr>
+            <a:spLocks noGrp="1"/>
+          </p:cNvSpPr>
+          <p:nvPr>
+            <p:ph type="hdr" sz="quarter" idx="10"/>
+          </p:nvPr>
+        </p:nvSpPr>
+        <p:spPr/>
+        <p:txBody>
+          <a:bodyPr/>
+          <a:lstStyle/>
+          <a:p>
+            <a:r>
+              <a:rPr lang="pt-BR" smtClean="0"/>
+              <a:t>Trabalho de Graduação - Lucas Oliveira</a:t>
+            </a:r>
+            <a:endParaRPr lang="pt-BR"/>
+          </a:p>
+        </p:txBody>
+      </p:sp>
+      <p:sp>
+        <p:nvSpPr>
+          <p:cNvPr id="6" name="Espaço Reservado para Data 5"/>
+          <p:cNvSpPr>
+            <a:spLocks noGrp="1"/>
+          </p:cNvSpPr>
+          <p:nvPr>
+            <p:ph type="dt" idx="12"/>
+          </p:nvPr>
+        </p:nvSpPr>
+        <p:spPr/>
+        <p:txBody>
+          <a:bodyPr/>
+          <a:lstStyle/>
+          <a:p>
+            <a:r>
+              <a:rPr lang="pt-BR" smtClean="0"/>
+              <a:t>16 de dezembro de 2013</a:t>
+            </a:r>
+            <a:endParaRPr lang="pt-BR"/>
+          </a:p>
+        </p:txBody>
+      </p:sp>
+    </p:spTree>
+    <p:extLst>
+      <p:ext uri="{BB962C8B-B14F-4D97-AF65-F5344CB8AC3E}">
+        <p14:creationId xmlns:p14="http://schemas.microsoft.com/office/powerpoint/2010/main" val="3701137339"/>
+      </p:ext>
+    </p:extLst>
+  </p:cSld>
+  <p:clrMapOvr>
+    <a:masterClrMapping/>
+  </p:clrMapOvr>
+</p:notes>
+</file>
+
+<file path=ppt/notesSlides/notesSlide16.xml><?xml version="1.0" encoding="utf-8"?>
+<p:notes xmlns:a="http://schemas.openxmlformats.org/drawingml/2006/main" xmlns:r="http://schemas.openxmlformats.org/officeDocument/2006/relationships" xmlns:p="http://schemas.openxmlformats.org/presentationml/2006/main">
+  <p:cSld>
+    <p:spTree>
+      <p:nvGrpSpPr>
+        <p:cNvPr id="1" name=""/>
+        <p:cNvGrpSpPr/>
+        <p:nvPr/>
+      </p:nvGrpSpPr>
+      <p:grpSpPr>
+        <a:xfrm>
+          <a:off x="0" y="0"/>
+          <a:ext cx="0" cy="0"/>
+          <a:chOff x="0" y="0"/>
+          <a:chExt cx="0" cy="0"/>
+        </a:xfrm>
+      </p:grpSpPr>
+      <p:sp>
+        <p:nvSpPr>
+          <p:cNvPr id="2" name="Espaço Reservado para Imagem de Slide 1"/>
+          <p:cNvSpPr>
+            <a:spLocks noGrp="1" noRot="1" noChangeAspect="1"/>
+          </p:cNvSpPr>
+          <p:nvPr>
+            <p:ph type="sldImg"/>
+          </p:nvPr>
+        </p:nvSpPr>
+        <p:spPr/>
+      </p:sp>
+      <p:sp>
+        <p:nvSpPr>
+          <p:cNvPr id="3" name="Espaço Reservado para Anotações 2"/>
+          <p:cNvSpPr>
+            <a:spLocks noGrp="1"/>
+          </p:cNvSpPr>
+          <p:nvPr>
+            <p:ph type="body" idx="1"/>
+          </p:nvPr>
+        </p:nvSpPr>
+        <p:spPr/>
+        <p:txBody>
+          <a:bodyPr/>
+          <a:lstStyle/>
+          <a:p>
+            <a:endParaRPr lang="pt-BR"/>
+          </a:p>
+        </p:txBody>
+      </p:sp>
+      <p:sp>
+        <p:nvSpPr>
+          <p:cNvPr id="4" name="Espaço Reservado para Cabeçalho 3"/>
+          <p:cNvSpPr>
+            <a:spLocks noGrp="1"/>
+          </p:cNvSpPr>
+          <p:nvPr>
+            <p:ph type="hdr" sz="quarter" idx="10"/>
+          </p:nvPr>
+        </p:nvSpPr>
+        <p:spPr/>
+        <p:txBody>
+          <a:bodyPr/>
+          <a:lstStyle/>
+          <a:p>
+            <a:r>
+              <a:rPr lang="pt-BR" smtClean="0"/>
+              <a:t>Trabalho de Graduação - Lucas Oliveira</a:t>
+            </a:r>
+            <a:endParaRPr lang="pt-BR"/>
+          </a:p>
+        </p:txBody>
+      </p:sp>
+      <p:sp>
+        <p:nvSpPr>
+          <p:cNvPr id="6" name="Espaço Reservado para Data 5"/>
+          <p:cNvSpPr>
+            <a:spLocks noGrp="1"/>
+          </p:cNvSpPr>
+          <p:nvPr>
+            <p:ph type="dt" idx="12"/>
+          </p:nvPr>
+        </p:nvSpPr>
+        <p:spPr/>
+        <p:txBody>
+          <a:bodyPr/>
+          <a:lstStyle/>
+          <a:p>
+            <a:r>
+              <a:rPr lang="pt-BR" smtClean="0"/>
+              <a:t>16 de dezembro de 2013</a:t>
+            </a:r>
+            <a:endParaRPr lang="pt-BR"/>
+          </a:p>
+        </p:txBody>
+      </p:sp>
+    </p:spTree>
+    <p:extLst>
+      <p:ext uri="{BB962C8B-B14F-4D97-AF65-F5344CB8AC3E}">
+        <p14:creationId xmlns:p14="http://schemas.microsoft.com/office/powerpoint/2010/main" val="444874792"/>
+      </p:ext>
+    </p:extLst>
+  </p:cSld>
+  <p:clrMapOvr>
+    <a:masterClrMapping/>
+  </p:clrMapOvr>
+</p:notes>
+</file>
+
+<file path=ppt/notesSlides/notesSlide17.xml><?xml version="1.0" encoding="utf-8"?>
+<p:notes xmlns:a="http://schemas.openxmlformats.org/drawingml/2006/main" xmlns:r="http://schemas.openxmlformats.org/officeDocument/2006/relationships" xmlns:p="http://schemas.openxmlformats.org/presentationml/2006/main">
+  <p:cSld>
+    <p:spTree>
+      <p:nvGrpSpPr>
+        <p:cNvPr id="1" name=""/>
+        <p:cNvGrpSpPr/>
+        <p:nvPr/>
+      </p:nvGrpSpPr>
+      <p:grpSpPr>
+        <a:xfrm>
+          <a:off x="0" y="0"/>
+          <a:ext cx="0" cy="0"/>
+          <a:chOff x="0" y="0"/>
+          <a:chExt cx="0" cy="0"/>
+        </a:xfrm>
+      </p:grpSpPr>
+      <p:sp>
+        <p:nvSpPr>
+          <p:cNvPr id="2" name="Espaço Reservado para Imagem de Slide 1"/>
+          <p:cNvSpPr>
+            <a:spLocks noGrp="1" noRot="1" noChangeAspect="1"/>
+          </p:cNvSpPr>
+          <p:nvPr>
+            <p:ph type="sldImg"/>
+          </p:nvPr>
+        </p:nvSpPr>
+        <p:spPr/>
+      </p:sp>
+      <p:sp>
+        <p:nvSpPr>
+          <p:cNvPr id="3" name="Espaço Reservado para Anotações 2"/>
+          <p:cNvSpPr>
+            <a:spLocks noGrp="1"/>
+          </p:cNvSpPr>
+          <p:nvPr>
+            <p:ph type="body" idx="1"/>
+          </p:nvPr>
+        </p:nvSpPr>
+        <p:spPr/>
+        <p:txBody>
+          <a:bodyPr/>
+          <a:lstStyle/>
+          <a:p>
+            <a:endParaRPr lang="pt-BR"/>
+          </a:p>
+        </p:txBody>
+      </p:sp>
+      <p:sp>
+        <p:nvSpPr>
+          <p:cNvPr id="4" name="Espaço Reservado para Cabeçalho 3"/>
+          <p:cNvSpPr>
+            <a:spLocks noGrp="1"/>
+          </p:cNvSpPr>
+          <p:nvPr>
+            <p:ph type="hdr" sz="quarter" idx="10"/>
+          </p:nvPr>
+        </p:nvSpPr>
+        <p:spPr/>
+        <p:txBody>
+          <a:bodyPr/>
+          <a:lstStyle/>
+          <a:p>
+            <a:r>
+              <a:rPr lang="pt-BR" smtClean="0"/>
+              <a:t>Trabalho de Graduação - Lucas Oliveira</a:t>
+            </a:r>
+            <a:endParaRPr lang="pt-BR"/>
+          </a:p>
+        </p:txBody>
+      </p:sp>
+      <p:sp>
+        <p:nvSpPr>
+          <p:cNvPr id="6" name="Espaço Reservado para Data 5"/>
+          <p:cNvSpPr>
+            <a:spLocks noGrp="1"/>
+          </p:cNvSpPr>
+          <p:nvPr>
+            <p:ph type="dt" idx="12"/>
+          </p:nvPr>
+        </p:nvSpPr>
+        <p:spPr/>
+        <p:txBody>
+          <a:bodyPr/>
+          <a:lstStyle/>
+          <a:p>
+            <a:r>
+              <a:rPr lang="pt-BR" smtClean="0"/>
+              <a:t>16 de dezembro de 2013</a:t>
+            </a:r>
+            <a:endParaRPr lang="pt-BR"/>
+          </a:p>
+        </p:txBody>
+      </p:sp>
+    </p:spTree>
+    <p:extLst>
+      <p:ext uri="{BB962C8B-B14F-4D97-AF65-F5344CB8AC3E}">
+        <p14:creationId xmlns:p14="http://schemas.microsoft.com/office/powerpoint/2010/main" val="3991335175"/>
+      </p:ext>
+    </p:extLst>
+  </p:cSld>
+  <p:clrMapOvr>
+    <a:masterClrMapping/>
+  </p:clrMapOvr>
+</p:notes>
+</file>
+
+<file path=ppt/notesSlides/notesSlide18.xml><?xml version="1.0" encoding="utf-8"?>
+<p:notes xmlns:a="http://schemas.openxmlformats.org/drawingml/2006/main" xmlns:r="http://schemas.openxmlformats.org/officeDocument/2006/relationships" xmlns:p="http://schemas.openxmlformats.org/presentationml/2006/main">
+  <p:cSld>
+    <p:spTree>
+      <p:nvGrpSpPr>
+        <p:cNvPr id="1" name=""/>
+        <p:cNvGrpSpPr/>
+        <p:nvPr/>
+      </p:nvGrpSpPr>
+      <p:grpSpPr>
+        <a:xfrm>
+          <a:off x="0" y="0"/>
+          <a:ext cx="0" cy="0"/>
+          <a:chOff x="0" y="0"/>
+          <a:chExt cx="0" cy="0"/>
+        </a:xfrm>
+      </p:grpSpPr>
+      <p:sp>
+        <p:nvSpPr>
+          <p:cNvPr id="2" name="Espaço Reservado para Imagem de Slide 1"/>
+          <p:cNvSpPr>
+            <a:spLocks noGrp="1" noRot="1" noChangeAspect="1"/>
+          </p:cNvSpPr>
+          <p:nvPr>
+            <p:ph type="sldImg"/>
+          </p:nvPr>
+        </p:nvSpPr>
+        <p:spPr/>
+      </p:sp>
+      <p:sp>
+        <p:nvSpPr>
+          <p:cNvPr id="3" name="Espaço Reservado para Anotações 2"/>
+          <p:cNvSpPr>
+            <a:spLocks noGrp="1"/>
+          </p:cNvSpPr>
+          <p:nvPr>
+            <p:ph type="body" idx="1"/>
+          </p:nvPr>
+        </p:nvSpPr>
+        <p:spPr/>
+        <p:txBody>
+          <a:bodyPr/>
+          <a:lstStyle/>
+          <a:p>
+            <a:endParaRPr lang="pt-BR"/>
+          </a:p>
+        </p:txBody>
+      </p:sp>
+      <p:sp>
+        <p:nvSpPr>
+          <p:cNvPr id="4" name="Espaço Reservado para Cabeçalho 3"/>
+          <p:cNvSpPr>
+            <a:spLocks noGrp="1"/>
+          </p:cNvSpPr>
+          <p:nvPr>
+            <p:ph type="hdr" sz="quarter" idx="10"/>
+          </p:nvPr>
+        </p:nvSpPr>
+        <p:spPr/>
+        <p:txBody>
+          <a:bodyPr/>
+          <a:lstStyle/>
+          <a:p>
+            <a:r>
+              <a:rPr lang="pt-BR" smtClean="0"/>
+              <a:t>Trabalho de Graduação - Lucas Oliveira</a:t>
+            </a:r>
+            <a:endParaRPr lang="pt-BR"/>
+          </a:p>
+        </p:txBody>
+      </p:sp>
+      <p:sp>
+        <p:nvSpPr>
+          <p:cNvPr id="6" name="Espaço Reservado para Data 5"/>
+          <p:cNvSpPr>
+            <a:spLocks noGrp="1"/>
+          </p:cNvSpPr>
+          <p:nvPr>
+            <p:ph type="dt" idx="12"/>
+          </p:nvPr>
+        </p:nvSpPr>
+        <p:spPr/>
+        <p:txBody>
+          <a:bodyPr/>
+          <a:lstStyle/>
+          <a:p>
+            <a:r>
+              <a:rPr lang="pt-BR" smtClean="0"/>
+              <a:t>16 de dezembro de 2013</a:t>
+            </a:r>
+            <a:endParaRPr lang="pt-BR"/>
+          </a:p>
+        </p:txBody>
+      </p:sp>
+    </p:spTree>
+    <p:extLst>
+      <p:ext uri="{BB962C8B-B14F-4D97-AF65-F5344CB8AC3E}">
+        <p14:creationId xmlns:p14="http://schemas.microsoft.com/office/powerpoint/2010/main" val="2988841066"/>
+      </p:ext>
+    </p:extLst>
+  </p:cSld>
+  <p:clrMapOvr>
+    <a:masterClrMapping/>
+  </p:clrMapOvr>
+</p:notes>
+</file>
+
+<file path=ppt/notesSlides/notesSlide19.xml><?xml version="1.0" encoding="utf-8"?>
+<p:notes xmlns:a="http://schemas.openxmlformats.org/drawingml/2006/main" xmlns:r="http://schemas.openxmlformats.org/officeDocument/2006/relationships" xmlns:p="http://schemas.openxmlformats.org/presentationml/2006/main">
+  <p:cSld>
+    <p:spTree>
+      <p:nvGrpSpPr>
+        <p:cNvPr id="1" name=""/>
+        <p:cNvGrpSpPr/>
+        <p:nvPr/>
+      </p:nvGrpSpPr>
+      <p:grpSpPr>
+        <a:xfrm>
+          <a:off x="0" y="0"/>
+          <a:ext cx="0" cy="0"/>
+          <a:chOff x="0" y="0"/>
+          <a:chExt cx="0" cy="0"/>
+        </a:xfrm>
+      </p:grpSpPr>
+      <p:sp>
+        <p:nvSpPr>
+          <p:cNvPr id="2" name="Espaço Reservado para Imagem de Slide 1"/>
+          <p:cNvSpPr>
+            <a:spLocks noGrp="1" noRot="1" noChangeAspect="1"/>
+          </p:cNvSpPr>
+          <p:nvPr>
+            <p:ph type="sldImg"/>
+          </p:nvPr>
+        </p:nvSpPr>
+        <p:spPr/>
+      </p:sp>
+      <p:sp>
+        <p:nvSpPr>
+          <p:cNvPr id="3" name="Espaço Reservado para Anotações 2"/>
+          <p:cNvSpPr>
+            <a:spLocks noGrp="1"/>
+          </p:cNvSpPr>
+          <p:nvPr>
+            <p:ph type="body" idx="1"/>
+          </p:nvPr>
+        </p:nvSpPr>
+        <p:spPr/>
+        <p:txBody>
+          <a:bodyPr/>
+          <a:lstStyle/>
+          <a:p>
+            <a:endParaRPr lang="pt-BR"/>
+          </a:p>
+        </p:txBody>
+      </p:sp>
+      <p:sp>
+        <p:nvSpPr>
+          <p:cNvPr id="4" name="Espaço Reservado para Cabeçalho 3"/>
+          <p:cNvSpPr>
+            <a:spLocks noGrp="1"/>
+          </p:cNvSpPr>
+          <p:nvPr>
+            <p:ph type="hdr" sz="quarter" idx="10"/>
+          </p:nvPr>
+        </p:nvSpPr>
+        <p:spPr/>
+        <p:txBody>
+          <a:bodyPr/>
+          <a:lstStyle/>
+          <a:p>
+            <a:r>
+              <a:rPr lang="pt-BR" smtClean="0"/>
+              <a:t>Trabalho de Graduação - Lucas Oliveira</a:t>
+            </a:r>
+            <a:endParaRPr lang="pt-BR"/>
+          </a:p>
+        </p:txBody>
+      </p:sp>
+      <p:sp>
+        <p:nvSpPr>
+          <p:cNvPr id="6" name="Espaço Reservado para Data 5"/>
+          <p:cNvSpPr>
+            <a:spLocks noGrp="1"/>
+          </p:cNvSpPr>
+          <p:nvPr>
+            <p:ph type="dt" idx="12"/>
+          </p:nvPr>
+        </p:nvSpPr>
+        <p:spPr/>
+        <p:txBody>
+          <a:bodyPr/>
+          <a:lstStyle/>
+          <a:p>
+            <a:r>
+              <a:rPr lang="pt-BR" smtClean="0"/>
+              <a:t>16 de dezembro de 2013</a:t>
+            </a:r>
+            <a:endParaRPr lang="pt-BR"/>
+          </a:p>
+        </p:txBody>
+      </p:sp>
+    </p:spTree>
+    <p:extLst>
+      <p:ext uri="{BB962C8B-B14F-4D97-AF65-F5344CB8AC3E}">
+        <p14:creationId xmlns:p14="http://schemas.microsoft.com/office/powerpoint/2010/main" val="1133083478"/>
       </p:ext>
     </p:extLst>
   </p:cSld>
@@ -1033,15 +1988,7 @@
           <a:bodyPr/>
           <a:lstStyle/>
           <a:p>
-            <a:r>
-              <a:rPr lang="pt-BR" dirty="0" smtClean="0"/>
-              <a:t>Desde que foi criada, sempre tentou-se obter mais da computação,</a:t>
-            </a:r>
-            <a:r>
-              <a:rPr lang="pt-BR" baseline="0" dirty="0" smtClean="0"/>
-              <a:t> para tentar extrair todo o seu potencial.</a:t>
-            </a:r>
-            <a:endParaRPr lang="pt-BR" dirty="0"/>
+            <a:endParaRPr lang="pt-BR"/>
           </a:p>
         </p:txBody>
       </p:sp>
@@ -1062,31 +2009,31 @@
           <a:p>
             <a:r>
               <a:rPr lang="pt-BR" smtClean="0"/>
-              <a:t>Trabalho de Graduação - Lucas Sousa de Oliveira</a:t>
-            </a:r>
-            <a:endParaRPr lang="pt-BR"/>
-          </a:p>
-        </p:txBody>
-      </p:sp>
-      <p:sp>
-        <p:nvSpPr>
-          <p:cNvPr id="5" name="Espaço Reservado para Número de Slide 4"/>
-          <p:cNvSpPr>
-            <a:spLocks noGrp="1"/>
-          </p:cNvSpPr>
-          <p:nvPr>
-            <p:ph type="sldNum" sz="quarter" idx="11"/>
-          </p:nvPr>
-        </p:nvSpPr>
-        <p:spPr/>
-        <p:txBody>
-          <a:bodyPr/>
-          <a:lstStyle/>
-          <a:p>
-            <a:fld id="{1E44202D-4052-406C-9FDC-32FFB5B9FC5A}" type="slidenum">
-              <a:rPr lang="pt-BR" smtClean="0"/>
-              <a:t>3</a:t>
-            </a:fld>
+              <a:t>Trabalho de Graduação - Lucas Oliveira</a:t>
+            </a:r>
+            <a:endParaRPr lang="pt-BR"/>
+          </a:p>
+        </p:txBody>
+      </p:sp>
+      <p:sp>
+        <p:nvSpPr>
+          <p:cNvPr id="6" name="Espaço Reservado para Data 5"/>
+          <p:cNvSpPr>
+            <a:spLocks noGrp="1"/>
+          </p:cNvSpPr>
+          <p:nvPr>
+            <p:ph type="dt" idx="12"/>
+          </p:nvPr>
+        </p:nvSpPr>
+        <p:spPr/>
+        <p:txBody>
+          <a:bodyPr/>
+          <a:lstStyle/>
+          <a:p>
+            <a:r>
+              <a:rPr lang="pt-BR" smtClean="0"/>
+              <a:t>16 de dezembro de 2013</a:t>
+            </a:r>
             <a:endParaRPr lang="pt-BR"/>
           </a:p>
         </p:txBody>
@@ -1094,7 +2041,1106 @@
     </p:spTree>
     <p:extLst>
       <p:ext uri="{BB962C8B-B14F-4D97-AF65-F5344CB8AC3E}">
-        <p14:creationId xmlns:p14="http://schemas.microsoft.com/office/powerpoint/2010/main" val="3559366147"/>
+        <p14:creationId xmlns:p14="http://schemas.microsoft.com/office/powerpoint/2010/main" val="4062830552"/>
+      </p:ext>
+    </p:extLst>
+  </p:cSld>
+  <p:clrMapOvr>
+    <a:masterClrMapping/>
+  </p:clrMapOvr>
+</p:notes>
+</file>
+
+<file path=ppt/notesSlides/notesSlide20.xml><?xml version="1.0" encoding="utf-8"?>
+<p:notes xmlns:a="http://schemas.openxmlformats.org/drawingml/2006/main" xmlns:r="http://schemas.openxmlformats.org/officeDocument/2006/relationships" xmlns:p="http://schemas.openxmlformats.org/presentationml/2006/main">
+  <p:cSld>
+    <p:spTree>
+      <p:nvGrpSpPr>
+        <p:cNvPr id="1" name=""/>
+        <p:cNvGrpSpPr/>
+        <p:nvPr/>
+      </p:nvGrpSpPr>
+      <p:grpSpPr>
+        <a:xfrm>
+          <a:off x="0" y="0"/>
+          <a:ext cx="0" cy="0"/>
+          <a:chOff x="0" y="0"/>
+          <a:chExt cx="0" cy="0"/>
+        </a:xfrm>
+      </p:grpSpPr>
+      <p:sp>
+        <p:nvSpPr>
+          <p:cNvPr id="2" name="Espaço Reservado para Imagem de Slide 1"/>
+          <p:cNvSpPr>
+            <a:spLocks noGrp="1" noRot="1" noChangeAspect="1"/>
+          </p:cNvSpPr>
+          <p:nvPr>
+            <p:ph type="sldImg"/>
+          </p:nvPr>
+        </p:nvSpPr>
+        <p:spPr/>
+      </p:sp>
+      <p:sp>
+        <p:nvSpPr>
+          <p:cNvPr id="3" name="Espaço Reservado para Anotações 2"/>
+          <p:cNvSpPr>
+            <a:spLocks noGrp="1"/>
+          </p:cNvSpPr>
+          <p:nvPr>
+            <p:ph type="body" idx="1"/>
+          </p:nvPr>
+        </p:nvSpPr>
+        <p:spPr/>
+        <p:txBody>
+          <a:bodyPr/>
+          <a:lstStyle/>
+          <a:p>
+            <a:endParaRPr lang="pt-BR"/>
+          </a:p>
+        </p:txBody>
+      </p:sp>
+      <p:sp>
+        <p:nvSpPr>
+          <p:cNvPr id="4" name="Espaço Reservado para Cabeçalho 3"/>
+          <p:cNvSpPr>
+            <a:spLocks noGrp="1"/>
+          </p:cNvSpPr>
+          <p:nvPr>
+            <p:ph type="hdr" sz="quarter" idx="10"/>
+          </p:nvPr>
+        </p:nvSpPr>
+        <p:spPr/>
+        <p:txBody>
+          <a:bodyPr/>
+          <a:lstStyle/>
+          <a:p>
+            <a:r>
+              <a:rPr lang="pt-BR" smtClean="0"/>
+              <a:t>Trabalho de Graduação - Lucas Oliveira</a:t>
+            </a:r>
+            <a:endParaRPr lang="pt-BR"/>
+          </a:p>
+        </p:txBody>
+      </p:sp>
+      <p:sp>
+        <p:nvSpPr>
+          <p:cNvPr id="6" name="Espaço Reservado para Data 5"/>
+          <p:cNvSpPr>
+            <a:spLocks noGrp="1"/>
+          </p:cNvSpPr>
+          <p:nvPr>
+            <p:ph type="dt" idx="12"/>
+          </p:nvPr>
+        </p:nvSpPr>
+        <p:spPr/>
+        <p:txBody>
+          <a:bodyPr/>
+          <a:lstStyle/>
+          <a:p>
+            <a:r>
+              <a:rPr lang="pt-BR" smtClean="0"/>
+              <a:t>16 de dezembro de 2013</a:t>
+            </a:r>
+            <a:endParaRPr lang="pt-BR"/>
+          </a:p>
+        </p:txBody>
+      </p:sp>
+    </p:spTree>
+    <p:extLst>
+      <p:ext uri="{BB962C8B-B14F-4D97-AF65-F5344CB8AC3E}">
+        <p14:creationId xmlns:p14="http://schemas.microsoft.com/office/powerpoint/2010/main" val="1616281692"/>
+      </p:ext>
+    </p:extLst>
+  </p:cSld>
+  <p:clrMapOvr>
+    <a:masterClrMapping/>
+  </p:clrMapOvr>
+</p:notes>
+</file>
+
+<file path=ppt/notesSlides/notesSlide21.xml><?xml version="1.0" encoding="utf-8"?>
+<p:notes xmlns:a="http://schemas.openxmlformats.org/drawingml/2006/main" xmlns:r="http://schemas.openxmlformats.org/officeDocument/2006/relationships" xmlns:p="http://schemas.openxmlformats.org/presentationml/2006/main">
+  <p:cSld>
+    <p:spTree>
+      <p:nvGrpSpPr>
+        <p:cNvPr id="1" name=""/>
+        <p:cNvGrpSpPr/>
+        <p:nvPr/>
+      </p:nvGrpSpPr>
+      <p:grpSpPr>
+        <a:xfrm>
+          <a:off x="0" y="0"/>
+          <a:ext cx="0" cy="0"/>
+          <a:chOff x="0" y="0"/>
+          <a:chExt cx="0" cy="0"/>
+        </a:xfrm>
+      </p:grpSpPr>
+      <p:sp>
+        <p:nvSpPr>
+          <p:cNvPr id="2" name="Espaço Reservado para Imagem de Slide 1"/>
+          <p:cNvSpPr>
+            <a:spLocks noGrp="1" noRot="1" noChangeAspect="1"/>
+          </p:cNvSpPr>
+          <p:nvPr>
+            <p:ph type="sldImg"/>
+          </p:nvPr>
+        </p:nvSpPr>
+        <p:spPr/>
+      </p:sp>
+      <p:sp>
+        <p:nvSpPr>
+          <p:cNvPr id="3" name="Espaço Reservado para Anotações 2"/>
+          <p:cNvSpPr>
+            <a:spLocks noGrp="1"/>
+          </p:cNvSpPr>
+          <p:nvPr>
+            <p:ph type="body" idx="1"/>
+          </p:nvPr>
+        </p:nvSpPr>
+        <p:spPr/>
+        <p:txBody>
+          <a:bodyPr/>
+          <a:lstStyle/>
+          <a:p>
+            <a:endParaRPr lang="pt-BR"/>
+          </a:p>
+        </p:txBody>
+      </p:sp>
+      <p:sp>
+        <p:nvSpPr>
+          <p:cNvPr id="4" name="Espaço Reservado para Cabeçalho 3"/>
+          <p:cNvSpPr>
+            <a:spLocks noGrp="1"/>
+          </p:cNvSpPr>
+          <p:nvPr>
+            <p:ph type="hdr" sz="quarter" idx="10"/>
+          </p:nvPr>
+        </p:nvSpPr>
+        <p:spPr/>
+        <p:txBody>
+          <a:bodyPr/>
+          <a:lstStyle/>
+          <a:p>
+            <a:r>
+              <a:rPr lang="pt-BR" smtClean="0"/>
+              <a:t>Trabalho de Graduação - Lucas Oliveira</a:t>
+            </a:r>
+            <a:endParaRPr lang="pt-BR"/>
+          </a:p>
+        </p:txBody>
+      </p:sp>
+      <p:sp>
+        <p:nvSpPr>
+          <p:cNvPr id="6" name="Espaço Reservado para Data 5"/>
+          <p:cNvSpPr>
+            <a:spLocks noGrp="1"/>
+          </p:cNvSpPr>
+          <p:nvPr>
+            <p:ph type="dt" idx="12"/>
+          </p:nvPr>
+        </p:nvSpPr>
+        <p:spPr/>
+        <p:txBody>
+          <a:bodyPr/>
+          <a:lstStyle/>
+          <a:p>
+            <a:r>
+              <a:rPr lang="pt-BR" smtClean="0"/>
+              <a:t>16 de dezembro de 2013</a:t>
+            </a:r>
+            <a:endParaRPr lang="pt-BR"/>
+          </a:p>
+        </p:txBody>
+      </p:sp>
+    </p:spTree>
+    <p:extLst>
+      <p:ext uri="{BB962C8B-B14F-4D97-AF65-F5344CB8AC3E}">
+        <p14:creationId xmlns:p14="http://schemas.microsoft.com/office/powerpoint/2010/main" val="3714854677"/>
+      </p:ext>
+    </p:extLst>
+  </p:cSld>
+  <p:clrMapOvr>
+    <a:masterClrMapping/>
+  </p:clrMapOvr>
+</p:notes>
+</file>
+
+<file path=ppt/notesSlides/notesSlide22.xml><?xml version="1.0" encoding="utf-8"?>
+<p:notes xmlns:a="http://schemas.openxmlformats.org/drawingml/2006/main" xmlns:r="http://schemas.openxmlformats.org/officeDocument/2006/relationships" xmlns:p="http://schemas.openxmlformats.org/presentationml/2006/main">
+  <p:cSld>
+    <p:spTree>
+      <p:nvGrpSpPr>
+        <p:cNvPr id="1" name=""/>
+        <p:cNvGrpSpPr/>
+        <p:nvPr/>
+      </p:nvGrpSpPr>
+      <p:grpSpPr>
+        <a:xfrm>
+          <a:off x="0" y="0"/>
+          <a:ext cx="0" cy="0"/>
+          <a:chOff x="0" y="0"/>
+          <a:chExt cx="0" cy="0"/>
+        </a:xfrm>
+      </p:grpSpPr>
+      <p:sp>
+        <p:nvSpPr>
+          <p:cNvPr id="2" name="Espaço Reservado para Imagem de Slide 1"/>
+          <p:cNvSpPr>
+            <a:spLocks noGrp="1" noRot="1" noChangeAspect="1"/>
+          </p:cNvSpPr>
+          <p:nvPr>
+            <p:ph type="sldImg"/>
+          </p:nvPr>
+        </p:nvSpPr>
+        <p:spPr/>
+      </p:sp>
+      <p:sp>
+        <p:nvSpPr>
+          <p:cNvPr id="3" name="Espaço Reservado para Anotações 2"/>
+          <p:cNvSpPr>
+            <a:spLocks noGrp="1"/>
+          </p:cNvSpPr>
+          <p:nvPr>
+            <p:ph type="body" idx="1"/>
+          </p:nvPr>
+        </p:nvSpPr>
+        <p:spPr/>
+        <p:txBody>
+          <a:bodyPr/>
+          <a:lstStyle/>
+          <a:p>
+            <a:endParaRPr lang="pt-BR" dirty="0"/>
+          </a:p>
+        </p:txBody>
+      </p:sp>
+      <p:sp>
+        <p:nvSpPr>
+          <p:cNvPr id="4" name="Espaço Reservado para Cabeçalho 3"/>
+          <p:cNvSpPr>
+            <a:spLocks noGrp="1"/>
+          </p:cNvSpPr>
+          <p:nvPr>
+            <p:ph type="hdr" sz="quarter" idx="10"/>
+          </p:nvPr>
+        </p:nvSpPr>
+        <p:spPr/>
+        <p:txBody>
+          <a:bodyPr/>
+          <a:lstStyle/>
+          <a:p>
+            <a:r>
+              <a:rPr lang="pt-BR" smtClean="0"/>
+              <a:t>Trabalho de Graduação - Lucas Oliveira</a:t>
+            </a:r>
+            <a:endParaRPr lang="pt-BR"/>
+          </a:p>
+        </p:txBody>
+      </p:sp>
+      <p:sp>
+        <p:nvSpPr>
+          <p:cNvPr id="6" name="Espaço Reservado para Data 5"/>
+          <p:cNvSpPr>
+            <a:spLocks noGrp="1"/>
+          </p:cNvSpPr>
+          <p:nvPr>
+            <p:ph type="dt" idx="12"/>
+          </p:nvPr>
+        </p:nvSpPr>
+        <p:spPr/>
+        <p:txBody>
+          <a:bodyPr/>
+          <a:lstStyle/>
+          <a:p>
+            <a:r>
+              <a:rPr lang="pt-BR" smtClean="0"/>
+              <a:t>16 de dezembro de 2013</a:t>
+            </a:r>
+            <a:endParaRPr lang="pt-BR"/>
+          </a:p>
+        </p:txBody>
+      </p:sp>
+    </p:spTree>
+    <p:extLst>
+      <p:ext uri="{BB962C8B-B14F-4D97-AF65-F5344CB8AC3E}">
+        <p14:creationId xmlns:p14="http://schemas.microsoft.com/office/powerpoint/2010/main" val="1333983335"/>
+      </p:ext>
+    </p:extLst>
+  </p:cSld>
+  <p:clrMapOvr>
+    <a:masterClrMapping/>
+  </p:clrMapOvr>
+</p:notes>
+</file>
+
+<file path=ppt/notesSlides/notesSlide23.xml><?xml version="1.0" encoding="utf-8"?>
+<p:notes xmlns:a="http://schemas.openxmlformats.org/drawingml/2006/main" xmlns:r="http://schemas.openxmlformats.org/officeDocument/2006/relationships" xmlns:p="http://schemas.openxmlformats.org/presentationml/2006/main">
+  <p:cSld>
+    <p:spTree>
+      <p:nvGrpSpPr>
+        <p:cNvPr id="1" name=""/>
+        <p:cNvGrpSpPr/>
+        <p:nvPr/>
+      </p:nvGrpSpPr>
+      <p:grpSpPr>
+        <a:xfrm>
+          <a:off x="0" y="0"/>
+          <a:ext cx="0" cy="0"/>
+          <a:chOff x="0" y="0"/>
+          <a:chExt cx="0" cy="0"/>
+        </a:xfrm>
+      </p:grpSpPr>
+      <p:sp>
+        <p:nvSpPr>
+          <p:cNvPr id="2" name="Espaço Reservado para Imagem de Slide 1"/>
+          <p:cNvSpPr>
+            <a:spLocks noGrp="1" noRot="1" noChangeAspect="1"/>
+          </p:cNvSpPr>
+          <p:nvPr>
+            <p:ph type="sldImg"/>
+          </p:nvPr>
+        </p:nvSpPr>
+        <p:spPr/>
+      </p:sp>
+      <p:sp>
+        <p:nvSpPr>
+          <p:cNvPr id="3" name="Espaço Reservado para Anotações 2"/>
+          <p:cNvSpPr>
+            <a:spLocks noGrp="1"/>
+          </p:cNvSpPr>
+          <p:nvPr>
+            <p:ph type="body" idx="1"/>
+          </p:nvPr>
+        </p:nvSpPr>
+        <p:spPr/>
+        <p:txBody>
+          <a:bodyPr/>
+          <a:lstStyle/>
+          <a:p>
+            <a:endParaRPr lang="pt-BR"/>
+          </a:p>
+        </p:txBody>
+      </p:sp>
+      <p:sp>
+        <p:nvSpPr>
+          <p:cNvPr id="4" name="Espaço Reservado para Cabeçalho 3"/>
+          <p:cNvSpPr>
+            <a:spLocks noGrp="1"/>
+          </p:cNvSpPr>
+          <p:nvPr>
+            <p:ph type="hdr" sz="quarter" idx="10"/>
+          </p:nvPr>
+        </p:nvSpPr>
+        <p:spPr/>
+        <p:txBody>
+          <a:bodyPr/>
+          <a:lstStyle/>
+          <a:p>
+            <a:r>
+              <a:rPr lang="pt-BR" smtClean="0"/>
+              <a:t>Trabalho de Graduação - Lucas Oliveira</a:t>
+            </a:r>
+            <a:endParaRPr lang="pt-BR"/>
+          </a:p>
+        </p:txBody>
+      </p:sp>
+      <p:sp>
+        <p:nvSpPr>
+          <p:cNvPr id="6" name="Espaço Reservado para Data 5"/>
+          <p:cNvSpPr>
+            <a:spLocks noGrp="1"/>
+          </p:cNvSpPr>
+          <p:nvPr>
+            <p:ph type="dt" idx="12"/>
+          </p:nvPr>
+        </p:nvSpPr>
+        <p:spPr/>
+        <p:txBody>
+          <a:bodyPr/>
+          <a:lstStyle/>
+          <a:p>
+            <a:r>
+              <a:rPr lang="pt-BR" smtClean="0"/>
+              <a:t>16 de dezembro de 2013</a:t>
+            </a:r>
+            <a:endParaRPr lang="pt-BR"/>
+          </a:p>
+        </p:txBody>
+      </p:sp>
+    </p:spTree>
+    <p:extLst>
+      <p:ext uri="{BB962C8B-B14F-4D97-AF65-F5344CB8AC3E}">
+        <p14:creationId xmlns:p14="http://schemas.microsoft.com/office/powerpoint/2010/main" val="1851028605"/>
+      </p:ext>
+    </p:extLst>
+  </p:cSld>
+  <p:clrMapOvr>
+    <a:masterClrMapping/>
+  </p:clrMapOvr>
+</p:notes>
+</file>
+
+<file path=ppt/notesSlides/notesSlide24.xml><?xml version="1.0" encoding="utf-8"?>
+<p:notes xmlns:a="http://schemas.openxmlformats.org/drawingml/2006/main" xmlns:r="http://schemas.openxmlformats.org/officeDocument/2006/relationships" xmlns:p="http://schemas.openxmlformats.org/presentationml/2006/main">
+  <p:cSld>
+    <p:spTree>
+      <p:nvGrpSpPr>
+        <p:cNvPr id="1" name=""/>
+        <p:cNvGrpSpPr/>
+        <p:nvPr/>
+      </p:nvGrpSpPr>
+      <p:grpSpPr>
+        <a:xfrm>
+          <a:off x="0" y="0"/>
+          <a:ext cx="0" cy="0"/>
+          <a:chOff x="0" y="0"/>
+          <a:chExt cx="0" cy="0"/>
+        </a:xfrm>
+      </p:grpSpPr>
+      <p:sp>
+        <p:nvSpPr>
+          <p:cNvPr id="2" name="Espaço Reservado para Imagem de Slide 1"/>
+          <p:cNvSpPr>
+            <a:spLocks noGrp="1" noRot="1" noChangeAspect="1"/>
+          </p:cNvSpPr>
+          <p:nvPr>
+            <p:ph type="sldImg"/>
+          </p:nvPr>
+        </p:nvSpPr>
+        <p:spPr/>
+      </p:sp>
+      <p:sp>
+        <p:nvSpPr>
+          <p:cNvPr id="3" name="Espaço Reservado para Anotações 2"/>
+          <p:cNvSpPr>
+            <a:spLocks noGrp="1"/>
+          </p:cNvSpPr>
+          <p:nvPr>
+            <p:ph type="body" idx="1"/>
+          </p:nvPr>
+        </p:nvSpPr>
+        <p:spPr/>
+        <p:txBody>
+          <a:bodyPr/>
+          <a:lstStyle/>
+          <a:p>
+            <a:r>
+              <a:rPr lang="pt-BR" dirty="0" smtClean="0"/>
+              <a:t>Fluxo muito</a:t>
+            </a:r>
+            <a:r>
+              <a:rPr lang="pt-BR" baseline="0" dirty="0" smtClean="0"/>
+              <a:t> similar ao anterior. Mesmo </a:t>
+            </a:r>
+            <a:r>
+              <a:rPr lang="pt-BR" baseline="0" dirty="0" err="1" smtClean="0"/>
+              <a:t>microcontrolador</a:t>
+            </a:r>
+            <a:r>
+              <a:rPr lang="pt-BR" baseline="0" dirty="0" smtClean="0"/>
+              <a:t> foi utilizado.</a:t>
+            </a:r>
+            <a:endParaRPr lang="pt-BR" dirty="0"/>
+          </a:p>
+        </p:txBody>
+      </p:sp>
+      <p:sp>
+        <p:nvSpPr>
+          <p:cNvPr id="4" name="Espaço Reservado para Cabeçalho 3"/>
+          <p:cNvSpPr>
+            <a:spLocks noGrp="1"/>
+          </p:cNvSpPr>
+          <p:nvPr>
+            <p:ph type="hdr" sz="quarter" idx="10"/>
+          </p:nvPr>
+        </p:nvSpPr>
+        <p:spPr/>
+        <p:txBody>
+          <a:bodyPr/>
+          <a:lstStyle/>
+          <a:p>
+            <a:r>
+              <a:rPr lang="pt-BR" smtClean="0"/>
+              <a:t>Trabalho de Graduação - Lucas Oliveira</a:t>
+            </a:r>
+            <a:endParaRPr lang="pt-BR"/>
+          </a:p>
+        </p:txBody>
+      </p:sp>
+      <p:sp>
+        <p:nvSpPr>
+          <p:cNvPr id="6" name="Espaço Reservado para Data 5"/>
+          <p:cNvSpPr>
+            <a:spLocks noGrp="1"/>
+          </p:cNvSpPr>
+          <p:nvPr>
+            <p:ph type="dt" idx="12"/>
+          </p:nvPr>
+        </p:nvSpPr>
+        <p:spPr/>
+        <p:txBody>
+          <a:bodyPr/>
+          <a:lstStyle/>
+          <a:p>
+            <a:r>
+              <a:rPr lang="pt-BR" smtClean="0"/>
+              <a:t>16 de dezembro de 2013</a:t>
+            </a:r>
+            <a:endParaRPr lang="pt-BR"/>
+          </a:p>
+        </p:txBody>
+      </p:sp>
+    </p:spTree>
+    <p:extLst>
+      <p:ext uri="{BB962C8B-B14F-4D97-AF65-F5344CB8AC3E}">
+        <p14:creationId xmlns:p14="http://schemas.microsoft.com/office/powerpoint/2010/main" val="374732856"/>
+      </p:ext>
+    </p:extLst>
+  </p:cSld>
+  <p:clrMapOvr>
+    <a:masterClrMapping/>
+  </p:clrMapOvr>
+</p:notes>
+</file>
+
+<file path=ppt/notesSlides/notesSlide25.xml><?xml version="1.0" encoding="utf-8"?>
+<p:notes xmlns:a="http://schemas.openxmlformats.org/drawingml/2006/main" xmlns:r="http://schemas.openxmlformats.org/officeDocument/2006/relationships" xmlns:p="http://schemas.openxmlformats.org/presentationml/2006/main">
+  <p:cSld>
+    <p:spTree>
+      <p:nvGrpSpPr>
+        <p:cNvPr id="1" name=""/>
+        <p:cNvGrpSpPr/>
+        <p:nvPr/>
+      </p:nvGrpSpPr>
+      <p:grpSpPr>
+        <a:xfrm>
+          <a:off x="0" y="0"/>
+          <a:ext cx="0" cy="0"/>
+          <a:chOff x="0" y="0"/>
+          <a:chExt cx="0" cy="0"/>
+        </a:xfrm>
+      </p:grpSpPr>
+      <p:sp>
+        <p:nvSpPr>
+          <p:cNvPr id="2" name="Espaço Reservado para Imagem de Slide 1"/>
+          <p:cNvSpPr>
+            <a:spLocks noGrp="1" noRot="1" noChangeAspect="1"/>
+          </p:cNvSpPr>
+          <p:nvPr>
+            <p:ph type="sldImg"/>
+          </p:nvPr>
+        </p:nvSpPr>
+        <p:spPr/>
+      </p:sp>
+      <p:sp>
+        <p:nvSpPr>
+          <p:cNvPr id="3" name="Espaço Reservado para Anotações 2"/>
+          <p:cNvSpPr>
+            <a:spLocks noGrp="1"/>
+          </p:cNvSpPr>
+          <p:nvPr>
+            <p:ph type="body" idx="1"/>
+          </p:nvPr>
+        </p:nvSpPr>
+        <p:spPr/>
+        <p:txBody>
+          <a:bodyPr/>
+          <a:lstStyle/>
+          <a:p>
+            <a:endParaRPr lang="pt-BR"/>
+          </a:p>
+        </p:txBody>
+      </p:sp>
+      <p:sp>
+        <p:nvSpPr>
+          <p:cNvPr id="4" name="Espaço Reservado para Cabeçalho 3"/>
+          <p:cNvSpPr>
+            <a:spLocks noGrp="1"/>
+          </p:cNvSpPr>
+          <p:nvPr>
+            <p:ph type="hdr" sz="quarter" idx="10"/>
+          </p:nvPr>
+        </p:nvSpPr>
+        <p:spPr/>
+        <p:txBody>
+          <a:bodyPr/>
+          <a:lstStyle/>
+          <a:p>
+            <a:r>
+              <a:rPr lang="pt-BR" smtClean="0"/>
+              <a:t>Trabalho de Graduação - Lucas Oliveira</a:t>
+            </a:r>
+            <a:endParaRPr lang="pt-BR"/>
+          </a:p>
+        </p:txBody>
+      </p:sp>
+      <p:sp>
+        <p:nvSpPr>
+          <p:cNvPr id="6" name="Espaço Reservado para Data 5"/>
+          <p:cNvSpPr>
+            <a:spLocks noGrp="1"/>
+          </p:cNvSpPr>
+          <p:nvPr>
+            <p:ph type="dt" idx="12"/>
+          </p:nvPr>
+        </p:nvSpPr>
+        <p:spPr/>
+        <p:txBody>
+          <a:bodyPr/>
+          <a:lstStyle/>
+          <a:p>
+            <a:r>
+              <a:rPr lang="pt-BR" smtClean="0"/>
+              <a:t>16 de dezembro de 2013</a:t>
+            </a:r>
+            <a:endParaRPr lang="pt-BR"/>
+          </a:p>
+        </p:txBody>
+      </p:sp>
+    </p:spTree>
+    <p:extLst>
+      <p:ext uri="{BB962C8B-B14F-4D97-AF65-F5344CB8AC3E}">
+        <p14:creationId xmlns:p14="http://schemas.microsoft.com/office/powerpoint/2010/main" val="804325463"/>
+      </p:ext>
+    </p:extLst>
+  </p:cSld>
+  <p:clrMapOvr>
+    <a:masterClrMapping/>
+  </p:clrMapOvr>
+</p:notes>
+</file>
+
+<file path=ppt/notesSlides/notesSlide26.xml><?xml version="1.0" encoding="utf-8"?>
+<p:notes xmlns:a="http://schemas.openxmlformats.org/drawingml/2006/main" xmlns:r="http://schemas.openxmlformats.org/officeDocument/2006/relationships" xmlns:p="http://schemas.openxmlformats.org/presentationml/2006/main">
+  <p:cSld>
+    <p:spTree>
+      <p:nvGrpSpPr>
+        <p:cNvPr id="1" name=""/>
+        <p:cNvGrpSpPr/>
+        <p:nvPr/>
+      </p:nvGrpSpPr>
+      <p:grpSpPr>
+        <a:xfrm>
+          <a:off x="0" y="0"/>
+          <a:ext cx="0" cy="0"/>
+          <a:chOff x="0" y="0"/>
+          <a:chExt cx="0" cy="0"/>
+        </a:xfrm>
+      </p:grpSpPr>
+      <p:sp>
+        <p:nvSpPr>
+          <p:cNvPr id="2" name="Espaço Reservado para Imagem de Slide 1"/>
+          <p:cNvSpPr>
+            <a:spLocks noGrp="1" noRot="1" noChangeAspect="1"/>
+          </p:cNvSpPr>
+          <p:nvPr>
+            <p:ph type="sldImg"/>
+          </p:nvPr>
+        </p:nvSpPr>
+        <p:spPr/>
+      </p:sp>
+      <p:sp>
+        <p:nvSpPr>
+          <p:cNvPr id="3" name="Espaço Reservado para Anotações 2"/>
+          <p:cNvSpPr>
+            <a:spLocks noGrp="1"/>
+          </p:cNvSpPr>
+          <p:nvPr>
+            <p:ph type="body" idx="1"/>
+          </p:nvPr>
+        </p:nvSpPr>
+        <p:spPr/>
+        <p:txBody>
+          <a:bodyPr/>
+          <a:lstStyle/>
+          <a:p>
+            <a:r>
+              <a:rPr lang="pt-BR" dirty="0" smtClean="0"/>
+              <a:t>Já que eu já estou carregando</a:t>
+            </a:r>
+            <a:r>
+              <a:rPr lang="pt-BR" baseline="0" dirty="0" smtClean="0"/>
+              <a:t> informações da memória Flash, e se eu aproveitar e interpretar o arquivo binário.</a:t>
+            </a:r>
+          </a:p>
+          <a:p>
+            <a:r>
+              <a:rPr lang="pt-BR" baseline="0" dirty="0" smtClean="0"/>
+              <a:t>Até porque carregar por carregar eu já testei no experimento anterior.</a:t>
+            </a:r>
+          </a:p>
+        </p:txBody>
+      </p:sp>
+      <p:sp>
+        <p:nvSpPr>
+          <p:cNvPr id="4" name="Espaço Reservado para Cabeçalho 3"/>
+          <p:cNvSpPr>
+            <a:spLocks noGrp="1"/>
+          </p:cNvSpPr>
+          <p:nvPr>
+            <p:ph type="hdr" sz="quarter" idx="10"/>
+          </p:nvPr>
+        </p:nvSpPr>
+        <p:spPr/>
+        <p:txBody>
+          <a:bodyPr/>
+          <a:lstStyle/>
+          <a:p>
+            <a:r>
+              <a:rPr lang="pt-BR" smtClean="0"/>
+              <a:t>Trabalho de Graduação - Lucas Oliveira</a:t>
+            </a:r>
+            <a:endParaRPr lang="pt-BR"/>
+          </a:p>
+        </p:txBody>
+      </p:sp>
+      <p:sp>
+        <p:nvSpPr>
+          <p:cNvPr id="6" name="Espaço Reservado para Data 5"/>
+          <p:cNvSpPr>
+            <a:spLocks noGrp="1"/>
+          </p:cNvSpPr>
+          <p:nvPr>
+            <p:ph type="dt" idx="12"/>
+          </p:nvPr>
+        </p:nvSpPr>
+        <p:spPr/>
+        <p:txBody>
+          <a:bodyPr/>
+          <a:lstStyle/>
+          <a:p>
+            <a:r>
+              <a:rPr lang="pt-BR" smtClean="0"/>
+              <a:t>16 de dezembro de 2013</a:t>
+            </a:r>
+            <a:endParaRPr lang="pt-BR"/>
+          </a:p>
+        </p:txBody>
+      </p:sp>
+    </p:spTree>
+    <p:extLst>
+      <p:ext uri="{BB962C8B-B14F-4D97-AF65-F5344CB8AC3E}">
+        <p14:creationId xmlns:p14="http://schemas.microsoft.com/office/powerpoint/2010/main" val="1900265468"/>
+      </p:ext>
+    </p:extLst>
+  </p:cSld>
+  <p:clrMapOvr>
+    <a:masterClrMapping/>
+  </p:clrMapOvr>
+</p:notes>
+</file>
+
+<file path=ppt/notesSlides/notesSlide27.xml><?xml version="1.0" encoding="utf-8"?>
+<p:notes xmlns:a="http://schemas.openxmlformats.org/drawingml/2006/main" xmlns:r="http://schemas.openxmlformats.org/officeDocument/2006/relationships" xmlns:p="http://schemas.openxmlformats.org/presentationml/2006/main">
+  <p:cSld>
+    <p:spTree>
+      <p:nvGrpSpPr>
+        <p:cNvPr id="1" name=""/>
+        <p:cNvGrpSpPr/>
+        <p:nvPr/>
+      </p:nvGrpSpPr>
+      <p:grpSpPr>
+        <a:xfrm>
+          <a:off x="0" y="0"/>
+          <a:ext cx="0" cy="0"/>
+          <a:chOff x="0" y="0"/>
+          <a:chExt cx="0" cy="0"/>
+        </a:xfrm>
+      </p:grpSpPr>
+      <p:sp>
+        <p:nvSpPr>
+          <p:cNvPr id="2" name="Espaço Reservado para Imagem de Slide 1"/>
+          <p:cNvSpPr>
+            <a:spLocks noGrp="1" noRot="1" noChangeAspect="1"/>
+          </p:cNvSpPr>
+          <p:nvPr>
+            <p:ph type="sldImg"/>
+          </p:nvPr>
+        </p:nvSpPr>
+        <p:spPr/>
+      </p:sp>
+      <p:sp>
+        <p:nvSpPr>
+          <p:cNvPr id="3" name="Espaço Reservado para Anotações 2"/>
+          <p:cNvSpPr>
+            <a:spLocks noGrp="1"/>
+          </p:cNvSpPr>
+          <p:nvPr>
+            <p:ph type="body" idx="1"/>
+          </p:nvPr>
+        </p:nvSpPr>
+        <p:spPr/>
+        <p:txBody>
+          <a:bodyPr/>
+          <a:lstStyle/>
+          <a:p>
+            <a:endParaRPr lang="pt-BR"/>
+          </a:p>
+        </p:txBody>
+      </p:sp>
+      <p:sp>
+        <p:nvSpPr>
+          <p:cNvPr id="4" name="Espaço Reservado para Cabeçalho 3"/>
+          <p:cNvSpPr>
+            <a:spLocks noGrp="1"/>
+          </p:cNvSpPr>
+          <p:nvPr>
+            <p:ph type="hdr" sz="quarter" idx="10"/>
+          </p:nvPr>
+        </p:nvSpPr>
+        <p:spPr/>
+        <p:txBody>
+          <a:bodyPr/>
+          <a:lstStyle/>
+          <a:p>
+            <a:r>
+              <a:rPr lang="pt-BR" smtClean="0"/>
+              <a:t>Trabalho de Graduação - Lucas Oliveira</a:t>
+            </a:r>
+            <a:endParaRPr lang="pt-BR"/>
+          </a:p>
+        </p:txBody>
+      </p:sp>
+      <p:sp>
+        <p:nvSpPr>
+          <p:cNvPr id="6" name="Espaço Reservado para Data 5"/>
+          <p:cNvSpPr>
+            <a:spLocks noGrp="1"/>
+          </p:cNvSpPr>
+          <p:nvPr>
+            <p:ph type="dt" idx="12"/>
+          </p:nvPr>
+        </p:nvSpPr>
+        <p:spPr/>
+        <p:txBody>
+          <a:bodyPr/>
+          <a:lstStyle/>
+          <a:p>
+            <a:r>
+              <a:rPr lang="pt-BR" smtClean="0"/>
+              <a:t>16 de dezembro de 2013</a:t>
+            </a:r>
+            <a:endParaRPr lang="pt-BR"/>
+          </a:p>
+        </p:txBody>
+      </p:sp>
+    </p:spTree>
+    <p:extLst>
+      <p:ext uri="{BB962C8B-B14F-4D97-AF65-F5344CB8AC3E}">
+        <p14:creationId xmlns:p14="http://schemas.microsoft.com/office/powerpoint/2010/main" val="1643894240"/>
+      </p:ext>
+    </p:extLst>
+  </p:cSld>
+  <p:clrMapOvr>
+    <a:masterClrMapping/>
+  </p:clrMapOvr>
+</p:notes>
+</file>
+
+<file path=ppt/notesSlides/notesSlide28.xml><?xml version="1.0" encoding="utf-8"?>
+<p:notes xmlns:a="http://schemas.openxmlformats.org/drawingml/2006/main" xmlns:r="http://schemas.openxmlformats.org/officeDocument/2006/relationships" xmlns:p="http://schemas.openxmlformats.org/presentationml/2006/main">
+  <p:cSld>
+    <p:spTree>
+      <p:nvGrpSpPr>
+        <p:cNvPr id="1" name=""/>
+        <p:cNvGrpSpPr/>
+        <p:nvPr/>
+      </p:nvGrpSpPr>
+      <p:grpSpPr>
+        <a:xfrm>
+          <a:off x="0" y="0"/>
+          <a:ext cx="0" cy="0"/>
+          <a:chOff x="0" y="0"/>
+          <a:chExt cx="0" cy="0"/>
+        </a:xfrm>
+      </p:grpSpPr>
+      <p:sp>
+        <p:nvSpPr>
+          <p:cNvPr id="2" name="Espaço Reservado para Imagem de Slide 1"/>
+          <p:cNvSpPr>
+            <a:spLocks noGrp="1" noRot="1" noChangeAspect="1"/>
+          </p:cNvSpPr>
+          <p:nvPr>
+            <p:ph type="sldImg"/>
+          </p:nvPr>
+        </p:nvSpPr>
+        <p:spPr/>
+      </p:sp>
+      <p:sp>
+        <p:nvSpPr>
+          <p:cNvPr id="3" name="Espaço Reservado para Anotações 2"/>
+          <p:cNvSpPr>
+            <a:spLocks noGrp="1"/>
+          </p:cNvSpPr>
+          <p:nvPr>
+            <p:ph type="body" idx="1"/>
+          </p:nvPr>
+        </p:nvSpPr>
+        <p:spPr/>
+        <p:txBody>
+          <a:bodyPr/>
+          <a:lstStyle/>
+          <a:p>
+            <a:endParaRPr lang="pt-BR"/>
+          </a:p>
+        </p:txBody>
+      </p:sp>
+      <p:sp>
+        <p:nvSpPr>
+          <p:cNvPr id="4" name="Espaço Reservado para Cabeçalho 3"/>
+          <p:cNvSpPr>
+            <a:spLocks noGrp="1"/>
+          </p:cNvSpPr>
+          <p:nvPr>
+            <p:ph type="hdr" sz="quarter" idx="10"/>
+          </p:nvPr>
+        </p:nvSpPr>
+        <p:spPr/>
+        <p:txBody>
+          <a:bodyPr/>
+          <a:lstStyle/>
+          <a:p>
+            <a:r>
+              <a:rPr lang="pt-BR" smtClean="0"/>
+              <a:t>Trabalho de Graduação - Lucas Oliveira</a:t>
+            </a:r>
+            <a:endParaRPr lang="pt-BR"/>
+          </a:p>
+        </p:txBody>
+      </p:sp>
+      <p:sp>
+        <p:nvSpPr>
+          <p:cNvPr id="6" name="Espaço Reservado para Data 5"/>
+          <p:cNvSpPr>
+            <a:spLocks noGrp="1"/>
+          </p:cNvSpPr>
+          <p:nvPr>
+            <p:ph type="dt" idx="12"/>
+          </p:nvPr>
+        </p:nvSpPr>
+        <p:spPr/>
+        <p:txBody>
+          <a:bodyPr/>
+          <a:lstStyle/>
+          <a:p>
+            <a:r>
+              <a:rPr lang="pt-BR" smtClean="0"/>
+              <a:t>16 de dezembro de 2013</a:t>
+            </a:r>
+            <a:endParaRPr lang="pt-BR"/>
+          </a:p>
+        </p:txBody>
+      </p:sp>
+    </p:spTree>
+    <p:extLst>
+      <p:ext uri="{BB962C8B-B14F-4D97-AF65-F5344CB8AC3E}">
+        <p14:creationId xmlns:p14="http://schemas.microsoft.com/office/powerpoint/2010/main" val="1790160854"/>
+      </p:ext>
+    </p:extLst>
+  </p:cSld>
+  <p:clrMapOvr>
+    <a:masterClrMapping/>
+  </p:clrMapOvr>
+</p:notes>
+</file>
+
+<file path=ppt/notesSlides/notesSlide29.xml><?xml version="1.0" encoding="utf-8"?>
+<p:notes xmlns:a="http://schemas.openxmlformats.org/drawingml/2006/main" xmlns:r="http://schemas.openxmlformats.org/officeDocument/2006/relationships" xmlns:p="http://schemas.openxmlformats.org/presentationml/2006/main">
+  <p:cSld>
+    <p:spTree>
+      <p:nvGrpSpPr>
+        <p:cNvPr id="1" name=""/>
+        <p:cNvGrpSpPr/>
+        <p:nvPr/>
+      </p:nvGrpSpPr>
+      <p:grpSpPr>
+        <a:xfrm>
+          <a:off x="0" y="0"/>
+          <a:ext cx="0" cy="0"/>
+          <a:chOff x="0" y="0"/>
+          <a:chExt cx="0" cy="0"/>
+        </a:xfrm>
+      </p:grpSpPr>
+      <p:sp>
+        <p:nvSpPr>
+          <p:cNvPr id="2" name="Espaço Reservado para Imagem de Slide 1"/>
+          <p:cNvSpPr>
+            <a:spLocks noGrp="1" noRot="1" noChangeAspect="1"/>
+          </p:cNvSpPr>
+          <p:nvPr>
+            <p:ph type="sldImg"/>
+          </p:nvPr>
+        </p:nvSpPr>
+        <p:spPr/>
+      </p:sp>
+      <p:sp>
+        <p:nvSpPr>
+          <p:cNvPr id="3" name="Espaço Reservado para Anotações 2"/>
+          <p:cNvSpPr>
+            <a:spLocks noGrp="1"/>
+          </p:cNvSpPr>
+          <p:nvPr>
+            <p:ph type="body" idx="1"/>
+          </p:nvPr>
+        </p:nvSpPr>
+        <p:spPr/>
+        <p:txBody>
+          <a:bodyPr/>
+          <a:lstStyle/>
+          <a:p>
+            <a:endParaRPr lang="pt-BR"/>
+          </a:p>
+        </p:txBody>
+      </p:sp>
+      <p:sp>
+        <p:nvSpPr>
+          <p:cNvPr id="4" name="Espaço Reservado para Cabeçalho 3"/>
+          <p:cNvSpPr>
+            <a:spLocks noGrp="1"/>
+          </p:cNvSpPr>
+          <p:nvPr>
+            <p:ph type="hdr" sz="quarter" idx="10"/>
+          </p:nvPr>
+        </p:nvSpPr>
+        <p:spPr/>
+        <p:txBody>
+          <a:bodyPr/>
+          <a:lstStyle/>
+          <a:p>
+            <a:r>
+              <a:rPr lang="pt-BR" smtClean="0"/>
+              <a:t>Trabalho de Graduação - Lucas Oliveira</a:t>
+            </a:r>
+            <a:endParaRPr lang="pt-BR"/>
+          </a:p>
+        </p:txBody>
+      </p:sp>
+      <p:sp>
+        <p:nvSpPr>
+          <p:cNvPr id="6" name="Espaço Reservado para Data 5"/>
+          <p:cNvSpPr>
+            <a:spLocks noGrp="1"/>
+          </p:cNvSpPr>
+          <p:nvPr>
+            <p:ph type="dt" idx="12"/>
+          </p:nvPr>
+        </p:nvSpPr>
+        <p:spPr/>
+        <p:txBody>
+          <a:bodyPr/>
+          <a:lstStyle/>
+          <a:p>
+            <a:r>
+              <a:rPr lang="pt-BR" smtClean="0"/>
+              <a:t>16 de dezembro de 2013</a:t>
+            </a:r>
+            <a:endParaRPr lang="pt-BR"/>
+          </a:p>
+        </p:txBody>
+      </p:sp>
+    </p:spTree>
+    <p:extLst>
+      <p:ext uri="{BB962C8B-B14F-4D97-AF65-F5344CB8AC3E}">
+        <p14:creationId xmlns:p14="http://schemas.microsoft.com/office/powerpoint/2010/main" val="3767352597"/>
       </p:ext>
     </p:extLst>
   </p:cSld>
@@ -1150,19 +3196,11 @@
           <a:p>
             <a:r>
               <a:rPr lang="pt-BR" dirty="0" smtClean="0"/>
-              <a:t>Em </a:t>
-            </a:r>
-            <a:r>
-              <a:rPr lang="pt-BR" dirty="0" smtClean="0"/>
-              <a:t>1965, </a:t>
-            </a:r>
-            <a:r>
-              <a:rPr lang="pt-BR" dirty="0" smtClean="0"/>
-              <a:t>Gordon Moore, presidente</a:t>
+              <a:t>Desde que foi criada, sempre tentou-se obter mais da computação,</a:t>
             </a:r>
             <a:r>
               <a:rPr lang="pt-BR" baseline="0" dirty="0" smtClean="0"/>
-              <a:t> da Intel.</a:t>
+              <a:t> para tentar extrair todo o seu potencial.</a:t>
             </a:r>
             <a:endParaRPr lang="pt-BR" dirty="0"/>
           </a:p>
@@ -1185,31 +3223,31 @@
           <a:p>
             <a:r>
               <a:rPr lang="pt-BR" smtClean="0"/>
-              <a:t>Trabalho de Graduação - Lucas Sousa de Oliveira</a:t>
-            </a:r>
-            <a:endParaRPr lang="pt-BR"/>
-          </a:p>
-        </p:txBody>
-      </p:sp>
-      <p:sp>
-        <p:nvSpPr>
-          <p:cNvPr id="5" name="Espaço Reservado para Número de Slide 4"/>
-          <p:cNvSpPr>
-            <a:spLocks noGrp="1"/>
-          </p:cNvSpPr>
-          <p:nvPr>
-            <p:ph type="sldNum" sz="quarter" idx="11"/>
-          </p:nvPr>
-        </p:nvSpPr>
-        <p:spPr/>
-        <p:txBody>
-          <a:bodyPr/>
-          <a:lstStyle/>
-          <a:p>
-            <a:fld id="{1E44202D-4052-406C-9FDC-32FFB5B9FC5A}" type="slidenum">
-              <a:rPr lang="pt-BR" smtClean="0"/>
-              <a:t>4</a:t>
-            </a:fld>
+              <a:t>Trabalho de Graduação - Lucas Oliveira</a:t>
+            </a:r>
+            <a:endParaRPr lang="pt-BR"/>
+          </a:p>
+        </p:txBody>
+      </p:sp>
+      <p:sp>
+        <p:nvSpPr>
+          <p:cNvPr id="6" name="Espaço Reservado para Data 5"/>
+          <p:cNvSpPr>
+            <a:spLocks noGrp="1"/>
+          </p:cNvSpPr>
+          <p:nvPr>
+            <p:ph type="dt" idx="12"/>
+          </p:nvPr>
+        </p:nvSpPr>
+        <p:spPr/>
+        <p:txBody>
+          <a:bodyPr/>
+          <a:lstStyle/>
+          <a:p>
+            <a:r>
+              <a:rPr lang="pt-BR" smtClean="0"/>
+              <a:t>16 de dezembro de 2013</a:t>
+            </a:r>
             <a:endParaRPr lang="pt-BR"/>
           </a:p>
         </p:txBody>
@@ -1217,7 +3255,978 @@
     </p:spTree>
     <p:extLst>
       <p:ext uri="{BB962C8B-B14F-4D97-AF65-F5344CB8AC3E}">
-        <p14:creationId xmlns:p14="http://schemas.microsoft.com/office/powerpoint/2010/main" val="3974176555"/>
+        <p14:creationId xmlns:p14="http://schemas.microsoft.com/office/powerpoint/2010/main" val="3559366147"/>
+      </p:ext>
+    </p:extLst>
+  </p:cSld>
+  <p:clrMapOvr>
+    <a:masterClrMapping/>
+  </p:clrMapOvr>
+</p:notes>
+</file>
+
+<file path=ppt/notesSlides/notesSlide30.xml><?xml version="1.0" encoding="utf-8"?>
+<p:notes xmlns:a="http://schemas.openxmlformats.org/drawingml/2006/main" xmlns:r="http://schemas.openxmlformats.org/officeDocument/2006/relationships" xmlns:p="http://schemas.openxmlformats.org/presentationml/2006/main">
+  <p:cSld>
+    <p:spTree>
+      <p:nvGrpSpPr>
+        <p:cNvPr id="1" name=""/>
+        <p:cNvGrpSpPr/>
+        <p:nvPr/>
+      </p:nvGrpSpPr>
+      <p:grpSpPr>
+        <a:xfrm>
+          <a:off x="0" y="0"/>
+          <a:ext cx="0" cy="0"/>
+          <a:chOff x="0" y="0"/>
+          <a:chExt cx="0" cy="0"/>
+        </a:xfrm>
+      </p:grpSpPr>
+      <p:sp>
+        <p:nvSpPr>
+          <p:cNvPr id="2" name="Espaço Reservado para Imagem de Slide 1"/>
+          <p:cNvSpPr>
+            <a:spLocks noGrp="1" noRot="1" noChangeAspect="1"/>
+          </p:cNvSpPr>
+          <p:nvPr>
+            <p:ph type="sldImg"/>
+          </p:nvPr>
+        </p:nvSpPr>
+        <p:spPr/>
+      </p:sp>
+      <p:sp>
+        <p:nvSpPr>
+          <p:cNvPr id="3" name="Espaço Reservado para Anotações 2"/>
+          <p:cNvSpPr>
+            <a:spLocks noGrp="1"/>
+          </p:cNvSpPr>
+          <p:nvPr>
+            <p:ph type="body" idx="1"/>
+          </p:nvPr>
+        </p:nvSpPr>
+        <p:spPr/>
+        <p:txBody>
+          <a:bodyPr/>
+          <a:lstStyle/>
+          <a:p>
+            <a:r>
+              <a:rPr lang="pt-BR" dirty="0" smtClean="0"/>
+              <a:t>Nota-se o loop no estágio inicial.</a:t>
+            </a:r>
+            <a:r>
+              <a:rPr lang="pt-BR" baseline="0" dirty="0" smtClean="0"/>
+              <a:t> Apesar disso, tentou-se ignorar o requisito que liga a SDK ao ISE, mas isto gerou erros na definição do programa inicial.</a:t>
+            </a:r>
+            <a:endParaRPr lang="pt-BR" dirty="0"/>
+          </a:p>
+        </p:txBody>
+      </p:sp>
+      <p:sp>
+        <p:nvSpPr>
+          <p:cNvPr id="4" name="Espaço Reservado para Cabeçalho 3"/>
+          <p:cNvSpPr>
+            <a:spLocks noGrp="1"/>
+          </p:cNvSpPr>
+          <p:nvPr>
+            <p:ph type="hdr" sz="quarter" idx="10"/>
+          </p:nvPr>
+        </p:nvSpPr>
+        <p:spPr/>
+        <p:txBody>
+          <a:bodyPr/>
+          <a:lstStyle/>
+          <a:p>
+            <a:r>
+              <a:rPr lang="pt-BR" smtClean="0"/>
+              <a:t>Trabalho de Graduação - Lucas Oliveira</a:t>
+            </a:r>
+            <a:endParaRPr lang="pt-BR"/>
+          </a:p>
+        </p:txBody>
+      </p:sp>
+      <p:sp>
+        <p:nvSpPr>
+          <p:cNvPr id="6" name="Espaço Reservado para Data 5"/>
+          <p:cNvSpPr>
+            <a:spLocks noGrp="1"/>
+          </p:cNvSpPr>
+          <p:nvPr>
+            <p:ph type="dt" idx="12"/>
+          </p:nvPr>
+        </p:nvSpPr>
+        <p:spPr/>
+        <p:txBody>
+          <a:bodyPr/>
+          <a:lstStyle/>
+          <a:p>
+            <a:r>
+              <a:rPr lang="pt-BR" smtClean="0"/>
+              <a:t>16 de dezembro de 2013</a:t>
+            </a:r>
+            <a:endParaRPr lang="pt-BR"/>
+          </a:p>
+        </p:txBody>
+      </p:sp>
+    </p:spTree>
+    <p:extLst>
+      <p:ext uri="{BB962C8B-B14F-4D97-AF65-F5344CB8AC3E}">
+        <p14:creationId xmlns:p14="http://schemas.microsoft.com/office/powerpoint/2010/main" val="2812235418"/>
+      </p:ext>
+    </p:extLst>
+  </p:cSld>
+  <p:clrMapOvr>
+    <a:masterClrMapping/>
+  </p:clrMapOvr>
+</p:notes>
+</file>
+
+<file path=ppt/notesSlides/notesSlide31.xml><?xml version="1.0" encoding="utf-8"?>
+<p:notes xmlns:a="http://schemas.openxmlformats.org/drawingml/2006/main" xmlns:r="http://schemas.openxmlformats.org/officeDocument/2006/relationships" xmlns:p="http://schemas.openxmlformats.org/presentationml/2006/main">
+  <p:cSld>
+    <p:spTree>
+      <p:nvGrpSpPr>
+        <p:cNvPr id="1" name=""/>
+        <p:cNvGrpSpPr/>
+        <p:nvPr/>
+      </p:nvGrpSpPr>
+      <p:grpSpPr>
+        <a:xfrm>
+          <a:off x="0" y="0"/>
+          <a:ext cx="0" cy="0"/>
+          <a:chOff x="0" y="0"/>
+          <a:chExt cx="0" cy="0"/>
+        </a:xfrm>
+      </p:grpSpPr>
+      <p:sp>
+        <p:nvSpPr>
+          <p:cNvPr id="2" name="Espaço Reservado para Imagem de Slide 1"/>
+          <p:cNvSpPr>
+            <a:spLocks noGrp="1" noRot="1" noChangeAspect="1"/>
+          </p:cNvSpPr>
+          <p:nvPr>
+            <p:ph type="sldImg"/>
+          </p:nvPr>
+        </p:nvSpPr>
+        <p:spPr/>
+      </p:sp>
+      <p:sp>
+        <p:nvSpPr>
+          <p:cNvPr id="3" name="Espaço Reservado para Anotações 2"/>
+          <p:cNvSpPr>
+            <a:spLocks noGrp="1"/>
+          </p:cNvSpPr>
+          <p:nvPr>
+            <p:ph type="body" idx="1"/>
+          </p:nvPr>
+        </p:nvSpPr>
+        <p:spPr/>
+        <p:txBody>
+          <a:bodyPr/>
+          <a:lstStyle/>
+          <a:p>
+            <a:endParaRPr lang="pt-BR"/>
+          </a:p>
+        </p:txBody>
+      </p:sp>
+      <p:sp>
+        <p:nvSpPr>
+          <p:cNvPr id="4" name="Espaço Reservado para Cabeçalho 3"/>
+          <p:cNvSpPr>
+            <a:spLocks noGrp="1"/>
+          </p:cNvSpPr>
+          <p:nvPr>
+            <p:ph type="hdr" sz="quarter" idx="10"/>
+          </p:nvPr>
+        </p:nvSpPr>
+        <p:spPr/>
+        <p:txBody>
+          <a:bodyPr/>
+          <a:lstStyle/>
+          <a:p>
+            <a:r>
+              <a:rPr lang="pt-BR" smtClean="0"/>
+              <a:t>Trabalho de Graduação - Lucas Oliveira</a:t>
+            </a:r>
+            <a:endParaRPr lang="pt-BR"/>
+          </a:p>
+        </p:txBody>
+      </p:sp>
+      <p:sp>
+        <p:nvSpPr>
+          <p:cNvPr id="6" name="Espaço Reservado para Data 5"/>
+          <p:cNvSpPr>
+            <a:spLocks noGrp="1"/>
+          </p:cNvSpPr>
+          <p:nvPr>
+            <p:ph type="dt" idx="12"/>
+          </p:nvPr>
+        </p:nvSpPr>
+        <p:spPr/>
+        <p:txBody>
+          <a:bodyPr/>
+          <a:lstStyle/>
+          <a:p>
+            <a:r>
+              <a:rPr lang="pt-BR" smtClean="0"/>
+              <a:t>16 de dezembro de 2013</a:t>
+            </a:r>
+            <a:endParaRPr lang="pt-BR"/>
+          </a:p>
+        </p:txBody>
+      </p:sp>
+    </p:spTree>
+    <p:extLst>
+      <p:ext uri="{BB962C8B-B14F-4D97-AF65-F5344CB8AC3E}">
+        <p14:creationId xmlns:p14="http://schemas.microsoft.com/office/powerpoint/2010/main" val="268206510"/>
+      </p:ext>
+    </p:extLst>
+  </p:cSld>
+  <p:clrMapOvr>
+    <a:masterClrMapping/>
+  </p:clrMapOvr>
+</p:notes>
+</file>
+
+<file path=ppt/notesSlides/notesSlide32.xml><?xml version="1.0" encoding="utf-8"?>
+<p:notes xmlns:a="http://schemas.openxmlformats.org/drawingml/2006/main" xmlns:r="http://schemas.openxmlformats.org/officeDocument/2006/relationships" xmlns:p="http://schemas.openxmlformats.org/presentationml/2006/main">
+  <p:cSld>
+    <p:spTree>
+      <p:nvGrpSpPr>
+        <p:cNvPr id="1" name=""/>
+        <p:cNvGrpSpPr/>
+        <p:nvPr/>
+      </p:nvGrpSpPr>
+      <p:grpSpPr>
+        <a:xfrm>
+          <a:off x="0" y="0"/>
+          <a:ext cx="0" cy="0"/>
+          <a:chOff x="0" y="0"/>
+          <a:chExt cx="0" cy="0"/>
+        </a:xfrm>
+      </p:grpSpPr>
+      <p:sp>
+        <p:nvSpPr>
+          <p:cNvPr id="2" name="Espaço Reservado para Imagem de Slide 1"/>
+          <p:cNvSpPr>
+            <a:spLocks noGrp="1" noRot="1" noChangeAspect="1"/>
+          </p:cNvSpPr>
+          <p:nvPr>
+            <p:ph type="sldImg"/>
+          </p:nvPr>
+        </p:nvSpPr>
+        <p:spPr/>
+      </p:sp>
+      <p:sp>
+        <p:nvSpPr>
+          <p:cNvPr id="3" name="Espaço Reservado para Anotações 2"/>
+          <p:cNvSpPr>
+            <a:spLocks noGrp="1"/>
+          </p:cNvSpPr>
+          <p:nvPr>
+            <p:ph type="body" idx="1"/>
+          </p:nvPr>
+        </p:nvSpPr>
+        <p:spPr/>
+        <p:txBody>
+          <a:bodyPr/>
+          <a:lstStyle/>
+          <a:p>
+            <a:endParaRPr lang="pt-BR"/>
+          </a:p>
+        </p:txBody>
+      </p:sp>
+      <p:sp>
+        <p:nvSpPr>
+          <p:cNvPr id="4" name="Espaço Reservado para Cabeçalho 3"/>
+          <p:cNvSpPr>
+            <a:spLocks noGrp="1"/>
+          </p:cNvSpPr>
+          <p:nvPr>
+            <p:ph type="hdr" sz="quarter" idx="10"/>
+          </p:nvPr>
+        </p:nvSpPr>
+        <p:spPr/>
+        <p:txBody>
+          <a:bodyPr/>
+          <a:lstStyle/>
+          <a:p>
+            <a:r>
+              <a:rPr lang="pt-BR" smtClean="0"/>
+              <a:t>Trabalho de Graduação - Lucas Oliveira</a:t>
+            </a:r>
+            <a:endParaRPr lang="pt-BR"/>
+          </a:p>
+        </p:txBody>
+      </p:sp>
+      <p:sp>
+        <p:nvSpPr>
+          <p:cNvPr id="6" name="Espaço Reservado para Data 5"/>
+          <p:cNvSpPr>
+            <a:spLocks noGrp="1"/>
+          </p:cNvSpPr>
+          <p:nvPr>
+            <p:ph type="dt" idx="12"/>
+          </p:nvPr>
+        </p:nvSpPr>
+        <p:spPr/>
+        <p:txBody>
+          <a:bodyPr/>
+          <a:lstStyle/>
+          <a:p>
+            <a:r>
+              <a:rPr lang="pt-BR" smtClean="0"/>
+              <a:t>16 de dezembro de 2013</a:t>
+            </a:r>
+            <a:endParaRPr lang="pt-BR"/>
+          </a:p>
+        </p:txBody>
+      </p:sp>
+    </p:spTree>
+    <p:extLst>
+      <p:ext uri="{BB962C8B-B14F-4D97-AF65-F5344CB8AC3E}">
+        <p14:creationId xmlns:p14="http://schemas.microsoft.com/office/powerpoint/2010/main" val="3384860820"/>
+      </p:ext>
+    </p:extLst>
+  </p:cSld>
+  <p:clrMapOvr>
+    <a:masterClrMapping/>
+  </p:clrMapOvr>
+</p:notes>
+</file>
+
+<file path=ppt/notesSlides/notesSlide33.xml><?xml version="1.0" encoding="utf-8"?>
+<p:notes xmlns:a="http://schemas.openxmlformats.org/drawingml/2006/main" xmlns:r="http://schemas.openxmlformats.org/officeDocument/2006/relationships" xmlns:p="http://schemas.openxmlformats.org/presentationml/2006/main">
+  <p:cSld>
+    <p:spTree>
+      <p:nvGrpSpPr>
+        <p:cNvPr id="1" name=""/>
+        <p:cNvGrpSpPr/>
+        <p:nvPr/>
+      </p:nvGrpSpPr>
+      <p:grpSpPr>
+        <a:xfrm>
+          <a:off x="0" y="0"/>
+          <a:ext cx="0" cy="0"/>
+          <a:chOff x="0" y="0"/>
+          <a:chExt cx="0" cy="0"/>
+        </a:xfrm>
+      </p:grpSpPr>
+      <p:sp>
+        <p:nvSpPr>
+          <p:cNvPr id="2" name="Espaço Reservado para Imagem de Slide 1"/>
+          <p:cNvSpPr>
+            <a:spLocks noGrp="1" noRot="1" noChangeAspect="1"/>
+          </p:cNvSpPr>
+          <p:nvPr>
+            <p:ph type="sldImg"/>
+          </p:nvPr>
+        </p:nvSpPr>
+        <p:spPr/>
+      </p:sp>
+      <p:sp>
+        <p:nvSpPr>
+          <p:cNvPr id="3" name="Espaço Reservado para Anotações 2"/>
+          <p:cNvSpPr>
+            <a:spLocks noGrp="1"/>
+          </p:cNvSpPr>
+          <p:nvPr>
+            <p:ph type="body" idx="1"/>
+          </p:nvPr>
+        </p:nvSpPr>
+        <p:spPr/>
+        <p:txBody>
+          <a:bodyPr/>
+          <a:lstStyle/>
+          <a:p>
+            <a:endParaRPr lang="pt-BR"/>
+          </a:p>
+        </p:txBody>
+      </p:sp>
+      <p:sp>
+        <p:nvSpPr>
+          <p:cNvPr id="4" name="Espaço Reservado para Cabeçalho 3"/>
+          <p:cNvSpPr>
+            <a:spLocks noGrp="1"/>
+          </p:cNvSpPr>
+          <p:nvPr>
+            <p:ph type="hdr" sz="quarter" idx="10"/>
+          </p:nvPr>
+        </p:nvSpPr>
+        <p:spPr/>
+        <p:txBody>
+          <a:bodyPr/>
+          <a:lstStyle/>
+          <a:p>
+            <a:r>
+              <a:rPr lang="pt-BR" smtClean="0"/>
+              <a:t>Trabalho de Graduação - Lucas Oliveira</a:t>
+            </a:r>
+            <a:endParaRPr lang="pt-BR"/>
+          </a:p>
+        </p:txBody>
+      </p:sp>
+      <p:sp>
+        <p:nvSpPr>
+          <p:cNvPr id="6" name="Espaço Reservado para Data 5"/>
+          <p:cNvSpPr>
+            <a:spLocks noGrp="1"/>
+          </p:cNvSpPr>
+          <p:nvPr>
+            <p:ph type="dt" idx="12"/>
+          </p:nvPr>
+        </p:nvSpPr>
+        <p:spPr/>
+        <p:txBody>
+          <a:bodyPr/>
+          <a:lstStyle/>
+          <a:p>
+            <a:r>
+              <a:rPr lang="pt-BR" smtClean="0"/>
+              <a:t>16 de dezembro de 2013</a:t>
+            </a:r>
+            <a:endParaRPr lang="pt-BR"/>
+          </a:p>
+        </p:txBody>
+      </p:sp>
+    </p:spTree>
+    <p:extLst>
+      <p:ext uri="{BB962C8B-B14F-4D97-AF65-F5344CB8AC3E}">
+        <p14:creationId xmlns:p14="http://schemas.microsoft.com/office/powerpoint/2010/main" val="237899986"/>
+      </p:ext>
+    </p:extLst>
+  </p:cSld>
+  <p:clrMapOvr>
+    <a:masterClrMapping/>
+  </p:clrMapOvr>
+</p:notes>
+</file>
+
+<file path=ppt/notesSlides/notesSlide34.xml><?xml version="1.0" encoding="utf-8"?>
+<p:notes xmlns:a="http://schemas.openxmlformats.org/drawingml/2006/main" xmlns:r="http://schemas.openxmlformats.org/officeDocument/2006/relationships" xmlns:p="http://schemas.openxmlformats.org/presentationml/2006/main">
+  <p:cSld>
+    <p:spTree>
+      <p:nvGrpSpPr>
+        <p:cNvPr id="1" name=""/>
+        <p:cNvGrpSpPr/>
+        <p:nvPr/>
+      </p:nvGrpSpPr>
+      <p:grpSpPr>
+        <a:xfrm>
+          <a:off x="0" y="0"/>
+          <a:ext cx="0" cy="0"/>
+          <a:chOff x="0" y="0"/>
+          <a:chExt cx="0" cy="0"/>
+        </a:xfrm>
+      </p:grpSpPr>
+      <p:sp>
+        <p:nvSpPr>
+          <p:cNvPr id="2" name="Espaço Reservado para Imagem de Slide 1"/>
+          <p:cNvSpPr>
+            <a:spLocks noGrp="1" noRot="1" noChangeAspect="1"/>
+          </p:cNvSpPr>
+          <p:nvPr>
+            <p:ph type="sldImg"/>
+          </p:nvPr>
+        </p:nvSpPr>
+        <p:spPr/>
+      </p:sp>
+      <p:sp>
+        <p:nvSpPr>
+          <p:cNvPr id="3" name="Espaço Reservado para Anotações 2"/>
+          <p:cNvSpPr>
+            <a:spLocks noGrp="1"/>
+          </p:cNvSpPr>
+          <p:nvPr>
+            <p:ph type="body" idx="1"/>
+          </p:nvPr>
+        </p:nvSpPr>
+        <p:spPr/>
+        <p:txBody>
+          <a:bodyPr/>
+          <a:lstStyle/>
+          <a:p>
+            <a:endParaRPr lang="pt-BR"/>
+          </a:p>
+        </p:txBody>
+      </p:sp>
+      <p:sp>
+        <p:nvSpPr>
+          <p:cNvPr id="4" name="Espaço Reservado para Cabeçalho 3"/>
+          <p:cNvSpPr>
+            <a:spLocks noGrp="1"/>
+          </p:cNvSpPr>
+          <p:nvPr>
+            <p:ph type="hdr" sz="quarter" idx="10"/>
+          </p:nvPr>
+        </p:nvSpPr>
+        <p:spPr/>
+        <p:txBody>
+          <a:bodyPr/>
+          <a:lstStyle/>
+          <a:p>
+            <a:r>
+              <a:rPr lang="pt-BR" smtClean="0"/>
+              <a:t>Trabalho de Graduação - Lucas Oliveira</a:t>
+            </a:r>
+            <a:endParaRPr lang="pt-BR"/>
+          </a:p>
+        </p:txBody>
+      </p:sp>
+      <p:sp>
+        <p:nvSpPr>
+          <p:cNvPr id="6" name="Espaço Reservado para Data 5"/>
+          <p:cNvSpPr>
+            <a:spLocks noGrp="1"/>
+          </p:cNvSpPr>
+          <p:nvPr>
+            <p:ph type="dt" idx="12"/>
+          </p:nvPr>
+        </p:nvSpPr>
+        <p:spPr/>
+        <p:txBody>
+          <a:bodyPr/>
+          <a:lstStyle/>
+          <a:p>
+            <a:r>
+              <a:rPr lang="pt-BR" smtClean="0"/>
+              <a:t>16 de dezembro de 2013</a:t>
+            </a:r>
+            <a:endParaRPr lang="pt-BR"/>
+          </a:p>
+        </p:txBody>
+      </p:sp>
+    </p:spTree>
+    <p:extLst>
+      <p:ext uri="{BB962C8B-B14F-4D97-AF65-F5344CB8AC3E}">
+        <p14:creationId xmlns:p14="http://schemas.microsoft.com/office/powerpoint/2010/main" val="352818999"/>
+      </p:ext>
+    </p:extLst>
+  </p:cSld>
+  <p:clrMapOvr>
+    <a:masterClrMapping/>
+  </p:clrMapOvr>
+</p:notes>
+</file>
+
+<file path=ppt/notesSlides/notesSlide35.xml><?xml version="1.0" encoding="utf-8"?>
+<p:notes xmlns:a="http://schemas.openxmlformats.org/drawingml/2006/main" xmlns:r="http://schemas.openxmlformats.org/officeDocument/2006/relationships" xmlns:p="http://schemas.openxmlformats.org/presentationml/2006/main">
+  <p:cSld>
+    <p:spTree>
+      <p:nvGrpSpPr>
+        <p:cNvPr id="1" name=""/>
+        <p:cNvGrpSpPr/>
+        <p:nvPr/>
+      </p:nvGrpSpPr>
+      <p:grpSpPr>
+        <a:xfrm>
+          <a:off x="0" y="0"/>
+          <a:ext cx="0" cy="0"/>
+          <a:chOff x="0" y="0"/>
+          <a:chExt cx="0" cy="0"/>
+        </a:xfrm>
+      </p:grpSpPr>
+      <p:sp>
+        <p:nvSpPr>
+          <p:cNvPr id="2" name="Espaço Reservado para Imagem de Slide 1"/>
+          <p:cNvSpPr>
+            <a:spLocks noGrp="1" noRot="1" noChangeAspect="1"/>
+          </p:cNvSpPr>
+          <p:nvPr>
+            <p:ph type="sldImg"/>
+          </p:nvPr>
+        </p:nvSpPr>
+        <p:spPr/>
+      </p:sp>
+      <p:sp>
+        <p:nvSpPr>
+          <p:cNvPr id="3" name="Espaço Reservado para Anotações 2"/>
+          <p:cNvSpPr>
+            <a:spLocks noGrp="1"/>
+          </p:cNvSpPr>
+          <p:nvPr>
+            <p:ph type="body" idx="1"/>
+          </p:nvPr>
+        </p:nvSpPr>
+        <p:spPr/>
+        <p:txBody>
+          <a:bodyPr/>
+          <a:lstStyle/>
+          <a:p>
+            <a:endParaRPr lang="pt-BR"/>
+          </a:p>
+        </p:txBody>
+      </p:sp>
+      <p:sp>
+        <p:nvSpPr>
+          <p:cNvPr id="4" name="Espaço Reservado para Cabeçalho 3"/>
+          <p:cNvSpPr>
+            <a:spLocks noGrp="1"/>
+          </p:cNvSpPr>
+          <p:nvPr>
+            <p:ph type="hdr" sz="quarter" idx="10"/>
+          </p:nvPr>
+        </p:nvSpPr>
+        <p:spPr/>
+        <p:txBody>
+          <a:bodyPr/>
+          <a:lstStyle/>
+          <a:p>
+            <a:r>
+              <a:rPr lang="pt-BR" smtClean="0"/>
+              <a:t>Trabalho de Graduação - Lucas Oliveira</a:t>
+            </a:r>
+            <a:endParaRPr lang="pt-BR"/>
+          </a:p>
+        </p:txBody>
+      </p:sp>
+      <p:sp>
+        <p:nvSpPr>
+          <p:cNvPr id="6" name="Espaço Reservado para Data 5"/>
+          <p:cNvSpPr>
+            <a:spLocks noGrp="1"/>
+          </p:cNvSpPr>
+          <p:nvPr>
+            <p:ph type="dt" idx="12"/>
+          </p:nvPr>
+        </p:nvSpPr>
+        <p:spPr/>
+        <p:txBody>
+          <a:bodyPr/>
+          <a:lstStyle/>
+          <a:p>
+            <a:r>
+              <a:rPr lang="pt-BR" smtClean="0"/>
+              <a:t>16 de dezembro de 2013</a:t>
+            </a:r>
+            <a:endParaRPr lang="pt-BR"/>
+          </a:p>
+        </p:txBody>
+      </p:sp>
+    </p:spTree>
+    <p:extLst>
+      <p:ext uri="{BB962C8B-B14F-4D97-AF65-F5344CB8AC3E}">
+        <p14:creationId xmlns:p14="http://schemas.microsoft.com/office/powerpoint/2010/main" val="3266695840"/>
+      </p:ext>
+    </p:extLst>
+  </p:cSld>
+  <p:clrMapOvr>
+    <a:masterClrMapping/>
+  </p:clrMapOvr>
+</p:notes>
+</file>
+
+<file path=ppt/notesSlides/notesSlide36.xml><?xml version="1.0" encoding="utf-8"?>
+<p:notes xmlns:a="http://schemas.openxmlformats.org/drawingml/2006/main" xmlns:r="http://schemas.openxmlformats.org/officeDocument/2006/relationships" xmlns:p="http://schemas.openxmlformats.org/presentationml/2006/main">
+  <p:cSld>
+    <p:spTree>
+      <p:nvGrpSpPr>
+        <p:cNvPr id="1" name=""/>
+        <p:cNvGrpSpPr/>
+        <p:nvPr/>
+      </p:nvGrpSpPr>
+      <p:grpSpPr>
+        <a:xfrm>
+          <a:off x="0" y="0"/>
+          <a:ext cx="0" cy="0"/>
+          <a:chOff x="0" y="0"/>
+          <a:chExt cx="0" cy="0"/>
+        </a:xfrm>
+      </p:grpSpPr>
+      <p:sp>
+        <p:nvSpPr>
+          <p:cNvPr id="2" name="Espaço Reservado para Imagem de Slide 1"/>
+          <p:cNvSpPr>
+            <a:spLocks noGrp="1" noRot="1" noChangeAspect="1"/>
+          </p:cNvSpPr>
+          <p:nvPr>
+            <p:ph type="sldImg"/>
+          </p:nvPr>
+        </p:nvSpPr>
+        <p:spPr/>
+      </p:sp>
+      <p:sp>
+        <p:nvSpPr>
+          <p:cNvPr id="3" name="Espaço Reservado para Anotações 2"/>
+          <p:cNvSpPr>
+            <a:spLocks noGrp="1"/>
+          </p:cNvSpPr>
+          <p:nvPr>
+            <p:ph type="body" idx="1"/>
+          </p:nvPr>
+        </p:nvSpPr>
+        <p:spPr/>
+        <p:txBody>
+          <a:bodyPr/>
+          <a:lstStyle/>
+          <a:p>
+            <a:endParaRPr lang="pt-BR"/>
+          </a:p>
+        </p:txBody>
+      </p:sp>
+      <p:sp>
+        <p:nvSpPr>
+          <p:cNvPr id="4" name="Espaço Reservado para Cabeçalho 3"/>
+          <p:cNvSpPr>
+            <a:spLocks noGrp="1"/>
+          </p:cNvSpPr>
+          <p:nvPr>
+            <p:ph type="hdr" sz="quarter" idx="10"/>
+          </p:nvPr>
+        </p:nvSpPr>
+        <p:spPr/>
+        <p:txBody>
+          <a:bodyPr/>
+          <a:lstStyle/>
+          <a:p>
+            <a:r>
+              <a:rPr lang="pt-BR" smtClean="0"/>
+              <a:t>Trabalho de Graduação - Lucas Oliveira</a:t>
+            </a:r>
+            <a:endParaRPr lang="pt-BR"/>
+          </a:p>
+        </p:txBody>
+      </p:sp>
+      <p:sp>
+        <p:nvSpPr>
+          <p:cNvPr id="6" name="Espaço Reservado para Data 5"/>
+          <p:cNvSpPr>
+            <a:spLocks noGrp="1"/>
+          </p:cNvSpPr>
+          <p:nvPr>
+            <p:ph type="dt" idx="12"/>
+          </p:nvPr>
+        </p:nvSpPr>
+        <p:spPr/>
+        <p:txBody>
+          <a:bodyPr/>
+          <a:lstStyle/>
+          <a:p>
+            <a:r>
+              <a:rPr lang="pt-BR" smtClean="0"/>
+              <a:t>16 de dezembro de 2013</a:t>
+            </a:r>
+            <a:endParaRPr lang="pt-BR"/>
+          </a:p>
+        </p:txBody>
+      </p:sp>
+    </p:spTree>
+    <p:extLst>
+      <p:ext uri="{BB962C8B-B14F-4D97-AF65-F5344CB8AC3E}">
+        <p14:creationId xmlns:p14="http://schemas.microsoft.com/office/powerpoint/2010/main" val="920746731"/>
+      </p:ext>
+    </p:extLst>
+  </p:cSld>
+  <p:clrMapOvr>
+    <a:masterClrMapping/>
+  </p:clrMapOvr>
+</p:notes>
+</file>
+
+<file path=ppt/notesSlides/notesSlide37.xml><?xml version="1.0" encoding="utf-8"?>
+<p:notes xmlns:a="http://schemas.openxmlformats.org/drawingml/2006/main" xmlns:r="http://schemas.openxmlformats.org/officeDocument/2006/relationships" xmlns:p="http://schemas.openxmlformats.org/presentationml/2006/main">
+  <p:cSld>
+    <p:spTree>
+      <p:nvGrpSpPr>
+        <p:cNvPr id="1" name=""/>
+        <p:cNvGrpSpPr/>
+        <p:nvPr/>
+      </p:nvGrpSpPr>
+      <p:grpSpPr>
+        <a:xfrm>
+          <a:off x="0" y="0"/>
+          <a:ext cx="0" cy="0"/>
+          <a:chOff x="0" y="0"/>
+          <a:chExt cx="0" cy="0"/>
+        </a:xfrm>
+      </p:grpSpPr>
+      <p:sp>
+        <p:nvSpPr>
+          <p:cNvPr id="2" name="Espaço Reservado para Imagem de Slide 1"/>
+          <p:cNvSpPr>
+            <a:spLocks noGrp="1" noRot="1" noChangeAspect="1"/>
+          </p:cNvSpPr>
+          <p:nvPr>
+            <p:ph type="sldImg"/>
+          </p:nvPr>
+        </p:nvSpPr>
+        <p:spPr/>
+      </p:sp>
+      <p:sp>
+        <p:nvSpPr>
+          <p:cNvPr id="3" name="Espaço Reservado para Anotações 2"/>
+          <p:cNvSpPr>
+            <a:spLocks noGrp="1"/>
+          </p:cNvSpPr>
+          <p:nvPr>
+            <p:ph type="body" idx="1"/>
+          </p:nvPr>
+        </p:nvSpPr>
+        <p:spPr/>
+        <p:txBody>
+          <a:bodyPr/>
+          <a:lstStyle/>
+          <a:p>
+            <a:endParaRPr lang="pt-BR"/>
+          </a:p>
+        </p:txBody>
+      </p:sp>
+      <p:sp>
+        <p:nvSpPr>
+          <p:cNvPr id="4" name="Espaço Reservado para Cabeçalho 3"/>
+          <p:cNvSpPr>
+            <a:spLocks noGrp="1"/>
+          </p:cNvSpPr>
+          <p:nvPr>
+            <p:ph type="hdr" sz="quarter" idx="10"/>
+          </p:nvPr>
+        </p:nvSpPr>
+        <p:spPr/>
+        <p:txBody>
+          <a:bodyPr/>
+          <a:lstStyle/>
+          <a:p>
+            <a:r>
+              <a:rPr lang="pt-BR" smtClean="0"/>
+              <a:t>Trabalho de Graduação - Lucas Oliveira</a:t>
+            </a:r>
+            <a:endParaRPr lang="pt-BR"/>
+          </a:p>
+        </p:txBody>
+      </p:sp>
+      <p:sp>
+        <p:nvSpPr>
+          <p:cNvPr id="6" name="Espaço Reservado para Data 5"/>
+          <p:cNvSpPr>
+            <a:spLocks noGrp="1"/>
+          </p:cNvSpPr>
+          <p:nvPr>
+            <p:ph type="dt" idx="12"/>
+          </p:nvPr>
+        </p:nvSpPr>
+        <p:spPr/>
+        <p:txBody>
+          <a:bodyPr/>
+          <a:lstStyle/>
+          <a:p>
+            <a:r>
+              <a:rPr lang="pt-BR" smtClean="0"/>
+              <a:t>16 de dezembro de 2013</a:t>
+            </a:r>
+            <a:endParaRPr lang="pt-BR"/>
+          </a:p>
+        </p:txBody>
+      </p:sp>
+    </p:spTree>
+    <p:extLst>
+      <p:ext uri="{BB962C8B-B14F-4D97-AF65-F5344CB8AC3E}">
+        <p14:creationId xmlns:p14="http://schemas.microsoft.com/office/powerpoint/2010/main" val="1353118546"/>
+      </p:ext>
+    </p:extLst>
+  </p:cSld>
+  <p:clrMapOvr>
+    <a:masterClrMapping/>
+  </p:clrMapOvr>
+</p:notes>
+</file>
+
+<file path=ppt/notesSlides/notesSlide38.xml><?xml version="1.0" encoding="utf-8"?>
+<p:notes xmlns:a="http://schemas.openxmlformats.org/drawingml/2006/main" xmlns:r="http://schemas.openxmlformats.org/officeDocument/2006/relationships" xmlns:p="http://schemas.openxmlformats.org/presentationml/2006/main">
+  <p:cSld>
+    <p:spTree>
+      <p:nvGrpSpPr>
+        <p:cNvPr id="1" name=""/>
+        <p:cNvGrpSpPr/>
+        <p:nvPr/>
+      </p:nvGrpSpPr>
+      <p:grpSpPr>
+        <a:xfrm>
+          <a:off x="0" y="0"/>
+          <a:ext cx="0" cy="0"/>
+          <a:chOff x="0" y="0"/>
+          <a:chExt cx="0" cy="0"/>
+        </a:xfrm>
+      </p:grpSpPr>
+      <p:sp>
+        <p:nvSpPr>
+          <p:cNvPr id="2" name="Espaço Reservado para Imagem de Slide 1"/>
+          <p:cNvSpPr>
+            <a:spLocks noGrp="1" noRot="1" noChangeAspect="1"/>
+          </p:cNvSpPr>
+          <p:nvPr>
+            <p:ph type="sldImg"/>
+          </p:nvPr>
+        </p:nvSpPr>
+        <p:spPr/>
+      </p:sp>
+      <p:sp>
+        <p:nvSpPr>
+          <p:cNvPr id="3" name="Espaço Reservado para Anotações 2"/>
+          <p:cNvSpPr>
+            <a:spLocks noGrp="1"/>
+          </p:cNvSpPr>
+          <p:nvPr>
+            <p:ph type="body" idx="1"/>
+          </p:nvPr>
+        </p:nvSpPr>
+        <p:spPr/>
+        <p:txBody>
+          <a:bodyPr/>
+          <a:lstStyle/>
+          <a:p>
+            <a:endParaRPr lang="pt-BR"/>
+          </a:p>
+        </p:txBody>
+      </p:sp>
+      <p:sp>
+        <p:nvSpPr>
+          <p:cNvPr id="4" name="Espaço Reservado para Cabeçalho 3"/>
+          <p:cNvSpPr>
+            <a:spLocks noGrp="1"/>
+          </p:cNvSpPr>
+          <p:nvPr>
+            <p:ph type="hdr" sz="quarter" idx="10"/>
+          </p:nvPr>
+        </p:nvSpPr>
+        <p:spPr/>
+        <p:txBody>
+          <a:bodyPr/>
+          <a:lstStyle/>
+          <a:p>
+            <a:r>
+              <a:rPr lang="pt-BR" smtClean="0"/>
+              <a:t>Trabalho de Graduação - Lucas Oliveira</a:t>
+            </a:r>
+            <a:endParaRPr lang="pt-BR"/>
+          </a:p>
+        </p:txBody>
+      </p:sp>
+      <p:sp>
+        <p:nvSpPr>
+          <p:cNvPr id="6" name="Espaço Reservado para Data 5"/>
+          <p:cNvSpPr>
+            <a:spLocks noGrp="1"/>
+          </p:cNvSpPr>
+          <p:nvPr>
+            <p:ph type="dt" idx="12"/>
+          </p:nvPr>
+        </p:nvSpPr>
+        <p:spPr/>
+        <p:txBody>
+          <a:bodyPr/>
+          <a:lstStyle/>
+          <a:p>
+            <a:r>
+              <a:rPr lang="pt-BR" smtClean="0"/>
+              <a:t>16 de dezembro de 2013</a:t>
+            </a:r>
+            <a:endParaRPr lang="pt-BR"/>
+          </a:p>
+        </p:txBody>
+      </p:sp>
+    </p:spTree>
+    <p:extLst>
+      <p:ext uri="{BB962C8B-B14F-4D97-AF65-F5344CB8AC3E}">
+        <p14:creationId xmlns:p14="http://schemas.microsoft.com/office/powerpoint/2010/main" val="1231913858"/>
       </p:ext>
     </p:extLst>
   </p:cSld>
@@ -1273,53 +4282,21 @@
           <a:p>
             <a:r>
               <a:rPr lang="pt-BR" dirty="0" smtClean="0"/>
-              <a:t>1962</a:t>
+              <a:t>Em </a:t>
+            </a:r>
+            <a:r>
+              <a:rPr lang="pt-BR" dirty="0" smtClean="0"/>
+              <a:t>1965, </a:t>
+            </a:r>
+            <a:r>
+              <a:rPr lang="pt-BR" dirty="0" smtClean="0"/>
+              <a:t>Gordon Moore, presidente</a:t>
             </a:r>
             <a:r>
               <a:rPr lang="pt-BR" baseline="0" dirty="0" smtClean="0"/>
-              <a:t>, </a:t>
-            </a:r>
-            <a:r>
-              <a:rPr lang="pt-BR" sz="1200" b="0" i="0" u="none" strike="noStrike" kern="1200" baseline="0" dirty="0" smtClean="0">
-                <a:solidFill>
-                  <a:schemeClr val="tx1"/>
-                </a:solidFill>
-                <a:latin typeface="+mn-lt"/>
-                <a:ea typeface="+mn-ea"/>
-                <a:cs typeface="+mn-cs"/>
-              </a:rPr>
-              <a:t>Gerald </a:t>
-            </a:r>
-            <a:r>
-              <a:rPr lang="pt-BR" sz="1200" b="0" i="0" u="none" strike="noStrike" kern="1200" baseline="0" dirty="0" err="1" smtClean="0">
-                <a:solidFill>
-                  <a:schemeClr val="tx1"/>
-                </a:solidFill>
-                <a:latin typeface="+mn-lt"/>
-                <a:ea typeface="+mn-ea"/>
-                <a:cs typeface="+mn-cs"/>
-              </a:rPr>
-              <a:t>Estrin</a:t>
-            </a:r>
-            <a:r>
-              <a:rPr lang="pt-BR" sz="1200" b="0" i="0" u="none" strike="noStrike" kern="1200" baseline="0" dirty="0" smtClean="0">
-                <a:solidFill>
-                  <a:schemeClr val="tx1"/>
-                </a:solidFill>
-                <a:latin typeface="+mn-lt"/>
-                <a:ea typeface="+mn-ea"/>
-                <a:cs typeface="+mn-cs"/>
-              </a:rPr>
-              <a:t>. Introduziu o conceito de computação reconfigurável, abrindo portas para uma gama gigantesca de aplicações.</a:t>
-            </a:r>
-            <a:endParaRPr lang="pt-BR" sz="1200" b="0" i="0" u="sng" strike="noStrike" kern="1200" baseline="0" dirty="0" smtClean="0">
-              <a:solidFill>
-                <a:schemeClr val="tx1"/>
-              </a:solidFill>
-              <a:latin typeface="+mn-lt"/>
-              <a:ea typeface="+mn-ea"/>
-              <a:cs typeface="+mn-cs"/>
-            </a:endParaRPr>
+              <a:t> da Intel.</a:t>
+            </a:r>
+            <a:endParaRPr lang="pt-BR" dirty="0"/>
           </a:p>
         </p:txBody>
       </p:sp>
@@ -1340,31 +4317,31 @@
           <a:p>
             <a:r>
               <a:rPr lang="pt-BR" smtClean="0"/>
-              <a:t>Trabalho de Graduação - Lucas Sousa de Oliveira</a:t>
-            </a:r>
-            <a:endParaRPr lang="pt-BR"/>
-          </a:p>
-        </p:txBody>
-      </p:sp>
-      <p:sp>
-        <p:nvSpPr>
-          <p:cNvPr id="5" name="Espaço Reservado para Número de Slide 4"/>
-          <p:cNvSpPr>
-            <a:spLocks noGrp="1"/>
-          </p:cNvSpPr>
-          <p:nvPr>
-            <p:ph type="sldNum" sz="quarter" idx="11"/>
-          </p:nvPr>
-        </p:nvSpPr>
-        <p:spPr/>
-        <p:txBody>
-          <a:bodyPr/>
-          <a:lstStyle/>
-          <a:p>
-            <a:fld id="{1E44202D-4052-406C-9FDC-32FFB5B9FC5A}" type="slidenum">
-              <a:rPr lang="pt-BR" smtClean="0"/>
-              <a:t>5</a:t>
-            </a:fld>
+              <a:t>Trabalho de Graduação - Lucas Oliveira</a:t>
+            </a:r>
+            <a:endParaRPr lang="pt-BR"/>
+          </a:p>
+        </p:txBody>
+      </p:sp>
+      <p:sp>
+        <p:nvSpPr>
+          <p:cNvPr id="6" name="Espaço Reservado para Data 5"/>
+          <p:cNvSpPr>
+            <a:spLocks noGrp="1"/>
+          </p:cNvSpPr>
+          <p:nvPr>
+            <p:ph type="dt" idx="12"/>
+          </p:nvPr>
+        </p:nvSpPr>
+        <p:spPr/>
+        <p:txBody>
+          <a:bodyPr/>
+          <a:lstStyle/>
+          <a:p>
+            <a:r>
+              <a:rPr lang="pt-BR" smtClean="0"/>
+              <a:t>16 de dezembro de 2013</a:t>
+            </a:r>
             <a:endParaRPr lang="pt-BR"/>
           </a:p>
         </p:txBody>
@@ -1372,7 +4349,7 @@
     </p:spTree>
     <p:extLst>
       <p:ext uri="{BB962C8B-B14F-4D97-AF65-F5344CB8AC3E}">
-        <p14:creationId xmlns:p14="http://schemas.microsoft.com/office/powerpoint/2010/main" val="3554098737"/>
+        <p14:creationId xmlns:p14="http://schemas.microsoft.com/office/powerpoint/2010/main" val="3974176555"/>
       </p:ext>
     </p:extLst>
   </p:cSld>
@@ -1427,6 +4404,14 @@
           <a:lstStyle/>
           <a:p>
             <a:r>
+              <a:rPr lang="pt-BR" dirty="0" smtClean="0"/>
+              <a:t>1962</a:t>
+            </a:r>
+            <a:r>
+              <a:rPr lang="pt-BR" baseline="0" dirty="0" smtClean="0"/>
+              <a:t>, </a:t>
+            </a:r>
+            <a:r>
               <a:rPr lang="pt-BR" sz="1200" b="0" i="0" u="none" strike="noStrike" kern="1200" baseline="0" dirty="0" smtClean="0">
                 <a:solidFill>
                   <a:schemeClr val="tx1"/>
@@ -1435,20 +4420,19 @@
                 <a:ea typeface="+mn-ea"/>
                 <a:cs typeface="+mn-cs"/>
               </a:rPr>
-              <a:t>Hoje, a FPGA é o dispositivo mais utilizado na computação reconfigurável. Ela está presente em muitas coisas. </a:t>
-            </a:r>
-          </a:p>
-          <a:p>
-            <a:endParaRPr lang="pt-BR" sz="1200" b="0" i="0" u="none" strike="noStrike" kern="1200" baseline="0" dirty="0" smtClean="0">
-              <a:solidFill>
-                <a:schemeClr val="tx1"/>
-              </a:solidFill>
-              <a:latin typeface="+mn-lt"/>
-              <a:ea typeface="+mn-ea"/>
-              <a:cs typeface="+mn-cs"/>
-            </a:endParaRPr>
-          </a:p>
-          <a:p>
+              <a:t>Gerald </a:t>
+            </a:r>
+            <a:r>
+              <a:rPr lang="pt-BR" sz="1200" b="0" i="0" u="none" strike="noStrike" kern="1200" baseline="0" dirty="0" err="1" smtClean="0">
+                <a:solidFill>
+                  <a:schemeClr val="tx1"/>
+                </a:solidFill>
+                <a:latin typeface="+mn-lt"/>
+                <a:ea typeface="+mn-ea"/>
+                <a:cs typeface="+mn-cs"/>
+              </a:rPr>
+              <a:t>Estrin</a:t>
+            </a:r>
             <a:r>
               <a:rPr lang="pt-BR" sz="1200" b="0" i="0" u="none" strike="noStrike" kern="1200" baseline="0" dirty="0" smtClean="0">
                 <a:solidFill>
@@ -1458,9 +4442,16 @@
                 <a:ea typeface="+mn-ea"/>
                 <a:cs typeface="+mn-cs"/>
               </a:rPr>
-              <a:t>Mas como programar algo assim? Não é fácil.</a:t>
-            </a:r>
-            <a:endParaRPr lang="pt-BR" u="none" dirty="0"/>
+              <a:t>. Introduziu o conceito de computação reconfigurável, abrindo portas para uma gama gigantesca de aplicações.</a:t>
+            </a:r>
+            <a:endParaRPr lang="pt-BR" sz="1200" b="0" i="0" u="sng" strike="noStrike" kern="1200" baseline="0" dirty="0" smtClean="0">
+              <a:solidFill>
+                <a:schemeClr val="tx1"/>
+              </a:solidFill>
+              <a:latin typeface="+mn-lt"/>
+              <a:ea typeface="+mn-ea"/>
+              <a:cs typeface="+mn-cs"/>
+            </a:endParaRPr>
           </a:p>
         </p:txBody>
       </p:sp>
@@ -1481,31 +4472,31 @@
           <a:p>
             <a:r>
               <a:rPr lang="pt-BR" smtClean="0"/>
-              <a:t>Trabalho de Graduação - Lucas Sousa de Oliveira</a:t>
-            </a:r>
-            <a:endParaRPr lang="pt-BR"/>
-          </a:p>
-        </p:txBody>
-      </p:sp>
-      <p:sp>
-        <p:nvSpPr>
-          <p:cNvPr id="5" name="Espaço Reservado para Número de Slide 4"/>
-          <p:cNvSpPr>
-            <a:spLocks noGrp="1"/>
-          </p:cNvSpPr>
-          <p:nvPr>
-            <p:ph type="sldNum" sz="quarter" idx="11"/>
-          </p:nvPr>
-        </p:nvSpPr>
-        <p:spPr/>
-        <p:txBody>
-          <a:bodyPr/>
-          <a:lstStyle/>
-          <a:p>
-            <a:fld id="{1E44202D-4052-406C-9FDC-32FFB5B9FC5A}" type="slidenum">
-              <a:rPr lang="pt-BR" smtClean="0"/>
-              <a:t>6</a:t>
-            </a:fld>
+              <a:t>Trabalho de Graduação - Lucas Oliveira</a:t>
+            </a:r>
+            <a:endParaRPr lang="pt-BR"/>
+          </a:p>
+        </p:txBody>
+      </p:sp>
+      <p:sp>
+        <p:nvSpPr>
+          <p:cNvPr id="6" name="Espaço Reservado para Data 5"/>
+          <p:cNvSpPr>
+            <a:spLocks noGrp="1"/>
+          </p:cNvSpPr>
+          <p:nvPr>
+            <p:ph type="dt" idx="12"/>
+          </p:nvPr>
+        </p:nvSpPr>
+        <p:spPr/>
+        <p:txBody>
+          <a:bodyPr/>
+          <a:lstStyle/>
+          <a:p>
+            <a:r>
+              <a:rPr lang="pt-BR" smtClean="0"/>
+              <a:t>16 de dezembro de 2013</a:t>
+            </a:r>
             <a:endParaRPr lang="pt-BR"/>
           </a:p>
         </p:txBody>
@@ -1567,6 +4558,40 @@
           <a:bodyPr/>
           <a:lstStyle/>
           <a:p>
+            <a:r>
+              <a:rPr lang="pt-BR" sz="1200" b="0" i="0" u="none" strike="noStrike" kern="1200" baseline="0" dirty="0" smtClean="0">
+                <a:solidFill>
+                  <a:schemeClr val="tx1"/>
+                </a:solidFill>
+                <a:latin typeface="+mn-lt"/>
+                <a:ea typeface="+mn-ea"/>
+                <a:cs typeface="+mn-cs"/>
+              </a:rPr>
+              <a:t>Hoje, a FPGA é o dispositivo mais utilizado na computação reconfigurável. Ela está presente em muitas coisas. </a:t>
+            </a:r>
+          </a:p>
+          <a:p>
+            <a:endParaRPr lang="pt-BR" sz="1200" b="0" i="0" u="none" strike="noStrike" kern="1200" baseline="0" dirty="0" smtClean="0">
+              <a:solidFill>
+                <a:schemeClr val="tx1"/>
+              </a:solidFill>
+              <a:latin typeface="+mn-lt"/>
+              <a:ea typeface="+mn-ea"/>
+              <a:cs typeface="+mn-cs"/>
+            </a:endParaRPr>
+          </a:p>
+          <a:p>
+            <a:r>
+              <a:rPr lang="pt-BR" sz="1200" b="0" i="0" u="none" strike="noStrike" kern="1200" baseline="0" dirty="0" smtClean="0">
+                <a:solidFill>
+                  <a:schemeClr val="tx1"/>
+                </a:solidFill>
+                <a:latin typeface="+mn-lt"/>
+                <a:ea typeface="+mn-ea"/>
+                <a:cs typeface="+mn-cs"/>
+              </a:rPr>
+              <a:t>Mas como programar algo assim? Não é fácil.</a:t>
+            </a:r>
             <a:endParaRPr lang="pt-BR" u="none" dirty="0"/>
           </a:p>
         </p:txBody>
@@ -1588,31 +4613,31 @@
           <a:p>
             <a:r>
               <a:rPr lang="pt-BR" smtClean="0"/>
-              <a:t>Trabalho de Graduação - Lucas Sousa de Oliveira</a:t>
-            </a:r>
-            <a:endParaRPr lang="pt-BR"/>
-          </a:p>
-        </p:txBody>
-      </p:sp>
-      <p:sp>
-        <p:nvSpPr>
-          <p:cNvPr id="5" name="Espaço Reservado para Número de Slide 4"/>
-          <p:cNvSpPr>
-            <a:spLocks noGrp="1"/>
-          </p:cNvSpPr>
-          <p:nvPr>
-            <p:ph type="sldNum" sz="quarter" idx="11"/>
-          </p:nvPr>
-        </p:nvSpPr>
-        <p:spPr/>
-        <p:txBody>
-          <a:bodyPr/>
-          <a:lstStyle/>
-          <a:p>
-            <a:fld id="{1E44202D-4052-406C-9FDC-32FFB5B9FC5A}" type="slidenum">
-              <a:rPr lang="pt-BR" smtClean="0"/>
-              <a:t>7</a:t>
-            </a:fld>
+              <a:t>Trabalho de Graduação - Lucas Oliveira</a:t>
+            </a:r>
+            <a:endParaRPr lang="pt-BR"/>
+          </a:p>
+        </p:txBody>
+      </p:sp>
+      <p:sp>
+        <p:nvSpPr>
+          <p:cNvPr id="6" name="Espaço Reservado para Data 5"/>
+          <p:cNvSpPr>
+            <a:spLocks noGrp="1"/>
+          </p:cNvSpPr>
+          <p:nvPr>
+            <p:ph type="dt" idx="12"/>
+          </p:nvPr>
+        </p:nvSpPr>
+        <p:spPr/>
+        <p:txBody>
+          <a:bodyPr/>
+          <a:lstStyle/>
+          <a:p>
+            <a:r>
+              <a:rPr lang="pt-BR" smtClean="0"/>
+              <a:t>16 de dezembro de 2013</a:t>
+            </a:r>
             <a:endParaRPr lang="pt-BR"/>
           </a:p>
         </p:txBody>
@@ -1674,7 +4699,7 @@
           <a:bodyPr/>
           <a:lstStyle/>
           <a:p>
-            <a:endParaRPr lang="pt-BR" dirty="0"/>
+            <a:endParaRPr lang="pt-BR" u="none" dirty="0"/>
           </a:p>
         </p:txBody>
       </p:sp>
@@ -1695,31 +4720,31 @@
           <a:p>
             <a:r>
               <a:rPr lang="pt-BR" smtClean="0"/>
-              <a:t>Trabalho de Graduação - Lucas Sousa de Oliveira</a:t>
-            </a:r>
-            <a:endParaRPr lang="pt-BR"/>
-          </a:p>
-        </p:txBody>
-      </p:sp>
-      <p:sp>
-        <p:nvSpPr>
-          <p:cNvPr id="5" name="Espaço Reservado para Número de Slide 4"/>
-          <p:cNvSpPr>
-            <a:spLocks noGrp="1"/>
-          </p:cNvSpPr>
-          <p:nvPr>
-            <p:ph type="sldNum" sz="quarter" idx="11"/>
-          </p:nvPr>
-        </p:nvSpPr>
-        <p:spPr/>
-        <p:txBody>
-          <a:bodyPr/>
-          <a:lstStyle/>
-          <a:p>
-            <a:fld id="{1E44202D-4052-406C-9FDC-32FFB5B9FC5A}" type="slidenum">
-              <a:rPr lang="pt-BR" smtClean="0"/>
-              <a:t>22</a:t>
-            </a:fld>
+              <a:t>Trabalho de Graduação - Lucas Oliveira</a:t>
+            </a:r>
+            <a:endParaRPr lang="pt-BR"/>
+          </a:p>
+        </p:txBody>
+      </p:sp>
+      <p:sp>
+        <p:nvSpPr>
+          <p:cNvPr id="6" name="Espaço Reservado para Data 5"/>
+          <p:cNvSpPr>
+            <a:spLocks noGrp="1"/>
+          </p:cNvSpPr>
+          <p:nvPr>
+            <p:ph type="dt" idx="12"/>
+          </p:nvPr>
+        </p:nvSpPr>
+        <p:spPr/>
+        <p:txBody>
+          <a:bodyPr/>
+          <a:lstStyle/>
+          <a:p>
+            <a:r>
+              <a:rPr lang="pt-BR" smtClean="0"/>
+              <a:t>16 de dezembro de 2013</a:t>
+            </a:r>
             <a:endParaRPr lang="pt-BR"/>
           </a:p>
         </p:txBody>
@@ -1727,7 +4752,7 @@
     </p:spTree>
     <p:extLst>
       <p:ext uri="{BB962C8B-B14F-4D97-AF65-F5344CB8AC3E}">
-        <p14:creationId xmlns:p14="http://schemas.microsoft.com/office/powerpoint/2010/main" val="1333983335"/>
+        <p14:creationId xmlns:p14="http://schemas.microsoft.com/office/powerpoint/2010/main" val="3554098737"/>
       </p:ext>
     </p:extLst>
   </p:cSld>
@@ -1781,23 +4806,7 @@
           <a:bodyPr/>
           <a:lstStyle/>
           <a:p>
-            <a:r>
-              <a:rPr lang="pt-BR" dirty="0" smtClean="0"/>
-              <a:t>Fluxo muito</a:t>
-            </a:r>
-            <a:r>
-              <a:rPr lang="pt-BR" baseline="0" dirty="0" smtClean="0"/>
-              <a:t> similar ao anterior. Mesmo </a:t>
-            </a:r>
-            <a:r>
-              <a:rPr lang="pt-BR" baseline="0" dirty="0" err="1" smtClean="0"/>
-              <a:t>microcontrolador</a:t>
-            </a:r>
-            <a:r>
-              <a:rPr lang="pt-BR" baseline="0" dirty="0" smtClean="0"/>
-              <a:t> foi utilizado.</a:t>
-            </a:r>
-            <a:endParaRPr lang="pt-BR" dirty="0"/>
+            <a:endParaRPr lang="pt-BR"/>
           </a:p>
         </p:txBody>
       </p:sp>
@@ -1818,31 +4827,31 @@
           <a:p>
             <a:r>
               <a:rPr lang="pt-BR" smtClean="0"/>
-              <a:t>Trabalho de Graduação - Lucas Sousa de Oliveira</a:t>
-            </a:r>
-            <a:endParaRPr lang="pt-BR"/>
-          </a:p>
-        </p:txBody>
-      </p:sp>
-      <p:sp>
-        <p:nvSpPr>
-          <p:cNvPr id="5" name="Espaço Reservado para Número de Slide 4"/>
-          <p:cNvSpPr>
-            <a:spLocks noGrp="1"/>
-          </p:cNvSpPr>
-          <p:nvPr>
-            <p:ph type="sldNum" sz="quarter" idx="11"/>
-          </p:nvPr>
-        </p:nvSpPr>
-        <p:spPr/>
-        <p:txBody>
-          <a:bodyPr/>
-          <a:lstStyle/>
-          <a:p>
-            <a:fld id="{1E44202D-4052-406C-9FDC-32FFB5B9FC5A}" type="slidenum">
-              <a:rPr lang="pt-BR" smtClean="0"/>
-              <a:t>24</a:t>
-            </a:fld>
+              <a:t>Trabalho de Graduação - Lucas Oliveira</a:t>
+            </a:r>
+            <a:endParaRPr lang="pt-BR"/>
+          </a:p>
+        </p:txBody>
+      </p:sp>
+      <p:sp>
+        <p:nvSpPr>
+          <p:cNvPr id="6" name="Espaço Reservado para Data 5"/>
+          <p:cNvSpPr>
+            <a:spLocks noGrp="1"/>
+          </p:cNvSpPr>
+          <p:nvPr>
+            <p:ph type="dt" idx="12"/>
+          </p:nvPr>
+        </p:nvSpPr>
+        <p:spPr/>
+        <p:txBody>
+          <a:bodyPr/>
+          <a:lstStyle/>
+          <a:p>
+            <a:r>
+              <a:rPr lang="pt-BR" smtClean="0"/>
+              <a:t>16 de dezembro de 2013</a:t>
+            </a:r>
             <a:endParaRPr lang="pt-BR"/>
           </a:p>
         </p:txBody>
@@ -1850,7 +4859,7 @@
     </p:spTree>
     <p:extLst>
       <p:ext uri="{BB962C8B-B14F-4D97-AF65-F5344CB8AC3E}">
-        <p14:creationId xmlns:p14="http://schemas.microsoft.com/office/powerpoint/2010/main" val="374732856"/>
+        <p14:creationId xmlns:p14="http://schemas.microsoft.com/office/powerpoint/2010/main" val="836187907"/>
       </p:ext>
     </p:extLst>
   </p:cSld>
@@ -1904,20 +4913,7 @@
           <a:bodyPr/>
           <a:lstStyle/>
           <a:p>
-            <a:r>
-              <a:rPr lang="pt-BR" dirty="0" smtClean="0"/>
-              <a:t>Já que eu já estou carregando</a:t>
-            </a:r>
-            <a:r>
-              <a:rPr lang="pt-BR" baseline="0" dirty="0" smtClean="0"/>
-              <a:t> informações da memória Flash, e se eu aproveitar e interpretar o arquivo binário.</a:t>
-            </a:r>
-          </a:p>
-          <a:p>
-            <a:r>
-              <a:rPr lang="pt-BR" baseline="0" dirty="0" smtClean="0"/>
-              <a:t>Até porque carregar por carregar eu já testei no experimento anterior.</a:t>
-            </a:r>
+            <a:endParaRPr lang="pt-BR"/>
           </a:p>
         </p:txBody>
       </p:sp>
@@ -1938,31 +4934,31 @@
           <a:p>
             <a:r>
               <a:rPr lang="pt-BR" smtClean="0"/>
-              <a:t>Trabalho de Graduação - Lucas Sousa de Oliveira</a:t>
-            </a:r>
-            <a:endParaRPr lang="pt-BR"/>
-          </a:p>
-        </p:txBody>
-      </p:sp>
-      <p:sp>
-        <p:nvSpPr>
-          <p:cNvPr id="5" name="Espaço Reservado para Número de Slide 4"/>
-          <p:cNvSpPr>
-            <a:spLocks noGrp="1"/>
-          </p:cNvSpPr>
-          <p:nvPr>
-            <p:ph type="sldNum" sz="quarter" idx="11"/>
-          </p:nvPr>
-        </p:nvSpPr>
-        <p:spPr/>
-        <p:txBody>
-          <a:bodyPr/>
-          <a:lstStyle/>
-          <a:p>
-            <a:fld id="{1E44202D-4052-406C-9FDC-32FFB5B9FC5A}" type="slidenum">
-              <a:rPr lang="pt-BR" smtClean="0"/>
-              <a:t>26</a:t>
-            </a:fld>
+              <a:t>Trabalho de Graduação - Lucas Oliveira</a:t>
+            </a:r>
+            <a:endParaRPr lang="pt-BR"/>
+          </a:p>
+        </p:txBody>
+      </p:sp>
+      <p:sp>
+        <p:nvSpPr>
+          <p:cNvPr id="6" name="Espaço Reservado para Data 5"/>
+          <p:cNvSpPr>
+            <a:spLocks noGrp="1"/>
+          </p:cNvSpPr>
+          <p:nvPr>
+            <p:ph type="dt" idx="12"/>
+          </p:nvPr>
+        </p:nvSpPr>
+        <p:spPr/>
+        <p:txBody>
+          <a:bodyPr/>
+          <a:lstStyle/>
+          <a:p>
+            <a:r>
+              <a:rPr lang="pt-BR" smtClean="0"/>
+              <a:t>16 de dezembro de 2013</a:t>
+            </a:r>
             <a:endParaRPr lang="pt-BR"/>
           </a:p>
         </p:txBody>
@@ -1970,7 +4966,7 @@
     </p:spTree>
     <p:extLst>
       <p:ext uri="{BB962C8B-B14F-4D97-AF65-F5344CB8AC3E}">
-        <p14:creationId xmlns:p14="http://schemas.microsoft.com/office/powerpoint/2010/main" val="1900265468"/>
+        <p14:creationId xmlns:p14="http://schemas.microsoft.com/office/powerpoint/2010/main" val="1252340661"/>
       </p:ext>
     </p:extLst>
   </p:cSld>
@@ -5422,7 +8418,7 @@
           </p:nvPr>
         </p:nvPicPr>
         <p:blipFill>
-          <a:blip r:embed="rId2">
+          <a:blip r:embed="rId3">
             <a:extLst>
               <a:ext uri="{28A0092B-C50C-407E-A947-70E740481C1C}">
                 <a14:useLocalDpi xmlns:a14="http://schemas.microsoft.com/office/drawing/2010/main" val="0"/>
@@ -5724,7 +8720,7 @@
           </p:nvPr>
         </p:nvPicPr>
         <p:blipFill>
-          <a:blip r:embed="rId2">
+          <a:blip r:embed="rId3">
             <a:extLst>
               <a:ext uri="{28A0092B-C50C-407E-A947-70E740481C1C}">
                 <a14:useLocalDpi xmlns:a14="http://schemas.microsoft.com/office/drawing/2010/main" val="0"/>
@@ -5980,7 +8976,7 @@
           </p:nvPr>
         </p:nvPicPr>
         <p:blipFill>
-          <a:blip r:embed="rId2">
+          <a:blip r:embed="rId3">
             <a:extLst>
               <a:ext uri="{28A0092B-C50C-407E-A947-70E740481C1C}">
                 <a14:useLocalDpi xmlns:a14="http://schemas.microsoft.com/office/drawing/2010/main" val="0"/>
@@ -6311,7 +9307,7 @@
           </p:nvPr>
         </p:nvPicPr>
         <p:blipFill>
-          <a:blip r:embed="rId2" cstate="print">
+          <a:blip r:embed="rId3" cstate="print">
             <a:extLst>
               <a:ext uri="{28A0092B-C50C-407E-A947-70E740481C1C}">
                 <a14:useLocalDpi xmlns:a14="http://schemas.microsoft.com/office/drawing/2010/main" val="0"/>
@@ -6687,7 +9683,7 @@
           </p:nvPr>
         </p:nvPicPr>
         <p:blipFill>
-          <a:blip r:embed="rId2" cstate="print">
+          <a:blip r:embed="rId3" cstate="print">
             <a:extLst>
               <a:ext uri="{28A0092B-C50C-407E-A947-70E740481C1C}">
                 <a14:useLocalDpi xmlns:a14="http://schemas.microsoft.com/office/drawing/2010/main" val="0"/>
@@ -6716,7 +9712,7 @@
           </p:nvPr>
         </p:nvPicPr>
         <p:blipFill>
-          <a:blip r:embed="rId3" cstate="print">
+          <a:blip r:embed="rId4" cstate="print">
             <a:extLst>
               <a:ext uri="{28A0092B-C50C-407E-A947-70E740481C1C}">
                 <a14:useLocalDpi xmlns:a14="http://schemas.microsoft.com/office/drawing/2010/main" val="0"/>
@@ -6873,7 +9869,7 @@
           </p:nvPr>
         </p:nvPicPr>
         <p:blipFill>
-          <a:blip r:embed="rId2">
+          <a:blip r:embed="rId3">
             <a:extLst>
               <a:ext uri="{28A0092B-C50C-407E-A947-70E740481C1C}">
                 <a14:useLocalDpi xmlns:a14="http://schemas.microsoft.com/office/drawing/2010/main" val="0"/>
@@ -7066,7 +10062,7 @@
           </p:nvPr>
         </p:nvPicPr>
         <p:blipFill>
-          <a:blip r:embed="rId2" cstate="print">
+          <a:blip r:embed="rId3" cstate="print">
             <a:extLst>
               <a:ext uri="{28A0092B-C50C-407E-A947-70E740481C1C}">
                 <a14:useLocalDpi xmlns:a14="http://schemas.microsoft.com/office/drawing/2010/main" val="0"/>
@@ -7667,7 +10663,7 @@
           </p:nvPr>
         </p:nvPicPr>
         <p:blipFill>
-          <a:blip r:embed="rId2" cstate="print">
+          <a:blip r:embed="rId3" cstate="print">
             <a:extLst>
               <a:ext uri="{28A0092B-C50C-407E-A947-70E740481C1C}">
                 <a14:useLocalDpi xmlns:a14="http://schemas.microsoft.com/office/drawing/2010/main" val="0"/>
@@ -8760,7 +11756,7 @@
           </p:nvPr>
         </p:nvPicPr>
         <p:blipFill>
-          <a:blip r:embed="rId2">
+          <a:blip r:embed="rId3">
             <a:extLst>
               <a:ext uri="{28A0092B-C50C-407E-A947-70E740481C1C}">
                 <a14:useLocalDpi xmlns:a14="http://schemas.microsoft.com/office/drawing/2010/main" val="0"/>
@@ -9486,7 +12482,7 @@
           </p:nvPr>
         </p:nvPicPr>
         <p:blipFill>
-          <a:blip r:embed="rId2" cstate="print">
+          <a:blip r:embed="rId3" cstate="print">
             <a:extLst>
               <a:ext uri="{28A0092B-C50C-407E-A947-70E740481C1C}">
                 <a14:useLocalDpi xmlns:a14="http://schemas.microsoft.com/office/drawing/2010/main" val="0"/>
@@ -9606,7 +12602,7 @@
           </p:nvPr>
         </p:nvPicPr>
         <p:blipFill>
-          <a:blip r:embed="rId2" cstate="print">
+          <a:blip r:embed="rId3" cstate="print">
             <a:extLst>
               <a:ext uri="{28A0092B-C50C-407E-A947-70E740481C1C}">
                 <a14:useLocalDpi xmlns:a14="http://schemas.microsoft.com/office/drawing/2010/main" val="0"/>
@@ -10541,7 +13537,7 @@
           </p:nvPr>
         </p:nvPicPr>
         <p:blipFill>
-          <a:blip r:embed="rId2" cstate="print">
+          <a:blip r:embed="rId3" cstate="print">
             <a:extLst>
               <a:ext uri="{28A0092B-C50C-407E-A947-70E740481C1C}">
                 <a14:useLocalDpi xmlns:a14="http://schemas.microsoft.com/office/drawing/2010/main" val="0"/>
@@ -10724,7 +13720,7 @@
           </p:nvPr>
         </p:nvPicPr>
         <p:blipFill>
-          <a:blip r:embed="rId2">
+          <a:blip r:embed="rId3">
             <a:extLst>
               <a:ext uri="{28A0092B-C50C-407E-A947-70E740481C1C}">
                 <a14:useLocalDpi xmlns:a14="http://schemas.microsoft.com/office/drawing/2010/main" val="0"/>
@@ -10819,7 +13815,7 @@
           <p:nvPr/>
         </p:nvPicPr>
         <p:blipFill>
-          <a:blip r:embed="rId3">
+          <a:blip r:embed="rId4">
             <a:extLst>
               <a:ext uri="{28A0092B-C50C-407E-A947-70E740481C1C}">
                 <a14:useLocalDpi xmlns:a14="http://schemas.microsoft.com/office/drawing/2010/main" val="0"/>
@@ -11248,7 +14244,7 @@
           </p:nvPr>
         </p:nvPicPr>
         <p:blipFill>
-          <a:blip r:embed="rId2" cstate="print">
+          <a:blip r:embed="rId3" cstate="print">
             <a:extLst>
               <a:ext uri="{28A0092B-C50C-407E-A947-70E740481C1C}">
                 <a14:useLocalDpi xmlns:a14="http://schemas.microsoft.com/office/drawing/2010/main" val="0"/>

--- a/Apresentação/Estudo e Implementação de Reconfiguração Dinâmica.pptx
+++ b/Apresentação/Estudo e Implementação de Reconfiguração Dinâmica.pptx
@@ -5,10 +5,10 @@
     <p:sldMasterId id="2147483648" r:id="rId1"/>
   </p:sldMasterIdLst>
   <p:notesMasterIdLst>
-    <p:notesMasterId r:id="rId40"/>
+    <p:notesMasterId r:id="rId41"/>
   </p:notesMasterIdLst>
   <p:handoutMasterIdLst>
-    <p:handoutMasterId r:id="rId41"/>
+    <p:handoutMasterId r:id="rId42"/>
   </p:handoutMasterIdLst>
   <p:sldIdLst>
     <p:sldId id="256" r:id="rId2"/>
@@ -49,6 +49,7 @@
     <p:sldId id="292" r:id="rId37"/>
     <p:sldId id="270" r:id="rId38"/>
     <p:sldId id="272" r:id="rId39"/>
+    <p:sldId id="295" r:id="rId40"/>
   </p:sldIdLst>
   <p:sldSz cx="9144000" cy="6858000" type="screen4x3"/>
   <p:notesSz cx="6670675" cy="9802813"/>
@@ -234,6 +235,7 @@
         <p14:section name="Conclusão" id="{BF5BC45F-66BA-4B53-8BF7-6337758D2BA7}">
           <p14:sldIdLst>
             <p14:sldId id="272"/>
+            <p14:sldId id="295"/>
           </p14:sldIdLst>
         </p14:section>
       </p14:sectionLst>
@@ -4236,6 +4238,113 @@
 </p:notes>
 </file>
 
+<file path=ppt/notesSlides/notesSlide39.xml><?xml version="1.0" encoding="utf-8"?>
+<p:notes xmlns:a="http://schemas.openxmlformats.org/drawingml/2006/main" xmlns:r="http://schemas.openxmlformats.org/officeDocument/2006/relationships" xmlns:p="http://schemas.openxmlformats.org/presentationml/2006/main">
+  <p:cSld>
+    <p:spTree>
+      <p:nvGrpSpPr>
+        <p:cNvPr id="1" name=""/>
+        <p:cNvGrpSpPr/>
+        <p:nvPr/>
+      </p:nvGrpSpPr>
+      <p:grpSpPr>
+        <a:xfrm>
+          <a:off x="0" y="0"/>
+          <a:ext cx="0" cy="0"/>
+          <a:chOff x="0" y="0"/>
+          <a:chExt cx="0" cy="0"/>
+        </a:xfrm>
+      </p:grpSpPr>
+      <p:sp>
+        <p:nvSpPr>
+          <p:cNvPr id="2" name="Espaço Reservado para Imagem de Slide 1"/>
+          <p:cNvSpPr>
+            <a:spLocks noGrp="1" noRot="1" noChangeAspect="1"/>
+          </p:cNvSpPr>
+          <p:nvPr>
+            <p:ph type="sldImg"/>
+          </p:nvPr>
+        </p:nvSpPr>
+        <p:spPr/>
+      </p:sp>
+      <p:sp>
+        <p:nvSpPr>
+          <p:cNvPr id="3" name="Espaço Reservado para Anotações 2"/>
+          <p:cNvSpPr>
+            <a:spLocks noGrp="1"/>
+          </p:cNvSpPr>
+          <p:nvPr>
+            <p:ph type="body" idx="1"/>
+          </p:nvPr>
+        </p:nvSpPr>
+        <p:spPr/>
+        <p:txBody>
+          <a:bodyPr/>
+          <a:lstStyle/>
+          <a:p>
+            <a:endParaRPr lang="pt-BR" dirty="0"/>
+          </a:p>
+        </p:txBody>
+      </p:sp>
+      <p:sp>
+        <p:nvSpPr>
+          <p:cNvPr id="4" name="Espaço Reservado para Cabeçalho 3"/>
+          <p:cNvSpPr>
+            <a:spLocks noGrp="1"/>
+          </p:cNvSpPr>
+          <p:nvPr>
+            <p:ph type="hdr" sz="quarter" idx="10"/>
+          </p:nvPr>
+        </p:nvSpPr>
+        <p:spPr/>
+        <p:txBody>
+          <a:bodyPr/>
+          <a:lstStyle/>
+          <a:p>
+            <a:r>
+              <a:rPr lang="pt-BR" smtClean="0"/>
+              <a:t>Trabalho de Graduação - Lucas Oliveira</a:t>
+            </a:r>
+            <a:endParaRPr lang="pt-BR"/>
+          </a:p>
+        </p:txBody>
+      </p:sp>
+      <p:sp>
+        <p:nvSpPr>
+          <p:cNvPr id="5" name="Espaço Reservado para Data 4"/>
+          <p:cNvSpPr>
+            <a:spLocks noGrp="1"/>
+          </p:cNvSpPr>
+          <p:nvPr>
+            <p:ph type="dt" idx="11"/>
+          </p:nvPr>
+        </p:nvSpPr>
+        <p:spPr/>
+        <p:txBody>
+          <a:bodyPr/>
+          <a:lstStyle/>
+          <a:p>
+            <a:r>
+              <a:rPr lang="pt-BR" smtClean="0"/>
+              <a:t>16 de dezembro de 2013</a:t>
+            </a:r>
+            <a:endParaRPr lang="pt-BR"/>
+          </a:p>
+        </p:txBody>
+      </p:sp>
+    </p:spTree>
+    <p:extLst>
+      <p:ext uri="{BB962C8B-B14F-4D97-AF65-F5344CB8AC3E}">
+        <p14:creationId xmlns:p14="http://schemas.microsoft.com/office/powerpoint/2010/main" val="2914593516"/>
+      </p:ext>
+    </p:extLst>
+  </p:cSld>
+  <p:clrMapOvr>
+    <a:masterClrMapping/>
+  </p:clrMapOvr>
+</p:notes>
+</file>
+
 <file path=ppt/notesSlides/notesSlide4.xml><?xml version="1.0" encoding="utf-8"?>
 <p:notes xmlns:a="http://schemas.openxmlformats.org/drawingml/2006/main" xmlns:r="http://schemas.openxmlformats.org/officeDocument/2006/relationships" xmlns:p="http://schemas.openxmlformats.org/presentationml/2006/main">
   <p:cSld>
@@ -4282,15 +4391,7 @@
           <a:p>
             <a:r>
               <a:rPr lang="pt-BR" dirty="0" smtClean="0"/>
-              <a:t>Em </a:t>
-            </a:r>
-            <a:r>
-              <a:rPr lang="pt-BR" dirty="0" smtClean="0"/>
-              <a:t>1965, </a:t>
-            </a:r>
-            <a:r>
-              <a:rPr lang="pt-BR" dirty="0" smtClean="0"/>
-              <a:t>Gordon Moore, presidente</a:t>
+              <a:t>Em 1965, Gordon Moore, presidente</a:t>
             </a:r>
             <a:r>
               <a:rPr lang="pt-BR" baseline="0" dirty="0" smtClean="0"/>
@@ -8066,7 +8167,19 @@
           <a:p>
             <a:r>
               <a:rPr lang="pt-BR" sz="3600" dirty="0" smtClean="0"/>
-              <a:t>Estudo e Implementação de Reconfiguração Dinâmica em Instrumentação, Automação e Controle</a:t>
+              <a:t>Estudo </a:t>
+            </a:r>
+            <a:r>
+              <a:rPr lang="pt-BR" sz="3600" dirty="0" smtClean="0"/>
+              <a:t>para</a:t>
+            </a:r>
+            <a:r>
+              <a:rPr lang="pt-BR" sz="3600" dirty="0" smtClean="0"/>
+              <a:t> Implementação de </a:t>
+            </a:r>
+            <a:r>
+              <a:rPr lang="pt-BR" sz="3600" dirty="0" smtClean="0"/>
+              <a:t>Reconfiguração Dinâmica em Instrumentação, Automação e Controle</a:t>
             </a:r>
             <a:endParaRPr lang="pt-BR" sz="3600" dirty="0"/>
           </a:p>
@@ -8226,13 +8339,8 @@
           <a:p>
             <a:r>
               <a:rPr lang="pt-BR" sz="2600" dirty="0" smtClean="0"/>
-              <a:t>Quanto ao estado </a:t>
-            </a:r>
-            <a:r>
-              <a:rPr lang="pt-BR" sz="2600" dirty="0" smtClean="0"/>
-              <a:t>da FPGA</a:t>
-            </a:r>
-            <a:endParaRPr lang="pt-BR" sz="2600" dirty="0" smtClean="0"/>
+              <a:t>Quanto ao estado da FPGA</a:t>
+            </a:r>
           </a:p>
           <a:p>
             <a:pPr lvl="1"/>
@@ -8817,11 +8925,11 @@
   <p:clrMapOvr>
     <a:masterClrMapping/>
   </p:clrMapOvr>
-  <mc:AlternateContent xmlns:mc="http://schemas.openxmlformats.org/markup-compatibility/2006">
-    <mc:Choice xmlns:p14="http://schemas.microsoft.com/office/powerpoint/2010/main" Requires="p14">
+  <mc:AlternateContent xmlns:mc="http://schemas.openxmlformats.org/markup-compatibility/2006" xmlns:p14="http://schemas.microsoft.com/office/powerpoint/2010/main">
+    <mc:Choice Requires="p14">
       <p:transition p14:dur="0"/>
     </mc:Choice>
-    <mc:Fallback>
+    <mc:Fallback xmlns="">
       <p:transition/>
     </mc:Fallback>
   </mc:AlternateContent>
@@ -9238,11 +9346,11 @@
   <p:clrMapOvr>
     <a:masterClrMapping/>
   </p:clrMapOvr>
-  <mc:AlternateContent xmlns:mc="http://schemas.openxmlformats.org/markup-compatibility/2006">
-    <mc:Choice xmlns:p14="http://schemas.microsoft.com/office/powerpoint/2010/main" Requires="p14">
+  <mc:AlternateContent xmlns:mc="http://schemas.openxmlformats.org/markup-compatibility/2006" xmlns:p14="http://schemas.microsoft.com/office/powerpoint/2010/main">
+    <mc:Choice Requires="p14">
       <p:transition p14:dur="0"/>
     </mc:Choice>
-    <mc:Fallback>
+    <mc:Fallback xmlns="">
       <p:transition/>
     </mc:Fallback>
   </mc:AlternateContent>
@@ -14073,7 +14181,6 @@
               <a:rPr lang="pt-BR" dirty="0" smtClean="0"/>
               <a:t>Quantidade de recursos</a:t>
             </a:r>
-            <a:endParaRPr lang="pt-BR" dirty="0" smtClean="0"/>
           </a:p>
           <a:p>
             <a:r>
@@ -14086,7 +14193,6 @@
               <a:rPr lang="pt-BR" dirty="0" smtClean="0"/>
               <a:t>Configurações da partição</a:t>
             </a:r>
-            <a:endParaRPr lang="pt-BR" dirty="0" smtClean="0"/>
           </a:p>
           <a:p>
             <a:r>
@@ -14519,6 +14625,174 @@
       </p:par>
     </p:tnLst>
   </p:timing>
+</p:sld>
+</file>
+
+<file path=ppt/slides/slide39.xml><?xml version="1.0" encoding="utf-8"?>
+<p:sld xmlns:a="http://schemas.openxmlformats.org/drawingml/2006/main" xmlns:r="http://schemas.openxmlformats.org/officeDocument/2006/relationships" xmlns:p="http://schemas.openxmlformats.org/presentationml/2006/main">
+  <p:cSld>
+    <p:spTree>
+      <p:nvGrpSpPr>
+        <p:cNvPr id="1" name=""/>
+        <p:cNvGrpSpPr/>
+        <p:nvPr/>
+      </p:nvGrpSpPr>
+      <p:grpSpPr>
+        <a:xfrm>
+          <a:off x="0" y="0"/>
+          <a:ext cx="0" cy="0"/>
+          <a:chOff x="0" y="0"/>
+          <a:chExt cx="0" cy="0"/>
+        </a:xfrm>
+      </p:grpSpPr>
+      <p:sp>
+        <p:nvSpPr>
+          <p:cNvPr id="2" name="Título 1"/>
+          <p:cNvSpPr>
+            <a:spLocks noGrp="1"/>
+          </p:cNvSpPr>
+          <p:nvPr>
+            <p:ph type="title"/>
+          </p:nvPr>
+        </p:nvSpPr>
+        <p:spPr/>
+        <p:txBody>
+          <a:bodyPr/>
+          <a:lstStyle/>
+          <a:p>
+            <a:r>
+              <a:rPr lang="pt-BR" dirty="0" smtClean="0"/>
+              <a:t>Propostas</a:t>
+            </a:r>
+            <a:endParaRPr lang="pt-BR" dirty="0"/>
+          </a:p>
+        </p:txBody>
+      </p:sp>
+      <p:sp>
+        <p:nvSpPr>
+          <p:cNvPr id="3" name="Espaço Reservado para Conteúdo 2"/>
+          <p:cNvSpPr>
+            <a:spLocks noGrp="1"/>
+          </p:cNvSpPr>
+          <p:nvPr>
+            <p:ph idx="1"/>
+          </p:nvPr>
+        </p:nvSpPr>
+        <p:spPr/>
+        <p:txBody>
+          <a:bodyPr/>
+          <a:lstStyle/>
+          <a:p>
+            <a:r>
+              <a:rPr lang="pt-BR" dirty="0" smtClean="0"/>
+              <a:t>Redes Neurais</a:t>
+            </a:r>
+          </a:p>
+          <a:p>
+            <a:r>
+              <a:rPr lang="pt-BR" dirty="0" smtClean="0"/>
+              <a:t>Controle Adaptativo*</a:t>
+            </a:r>
+          </a:p>
+          <a:p>
+            <a:r>
+              <a:rPr lang="pt-BR" dirty="0" smtClean="0"/>
+              <a:t>Computação Genérica</a:t>
+            </a:r>
+          </a:p>
+          <a:p>
+            <a:r>
+              <a:rPr lang="pt-BR" dirty="0" smtClean="0"/>
+              <a:t>Qualquer sistema multiplexado</a:t>
+            </a:r>
+          </a:p>
+          <a:p>
+            <a:r>
+              <a:rPr lang="pt-BR" dirty="0" smtClean="0"/>
+              <a:t>Processos realizados em etapas</a:t>
+            </a:r>
+            <a:endParaRPr lang="pt-BR" dirty="0"/>
+          </a:p>
+          <a:p>
+            <a:endParaRPr lang="pt-BR" dirty="0"/>
+          </a:p>
+        </p:txBody>
+      </p:sp>
+      <p:sp>
+        <p:nvSpPr>
+          <p:cNvPr id="4" name="Espaço Reservado para Data 3"/>
+          <p:cNvSpPr>
+            <a:spLocks noGrp="1"/>
+          </p:cNvSpPr>
+          <p:nvPr>
+            <p:ph type="dt" sz="half" idx="10"/>
+          </p:nvPr>
+        </p:nvSpPr>
+        <p:spPr/>
+        <p:txBody>
+          <a:bodyPr/>
+          <a:lstStyle/>
+          <a:p>
+            <a:r>
+              <a:rPr lang="pt-BR" smtClean="0"/>
+              <a:t>16 de dezembro de 2013</a:t>
+            </a:r>
+            <a:endParaRPr lang="pt-BR"/>
+          </a:p>
+        </p:txBody>
+      </p:sp>
+      <p:sp>
+        <p:nvSpPr>
+          <p:cNvPr id="5" name="Espaço Reservado para Rodapé 4"/>
+          <p:cNvSpPr>
+            <a:spLocks noGrp="1"/>
+          </p:cNvSpPr>
+          <p:nvPr>
+            <p:ph type="ftr" sz="quarter" idx="11"/>
+          </p:nvPr>
+        </p:nvSpPr>
+        <p:spPr/>
+        <p:txBody>
+          <a:bodyPr/>
+          <a:lstStyle/>
+          <a:p>
+            <a:endParaRPr lang="pt-BR"/>
+          </a:p>
+        </p:txBody>
+      </p:sp>
+      <p:sp>
+        <p:nvSpPr>
+          <p:cNvPr id="6" name="Espaço Reservado para Número de Slide 5"/>
+          <p:cNvSpPr>
+            <a:spLocks noGrp="1"/>
+          </p:cNvSpPr>
+          <p:nvPr>
+            <p:ph type="sldNum" sz="quarter" idx="12"/>
+          </p:nvPr>
+        </p:nvSpPr>
+        <p:spPr/>
+        <p:txBody>
+          <a:bodyPr/>
+          <a:lstStyle/>
+          <a:p>
+            <a:fld id="{E15E65B2-3271-4EB1-B955-03EC741CF5EC}" type="slidenum">
+              <a:rPr lang="pt-BR" smtClean="0"/>
+              <a:t>39</a:t>
+            </a:fld>
+            <a:endParaRPr lang="pt-BR"/>
+          </a:p>
+        </p:txBody>
+      </p:sp>
+    </p:spTree>
+    <p:extLst>
+      <p:ext uri="{BB962C8B-B14F-4D97-AF65-F5344CB8AC3E}">
+        <p14:creationId xmlns:p14="http://schemas.microsoft.com/office/powerpoint/2010/main" val="1442439195"/>
+      </p:ext>
+    </p:extLst>
+  </p:cSld>
+  <p:clrMapOvr>
+    <a:masterClrMapping/>
+  </p:clrMapOvr>
 </p:sld>
 </file>
 
@@ -15036,11 +15310,7 @@
           <a:p>
             <a:r>
               <a:rPr lang="pt-BR" dirty="0" smtClean="0"/>
-              <a:t>Compilaç</a:t>
-            </a:r>
-            <a:r>
-              <a:rPr lang="pt-BR" dirty="0" smtClean="0"/>
-              <a:t>ão</a:t>
+              <a:t>Compilação</a:t>
             </a:r>
             <a:endParaRPr lang="pt-BR" dirty="0"/>
           </a:p>

--- a/Apresentação/Estudo e Implementação de Reconfiguração Dinâmica.pptx
+++ b/Apresentação/Estudo e Implementação de Reconfiguração Dinâmica.pptx
@@ -5,10 +5,10 @@
     <p:sldMasterId id="2147483648" r:id="rId1"/>
   </p:sldMasterIdLst>
   <p:notesMasterIdLst>
-    <p:notesMasterId r:id="rId41"/>
+    <p:notesMasterId r:id="rId42"/>
   </p:notesMasterIdLst>
   <p:handoutMasterIdLst>
-    <p:handoutMasterId r:id="rId42"/>
+    <p:handoutMasterId r:id="rId43"/>
   </p:handoutMasterIdLst>
   <p:sldIdLst>
     <p:sldId id="256" r:id="rId2"/>
@@ -26,30 +26,31 @@
     <p:sldId id="279" r:id="rId14"/>
     <p:sldId id="280" r:id="rId15"/>
     <p:sldId id="283" r:id="rId16"/>
-    <p:sldId id="281" r:id="rId17"/>
-    <p:sldId id="260" r:id="rId18"/>
-    <p:sldId id="261" r:id="rId19"/>
-    <p:sldId id="284" r:id="rId20"/>
-    <p:sldId id="262" r:id="rId21"/>
-    <p:sldId id="263" r:id="rId22"/>
-    <p:sldId id="285" r:id="rId23"/>
-    <p:sldId id="286" r:id="rId24"/>
-    <p:sldId id="264" r:id="rId25"/>
-    <p:sldId id="265" r:id="rId26"/>
-    <p:sldId id="287" r:id="rId27"/>
-    <p:sldId id="288" r:id="rId28"/>
-    <p:sldId id="289" r:id="rId29"/>
-    <p:sldId id="266" r:id="rId30"/>
-    <p:sldId id="267" r:id="rId31"/>
-    <p:sldId id="290" r:id="rId32"/>
-    <p:sldId id="268" r:id="rId33"/>
-    <p:sldId id="269" r:id="rId34"/>
-    <p:sldId id="291" r:id="rId35"/>
-    <p:sldId id="271" r:id="rId36"/>
-    <p:sldId id="292" r:id="rId37"/>
-    <p:sldId id="270" r:id="rId38"/>
-    <p:sldId id="272" r:id="rId39"/>
-    <p:sldId id="295" r:id="rId40"/>
+    <p:sldId id="296" r:id="rId17"/>
+    <p:sldId id="281" r:id="rId18"/>
+    <p:sldId id="260" r:id="rId19"/>
+    <p:sldId id="261" r:id="rId20"/>
+    <p:sldId id="284" r:id="rId21"/>
+    <p:sldId id="262" r:id="rId22"/>
+    <p:sldId id="263" r:id="rId23"/>
+    <p:sldId id="285" r:id="rId24"/>
+    <p:sldId id="286" r:id="rId25"/>
+    <p:sldId id="264" r:id="rId26"/>
+    <p:sldId id="265" r:id="rId27"/>
+    <p:sldId id="287" r:id="rId28"/>
+    <p:sldId id="288" r:id="rId29"/>
+    <p:sldId id="289" r:id="rId30"/>
+    <p:sldId id="266" r:id="rId31"/>
+    <p:sldId id="267" r:id="rId32"/>
+    <p:sldId id="290" r:id="rId33"/>
+    <p:sldId id="268" r:id="rId34"/>
+    <p:sldId id="269" r:id="rId35"/>
+    <p:sldId id="291" r:id="rId36"/>
+    <p:sldId id="271" r:id="rId37"/>
+    <p:sldId id="292" r:id="rId38"/>
+    <p:sldId id="270" r:id="rId39"/>
+    <p:sldId id="272" r:id="rId40"/>
+    <p:sldId id="295" r:id="rId41"/>
   </p:sldIdLst>
   <p:sldSz cx="9144000" cy="6858000" type="screen4x3"/>
   <p:notesSz cx="6670675" cy="9802813"/>
@@ -184,6 +185,7 @@
             <p14:sldId id="279"/>
             <p14:sldId id="280"/>
             <p14:sldId id="283"/>
+            <p14:sldId id="296"/>
           </p14:sldIdLst>
         </p14:section>
         <p14:section name="Exp1" id="{44507A58-BA51-4172-B6A7-5CEEA16B79D2}">
@@ -9611,7 +9613,7 @@
       </p:grpSpPr>
       <p:sp>
         <p:nvSpPr>
-          <p:cNvPr id="7" name="Título 6"/>
+          <p:cNvPr id="2" name="Título 1"/>
           <p:cNvSpPr>
             <a:spLocks noGrp="1"/>
           </p:cNvSpPr>
@@ -9626,7 +9628,7 @@
           <a:p>
             <a:r>
               <a:rPr lang="pt-BR" dirty="0" smtClean="0"/>
-              <a:t>Reconfiguração dinâmica</a:t>
+              <a:t>ICAP</a:t>
             </a:r>
             <a:endParaRPr lang="pt-BR" dirty="0"/>
           </a:p>
@@ -9634,12 +9636,12 @@
       </p:sp>
       <p:sp>
         <p:nvSpPr>
-          <p:cNvPr id="8" name="Espaço Reservado para Texto 7"/>
-          <p:cNvSpPr>
-            <a:spLocks noGrp="1"/>
-          </p:cNvSpPr>
-          <p:nvPr>
-            <p:ph type="body" idx="1"/>
+          <p:cNvPr id="3" name="Espaço Reservado para Conteúdo 2"/>
+          <p:cNvSpPr>
+            <a:spLocks noGrp="1"/>
+          </p:cNvSpPr>
+          <p:nvPr>
+            <p:ph sz="half" idx="1"/>
           </p:nvPr>
         </p:nvSpPr>
         <p:spPr/>
@@ -9649,15 +9651,57 @@
           <a:p>
             <a:r>
               <a:rPr lang="pt-BR" dirty="0" smtClean="0"/>
-              <a:t>Experimento 1</a:t>
-            </a:r>
+              <a:t>3 páginas de documentação</a:t>
+            </a:r>
+          </a:p>
+          <a:p>
+            <a:r>
+              <a:rPr lang="pt-BR" dirty="0" smtClean="0"/>
+              <a:t>Similar a </a:t>
+            </a:r>
+            <a:r>
+              <a:rPr lang="pt-BR" i="1" dirty="0" err="1" smtClean="0"/>
+              <a:t>SelectMAP</a:t>
+            </a:r>
+            <a:endParaRPr lang="pt-BR" i="1" dirty="0" smtClean="0"/>
+          </a:p>
+          <a:p>
             <a:endParaRPr lang="pt-BR" dirty="0"/>
           </a:p>
         </p:txBody>
       </p:sp>
-      <p:sp>
-        <p:nvSpPr>
-          <p:cNvPr id="4" name="Espaço Reservado para Data 3"/>
+      <p:pic>
+        <p:nvPicPr>
+          <p:cNvPr id="8" name="Espaço Reservado para Conteúdo 7"/>
+          <p:cNvPicPr>
+            <a:picLocks noGrp="1" noChangeAspect="1"/>
+          </p:cNvPicPr>
+          <p:nvPr>
+            <p:ph sz="half" idx="2"/>
+          </p:nvPr>
+        </p:nvPicPr>
+        <p:blipFill>
+          <a:blip r:embed="rId2">
+            <a:extLst>
+              <a:ext uri="{28A0092B-C50C-407E-A947-70E740481C1C}">
+                <a14:useLocalDpi xmlns:a14="http://schemas.microsoft.com/office/drawing/2010/main" val="0"/>
+              </a:ext>
+            </a:extLst>
+          </a:blip>
+          <a:stretch>
+            <a:fillRect/>
+          </a:stretch>
+        </p:blipFill>
+        <p:spPr>
+          <a:xfrm>
+            <a:off x="4648200" y="2132856"/>
+            <a:ext cx="4038600" cy="1849535"/>
+          </a:xfrm>
+        </p:spPr>
+      </p:pic>
+      <p:sp>
+        <p:nvSpPr>
+          <p:cNvPr id="5" name="Espaço Reservado para Data 4"/>
           <p:cNvSpPr>
             <a:spLocks noGrp="1"/>
           </p:cNvSpPr>
@@ -9680,7 +9724,7 @@
       </p:sp>
       <p:sp>
         <p:nvSpPr>
-          <p:cNvPr id="5" name="Espaço Reservado para Rodapé 4"/>
+          <p:cNvPr id="6" name="Espaço Reservado para Rodapé 5"/>
           <p:cNvSpPr>
             <a:spLocks noGrp="1"/>
           </p:cNvSpPr>
@@ -9693,13 +9737,17 @@
           <a:bodyPr/>
           <a:lstStyle/>
           <a:p>
-            <a:endParaRPr lang="pt-BR"/>
-          </a:p>
-        </p:txBody>
-      </p:sp>
-      <p:sp>
-        <p:nvSpPr>
-          <p:cNvPr id="6" name="Espaço Reservado para Número de Slide 5"/>
+            <a:r>
+              <a:rPr lang="pt-BR" dirty="0" smtClean="0"/>
+              <a:t>Experimentos</a:t>
+            </a:r>
+            <a:endParaRPr lang="pt-BR" dirty="0"/>
+          </a:p>
+        </p:txBody>
+      </p:sp>
+      <p:sp>
+        <p:nvSpPr>
+          <p:cNvPr id="7" name="Espaço Reservado para Número de Slide 6"/>
           <p:cNvSpPr>
             <a:spLocks noGrp="1"/>
           </p:cNvSpPr>
@@ -9723,20 +9771,13 @@
     </p:spTree>
     <p:extLst>
       <p:ext uri="{BB962C8B-B14F-4D97-AF65-F5344CB8AC3E}">
-        <p14:creationId xmlns:p14="http://schemas.microsoft.com/office/powerpoint/2010/main" val="4232592810"/>
+        <p14:creationId xmlns:p14="http://schemas.microsoft.com/office/powerpoint/2010/main" val="3563127477"/>
       </p:ext>
     </p:extLst>
   </p:cSld>
   <p:clrMapOvr>
     <a:masterClrMapping/>
   </p:clrMapOvr>
-  <p:timing>
-    <p:tnLst>
-      <p:par>
-        <p:cTn id="1" dur="indefinite" restart="never" nodeType="tmRoot"/>
-      </p:par>
-    </p:tnLst>
-  </p:timing>
 </p:sld>
 </file>
 
@@ -9759,7 +9800,7 @@
       </p:grpSpPr>
       <p:sp>
         <p:nvSpPr>
-          <p:cNvPr id="14" name="Título 13"/>
+          <p:cNvPr id="7" name="Título 6"/>
           <p:cNvSpPr>
             <a:spLocks noGrp="1"/>
           </p:cNvSpPr>
@@ -9774,70 +9815,35 @@
           <a:p>
             <a:r>
               <a:rPr lang="pt-BR" dirty="0" smtClean="0"/>
-              <a:t>Fluxo de Projeto</a:t>
+              <a:t>Reconfiguração dinâmica</a:t>
             </a:r>
             <a:endParaRPr lang="pt-BR" dirty="0"/>
           </a:p>
         </p:txBody>
       </p:sp>
-      <p:pic>
-        <p:nvPicPr>
-          <p:cNvPr id="12" name="Espaço Reservado para Conteúdo 11"/>
-          <p:cNvPicPr>
-            <a:picLocks noGrp="1" noChangeAspect="1"/>
-          </p:cNvPicPr>
-          <p:nvPr>
-            <p:ph sz="half" idx="1"/>
-          </p:nvPr>
-        </p:nvPicPr>
-        <p:blipFill>
-          <a:blip r:embed="rId3" cstate="print">
-            <a:extLst>
-              <a:ext uri="{28A0092B-C50C-407E-A947-70E740481C1C}">
-                <a14:useLocalDpi xmlns:a14="http://schemas.microsoft.com/office/drawing/2010/main" val="0"/>
-              </a:ext>
-            </a:extLst>
-          </a:blip>
-          <a:stretch>
-            <a:fillRect/>
-          </a:stretch>
-        </p:blipFill>
-        <p:spPr>
-          <a:xfrm>
-            <a:off x="457200" y="1844824"/>
-            <a:ext cx="8229600" cy="1837265"/>
-          </a:xfrm>
-        </p:spPr>
-      </p:pic>
-      <p:pic>
-        <p:nvPicPr>
-          <p:cNvPr id="13" name="Espaço Reservado para Conteúdo 12"/>
-          <p:cNvPicPr>
-            <a:picLocks noGrp="1" noChangeAspect="1"/>
-          </p:cNvPicPr>
-          <p:nvPr>
-            <p:ph sz="half" idx="2"/>
-          </p:nvPr>
-        </p:nvPicPr>
-        <p:blipFill>
-          <a:blip r:embed="rId4" cstate="print">
-            <a:extLst>
-              <a:ext uri="{28A0092B-C50C-407E-A947-70E740481C1C}">
-                <a14:useLocalDpi xmlns:a14="http://schemas.microsoft.com/office/drawing/2010/main" val="0"/>
-              </a:ext>
-            </a:extLst>
-          </a:blip>
-          <a:stretch>
-            <a:fillRect/>
-          </a:stretch>
-        </p:blipFill>
-        <p:spPr>
-          <a:xfrm>
-            <a:off x="457200" y="3969888"/>
-            <a:ext cx="8229600" cy="1835376"/>
-          </a:xfrm>
-        </p:spPr>
-      </p:pic>
+      <p:sp>
+        <p:nvSpPr>
+          <p:cNvPr id="8" name="Espaço Reservado para Texto 7"/>
+          <p:cNvSpPr>
+            <a:spLocks noGrp="1"/>
+          </p:cNvSpPr>
+          <p:nvPr>
+            <p:ph type="body" idx="1"/>
+          </p:nvPr>
+        </p:nvSpPr>
+        <p:spPr/>
+        <p:txBody>
+          <a:bodyPr/>
+          <a:lstStyle/>
+          <a:p>
+            <a:r>
+              <a:rPr lang="pt-BR" dirty="0" smtClean="0"/>
+              <a:t>Experimento 1</a:t>
+            </a:r>
+            <a:endParaRPr lang="pt-BR" dirty="0"/>
+          </a:p>
+        </p:txBody>
+      </p:sp>
       <p:sp>
         <p:nvSpPr>
           <p:cNvPr id="4" name="Espaço Reservado para Data 3"/>
@@ -9876,10 +9882,7 @@
           <a:bodyPr/>
           <a:lstStyle/>
           <a:p>
-            <a:r>
-              <a:rPr lang="pt-BR" dirty="0"/>
-              <a:t>Experimento 1</a:t>
-            </a:r>
+            <a:endParaRPr lang="pt-BR"/>
           </a:p>
         </p:txBody>
       </p:sp>
@@ -9909,7 +9912,7 @@
     </p:spTree>
     <p:extLst>
       <p:ext uri="{BB962C8B-B14F-4D97-AF65-F5344CB8AC3E}">
-        <p14:creationId xmlns:p14="http://schemas.microsoft.com/office/powerpoint/2010/main" val="2541514933"/>
+        <p14:creationId xmlns:p14="http://schemas.microsoft.com/office/powerpoint/2010/main" val="4232592810"/>
       </p:ext>
     </p:extLst>
   </p:cSld>
@@ -9945,7 +9948,7 @@
       </p:grpSpPr>
       <p:sp>
         <p:nvSpPr>
-          <p:cNvPr id="2" name="Título 1"/>
+          <p:cNvPr id="14" name="Título 13"/>
           <p:cNvSpPr>
             <a:spLocks noGrp="1"/>
           </p:cNvSpPr>
@@ -9960,7 +9963,7 @@
           <a:p>
             <a:r>
               <a:rPr lang="pt-BR" dirty="0" smtClean="0"/>
-              <a:t>Comportamento</a:t>
+              <a:t>Fluxo de Projeto</a:t>
             </a:r>
             <a:endParaRPr lang="pt-BR" dirty="0"/>
           </a:p>
@@ -9968,16 +9971,16 @@
       </p:sp>
       <p:pic>
         <p:nvPicPr>
-          <p:cNvPr id="7" name="Espaço Reservado para Conteúdo 6"/>
+          <p:cNvPr id="12" name="Espaço Reservado para Conteúdo 11"/>
           <p:cNvPicPr>
             <a:picLocks noGrp="1" noChangeAspect="1"/>
           </p:cNvPicPr>
           <p:nvPr>
-            <p:ph idx="1"/>
+            <p:ph sz="half" idx="1"/>
           </p:nvPr>
         </p:nvPicPr>
         <p:blipFill>
-          <a:blip r:embed="rId3">
+          <a:blip r:embed="rId3" cstate="print">
             <a:extLst>
               <a:ext uri="{28A0092B-C50C-407E-A947-70E740481C1C}">
                 <a14:useLocalDpi xmlns:a14="http://schemas.microsoft.com/office/drawing/2010/main" val="0"/>
@@ -9990,11 +9993,40 @@
         </p:blipFill>
         <p:spPr>
           <a:xfrm>
-            <a:off x="2514600" y="2125980"/>
-            <a:ext cx="4114800" cy="2606040"/>
+            <a:off x="457200" y="1844824"/>
+            <a:ext cx="8229600" cy="1837265"/>
           </a:xfrm>
         </p:spPr>
       </p:pic>
+      <p:pic>
+        <p:nvPicPr>
+          <p:cNvPr id="13" name="Espaço Reservado para Conteúdo 12"/>
+          <p:cNvPicPr>
+            <a:picLocks noGrp="1" noChangeAspect="1"/>
+          </p:cNvPicPr>
+          <p:nvPr>
+            <p:ph sz="half" idx="2"/>
+          </p:nvPr>
+        </p:nvPicPr>
+        <p:blipFill>
+          <a:blip r:embed="rId4" cstate="print">
+            <a:extLst>
+              <a:ext uri="{28A0092B-C50C-407E-A947-70E740481C1C}">
+                <a14:useLocalDpi xmlns:a14="http://schemas.microsoft.com/office/drawing/2010/main" val="0"/>
+              </a:ext>
+            </a:extLst>
+          </a:blip>
+          <a:stretch>
+            <a:fillRect/>
+          </a:stretch>
+        </p:blipFill>
+        <p:spPr>
+          <a:xfrm>
+            <a:off x="457200" y="3969888"/>
+            <a:ext cx="8229600" cy="1835376"/>
+          </a:xfrm>
+        </p:spPr>
+      </p:pic>
       <p:sp>
         <p:nvSpPr>
           <p:cNvPr id="4" name="Espaço Reservado para Data 3"/>
@@ -10035,13 +10067,8 @@
           <a:p>
             <a:r>
               <a:rPr lang="pt-BR" dirty="0"/>
-              <a:t>Experimento </a:t>
-            </a:r>
-            <a:r>
-              <a:rPr lang="pt-BR" dirty="0" smtClean="0"/>
-              <a:t>1</a:t>
-            </a:r>
-            <a:endParaRPr lang="pt-BR" dirty="0"/>
+              <a:t>Experimento 1</a:t>
+            </a:r>
           </a:p>
         </p:txBody>
       </p:sp>
@@ -10071,7 +10098,7 @@
     </p:spTree>
     <p:extLst>
       <p:ext uri="{BB962C8B-B14F-4D97-AF65-F5344CB8AC3E}">
-        <p14:creationId xmlns:p14="http://schemas.microsoft.com/office/powerpoint/2010/main" val="1010192082"/>
+        <p14:creationId xmlns:p14="http://schemas.microsoft.com/office/powerpoint/2010/main" val="2541514933"/>
       </p:ext>
     </p:extLst>
   </p:cSld>
@@ -10122,38 +10149,7 @@
           <a:p>
             <a:r>
               <a:rPr lang="pt-BR" dirty="0" smtClean="0"/>
-              <a:t>Resultado</a:t>
-            </a:r>
-            <a:endParaRPr lang="pt-BR" dirty="0"/>
-          </a:p>
-        </p:txBody>
-      </p:sp>
-      <p:sp>
-        <p:nvSpPr>
-          <p:cNvPr id="13" name="Espaço Reservado para Conteúdo 12"/>
-          <p:cNvSpPr>
-            <a:spLocks noGrp="1"/>
-          </p:cNvSpPr>
-          <p:nvPr>
-            <p:ph sz="half" idx="1"/>
-          </p:nvPr>
-        </p:nvSpPr>
-        <p:spPr>
-          <a:xfrm>
-            <a:off x="457200" y="1600200"/>
-            <a:ext cx="4834880" cy="4525963"/>
-          </a:xfrm>
-        </p:spPr>
-        <p:txBody>
-          <a:bodyPr/>
-          <a:lstStyle/>
-          <a:p>
-            <a:pPr marL="0" indent="0">
-              <a:buNone/>
-            </a:pPr>
-            <a:r>
-              <a:rPr lang="pt-BR" dirty="0" smtClean="0"/>
-              <a:t>Experimento bem sucedido</a:t>
+              <a:t>Comportamento</a:t>
             </a:r>
             <a:endParaRPr lang="pt-BR" dirty="0"/>
           </a:p>
@@ -10161,16 +10157,16 @@
       </p:sp>
       <p:pic>
         <p:nvPicPr>
-          <p:cNvPr id="15" name="Espaço Reservado para Conteúdo 14"/>
+          <p:cNvPr id="7" name="Espaço Reservado para Conteúdo 6"/>
           <p:cNvPicPr>
             <a:picLocks noGrp="1" noChangeAspect="1"/>
           </p:cNvPicPr>
           <p:nvPr>
-            <p:ph sz="half" idx="2"/>
+            <p:ph idx="1"/>
           </p:nvPr>
         </p:nvPicPr>
         <p:blipFill>
-          <a:blip r:embed="rId3" cstate="print">
+          <a:blip r:embed="rId3">
             <a:extLst>
               <a:ext uri="{28A0092B-C50C-407E-A947-70E740481C1C}">
                 <a14:useLocalDpi xmlns:a14="http://schemas.microsoft.com/office/drawing/2010/main" val="0"/>
@@ -10183,8 +10179,8 @@
         </p:blipFill>
         <p:spPr>
           <a:xfrm>
-            <a:off x="5378557" y="1600200"/>
-            <a:ext cx="2577886" cy="4525963"/>
+            <a:off x="2514600" y="2125980"/>
+            <a:ext cx="4114800" cy="2606040"/>
           </a:xfrm>
         </p:spPr>
       </p:pic>
@@ -10227,8 +10223,12 @@
           <a:lstStyle/>
           <a:p>
             <a:r>
-              <a:rPr lang="pt-BR" smtClean="0"/>
-              <a:t>Experimento 1</a:t>
+              <a:rPr lang="pt-BR" dirty="0"/>
+              <a:t>Experimento </a:t>
+            </a:r>
+            <a:r>
+              <a:rPr lang="pt-BR" dirty="0" smtClean="0"/>
+              <a:t>1</a:t>
             </a:r>
             <a:endParaRPr lang="pt-BR" dirty="0"/>
           </a:p>
@@ -10251,7 +10251,6 @@
           <a:p>
             <a:fld id="{E15E65B2-3271-4EB1-B955-03EC741CF5EC}" type="slidenum">
               <a:rPr lang="pt-BR" smtClean="0"/>
-              <a:pPr/>
               <a:t>19</a:t>
             </a:fld>
             <a:endParaRPr lang="pt-BR"/>
@@ -10261,7 +10260,7 @@
     </p:spTree>
     <p:extLst>
       <p:ext uri="{BB962C8B-B14F-4D97-AF65-F5344CB8AC3E}">
-        <p14:creationId xmlns:p14="http://schemas.microsoft.com/office/powerpoint/2010/main" val="1077336771"/>
+        <p14:creationId xmlns:p14="http://schemas.microsoft.com/office/powerpoint/2010/main" val="1010192082"/>
       </p:ext>
     </p:extLst>
   </p:cSld>
@@ -10533,14 +10532,12 @@
         </p:nvSpPr>
         <p:spPr/>
         <p:txBody>
-          <a:bodyPr>
-            <a:normAutofit/>
-          </a:bodyPr>
+          <a:bodyPr/>
           <a:lstStyle/>
           <a:p>
             <a:r>
               <a:rPr lang="pt-BR" dirty="0" smtClean="0"/>
-              <a:t>Memórias</a:t>
+              <a:t>Resultado</a:t>
             </a:r>
             <a:endParaRPr lang="pt-BR" dirty="0"/>
           </a:p>
@@ -10548,26 +10545,64 @@
       </p:sp>
       <p:sp>
         <p:nvSpPr>
-          <p:cNvPr id="7" name="Espaço Reservado para Texto 6"/>
-          <p:cNvSpPr>
-            <a:spLocks noGrp="1"/>
-          </p:cNvSpPr>
-          <p:nvPr>
-            <p:ph type="body" idx="1"/>
-          </p:nvPr>
-        </p:nvSpPr>
-        <p:spPr/>
-        <p:txBody>
-          <a:bodyPr/>
-          <a:lstStyle/>
-          <a:p>
-            <a:r>
-              <a:rPr lang="pt-BR" dirty="0"/>
-              <a:t>Experimento 2</a:t>
-            </a:r>
-          </a:p>
-        </p:txBody>
-      </p:sp>
+          <p:cNvPr id="13" name="Espaço Reservado para Conteúdo 12"/>
+          <p:cNvSpPr>
+            <a:spLocks noGrp="1"/>
+          </p:cNvSpPr>
+          <p:nvPr>
+            <p:ph sz="half" idx="1"/>
+          </p:nvPr>
+        </p:nvSpPr>
+        <p:spPr>
+          <a:xfrm>
+            <a:off x="457200" y="1600200"/>
+            <a:ext cx="4834880" cy="4525963"/>
+          </a:xfrm>
+        </p:spPr>
+        <p:txBody>
+          <a:bodyPr/>
+          <a:lstStyle/>
+          <a:p>
+            <a:pPr marL="0" indent="0">
+              <a:buNone/>
+            </a:pPr>
+            <a:r>
+              <a:rPr lang="pt-BR" dirty="0" smtClean="0"/>
+              <a:t>Experimento bem sucedido</a:t>
+            </a:r>
+            <a:endParaRPr lang="pt-BR" dirty="0"/>
+          </a:p>
+        </p:txBody>
+      </p:sp>
+      <p:pic>
+        <p:nvPicPr>
+          <p:cNvPr id="15" name="Espaço Reservado para Conteúdo 14"/>
+          <p:cNvPicPr>
+            <a:picLocks noGrp="1" noChangeAspect="1"/>
+          </p:cNvPicPr>
+          <p:nvPr>
+            <p:ph sz="half" idx="2"/>
+          </p:nvPr>
+        </p:nvPicPr>
+        <p:blipFill>
+          <a:blip r:embed="rId3" cstate="print">
+            <a:extLst>
+              <a:ext uri="{28A0092B-C50C-407E-A947-70E740481C1C}">
+                <a14:useLocalDpi xmlns:a14="http://schemas.microsoft.com/office/drawing/2010/main" val="0"/>
+              </a:ext>
+            </a:extLst>
+          </a:blip>
+          <a:stretch>
+            <a:fillRect/>
+          </a:stretch>
+        </p:blipFill>
+        <p:spPr>
+          <a:xfrm>
+            <a:off x="5378557" y="1600200"/>
+            <a:ext cx="2577886" cy="4525963"/>
+          </a:xfrm>
+        </p:spPr>
+      </p:pic>
       <p:sp>
         <p:nvSpPr>
           <p:cNvPr id="4" name="Espaço Reservado para Data 3"/>
@@ -10606,7 +10641,11 @@
           <a:bodyPr/>
           <a:lstStyle/>
           <a:p>
-            <a:endParaRPr lang="pt-BR"/>
+            <a:r>
+              <a:rPr lang="pt-BR" smtClean="0"/>
+              <a:t>Experimento 1</a:t>
+            </a:r>
+            <a:endParaRPr lang="pt-BR" dirty="0"/>
           </a:p>
         </p:txBody>
       </p:sp>
@@ -10627,6 +10666,7 @@
           <a:p>
             <a:fld id="{E15E65B2-3271-4EB1-B955-03EC741CF5EC}" type="slidenum">
               <a:rPr lang="pt-BR" smtClean="0"/>
+              <a:pPr/>
               <a:t>20</a:t>
             </a:fld>
             <a:endParaRPr lang="pt-BR"/>
@@ -10636,7 +10676,7 @@
     </p:spTree>
     <p:extLst>
       <p:ext uri="{BB962C8B-B14F-4D97-AF65-F5344CB8AC3E}">
-        <p14:creationId xmlns:p14="http://schemas.microsoft.com/office/powerpoint/2010/main" val="1049227361"/>
+        <p14:creationId xmlns:p14="http://schemas.microsoft.com/office/powerpoint/2010/main" val="1077336771"/>
       </p:ext>
     </p:extLst>
   </p:cSld>
@@ -10682,6 +10722,155 @@
         </p:nvSpPr>
         <p:spPr/>
         <p:txBody>
+          <a:bodyPr>
+            <a:normAutofit/>
+          </a:bodyPr>
+          <a:lstStyle/>
+          <a:p>
+            <a:r>
+              <a:rPr lang="pt-BR" dirty="0" smtClean="0"/>
+              <a:t>Memórias</a:t>
+            </a:r>
+            <a:endParaRPr lang="pt-BR" dirty="0"/>
+          </a:p>
+        </p:txBody>
+      </p:sp>
+      <p:sp>
+        <p:nvSpPr>
+          <p:cNvPr id="7" name="Espaço Reservado para Texto 6"/>
+          <p:cNvSpPr>
+            <a:spLocks noGrp="1"/>
+          </p:cNvSpPr>
+          <p:nvPr>
+            <p:ph type="body" idx="1"/>
+          </p:nvPr>
+        </p:nvSpPr>
+        <p:spPr/>
+        <p:txBody>
+          <a:bodyPr/>
+          <a:lstStyle/>
+          <a:p>
+            <a:r>
+              <a:rPr lang="pt-BR" dirty="0"/>
+              <a:t>Experimento 2</a:t>
+            </a:r>
+          </a:p>
+        </p:txBody>
+      </p:sp>
+      <p:sp>
+        <p:nvSpPr>
+          <p:cNvPr id="4" name="Espaço Reservado para Data 3"/>
+          <p:cNvSpPr>
+            <a:spLocks noGrp="1"/>
+          </p:cNvSpPr>
+          <p:nvPr>
+            <p:ph type="dt" sz="half" idx="10"/>
+          </p:nvPr>
+        </p:nvSpPr>
+        <p:spPr/>
+        <p:txBody>
+          <a:bodyPr/>
+          <a:lstStyle/>
+          <a:p>
+            <a:r>
+              <a:rPr lang="pt-BR" smtClean="0"/>
+              <a:t>16 de dezembro de 2013</a:t>
+            </a:r>
+            <a:endParaRPr lang="pt-BR"/>
+          </a:p>
+        </p:txBody>
+      </p:sp>
+      <p:sp>
+        <p:nvSpPr>
+          <p:cNvPr id="5" name="Espaço Reservado para Rodapé 4"/>
+          <p:cNvSpPr>
+            <a:spLocks noGrp="1"/>
+          </p:cNvSpPr>
+          <p:nvPr>
+            <p:ph type="ftr" sz="quarter" idx="11"/>
+          </p:nvPr>
+        </p:nvSpPr>
+        <p:spPr/>
+        <p:txBody>
+          <a:bodyPr/>
+          <a:lstStyle/>
+          <a:p>
+            <a:endParaRPr lang="pt-BR"/>
+          </a:p>
+        </p:txBody>
+      </p:sp>
+      <p:sp>
+        <p:nvSpPr>
+          <p:cNvPr id="6" name="Espaço Reservado para Número de Slide 5"/>
+          <p:cNvSpPr>
+            <a:spLocks noGrp="1"/>
+          </p:cNvSpPr>
+          <p:nvPr>
+            <p:ph type="sldNum" sz="quarter" idx="12"/>
+          </p:nvPr>
+        </p:nvSpPr>
+        <p:spPr/>
+        <p:txBody>
+          <a:bodyPr/>
+          <a:lstStyle/>
+          <a:p>
+            <a:fld id="{E15E65B2-3271-4EB1-B955-03EC741CF5EC}" type="slidenum">
+              <a:rPr lang="pt-BR" smtClean="0"/>
+              <a:t>21</a:t>
+            </a:fld>
+            <a:endParaRPr lang="pt-BR"/>
+          </a:p>
+        </p:txBody>
+      </p:sp>
+    </p:spTree>
+    <p:extLst>
+      <p:ext uri="{BB962C8B-B14F-4D97-AF65-F5344CB8AC3E}">
+        <p14:creationId xmlns:p14="http://schemas.microsoft.com/office/powerpoint/2010/main" val="1049227361"/>
+      </p:ext>
+    </p:extLst>
+  </p:cSld>
+  <p:clrMapOvr>
+    <a:masterClrMapping/>
+  </p:clrMapOvr>
+  <p:timing>
+    <p:tnLst>
+      <p:par>
+        <p:cTn id="1" dur="indefinite" restart="never" nodeType="tmRoot"/>
+      </p:par>
+    </p:tnLst>
+  </p:timing>
+</p:sld>
+</file>
+
+<file path=ppt/slides/slide22.xml><?xml version="1.0" encoding="utf-8"?>
+<p:sld xmlns:a="http://schemas.openxmlformats.org/drawingml/2006/main" xmlns:r="http://schemas.openxmlformats.org/officeDocument/2006/relationships" xmlns:p="http://schemas.openxmlformats.org/presentationml/2006/main">
+  <p:cSld>
+    <p:spTree>
+      <p:nvGrpSpPr>
+        <p:cNvPr id="1" name=""/>
+        <p:cNvGrpSpPr/>
+        <p:nvPr/>
+      </p:nvGrpSpPr>
+      <p:grpSpPr>
+        <a:xfrm>
+          <a:off x="0" y="0"/>
+          <a:ext cx="0" cy="0"/>
+          <a:chOff x="0" y="0"/>
+          <a:chExt cx="0" cy="0"/>
+        </a:xfrm>
+      </p:grpSpPr>
+      <p:sp>
+        <p:nvSpPr>
+          <p:cNvPr id="2" name="Título 1"/>
+          <p:cNvSpPr>
+            <a:spLocks noGrp="1"/>
+          </p:cNvSpPr>
+          <p:nvPr>
+            <p:ph type="title"/>
+          </p:nvPr>
+        </p:nvSpPr>
+        <p:spPr/>
+        <p:txBody>
           <a:bodyPr/>
           <a:lstStyle/>
           <a:p>
@@ -10851,7 +11040,7 @@
           <a:p>
             <a:fld id="{E15E65B2-3271-4EB1-B955-03EC741CF5EC}" type="slidenum">
               <a:rPr lang="pt-BR" smtClean="0"/>
-              <a:t>21</a:t>
+              <a:t>22</a:t>
             </a:fld>
             <a:endParaRPr lang="pt-BR"/>
           </a:p>
@@ -11247,7 +11436,7 @@
 </p:sld>
 </file>
 
-<file path=ppt/slides/slide22.xml><?xml version="1.0" encoding="utf-8"?>
+<file path=ppt/slides/slide23.xml><?xml version="1.0" encoding="utf-8"?>
 <p:sld xmlns:a="http://schemas.openxmlformats.org/drawingml/2006/main" xmlns:r="http://schemas.openxmlformats.org/officeDocument/2006/relationships" xmlns:p="http://schemas.openxmlformats.org/presentationml/2006/main">
   <p:cSld>
     <p:spTree>
@@ -11379,7 +11568,7 @@
           <a:p>
             <a:fld id="{E15E65B2-3271-4EB1-B955-03EC741CF5EC}" type="slidenum">
               <a:rPr lang="pt-BR" smtClean="0"/>
-              <a:t>22</a:t>
+              <a:t>23</a:t>
             </a:fld>
             <a:endParaRPr lang="pt-BR"/>
           </a:p>
@@ -11513,161 +11702,6 @@
 </p:sld>
 </file>
 
-<file path=ppt/slides/slide23.xml><?xml version="1.0" encoding="utf-8"?>
-<p:sld xmlns:a="http://schemas.openxmlformats.org/drawingml/2006/main" xmlns:r="http://schemas.openxmlformats.org/officeDocument/2006/relationships" xmlns:p="http://schemas.openxmlformats.org/presentationml/2006/main">
-  <p:cSld>
-    <p:spTree>
-      <p:nvGrpSpPr>
-        <p:cNvPr id="1" name=""/>
-        <p:cNvGrpSpPr/>
-        <p:nvPr/>
-      </p:nvGrpSpPr>
-      <p:grpSpPr>
-        <a:xfrm>
-          <a:off x="0" y="0"/>
-          <a:ext cx="0" cy="0"/>
-          <a:chOff x="0" y="0"/>
-          <a:chExt cx="0" cy="0"/>
-        </a:xfrm>
-      </p:grpSpPr>
-      <p:sp>
-        <p:nvSpPr>
-          <p:cNvPr id="2" name="Título 1"/>
-          <p:cNvSpPr>
-            <a:spLocks noGrp="1"/>
-          </p:cNvSpPr>
-          <p:nvPr>
-            <p:ph type="title"/>
-          </p:nvPr>
-        </p:nvSpPr>
-        <p:spPr/>
-        <p:txBody>
-          <a:bodyPr/>
-          <a:lstStyle/>
-          <a:p>
-            <a:r>
-              <a:rPr lang="pt-BR" dirty="0" smtClean="0"/>
-              <a:t>Resultados</a:t>
-            </a:r>
-            <a:endParaRPr lang="pt-BR" dirty="0"/>
-          </a:p>
-        </p:txBody>
-      </p:sp>
-      <p:sp>
-        <p:nvSpPr>
-          <p:cNvPr id="3" name="Espaço Reservado para Conteúdo 2"/>
-          <p:cNvSpPr>
-            <a:spLocks noGrp="1"/>
-          </p:cNvSpPr>
-          <p:nvPr>
-            <p:ph idx="1"/>
-          </p:nvPr>
-        </p:nvSpPr>
-        <p:spPr/>
-        <p:txBody>
-          <a:bodyPr/>
-          <a:lstStyle/>
-          <a:p>
-            <a:pPr marL="0" indent="0">
-              <a:buNone/>
-            </a:pPr>
-            <a:r>
-              <a:rPr lang="pt-BR" dirty="0" smtClean="0"/>
-              <a:t>Experimento bem sucedido</a:t>
-            </a:r>
-            <a:endParaRPr lang="pt-BR" dirty="0"/>
-          </a:p>
-        </p:txBody>
-      </p:sp>
-      <p:sp>
-        <p:nvSpPr>
-          <p:cNvPr id="4" name="Espaço Reservado para Data 3"/>
-          <p:cNvSpPr>
-            <a:spLocks noGrp="1"/>
-          </p:cNvSpPr>
-          <p:nvPr>
-            <p:ph type="dt" sz="half" idx="10"/>
-          </p:nvPr>
-        </p:nvSpPr>
-        <p:spPr/>
-        <p:txBody>
-          <a:bodyPr/>
-          <a:lstStyle/>
-          <a:p>
-            <a:r>
-              <a:rPr lang="pt-BR" smtClean="0"/>
-              <a:t>16 de dezembro de 2013</a:t>
-            </a:r>
-            <a:endParaRPr lang="pt-BR"/>
-          </a:p>
-        </p:txBody>
-      </p:sp>
-      <p:sp>
-        <p:nvSpPr>
-          <p:cNvPr id="5" name="Espaço Reservado para Rodapé 4"/>
-          <p:cNvSpPr>
-            <a:spLocks noGrp="1"/>
-          </p:cNvSpPr>
-          <p:nvPr>
-            <p:ph type="ftr" sz="quarter" idx="11"/>
-          </p:nvPr>
-        </p:nvSpPr>
-        <p:spPr/>
-        <p:txBody>
-          <a:bodyPr/>
-          <a:lstStyle/>
-          <a:p>
-            <a:r>
-              <a:rPr lang="pt-BR" dirty="0" smtClean="0"/>
-              <a:t>Experimento 2</a:t>
-            </a:r>
-            <a:endParaRPr lang="pt-BR" dirty="0"/>
-          </a:p>
-        </p:txBody>
-      </p:sp>
-      <p:sp>
-        <p:nvSpPr>
-          <p:cNvPr id="6" name="Espaço Reservado para Número de Slide 5"/>
-          <p:cNvSpPr>
-            <a:spLocks noGrp="1"/>
-          </p:cNvSpPr>
-          <p:nvPr>
-            <p:ph type="sldNum" sz="quarter" idx="12"/>
-          </p:nvPr>
-        </p:nvSpPr>
-        <p:spPr/>
-        <p:txBody>
-          <a:bodyPr/>
-          <a:lstStyle/>
-          <a:p>
-            <a:fld id="{E15E65B2-3271-4EB1-B955-03EC741CF5EC}" type="slidenum">
-              <a:rPr lang="pt-BR" smtClean="0"/>
-              <a:t>23</a:t>
-            </a:fld>
-            <a:endParaRPr lang="pt-BR"/>
-          </a:p>
-        </p:txBody>
-      </p:sp>
-    </p:spTree>
-    <p:extLst>
-      <p:ext uri="{BB962C8B-B14F-4D97-AF65-F5344CB8AC3E}">
-        <p14:creationId xmlns:p14="http://schemas.microsoft.com/office/powerpoint/2010/main" val="3907980999"/>
-      </p:ext>
-    </p:extLst>
-  </p:cSld>
-  <p:clrMapOvr>
-    <a:masterClrMapping/>
-  </p:clrMapOvr>
-  <p:timing>
-    <p:tnLst>
-      <p:par>
-        <p:cTn id="1" dur="indefinite" restart="never" nodeType="tmRoot"/>
-      </p:par>
-    </p:tnLst>
-  </p:timing>
-</p:sld>
-</file>
-
 <file path=ppt/slides/slide24.xml><?xml version="1.0" encoding="utf-8"?>
 <p:sld xmlns:a="http://schemas.openxmlformats.org/drawingml/2006/main" xmlns:r="http://schemas.openxmlformats.org/officeDocument/2006/relationships" xmlns:p="http://schemas.openxmlformats.org/presentationml/2006/main">
   <p:cSld>
@@ -11697,38 +11731,40 @@
         </p:nvSpPr>
         <p:spPr/>
         <p:txBody>
-          <a:bodyPr>
-            <a:normAutofit/>
-          </a:bodyPr>
-          <a:lstStyle/>
-          <a:p>
-            <a:r>
-              <a:rPr lang="pt-BR" i="1" dirty="0" smtClean="0"/>
-              <a:t>Bootloader</a:t>
-            </a:r>
-            <a:endParaRPr lang="pt-BR" i="1" dirty="0"/>
-          </a:p>
-        </p:txBody>
-      </p:sp>
-      <p:sp>
-        <p:nvSpPr>
-          <p:cNvPr id="7" name="Espaço Reservado para Texto 6"/>
-          <p:cNvSpPr>
-            <a:spLocks noGrp="1"/>
-          </p:cNvSpPr>
-          <p:nvPr>
-            <p:ph type="body" idx="1"/>
-          </p:nvPr>
-        </p:nvSpPr>
-        <p:spPr/>
-        <p:txBody>
-          <a:bodyPr/>
-          <a:lstStyle/>
-          <a:p>
-            <a:r>
-              <a:rPr lang="pt-BR" dirty="0"/>
-              <a:t>Experimento 3</a:t>
-            </a:r>
+          <a:bodyPr/>
+          <a:lstStyle/>
+          <a:p>
+            <a:r>
+              <a:rPr lang="pt-BR" dirty="0" smtClean="0"/>
+              <a:t>Resultados</a:t>
+            </a:r>
+            <a:endParaRPr lang="pt-BR" dirty="0"/>
+          </a:p>
+        </p:txBody>
+      </p:sp>
+      <p:sp>
+        <p:nvSpPr>
+          <p:cNvPr id="3" name="Espaço Reservado para Conteúdo 2"/>
+          <p:cNvSpPr>
+            <a:spLocks noGrp="1"/>
+          </p:cNvSpPr>
+          <p:nvPr>
+            <p:ph idx="1"/>
+          </p:nvPr>
+        </p:nvSpPr>
+        <p:spPr/>
+        <p:txBody>
+          <a:bodyPr/>
+          <a:lstStyle/>
+          <a:p>
+            <a:pPr marL="0" indent="0">
+              <a:buNone/>
+            </a:pPr>
+            <a:r>
+              <a:rPr lang="pt-BR" dirty="0" smtClean="0"/>
+              <a:t>Experimento bem sucedido</a:t>
+            </a:r>
+            <a:endParaRPr lang="pt-BR" dirty="0"/>
           </a:p>
         </p:txBody>
       </p:sp>
@@ -11770,7 +11806,11 @@
           <a:bodyPr/>
           <a:lstStyle/>
           <a:p>
-            <a:endParaRPr lang="pt-BR"/>
+            <a:r>
+              <a:rPr lang="pt-BR" dirty="0" smtClean="0"/>
+              <a:t>Experimento 2</a:t>
+            </a:r>
+            <a:endParaRPr lang="pt-BR" dirty="0"/>
           </a:p>
         </p:txBody>
       </p:sp>
@@ -11800,7 +11840,7 @@
     </p:spTree>
     <p:extLst>
       <p:ext uri="{BB962C8B-B14F-4D97-AF65-F5344CB8AC3E}">
-        <p14:creationId xmlns:p14="http://schemas.microsoft.com/office/powerpoint/2010/main" val="1238485748"/>
+        <p14:creationId xmlns:p14="http://schemas.microsoft.com/office/powerpoint/2010/main" val="3907980999"/>
       </p:ext>
     </p:extLst>
   </p:cSld>
@@ -11846,42 +11886,41 @@
         </p:nvSpPr>
         <p:spPr/>
         <p:txBody>
-          <a:bodyPr/>
-          <a:lstStyle/>
-          <a:p>
-            <a:endParaRPr lang="pt-BR" dirty="0"/>
-          </a:p>
-        </p:txBody>
-      </p:sp>
-      <p:pic>
-        <p:nvPicPr>
-          <p:cNvPr id="7" name="Espaço Reservado para Conteúdo 6"/>
-          <p:cNvPicPr>
-            <a:picLocks noGrp="1" noChangeAspect="1"/>
-          </p:cNvPicPr>
-          <p:nvPr>
-            <p:ph idx="1"/>
-          </p:nvPr>
-        </p:nvPicPr>
-        <p:blipFill>
-          <a:blip r:embed="rId3">
-            <a:extLst>
-              <a:ext uri="{28A0092B-C50C-407E-A947-70E740481C1C}">
-                <a14:useLocalDpi xmlns:a14="http://schemas.microsoft.com/office/drawing/2010/main" val="0"/>
-              </a:ext>
-            </a:extLst>
-          </a:blip>
-          <a:stretch>
-            <a:fillRect/>
-          </a:stretch>
-        </p:blipFill>
-        <p:spPr>
-          <a:xfrm>
-            <a:off x="2075688" y="1179576"/>
-            <a:ext cx="4992624" cy="4498848"/>
-          </a:xfrm>
-        </p:spPr>
-      </p:pic>
+          <a:bodyPr>
+            <a:normAutofit/>
+          </a:bodyPr>
+          <a:lstStyle/>
+          <a:p>
+            <a:r>
+              <a:rPr lang="pt-BR" i="1" dirty="0" smtClean="0"/>
+              <a:t>Bootloader</a:t>
+            </a:r>
+            <a:endParaRPr lang="pt-BR" i="1" dirty="0"/>
+          </a:p>
+        </p:txBody>
+      </p:sp>
+      <p:sp>
+        <p:nvSpPr>
+          <p:cNvPr id="7" name="Espaço Reservado para Texto 6"/>
+          <p:cNvSpPr>
+            <a:spLocks noGrp="1"/>
+          </p:cNvSpPr>
+          <p:nvPr>
+            <p:ph type="body" idx="1"/>
+          </p:nvPr>
+        </p:nvSpPr>
+        <p:spPr/>
+        <p:txBody>
+          <a:bodyPr/>
+          <a:lstStyle/>
+          <a:p>
+            <a:r>
+              <a:rPr lang="pt-BR" dirty="0"/>
+              <a:t>Experimento 3</a:t>
+            </a:r>
+          </a:p>
+        </p:txBody>
+      </p:sp>
       <p:sp>
         <p:nvSpPr>
           <p:cNvPr id="4" name="Espaço Reservado para Data 3"/>
@@ -11920,10 +11959,7 @@
           <a:bodyPr/>
           <a:lstStyle/>
           <a:p>
-            <a:r>
-              <a:rPr lang="pt-BR" dirty="0" smtClean="0"/>
-              <a:t>Experimento 3</a:t>
-            </a:r>
+            <a:endParaRPr lang="pt-BR"/>
           </a:p>
         </p:txBody>
       </p:sp>
@@ -11953,7 +11989,7 @@
     </p:spTree>
     <p:extLst>
       <p:ext uri="{BB962C8B-B14F-4D97-AF65-F5344CB8AC3E}">
-        <p14:creationId xmlns:p14="http://schemas.microsoft.com/office/powerpoint/2010/main" val="840518965"/>
+        <p14:creationId xmlns:p14="http://schemas.microsoft.com/office/powerpoint/2010/main" val="1238485748"/>
       </p:ext>
     </p:extLst>
   </p:cSld>
@@ -12002,6 +12038,159 @@
           <a:bodyPr/>
           <a:lstStyle/>
           <a:p>
+            <a:endParaRPr lang="pt-BR" dirty="0"/>
+          </a:p>
+        </p:txBody>
+      </p:sp>
+      <p:pic>
+        <p:nvPicPr>
+          <p:cNvPr id="7" name="Espaço Reservado para Conteúdo 6"/>
+          <p:cNvPicPr>
+            <a:picLocks noGrp="1" noChangeAspect="1"/>
+          </p:cNvPicPr>
+          <p:nvPr>
+            <p:ph idx="1"/>
+          </p:nvPr>
+        </p:nvPicPr>
+        <p:blipFill>
+          <a:blip r:embed="rId3">
+            <a:extLst>
+              <a:ext uri="{28A0092B-C50C-407E-A947-70E740481C1C}">
+                <a14:useLocalDpi xmlns:a14="http://schemas.microsoft.com/office/drawing/2010/main" val="0"/>
+              </a:ext>
+            </a:extLst>
+          </a:blip>
+          <a:stretch>
+            <a:fillRect/>
+          </a:stretch>
+        </p:blipFill>
+        <p:spPr>
+          <a:xfrm>
+            <a:off x="2075688" y="1179576"/>
+            <a:ext cx="4992624" cy="4498848"/>
+          </a:xfrm>
+        </p:spPr>
+      </p:pic>
+      <p:sp>
+        <p:nvSpPr>
+          <p:cNvPr id="4" name="Espaço Reservado para Data 3"/>
+          <p:cNvSpPr>
+            <a:spLocks noGrp="1"/>
+          </p:cNvSpPr>
+          <p:nvPr>
+            <p:ph type="dt" sz="half" idx="10"/>
+          </p:nvPr>
+        </p:nvSpPr>
+        <p:spPr/>
+        <p:txBody>
+          <a:bodyPr/>
+          <a:lstStyle/>
+          <a:p>
+            <a:r>
+              <a:rPr lang="pt-BR" smtClean="0"/>
+              <a:t>16 de dezembro de 2013</a:t>
+            </a:r>
+            <a:endParaRPr lang="pt-BR"/>
+          </a:p>
+        </p:txBody>
+      </p:sp>
+      <p:sp>
+        <p:nvSpPr>
+          <p:cNvPr id="5" name="Espaço Reservado para Rodapé 4"/>
+          <p:cNvSpPr>
+            <a:spLocks noGrp="1"/>
+          </p:cNvSpPr>
+          <p:nvPr>
+            <p:ph type="ftr" sz="quarter" idx="11"/>
+          </p:nvPr>
+        </p:nvSpPr>
+        <p:spPr/>
+        <p:txBody>
+          <a:bodyPr/>
+          <a:lstStyle/>
+          <a:p>
+            <a:r>
+              <a:rPr lang="pt-BR" dirty="0" smtClean="0"/>
+              <a:t>Experimento 3</a:t>
+            </a:r>
+          </a:p>
+        </p:txBody>
+      </p:sp>
+      <p:sp>
+        <p:nvSpPr>
+          <p:cNvPr id="6" name="Espaço Reservado para Número de Slide 5"/>
+          <p:cNvSpPr>
+            <a:spLocks noGrp="1"/>
+          </p:cNvSpPr>
+          <p:nvPr>
+            <p:ph type="sldNum" sz="quarter" idx="12"/>
+          </p:nvPr>
+        </p:nvSpPr>
+        <p:spPr/>
+        <p:txBody>
+          <a:bodyPr/>
+          <a:lstStyle/>
+          <a:p>
+            <a:fld id="{E15E65B2-3271-4EB1-B955-03EC741CF5EC}" type="slidenum">
+              <a:rPr lang="pt-BR" smtClean="0"/>
+              <a:t>26</a:t>
+            </a:fld>
+            <a:endParaRPr lang="pt-BR"/>
+          </a:p>
+        </p:txBody>
+      </p:sp>
+    </p:spTree>
+    <p:extLst>
+      <p:ext uri="{BB962C8B-B14F-4D97-AF65-F5344CB8AC3E}">
+        <p14:creationId xmlns:p14="http://schemas.microsoft.com/office/powerpoint/2010/main" val="840518965"/>
+      </p:ext>
+    </p:extLst>
+  </p:cSld>
+  <p:clrMapOvr>
+    <a:masterClrMapping/>
+  </p:clrMapOvr>
+  <p:timing>
+    <p:tnLst>
+      <p:par>
+        <p:cTn id="1" dur="indefinite" restart="never" nodeType="tmRoot"/>
+      </p:par>
+    </p:tnLst>
+  </p:timing>
+</p:sld>
+</file>
+
+<file path=ppt/slides/slide27.xml><?xml version="1.0" encoding="utf-8"?>
+<p:sld xmlns:a="http://schemas.openxmlformats.org/drawingml/2006/main" xmlns:r="http://schemas.openxmlformats.org/officeDocument/2006/relationships" xmlns:p="http://schemas.openxmlformats.org/presentationml/2006/main">
+  <p:cSld>
+    <p:spTree>
+      <p:nvGrpSpPr>
+        <p:cNvPr id="1" name=""/>
+        <p:cNvGrpSpPr/>
+        <p:nvPr/>
+      </p:nvGrpSpPr>
+      <p:grpSpPr>
+        <a:xfrm>
+          <a:off x="0" y="0"/>
+          <a:ext cx="0" cy="0"/>
+          <a:chOff x="0" y="0"/>
+          <a:chExt cx="0" cy="0"/>
+        </a:xfrm>
+      </p:grpSpPr>
+      <p:sp>
+        <p:nvSpPr>
+          <p:cNvPr id="2" name="Título 1"/>
+          <p:cNvSpPr>
+            <a:spLocks noGrp="1"/>
+          </p:cNvSpPr>
+          <p:nvPr>
+            <p:ph type="title"/>
+          </p:nvPr>
+        </p:nvSpPr>
+        <p:spPr/>
+        <p:txBody>
+          <a:bodyPr/>
+          <a:lstStyle/>
+          <a:p>
             <a:r>
               <a:rPr lang="pt-BR" dirty="0" smtClean="0"/>
               <a:t>Arquivo Binário</a:t>
@@ -12101,7 +12290,7 @@
           <a:p>
             <a:fld id="{E15E65B2-3271-4EB1-B955-03EC741CF5EC}" type="slidenum">
               <a:rPr lang="pt-BR" smtClean="0"/>
-              <a:t>26</a:t>
+              <a:t>27</a:t>
             </a:fld>
             <a:endParaRPr lang="pt-BR"/>
           </a:p>
@@ -12435,7 +12624,7 @@
 </p:sld>
 </file>
 
-<file path=ppt/slides/slide27.xml><?xml version="1.0" encoding="utf-8"?>
+<file path=ppt/slides/slide28.xml><?xml version="1.0" encoding="utf-8"?>
 <p:sld xmlns:a="http://schemas.openxmlformats.org/drawingml/2006/main" xmlns:r="http://schemas.openxmlformats.org/officeDocument/2006/relationships" xmlns:p="http://schemas.openxmlformats.org/presentationml/2006/main">
   <p:cSld>
     <p:spTree>
@@ -12573,7 +12762,7 @@
           <a:p>
             <a:fld id="{E15E65B2-3271-4EB1-B955-03EC741CF5EC}" type="slidenum">
               <a:rPr lang="pt-BR" smtClean="0"/>
-              <a:t>27</a:t>
+              <a:t>28</a:t>
             </a:fld>
             <a:endParaRPr lang="pt-BR"/>
           </a:p>
@@ -12628,7 +12817,7 @@
 </p:sld>
 </file>
 
-<file path=ppt/slides/slide28.xml><?xml version="1.0" encoding="utf-8"?>
+<file path=ppt/slides/slide29.xml><?xml version="1.0" encoding="utf-8"?>
 <p:sld xmlns:a="http://schemas.openxmlformats.org/drawingml/2006/main" xmlns:r="http://schemas.openxmlformats.org/officeDocument/2006/relationships" xmlns:p="http://schemas.openxmlformats.org/presentationml/2006/main">
   <p:cSld>
     <p:spTree>
@@ -12787,7 +12976,7 @@
           <a:p>
             <a:fld id="{E15E65B2-3271-4EB1-B955-03EC741CF5EC}" type="slidenum">
               <a:rPr lang="pt-BR" smtClean="0"/>
-              <a:t>28</a:t>
+              <a:t>29</a:t>
             </a:fld>
             <a:endParaRPr lang="pt-BR"/>
           </a:p>
@@ -12797,155 +12986,6 @@
     <p:extLst>
       <p:ext uri="{BB962C8B-B14F-4D97-AF65-F5344CB8AC3E}">
         <p14:creationId xmlns:p14="http://schemas.microsoft.com/office/powerpoint/2010/main" val="3382419477"/>
-      </p:ext>
-    </p:extLst>
-  </p:cSld>
-  <p:clrMapOvr>
-    <a:masterClrMapping/>
-  </p:clrMapOvr>
-  <p:timing>
-    <p:tnLst>
-      <p:par>
-        <p:cTn id="1" dur="indefinite" restart="never" nodeType="tmRoot"/>
-      </p:par>
-    </p:tnLst>
-  </p:timing>
-</p:sld>
-</file>
-
-<file path=ppt/slides/slide29.xml><?xml version="1.0" encoding="utf-8"?>
-<p:sld xmlns:a="http://schemas.openxmlformats.org/drawingml/2006/main" xmlns:r="http://schemas.openxmlformats.org/officeDocument/2006/relationships" xmlns:p="http://schemas.openxmlformats.org/presentationml/2006/main">
-  <p:cSld>
-    <p:spTree>
-      <p:nvGrpSpPr>
-        <p:cNvPr id="1" name=""/>
-        <p:cNvGrpSpPr/>
-        <p:nvPr/>
-      </p:nvGrpSpPr>
-      <p:grpSpPr>
-        <a:xfrm>
-          <a:off x="0" y="0"/>
-          <a:ext cx="0" cy="0"/>
-          <a:chOff x="0" y="0"/>
-          <a:chExt cx="0" cy="0"/>
-        </a:xfrm>
-      </p:grpSpPr>
-      <p:sp>
-        <p:nvSpPr>
-          <p:cNvPr id="2" name="Título 1"/>
-          <p:cNvSpPr>
-            <a:spLocks noGrp="1"/>
-          </p:cNvSpPr>
-          <p:nvPr>
-            <p:ph type="title"/>
-          </p:nvPr>
-        </p:nvSpPr>
-        <p:spPr/>
-        <p:txBody>
-          <a:bodyPr>
-            <a:normAutofit/>
-          </a:bodyPr>
-          <a:lstStyle/>
-          <a:p>
-            <a:r>
-              <a:rPr lang="pt-BR" dirty="0"/>
-              <a:t>Autorreconfiguração com MicroBlaze e DDR3</a:t>
-            </a:r>
-          </a:p>
-        </p:txBody>
-      </p:sp>
-      <p:sp>
-        <p:nvSpPr>
-          <p:cNvPr id="7" name="Espaço Reservado para Texto 6"/>
-          <p:cNvSpPr>
-            <a:spLocks noGrp="1"/>
-          </p:cNvSpPr>
-          <p:nvPr>
-            <p:ph type="body" idx="1"/>
-          </p:nvPr>
-        </p:nvSpPr>
-        <p:spPr/>
-        <p:txBody>
-          <a:bodyPr/>
-          <a:lstStyle/>
-          <a:p>
-            <a:r>
-              <a:rPr lang="pt-BR" dirty="0" smtClean="0"/>
-              <a:t>Experimento 4</a:t>
-            </a:r>
-            <a:endParaRPr lang="pt-BR" dirty="0"/>
-          </a:p>
-        </p:txBody>
-      </p:sp>
-      <p:sp>
-        <p:nvSpPr>
-          <p:cNvPr id="4" name="Espaço Reservado para Data 3"/>
-          <p:cNvSpPr>
-            <a:spLocks noGrp="1"/>
-          </p:cNvSpPr>
-          <p:nvPr>
-            <p:ph type="dt" sz="half" idx="10"/>
-          </p:nvPr>
-        </p:nvSpPr>
-        <p:spPr/>
-        <p:txBody>
-          <a:bodyPr/>
-          <a:lstStyle/>
-          <a:p>
-            <a:r>
-              <a:rPr lang="pt-BR" smtClean="0"/>
-              <a:t>16 de dezembro de 2013</a:t>
-            </a:r>
-            <a:endParaRPr lang="pt-BR"/>
-          </a:p>
-        </p:txBody>
-      </p:sp>
-      <p:sp>
-        <p:nvSpPr>
-          <p:cNvPr id="5" name="Espaço Reservado para Rodapé 4"/>
-          <p:cNvSpPr>
-            <a:spLocks noGrp="1"/>
-          </p:cNvSpPr>
-          <p:nvPr>
-            <p:ph type="ftr" sz="quarter" idx="11"/>
-          </p:nvPr>
-        </p:nvSpPr>
-        <p:spPr/>
-        <p:txBody>
-          <a:bodyPr/>
-          <a:lstStyle/>
-          <a:p>
-            <a:endParaRPr lang="pt-BR"/>
-          </a:p>
-        </p:txBody>
-      </p:sp>
-      <p:sp>
-        <p:nvSpPr>
-          <p:cNvPr id="6" name="Espaço Reservado para Número de Slide 5"/>
-          <p:cNvSpPr>
-            <a:spLocks noGrp="1"/>
-          </p:cNvSpPr>
-          <p:nvPr>
-            <p:ph type="sldNum" sz="quarter" idx="12"/>
-          </p:nvPr>
-        </p:nvSpPr>
-        <p:spPr/>
-        <p:txBody>
-          <a:bodyPr/>
-          <a:lstStyle/>
-          <a:p>
-            <a:fld id="{E15E65B2-3271-4EB1-B955-03EC741CF5EC}" type="slidenum">
-              <a:rPr lang="pt-BR" smtClean="0"/>
-              <a:t>29</a:t>
-            </a:fld>
-            <a:endParaRPr lang="pt-BR"/>
-          </a:p>
-        </p:txBody>
-      </p:sp>
-    </p:spTree>
-    <p:extLst>
-      <p:ext uri="{BB962C8B-B14F-4D97-AF65-F5344CB8AC3E}">
-        <p14:creationId xmlns:p14="http://schemas.microsoft.com/office/powerpoint/2010/main" val="1631175770"/>
       </p:ext>
     </p:extLst>
   </p:cSld>
@@ -13139,77 +13179,26 @@
         </p:nvSpPr>
         <p:spPr/>
         <p:txBody>
-          <a:bodyPr/>
-          <a:lstStyle/>
-          <a:p>
-            <a:r>
-              <a:rPr lang="pt-BR" dirty="0" smtClean="0"/>
-              <a:t>Fluxo de Projeto</a:t>
-            </a:r>
-            <a:endParaRPr lang="pt-BR" dirty="0"/>
-          </a:p>
-        </p:txBody>
-      </p:sp>
-      <p:pic>
-        <p:nvPicPr>
-          <p:cNvPr id="7" name="Espaço Reservado para Conteúdo 6"/>
-          <p:cNvPicPr>
-            <a:picLocks noGrp="1" noChangeAspect="1"/>
-          </p:cNvPicPr>
-          <p:nvPr>
-            <p:ph idx="1"/>
-          </p:nvPr>
-        </p:nvPicPr>
-        <p:blipFill>
-          <a:blip r:embed="rId3" cstate="print">
-            <a:extLst>
-              <a:ext uri="{28A0092B-C50C-407E-A947-70E740481C1C}">
-                <a14:useLocalDpi xmlns:a14="http://schemas.microsoft.com/office/drawing/2010/main" val="0"/>
-              </a:ext>
-            </a:extLst>
-          </a:blip>
-          <a:stretch>
-            <a:fillRect/>
-          </a:stretch>
-        </p:blipFill>
-        <p:spPr>
-          <a:xfrm>
-            <a:off x="457200" y="2945951"/>
-            <a:ext cx="8229600" cy="1834461"/>
-          </a:xfrm>
-        </p:spPr>
-      </p:pic>
-      <p:sp>
-        <p:nvSpPr>
-          <p:cNvPr id="4" name="Espaço Reservado para Data 3"/>
-          <p:cNvSpPr>
-            <a:spLocks noGrp="1"/>
-          </p:cNvSpPr>
-          <p:nvPr>
-            <p:ph type="dt" sz="half" idx="10"/>
-          </p:nvPr>
-        </p:nvSpPr>
-        <p:spPr/>
-        <p:txBody>
-          <a:bodyPr/>
-          <a:lstStyle/>
-          <a:p>
-            <a:r>
-              <a:rPr lang="pt-BR" smtClean="0"/>
-              <a:t>16 de dezembro de 2013</a:t>
-            </a:r>
-            <a:endParaRPr lang="pt-BR"/>
-          </a:p>
-        </p:txBody>
-      </p:sp>
-      <p:sp>
-        <p:nvSpPr>
-          <p:cNvPr id="5" name="Espaço Reservado para Rodapé 4"/>
-          <p:cNvSpPr>
-            <a:spLocks noGrp="1"/>
-          </p:cNvSpPr>
-          <p:nvPr>
-            <p:ph type="ftr" sz="quarter" idx="11"/>
+          <a:bodyPr>
+            <a:normAutofit/>
+          </a:bodyPr>
+          <a:lstStyle/>
+          <a:p>
+            <a:r>
+              <a:rPr lang="pt-BR" dirty="0"/>
+              <a:t>Autorreconfiguração com MicroBlaze e DDR3</a:t>
+            </a:r>
+          </a:p>
+        </p:txBody>
+      </p:sp>
+      <p:sp>
+        <p:nvSpPr>
+          <p:cNvPr id="7" name="Espaço Reservado para Texto 6"/>
+          <p:cNvSpPr>
+            <a:spLocks noGrp="1"/>
+          </p:cNvSpPr>
+          <p:nvPr>
+            <p:ph type="body" idx="1"/>
           </p:nvPr>
         </p:nvSpPr>
         <p:spPr/>
@@ -13222,6 +13211,48 @@
               <a:t>Experimento 4</a:t>
             </a:r>
             <a:endParaRPr lang="pt-BR" dirty="0"/>
+          </a:p>
+        </p:txBody>
+      </p:sp>
+      <p:sp>
+        <p:nvSpPr>
+          <p:cNvPr id="4" name="Espaço Reservado para Data 3"/>
+          <p:cNvSpPr>
+            <a:spLocks noGrp="1"/>
+          </p:cNvSpPr>
+          <p:nvPr>
+            <p:ph type="dt" sz="half" idx="10"/>
+          </p:nvPr>
+        </p:nvSpPr>
+        <p:spPr/>
+        <p:txBody>
+          <a:bodyPr/>
+          <a:lstStyle/>
+          <a:p>
+            <a:r>
+              <a:rPr lang="pt-BR" smtClean="0"/>
+              <a:t>16 de dezembro de 2013</a:t>
+            </a:r>
+            <a:endParaRPr lang="pt-BR"/>
+          </a:p>
+        </p:txBody>
+      </p:sp>
+      <p:sp>
+        <p:nvSpPr>
+          <p:cNvPr id="5" name="Espaço Reservado para Rodapé 4"/>
+          <p:cNvSpPr>
+            <a:spLocks noGrp="1"/>
+          </p:cNvSpPr>
+          <p:nvPr>
+            <p:ph type="ftr" sz="quarter" idx="11"/>
+          </p:nvPr>
+        </p:nvSpPr>
+        <p:spPr/>
+        <p:txBody>
+          <a:bodyPr/>
+          <a:lstStyle/>
+          <a:p>
+            <a:endParaRPr lang="pt-BR"/>
           </a:p>
         </p:txBody>
       </p:sp>
@@ -13251,7 +13282,7 @@
     </p:spTree>
     <p:extLst>
       <p:ext uri="{BB962C8B-B14F-4D97-AF65-F5344CB8AC3E}">
-        <p14:creationId xmlns:p14="http://schemas.microsoft.com/office/powerpoint/2010/main" val="1178305631"/>
+        <p14:creationId xmlns:p14="http://schemas.microsoft.com/office/powerpoint/2010/main" val="1631175770"/>
       </p:ext>
     </p:extLst>
   </p:cSld>
@@ -13302,55 +13333,41 @@
           <a:p>
             <a:r>
               <a:rPr lang="pt-BR" dirty="0" smtClean="0"/>
-              <a:t>Resultados</a:t>
+              <a:t>Fluxo de Projeto</a:t>
             </a:r>
             <a:endParaRPr lang="pt-BR" dirty="0"/>
           </a:p>
         </p:txBody>
       </p:sp>
-      <p:sp>
-        <p:nvSpPr>
-          <p:cNvPr id="8" name="Espaço Reservado para Conteúdo 7"/>
-          <p:cNvSpPr>
-            <a:spLocks noGrp="1"/>
-          </p:cNvSpPr>
+      <p:pic>
+        <p:nvPicPr>
+          <p:cNvPr id="7" name="Espaço Reservado para Conteúdo 6"/>
+          <p:cNvPicPr>
+            <a:picLocks noGrp="1" noChangeAspect="1"/>
+          </p:cNvPicPr>
           <p:nvPr>
             <p:ph idx="1"/>
           </p:nvPr>
-        </p:nvSpPr>
-        <p:spPr/>
-        <p:txBody>
-          <a:bodyPr/>
-          <a:lstStyle/>
-          <a:p>
-            <a:pPr marL="0" indent="0">
-              <a:buNone/>
-            </a:pPr>
-            <a:r>
-              <a:rPr lang="pt-BR" dirty="0" smtClean="0"/>
-              <a:t>Experimento requer modificações</a:t>
-            </a:r>
-          </a:p>
-          <a:p>
-            <a:r>
-              <a:rPr lang="pt-BR" dirty="0" smtClean="0"/>
-              <a:t>Remoção da DDR3</a:t>
-            </a:r>
-          </a:p>
-          <a:p>
-            <a:r>
-              <a:rPr lang="pt-BR" dirty="0" smtClean="0"/>
-              <a:t>Usar MicroBlaze como Top</a:t>
-            </a:r>
-          </a:p>
-          <a:p>
-            <a:endParaRPr lang="pt-BR" dirty="0" smtClean="0"/>
-          </a:p>
-          <a:p>
-            <a:endParaRPr lang="pt-BR" dirty="0"/>
-          </a:p>
-        </p:txBody>
-      </p:sp>
+        </p:nvPicPr>
+        <p:blipFill>
+          <a:blip r:embed="rId3" cstate="print">
+            <a:extLst>
+              <a:ext uri="{28A0092B-C50C-407E-A947-70E740481C1C}">
+                <a14:useLocalDpi xmlns:a14="http://schemas.microsoft.com/office/drawing/2010/main" val="0"/>
+              </a:ext>
+            </a:extLst>
+          </a:blip>
+          <a:stretch>
+            <a:fillRect/>
+          </a:stretch>
+        </p:blipFill>
+        <p:spPr>
+          <a:xfrm>
+            <a:off x="457200" y="2945951"/>
+            <a:ext cx="8229600" cy="1834461"/>
+          </a:xfrm>
+        </p:spPr>
+      </p:pic>
       <p:sp>
         <p:nvSpPr>
           <p:cNvPr id="4" name="Espaço Reservado para Data 3"/>
@@ -13423,7 +13440,7 @@
     </p:spTree>
     <p:extLst>
       <p:ext uri="{BB962C8B-B14F-4D97-AF65-F5344CB8AC3E}">
-        <p14:creationId xmlns:p14="http://schemas.microsoft.com/office/powerpoint/2010/main" val="3011382053"/>
+        <p14:creationId xmlns:p14="http://schemas.microsoft.com/office/powerpoint/2010/main" val="1178305631"/>
       </p:ext>
     </p:extLst>
   </p:cSld>
@@ -13469,18 +13486,12 @@
         </p:nvSpPr>
         <p:spPr/>
         <p:txBody>
-          <a:bodyPr>
-            <a:normAutofit/>
-          </a:bodyPr>
-          <a:lstStyle/>
-          <a:p>
-            <a:r>
-              <a:rPr lang="pt-BR" dirty="0"/>
-              <a:t>Autorreconfiguração com MicroBlaze e </a:t>
-            </a:r>
+          <a:bodyPr/>
+          <a:lstStyle/>
+          <a:p>
             <a:r>
               <a:rPr lang="pt-BR" dirty="0" smtClean="0"/>
-              <a:t>sem DDR3</a:t>
+              <a:t>Resultados</a:t>
             </a:r>
             <a:endParaRPr lang="pt-BR" dirty="0"/>
           </a:p>
@@ -13488,23 +13499,43 @@
       </p:sp>
       <p:sp>
         <p:nvSpPr>
-          <p:cNvPr id="7" name="Espaço Reservado para Texto 6"/>
-          <p:cNvSpPr>
-            <a:spLocks noGrp="1"/>
-          </p:cNvSpPr>
-          <p:nvPr>
-            <p:ph type="body" idx="1"/>
-          </p:nvPr>
-        </p:nvSpPr>
-        <p:spPr/>
-        <p:txBody>
-          <a:bodyPr/>
-          <a:lstStyle/>
-          <a:p>
+          <p:cNvPr id="8" name="Espaço Reservado para Conteúdo 7"/>
+          <p:cNvSpPr>
+            <a:spLocks noGrp="1"/>
+          </p:cNvSpPr>
+          <p:nvPr>
+            <p:ph idx="1"/>
+          </p:nvPr>
+        </p:nvSpPr>
+        <p:spPr/>
+        <p:txBody>
+          <a:bodyPr/>
+          <a:lstStyle/>
+          <a:p>
+            <a:pPr marL="0" indent="0">
+              <a:buNone/>
+            </a:pPr>
             <a:r>
               <a:rPr lang="pt-BR" dirty="0" smtClean="0"/>
-              <a:t>Experimento 5</a:t>
-            </a:r>
+              <a:t>Experimento requer modificações</a:t>
+            </a:r>
+          </a:p>
+          <a:p>
+            <a:r>
+              <a:rPr lang="pt-BR" dirty="0" smtClean="0"/>
+              <a:t>Remoção da DDR3</a:t>
+            </a:r>
+          </a:p>
+          <a:p>
+            <a:r>
+              <a:rPr lang="pt-BR" dirty="0" smtClean="0"/>
+              <a:t>Usar MicroBlaze como Top</a:t>
+            </a:r>
+          </a:p>
+          <a:p>
+            <a:endParaRPr lang="pt-BR" dirty="0" smtClean="0"/>
+          </a:p>
+          <a:p>
             <a:endParaRPr lang="pt-BR" dirty="0"/>
           </a:p>
         </p:txBody>
@@ -13547,7 +13578,11 @@
           <a:bodyPr/>
           <a:lstStyle/>
           <a:p>
-            <a:endParaRPr lang="pt-BR"/>
+            <a:r>
+              <a:rPr lang="pt-BR" dirty="0" smtClean="0"/>
+              <a:t>Experimento 4</a:t>
+            </a:r>
+            <a:endParaRPr lang="pt-BR" dirty="0"/>
           </a:p>
         </p:txBody>
       </p:sp>
@@ -13577,7 +13612,7 @@
     </p:spTree>
     <p:extLst>
       <p:ext uri="{BB962C8B-B14F-4D97-AF65-F5344CB8AC3E}">
-        <p14:creationId xmlns:p14="http://schemas.microsoft.com/office/powerpoint/2010/main" val="669085642"/>
+        <p14:creationId xmlns:p14="http://schemas.microsoft.com/office/powerpoint/2010/main" val="3011382053"/>
       </p:ext>
     </p:extLst>
   </p:cSld>
@@ -13623,77 +13658,31 @@
         </p:nvSpPr>
         <p:spPr/>
         <p:txBody>
-          <a:bodyPr/>
-          <a:lstStyle/>
-          <a:p>
+          <a:bodyPr>
+            <a:normAutofit/>
+          </a:bodyPr>
+          <a:lstStyle/>
+          <a:p>
+            <a:r>
+              <a:rPr lang="pt-BR" dirty="0"/>
+              <a:t>Autorreconfiguração com MicroBlaze e </a:t>
+            </a:r>
             <a:r>
               <a:rPr lang="pt-BR" dirty="0" smtClean="0"/>
-              <a:t>Fluxo de Projeto</a:t>
+              <a:t>sem DDR3</a:t>
             </a:r>
             <a:endParaRPr lang="pt-BR" dirty="0"/>
           </a:p>
         </p:txBody>
       </p:sp>
-      <p:pic>
-        <p:nvPicPr>
-          <p:cNvPr id="7" name="Espaço Reservado para Conteúdo 6"/>
-          <p:cNvPicPr>
-            <a:picLocks noGrp="1" noChangeAspect="1"/>
-          </p:cNvPicPr>
-          <p:nvPr>
-            <p:ph idx="1"/>
-          </p:nvPr>
-        </p:nvPicPr>
-        <p:blipFill>
-          <a:blip r:embed="rId3" cstate="print">
-            <a:extLst>
-              <a:ext uri="{28A0092B-C50C-407E-A947-70E740481C1C}">
-                <a14:useLocalDpi xmlns:a14="http://schemas.microsoft.com/office/drawing/2010/main" val="0"/>
-              </a:ext>
-            </a:extLst>
-          </a:blip>
-          <a:stretch>
-            <a:fillRect/>
-          </a:stretch>
-        </p:blipFill>
-        <p:spPr>
-          <a:xfrm>
-            <a:off x="457200" y="2708920"/>
-            <a:ext cx="8229600" cy="1834461"/>
-          </a:xfrm>
-        </p:spPr>
-      </p:pic>
-      <p:sp>
-        <p:nvSpPr>
-          <p:cNvPr id="4" name="Espaço Reservado para Data 3"/>
-          <p:cNvSpPr>
-            <a:spLocks noGrp="1"/>
-          </p:cNvSpPr>
-          <p:nvPr>
-            <p:ph type="dt" sz="half" idx="10"/>
-          </p:nvPr>
-        </p:nvSpPr>
-        <p:spPr/>
-        <p:txBody>
-          <a:bodyPr/>
-          <a:lstStyle/>
-          <a:p>
-            <a:r>
-              <a:rPr lang="pt-BR" smtClean="0"/>
-              <a:t>16 de dezembro de 2013</a:t>
-            </a:r>
-            <a:endParaRPr lang="pt-BR"/>
-          </a:p>
-        </p:txBody>
-      </p:sp>
-      <p:sp>
-        <p:nvSpPr>
-          <p:cNvPr id="5" name="Espaço Reservado para Rodapé 4"/>
-          <p:cNvSpPr>
-            <a:spLocks noGrp="1"/>
-          </p:cNvSpPr>
-          <p:nvPr>
-            <p:ph type="ftr" sz="quarter" idx="11"/>
+      <p:sp>
+        <p:nvSpPr>
+          <p:cNvPr id="7" name="Espaço Reservado para Texto 6"/>
+          <p:cNvSpPr>
+            <a:spLocks noGrp="1"/>
+          </p:cNvSpPr>
+          <p:nvPr>
+            <p:ph type="body" idx="1"/>
           </p:nvPr>
         </p:nvSpPr>
         <p:spPr/>
@@ -13705,6 +13694,49 @@
               <a:rPr lang="pt-BR" dirty="0" smtClean="0"/>
               <a:t>Experimento 5</a:t>
             </a:r>
+            <a:endParaRPr lang="pt-BR" dirty="0"/>
+          </a:p>
+        </p:txBody>
+      </p:sp>
+      <p:sp>
+        <p:nvSpPr>
+          <p:cNvPr id="4" name="Espaço Reservado para Data 3"/>
+          <p:cNvSpPr>
+            <a:spLocks noGrp="1"/>
+          </p:cNvSpPr>
+          <p:nvPr>
+            <p:ph type="dt" sz="half" idx="10"/>
+          </p:nvPr>
+        </p:nvSpPr>
+        <p:spPr/>
+        <p:txBody>
+          <a:bodyPr/>
+          <a:lstStyle/>
+          <a:p>
+            <a:r>
+              <a:rPr lang="pt-BR" smtClean="0"/>
+              <a:t>16 de dezembro de 2013</a:t>
+            </a:r>
+            <a:endParaRPr lang="pt-BR"/>
+          </a:p>
+        </p:txBody>
+      </p:sp>
+      <p:sp>
+        <p:nvSpPr>
+          <p:cNvPr id="5" name="Espaço Reservado para Rodapé 4"/>
+          <p:cNvSpPr>
+            <a:spLocks noGrp="1"/>
+          </p:cNvSpPr>
+          <p:nvPr>
+            <p:ph type="ftr" sz="quarter" idx="11"/>
+          </p:nvPr>
+        </p:nvSpPr>
+        <p:spPr/>
+        <p:txBody>
+          <a:bodyPr/>
+          <a:lstStyle/>
+          <a:p>
+            <a:endParaRPr lang="pt-BR"/>
           </a:p>
         </p:txBody>
       </p:sp>
@@ -13734,7 +13766,7 @@
     </p:spTree>
     <p:extLst>
       <p:ext uri="{BB962C8B-B14F-4D97-AF65-F5344CB8AC3E}">
-        <p14:creationId xmlns:p14="http://schemas.microsoft.com/office/powerpoint/2010/main" val="1197866311"/>
+        <p14:creationId xmlns:p14="http://schemas.microsoft.com/office/powerpoint/2010/main" val="669085642"/>
       </p:ext>
     </p:extLst>
   </p:cSld>
@@ -13785,6 +13817,163 @@
           <a:p>
             <a:r>
               <a:rPr lang="pt-BR" dirty="0" smtClean="0"/>
+              <a:t>Fluxo de Projeto</a:t>
+            </a:r>
+            <a:endParaRPr lang="pt-BR" dirty="0"/>
+          </a:p>
+        </p:txBody>
+      </p:sp>
+      <p:pic>
+        <p:nvPicPr>
+          <p:cNvPr id="7" name="Espaço Reservado para Conteúdo 6"/>
+          <p:cNvPicPr>
+            <a:picLocks noGrp="1" noChangeAspect="1"/>
+          </p:cNvPicPr>
+          <p:nvPr>
+            <p:ph idx="1"/>
+          </p:nvPr>
+        </p:nvPicPr>
+        <p:blipFill>
+          <a:blip r:embed="rId3" cstate="print">
+            <a:extLst>
+              <a:ext uri="{28A0092B-C50C-407E-A947-70E740481C1C}">
+                <a14:useLocalDpi xmlns:a14="http://schemas.microsoft.com/office/drawing/2010/main" val="0"/>
+              </a:ext>
+            </a:extLst>
+          </a:blip>
+          <a:stretch>
+            <a:fillRect/>
+          </a:stretch>
+        </p:blipFill>
+        <p:spPr>
+          <a:xfrm>
+            <a:off x="457200" y="2708920"/>
+            <a:ext cx="8229600" cy="1834461"/>
+          </a:xfrm>
+        </p:spPr>
+      </p:pic>
+      <p:sp>
+        <p:nvSpPr>
+          <p:cNvPr id="4" name="Espaço Reservado para Data 3"/>
+          <p:cNvSpPr>
+            <a:spLocks noGrp="1"/>
+          </p:cNvSpPr>
+          <p:nvPr>
+            <p:ph type="dt" sz="half" idx="10"/>
+          </p:nvPr>
+        </p:nvSpPr>
+        <p:spPr/>
+        <p:txBody>
+          <a:bodyPr/>
+          <a:lstStyle/>
+          <a:p>
+            <a:r>
+              <a:rPr lang="pt-BR" smtClean="0"/>
+              <a:t>16 de dezembro de 2013</a:t>
+            </a:r>
+            <a:endParaRPr lang="pt-BR"/>
+          </a:p>
+        </p:txBody>
+      </p:sp>
+      <p:sp>
+        <p:nvSpPr>
+          <p:cNvPr id="5" name="Espaço Reservado para Rodapé 4"/>
+          <p:cNvSpPr>
+            <a:spLocks noGrp="1"/>
+          </p:cNvSpPr>
+          <p:nvPr>
+            <p:ph type="ftr" sz="quarter" idx="11"/>
+          </p:nvPr>
+        </p:nvSpPr>
+        <p:spPr/>
+        <p:txBody>
+          <a:bodyPr/>
+          <a:lstStyle/>
+          <a:p>
+            <a:r>
+              <a:rPr lang="pt-BR" dirty="0" smtClean="0"/>
+              <a:t>Experimento 5</a:t>
+            </a:r>
+          </a:p>
+        </p:txBody>
+      </p:sp>
+      <p:sp>
+        <p:nvSpPr>
+          <p:cNvPr id="6" name="Espaço Reservado para Número de Slide 5"/>
+          <p:cNvSpPr>
+            <a:spLocks noGrp="1"/>
+          </p:cNvSpPr>
+          <p:nvPr>
+            <p:ph type="sldNum" sz="quarter" idx="12"/>
+          </p:nvPr>
+        </p:nvSpPr>
+        <p:spPr/>
+        <p:txBody>
+          <a:bodyPr/>
+          <a:lstStyle/>
+          <a:p>
+            <a:fld id="{E15E65B2-3271-4EB1-B955-03EC741CF5EC}" type="slidenum">
+              <a:rPr lang="pt-BR" smtClean="0"/>
+              <a:t>34</a:t>
+            </a:fld>
+            <a:endParaRPr lang="pt-BR"/>
+          </a:p>
+        </p:txBody>
+      </p:sp>
+    </p:spTree>
+    <p:extLst>
+      <p:ext uri="{BB962C8B-B14F-4D97-AF65-F5344CB8AC3E}">
+        <p14:creationId xmlns:p14="http://schemas.microsoft.com/office/powerpoint/2010/main" val="1197866311"/>
+      </p:ext>
+    </p:extLst>
+  </p:cSld>
+  <p:clrMapOvr>
+    <a:masterClrMapping/>
+  </p:clrMapOvr>
+  <p:timing>
+    <p:tnLst>
+      <p:par>
+        <p:cTn id="1" dur="indefinite" restart="never" nodeType="tmRoot"/>
+      </p:par>
+    </p:tnLst>
+  </p:timing>
+</p:sld>
+</file>
+
+<file path=ppt/slides/slide35.xml><?xml version="1.0" encoding="utf-8"?>
+<p:sld xmlns:a="http://schemas.openxmlformats.org/drawingml/2006/main" xmlns:r="http://schemas.openxmlformats.org/officeDocument/2006/relationships" xmlns:p="http://schemas.openxmlformats.org/presentationml/2006/main">
+  <p:cSld>
+    <p:spTree>
+      <p:nvGrpSpPr>
+        <p:cNvPr id="1" name=""/>
+        <p:cNvGrpSpPr/>
+        <p:nvPr/>
+      </p:nvGrpSpPr>
+      <p:grpSpPr>
+        <a:xfrm>
+          <a:off x="0" y="0"/>
+          <a:ext cx="0" cy="0"/>
+          <a:chOff x="0" y="0"/>
+          <a:chExt cx="0" cy="0"/>
+        </a:xfrm>
+      </p:grpSpPr>
+      <p:sp>
+        <p:nvSpPr>
+          <p:cNvPr id="2" name="Título 1"/>
+          <p:cNvSpPr>
+            <a:spLocks noGrp="1"/>
+          </p:cNvSpPr>
+          <p:nvPr>
+            <p:ph type="title"/>
+          </p:nvPr>
+        </p:nvSpPr>
+        <p:spPr/>
+        <p:txBody>
+          <a:bodyPr/>
+          <a:lstStyle/>
+          <a:p>
+            <a:r>
+              <a:rPr lang="pt-BR" dirty="0" smtClean="0"/>
               <a:t>Resultados</a:t>
             </a:r>
             <a:endParaRPr lang="pt-BR" dirty="0"/>
@@ -13908,7 +14097,7 @@
           <a:p>
             <a:fld id="{E15E65B2-3271-4EB1-B955-03EC741CF5EC}" type="slidenum">
               <a:rPr lang="pt-BR" smtClean="0"/>
-              <a:t>34</a:t>
+              <a:t>35</a:t>
             </a:fld>
             <a:endParaRPr lang="pt-BR"/>
           </a:p>
@@ -13964,150 +14153,6 @@
 </p:sld>
 </file>
 
-<file path=ppt/slides/slide35.xml><?xml version="1.0" encoding="utf-8"?>
-<p:sld xmlns:a="http://schemas.openxmlformats.org/drawingml/2006/main" xmlns:r="http://schemas.openxmlformats.org/officeDocument/2006/relationships" xmlns:p="http://schemas.openxmlformats.org/presentationml/2006/main">
-  <p:cSld>
-    <p:spTree>
-      <p:nvGrpSpPr>
-        <p:cNvPr id="1" name=""/>
-        <p:cNvGrpSpPr/>
-        <p:nvPr/>
-      </p:nvGrpSpPr>
-      <p:grpSpPr>
-        <a:xfrm>
-          <a:off x="0" y="0"/>
-          <a:ext cx="0" cy="0"/>
-          <a:chOff x="0" y="0"/>
-          <a:chExt cx="0" cy="0"/>
-        </a:xfrm>
-      </p:grpSpPr>
-      <p:sp>
-        <p:nvSpPr>
-          <p:cNvPr id="2" name="Título 1"/>
-          <p:cNvSpPr>
-            <a:spLocks noGrp="1"/>
-          </p:cNvSpPr>
-          <p:nvPr>
-            <p:ph type="title"/>
-          </p:nvPr>
-        </p:nvSpPr>
-        <p:spPr/>
-        <p:txBody>
-          <a:bodyPr/>
-          <a:lstStyle/>
-          <a:p>
-            <a:r>
-              <a:rPr lang="pt-BR" dirty="0" smtClean="0"/>
-              <a:t>Resultados Gerais</a:t>
-            </a:r>
-            <a:endParaRPr lang="pt-BR" dirty="0"/>
-          </a:p>
-        </p:txBody>
-      </p:sp>
-      <p:sp>
-        <p:nvSpPr>
-          <p:cNvPr id="7" name="Espaço Reservado para Texto 6"/>
-          <p:cNvSpPr>
-            <a:spLocks noGrp="1"/>
-          </p:cNvSpPr>
-          <p:nvPr>
-            <p:ph type="body" idx="1"/>
-          </p:nvPr>
-        </p:nvSpPr>
-        <p:spPr/>
-        <p:txBody>
-          <a:bodyPr/>
-          <a:lstStyle/>
-          <a:p>
-            <a:endParaRPr lang="pt-BR"/>
-          </a:p>
-        </p:txBody>
-      </p:sp>
-      <p:sp>
-        <p:nvSpPr>
-          <p:cNvPr id="4" name="Espaço Reservado para Data 3"/>
-          <p:cNvSpPr>
-            <a:spLocks noGrp="1"/>
-          </p:cNvSpPr>
-          <p:nvPr>
-            <p:ph type="dt" sz="half" idx="10"/>
-          </p:nvPr>
-        </p:nvSpPr>
-        <p:spPr/>
-        <p:txBody>
-          <a:bodyPr/>
-          <a:lstStyle/>
-          <a:p>
-            <a:r>
-              <a:rPr lang="pt-BR" smtClean="0"/>
-              <a:t>16 de dezembro de 2013</a:t>
-            </a:r>
-            <a:endParaRPr lang="pt-BR"/>
-          </a:p>
-        </p:txBody>
-      </p:sp>
-      <p:sp>
-        <p:nvSpPr>
-          <p:cNvPr id="5" name="Espaço Reservado para Rodapé 4"/>
-          <p:cNvSpPr>
-            <a:spLocks noGrp="1"/>
-          </p:cNvSpPr>
-          <p:nvPr>
-            <p:ph type="ftr" sz="quarter" idx="11"/>
-          </p:nvPr>
-        </p:nvSpPr>
-        <p:spPr/>
-        <p:txBody>
-          <a:bodyPr/>
-          <a:lstStyle/>
-          <a:p>
-            <a:endParaRPr lang="pt-BR"/>
-          </a:p>
-        </p:txBody>
-      </p:sp>
-      <p:sp>
-        <p:nvSpPr>
-          <p:cNvPr id="6" name="Espaço Reservado para Número de Slide 5"/>
-          <p:cNvSpPr>
-            <a:spLocks noGrp="1"/>
-          </p:cNvSpPr>
-          <p:nvPr>
-            <p:ph type="sldNum" sz="quarter" idx="12"/>
-          </p:nvPr>
-        </p:nvSpPr>
-        <p:spPr/>
-        <p:txBody>
-          <a:bodyPr/>
-          <a:lstStyle/>
-          <a:p>
-            <a:fld id="{E15E65B2-3271-4EB1-B955-03EC741CF5EC}" type="slidenum">
-              <a:rPr lang="pt-BR" smtClean="0"/>
-              <a:t>35</a:t>
-            </a:fld>
-            <a:endParaRPr lang="pt-BR"/>
-          </a:p>
-        </p:txBody>
-      </p:sp>
-    </p:spTree>
-    <p:extLst>
-      <p:ext uri="{BB962C8B-B14F-4D97-AF65-F5344CB8AC3E}">
-        <p14:creationId xmlns:p14="http://schemas.microsoft.com/office/powerpoint/2010/main" val="3117479486"/>
-      </p:ext>
-    </p:extLst>
-  </p:cSld>
-  <p:clrMapOvr>
-    <a:masterClrMapping/>
-  </p:clrMapOvr>
-  <p:timing>
-    <p:tnLst>
-      <p:par>
-        <p:cTn id="1" dur="indefinite" restart="never" nodeType="tmRoot"/>
-      </p:par>
-    </p:tnLst>
-  </p:timing>
-</p:sld>
-</file>
-
 <file path=ppt/slides/slide36.xml><?xml version="1.0" encoding="utf-8"?>
 <p:sld xmlns:a="http://schemas.openxmlformats.org/drawingml/2006/main" xmlns:r="http://schemas.openxmlformats.org/officeDocument/2006/relationships" xmlns:p="http://schemas.openxmlformats.org/presentationml/2006/main">
   <p:cSld>
@@ -14142,7 +14187,7 @@
           <a:p>
             <a:r>
               <a:rPr lang="pt-BR" dirty="0" smtClean="0"/>
-              <a:t>Problemas</a:t>
+              <a:t>Resultados Gerais</a:t>
             </a:r>
             <a:endParaRPr lang="pt-BR" dirty="0"/>
           </a:p>
@@ -14150,64 +14195,20 @@
       </p:sp>
       <p:sp>
         <p:nvSpPr>
-          <p:cNvPr id="3" name="Espaço Reservado para Conteúdo 2"/>
-          <p:cNvSpPr>
-            <a:spLocks noGrp="1"/>
-          </p:cNvSpPr>
-          <p:nvPr>
-            <p:ph idx="1"/>
-          </p:nvPr>
-        </p:nvSpPr>
-        <p:spPr/>
-        <p:txBody>
-          <a:bodyPr/>
-          <a:lstStyle/>
-          <a:p>
-            <a:r>
-              <a:rPr lang="pt-BR" dirty="0" smtClean="0"/>
-              <a:t>Análise de </a:t>
-            </a:r>
-            <a:r>
-              <a:rPr lang="pt-BR" i="1" dirty="0"/>
-              <a:t>t</a:t>
-            </a:r>
-            <a:r>
-              <a:rPr lang="pt-BR" i="1" dirty="0" smtClean="0"/>
-              <a:t>iming</a:t>
-            </a:r>
-          </a:p>
-          <a:p>
-            <a:r>
-              <a:rPr lang="pt-BR" dirty="0" smtClean="0"/>
-              <a:t>Quantidade de recursos</a:t>
-            </a:r>
-          </a:p>
-          <a:p>
-            <a:r>
-              <a:rPr lang="pt-BR" dirty="0" smtClean="0"/>
-              <a:t>Alocação da partição</a:t>
-            </a:r>
-          </a:p>
-          <a:p>
-            <a:r>
-              <a:rPr lang="pt-BR" dirty="0" smtClean="0"/>
-              <a:t>Configurações da partição</a:t>
-            </a:r>
-          </a:p>
-          <a:p>
-            <a:r>
-              <a:rPr lang="pt-BR" dirty="0" smtClean="0"/>
-              <a:t>Tamanho da memória local do MicroBlaze</a:t>
-            </a:r>
-          </a:p>
-          <a:p>
-            <a:r>
-              <a:rPr lang="pt-BR" dirty="0" smtClean="0"/>
-              <a:t>Falta de documentação</a:t>
-            </a:r>
-          </a:p>
-          <a:p>
-            <a:endParaRPr lang="pt-BR" dirty="0"/>
+          <p:cNvPr id="7" name="Espaço Reservado para Texto 6"/>
+          <p:cNvSpPr>
+            <a:spLocks noGrp="1"/>
+          </p:cNvSpPr>
+          <p:nvPr>
+            <p:ph type="body" idx="1"/>
+          </p:nvPr>
+        </p:nvSpPr>
+        <p:spPr/>
+        <p:txBody>
+          <a:bodyPr/>
+          <a:lstStyle/>
+          <a:p>
+            <a:endParaRPr lang="pt-BR"/>
           </a:p>
         </p:txBody>
       </p:sp>
@@ -14249,10 +14250,7 @@
           <a:bodyPr/>
           <a:lstStyle/>
           <a:p>
-            <a:r>
-              <a:rPr lang="pt-BR" dirty="0" smtClean="0"/>
-              <a:t>Resultados</a:t>
-            </a:r>
+            <a:endParaRPr lang="pt-BR"/>
           </a:p>
         </p:txBody>
       </p:sp>
@@ -14282,7 +14280,7 @@
     </p:spTree>
     <p:extLst>
       <p:ext uri="{BB962C8B-B14F-4D97-AF65-F5344CB8AC3E}">
-        <p14:creationId xmlns:p14="http://schemas.microsoft.com/office/powerpoint/2010/main" val="179386271"/>
+        <p14:creationId xmlns:p14="http://schemas.microsoft.com/office/powerpoint/2010/main" val="3117479486"/>
       </p:ext>
     </p:extLst>
   </p:cSld>
@@ -14333,41 +14331,90 @@
           <a:p>
             <a:r>
               <a:rPr lang="pt-BR" dirty="0" smtClean="0"/>
-              <a:t>Fluxo de Projeto Final</a:t>
+              <a:t>Problemas</a:t>
             </a:r>
             <a:endParaRPr lang="pt-BR" dirty="0"/>
           </a:p>
         </p:txBody>
       </p:sp>
-      <p:pic>
-        <p:nvPicPr>
-          <p:cNvPr id="7" name="Espaço Reservado para Conteúdo 6"/>
-          <p:cNvPicPr>
-            <a:picLocks noGrp="1" noChangeAspect="1"/>
-          </p:cNvPicPr>
+      <p:sp>
+        <p:nvSpPr>
+          <p:cNvPr id="3" name="Espaço Reservado para Conteúdo 2"/>
+          <p:cNvSpPr>
+            <a:spLocks noGrp="1"/>
+          </p:cNvSpPr>
           <p:nvPr>
             <p:ph idx="1"/>
           </p:nvPr>
-        </p:nvPicPr>
-        <p:blipFill>
-          <a:blip r:embed="rId3" cstate="print">
-            <a:extLst>
-              <a:ext uri="{28A0092B-C50C-407E-A947-70E740481C1C}">
-                <a14:useLocalDpi xmlns:a14="http://schemas.microsoft.com/office/drawing/2010/main" val="0"/>
-              </a:ext>
-            </a:extLst>
-          </a:blip>
-          <a:stretch>
-            <a:fillRect/>
-          </a:stretch>
-        </p:blipFill>
-        <p:spPr>
-          <a:xfrm>
-            <a:off x="1682925" y="1269320"/>
-            <a:ext cx="5778151" cy="5040000"/>
-          </a:xfrm>
-        </p:spPr>
-      </p:pic>
+        </p:nvSpPr>
+        <p:spPr/>
+        <p:txBody>
+          <a:bodyPr/>
+          <a:lstStyle/>
+          <a:p>
+            <a:r>
+              <a:rPr lang="pt-BR" dirty="0" smtClean="0"/>
+              <a:t>Análise de </a:t>
+            </a:r>
+            <a:r>
+              <a:rPr lang="pt-BR" i="1" dirty="0"/>
+              <a:t>t</a:t>
+            </a:r>
+            <a:r>
+              <a:rPr lang="pt-BR" i="1" dirty="0" smtClean="0"/>
+              <a:t>iming</a:t>
+            </a:r>
+          </a:p>
+          <a:p>
+            <a:r>
+              <a:rPr lang="pt-BR" dirty="0" smtClean="0"/>
+              <a:t>Quantidade de recursos</a:t>
+            </a:r>
+          </a:p>
+          <a:p>
+            <a:r>
+              <a:rPr lang="pt-BR" dirty="0" smtClean="0"/>
+              <a:t>Alocação da partição</a:t>
+            </a:r>
+          </a:p>
+          <a:p>
+            <a:r>
+              <a:rPr lang="pt-BR" dirty="0" smtClean="0"/>
+              <a:t>Configurações/Propriedades </a:t>
+            </a:r>
+            <a:r>
+              <a:rPr lang="pt-BR" dirty="0" smtClean="0"/>
+              <a:t>da </a:t>
+            </a:r>
+            <a:r>
+              <a:rPr lang="pt-BR" dirty="0" smtClean="0"/>
+              <a:t>partição</a:t>
+            </a:r>
+          </a:p>
+          <a:p>
+            <a:r>
+              <a:rPr lang="pt-BR" dirty="0" smtClean="0"/>
+              <a:t>Inversão de bits</a:t>
+            </a:r>
+            <a:endParaRPr lang="pt-BR" dirty="0" smtClean="0"/>
+          </a:p>
+          <a:p>
+            <a:r>
+              <a:rPr lang="pt-BR" dirty="0" smtClean="0"/>
+              <a:t>Tamanho da memória local do MicroBlaze</a:t>
+            </a:r>
+          </a:p>
+          <a:p>
+            <a:r>
+              <a:rPr lang="pt-BR" dirty="0" smtClean="0"/>
+              <a:t>Falta de documentação</a:t>
+            </a:r>
+          </a:p>
+          <a:p>
+            <a:endParaRPr lang="pt-BR" dirty="0"/>
+          </a:p>
+        </p:txBody>
+      </p:sp>
       <p:sp>
         <p:nvSpPr>
           <p:cNvPr id="4" name="Espaço Reservado para Data 3"/>
@@ -14410,7 +14457,6 @@
               <a:rPr lang="pt-BR" dirty="0" smtClean="0"/>
               <a:t>Resultados</a:t>
             </a:r>
-            <a:endParaRPr lang="pt-BR" dirty="0"/>
           </a:p>
         </p:txBody>
       </p:sp>
@@ -14440,7 +14486,7 @@
     </p:spTree>
     <p:extLst>
       <p:ext uri="{BB962C8B-B14F-4D97-AF65-F5344CB8AC3E}">
-        <p14:creationId xmlns:p14="http://schemas.microsoft.com/office/powerpoint/2010/main" val="942896521"/>
+        <p14:creationId xmlns:p14="http://schemas.microsoft.com/office/powerpoint/2010/main" val="179386271"/>
       </p:ext>
     </p:extLst>
   </p:cSld>
@@ -14491,21 +14537,73 @@
           <a:p>
             <a:r>
               <a:rPr lang="pt-BR" dirty="0" smtClean="0"/>
-              <a:t>Conclusão</a:t>
+              <a:t>Fluxo de Projeto Final</a:t>
             </a:r>
             <a:endParaRPr lang="pt-BR" dirty="0"/>
           </a:p>
         </p:txBody>
       </p:sp>
-      <p:sp>
-        <p:nvSpPr>
-          <p:cNvPr id="3" name="Espaço Reservado para Conteúdo 2"/>
-          <p:cNvSpPr>
-            <a:spLocks noGrp="1"/>
-          </p:cNvSpPr>
+      <p:pic>
+        <p:nvPicPr>
+          <p:cNvPr id="7" name="Espaço Reservado para Conteúdo 6"/>
+          <p:cNvPicPr>
+            <a:picLocks noGrp="1" noChangeAspect="1"/>
+          </p:cNvPicPr>
           <p:nvPr>
             <p:ph idx="1"/>
           </p:nvPr>
+        </p:nvPicPr>
+        <p:blipFill>
+          <a:blip r:embed="rId3" cstate="print">
+            <a:extLst>
+              <a:ext uri="{28A0092B-C50C-407E-A947-70E740481C1C}">
+                <a14:useLocalDpi xmlns:a14="http://schemas.microsoft.com/office/drawing/2010/main" val="0"/>
+              </a:ext>
+            </a:extLst>
+          </a:blip>
+          <a:stretch>
+            <a:fillRect/>
+          </a:stretch>
+        </p:blipFill>
+        <p:spPr>
+          <a:xfrm>
+            <a:off x="1682925" y="1269320"/>
+            <a:ext cx="5778151" cy="5040000"/>
+          </a:xfrm>
+        </p:spPr>
+      </p:pic>
+      <p:sp>
+        <p:nvSpPr>
+          <p:cNvPr id="4" name="Espaço Reservado para Data 3"/>
+          <p:cNvSpPr>
+            <a:spLocks noGrp="1"/>
+          </p:cNvSpPr>
+          <p:nvPr>
+            <p:ph type="dt" sz="half" idx="10"/>
+          </p:nvPr>
+        </p:nvSpPr>
+        <p:spPr/>
+        <p:txBody>
+          <a:bodyPr/>
+          <a:lstStyle/>
+          <a:p>
+            <a:r>
+              <a:rPr lang="pt-BR" smtClean="0"/>
+              <a:t>16 de dezembro de 2013</a:t>
+            </a:r>
+            <a:endParaRPr lang="pt-BR"/>
+          </a:p>
+        </p:txBody>
+      </p:sp>
+      <p:sp>
+        <p:nvSpPr>
+          <p:cNvPr id="5" name="Espaço Reservado para Rodapé 4"/>
+          <p:cNvSpPr>
+            <a:spLocks noGrp="1"/>
+          </p:cNvSpPr>
+          <p:nvPr>
+            <p:ph type="ftr" sz="quarter" idx="11"/>
+          </p:nvPr>
         </p:nvSpPr>
         <p:spPr/>
         <p:txBody>
@@ -14514,74 +14612,9 @@
           <a:p>
             <a:r>
               <a:rPr lang="pt-BR" dirty="0" smtClean="0"/>
-              <a:t>MicroBlaze</a:t>
-            </a:r>
-          </a:p>
-          <a:p>
-            <a:pPr lvl="1"/>
-            <a:r>
-              <a:rPr lang="pt-BR" dirty="0" smtClean="0"/>
-              <a:t>Memórias</a:t>
-            </a:r>
-          </a:p>
-          <a:p>
-            <a:pPr lvl="1"/>
-            <a:r>
-              <a:rPr lang="pt-BR" dirty="0" smtClean="0"/>
-              <a:t>Periféricos customizados</a:t>
-            </a:r>
-          </a:p>
-          <a:p>
-            <a:r>
-              <a:rPr lang="pt-BR" dirty="0" smtClean="0"/>
-              <a:t>Autorreconfiguração através do MicroBlaze</a:t>
+              <a:t>Resultados</a:t>
             </a:r>
             <a:endParaRPr lang="pt-BR" dirty="0"/>
-          </a:p>
-          <a:p>
-            <a:endParaRPr lang="pt-BR" dirty="0"/>
-          </a:p>
-        </p:txBody>
-      </p:sp>
-      <p:sp>
-        <p:nvSpPr>
-          <p:cNvPr id="4" name="Espaço Reservado para Data 3"/>
-          <p:cNvSpPr>
-            <a:spLocks noGrp="1"/>
-          </p:cNvSpPr>
-          <p:nvPr>
-            <p:ph type="dt" sz="half" idx="10"/>
-          </p:nvPr>
-        </p:nvSpPr>
-        <p:spPr/>
-        <p:txBody>
-          <a:bodyPr/>
-          <a:lstStyle/>
-          <a:p>
-            <a:r>
-              <a:rPr lang="pt-BR" smtClean="0"/>
-              <a:t>16 de dezembro de 2013</a:t>
-            </a:r>
-            <a:endParaRPr lang="pt-BR"/>
-          </a:p>
-        </p:txBody>
-      </p:sp>
-      <p:sp>
-        <p:nvSpPr>
-          <p:cNvPr id="5" name="Espaço Reservado para Rodapé 4"/>
-          <p:cNvSpPr>
-            <a:spLocks noGrp="1"/>
-          </p:cNvSpPr>
-          <p:nvPr>
-            <p:ph type="ftr" sz="quarter" idx="11"/>
-          </p:nvPr>
-        </p:nvSpPr>
-        <p:spPr/>
-        <p:txBody>
-          <a:bodyPr/>
-          <a:lstStyle/>
-          <a:p>
-            <a:endParaRPr lang="pt-BR"/>
           </a:p>
         </p:txBody>
       </p:sp>
@@ -14611,7 +14644,7 @@
     </p:spTree>
     <p:extLst>
       <p:ext uri="{BB962C8B-B14F-4D97-AF65-F5344CB8AC3E}">
-        <p14:creationId xmlns:p14="http://schemas.microsoft.com/office/powerpoint/2010/main" val="356155338"/>
+        <p14:creationId xmlns:p14="http://schemas.microsoft.com/office/powerpoint/2010/main" val="942896521"/>
       </p:ext>
     </p:extLst>
   </p:cSld>
@@ -14662,7 +14695,7 @@
           <a:p>
             <a:r>
               <a:rPr lang="pt-BR" dirty="0" smtClean="0"/>
-              <a:t>Propostas</a:t>
+              <a:t>Conclusão</a:t>
             </a:r>
             <a:endParaRPr lang="pt-BR" dirty="0"/>
           </a:p>
@@ -14685,31 +14718,27 @@
           <a:p>
             <a:r>
               <a:rPr lang="pt-BR" dirty="0" smtClean="0"/>
-              <a:t>Redes Neurais</a:t>
-            </a:r>
-          </a:p>
-          <a:p>
+              <a:t>MicroBlaze</a:t>
+            </a:r>
+          </a:p>
+          <a:p>
+            <a:pPr lvl="1"/>
             <a:r>
               <a:rPr lang="pt-BR" dirty="0" smtClean="0"/>
-              <a:t>Controle Adaptativo*</a:t>
-            </a:r>
-          </a:p>
-          <a:p>
+              <a:t>Memórias</a:t>
+            </a:r>
+          </a:p>
+          <a:p>
+            <a:pPr lvl="1"/>
             <a:r>
               <a:rPr lang="pt-BR" dirty="0" smtClean="0"/>
-              <a:t>Computação Genérica</a:t>
+              <a:t>Periféricos customizados</a:t>
             </a:r>
           </a:p>
           <a:p>
             <a:r>
               <a:rPr lang="pt-BR" dirty="0" smtClean="0"/>
-              <a:t>Qualquer sistema multiplexado</a:t>
-            </a:r>
-          </a:p>
-          <a:p>
-            <a:r>
-              <a:rPr lang="pt-BR" dirty="0" smtClean="0"/>
-              <a:t>Processos realizados em etapas</a:t>
+              <a:t>Autorreconfiguração através do MicroBlaze</a:t>
             </a:r>
             <a:endParaRPr lang="pt-BR" dirty="0"/>
           </a:p>
@@ -14786,13 +14815,20 @@
     </p:spTree>
     <p:extLst>
       <p:ext uri="{BB962C8B-B14F-4D97-AF65-F5344CB8AC3E}">
-        <p14:creationId xmlns:p14="http://schemas.microsoft.com/office/powerpoint/2010/main" val="1442439195"/>
+        <p14:creationId xmlns:p14="http://schemas.microsoft.com/office/powerpoint/2010/main" val="356155338"/>
       </p:ext>
     </p:extLst>
   </p:cSld>
   <p:clrMapOvr>
     <a:masterClrMapping/>
   </p:clrMapOvr>
+  <p:timing>
+    <p:tnLst>
+      <p:par>
+        <p:cTn id="1" dur="indefinite" restart="never" nodeType="tmRoot"/>
+      </p:par>
+    </p:tnLst>
+  </p:timing>
 </p:sld>
 </file>
 
@@ -14951,6 +14987,188 @@
       </p:par>
     </p:tnLst>
   </p:timing>
+</p:sld>
+</file>
+
+<file path=ppt/slides/slide40.xml><?xml version="1.0" encoding="utf-8"?>
+<p:sld xmlns:a="http://schemas.openxmlformats.org/drawingml/2006/main" xmlns:r="http://schemas.openxmlformats.org/officeDocument/2006/relationships" xmlns:p="http://schemas.openxmlformats.org/presentationml/2006/main">
+  <p:cSld>
+    <p:spTree>
+      <p:nvGrpSpPr>
+        <p:cNvPr id="1" name=""/>
+        <p:cNvGrpSpPr/>
+        <p:nvPr/>
+      </p:nvGrpSpPr>
+      <p:grpSpPr>
+        <a:xfrm>
+          <a:off x="0" y="0"/>
+          <a:ext cx="0" cy="0"/>
+          <a:chOff x="0" y="0"/>
+          <a:chExt cx="0" cy="0"/>
+        </a:xfrm>
+      </p:grpSpPr>
+      <p:sp>
+        <p:nvSpPr>
+          <p:cNvPr id="2" name="Título 1"/>
+          <p:cNvSpPr>
+            <a:spLocks noGrp="1"/>
+          </p:cNvSpPr>
+          <p:nvPr>
+            <p:ph type="title"/>
+          </p:nvPr>
+        </p:nvSpPr>
+        <p:spPr/>
+        <p:txBody>
+          <a:bodyPr/>
+          <a:lstStyle/>
+          <a:p>
+            <a:r>
+              <a:rPr lang="pt-BR" dirty="0" smtClean="0"/>
+              <a:t>Propostas</a:t>
+            </a:r>
+            <a:endParaRPr lang="pt-BR" dirty="0"/>
+          </a:p>
+        </p:txBody>
+      </p:sp>
+      <p:sp>
+        <p:nvSpPr>
+          <p:cNvPr id="3" name="Espaço Reservado para Conteúdo 2"/>
+          <p:cNvSpPr>
+            <a:spLocks noGrp="1"/>
+          </p:cNvSpPr>
+          <p:nvPr>
+            <p:ph idx="1"/>
+          </p:nvPr>
+        </p:nvSpPr>
+        <p:spPr/>
+        <p:txBody>
+          <a:bodyPr>
+            <a:normAutofit lnSpcReduction="10000"/>
+          </a:bodyPr>
+          <a:lstStyle/>
+          <a:p>
+            <a:r>
+              <a:rPr lang="pt-BR" dirty="0" smtClean="0"/>
+              <a:t>Redes Neurais</a:t>
+            </a:r>
+          </a:p>
+          <a:p>
+            <a:r>
+              <a:rPr lang="pt-BR" dirty="0" smtClean="0"/>
+              <a:t>Controle Adaptativo*</a:t>
+            </a:r>
+          </a:p>
+          <a:p>
+            <a:r>
+              <a:rPr lang="pt-BR" dirty="0" smtClean="0"/>
+              <a:t>Computação Genérica</a:t>
+            </a:r>
+          </a:p>
+          <a:p>
+            <a:r>
+              <a:rPr lang="pt-BR" dirty="0" smtClean="0"/>
+              <a:t>...</a:t>
+            </a:r>
+          </a:p>
+          <a:p>
+            <a:endParaRPr lang="pt-BR" dirty="0" smtClean="0"/>
+          </a:p>
+          <a:p>
+            <a:endParaRPr lang="pt-BR" dirty="0"/>
+          </a:p>
+          <a:p>
+            <a:r>
+              <a:rPr lang="pt-BR" dirty="0" smtClean="0"/>
+              <a:t>Qualquer sistema multiplexado</a:t>
+            </a:r>
+          </a:p>
+          <a:p>
+            <a:r>
+              <a:rPr lang="pt-BR" dirty="0" smtClean="0"/>
+              <a:t>Processos realizados em etapas</a:t>
+            </a:r>
+            <a:endParaRPr lang="pt-BR" dirty="0"/>
+          </a:p>
+          <a:p>
+            <a:endParaRPr lang="pt-BR" dirty="0"/>
+          </a:p>
+        </p:txBody>
+      </p:sp>
+      <p:sp>
+        <p:nvSpPr>
+          <p:cNvPr id="4" name="Espaço Reservado para Data 3"/>
+          <p:cNvSpPr>
+            <a:spLocks noGrp="1"/>
+          </p:cNvSpPr>
+          <p:nvPr>
+            <p:ph type="dt" sz="half" idx="10"/>
+          </p:nvPr>
+        </p:nvSpPr>
+        <p:spPr/>
+        <p:txBody>
+          <a:bodyPr/>
+          <a:lstStyle/>
+          <a:p>
+            <a:r>
+              <a:rPr lang="pt-BR" smtClean="0"/>
+              <a:t>16 de dezembro de 2013</a:t>
+            </a:r>
+            <a:endParaRPr lang="pt-BR"/>
+          </a:p>
+        </p:txBody>
+      </p:sp>
+      <p:sp>
+        <p:nvSpPr>
+          <p:cNvPr id="5" name="Espaço Reservado para Rodapé 4"/>
+          <p:cNvSpPr>
+            <a:spLocks noGrp="1"/>
+          </p:cNvSpPr>
+          <p:nvPr>
+            <p:ph type="ftr" sz="quarter" idx="11"/>
+          </p:nvPr>
+        </p:nvSpPr>
+        <p:spPr/>
+        <p:txBody>
+          <a:bodyPr/>
+          <a:lstStyle/>
+          <a:p>
+            <a:endParaRPr lang="pt-BR"/>
+          </a:p>
+        </p:txBody>
+      </p:sp>
+      <p:sp>
+        <p:nvSpPr>
+          <p:cNvPr id="6" name="Espaço Reservado para Número de Slide 5"/>
+          <p:cNvSpPr>
+            <a:spLocks noGrp="1"/>
+          </p:cNvSpPr>
+          <p:nvPr>
+            <p:ph type="sldNum" sz="quarter" idx="12"/>
+          </p:nvPr>
+        </p:nvSpPr>
+        <p:spPr/>
+        <p:txBody>
+          <a:bodyPr/>
+          <a:lstStyle/>
+          <a:p>
+            <a:fld id="{E15E65B2-3271-4EB1-B955-03EC741CF5EC}" type="slidenum">
+              <a:rPr lang="pt-BR" smtClean="0"/>
+              <a:t>40</a:t>
+            </a:fld>
+            <a:endParaRPr lang="pt-BR"/>
+          </a:p>
+        </p:txBody>
+      </p:sp>
+    </p:spTree>
+    <p:extLst>
+      <p:ext uri="{BB962C8B-B14F-4D97-AF65-F5344CB8AC3E}">
+        <p14:creationId xmlns:p14="http://schemas.microsoft.com/office/powerpoint/2010/main" val="1442439195"/>
+      </p:ext>
+    </p:extLst>
+  </p:cSld>
+  <p:clrMapOvr>
+    <a:masterClrMapping/>
+  </p:clrMapOvr>
 </p:sld>
 </file>
 

--- a/Apresentação/Estudo e Implementação de Reconfiguração Dinâmica.pptx
+++ b/Apresentação/Estudo e Implementação de Reconfiguração Dinâmica.pptx
@@ -5,10 +5,10 @@
     <p:sldMasterId id="2147483648" r:id="rId1"/>
   </p:sldMasterIdLst>
   <p:notesMasterIdLst>
-    <p:notesMasterId r:id="rId42"/>
+    <p:notesMasterId r:id="rId43"/>
   </p:notesMasterIdLst>
   <p:handoutMasterIdLst>
-    <p:handoutMasterId r:id="rId43"/>
+    <p:handoutMasterId r:id="rId44"/>
   </p:handoutMasterIdLst>
   <p:sldIdLst>
     <p:sldId id="256" r:id="rId2"/>
@@ -16,41 +16,42 @@
     <p:sldId id="257" r:id="rId4"/>
     <p:sldId id="275" r:id="rId5"/>
     <p:sldId id="274" r:id="rId6"/>
-    <p:sldId id="293" r:id="rId7"/>
-    <p:sldId id="294" r:id="rId8"/>
+    <p:sldId id="299" r:id="rId7"/>
+    <p:sldId id="301" r:id="rId8"/>
     <p:sldId id="258" r:id="rId9"/>
-    <p:sldId id="278" r:id="rId10"/>
-    <p:sldId id="277" r:id="rId11"/>
-    <p:sldId id="276" r:id="rId12"/>
-    <p:sldId id="259" r:id="rId13"/>
-    <p:sldId id="279" r:id="rId14"/>
+    <p:sldId id="277" r:id="rId10"/>
+    <p:sldId id="298" r:id="rId11"/>
+    <p:sldId id="300" r:id="rId12"/>
+    <p:sldId id="276" r:id="rId13"/>
+    <p:sldId id="259" r:id="rId14"/>
     <p:sldId id="280" r:id="rId15"/>
     <p:sldId id="283" r:id="rId16"/>
-    <p:sldId id="296" r:id="rId17"/>
-    <p:sldId id="281" r:id="rId18"/>
-    <p:sldId id="260" r:id="rId19"/>
-    <p:sldId id="261" r:id="rId20"/>
-    <p:sldId id="284" r:id="rId21"/>
-    <p:sldId id="262" r:id="rId22"/>
-    <p:sldId id="263" r:id="rId23"/>
-    <p:sldId id="285" r:id="rId24"/>
-    <p:sldId id="286" r:id="rId25"/>
-    <p:sldId id="264" r:id="rId26"/>
-    <p:sldId id="265" r:id="rId27"/>
-    <p:sldId id="287" r:id="rId28"/>
-    <p:sldId id="288" r:id="rId29"/>
-    <p:sldId id="289" r:id="rId30"/>
-    <p:sldId id="266" r:id="rId31"/>
-    <p:sldId id="267" r:id="rId32"/>
+    <p:sldId id="281" r:id="rId17"/>
+    <p:sldId id="260" r:id="rId18"/>
+    <p:sldId id="261" r:id="rId19"/>
+    <p:sldId id="284" r:id="rId20"/>
+    <p:sldId id="262" r:id="rId21"/>
+    <p:sldId id="263" r:id="rId22"/>
+    <p:sldId id="285" r:id="rId23"/>
+    <p:sldId id="286" r:id="rId24"/>
+    <p:sldId id="264" r:id="rId25"/>
+    <p:sldId id="265" r:id="rId26"/>
+    <p:sldId id="287" r:id="rId27"/>
+    <p:sldId id="288" r:id="rId28"/>
+    <p:sldId id="289" r:id="rId29"/>
+    <p:sldId id="266" r:id="rId30"/>
+    <p:sldId id="267" r:id="rId31"/>
+    <p:sldId id="303" r:id="rId32"/>
     <p:sldId id="290" r:id="rId33"/>
     <p:sldId id="268" r:id="rId34"/>
-    <p:sldId id="269" r:id="rId35"/>
-    <p:sldId id="291" r:id="rId36"/>
-    <p:sldId id="271" r:id="rId37"/>
-    <p:sldId id="292" r:id="rId38"/>
-    <p:sldId id="270" r:id="rId39"/>
-    <p:sldId id="272" r:id="rId40"/>
-    <p:sldId id="295" r:id="rId41"/>
+    <p:sldId id="302" r:id="rId35"/>
+    <p:sldId id="269" r:id="rId36"/>
+    <p:sldId id="291" r:id="rId37"/>
+    <p:sldId id="271" r:id="rId38"/>
+    <p:sldId id="292" r:id="rId39"/>
+    <p:sldId id="270" r:id="rId40"/>
+    <p:sldId id="272" r:id="rId41"/>
+    <p:sldId id="295" r:id="rId42"/>
   </p:sldIdLst>
   <p:sldSz cx="9144000" cy="6858000" type="screen4x3"/>
   <p:notesSz cx="6670675" cy="9802813"/>
@@ -167,25 +168,24 @@
             <p14:sldId id="257"/>
             <p14:sldId id="275"/>
             <p14:sldId id="274"/>
-            <p14:sldId id="293"/>
-            <p14:sldId id="294"/>
+            <p14:sldId id="299"/>
+            <p14:sldId id="301"/>
           </p14:sldIdLst>
         </p14:section>
         <p14:section name="Revisão" id="{B129FBAF-78F5-4999-AF66-03F1328FD215}">
           <p14:sldIdLst>
             <p14:sldId id="258"/>
-            <p14:sldId id="278"/>
             <p14:sldId id="277"/>
+            <p14:sldId id="298"/>
+            <p14:sldId id="300"/>
             <p14:sldId id="276"/>
           </p14:sldIdLst>
         </p14:section>
         <p14:section name="Experimentos" id="{11CBBEB2-C58C-48A9-8EA8-D596534A628D}">
           <p14:sldIdLst>
             <p14:sldId id="259"/>
-            <p14:sldId id="279"/>
             <p14:sldId id="280"/>
             <p14:sldId id="283"/>
-            <p14:sldId id="296"/>
           </p14:sldIdLst>
         </p14:section>
         <p14:section name="Exp1" id="{44507A58-BA51-4172-B6A7-5CEEA16B79D2}">
@@ -217,12 +217,14 @@
           <p14:sldIdLst>
             <p14:sldId id="266"/>
             <p14:sldId id="267"/>
+            <p14:sldId id="303"/>
             <p14:sldId id="290"/>
           </p14:sldIdLst>
         </p14:section>
         <p14:section name="Exp5" id="{D4F404D7-3558-4F8B-8022-B26DDB3CE05F}">
           <p14:sldIdLst>
             <p14:sldId id="268"/>
+            <p14:sldId id="302"/>
             <p14:sldId id="269"/>
             <p14:sldId id="291"/>
           </p14:sldIdLst>
@@ -815,7 +817,15 @@
           <a:bodyPr/>
           <a:lstStyle/>
           <a:p>
-            <a:endParaRPr lang="pt-BR"/>
+            <a:r>
+              <a:rPr lang="pt-BR" dirty="0" smtClean="0"/>
+              <a:t>Primeiro comentário: mudança</a:t>
+            </a:r>
+            <a:r>
+              <a:rPr lang="pt-BR" baseline="0" dirty="0" smtClean="0"/>
+              <a:t> no título.</a:t>
+            </a:r>
+            <a:endParaRPr lang="pt-BR" dirty="0"/>
           </a:p>
         </p:txBody>
       </p:sp>
@@ -922,7 +932,7 @@
           <a:bodyPr/>
           <a:lstStyle/>
           <a:p>
-            <a:endParaRPr lang="pt-BR"/>
+            <a:endParaRPr lang="pt-BR" u="none" dirty="0"/>
           </a:p>
         </p:txBody>
       </p:sp>
@@ -975,7 +985,7 @@
     </p:spTree>
     <p:extLst>
       <p:ext uri="{BB962C8B-B14F-4D97-AF65-F5344CB8AC3E}">
-        <p14:creationId xmlns:p14="http://schemas.microsoft.com/office/powerpoint/2010/main" val="1540502464"/>
+        <p14:creationId xmlns:p14="http://schemas.microsoft.com/office/powerpoint/2010/main" val="3554098737"/>
       </p:ext>
     </p:extLst>
   </p:cSld>
@@ -1082,7 +1092,7 @@
     </p:spTree>
     <p:extLst>
       <p:ext uri="{BB962C8B-B14F-4D97-AF65-F5344CB8AC3E}">
-        <p14:creationId xmlns:p14="http://schemas.microsoft.com/office/powerpoint/2010/main" val="3529874381"/>
+        <p14:creationId xmlns:p14="http://schemas.microsoft.com/office/powerpoint/2010/main" val="1540502464"/>
       </p:ext>
     </p:extLst>
   </p:cSld>
@@ -1189,7 +1199,7 @@
     </p:spTree>
     <p:extLst>
       <p:ext uri="{BB962C8B-B14F-4D97-AF65-F5344CB8AC3E}">
-        <p14:creationId xmlns:p14="http://schemas.microsoft.com/office/powerpoint/2010/main" val="3135773571"/>
+        <p14:creationId xmlns:p14="http://schemas.microsoft.com/office/powerpoint/2010/main" val="3529874381"/>
       </p:ext>
     </p:extLst>
   </p:cSld>
@@ -1296,7 +1306,7 @@
     </p:spTree>
     <p:extLst>
       <p:ext uri="{BB962C8B-B14F-4D97-AF65-F5344CB8AC3E}">
-        <p14:creationId xmlns:p14="http://schemas.microsoft.com/office/powerpoint/2010/main" val="3918370141"/>
+        <p14:creationId xmlns:p14="http://schemas.microsoft.com/office/powerpoint/2010/main" val="3135773571"/>
       </p:ext>
     </p:extLst>
   </p:cSld>
@@ -3428,7 +3438,7 @@
           <a:bodyPr/>
           <a:lstStyle/>
           <a:p>
-            <a:endParaRPr lang="pt-BR"/>
+            <a:endParaRPr lang="pt-BR" dirty="0"/>
           </a:p>
         </p:txBody>
       </p:sp>
@@ -3457,12 +3467,12 @@
       </p:sp>
       <p:sp>
         <p:nvSpPr>
-          <p:cNvPr id="6" name="Espaço Reservado para Data 5"/>
-          <p:cNvSpPr>
-            <a:spLocks noGrp="1"/>
-          </p:cNvSpPr>
-          <p:nvPr>
-            <p:ph type="dt" idx="12"/>
+          <p:cNvPr id="5" name="Espaço Reservado para Data 4"/>
+          <p:cNvSpPr>
+            <a:spLocks noGrp="1"/>
+          </p:cNvSpPr>
+          <p:nvPr>
+            <p:ph type="dt" idx="11"/>
           </p:nvPr>
         </p:nvSpPr>
         <p:spPr/>
@@ -3481,7 +3491,7 @@
     </p:spTree>
     <p:extLst>
       <p:ext uri="{BB962C8B-B14F-4D97-AF65-F5344CB8AC3E}">
-        <p14:creationId xmlns:p14="http://schemas.microsoft.com/office/powerpoint/2010/main" val="268206510"/>
+        <p14:creationId xmlns:p14="http://schemas.microsoft.com/office/powerpoint/2010/main" val="3038675783"/>
       </p:ext>
     </p:extLst>
   </p:cSld>
@@ -3588,7 +3598,7 @@
     </p:spTree>
     <p:extLst>
       <p:ext uri="{BB962C8B-B14F-4D97-AF65-F5344CB8AC3E}">
-        <p14:creationId xmlns:p14="http://schemas.microsoft.com/office/powerpoint/2010/main" val="3384860820"/>
+        <p14:creationId xmlns:p14="http://schemas.microsoft.com/office/powerpoint/2010/main" val="268206510"/>
       </p:ext>
     </p:extLst>
   </p:cSld>
@@ -3695,7 +3705,7 @@
     </p:spTree>
     <p:extLst>
       <p:ext uri="{BB962C8B-B14F-4D97-AF65-F5344CB8AC3E}">
-        <p14:creationId xmlns:p14="http://schemas.microsoft.com/office/powerpoint/2010/main" val="237899986"/>
+        <p14:creationId xmlns:p14="http://schemas.microsoft.com/office/powerpoint/2010/main" val="3384860820"/>
       </p:ext>
     </p:extLst>
   </p:cSld>
@@ -3802,7 +3812,7 @@
     </p:spTree>
     <p:extLst>
       <p:ext uri="{BB962C8B-B14F-4D97-AF65-F5344CB8AC3E}">
-        <p14:creationId xmlns:p14="http://schemas.microsoft.com/office/powerpoint/2010/main" val="352818999"/>
+        <p14:creationId xmlns:p14="http://schemas.microsoft.com/office/powerpoint/2010/main" val="237899986"/>
       </p:ext>
     </p:extLst>
   </p:cSld>
@@ -3909,7 +3919,7 @@
     </p:spTree>
     <p:extLst>
       <p:ext uri="{BB962C8B-B14F-4D97-AF65-F5344CB8AC3E}">
-        <p14:creationId xmlns:p14="http://schemas.microsoft.com/office/powerpoint/2010/main" val="3266695840"/>
+        <p14:creationId xmlns:p14="http://schemas.microsoft.com/office/powerpoint/2010/main" val="352818999"/>
       </p:ext>
     </p:extLst>
   </p:cSld>
@@ -4016,7 +4026,7 @@
     </p:spTree>
     <p:extLst>
       <p:ext uri="{BB962C8B-B14F-4D97-AF65-F5344CB8AC3E}">
-        <p14:creationId xmlns:p14="http://schemas.microsoft.com/office/powerpoint/2010/main" val="920746731"/>
+        <p14:creationId xmlns:p14="http://schemas.microsoft.com/office/powerpoint/2010/main" val="3266695840"/>
       </p:ext>
     </p:extLst>
   </p:cSld>
@@ -4123,7 +4133,7 @@
     </p:spTree>
     <p:extLst>
       <p:ext uri="{BB962C8B-B14F-4D97-AF65-F5344CB8AC3E}">
-        <p14:creationId xmlns:p14="http://schemas.microsoft.com/office/powerpoint/2010/main" val="1353118546"/>
+        <p14:creationId xmlns:p14="http://schemas.microsoft.com/office/powerpoint/2010/main" val="920746731"/>
       </p:ext>
     </p:extLst>
   </p:cSld>
@@ -4230,7 +4240,7 @@
     </p:spTree>
     <p:extLst>
       <p:ext uri="{BB962C8B-B14F-4D97-AF65-F5344CB8AC3E}">
-        <p14:creationId xmlns:p14="http://schemas.microsoft.com/office/powerpoint/2010/main" val="1231913858"/>
+        <p14:creationId xmlns:p14="http://schemas.microsoft.com/office/powerpoint/2010/main" val="1353118546"/>
       </p:ext>
     </p:extLst>
   </p:cSld>
@@ -4284,7 +4294,7 @@
           <a:bodyPr/>
           <a:lstStyle/>
           <a:p>
-            <a:endParaRPr lang="pt-BR" dirty="0"/>
+            <a:endParaRPr lang="pt-BR"/>
           </a:p>
         </p:txBody>
       </p:sp>
@@ -4313,12 +4323,12 @@
       </p:sp>
       <p:sp>
         <p:nvSpPr>
-          <p:cNvPr id="5" name="Espaço Reservado para Data 4"/>
-          <p:cNvSpPr>
-            <a:spLocks noGrp="1"/>
-          </p:cNvSpPr>
-          <p:nvPr>
-            <p:ph type="dt" idx="11"/>
+          <p:cNvPr id="6" name="Espaço Reservado para Data 5"/>
+          <p:cNvSpPr>
+            <a:spLocks noGrp="1"/>
+          </p:cNvSpPr>
+          <p:nvPr>
+            <p:ph type="dt" idx="12"/>
           </p:nvPr>
         </p:nvSpPr>
         <p:spPr/>
@@ -4337,7 +4347,7 @@
     </p:spTree>
     <p:extLst>
       <p:ext uri="{BB962C8B-B14F-4D97-AF65-F5344CB8AC3E}">
-        <p14:creationId xmlns:p14="http://schemas.microsoft.com/office/powerpoint/2010/main" val="2914593516"/>
+        <p14:creationId xmlns:p14="http://schemas.microsoft.com/office/powerpoint/2010/main" val="1231913858"/>
       </p:ext>
     </p:extLst>
   </p:cSld>
@@ -4453,6 +4463,113 @@
     <p:extLst>
       <p:ext uri="{BB962C8B-B14F-4D97-AF65-F5344CB8AC3E}">
         <p14:creationId xmlns:p14="http://schemas.microsoft.com/office/powerpoint/2010/main" val="3974176555"/>
+      </p:ext>
+    </p:extLst>
+  </p:cSld>
+  <p:clrMapOvr>
+    <a:masterClrMapping/>
+  </p:clrMapOvr>
+</p:notes>
+</file>
+
+<file path=ppt/notesSlides/notesSlide40.xml><?xml version="1.0" encoding="utf-8"?>
+<p:notes xmlns:a="http://schemas.openxmlformats.org/drawingml/2006/main" xmlns:r="http://schemas.openxmlformats.org/officeDocument/2006/relationships" xmlns:p="http://schemas.openxmlformats.org/presentationml/2006/main">
+  <p:cSld>
+    <p:spTree>
+      <p:nvGrpSpPr>
+        <p:cNvPr id="1" name=""/>
+        <p:cNvGrpSpPr/>
+        <p:nvPr/>
+      </p:nvGrpSpPr>
+      <p:grpSpPr>
+        <a:xfrm>
+          <a:off x="0" y="0"/>
+          <a:ext cx="0" cy="0"/>
+          <a:chOff x="0" y="0"/>
+          <a:chExt cx="0" cy="0"/>
+        </a:xfrm>
+      </p:grpSpPr>
+      <p:sp>
+        <p:nvSpPr>
+          <p:cNvPr id="2" name="Espaço Reservado para Imagem de Slide 1"/>
+          <p:cNvSpPr>
+            <a:spLocks noGrp="1" noRot="1" noChangeAspect="1"/>
+          </p:cNvSpPr>
+          <p:nvPr>
+            <p:ph type="sldImg"/>
+          </p:nvPr>
+        </p:nvSpPr>
+        <p:spPr/>
+      </p:sp>
+      <p:sp>
+        <p:nvSpPr>
+          <p:cNvPr id="3" name="Espaço Reservado para Anotações 2"/>
+          <p:cNvSpPr>
+            <a:spLocks noGrp="1"/>
+          </p:cNvSpPr>
+          <p:nvPr>
+            <p:ph type="body" idx="1"/>
+          </p:nvPr>
+        </p:nvSpPr>
+        <p:spPr/>
+        <p:txBody>
+          <a:bodyPr/>
+          <a:lstStyle/>
+          <a:p>
+            <a:endParaRPr lang="pt-BR" dirty="0"/>
+          </a:p>
+        </p:txBody>
+      </p:sp>
+      <p:sp>
+        <p:nvSpPr>
+          <p:cNvPr id="4" name="Espaço Reservado para Cabeçalho 3"/>
+          <p:cNvSpPr>
+            <a:spLocks noGrp="1"/>
+          </p:cNvSpPr>
+          <p:nvPr>
+            <p:ph type="hdr" sz="quarter" idx="10"/>
+          </p:nvPr>
+        </p:nvSpPr>
+        <p:spPr/>
+        <p:txBody>
+          <a:bodyPr/>
+          <a:lstStyle/>
+          <a:p>
+            <a:r>
+              <a:rPr lang="pt-BR" smtClean="0"/>
+              <a:t>Trabalho de Graduação - Lucas Oliveira</a:t>
+            </a:r>
+            <a:endParaRPr lang="pt-BR"/>
+          </a:p>
+        </p:txBody>
+      </p:sp>
+      <p:sp>
+        <p:nvSpPr>
+          <p:cNvPr id="5" name="Espaço Reservado para Data 4"/>
+          <p:cNvSpPr>
+            <a:spLocks noGrp="1"/>
+          </p:cNvSpPr>
+          <p:nvPr>
+            <p:ph type="dt" idx="11"/>
+          </p:nvPr>
+        </p:nvSpPr>
+        <p:spPr/>
+        <p:txBody>
+          <a:bodyPr/>
+          <a:lstStyle/>
+          <a:p>
+            <a:r>
+              <a:rPr lang="pt-BR" smtClean="0"/>
+              <a:t>16 de dezembro de 2013</a:t>
+            </a:r>
+            <a:endParaRPr lang="pt-BR"/>
+          </a:p>
+        </p:txBody>
+      </p:sp>
+    </p:spTree>
+    <p:extLst>
+      <p:ext uri="{BB962C8B-B14F-4D97-AF65-F5344CB8AC3E}">
+        <p14:creationId xmlns:p14="http://schemas.microsoft.com/office/powerpoint/2010/main" val="2914593516"/>
       </p:ext>
     </p:extLst>
   </p:cSld>
@@ -4661,20 +4778,7 @@
           <a:bodyPr/>
           <a:lstStyle/>
           <a:p>
-            <a:r>
-              <a:rPr lang="pt-BR" sz="1200" b="0" i="0" u="none" strike="noStrike" kern="1200" baseline="0" dirty="0" smtClean="0">
-                <a:solidFill>
-                  <a:schemeClr val="tx1"/>
-                </a:solidFill>
-                <a:latin typeface="+mn-lt"/>
-                <a:ea typeface="+mn-ea"/>
-                <a:cs typeface="+mn-cs"/>
-              </a:rPr>
-              <a:t>Hoje, a FPGA é o dispositivo mais utilizado na computação reconfigurável. Ela está presente em muitas coisas. </a:t>
-            </a:r>
-          </a:p>
-          <a:p>
-            <a:endParaRPr lang="pt-BR" sz="1200" b="0" i="0" u="none" strike="noStrike" kern="1200" baseline="0" dirty="0" smtClean="0">
+            <a:endParaRPr lang="pt-BR" sz="1200" b="0" i="0" u="sng" strike="noStrike" kern="1200" baseline="0" dirty="0" smtClean="0">
               <a:solidFill>
                 <a:schemeClr val="tx1"/>
               </a:solidFill>
@@ -4682,20 +4786,6 @@
               <a:ea typeface="+mn-ea"/>
               <a:cs typeface="+mn-cs"/>
             </a:endParaRPr>
-          </a:p>
-          <a:p>
-            <a:r>
-              <a:rPr lang="pt-BR" sz="1200" b="0" i="0" u="none" strike="noStrike" kern="1200" baseline="0" dirty="0" smtClean="0">
-                <a:solidFill>
-                  <a:schemeClr val="tx1"/>
-                </a:solidFill>
-                <a:latin typeface="+mn-lt"/>
-                <a:ea typeface="+mn-ea"/>
-                <a:cs typeface="+mn-cs"/>
-              </a:rPr>
-              <a:t>Mas como programar algo assim? Não é fácil.</a:t>
-            </a:r>
-            <a:endParaRPr lang="pt-BR" u="none" dirty="0"/>
           </a:p>
         </p:txBody>
       </p:sp>
@@ -4802,7 +4892,14 @@
           <a:bodyPr/>
           <a:lstStyle/>
           <a:p>
-            <a:endParaRPr lang="pt-BR" u="none" dirty="0"/>
+            <a:endParaRPr lang="pt-BR" sz="1200" b="0" i="0" u="sng" strike="noStrike" kern="1200" baseline="0" dirty="0" smtClean="0">
+              <a:solidFill>
+                <a:schemeClr val="tx1"/>
+              </a:solidFill>
+              <a:latin typeface="+mn-lt"/>
+              <a:ea typeface="+mn-ea"/>
+              <a:cs typeface="+mn-cs"/>
+            </a:endParaRPr>
           </a:p>
         </p:txBody>
       </p:sp>
@@ -5069,7 +5166,7 @@
     </p:spTree>
     <p:extLst>
       <p:ext uri="{BB962C8B-B14F-4D97-AF65-F5344CB8AC3E}">
-        <p14:creationId xmlns:p14="http://schemas.microsoft.com/office/powerpoint/2010/main" val="1252340661"/>
+        <p14:creationId xmlns:p14="http://schemas.microsoft.com/office/powerpoint/2010/main" val="1540502464"/>
       </p:ext>
     </p:extLst>
   </p:cSld>
@@ -8313,12 +8410,14 @@
         </p:nvSpPr>
         <p:spPr/>
         <p:txBody>
-          <a:bodyPr/>
+          <a:bodyPr>
+            <a:normAutofit/>
+          </a:bodyPr>
           <a:lstStyle/>
           <a:p>
             <a:r>
               <a:rPr lang="pt-BR" dirty="0" smtClean="0"/>
-              <a:t>Classes de Reconfiguração</a:t>
+              <a:t>Compilação</a:t>
             </a:r>
             <a:endParaRPr lang="pt-BR" dirty="0"/>
           </a:p>
@@ -8326,71 +8425,6 @@
       </p:sp>
       <p:sp>
         <p:nvSpPr>
-          <p:cNvPr id="3" name="Espaço Reservado para Conteúdo 2"/>
-          <p:cNvSpPr>
-            <a:spLocks noGrp="1"/>
-          </p:cNvSpPr>
-          <p:nvPr>
-            <p:ph idx="1"/>
-          </p:nvPr>
-        </p:nvSpPr>
-        <p:spPr/>
-        <p:txBody>
-          <a:bodyPr/>
-          <a:lstStyle/>
-          <a:p>
-            <a:r>
-              <a:rPr lang="pt-BR" sz="2600" dirty="0" smtClean="0"/>
-              <a:t>Quanto ao estado da FPGA</a:t>
-            </a:r>
-          </a:p>
-          <a:p>
-            <a:pPr lvl="1"/>
-            <a:r>
-              <a:rPr lang="pt-BR" sz="2200" dirty="0" smtClean="0"/>
-              <a:t>Estática: sistema desligado</a:t>
-            </a:r>
-          </a:p>
-          <a:p>
-            <a:pPr lvl="1"/>
-            <a:r>
-              <a:rPr lang="pt-BR" sz="2200" dirty="0" smtClean="0"/>
-              <a:t>Dinâmica: sistema funcionando</a:t>
-            </a:r>
-          </a:p>
-          <a:p>
-            <a:r>
-              <a:rPr lang="pt-BR" sz="2600" dirty="0" smtClean="0"/>
-              <a:t>Quanto às modificações promovidas</a:t>
-            </a:r>
-          </a:p>
-          <a:p>
-            <a:pPr lvl="1"/>
-            <a:r>
-              <a:rPr lang="pt-BR" sz="2200" dirty="0" smtClean="0"/>
-              <a:t>Total</a:t>
-            </a:r>
-          </a:p>
-          <a:p>
-            <a:pPr lvl="1"/>
-            <a:r>
-              <a:rPr lang="pt-BR" sz="2200" dirty="0" smtClean="0"/>
-              <a:t>Parcial</a:t>
-            </a:r>
-          </a:p>
-          <a:p>
-            <a:r>
-              <a:rPr lang="pt-BR" sz="2600" dirty="0" smtClean="0"/>
-              <a:t>Quanto ao agente controlador da reconfiguração</a:t>
-            </a:r>
-          </a:p>
-          <a:p>
-            <a:endParaRPr lang="pt-BR" dirty="0" smtClean="0"/>
-          </a:p>
-        </p:txBody>
-      </p:sp>
-      <p:sp>
-        <p:nvSpPr>
           <p:cNvPr id="4" name="Espaço Reservado para Data 3"/>
           <p:cNvSpPr>
             <a:spLocks noGrp="1"/>
@@ -8428,9 +8462,10 @@
           <a:lstStyle/>
           <a:p>
             <a:r>
-              <a:rPr lang="pt-BR" dirty="0"/>
-              <a:t>Revisão Bibliográfica</a:t>
-            </a:r>
+              <a:rPr lang="pt-BR" dirty="0" smtClean="0"/>
+              <a:t>Introdução</a:t>
+            </a:r>
+            <a:endParaRPr lang="pt-BR" dirty="0"/>
           </a:p>
         </p:txBody>
       </p:sp>
@@ -8457,10 +8492,39 @@
           </a:p>
         </p:txBody>
       </p:sp>
+      <p:pic>
+        <p:nvPicPr>
+          <p:cNvPr id="7" name="Espaço Reservado para Conteúdo 6"/>
+          <p:cNvPicPr>
+            <a:picLocks noGrp="1" noChangeAspect="1"/>
+          </p:cNvPicPr>
+          <p:nvPr>
+            <p:ph idx="1"/>
+          </p:nvPr>
+        </p:nvPicPr>
+        <p:blipFill>
+          <a:blip r:embed="rId3" cstate="print">
+            <a:extLst>
+              <a:ext uri="{28A0092B-C50C-407E-A947-70E740481C1C}">
+                <a14:useLocalDpi xmlns:a14="http://schemas.microsoft.com/office/drawing/2010/main" val="0"/>
+              </a:ext>
+            </a:extLst>
+          </a:blip>
+          <a:stretch>
+            <a:fillRect/>
+          </a:stretch>
+        </p:blipFill>
+        <p:spPr>
+          <a:xfrm>
+            <a:off x="2915816" y="1340768"/>
+            <a:ext cx="4090980" cy="5040000"/>
+          </a:xfrm>
+        </p:spPr>
+      </p:pic>
     </p:spTree>
     <p:extLst>
       <p:ext uri="{BB962C8B-B14F-4D97-AF65-F5344CB8AC3E}">
-        <p14:creationId xmlns:p14="http://schemas.microsoft.com/office/powerpoint/2010/main" val="422507069"/>
+        <p14:creationId xmlns:p14="http://schemas.microsoft.com/office/powerpoint/2010/main" val="1298833176"/>
       </p:ext>
     </p:extLst>
   </p:cSld>
@@ -8496,7 +8560,7 @@
       </p:grpSpPr>
       <p:sp>
         <p:nvSpPr>
-          <p:cNvPr id="7" name="Título 6"/>
+          <p:cNvPr id="2" name="Título 1"/>
           <p:cNvSpPr>
             <a:spLocks noGrp="1"/>
           </p:cNvSpPr>
@@ -8511,41 +8575,77 @@
           <a:p>
             <a:r>
               <a:rPr lang="pt-BR" dirty="0" smtClean="0"/>
-              <a:t>Reconfiguração</a:t>
+              <a:t>Classes de Reconfiguração</a:t>
             </a:r>
             <a:endParaRPr lang="pt-BR" dirty="0"/>
           </a:p>
         </p:txBody>
       </p:sp>
-      <p:pic>
-        <p:nvPicPr>
-          <p:cNvPr id="10" name="Espaço Reservado para Conteúdo 9"/>
-          <p:cNvPicPr>
-            <a:picLocks noGrp="1" noChangeAspect="1"/>
-          </p:cNvPicPr>
+      <p:sp>
+        <p:nvSpPr>
+          <p:cNvPr id="3" name="Espaço Reservado para Conteúdo 2"/>
+          <p:cNvSpPr>
+            <a:spLocks noGrp="1"/>
+          </p:cNvSpPr>
           <p:nvPr>
             <p:ph idx="1"/>
           </p:nvPr>
-        </p:nvPicPr>
-        <p:blipFill>
-          <a:blip r:embed="rId3">
-            <a:extLst>
-              <a:ext uri="{28A0092B-C50C-407E-A947-70E740481C1C}">
-                <a14:useLocalDpi xmlns:a14="http://schemas.microsoft.com/office/drawing/2010/main" val="0"/>
-              </a:ext>
-            </a:extLst>
-          </a:blip>
-          <a:stretch>
-            <a:fillRect/>
-          </a:stretch>
-        </p:blipFill>
-        <p:spPr>
-          <a:xfrm>
-            <a:off x="1627875" y="2007103"/>
-            <a:ext cx="5888250" cy="3712157"/>
-          </a:xfrm>
-        </p:spPr>
-      </p:pic>
+        </p:nvSpPr>
+        <p:spPr/>
+        <p:txBody>
+          <a:bodyPr/>
+          <a:lstStyle/>
+          <a:p>
+            <a:r>
+              <a:rPr lang="pt-BR" sz="2600" dirty="0" smtClean="0"/>
+              <a:t>Quanto ao estado da FPGA</a:t>
+            </a:r>
+          </a:p>
+          <a:p>
+            <a:pPr lvl="1"/>
+            <a:r>
+              <a:rPr lang="pt-BR" sz="2200" dirty="0" smtClean="0"/>
+              <a:t>Estática: sistema desligado</a:t>
+            </a:r>
+          </a:p>
+          <a:p>
+            <a:pPr lvl="1"/>
+            <a:r>
+              <a:rPr lang="pt-BR" sz="2200" dirty="0" smtClean="0"/>
+              <a:t>Dinâmica: sistema funcionando</a:t>
+            </a:r>
+          </a:p>
+          <a:p>
+            <a:r>
+              <a:rPr lang="pt-BR" sz="2600" dirty="0" smtClean="0"/>
+              <a:t>Quanto às modificações promovidas</a:t>
+            </a:r>
+          </a:p>
+          <a:p>
+            <a:pPr lvl="1"/>
+            <a:r>
+              <a:rPr lang="pt-BR" sz="2200" dirty="0" smtClean="0"/>
+              <a:t>Total</a:t>
+            </a:r>
+          </a:p>
+          <a:p>
+            <a:pPr lvl="1"/>
+            <a:r>
+              <a:rPr lang="pt-BR" sz="2200" dirty="0" smtClean="0"/>
+              <a:t>Parcial</a:t>
+            </a:r>
+          </a:p>
+          <a:p>
+            <a:r>
+              <a:rPr lang="pt-BR" sz="2600" dirty="0" smtClean="0"/>
+              <a:t>Quanto ao agente controlador da reconfiguração</a:t>
+            </a:r>
+          </a:p>
+          <a:p>
+            <a:endParaRPr lang="pt-BR" dirty="0" smtClean="0"/>
+          </a:p>
+        </p:txBody>
+      </p:sp>
       <p:sp>
         <p:nvSpPr>
           <p:cNvPr id="4" name="Espaço Reservado para Data 3"/>
@@ -8585,10 +8685,9 @@
           <a:lstStyle/>
           <a:p>
             <a:r>
-              <a:rPr lang="pt-BR" dirty="0" smtClean="0"/>
+              <a:rPr lang="pt-BR" dirty="0"/>
               <a:t>Revisão Bibliográfica</a:t>
             </a:r>
-            <a:endParaRPr lang="pt-BR" dirty="0"/>
           </a:p>
         </p:txBody>
       </p:sp>
@@ -8618,7 +8717,7 @@
     </p:spTree>
     <p:extLst>
       <p:ext uri="{BB962C8B-B14F-4D97-AF65-F5344CB8AC3E}">
-        <p14:creationId xmlns:p14="http://schemas.microsoft.com/office/powerpoint/2010/main" val="3408625010"/>
+        <p14:creationId xmlns:p14="http://schemas.microsoft.com/office/powerpoint/2010/main" val="1277690986"/>
       </p:ext>
     </p:extLst>
   </p:cSld>
@@ -8654,7 +8753,7 @@
       </p:grpSpPr>
       <p:sp>
         <p:nvSpPr>
-          <p:cNvPr id="2" name="Título 1"/>
+          <p:cNvPr id="7" name="Título 6"/>
           <p:cNvSpPr>
             <a:spLocks noGrp="1"/>
           </p:cNvSpPr>
@@ -8667,72 +8766,82 @@
           <a:bodyPr/>
           <a:lstStyle/>
           <a:p>
+            <a:endParaRPr lang="pt-BR" dirty="0"/>
+          </a:p>
+        </p:txBody>
+      </p:sp>
+      <p:pic>
+        <p:nvPicPr>
+          <p:cNvPr id="10" name="Espaço Reservado para Conteúdo 9"/>
+          <p:cNvPicPr>
+            <a:picLocks noGrp="1" noChangeAspect="1"/>
+          </p:cNvPicPr>
+          <p:nvPr>
+            <p:ph idx="1"/>
+          </p:nvPr>
+        </p:nvPicPr>
+        <p:blipFill>
+          <a:blip r:embed="rId3">
+            <a:extLst>
+              <a:ext uri="{28A0092B-C50C-407E-A947-70E740481C1C}">
+                <a14:useLocalDpi xmlns:a14="http://schemas.microsoft.com/office/drawing/2010/main" val="0"/>
+              </a:ext>
+            </a:extLst>
+          </a:blip>
+          <a:stretch>
+            <a:fillRect/>
+          </a:stretch>
+        </p:blipFill>
+        <p:spPr>
+          <a:xfrm>
+            <a:off x="1627875" y="2007103"/>
+            <a:ext cx="5888250" cy="3712157"/>
+          </a:xfrm>
+        </p:spPr>
+      </p:pic>
+      <p:sp>
+        <p:nvSpPr>
+          <p:cNvPr id="4" name="Espaço Reservado para Data 3"/>
+          <p:cNvSpPr>
+            <a:spLocks noGrp="1"/>
+          </p:cNvSpPr>
+          <p:nvPr>
+            <p:ph type="dt" sz="half" idx="10"/>
+          </p:nvPr>
+        </p:nvSpPr>
+        <p:spPr/>
+        <p:txBody>
+          <a:bodyPr/>
+          <a:lstStyle/>
+          <a:p>
+            <a:r>
+              <a:rPr lang="pt-BR" smtClean="0"/>
+              <a:t>16 de dezembro de 2013</a:t>
+            </a:r>
+            <a:endParaRPr lang="pt-BR"/>
+          </a:p>
+        </p:txBody>
+      </p:sp>
+      <p:sp>
+        <p:nvSpPr>
+          <p:cNvPr id="5" name="Espaço Reservado para Rodapé 4"/>
+          <p:cNvSpPr>
+            <a:spLocks noGrp="1"/>
+          </p:cNvSpPr>
+          <p:nvPr>
+            <p:ph type="ftr" sz="quarter" idx="11"/>
+          </p:nvPr>
+        </p:nvSpPr>
+        <p:spPr/>
+        <p:txBody>
+          <a:bodyPr/>
+          <a:lstStyle/>
+          <a:p>
             <a:r>
               <a:rPr lang="pt-BR" dirty="0" smtClean="0"/>
-              <a:t>Experimentos</a:t>
+              <a:t>Revisão Bibliográfica</a:t>
             </a:r>
             <a:endParaRPr lang="pt-BR" dirty="0"/>
-          </a:p>
-        </p:txBody>
-      </p:sp>
-      <p:sp>
-        <p:nvSpPr>
-          <p:cNvPr id="7" name="Espaço Reservado para Texto 6"/>
-          <p:cNvSpPr>
-            <a:spLocks noGrp="1"/>
-          </p:cNvSpPr>
-          <p:nvPr>
-            <p:ph type="body" idx="1"/>
-          </p:nvPr>
-        </p:nvSpPr>
-        <p:spPr/>
-        <p:txBody>
-          <a:bodyPr/>
-          <a:lstStyle/>
-          <a:p>
-            <a:endParaRPr lang="pt-BR"/>
-          </a:p>
-        </p:txBody>
-      </p:sp>
-      <p:sp>
-        <p:nvSpPr>
-          <p:cNvPr id="4" name="Espaço Reservado para Data 3"/>
-          <p:cNvSpPr>
-            <a:spLocks noGrp="1"/>
-          </p:cNvSpPr>
-          <p:nvPr>
-            <p:ph type="dt" sz="half" idx="10"/>
-          </p:nvPr>
-        </p:nvSpPr>
-        <p:spPr/>
-        <p:txBody>
-          <a:bodyPr/>
-          <a:lstStyle/>
-          <a:p>
-            <a:r>
-              <a:rPr lang="pt-BR" smtClean="0"/>
-              <a:t>16 de dezembro de 2013</a:t>
-            </a:r>
-            <a:endParaRPr lang="pt-BR"/>
-          </a:p>
-        </p:txBody>
-      </p:sp>
-      <p:sp>
-        <p:nvSpPr>
-          <p:cNvPr id="5" name="Espaço Reservado para Rodapé 4"/>
-          <p:cNvSpPr>
-            <a:spLocks noGrp="1"/>
-          </p:cNvSpPr>
-          <p:nvPr>
-            <p:ph type="ftr" sz="quarter" idx="11"/>
-          </p:nvPr>
-        </p:nvSpPr>
-        <p:spPr/>
-        <p:txBody>
-          <a:bodyPr/>
-          <a:lstStyle/>
-          <a:p>
-            <a:endParaRPr lang="pt-BR"/>
           </a:p>
         </p:txBody>
       </p:sp>
@@ -8762,7 +8871,7 @@
     </p:spTree>
     <p:extLst>
       <p:ext uri="{BB962C8B-B14F-4D97-AF65-F5344CB8AC3E}">
-        <p14:creationId xmlns:p14="http://schemas.microsoft.com/office/powerpoint/2010/main" val="1840315443"/>
+        <p14:creationId xmlns:p14="http://schemas.microsoft.com/office/powerpoint/2010/main" val="3408625010"/>
       </p:ext>
     </p:extLst>
   </p:cSld>
@@ -8798,87 +8907,12 @@
       </p:grpSpPr>
       <p:sp>
         <p:nvSpPr>
-          <p:cNvPr id="7" name="Título 6"/>
+          <p:cNvPr id="2" name="Título 1"/>
           <p:cNvSpPr>
             <a:spLocks noGrp="1"/>
           </p:cNvSpPr>
           <p:nvPr>
             <p:ph type="title"/>
-          </p:nvPr>
-        </p:nvSpPr>
-        <p:spPr/>
-        <p:txBody>
-          <a:bodyPr/>
-          <a:lstStyle/>
-          <a:p>
-            <a:r>
-              <a:rPr lang="pt-BR" dirty="0" smtClean="0"/>
-              <a:t>Objetivos</a:t>
-            </a:r>
-            <a:endParaRPr lang="pt-BR" dirty="0"/>
-          </a:p>
-        </p:txBody>
-      </p:sp>
-      <p:pic>
-        <p:nvPicPr>
-          <p:cNvPr id="9" name="Espaço Reservado para Conteúdo 8"/>
-          <p:cNvPicPr>
-            <a:picLocks noGrp="1" noChangeAspect="1"/>
-          </p:cNvPicPr>
-          <p:nvPr>
-            <p:ph idx="1"/>
-          </p:nvPr>
-        </p:nvPicPr>
-        <p:blipFill>
-          <a:blip r:embed="rId3">
-            <a:extLst>
-              <a:ext uri="{28A0092B-C50C-407E-A947-70E740481C1C}">
-                <a14:useLocalDpi xmlns:a14="http://schemas.microsoft.com/office/drawing/2010/main" val="0"/>
-              </a:ext>
-            </a:extLst>
-          </a:blip>
-          <a:stretch>
-            <a:fillRect/>
-          </a:stretch>
-        </p:blipFill>
-        <p:spPr>
-          <a:xfrm>
-            <a:off x="457200" y="1970373"/>
-            <a:ext cx="8229600" cy="3785616"/>
-          </a:xfrm>
-        </p:spPr>
-      </p:pic>
-      <p:sp>
-        <p:nvSpPr>
-          <p:cNvPr id="4" name="Espaço Reservado para Data 3"/>
-          <p:cNvSpPr>
-            <a:spLocks noGrp="1"/>
-          </p:cNvSpPr>
-          <p:nvPr>
-            <p:ph type="dt" sz="half" idx="10"/>
-          </p:nvPr>
-        </p:nvSpPr>
-        <p:spPr/>
-        <p:txBody>
-          <a:bodyPr/>
-          <a:lstStyle/>
-          <a:p>
-            <a:r>
-              <a:rPr lang="pt-BR" smtClean="0"/>
-              <a:t>16 de dezembro de 2013</a:t>
-            </a:r>
-            <a:endParaRPr lang="pt-BR"/>
-          </a:p>
-        </p:txBody>
-      </p:sp>
-      <p:sp>
-        <p:nvSpPr>
-          <p:cNvPr id="5" name="Espaço Reservado para Rodapé 4"/>
-          <p:cNvSpPr>
-            <a:spLocks noGrp="1"/>
-          </p:cNvSpPr>
-          <p:nvPr>
-            <p:ph type="ftr" sz="quarter" idx="11"/>
           </p:nvPr>
         </p:nvSpPr>
         <p:spPr/>
@@ -8891,6 +8925,67 @@
               <a:t>Experimentos</a:t>
             </a:r>
             <a:endParaRPr lang="pt-BR" dirty="0"/>
+          </a:p>
+        </p:txBody>
+      </p:sp>
+      <p:sp>
+        <p:nvSpPr>
+          <p:cNvPr id="7" name="Espaço Reservado para Texto 6"/>
+          <p:cNvSpPr>
+            <a:spLocks noGrp="1"/>
+          </p:cNvSpPr>
+          <p:nvPr>
+            <p:ph type="body" idx="1"/>
+          </p:nvPr>
+        </p:nvSpPr>
+        <p:spPr/>
+        <p:txBody>
+          <a:bodyPr/>
+          <a:lstStyle/>
+          <a:p>
+            <a:endParaRPr lang="pt-BR"/>
+          </a:p>
+        </p:txBody>
+      </p:sp>
+      <p:sp>
+        <p:nvSpPr>
+          <p:cNvPr id="4" name="Espaço Reservado para Data 3"/>
+          <p:cNvSpPr>
+            <a:spLocks noGrp="1"/>
+          </p:cNvSpPr>
+          <p:nvPr>
+            <p:ph type="dt" sz="half" idx="10"/>
+          </p:nvPr>
+        </p:nvSpPr>
+        <p:spPr/>
+        <p:txBody>
+          <a:bodyPr/>
+          <a:lstStyle/>
+          <a:p>
+            <a:r>
+              <a:rPr lang="pt-BR" smtClean="0"/>
+              <a:t>16 de dezembro de 2013</a:t>
+            </a:r>
+            <a:endParaRPr lang="pt-BR"/>
+          </a:p>
+        </p:txBody>
+      </p:sp>
+      <p:sp>
+        <p:nvSpPr>
+          <p:cNvPr id="5" name="Espaço Reservado para Rodapé 4"/>
+          <p:cNvSpPr>
+            <a:spLocks noGrp="1"/>
+          </p:cNvSpPr>
+          <p:nvPr>
+            <p:ph type="ftr" sz="quarter" idx="11"/>
+          </p:nvPr>
+        </p:nvSpPr>
+        <p:spPr/>
+        <p:txBody>
+          <a:bodyPr/>
+          <a:lstStyle/>
+          <a:p>
+            <a:endParaRPr lang="pt-BR"/>
           </a:p>
         </p:txBody>
       </p:sp>
@@ -8920,21 +9015,13 @@
     </p:spTree>
     <p:extLst>
       <p:ext uri="{BB962C8B-B14F-4D97-AF65-F5344CB8AC3E}">
-        <p14:creationId xmlns:p14="http://schemas.microsoft.com/office/powerpoint/2010/main" val="3133123493"/>
+        <p14:creationId xmlns:p14="http://schemas.microsoft.com/office/powerpoint/2010/main" val="1840315443"/>
       </p:ext>
     </p:extLst>
   </p:cSld>
   <p:clrMapOvr>
     <a:masterClrMapping/>
   </p:clrMapOvr>
-  <mc:AlternateContent xmlns:mc="http://schemas.openxmlformats.org/markup-compatibility/2006" xmlns:p14="http://schemas.microsoft.com/office/powerpoint/2010/main">
-    <mc:Choice Requires="p14">
-      <p:transition p14:dur="0"/>
-    </mc:Choice>
-    <mc:Fallback xmlns="">
-      <p:transition/>
-    </mc:Fallback>
-  </mc:AlternateContent>
   <p:timing>
     <p:tnLst>
       <p:par>
@@ -8977,6 +9064,10 @@
           <a:bodyPr/>
           <a:lstStyle/>
           <a:p>
+            <a:r>
+              <a:rPr lang="pt-BR" dirty="0" smtClean="0"/>
+              <a:t>Experimentos</a:t>
+            </a:r>
             <a:endParaRPr lang="pt-BR" dirty="0"/>
           </a:p>
         </p:txBody>
@@ -9099,8 +9190,8 @@
         </p:blipFill>
         <p:spPr>
           <a:xfrm>
-            <a:off x="6228184" y="1628800"/>
-            <a:ext cx="2504348" cy="2880000"/>
+            <a:off x="6100101" y="1628800"/>
+            <a:ext cx="2504347" cy="2880000"/>
           </a:xfrm>
         </p:spPr>
       </p:pic>
@@ -9348,20 +9439,544 @@
   <p:clrMapOvr>
     <a:masterClrMapping/>
   </p:clrMapOvr>
-  <mc:AlternateContent xmlns:mc="http://schemas.openxmlformats.org/markup-compatibility/2006" xmlns:p14="http://schemas.microsoft.com/office/powerpoint/2010/main">
-    <mc:Choice Requires="p14">
-      <p:transition p14:dur="0"/>
+  <mc:AlternateContent xmlns:mc="http://schemas.openxmlformats.org/markup-compatibility/2006">
+    <mc:Choice xmlns:p14="http://schemas.microsoft.com/office/powerpoint/2010/main" Requires="p14">
+      <p:transition p14:dur="10"/>
     </mc:Choice>
-    <mc:Fallback xmlns="">
+    <mc:Fallback>
       <p:transition/>
     </mc:Fallback>
   </mc:AlternateContent>
   <p:timing>
     <p:tnLst>
       <p:par>
-        <p:cTn id="1" dur="indefinite" restart="never" nodeType="tmRoot"/>
+        <p:cTn id="1" dur="indefinite" restart="never" nodeType="tmRoot">
+          <p:childTnLst>
+            <p:seq concurrent="1" nextAc="seek">
+              <p:cTn id="2" dur="indefinite" nodeType="mainSeq">
+                <p:childTnLst>
+                  <p:par>
+                    <p:cTn id="3" fill="hold">
+                      <p:stCondLst>
+                        <p:cond delay="indefinite"/>
+                      </p:stCondLst>
+                      <p:childTnLst>
+                        <p:par>
+                          <p:cTn id="4" fill="hold">
+                            <p:stCondLst>
+                              <p:cond delay="0"/>
+                            </p:stCondLst>
+                            <p:childTnLst>
+                              <p:par>
+                                <p:cTn id="5" presetID="10" presetClass="entr" presetSubtype="0" fill="hold" grpId="0" nodeType="clickEffect">
+                                  <p:stCondLst>
+                                    <p:cond delay="0"/>
+                                  </p:stCondLst>
+                                  <p:childTnLst>
+                                    <p:set>
+                                      <p:cBhvr>
+                                        <p:cTn id="6" dur="1" fill="hold">
+                                          <p:stCondLst>
+                                            <p:cond delay="0"/>
+                                          </p:stCondLst>
+                                        </p:cTn>
+                                        <p:tgtEl>
+                                          <p:spTgt spid="8">
+                                            <p:txEl>
+                                              <p:pRg st="0" end="0"/>
+                                            </p:txEl>
+                                          </p:spTgt>
+                                        </p:tgtEl>
+                                        <p:attrNameLst>
+                                          <p:attrName>style.visibility</p:attrName>
+                                        </p:attrNameLst>
+                                      </p:cBhvr>
+                                      <p:to>
+                                        <p:strVal val="visible"/>
+                                      </p:to>
+                                    </p:set>
+                                    <p:animEffect transition="in" filter="fade">
+                                      <p:cBhvr>
+                                        <p:cTn id="7" dur="500"/>
+                                        <p:tgtEl>
+                                          <p:spTgt spid="8">
+                                            <p:txEl>
+                                              <p:pRg st="0" end="0"/>
+                                            </p:txEl>
+                                          </p:spTgt>
+                                        </p:tgtEl>
+                                      </p:cBhvr>
+                                    </p:animEffect>
+                                  </p:childTnLst>
+                                </p:cTn>
+                              </p:par>
+                            </p:childTnLst>
+                          </p:cTn>
+                        </p:par>
+                      </p:childTnLst>
+                    </p:cTn>
+                  </p:par>
+                  <p:par>
+                    <p:cTn id="8" fill="hold">
+                      <p:stCondLst>
+                        <p:cond delay="indefinite"/>
+                      </p:stCondLst>
+                      <p:childTnLst>
+                        <p:par>
+                          <p:cTn id="9" fill="hold">
+                            <p:stCondLst>
+                              <p:cond delay="0"/>
+                            </p:stCondLst>
+                            <p:childTnLst>
+                              <p:par>
+                                <p:cTn id="10" presetID="10" presetClass="entr" presetSubtype="0" fill="hold" grpId="0" nodeType="clickEffect">
+                                  <p:stCondLst>
+                                    <p:cond delay="0"/>
+                                  </p:stCondLst>
+                                  <p:childTnLst>
+                                    <p:set>
+                                      <p:cBhvr>
+                                        <p:cTn id="11" dur="1" fill="hold">
+                                          <p:stCondLst>
+                                            <p:cond delay="0"/>
+                                          </p:stCondLst>
+                                        </p:cTn>
+                                        <p:tgtEl>
+                                          <p:spTgt spid="8">
+                                            <p:txEl>
+                                              <p:pRg st="1" end="1"/>
+                                            </p:txEl>
+                                          </p:spTgt>
+                                        </p:tgtEl>
+                                        <p:attrNameLst>
+                                          <p:attrName>style.visibility</p:attrName>
+                                        </p:attrNameLst>
+                                      </p:cBhvr>
+                                      <p:to>
+                                        <p:strVal val="visible"/>
+                                      </p:to>
+                                    </p:set>
+                                    <p:animEffect transition="in" filter="fade">
+                                      <p:cBhvr>
+                                        <p:cTn id="12" dur="500"/>
+                                        <p:tgtEl>
+                                          <p:spTgt spid="8">
+                                            <p:txEl>
+                                              <p:pRg st="1" end="1"/>
+                                            </p:txEl>
+                                          </p:spTgt>
+                                        </p:tgtEl>
+                                      </p:cBhvr>
+                                    </p:animEffect>
+                                  </p:childTnLst>
+                                </p:cTn>
+                              </p:par>
+                            </p:childTnLst>
+                          </p:cTn>
+                        </p:par>
+                      </p:childTnLst>
+                    </p:cTn>
+                  </p:par>
+                  <p:par>
+                    <p:cTn id="13" fill="hold">
+                      <p:stCondLst>
+                        <p:cond delay="indefinite"/>
+                      </p:stCondLst>
+                      <p:childTnLst>
+                        <p:par>
+                          <p:cTn id="14" fill="hold">
+                            <p:stCondLst>
+                              <p:cond delay="0"/>
+                            </p:stCondLst>
+                            <p:childTnLst>
+                              <p:par>
+                                <p:cTn id="15" presetID="10" presetClass="entr" presetSubtype="0" fill="hold" grpId="0" nodeType="clickEffect">
+                                  <p:stCondLst>
+                                    <p:cond delay="0"/>
+                                  </p:stCondLst>
+                                  <p:childTnLst>
+                                    <p:set>
+                                      <p:cBhvr>
+                                        <p:cTn id="16" dur="1" fill="hold">
+                                          <p:stCondLst>
+                                            <p:cond delay="0"/>
+                                          </p:stCondLst>
+                                        </p:cTn>
+                                        <p:tgtEl>
+                                          <p:spTgt spid="8">
+                                            <p:txEl>
+                                              <p:pRg st="2" end="2"/>
+                                            </p:txEl>
+                                          </p:spTgt>
+                                        </p:tgtEl>
+                                        <p:attrNameLst>
+                                          <p:attrName>style.visibility</p:attrName>
+                                        </p:attrNameLst>
+                                      </p:cBhvr>
+                                      <p:to>
+                                        <p:strVal val="visible"/>
+                                      </p:to>
+                                    </p:set>
+                                    <p:animEffect transition="in" filter="fade">
+                                      <p:cBhvr>
+                                        <p:cTn id="17" dur="500"/>
+                                        <p:tgtEl>
+                                          <p:spTgt spid="8">
+                                            <p:txEl>
+                                              <p:pRg st="2" end="2"/>
+                                            </p:txEl>
+                                          </p:spTgt>
+                                        </p:tgtEl>
+                                      </p:cBhvr>
+                                    </p:animEffect>
+                                  </p:childTnLst>
+                                </p:cTn>
+                              </p:par>
+                            </p:childTnLst>
+                          </p:cTn>
+                        </p:par>
+                      </p:childTnLst>
+                    </p:cTn>
+                  </p:par>
+                  <p:par>
+                    <p:cTn id="18" fill="hold">
+                      <p:stCondLst>
+                        <p:cond delay="indefinite"/>
+                      </p:stCondLst>
+                      <p:childTnLst>
+                        <p:par>
+                          <p:cTn id="19" fill="hold">
+                            <p:stCondLst>
+                              <p:cond delay="0"/>
+                            </p:stCondLst>
+                            <p:childTnLst>
+                              <p:par>
+                                <p:cTn id="20" presetID="10" presetClass="entr" presetSubtype="0" fill="hold" grpId="0" nodeType="clickEffect">
+                                  <p:stCondLst>
+                                    <p:cond delay="0"/>
+                                  </p:stCondLst>
+                                  <p:childTnLst>
+                                    <p:set>
+                                      <p:cBhvr>
+                                        <p:cTn id="21" dur="1" fill="hold">
+                                          <p:stCondLst>
+                                            <p:cond delay="0"/>
+                                          </p:stCondLst>
+                                        </p:cTn>
+                                        <p:tgtEl>
+                                          <p:spTgt spid="8">
+                                            <p:txEl>
+                                              <p:pRg st="3" end="3"/>
+                                            </p:txEl>
+                                          </p:spTgt>
+                                        </p:tgtEl>
+                                        <p:attrNameLst>
+                                          <p:attrName>style.visibility</p:attrName>
+                                        </p:attrNameLst>
+                                      </p:cBhvr>
+                                      <p:to>
+                                        <p:strVal val="visible"/>
+                                      </p:to>
+                                    </p:set>
+                                    <p:animEffect transition="in" filter="fade">
+                                      <p:cBhvr>
+                                        <p:cTn id="22" dur="500"/>
+                                        <p:tgtEl>
+                                          <p:spTgt spid="8">
+                                            <p:txEl>
+                                              <p:pRg st="3" end="3"/>
+                                            </p:txEl>
+                                          </p:spTgt>
+                                        </p:tgtEl>
+                                      </p:cBhvr>
+                                    </p:animEffect>
+                                  </p:childTnLst>
+                                </p:cTn>
+                              </p:par>
+                            </p:childTnLst>
+                          </p:cTn>
+                        </p:par>
+                      </p:childTnLst>
+                    </p:cTn>
+                  </p:par>
+                  <p:par>
+                    <p:cTn id="23" fill="hold">
+                      <p:stCondLst>
+                        <p:cond delay="indefinite"/>
+                      </p:stCondLst>
+                      <p:childTnLst>
+                        <p:par>
+                          <p:cTn id="24" fill="hold">
+                            <p:stCondLst>
+                              <p:cond delay="0"/>
+                            </p:stCondLst>
+                            <p:childTnLst>
+                              <p:par>
+                                <p:cTn id="25" presetID="10" presetClass="entr" presetSubtype="0" fill="hold" grpId="0" nodeType="clickEffect">
+                                  <p:stCondLst>
+                                    <p:cond delay="0"/>
+                                  </p:stCondLst>
+                                  <p:childTnLst>
+                                    <p:set>
+                                      <p:cBhvr>
+                                        <p:cTn id="26" dur="1" fill="hold">
+                                          <p:stCondLst>
+                                            <p:cond delay="0"/>
+                                          </p:stCondLst>
+                                        </p:cTn>
+                                        <p:tgtEl>
+                                          <p:spTgt spid="8">
+                                            <p:txEl>
+                                              <p:pRg st="4" end="4"/>
+                                            </p:txEl>
+                                          </p:spTgt>
+                                        </p:tgtEl>
+                                        <p:attrNameLst>
+                                          <p:attrName>style.visibility</p:attrName>
+                                        </p:attrNameLst>
+                                      </p:cBhvr>
+                                      <p:to>
+                                        <p:strVal val="visible"/>
+                                      </p:to>
+                                    </p:set>
+                                    <p:animEffect transition="in" filter="fade">
+                                      <p:cBhvr>
+                                        <p:cTn id="27" dur="500"/>
+                                        <p:tgtEl>
+                                          <p:spTgt spid="8">
+                                            <p:txEl>
+                                              <p:pRg st="4" end="4"/>
+                                            </p:txEl>
+                                          </p:spTgt>
+                                        </p:tgtEl>
+                                      </p:cBhvr>
+                                    </p:animEffect>
+                                  </p:childTnLst>
+                                </p:cTn>
+                              </p:par>
+                            </p:childTnLst>
+                          </p:cTn>
+                        </p:par>
+                      </p:childTnLst>
+                    </p:cTn>
+                  </p:par>
+                  <p:par>
+                    <p:cTn id="28" fill="hold">
+                      <p:stCondLst>
+                        <p:cond delay="indefinite"/>
+                      </p:stCondLst>
+                      <p:childTnLst>
+                        <p:par>
+                          <p:cTn id="29" fill="hold">
+                            <p:stCondLst>
+                              <p:cond delay="0"/>
+                            </p:stCondLst>
+                            <p:childTnLst>
+                              <p:par>
+                                <p:cTn id="30" presetID="10" presetClass="entr" presetSubtype="0" fill="hold" nodeType="clickEffect">
+                                  <p:stCondLst>
+                                    <p:cond delay="0"/>
+                                  </p:stCondLst>
+                                  <p:childTnLst>
+                                    <p:set>
+                                      <p:cBhvr>
+                                        <p:cTn id="31" dur="1" fill="hold">
+                                          <p:stCondLst>
+                                            <p:cond delay="0"/>
+                                          </p:stCondLst>
+                                        </p:cTn>
+                                        <p:tgtEl>
+                                          <p:spTgt spid="12"/>
+                                        </p:tgtEl>
+                                        <p:attrNameLst>
+                                          <p:attrName>style.visibility</p:attrName>
+                                        </p:attrNameLst>
+                                      </p:cBhvr>
+                                      <p:to>
+                                        <p:strVal val="visible"/>
+                                      </p:to>
+                                    </p:set>
+                                    <p:animEffect transition="in" filter="fade">
+                                      <p:cBhvr>
+                                        <p:cTn id="32" dur="500"/>
+                                        <p:tgtEl>
+                                          <p:spTgt spid="12"/>
+                                        </p:tgtEl>
+                                      </p:cBhvr>
+                                    </p:animEffect>
+                                  </p:childTnLst>
+                                </p:cTn>
+                              </p:par>
+                              <p:par>
+                                <p:cTn id="33" presetID="10" presetClass="entr" presetSubtype="0" fill="hold" nodeType="withEffect">
+                                  <p:stCondLst>
+                                    <p:cond delay="0"/>
+                                  </p:stCondLst>
+                                  <p:childTnLst>
+                                    <p:set>
+                                      <p:cBhvr>
+                                        <p:cTn id="34" dur="1" fill="hold">
+                                          <p:stCondLst>
+                                            <p:cond delay="0"/>
+                                          </p:stCondLst>
+                                        </p:cTn>
+                                        <p:tgtEl>
+                                          <p:spTgt spid="18"/>
+                                        </p:tgtEl>
+                                        <p:attrNameLst>
+                                          <p:attrName>style.visibility</p:attrName>
+                                        </p:attrNameLst>
+                                      </p:cBhvr>
+                                      <p:to>
+                                        <p:strVal val="visible"/>
+                                      </p:to>
+                                    </p:set>
+                                    <p:animEffect transition="in" filter="fade">
+                                      <p:cBhvr>
+                                        <p:cTn id="35" dur="500"/>
+                                        <p:tgtEl>
+                                          <p:spTgt spid="18"/>
+                                        </p:tgtEl>
+                                      </p:cBhvr>
+                                    </p:animEffect>
+                                  </p:childTnLst>
+                                </p:cTn>
+                              </p:par>
+                              <p:par>
+                                <p:cTn id="36" presetID="10" presetClass="entr" presetSubtype="0" fill="hold" nodeType="withEffect">
+                                  <p:stCondLst>
+                                    <p:cond delay="0"/>
+                                  </p:stCondLst>
+                                  <p:childTnLst>
+                                    <p:set>
+                                      <p:cBhvr>
+                                        <p:cTn id="37" dur="1" fill="hold">
+                                          <p:stCondLst>
+                                            <p:cond delay="0"/>
+                                          </p:stCondLst>
+                                        </p:cTn>
+                                        <p:tgtEl>
+                                          <p:spTgt spid="16"/>
+                                        </p:tgtEl>
+                                        <p:attrNameLst>
+                                          <p:attrName>style.visibility</p:attrName>
+                                        </p:attrNameLst>
+                                      </p:cBhvr>
+                                      <p:to>
+                                        <p:strVal val="visible"/>
+                                      </p:to>
+                                    </p:set>
+                                    <p:animEffect transition="in" filter="fade">
+                                      <p:cBhvr>
+                                        <p:cTn id="38" dur="500"/>
+                                        <p:tgtEl>
+                                          <p:spTgt spid="16"/>
+                                        </p:tgtEl>
+                                      </p:cBhvr>
+                                    </p:animEffect>
+                                  </p:childTnLst>
+                                </p:cTn>
+                              </p:par>
+                              <p:par>
+                                <p:cTn id="39" presetID="10" presetClass="entr" presetSubtype="0" fill="hold" nodeType="withEffect">
+                                  <p:stCondLst>
+                                    <p:cond delay="0"/>
+                                  </p:stCondLst>
+                                  <p:childTnLst>
+                                    <p:set>
+                                      <p:cBhvr>
+                                        <p:cTn id="40" dur="1" fill="hold">
+                                          <p:stCondLst>
+                                            <p:cond delay="0"/>
+                                          </p:stCondLst>
+                                        </p:cTn>
+                                        <p:tgtEl>
+                                          <p:spTgt spid="20"/>
+                                        </p:tgtEl>
+                                        <p:attrNameLst>
+                                          <p:attrName>style.visibility</p:attrName>
+                                        </p:attrNameLst>
+                                      </p:cBhvr>
+                                      <p:to>
+                                        <p:strVal val="visible"/>
+                                      </p:to>
+                                    </p:set>
+                                    <p:animEffect transition="in" filter="fade">
+                                      <p:cBhvr>
+                                        <p:cTn id="41" dur="500"/>
+                                        <p:tgtEl>
+                                          <p:spTgt spid="20"/>
+                                        </p:tgtEl>
+                                      </p:cBhvr>
+                                    </p:animEffect>
+                                  </p:childTnLst>
+                                </p:cTn>
+                              </p:par>
+                              <p:par>
+                                <p:cTn id="42" presetID="10" presetClass="entr" presetSubtype="0" fill="hold" nodeType="withEffect">
+                                  <p:stCondLst>
+                                    <p:cond delay="0"/>
+                                  </p:stCondLst>
+                                  <p:childTnLst>
+                                    <p:set>
+                                      <p:cBhvr>
+                                        <p:cTn id="43" dur="1" fill="hold">
+                                          <p:stCondLst>
+                                            <p:cond delay="0"/>
+                                          </p:stCondLst>
+                                        </p:cTn>
+                                        <p:tgtEl>
+                                          <p:spTgt spid="22"/>
+                                        </p:tgtEl>
+                                        <p:attrNameLst>
+                                          <p:attrName>style.visibility</p:attrName>
+                                        </p:attrNameLst>
+                                      </p:cBhvr>
+                                      <p:to>
+                                        <p:strVal val="visible"/>
+                                      </p:to>
+                                    </p:set>
+                                    <p:animEffect transition="in" filter="fade">
+                                      <p:cBhvr>
+                                        <p:cTn id="44" dur="500"/>
+                                        <p:tgtEl>
+                                          <p:spTgt spid="22"/>
+                                        </p:tgtEl>
+                                      </p:cBhvr>
+                                    </p:animEffect>
+                                  </p:childTnLst>
+                                </p:cTn>
+                              </p:par>
+                            </p:childTnLst>
+                          </p:cTn>
+                        </p:par>
+                      </p:childTnLst>
+                    </p:cTn>
+                  </p:par>
+                </p:childTnLst>
+              </p:cTn>
+              <p:prevCondLst>
+                <p:cond evt="onPrev" delay="0">
+                  <p:tgtEl>
+                    <p:sldTgt/>
+                  </p:tgtEl>
+                </p:cond>
+              </p:prevCondLst>
+              <p:nextCondLst>
+                <p:cond evt="onNext" delay="0">
+                  <p:tgtEl>
+                    <p:sldTgt/>
+                  </p:tgtEl>
+                </p:cond>
+              </p:nextCondLst>
+            </p:seq>
+          </p:childTnLst>
+        </p:cTn>
       </p:par>
     </p:tnLst>
+    <p:bldLst>
+      <p:bldP spid="8" grpId="0" build="p"/>
+    </p:bldLst>
   </p:timing>
 </p:sld>
 </file>
@@ -9613,7 +10228,7 @@
       </p:grpSpPr>
       <p:sp>
         <p:nvSpPr>
-          <p:cNvPr id="2" name="Título 1"/>
+          <p:cNvPr id="7" name="Título 6"/>
           <p:cNvSpPr>
             <a:spLocks noGrp="1"/>
           </p:cNvSpPr>
@@ -9628,7 +10243,7 @@
           <a:p>
             <a:r>
               <a:rPr lang="pt-BR" dirty="0" smtClean="0"/>
-              <a:t>ICAP</a:t>
+              <a:t>Reconfiguração dinâmica</a:t>
             </a:r>
             <a:endParaRPr lang="pt-BR" dirty="0"/>
           </a:p>
@@ -9636,12 +10251,12 @@
       </p:sp>
       <p:sp>
         <p:nvSpPr>
-          <p:cNvPr id="3" name="Espaço Reservado para Conteúdo 2"/>
-          <p:cNvSpPr>
-            <a:spLocks noGrp="1"/>
-          </p:cNvSpPr>
-          <p:nvPr>
-            <p:ph sz="half" idx="1"/>
+          <p:cNvPr id="8" name="Espaço Reservado para Texto 7"/>
+          <p:cNvSpPr>
+            <a:spLocks noGrp="1"/>
+          </p:cNvSpPr>
+          <p:nvPr>
+            <p:ph type="body" idx="1"/>
           </p:nvPr>
         </p:nvSpPr>
         <p:spPr/>
@@ -9651,57 +10266,15 @@
           <a:p>
             <a:r>
               <a:rPr lang="pt-BR" dirty="0" smtClean="0"/>
-              <a:t>3 páginas de documentação</a:t>
-            </a:r>
-          </a:p>
-          <a:p>
-            <a:r>
-              <a:rPr lang="pt-BR" dirty="0" smtClean="0"/>
-              <a:t>Similar a </a:t>
-            </a:r>
-            <a:r>
-              <a:rPr lang="pt-BR" i="1" dirty="0" err="1" smtClean="0"/>
-              <a:t>SelectMAP</a:t>
-            </a:r>
-            <a:endParaRPr lang="pt-BR" i="1" dirty="0" smtClean="0"/>
-          </a:p>
-          <a:p>
+              <a:t>Experimento 1</a:t>
+            </a:r>
             <a:endParaRPr lang="pt-BR" dirty="0"/>
           </a:p>
         </p:txBody>
       </p:sp>
-      <p:pic>
-        <p:nvPicPr>
-          <p:cNvPr id="8" name="Espaço Reservado para Conteúdo 7"/>
-          <p:cNvPicPr>
-            <a:picLocks noGrp="1" noChangeAspect="1"/>
-          </p:cNvPicPr>
-          <p:nvPr>
-            <p:ph sz="half" idx="2"/>
-          </p:nvPr>
-        </p:nvPicPr>
-        <p:blipFill>
-          <a:blip r:embed="rId2">
-            <a:extLst>
-              <a:ext uri="{28A0092B-C50C-407E-A947-70E740481C1C}">
-                <a14:useLocalDpi xmlns:a14="http://schemas.microsoft.com/office/drawing/2010/main" val="0"/>
-              </a:ext>
-            </a:extLst>
-          </a:blip>
-          <a:stretch>
-            <a:fillRect/>
-          </a:stretch>
-        </p:blipFill>
-        <p:spPr>
-          <a:xfrm>
-            <a:off x="4648200" y="2132856"/>
-            <a:ext cx="4038600" cy="1849535"/>
-          </a:xfrm>
-        </p:spPr>
-      </p:pic>
-      <p:sp>
-        <p:nvSpPr>
-          <p:cNvPr id="5" name="Espaço Reservado para Data 4"/>
+      <p:sp>
+        <p:nvSpPr>
+          <p:cNvPr id="4" name="Espaço Reservado para Data 3"/>
           <p:cNvSpPr>
             <a:spLocks noGrp="1"/>
           </p:cNvSpPr>
@@ -9724,7 +10297,7 @@
       </p:sp>
       <p:sp>
         <p:nvSpPr>
-          <p:cNvPr id="6" name="Espaço Reservado para Rodapé 5"/>
+          <p:cNvPr id="5" name="Espaço Reservado para Rodapé 4"/>
           <p:cNvSpPr>
             <a:spLocks noGrp="1"/>
           </p:cNvSpPr>
@@ -9737,17 +10310,13 @@
           <a:bodyPr/>
           <a:lstStyle/>
           <a:p>
-            <a:r>
-              <a:rPr lang="pt-BR" dirty="0" smtClean="0"/>
-              <a:t>Experimentos</a:t>
-            </a:r>
-            <a:endParaRPr lang="pt-BR" dirty="0"/>
-          </a:p>
-        </p:txBody>
-      </p:sp>
-      <p:sp>
-        <p:nvSpPr>
-          <p:cNvPr id="7" name="Espaço Reservado para Número de Slide 6"/>
+            <a:endParaRPr lang="pt-BR"/>
+          </a:p>
+        </p:txBody>
+      </p:sp>
+      <p:sp>
+        <p:nvSpPr>
+          <p:cNvPr id="6" name="Espaço Reservado para Número de Slide 5"/>
           <p:cNvSpPr>
             <a:spLocks noGrp="1"/>
           </p:cNvSpPr>
@@ -9771,13 +10340,20 @@
     </p:spTree>
     <p:extLst>
       <p:ext uri="{BB962C8B-B14F-4D97-AF65-F5344CB8AC3E}">
-        <p14:creationId xmlns:p14="http://schemas.microsoft.com/office/powerpoint/2010/main" val="3563127477"/>
+        <p14:creationId xmlns:p14="http://schemas.microsoft.com/office/powerpoint/2010/main" val="4232592810"/>
       </p:ext>
     </p:extLst>
   </p:cSld>
   <p:clrMapOvr>
     <a:masterClrMapping/>
   </p:clrMapOvr>
+  <p:timing>
+    <p:tnLst>
+      <p:par>
+        <p:cTn id="1" dur="indefinite" restart="never" nodeType="tmRoot"/>
+      </p:par>
+    </p:tnLst>
+  </p:timing>
 </p:sld>
 </file>
 
@@ -9800,7 +10376,7 @@
       </p:grpSpPr>
       <p:sp>
         <p:nvSpPr>
-          <p:cNvPr id="7" name="Título 6"/>
+          <p:cNvPr id="14" name="Título 13"/>
           <p:cNvSpPr>
             <a:spLocks noGrp="1"/>
           </p:cNvSpPr>
@@ -9815,74 +10391,112 @@
           <a:p>
             <a:r>
               <a:rPr lang="pt-BR" dirty="0" smtClean="0"/>
-              <a:t>Reconfiguração dinâmica</a:t>
+              <a:t>Fluxo de Projeto</a:t>
             </a:r>
             <a:endParaRPr lang="pt-BR" dirty="0"/>
           </a:p>
         </p:txBody>
       </p:sp>
-      <p:sp>
-        <p:nvSpPr>
-          <p:cNvPr id="8" name="Espaço Reservado para Texto 7"/>
-          <p:cNvSpPr>
-            <a:spLocks noGrp="1"/>
-          </p:cNvSpPr>
-          <p:nvPr>
-            <p:ph type="body" idx="1"/>
-          </p:nvPr>
-        </p:nvSpPr>
-        <p:spPr/>
-        <p:txBody>
-          <a:bodyPr/>
-          <a:lstStyle/>
-          <a:p>
-            <a:r>
-              <a:rPr lang="pt-BR" dirty="0" smtClean="0"/>
+      <p:pic>
+        <p:nvPicPr>
+          <p:cNvPr id="12" name="Espaço Reservado para Conteúdo 11"/>
+          <p:cNvPicPr>
+            <a:picLocks noGrp="1" noChangeAspect="1"/>
+          </p:cNvPicPr>
+          <p:nvPr>
+            <p:ph sz="half" idx="1"/>
+          </p:nvPr>
+        </p:nvPicPr>
+        <p:blipFill>
+          <a:blip r:embed="rId3" cstate="print">
+            <a:extLst>
+              <a:ext uri="{28A0092B-C50C-407E-A947-70E740481C1C}">
+                <a14:useLocalDpi xmlns:a14="http://schemas.microsoft.com/office/drawing/2010/main" val="0"/>
+              </a:ext>
+            </a:extLst>
+          </a:blip>
+          <a:stretch>
+            <a:fillRect/>
+          </a:stretch>
+        </p:blipFill>
+        <p:spPr>
+          <a:xfrm>
+            <a:off x="457200" y="1844824"/>
+            <a:ext cx="8229600" cy="1837265"/>
+          </a:xfrm>
+        </p:spPr>
+      </p:pic>
+      <p:pic>
+        <p:nvPicPr>
+          <p:cNvPr id="13" name="Espaço Reservado para Conteúdo 12"/>
+          <p:cNvPicPr>
+            <a:picLocks noGrp="1" noChangeAspect="1"/>
+          </p:cNvPicPr>
+          <p:nvPr>
+            <p:ph sz="half" idx="2"/>
+          </p:nvPr>
+        </p:nvPicPr>
+        <p:blipFill>
+          <a:blip r:embed="rId4" cstate="print">
+            <a:extLst>
+              <a:ext uri="{28A0092B-C50C-407E-A947-70E740481C1C}">
+                <a14:useLocalDpi xmlns:a14="http://schemas.microsoft.com/office/drawing/2010/main" val="0"/>
+              </a:ext>
+            </a:extLst>
+          </a:blip>
+          <a:stretch>
+            <a:fillRect/>
+          </a:stretch>
+        </p:blipFill>
+        <p:spPr>
+          <a:xfrm>
+            <a:off x="457200" y="3969888"/>
+            <a:ext cx="8229600" cy="1835376"/>
+          </a:xfrm>
+        </p:spPr>
+      </p:pic>
+      <p:sp>
+        <p:nvSpPr>
+          <p:cNvPr id="4" name="Espaço Reservado para Data 3"/>
+          <p:cNvSpPr>
+            <a:spLocks noGrp="1"/>
+          </p:cNvSpPr>
+          <p:nvPr>
+            <p:ph type="dt" sz="half" idx="10"/>
+          </p:nvPr>
+        </p:nvSpPr>
+        <p:spPr/>
+        <p:txBody>
+          <a:bodyPr/>
+          <a:lstStyle/>
+          <a:p>
+            <a:r>
+              <a:rPr lang="pt-BR" smtClean="0"/>
+              <a:t>16 de dezembro de 2013</a:t>
+            </a:r>
+            <a:endParaRPr lang="pt-BR"/>
+          </a:p>
+        </p:txBody>
+      </p:sp>
+      <p:sp>
+        <p:nvSpPr>
+          <p:cNvPr id="5" name="Espaço Reservado para Rodapé 4"/>
+          <p:cNvSpPr>
+            <a:spLocks noGrp="1"/>
+          </p:cNvSpPr>
+          <p:nvPr>
+            <p:ph type="ftr" sz="quarter" idx="11"/>
+          </p:nvPr>
+        </p:nvSpPr>
+        <p:spPr/>
+        <p:txBody>
+          <a:bodyPr/>
+          <a:lstStyle/>
+          <a:p>
+            <a:r>
+              <a:rPr lang="pt-BR" dirty="0"/>
               <a:t>Experimento 1</a:t>
             </a:r>
-            <a:endParaRPr lang="pt-BR" dirty="0"/>
-          </a:p>
-        </p:txBody>
-      </p:sp>
-      <p:sp>
-        <p:nvSpPr>
-          <p:cNvPr id="4" name="Espaço Reservado para Data 3"/>
-          <p:cNvSpPr>
-            <a:spLocks noGrp="1"/>
-          </p:cNvSpPr>
-          <p:nvPr>
-            <p:ph type="dt" sz="half" idx="10"/>
-          </p:nvPr>
-        </p:nvSpPr>
-        <p:spPr/>
-        <p:txBody>
-          <a:bodyPr/>
-          <a:lstStyle/>
-          <a:p>
-            <a:r>
-              <a:rPr lang="pt-BR" smtClean="0"/>
-              <a:t>16 de dezembro de 2013</a:t>
-            </a:r>
-            <a:endParaRPr lang="pt-BR"/>
-          </a:p>
-        </p:txBody>
-      </p:sp>
-      <p:sp>
-        <p:nvSpPr>
-          <p:cNvPr id="5" name="Espaço Reservado para Rodapé 4"/>
-          <p:cNvSpPr>
-            <a:spLocks noGrp="1"/>
-          </p:cNvSpPr>
-          <p:nvPr>
-            <p:ph type="ftr" sz="quarter" idx="11"/>
-          </p:nvPr>
-        </p:nvSpPr>
-        <p:spPr/>
-        <p:txBody>
-          <a:bodyPr/>
-          <a:lstStyle/>
-          <a:p>
-            <a:endParaRPr lang="pt-BR"/>
           </a:p>
         </p:txBody>
       </p:sp>
@@ -9912,7 +10526,7 @@
     </p:spTree>
     <p:extLst>
       <p:ext uri="{BB962C8B-B14F-4D97-AF65-F5344CB8AC3E}">
-        <p14:creationId xmlns:p14="http://schemas.microsoft.com/office/powerpoint/2010/main" val="4232592810"/>
+        <p14:creationId xmlns:p14="http://schemas.microsoft.com/office/powerpoint/2010/main" val="2541514933"/>
       </p:ext>
     </p:extLst>
   </p:cSld>
@@ -9948,7 +10562,7 @@
       </p:grpSpPr>
       <p:sp>
         <p:nvSpPr>
-          <p:cNvPr id="14" name="Título 13"/>
+          <p:cNvPr id="2" name="Título 1"/>
           <p:cNvSpPr>
             <a:spLocks noGrp="1"/>
           </p:cNvSpPr>
@@ -9963,7 +10577,7 @@
           <a:p>
             <a:r>
               <a:rPr lang="pt-BR" dirty="0" smtClean="0"/>
-              <a:t>Fluxo de Projeto</a:t>
+              <a:t>Comportamento</a:t>
             </a:r>
             <a:endParaRPr lang="pt-BR" dirty="0"/>
           </a:p>
@@ -9971,16 +10585,16 @@
       </p:sp>
       <p:pic>
         <p:nvPicPr>
-          <p:cNvPr id="12" name="Espaço Reservado para Conteúdo 11"/>
+          <p:cNvPr id="7" name="Espaço Reservado para Conteúdo 6"/>
           <p:cNvPicPr>
             <a:picLocks noGrp="1" noChangeAspect="1"/>
           </p:cNvPicPr>
           <p:nvPr>
-            <p:ph sz="half" idx="1"/>
+            <p:ph idx="1"/>
           </p:nvPr>
         </p:nvPicPr>
         <p:blipFill>
-          <a:blip r:embed="rId3" cstate="print">
+          <a:blip r:embed="rId3">
             <a:extLst>
               <a:ext uri="{28A0092B-C50C-407E-A947-70E740481C1C}">
                 <a14:useLocalDpi xmlns:a14="http://schemas.microsoft.com/office/drawing/2010/main" val="0"/>
@@ -9993,40 +10607,11 @@
         </p:blipFill>
         <p:spPr>
           <a:xfrm>
-            <a:off x="457200" y="1844824"/>
-            <a:ext cx="8229600" cy="1837265"/>
+            <a:off x="2514600" y="2125980"/>
+            <a:ext cx="4114800" cy="2606040"/>
           </a:xfrm>
         </p:spPr>
       </p:pic>
-      <p:pic>
-        <p:nvPicPr>
-          <p:cNvPr id="13" name="Espaço Reservado para Conteúdo 12"/>
-          <p:cNvPicPr>
-            <a:picLocks noGrp="1" noChangeAspect="1"/>
-          </p:cNvPicPr>
-          <p:nvPr>
-            <p:ph sz="half" idx="2"/>
-          </p:nvPr>
-        </p:nvPicPr>
-        <p:blipFill>
-          <a:blip r:embed="rId4" cstate="print">
-            <a:extLst>
-              <a:ext uri="{28A0092B-C50C-407E-A947-70E740481C1C}">
-                <a14:useLocalDpi xmlns:a14="http://schemas.microsoft.com/office/drawing/2010/main" val="0"/>
-              </a:ext>
-            </a:extLst>
-          </a:blip>
-          <a:stretch>
-            <a:fillRect/>
-          </a:stretch>
-        </p:blipFill>
-        <p:spPr>
-          <a:xfrm>
-            <a:off x="457200" y="3969888"/>
-            <a:ext cx="8229600" cy="1835376"/>
-          </a:xfrm>
-        </p:spPr>
-      </p:pic>
       <p:sp>
         <p:nvSpPr>
           <p:cNvPr id="4" name="Espaço Reservado para Data 3"/>
@@ -10067,8 +10652,13 @@
           <a:p>
             <a:r>
               <a:rPr lang="pt-BR" dirty="0"/>
-              <a:t>Experimento 1</a:t>
-            </a:r>
+              <a:t>Experimento </a:t>
+            </a:r>
+            <a:r>
+              <a:rPr lang="pt-BR" dirty="0" smtClean="0"/>
+              <a:t>1</a:t>
+            </a:r>
+            <a:endParaRPr lang="pt-BR" dirty="0"/>
           </a:p>
         </p:txBody>
       </p:sp>
@@ -10098,7 +10688,7 @@
     </p:spTree>
     <p:extLst>
       <p:ext uri="{BB962C8B-B14F-4D97-AF65-F5344CB8AC3E}">
-        <p14:creationId xmlns:p14="http://schemas.microsoft.com/office/powerpoint/2010/main" val="2541514933"/>
+        <p14:creationId xmlns:p14="http://schemas.microsoft.com/office/powerpoint/2010/main" val="1010192082"/>
       </p:ext>
     </p:extLst>
   </p:cSld>
@@ -10149,7 +10739,38 @@
           <a:p>
             <a:r>
               <a:rPr lang="pt-BR" dirty="0" smtClean="0"/>
-              <a:t>Comportamento</a:t>
+              <a:t>Resultado</a:t>
+            </a:r>
+            <a:endParaRPr lang="pt-BR" dirty="0"/>
+          </a:p>
+        </p:txBody>
+      </p:sp>
+      <p:sp>
+        <p:nvSpPr>
+          <p:cNvPr id="13" name="Espaço Reservado para Conteúdo 12"/>
+          <p:cNvSpPr>
+            <a:spLocks noGrp="1"/>
+          </p:cNvSpPr>
+          <p:nvPr>
+            <p:ph sz="half" idx="1"/>
+          </p:nvPr>
+        </p:nvSpPr>
+        <p:spPr>
+          <a:xfrm>
+            <a:off x="457200" y="1600200"/>
+            <a:ext cx="4834880" cy="4525963"/>
+          </a:xfrm>
+        </p:spPr>
+        <p:txBody>
+          <a:bodyPr/>
+          <a:lstStyle/>
+          <a:p>
+            <a:pPr marL="0" indent="0">
+              <a:buNone/>
+            </a:pPr>
+            <a:r>
+              <a:rPr lang="pt-BR" dirty="0" smtClean="0"/>
+              <a:t>Experimento bem sucedido</a:t>
             </a:r>
             <a:endParaRPr lang="pt-BR" dirty="0"/>
           </a:p>
@@ -10157,16 +10778,16 @@
       </p:sp>
       <p:pic>
         <p:nvPicPr>
-          <p:cNvPr id="7" name="Espaço Reservado para Conteúdo 6"/>
+          <p:cNvPr id="15" name="Espaço Reservado para Conteúdo 14"/>
           <p:cNvPicPr>
             <a:picLocks noGrp="1" noChangeAspect="1"/>
           </p:cNvPicPr>
           <p:nvPr>
-            <p:ph idx="1"/>
+            <p:ph sz="half" idx="2"/>
           </p:nvPr>
         </p:nvPicPr>
         <p:blipFill>
-          <a:blip r:embed="rId3">
+          <a:blip r:embed="rId3" cstate="print">
             <a:extLst>
               <a:ext uri="{28A0092B-C50C-407E-A947-70E740481C1C}">
                 <a14:useLocalDpi xmlns:a14="http://schemas.microsoft.com/office/drawing/2010/main" val="0"/>
@@ -10179,8 +10800,8 @@
         </p:blipFill>
         <p:spPr>
           <a:xfrm>
-            <a:off x="2514600" y="2125980"/>
-            <a:ext cx="4114800" cy="2606040"/>
+            <a:off x="5378557" y="1600200"/>
+            <a:ext cx="2577886" cy="4525963"/>
           </a:xfrm>
         </p:spPr>
       </p:pic>
@@ -10223,12 +10844,8 @@
           <a:lstStyle/>
           <a:p>
             <a:r>
-              <a:rPr lang="pt-BR" dirty="0"/>
-              <a:t>Experimento </a:t>
-            </a:r>
-            <a:r>
-              <a:rPr lang="pt-BR" dirty="0" smtClean="0"/>
-              <a:t>1</a:t>
+              <a:rPr lang="pt-BR" smtClean="0"/>
+              <a:t>Experimento 1</a:t>
             </a:r>
             <a:endParaRPr lang="pt-BR" dirty="0"/>
           </a:p>
@@ -10251,6 +10868,7 @@
           <a:p>
             <a:fld id="{E15E65B2-3271-4EB1-B955-03EC741CF5EC}" type="slidenum">
               <a:rPr lang="pt-BR" smtClean="0"/>
+              <a:pPr/>
               <a:t>19</a:t>
             </a:fld>
             <a:endParaRPr lang="pt-BR"/>
@@ -10260,7 +10878,7 @@
     </p:spTree>
     <p:extLst>
       <p:ext uri="{BB962C8B-B14F-4D97-AF65-F5344CB8AC3E}">
-        <p14:creationId xmlns:p14="http://schemas.microsoft.com/office/powerpoint/2010/main" val="1010192082"/>
+        <p14:creationId xmlns:p14="http://schemas.microsoft.com/office/powerpoint/2010/main" val="1077336771"/>
       </p:ext>
     </p:extLst>
   </p:cSld>
@@ -10532,12 +11150,14 @@
         </p:nvSpPr>
         <p:spPr/>
         <p:txBody>
-          <a:bodyPr/>
+          <a:bodyPr>
+            <a:normAutofit/>
+          </a:bodyPr>
           <a:lstStyle/>
           <a:p>
             <a:r>
               <a:rPr lang="pt-BR" dirty="0" smtClean="0"/>
-              <a:t>Resultado</a:t>
+              <a:t>Memórias</a:t>
             </a:r>
             <a:endParaRPr lang="pt-BR" dirty="0"/>
           </a:p>
@@ -10545,64 +11165,26 @@
       </p:sp>
       <p:sp>
         <p:nvSpPr>
-          <p:cNvPr id="13" name="Espaço Reservado para Conteúdo 12"/>
-          <p:cNvSpPr>
-            <a:spLocks noGrp="1"/>
-          </p:cNvSpPr>
-          <p:nvPr>
-            <p:ph sz="half" idx="1"/>
-          </p:nvPr>
-        </p:nvSpPr>
-        <p:spPr>
-          <a:xfrm>
-            <a:off x="457200" y="1600200"/>
-            <a:ext cx="4834880" cy="4525963"/>
-          </a:xfrm>
-        </p:spPr>
-        <p:txBody>
-          <a:bodyPr/>
-          <a:lstStyle/>
-          <a:p>
-            <a:pPr marL="0" indent="0">
-              <a:buNone/>
-            </a:pPr>
-            <a:r>
-              <a:rPr lang="pt-BR" dirty="0" smtClean="0"/>
-              <a:t>Experimento bem sucedido</a:t>
-            </a:r>
-            <a:endParaRPr lang="pt-BR" dirty="0"/>
-          </a:p>
-        </p:txBody>
-      </p:sp>
-      <p:pic>
-        <p:nvPicPr>
-          <p:cNvPr id="15" name="Espaço Reservado para Conteúdo 14"/>
-          <p:cNvPicPr>
-            <a:picLocks noGrp="1" noChangeAspect="1"/>
-          </p:cNvPicPr>
-          <p:nvPr>
-            <p:ph sz="half" idx="2"/>
-          </p:nvPr>
-        </p:nvPicPr>
-        <p:blipFill>
-          <a:blip r:embed="rId3" cstate="print">
-            <a:extLst>
-              <a:ext uri="{28A0092B-C50C-407E-A947-70E740481C1C}">
-                <a14:useLocalDpi xmlns:a14="http://schemas.microsoft.com/office/drawing/2010/main" val="0"/>
-              </a:ext>
-            </a:extLst>
-          </a:blip>
-          <a:stretch>
-            <a:fillRect/>
-          </a:stretch>
-        </p:blipFill>
-        <p:spPr>
-          <a:xfrm>
-            <a:off x="5378557" y="1600200"/>
-            <a:ext cx="2577886" cy="4525963"/>
-          </a:xfrm>
-        </p:spPr>
-      </p:pic>
+          <p:cNvPr id="7" name="Espaço Reservado para Texto 6"/>
+          <p:cNvSpPr>
+            <a:spLocks noGrp="1"/>
+          </p:cNvSpPr>
+          <p:nvPr>
+            <p:ph type="body" idx="1"/>
+          </p:nvPr>
+        </p:nvSpPr>
+        <p:spPr/>
+        <p:txBody>
+          <a:bodyPr/>
+          <a:lstStyle/>
+          <a:p>
+            <a:r>
+              <a:rPr lang="pt-BR" dirty="0"/>
+              <a:t>Experimento 2</a:t>
+            </a:r>
+          </a:p>
+        </p:txBody>
+      </p:sp>
       <p:sp>
         <p:nvSpPr>
           <p:cNvPr id="4" name="Espaço Reservado para Data 3"/>
@@ -10641,11 +11223,7 @@
           <a:bodyPr/>
           <a:lstStyle/>
           <a:p>
-            <a:r>
-              <a:rPr lang="pt-BR" smtClean="0"/>
-              <a:t>Experimento 1</a:t>
-            </a:r>
-            <a:endParaRPr lang="pt-BR" dirty="0"/>
+            <a:endParaRPr lang="pt-BR"/>
           </a:p>
         </p:txBody>
       </p:sp>
@@ -10666,7 +11244,6 @@
           <a:p>
             <a:fld id="{E15E65B2-3271-4EB1-B955-03EC741CF5EC}" type="slidenum">
               <a:rPr lang="pt-BR" smtClean="0"/>
-              <a:pPr/>
               <a:t>20</a:t>
             </a:fld>
             <a:endParaRPr lang="pt-BR"/>
@@ -10676,7 +11253,7 @@
     </p:spTree>
     <p:extLst>
       <p:ext uri="{BB962C8B-B14F-4D97-AF65-F5344CB8AC3E}">
-        <p14:creationId xmlns:p14="http://schemas.microsoft.com/office/powerpoint/2010/main" val="1077336771"/>
+        <p14:creationId xmlns:p14="http://schemas.microsoft.com/office/powerpoint/2010/main" val="1049227361"/>
       </p:ext>
     </p:extLst>
   </p:cSld>
@@ -10722,155 +11299,6 @@
         </p:nvSpPr>
         <p:spPr/>
         <p:txBody>
-          <a:bodyPr>
-            <a:normAutofit/>
-          </a:bodyPr>
-          <a:lstStyle/>
-          <a:p>
-            <a:r>
-              <a:rPr lang="pt-BR" dirty="0" smtClean="0"/>
-              <a:t>Memórias</a:t>
-            </a:r>
-            <a:endParaRPr lang="pt-BR" dirty="0"/>
-          </a:p>
-        </p:txBody>
-      </p:sp>
-      <p:sp>
-        <p:nvSpPr>
-          <p:cNvPr id="7" name="Espaço Reservado para Texto 6"/>
-          <p:cNvSpPr>
-            <a:spLocks noGrp="1"/>
-          </p:cNvSpPr>
-          <p:nvPr>
-            <p:ph type="body" idx="1"/>
-          </p:nvPr>
-        </p:nvSpPr>
-        <p:spPr/>
-        <p:txBody>
-          <a:bodyPr/>
-          <a:lstStyle/>
-          <a:p>
-            <a:r>
-              <a:rPr lang="pt-BR" dirty="0"/>
-              <a:t>Experimento 2</a:t>
-            </a:r>
-          </a:p>
-        </p:txBody>
-      </p:sp>
-      <p:sp>
-        <p:nvSpPr>
-          <p:cNvPr id="4" name="Espaço Reservado para Data 3"/>
-          <p:cNvSpPr>
-            <a:spLocks noGrp="1"/>
-          </p:cNvSpPr>
-          <p:nvPr>
-            <p:ph type="dt" sz="half" idx="10"/>
-          </p:nvPr>
-        </p:nvSpPr>
-        <p:spPr/>
-        <p:txBody>
-          <a:bodyPr/>
-          <a:lstStyle/>
-          <a:p>
-            <a:r>
-              <a:rPr lang="pt-BR" smtClean="0"/>
-              <a:t>16 de dezembro de 2013</a:t>
-            </a:r>
-            <a:endParaRPr lang="pt-BR"/>
-          </a:p>
-        </p:txBody>
-      </p:sp>
-      <p:sp>
-        <p:nvSpPr>
-          <p:cNvPr id="5" name="Espaço Reservado para Rodapé 4"/>
-          <p:cNvSpPr>
-            <a:spLocks noGrp="1"/>
-          </p:cNvSpPr>
-          <p:nvPr>
-            <p:ph type="ftr" sz="quarter" idx="11"/>
-          </p:nvPr>
-        </p:nvSpPr>
-        <p:spPr/>
-        <p:txBody>
-          <a:bodyPr/>
-          <a:lstStyle/>
-          <a:p>
-            <a:endParaRPr lang="pt-BR"/>
-          </a:p>
-        </p:txBody>
-      </p:sp>
-      <p:sp>
-        <p:nvSpPr>
-          <p:cNvPr id="6" name="Espaço Reservado para Número de Slide 5"/>
-          <p:cNvSpPr>
-            <a:spLocks noGrp="1"/>
-          </p:cNvSpPr>
-          <p:nvPr>
-            <p:ph type="sldNum" sz="quarter" idx="12"/>
-          </p:nvPr>
-        </p:nvSpPr>
-        <p:spPr/>
-        <p:txBody>
-          <a:bodyPr/>
-          <a:lstStyle/>
-          <a:p>
-            <a:fld id="{E15E65B2-3271-4EB1-B955-03EC741CF5EC}" type="slidenum">
-              <a:rPr lang="pt-BR" smtClean="0"/>
-              <a:t>21</a:t>
-            </a:fld>
-            <a:endParaRPr lang="pt-BR"/>
-          </a:p>
-        </p:txBody>
-      </p:sp>
-    </p:spTree>
-    <p:extLst>
-      <p:ext uri="{BB962C8B-B14F-4D97-AF65-F5344CB8AC3E}">
-        <p14:creationId xmlns:p14="http://schemas.microsoft.com/office/powerpoint/2010/main" val="1049227361"/>
-      </p:ext>
-    </p:extLst>
-  </p:cSld>
-  <p:clrMapOvr>
-    <a:masterClrMapping/>
-  </p:clrMapOvr>
-  <p:timing>
-    <p:tnLst>
-      <p:par>
-        <p:cTn id="1" dur="indefinite" restart="never" nodeType="tmRoot"/>
-      </p:par>
-    </p:tnLst>
-  </p:timing>
-</p:sld>
-</file>
-
-<file path=ppt/slides/slide22.xml><?xml version="1.0" encoding="utf-8"?>
-<p:sld xmlns:a="http://schemas.openxmlformats.org/drawingml/2006/main" xmlns:r="http://schemas.openxmlformats.org/officeDocument/2006/relationships" xmlns:p="http://schemas.openxmlformats.org/presentationml/2006/main">
-  <p:cSld>
-    <p:spTree>
-      <p:nvGrpSpPr>
-        <p:cNvPr id="1" name=""/>
-        <p:cNvGrpSpPr/>
-        <p:nvPr/>
-      </p:nvGrpSpPr>
-      <p:grpSpPr>
-        <a:xfrm>
-          <a:off x="0" y="0"/>
-          <a:ext cx="0" cy="0"/>
-          <a:chOff x="0" y="0"/>
-          <a:chExt cx="0" cy="0"/>
-        </a:xfrm>
-      </p:grpSpPr>
-      <p:sp>
-        <p:nvSpPr>
-          <p:cNvPr id="2" name="Título 1"/>
-          <p:cNvSpPr>
-            <a:spLocks noGrp="1"/>
-          </p:cNvSpPr>
-          <p:nvPr>
-            <p:ph type="title"/>
-          </p:nvPr>
-        </p:nvSpPr>
-        <p:spPr/>
-        <p:txBody>
           <a:bodyPr/>
           <a:lstStyle/>
           <a:p>
@@ -11040,7 +11468,7 @@
           <a:p>
             <a:fld id="{E15E65B2-3271-4EB1-B955-03EC741CF5EC}" type="slidenum">
               <a:rPr lang="pt-BR" smtClean="0"/>
-              <a:t>22</a:t>
+              <a:t>21</a:t>
             </a:fld>
             <a:endParaRPr lang="pt-BR"/>
           </a:p>
@@ -11436,7 +11864,7 @@
 </p:sld>
 </file>
 
-<file path=ppt/slides/slide23.xml><?xml version="1.0" encoding="utf-8"?>
+<file path=ppt/slides/slide22.xml><?xml version="1.0" encoding="utf-8"?>
 <p:sld xmlns:a="http://schemas.openxmlformats.org/drawingml/2006/main" xmlns:r="http://schemas.openxmlformats.org/officeDocument/2006/relationships" xmlns:p="http://schemas.openxmlformats.org/presentationml/2006/main">
   <p:cSld>
     <p:spTree>
@@ -11568,7 +11996,7 @@
           <a:p>
             <a:fld id="{E15E65B2-3271-4EB1-B955-03EC741CF5EC}" type="slidenum">
               <a:rPr lang="pt-BR" smtClean="0"/>
-              <a:t>23</a:t>
+              <a:t>22</a:t>
             </a:fld>
             <a:endParaRPr lang="pt-BR"/>
           </a:p>
@@ -11702,6 +12130,161 @@
 </p:sld>
 </file>
 
+<file path=ppt/slides/slide23.xml><?xml version="1.0" encoding="utf-8"?>
+<p:sld xmlns:a="http://schemas.openxmlformats.org/drawingml/2006/main" xmlns:r="http://schemas.openxmlformats.org/officeDocument/2006/relationships" xmlns:p="http://schemas.openxmlformats.org/presentationml/2006/main">
+  <p:cSld>
+    <p:spTree>
+      <p:nvGrpSpPr>
+        <p:cNvPr id="1" name=""/>
+        <p:cNvGrpSpPr/>
+        <p:nvPr/>
+      </p:nvGrpSpPr>
+      <p:grpSpPr>
+        <a:xfrm>
+          <a:off x="0" y="0"/>
+          <a:ext cx="0" cy="0"/>
+          <a:chOff x="0" y="0"/>
+          <a:chExt cx="0" cy="0"/>
+        </a:xfrm>
+      </p:grpSpPr>
+      <p:sp>
+        <p:nvSpPr>
+          <p:cNvPr id="2" name="Título 1"/>
+          <p:cNvSpPr>
+            <a:spLocks noGrp="1"/>
+          </p:cNvSpPr>
+          <p:nvPr>
+            <p:ph type="title"/>
+          </p:nvPr>
+        </p:nvSpPr>
+        <p:spPr/>
+        <p:txBody>
+          <a:bodyPr/>
+          <a:lstStyle/>
+          <a:p>
+            <a:r>
+              <a:rPr lang="pt-BR" dirty="0" smtClean="0"/>
+              <a:t>Resultado</a:t>
+            </a:r>
+            <a:endParaRPr lang="pt-BR" dirty="0"/>
+          </a:p>
+        </p:txBody>
+      </p:sp>
+      <p:sp>
+        <p:nvSpPr>
+          <p:cNvPr id="3" name="Espaço Reservado para Conteúdo 2"/>
+          <p:cNvSpPr>
+            <a:spLocks noGrp="1"/>
+          </p:cNvSpPr>
+          <p:nvPr>
+            <p:ph idx="1"/>
+          </p:nvPr>
+        </p:nvSpPr>
+        <p:spPr/>
+        <p:txBody>
+          <a:bodyPr/>
+          <a:lstStyle/>
+          <a:p>
+            <a:pPr marL="0" indent="0">
+              <a:buNone/>
+            </a:pPr>
+            <a:r>
+              <a:rPr lang="pt-BR" dirty="0" smtClean="0"/>
+              <a:t>Experimento bem sucedido</a:t>
+            </a:r>
+            <a:endParaRPr lang="pt-BR" dirty="0"/>
+          </a:p>
+        </p:txBody>
+      </p:sp>
+      <p:sp>
+        <p:nvSpPr>
+          <p:cNvPr id="4" name="Espaço Reservado para Data 3"/>
+          <p:cNvSpPr>
+            <a:spLocks noGrp="1"/>
+          </p:cNvSpPr>
+          <p:nvPr>
+            <p:ph type="dt" sz="half" idx="10"/>
+          </p:nvPr>
+        </p:nvSpPr>
+        <p:spPr/>
+        <p:txBody>
+          <a:bodyPr/>
+          <a:lstStyle/>
+          <a:p>
+            <a:r>
+              <a:rPr lang="pt-BR" smtClean="0"/>
+              <a:t>16 de dezembro de 2013</a:t>
+            </a:r>
+            <a:endParaRPr lang="pt-BR"/>
+          </a:p>
+        </p:txBody>
+      </p:sp>
+      <p:sp>
+        <p:nvSpPr>
+          <p:cNvPr id="5" name="Espaço Reservado para Rodapé 4"/>
+          <p:cNvSpPr>
+            <a:spLocks noGrp="1"/>
+          </p:cNvSpPr>
+          <p:nvPr>
+            <p:ph type="ftr" sz="quarter" idx="11"/>
+          </p:nvPr>
+        </p:nvSpPr>
+        <p:spPr/>
+        <p:txBody>
+          <a:bodyPr/>
+          <a:lstStyle/>
+          <a:p>
+            <a:r>
+              <a:rPr lang="pt-BR" dirty="0" smtClean="0"/>
+              <a:t>Experimento 2</a:t>
+            </a:r>
+            <a:endParaRPr lang="pt-BR" dirty="0"/>
+          </a:p>
+        </p:txBody>
+      </p:sp>
+      <p:sp>
+        <p:nvSpPr>
+          <p:cNvPr id="6" name="Espaço Reservado para Número de Slide 5"/>
+          <p:cNvSpPr>
+            <a:spLocks noGrp="1"/>
+          </p:cNvSpPr>
+          <p:nvPr>
+            <p:ph type="sldNum" sz="quarter" idx="12"/>
+          </p:nvPr>
+        </p:nvSpPr>
+        <p:spPr/>
+        <p:txBody>
+          <a:bodyPr/>
+          <a:lstStyle/>
+          <a:p>
+            <a:fld id="{E15E65B2-3271-4EB1-B955-03EC741CF5EC}" type="slidenum">
+              <a:rPr lang="pt-BR" smtClean="0"/>
+              <a:t>23</a:t>
+            </a:fld>
+            <a:endParaRPr lang="pt-BR"/>
+          </a:p>
+        </p:txBody>
+      </p:sp>
+    </p:spTree>
+    <p:extLst>
+      <p:ext uri="{BB962C8B-B14F-4D97-AF65-F5344CB8AC3E}">
+        <p14:creationId xmlns:p14="http://schemas.microsoft.com/office/powerpoint/2010/main" val="3907980999"/>
+      </p:ext>
+    </p:extLst>
+  </p:cSld>
+  <p:clrMapOvr>
+    <a:masterClrMapping/>
+  </p:clrMapOvr>
+  <p:timing>
+    <p:tnLst>
+      <p:par>
+        <p:cTn id="1" dur="indefinite" restart="never" nodeType="tmRoot"/>
+      </p:par>
+    </p:tnLst>
+  </p:timing>
+</p:sld>
+</file>
+
 <file path=ppt/slides/slide24.xml><?xml version="1.0" encoding="utf-8"?>
 <p:sld xmlns:a="http://schemas.openxmlformats.org/drawingml/2006/main" xmlns:r="http://schemas.openxmlformats.org/officeDocument/2006/relationships" xmlns:p="http://schemas.openxmlformats.org/presentationml/2006/main">
   <p:cSld>
@@ -11731,40 +12314,38 @@
         </p:nvSpPr>
         <p:spPr/>
         <p:txBody>
-          <a:bodyPr/>
-          <a:lstStyle/>
-          <a:p>
-            <a:r>
-              <a:rPr lang="pt-BR" dirty="0" smtClean="0"/>
-              <a:t>Resultados</a:t>
-            </a:r>
-            <a:endParaRPr lang="pt-BR" dirty="0"/>
-          </a:p>
-        </p:txBody>
-      </p:sp>
-      <p:sp>
-        <p:nvSpPr>
-          <p:cNvPr id="3" name="Espaço Reservado para Conteúdo 2"/>
-          <p:cNvSpPr>
-            <a:spLocks noGrp="1"/>
-          </p:cNvSpPr>
-          <p:nvPr>
-            <p:ph idx="1"/>
-          </p:nvPr>
-        </p:nvSpPr>
-        <p:spPr/>
-        <p:txBody>
-          <a:bodyPr/>
-          <a:lstStyle/>
-          <a:p>
-            <a:pPr marL="0" indent="0">
-              <a:buNone/>
-            </a:pPr>
-            <a:r>
-              <a:rPr lang="pt-BR" dirty="0" smtClean="0"/>
-              <a:t>Experimento bem sucedido</a:t>
-            </a:r>
-            <a:endParaRPr lang="pt-BR" dirty="0"/>
+          <a:bodyPr>
+            <a:normAutofit/>
+          </a:bodyPr>
+          <a:lstStyle/>
+          <a:p>
+            <a:r>
+              <a:rPr lang="pt-BR" i="1" dirty="0" smtClean="0"/>
+              <a:t>Bootloader</a:t>
+            </a:r>
+            <a:endParaRPr lang="pt-BR" i="1" dirty="0"/>
+          </a:p>
+        </p:txBody>
+      </p:sp>
+      <p:sp>
+        <p:nvSpPr>
+          <p:cNvPr id="7" name="Espaço Reservado para Texto 6"/>
+          <p:cNvSpPr>
+            <a:spLocks noGrp="1"/>
+          </p:cNvSpPr>
+          <p:nvPr>
+            <p:ph type="body" idx="1"/>
+          </p:nvPr>
+        </p:nvSpPr>
+        <p:spPr/>
+        <p:txBody>
+          <a:bodyPr/>
+          <a:lstStyle/>
+          <a:p>
+            <a:r>
+              <a:rPr lang="pt-BR" dirty="0"/>
+              <a:t>Experimento 3</a:t>
+            </a:r>
           </a:p>
         </p:txBody>
       </p:sp>
@@ -11806,11 +12387,7 @@
           <a:bodyPr/>
           <a:lstStyle/>
           <a:p>
-            <a:r>
-              <a:rPr lang="pt-BR" dirty="0" smtClean="0"/>
-              <a:t>Experimento 2</a:t>
-            </a:r>
-            <a:endParaRPr lang="pt-BR" dirty="0"/>
+            <a:endParaRPr lang="pt-BR"/>
           </a:p>
         </p:txBody>
       </p:sp>
@@ -11840,7 +12417,7 @@
     </p:spTree>
     <p:extLst>
       <p:ext uri="{BB962C8B-B14F-4D97-AF65-F5344CB8AC3E}">
-        <p14:creationId xmlns:p14="http://schemas.microsoft.com/office/powerpoint/2010/main" val="3907980999"/>
+        <p14:creationId xmlns:p14="http://schemas.microsoft.com/office/powerpoint/2010/main" val="1238485748"/>
       </p:ext>
     </p:extLst>
   </p:cSld>
@@ -11886,80 +12463,84 @@
         </p:nvSpPr>
         <p:spPr/>
         <p:txBody>
-          <a:bodyPr>
-            <a:normAutofit/>
-          </a:bodyPr>
-          <a:lstStyle/>
-          <a:p>
-            <a:r>
-              <a:rPr lang="pt-BR" i="1" dirty="0" smtClean="0"/>
-              <a:t>Bootloader</a:t>
-            </a:r>
-            <a:endParaRPr lang="pt-BR" i="1" dirty="0"/>
-          </a:p>
-        </p:txBody>
-      </p:sp>
-      <p:sp>
-        <p:nvSpPr>
-          <p:cNvPr id="7" name="Espaço Reservado para Texto 6"/>
-          <p:cNvSpPr>
-            <a:spLocks noGrp="1"/>
-          </p:cNvSpPr>
-          <p:nvPr>
-            <p:ph type="body" idx="1"/>
-          </p:nvPr>
-        </p:nvSpPr>
-        <p:spPr/>
-        <p:txBody>
-          <a:bodyPr/>
-          <a:lstStyle/>
-          <a:p>
-            <a:r>
-              <a:rPr lang="pt-BR" dirty="0"/>
+          <a:bodyPr/>
+          <a:lstStyle/>
+          <a:p>
+            <a:endParaRPr lang="pt-BR" dirty="0"/>
+          </a:p>
+        </p:txBody>
+      </p:sp>
+      <p:pic>
+        <p:nvPicPr>
+          <p:cNvPr id="7" name="Espaço Reservado para Conteúdo 6"/>
+          <p:cNvPicPr>
+            <a:picLocks noGrp="1" noChangeAspect="1"/>
+          </p:cNvPicPr>
+          <p:nvPr>
+            <p:ph idx="1"/>
+          </p:nvPr>
+        </p:nvPicPr>
+        <p:blipFill>
+          <a:blip r:embed="rId3">
+            <a:extLst>
+              <a:ext uri="{28A0092B-C50C-407E-A947-70E740481C1C}">
+                <a14:useLocalDpi xmlns:a14="http://schemas.microsoft.com/office/drawing/2010/main" val="0"/>
+              </a:ext>
+            </a:extLst>
+          </a:blip>
+          <a:stretch>
+            <a:fillRect/>
+          </a:stretch>
+        </p:blipFill>
+        <p:spPr>
+          <a:xfrm>
+            <a:off x="2075688" y="1179576"/>
+            <a:ext cx="4992624" cy="4498848"/>
+          </a:xfrm>
+        </p:spPr>
+      </p:pic>
+      <p:sp>
+        <p:nvSpPr>
+          <p:cNvPr id="4" name="Espaço Reservado para Data 3"/>
+          <p:cNvSpPr>
+            <a:spLocks noGrp="1"/>
+          </p:cNvSpPr>
+          <p:nvPr>
+            <p:ph type="dt" sz="half" idx="10"/>
+          </p:nvPr>
+        </p:nvSpPr>
+        <p:spPr/>
+        <p:txBody>
+          <a:bodyPr/>
+          <a:lstStyle/>
+          <a:p>
+            <a:r>
+              <a:rPr lang="pt-BR" smtClean="0"/>
+              <a:t>16 de dezembro de 2013</a:t>
+            </a:r>
+            <a:endParaRPr lang="pt-BR"/>
+          </a:p>
+        </p:txBody>
+      </p:sp>
+      <p:sp>
+        <p:nvSpPr>
+          <p:cNvPr id="5" name="Espaço Reservado para Rodapé 4"/>
+          <p:cNvSpPr>
+            <a:spLocks noGrp="1"/>
+          </p:cNvSpPr>
+          <p:nvPr>
+            <p:ph type="ftr" sz="quarter" idx="11"/>
+          </p:nvPr>
+        </p:nvSpPr>
+        <p:spPr/>
+        <p:txBody>
+          <a:bodyPr/>
+          <a:lstStyle/>
+          <a:p>
+            <a:r>
+              <a:rPr lang="pt-BR" dirty="0" smtClean="0"/>
               <a:t>Experimento 3</a:t>
             </a:r>
-          </a:p>
-        </p:txBody>
-      </p:sp>
-      <p:sp>
-        <p:nvSpPr>
-          <p:cNvPr id="4" name="Espaço Reservado para Data 3"/>
-          <p:cNvSpPr>
-            <a:spLocks noGrp="1"/>
-          </p:cNvSpPr>
-          <p:nvPr>
-            <p:ph type="dt" sz="half" idx="10"/>
-          </p:nvPr>
-        </p:nvSpPr>
-        <p:spPr/>
-        <p:txBody>
-          <a:bodyPr/>
-          <a:lstStyle/>
-          <a:p>
-            <a:r>
-              <a:rPr lang="pt-BR" smtClean="0"/>
-              <a:t>16 de dezembro de 2013</a:t>
-            </a:r>
-            <a:endParaRPr lang="pt-BR"/>
-          </a:p>
-        </p:txBody>
-      </p:sp>
-      <p:sp>
-        <p:nvSpPr>
-          <p:cNvPr id="5" name="Espaço Reservado para Rodapé 4"/>
-          <p:cNvSpPr>
-            <a:spLocks noGrp="1"/>
-          </p:cNvSpPr>
-          <p:nvPr>
-            <p:ph type="ftr" sz="quarter" idx="11"/>
-          </p:nvPr>
-        </p:nvSpPr>
-        <p:spPr/>
-        <p:txBody>
-          <a:bodyPr/>
-          <a:lstStyle/>
-          <a:p>
-            <a:endParaRPr lang="pt-BR"/>
           </a:p>
         </p:txBody>
       </p:sp>
@@ -11989,7 +12570,7 @@
     </p:spTree>
     <p:extLst>
       <p:ext uri="{BB962C8B-B14F-4D97-AF65-F5344CB8AC3E}">
-        <p14:creationId xmlns:p14="http://schemas.microsoft.com/office/powerpoint/2010/main" val="1238485748"/>
+        <p14:creationId xmlns:p14="http://schemas.microsoft.com/office/powerpoint/2010/main" val="840518965"/>
       </p:ext>
     </p:extLst>
   </p:cSld>
@@ -12038,159 +12619,6 @@
           <a:bodyPr/>
           <a:lstStyle/>
           <a:p>
-            <a:endParaRPr lang="pt-BR" dirty="0"/>
-          </a:p>
-        </p:txBody>
-      </p:sp>
-      <p:pic>
-        <p:nvPicPr>
-          <p:cNvPr id="7" name="Espaço Reservado para Conteúdo 6"/>
-          <p:cNvPicPr>
-            <a:picLocks noGrp="1" noChangeAspect="1"/>
-          </p:cNvPicPr>
-          <p:nvPr>
-            <p:ph idx="1"/>
-          </p:nvPr>
-        </p:nvPicPr>
-        <p:blipFill>
-          <a:blip r:embed="rId3">
-            <a:extLst>
-              <a:ext uri="{28A0092B-C50C-407E-A947-70E740481C1C}">
-                <a14:useLocalDpi xmlns:a14="http://schemas.microsoft.com/office/drawing/2010/main" val="0"/>
-              </a:ext>
-            </a:extLst>
-          </a:blip>
-          <a:stretch>
-            <a:fillRect/>
-          </a:stretch>
-        </p:blipFill>
-        <p:spPr>
-          <a:xfrm>
-            <a:off x="2075688" y="1179576"/>
-            <a:ext cx="4992624" cy="4498848"/>
-          </a:xfrm>
-        </p:spPr>
-      </p:pic>
-      <p:sp>
-        <p:nvSpPr>
-          <p:cNvPr id="4" name="Espaço Reservado para Data 3"/>
-          <p:cNvSpPr>
-            <a:spLocks noGrp="1"/>
-          </p:cNvSpPr>
-          <p:nvPr>
-            <p:ph type="dt" sz="half" idx="10"/>
-          </p:nvPr>
-        </p:nvSpPr>
-        <p:spPr/>
-        <p:txBody>
-          <a:bodyPr/>
-          <a:lstStyle/>
-          <a:p>
-            <a:r>
-              <a:rPr lang="pt-BR" smtClean="0"/>
-              <a:t>16 de dezembro de 2013</a:t>
-            </a:r>
-            <a:endParaRPr lang="pt-BR"/>
-          </a:p>
-        </p:txBody>
-      </p:sp>
-      <p:sp>
-        <p:nvSpPr>
-          <p:cNvPr id="5" name="Espaço Reservado para Rodapé 4"/>
-          <p:cNvSpPr>
-            <a:spLocks noGrp="1"/>
-          </p:cNvSpPr>
-          <p:nvPr>
-            <p:ph type="ftr" sz="quarter" idx="11"/>
-          </p:nvPr>
-        </p:nvSpPr>
-        <p:spPr/>
-        <p:txBody>
-          <a:bodyPr/>
-          <a:lstStyle/>
-          <a:p>
-            <a:r>
-              <a:rPr lang="pt-BR" dirty="0" smtClean="0"/>
-              <a:t>Experimento 3</a:t>
-            </a:r>
-          </a:p>
-        </p:txBody>
-      </p:sp>
-      <p:sp>
-        <p:nvSpPr>
-          <p:cNvPr id="6" name="Espaço Reservado para Número de Slide 5"/>
-          <p:cNvSpPr>
-            <a:spLocks noGrp="1"/>
-          </p:cNvSpPr>
-          <p:nvPr>
-            <p:ph type="sldNum" sz="quarter" idx="12"/>
-          </p:nvPr>
-        </p:nvSpPr>
-        <p:spPr/>
-        <p:txBody>
-          <a:bodyPr/>
-          <a:lstStyle/>
-          <a:p>
-            <a:fld id="{E15E65B2-3271-4EB1-B955-03EC741CF5EC}" type="slidenum">
-              <a:rPr lang="pt-BR" smtClean="0"/>
-              <a:t>26</a:t>
-            </a:fld>
-            <a:endParaRPr lang="pt-BR"/>
-          </a:p>
-        </p:txBody>
-      </p:sp>
-    </p:spTree>
-    <p:extLst>
-      <p:ext uri="{BB962C8B-B14F-4D97-AF65-F5344CB8AC3E}">
-        <p14:creationId xmlns:p14="http://schemas.microsoft.com/office/powerpoint/2010/main" val="840518965"/>
-      </p:ext>
-    </p:extLst>
-  </p:cSld>
-  <p:clrMapOvr>
-    <a:masterClrMapping/>
-  </p:clrMapOvr>
-  <p:timing>
-    <p:tnLst>
-      <p:par>
-        <p:cTn id="1" dur="indefinite" restart="never" nodeType="tmRoot"/>
-      </p:par>
-    </p:tnLst>
-  </p:timing>
-</p:sld>
-</file>
-
-<file path=ppt/slides/slide27.xml><?xml version="1.0" encoding="utf-8"?>
-<p:sld xmlns:a="http://schemas.openxmlformats.org/drawingml/2006/main" xmlns:r="http://schemas.openxmlformats.org/officeDocument/2006/relationships" xmlns:p="http://schemas.openxmlformats.org/presentationml/2006/main">
-  <p:cSld>
-    <p:spTree>
-      <p:nvGrpSpPr>
-        <p:cNvPr id="1" name=""/>
-        <p:cNvGrpSpPr/>
-        <p:nvPr/>
-      </p:nvGrpSpPr>
-      <p:grpSpPr>
-        <a:xfrm>
-          <a:off x="0" y="0"/>
-          <a:ext cx="0" cy="0"/>
-          <a:chOff x="0" y="0"/>
-          <a:chExt cx="0" cy="0"/>
-        </a:xfrm>
-      </p:grpSpPr>
-      <p:sp>
-        <p:nvSpPr>
-          <p:cNvPr id="2" name="Título 1"/>
-          <p:cNvSpPr>
-            <a:spLocks noGrp="1"/>
-          </p:cNvSpPr>
-          <p:nvPr>
-            <p:ph type="title"/>
-          </p:nvPr>
-        </p:nvSpPr>
-        <p:spPr/>
-        <p:txBody>
-          <a:bodyPr/>
-          <a:lstStyle/>
-          <a:p>
             <a:r>
               <a:rPr lang="pt-BR" dirty="0" smtClean="0"/>
               <a:t>Arquivo Binário</a:t>
@@ -12290,7 +12718,7 @@
           <a:p>
             <a:fld id="{E15E65B2-3271-4EB1-B955-03EC741CF5EC}" type="slidenum">
               <a:rPr lang="pt-BR" smtClean="0"/>
-              <a:t>27</a:t>
+              <a:t>26</a:t>
             </a:fld>
             <a:endParaRPr lang="pt-BR"/>
           </a:p>
@@ -12624,7 +13052,7 @@
 </p:sld>
 </file>
 
-<file path=ppt/slides/slide28.xml><?xml version="1.0" encoding="utf-8"?>
+<file path=ppt/slides/slide27.xml><?xml version="1.0" encoding="utf-8"?>
 <p:sld xmlns:a="http://schemas.openxmlformats.org/drawingml/2006/main" xmlns:r="http://schemas.openxmlformats.org/officeDocument/2006/relationships" xmlns:p="http://schemas.openxmlformats.org/presentationml/2006/main">
   <p:cSld>
     <p:spTree>
@@ -12762,7 +13190,7 @@
           <a:p>
             <a:fld id="{E15E65B2-3271-4EB1-B955-03EC741CF5EC}" type="slidenum">
               <a:rPr lang="pt-BR" smtClean="0"/>
-              <a:t>28</a:t>
+              <a:t>27</a:t>
             </a:fld>
             <a:endParaRPr lang="pt-BR"/>
           </a:p>
@@ -12817,7 +13245,7 @@
 </p:sld>
 </file>
 
-<file path=ppt/slides/slide29.xml><?xml version="1.0" encoding="utf-8"?>
+<file path=ppt/slides/slide28.xml><?xml version="1.0" encoding="utf-8"?>
 <p:sld xmlns:a="http://schemas.openxmlformats.org/drawingml/2006/main" xmlns:r="http://schemas.openxmlformats.org/officeDocument/2006/relationships" xmlns:p="http://schemas.openxmlformats.org/presentationml/2006/main">
   <p:cSld>
     <p:spTree>
@@ -12851,7 +13279,7 @@
           <a:p>
             <a:r>
               <a:rPr lang="pt-BR" dirty="0" smtClean="0"/>
-              <a:t>Resultados</a:t>
+              <a:t>Resultado</a:t>
             </a:r>
             <a:endParaRPr lang="pt-BR" dirty="0"/>
           </a:p>
@@ -12976,7 +13404,7 @@
           <a:p>
             <a:fld id="{E15E65B2-3271-4EB1-B955-03EC741CF5EC}" type="slidenum">
               <a:rPr lang="pt-BR" smtClean="0"/>
-              <a:t>29</a:t>
+              <a:t>28</a:t>
             </a:fld>
             <a:endParaRPr lang="pt-BR"/>
           </a:p>
@@ -12986,6 +13414,155 @@
     <p:extLst>
       <p:ext uri="{BB962C8B-B14F-4D97-AF65-F5344CB8AC3E}">
         <p14:creationId xmlns:p14="http://schemas.microsoft.com/office/powerpoint/2010/main" val="3382419477"/>
+      </p:ext>
+    </p:extLst>
+  </p:cSld>
+  <p:clrMapOvr>
+    <a:masterClrMapping/>
+  </p:clrMapOvr>
+  <p:timing>
+    <p:tnLst>
+      <p:par>
+        <p:cTn id="1" dur="indefinite" restart="never" nodeType="tmRoot"/>
+      </p:par>
+    </p:tnLst>
+  </p:timing>
+</p:sld>
+</file>
+
+<file path=ppt/slides/slide29.xml><?xml version="1.0" encoding="utf-8"?>
+<p:sld xmlns:a="http://schemas.openxmlformats.org/drawingml/2006/main" xmlns:r="http://schemas.openxmlformats.org/officeDocument/2006/relationships" xmlns:p="http://schemas.openxmlformats.org/presentationml/2006/main">
+  <p:cSld>
+    <p:spTree>
+      <p:nvGrpSpPr>
+        <p:cNvPr id="1" name=""/>
+        <p:cNvGrpSpPr/>
+        <p:nvPr/>
+      </p:nvGrpSpPr>
+      <p:grpSpPr>
+        <a:xfrm>
+          <a:off x="0" y="0"/>
+          <a:ext cx="0" cy="0"/>
+          <a:chOff x="0" y="0"/>
+          <a:chExt cx="0" cy="0"/>
+        </a:xfrm>
+      </p:grpSpPr>
+      <p:sp>
+        <p:nvSpPr>
+          <p:cNvPr id="2" name="Título 1"/>
+          <p:cNvSpPr>
+            <a:spLocks noGrp="1"/>
+          </p:cNvSpPr>
+          <p:nvPr>
+            <p:ph type="title"/>
+          </p:nvPr>
+        </p:nvSpPr>
+        <p:spPr/>
+        <p:txBody>
+          <a:bodyPr>
+            <a:normAutofit/>
+          </a:bodyPr>
+          <a:lstStyle/>
+          <a:p>
+            <a:r>
+              <a:rPr lang="pt-BR" dirty="0"/>
+              <a:t>Autorreconfiguração com MicroBlaze e DDR3</a:t>
+            </a:r>
+          </a:p>
+        </p:txBody>
+      </p:sp>
+      <p:sp>
+        <p:nvSpPr>
+          <p:cNvPr id="7" name="Espaço Reservado para Texto 6"/>
+          <p:cNvSpPr>
+            <a:spLocks noGrp="1"/>
+          </p:cNvSpPr>
+          <p:nvPr>
+            <p:ph type="body" idx="1"/>
+          </p:nvPr>
+        </p:nvSpPr>
+        <p:spPr/>
+        <p:txBody>
+          <a:bodyPr/>
+          <a:lstStyle/>
+          <a:p>
+            <a:r>
+              <a:rPr lang="pt-BR" dirty="0" smtClean="0"/>
+              <a:t>Experimento 4</a:t>
+            </a:r>
+            <a:endParaRPr lang="pt-BR" dirty="0"/>
+          </a:p>
+        </p:txBody>
+      </p:sp>
+      <p:sp>
+        <p:nvSpPr>
+          <p:cNvPr id="4" name="Espaço Reservado para Data 3"/>
+          <p:cNvSpPr>
+            <a:spLocks noGrp="1"/>
+          </p:cNvSpPr>
+          <p:nvPr>
+            <p:ph type="dt" sz="half" idx="10"/>
+          </p:nvPr>
+        </p:nvSpPr>
+        <p:spPr/>
+        <p:txBody>
+          <a:bodyPr/>
+          <a:lstStyle/>
+          <a:p>
+            <a:r>
+              <a:rPr lang="pt-BR" smtClean="0"/>
+              <a:t>16 de dezembro de 2013</a:t>
+            </a:r>
+            <a:endParaRPr lang="pt-BR"/>
+          </a:p>
+        </p:txBody>
+      </p:sp>
+      <p:sp>
+        <p:nvSpPr>
+          <p:cNvPr id="5" name="Espaço Reservado para Rodapé 4"/>
+          <p:cNvSpPr>
+            <a:spLocks noGrp="1"/>
+          </p:cNvSpPr>
+          <p:nvPr>
+            <p:ph type="ftr" sz="quarter" idx="11"/>
+          </p:nvPr>
+        </p:nvSpPr>
+        <p:spPr/>
+        <p:txBody>
+          <a:bodyPr/>
+          <a:lstStyle/>
+          <a:p>
+            <a:endParaRPr lang="pt-BR"/>
+          </a:p>
+        </p:txBody>
+      </p:sp>
+      <p:sp>
+        <p:nvSpPr>
+          <p:cNvPr id="6" name="Espaço Reservado para Número de Slide 5"/>
+          <p:cNvSpPr>
+            <a:spLocks noGrp="1"/>
+          </p:cNvSpPr>
+          <p:nvPr>
+            <p:ph type="sldNum" sz="quarter" idx="12"/>
+          </p:nvPr>
+        </p:nvSpPr>
+        <p:spPr/>
+        <p:txBody>
+          <a:bodyPr/>
+          <a:lstStyle/>
+          <a:p>
+            <a:fld id="{E15E65B2-3271-4EB1-B955-03EC741CF5EC}" type="slidenum">
+              <a:rPr lang="pt-BR" smtClean="0"/>
+              <a:t>29</a:t>
+            </a:fld>
+            <a:endParaRPr lang="pt-BR"/>
+          </a:p>
+        </p:txBody>
+      </p:sp>
+    </p:spTree>
+    <p:extLst>
+      <p:ext uri="{BB962C8B-B14F-4D97-AF65-F5344CB8AC3E}">
+        <p14:creationId xmlns:p14="http://schemas.microsoft.com/office/powerpoint/2010/main" val="1631175770"/>
       </p:ext>
     </p:extLst>
   </p:cSld>
@@ -13179,26 +13756,77 @@
         </p:nvSpPr>
         <p:spPr/>
         <p:txBody>
-          <a:bodyPr>
-            <a:normAutofit/>
-          </a:bodyPr>
-          <a:lstStyle/>
-          <a:p>
-            <a:r>
-              <a:rPr lang="pt-BR" dirty="0"/>
-              <a:t>Autorreconfiguração com MicroBlaze e DDR3</a:t>
-            </a:r>
-          </a:p>
-        </p:txBody>
-      </p:sp>
-      <p:sp>
-        <p:nvSpPr>
-          <p:cNvPr id="7" name="Espaço Reservado para Texto 6"/>
-          <p:cNvSpPr>
-            <a:spLocks noGrp="1"/>
-          </p:cNvSpPr>
-          <p:nvPr>
-            <p:ph type="body" idx="1"/>
+          <a:bodyPr/>
+          <a:lstStyle/>
+          <a:p>
+            <a:r>
+              <a:rPr lang="pt-BR" dirty="0" smtClean="0"/>
+              <a:t>Fluxo de Projeto</a:t>
+            </a:r>
+            <a:endParaRPr lang="pt-BR" dirty="0"/>
+          </a:p>
+        </p:txBody>
+      </p:sp>
+      <p:pic>
+        <p:nvPicPr>
+          <p:cNvPr id="7" name="Espaço Reservado para Conteúdo 6"/>
+          <p:cNvPicPr>
+            <a:picLocks noGrp="1" noChangeAspect="1"/>
+          </p:cNvPicPr>
+          <p:nvPr>
+            <p:ph idx="1"/>
+          </p:nvPr>
+        </p:nvPicPr>
+        <p:blipFill>
+          <a:blip r:embed="rId3" cstate="print">
+            <a:extLst>
+              <a:ext uri="{28A0092B-C50C-407E-A947-70E740481C1C}">
+                <a14:useLocalDpi xmlns:a14="http://schemas.microsoft.com/office/drawing/2010/main" val="0"/>
+              </a:ext>
+            </a:extLst>
+          </a:blip>
+          <a:stretch>
+            <a:fillRect/>
+          </a:stretch>
+        </p:blipFill>
+        <p:spPr>
+          <a:xfrm>
+            <a:off x="457200" y="2945951"/>
+            <a:ext cx="8229600" cy="1834461"/>
+          </a:xfrm>
+        </p:spPr>
+      </p:pic>
+      <p:sp>
+        <p:nvSpPr>
+          <p:cNvPr id="4" name="Espaço Reservado para Data 3"/>
+          <p:cNvSpPr>
+            <a:spLocks noGrp="1"/>
+          </p:cNvSpPr>
+          <p:nvPr>
+            <p:ph type="dt" sz="half" idx="10"/>
+          </p:nvPr>
+        </p:nvSpPr>
+        <p:spPr/>
+        <p:txBody>
+          <a:bodyPr/>
+          <a:lstStyle/>
+          <a:p>
+            <a:r>
+              <a:rPr lang="pt-BR" smtClean="0"/>
+              <a:t>16 de dezembro de 2013</a:t>
+            </a:r>
+            <a:endParaRPr lang="pt-BR"/>
+          </a:p>
+        </p:txBody>
+      </p:sp>
+      <p:sp>
+        <p:nvSpPr>
+          <p:cNvPr id="5" name="Espaço Reservado para Rodapé 4"/>
+          <p:cNvSpPr>
+            <a:spLocks noGrp="1"/>
+          </p:cNvSpPr>
+          <p:nvPr>
+            <p:ph type="ftr" sz="quarter" idx="11"/>
           </p:nvPr>
         </p:nvSpPr>
         <p:spPr/>
@@ -13211,48 +13839,6 @@
               <a:t>Experimento 4</a:t>
             </a:r>
             <a:endParaRPr lang="pt-BR" dirty="0"/>
-          </a:p>
-        </p:txBody>
-      </p:sp>
-      <p:sp>
-        <p:nvSpPr>
-          <p:cNvPr id="4" name="Espaço Reservado para Data 3"/>
-          <p:cNvSpPr>
-            <a:spLocks noGrp="1"/>
-          </p:cNvSpPr>
-          <p:nvPr>
-            <p:ph type="dt" sz="half" idx="10"/>
-          </p:nvPr>
-        </p:nvSpPr>
-        <p:spPr/>
-        <p:txBody>
-          <a:bodyPr/>
-          <a:lstStyle/>
-          <a:p>
-            <a:r>
-              <a:rPr lang="pt-BR" smtClean="0"/>
-              <a:t>16 de dezembro de 2013</a:t>
-            </a:r>
-            <a:endParaRPr lang="pt-BR"/>
-          </a:p>
-        </p:txBody>
-      </p:sp>
-      <p:sp>
-        <p:nvSpPr>
-          <p:cNvPr id="5" name="Espaço Reservado para Rodapé 4"/>
-          <p:cNvSpPr>
-            <a:spLocks noGrp="1"/>
-          </p:cNvSpPr>
-          <p:nvPr>
-            <p:ph type="ftr" sz="quarter" idx="11"/>
-          </p:nvPr>
-        </p:nvSpPr>
-        <p:spPr/>
-        <p:txBody>
-          <a:bodyPr/>
-          <a:lstStyle/>
-          <a:p>
-            <a:endParaRPr lang="pt-BR"/>
           </a:p>
         </p:txBody>
       </p:sp>
@@ -13282,7 +13868,7 @@
     </p:spTree>
     <p:extLst>
       <p:ext uri="{BB962C8B-B14F-4D97-AF65-F5344CB8AC3E}">
-        <p14:creationId xmlns:p14="http://schemas.microsoft.com/office/powerpoint/2010/main" val="1631175770"/>
+        <p14:creationId xmlns:p14="http://schemas.microsoft.com/office/powerpoint/2010/main" val="1178305631"/>
       </p:ext>
     </p:extLst>
   </p:cSld>
@@ -13333,20 +13919,61 @@
           <a:p>
             <a:r>
               <a:rPr lang="pt-BR" dirty="0" smtClean="0"/>
-              <a:t>Fluxo de Projeto</a:t>
-            </a:r>
+              <a:t>ICAP</a:t>
+            </a:r>
+            <a:endParaRPr lang="pt-BR" dirty="0"/>
+          </a:p>
+        </p:txBody>
+      </p:sp>
+      <p:sp>
+        <p:nvSpPr>
+          <p:cNvPr id="3" name="Espaço Reservado para Conteúdo 2"/>
+          <p:cNvSpPr>
+            <a:spLocks noGrp="1"/>
+          </p:cNvSpPr>
+          <p:nvPr>
+            <p:ph sz="half" idx="1"/>
+          </p:nvPr>
+        </p:nvSpPr>
+        <p:spPr>
+          <a:xfrm>
+            <a:off x="457200" y="1600200"/>
+            <a:ext cx="4762872" cy="4525963"/>
+          </a:xfrm>
+        </p:spPr>
+        <p:txBody>
+          <a:bodyPr/>
+          <a:lstStyle/>
+          <a:p>
+            <a:r>
+              <a:rPr lang="pt-BR" dirty="0" smtClean="0"/>
+              <a:t>Pouquíssima documentação</a:t>
+            </a:r>
+          </a:p>
+          <a:p>
+            <a:r>
+              <a:rPr lang="pt-BR" dirty="0" smtClean="0"/>
+              <a:t>Similar a </a:t>
+            </a:r>
+            <a:r>
+              <a:rPr lang="pt-BR" i="1" dirty="0" err="1" smtClean="0"/>
+              <a:t>SelectMAP</a:t>
+            </a:r>
+            <a:endParaRPr lang="pt-BR" i="1" dirty="0" smtClean="0"/>
+          </a:p>
+          <a:p>
             <a:endParaRPr lang="pt-BR" dirty="0"/>
           </a:p>
         </p:txBody>
       </p:sp>
       <p:pic>
         <p:nvPicPr>
-          <p:cNvPr id="7" name="Espaço Reservado para Conteúdo 6"/>
+          <p:cNvPr id="8" name="Espaço Reservado para Conteúdo 7"/>
           <p:cNvPicPr>
             <a:picLocks noGrp="1" noChangeAspect="1"/>
           </p:cNvPicPr>
           <p:nvPr>
-            <p:ph idx="1"/>
+            <p:ph sz="half" idx="2"/>
           </p:nvPr>
         </p:nvPicPr>
         <p:blipFill>
@@ -13363,14 +13990,14 @@
         </p:blipFill>
         <p:spPr>
           <a:xfrm>
-            <a:off x="457200" y="2945951"/>
-            <a:ext cx="8229600" cy="1834461"/>
+            <a:off x="2850095" y="3284984"/>
+            <a:ext cx="3443810" cy="1577143"/>
           </a:xfrm>
         </p:spPr>
       </p:pic>
       <p:sp>
         <p:nvSpPr>
-          <p:cNvPr id="4" name="Espaço Reservado para Data 3"/>
+          <p:cNvPr id="5" name="Espaço Reservado para Data 4"/>
           <p:cNvSpPr>
             <a:spLocks noGrp="1"/>
           </p:cNvSpPr>
@@ -13393,7 +14020,7 @@
       </p:sp>
       <p:sp>
         <p:nvSpPr>
-          <p:cNvPr id="5" name="Espaço Reservado para Rodapé 4"/>
+          <p:cNvPr id="6" name="Espaço Reservado para Rodapé 5"/>
           <p:cNvSpPr>
             <a:spLocks noGrp="1"/>
           </p:cNvSpPr>
@@ -13408,7 +14035,7 @@
           <a:p>
             <a:r>
               <a:rPr lang="pt-BR" dirty="0" smtClean="0"/>
-              <a:t>Experimento 4</a:t>
+              <a:t>Experimentos</a:t>
             </a:r>
             <a:endParaRPr lang="pt-BR" dirty="0"/>
           </a:p>
@@ -13416,7 +14043,7 @@
       </p:sp>
       <p:sp>
         <p:nvSpPr>
-          <p:cNvPr id="6" name="Espaço Reservado para Número de Slide 5"/>
+          <p:cNvPr id="7" name="Espaço Reservado para Número de Slide 6"/>
           <p:cNvSpPr>
             <a:spLocks noGrp="1"/>
           </p:cNvSpPr>
@@ -13440,7 +14067,7 @@
     </p:spTree>
     <p:extLst>
       <p:ext uri="{BB962C8B-B14F-4D97-AF65-F5344CB8AC3E}">
-        <p14:creationId xmlns:p14="http://schemas.microsoft.com/office/powerpoint/2010/main" val="1178305631"/>
+        <p14:creationId xmlns:p14="http://schemas.microsoft.com/office/powerpoint/2010/main" val="2966039538"/>
       </p:ext>
     </p:extLst>
   </p:cSld>
@@ -13491,7 +14118,7 @@
           <a:p>
             <a:r>
               <a:rPr lang="pt-BR" dirty="0" smtClean="0"/>
-              <a:t>Resultados</a:t>
+              <a:t>Resultado</a:t>
             </a:r>
             <a:endParaRPr lang="pt-BR" dirty="0"/>
           </a:p>
@@ -13817,7 +14444,7 @@
           <a:p>
             <a:r>
               <a:rPr lang="pt-BR" dirty="0" smtClean="0"/>
-              <a:t>Fluxo de Projeto</a:t>
+              <a:t>Arquitetura</a:t>
             </a:r>
             <a:endParaRPr lang="pt-BR" dirty="0"/>
           </a:p>
@@ -13834,7 +14461,7 @@
           </p:nvPr>
         </p:nvPicPr>
         <p:blipFill>
-          <a:blip r:embed="rId3" cstate="print">
+          <a:blip r:embed="rId2">
             <a:extLst>
               <a:ext uri="{28A0092B-C50C-407E-A947-70E740481C1C}">
                 <a14:useLocalDpi xmlns:a14="http://schemas.microsoft.com/office/drawing/2010/main" val="0"/>
@@ -13847,8 +14474,8 @@
         </p:blipFill>
         <p:spPr>
           <a:xfrm>
-            <a:off x="457200" y="2708920"/>
-            <a:ext cx="8229600" cy="1834461"/>
+            <a:off x="1743075" y="2457419"/>
+            <a:ext cx="5657850" cy="2841498"/>
           </a:xfrm>
         </p:spPr>
       </p:pic>
@@ -13894,6 +14521,7 @@
               <a:rPr lang="pt-BR" dirty="0" smtClean="0"/>
               <a:t>Experimento 5</a:t>
             </a:r>
+            <a:endParaRPr lang="pt-BR" dirty="0"/>
           </a:p>
         </p:txBody>
       </p:sp>
@@ -13923,7 +14551,7 @@
     </p:spTree>
     <p:extLst>
       <p:ext uri="{BB962C8B-B14F-4D97-AF65-F5344CB8AC3E}">
-        <p14:creationId xmlns:p14="http://schemas.microsoft.com/office/powerpoint/2010/main" val="1197866311"/>
+        <p14:creationId xmlns:p14="http://schemas.microsoft.com/office/powerpoint/2010/main" val="3694508501"/>
       </p:ext>
     </p:extLst>
   </p:cSld>
@@ -13974,7 +14602,164 @@
           <a:p>
             <a:r>
               <a:rPr lang="pt-BR" dirty="0" smtClean="0"/>
-              <a:t>Resultados</a:t>
+              <a:t>Fluxo de Projeto</a:t>
+            </a:r>
+            <a:endParaRPr lang="pt-BR" dirty="0"/>
+          </a:p>
+        </p:txBody>
+      </p:sp>
+      <p:pic>
+        <p:nvPicPr>
+          <p:cNvPr id="7" name="Espaço Reservado para Conteúdo 6"/>
+          <p:cNvPicPr>
+            <a:picLocks noGrp="1" noChangeAspect="1"/>
+          </p:cNvPicPr>
+          <p:nvPr>
+            <p:ph idx="1"/>
+          </p:nvPr>
+        </p:nvPicPr>
+        <p:blipFill>
+          <a:blip r:embed="rId3" cstate="print">
+            <a:extLst>
+              <a:ext uri="{28A0092B-C50C-407E-A947-70E740481C1C}">
+                <a14:useLocalDpi xmlns:a14="http://schemas.microsoft.com/office/drawing/2010/main" val="0"/>
+              </a:ext>
+            </a:extLst>
+          </a:blip>
+          <a:stretch>
+            <a:fillRect/>
+          </a:stretch>
+        </p:blipFill>
+        <p:spPr>
+          <a:xfrm>
+            <a:off x="457200" y="2708920"/>
+            <a:ext cx="8229600" cy="1834461"/>
+          </a:xfrm>
+        </p:spPr>
+      </p:pic>
+      <p:sp>
+        <p:nvSpPr>
+          <p:cNvPr id="4" name="Espaço Reservado para Data 3"/>
+          <p:cNvSpPr>
+            <a:spLocks noGrp="1"/>
+          </p:cNvSpPr>
+          <p:nvPr>
+            <p:ph type="dt" sz="half" idx="10"/>
+          </p:nvPr>
+        </p:nvSpPr>
+        <p:spPr/>
+        <p:txBody>
+          <a:bodyPr/>
+          <a:lstStyle/>
+          <a:p>
+            <a:r>
+              <a:rPr lang="pt-BR" smtClean="0"/>
+              <a:t>16 de dezembro de 2013</a:t>
+            </a:r>
+            <a:endParaRPr lang="pt-BR"/>
+          </a:p>
+        </p:txBody>
+      </p:sp>
+      <p:sp>
+        <p:nvSpPr>
+          <p:cNvPr id="5" name="Espaço Reservado para Rodapé 4"/>
+          <p:cNvSpPr>
+            <a:spLocks noGrp="1"/>
+          </p:cNvSpPr>
+          <p:nvPr>
+            <p:ph type="ftr" sz="quarter" idx="11"/>
+          </p:nvPr>
+        </p:nvSpPr>
+        <p:spPr/>
+        <p:txBody>
+          <a:bodyPr/>
+          <a:lstStyle/>
+          <a:p>
+            <a:r>
+              <a:rPr lang="pt-BR" dirty="0" smtClean="0"/>
+              <a:t>Experimento 5</a:t>
+            </a:r>
+          </a:p>
+        </p:txBody>
+      </p:sp>
+      <p:sp>
+        <p:nvSpPr>
+          <p:cNvPr id="6" name="Espaço Reservado para Número de Slide 5"/>
+          <p:cNvSpPr>
+            <a:spLocks noGrp="1"/>
+          </p:cNvSpPr>
+          <p:nvPr>
+            <p:ph type="sldNum" sz="quarter" idx="12"/>
+          </p:nvPr>
+        </p:nvSpPr>
+        <p:spPr/>
+        <p:txBody>
+          <a:bodyPr/>
+          <a:lstStyle/>
+          <a:p>
+            <a:fld id="{E15E65B2-3271-4EB1-B955-03EC741CF5EC}" type="slidenum">
+              <a:rPr lang="pt-BR" smtClean="0"/>
+              <a:t>35</a:t>
+            </a:fld>
+            <a:endParaRPr lang="pt-BR"/>
+          </a:p>
+        </p:txBody>
+      </p:sp>
+    </p:spTree>
+    <p:extLst>
+      <p:ext uri="{BB962C8B-B14F-4D97-AF65-F5344CB8AC3E}">
+        <p14:creationId xmlns:p14="http://schemas.microsoft.com/office/powerpoint/2010/main" val="1197866311"/>
+      </p:ext>
+    </p:extLst>
+  </p:cSld>
+  <p:clrMapOvr>
+    <a:masterClrMapping/>
+  </p:clrMapOvr>
+  <p:timing>
+    <p:tnLst>
+      <p:par>
+        <p:cTn id="1" dur="indefinite" restart="never" nodeType="tmRoot"/>
+      </p:par>
+    </p:tnLst>
+  </p:timing>
+</p:sld>
+</file>
+
+<file path=ppt/slides/slide36.xml><?xml version="1.0" encoding="utf-8"?>
+<p:sld xmlns:a="http://schemas.openxmlformats.org/drawingml/2006/main" xmlns:r="http://schemas.openxmlformats.org/officeDocument/2006/relationships" xmlns:p="http://schemas.openxmlformats.org/presentationml/2006/main">
+  <p:cSld>
+    <p:spTree>
+      <p:nvGrpSpPr>
+        <p:cNvPr id="1" name=""/>
+        <p:cNvGrpSpPr/>
+        <p:nvPr/>
+      </p:nvGrpSpPr>
+      <p:grpSpPr>
+        <a:xfrm>
+          <a:off x="0" y="0"/>
+          <a:ext cx="0" cy="0"/>
+          <a:chOff x="0" y="0"/>
+          <a:chExt cx="0" cy="0"/>
+        </a:xfrm>
+      </p:grpSpPr>
+      <p:sp>
+        <p:nvSpPr>
+          <p:cNvPr id="2" name="Título 1"/>
+          <p:cNvSpPr>
+            <a:spLocks noGrp="1"/>
+          </p:cNvSpPr>
+          <p:nvPr>
+            <p:ph type="title"/>
+          </p:nvPr>
+        </p:nvSpPr>
+        <p:spPr/>
+        <p:txBody>
+          <a:bodyPr/>
+          <a:lstStyle/>
+          <a:p>
+            <a:r>
+              <a:rPr lang="pt-BR" dirty="0" smtClean="0"/>
+              <a:t>Resultado</a:t>
             </a:r>
             <a:endParaRPr lang="pt-BR" dirty="0"/>
           </a:p>
@@ -14000,8 +14785,26 @@
             </a:pPr>
             <a:r>
               <a:rPr lang="pt-BR" dirty="0" smtClean="0"/>
-              <a:t>Experimento bem sucedido</a:t>
-            </a:r>
+              <a:t>Experimento bem </a:t>
+            </a:r>
+            <a:r>
+              <a:rPr lang="pt-BR" dirty="0" smtClean="0"/>
+              <a:t>sucedido</a:t>
+            </a:r>
+          </a:p>
+          <a:p>
+            <a:r>
+              <a:rPr lang="pt-BR" dirty="0" smtClean="0"/>
+              <a:t>Entendeu-se o fluxo de projeto completamente</a:t>
+            </a:r>
+          </a:p>
+          <a:p>
+            <a:r>
+              <a:rPr lang="pt-BR" dirty="0" smtClean="0"/>
+              <a:t>Adquiriu-se confiança</a:t>
+            </a:r>
+          </a:p>
+          <a:p>
             <a:endParaRPr lang="pt-BR" dirty="0"/>
           </a:p>
         </p:txBody>
@@ -14097,7 +14900,7 @@
           <a:p>
             <a:fld id="{E15E65B2-3271-4EB1-B955-03EC741CF5EC}" type="slidenum">
               <a:rPr lang="pt-BR" smtClean="0"/>
-              <a:t>35</a:t>
+              <a:t>36</a:t>
             </a:fld>
             <a:endParaRPr lang="pt-BR"/>
           </a:p>
@@ -14153,150 +14956,6 @@
 </p:sld>
 </file>
 
-<file path=ppt/slides/slide36.xml><?xml version="1.0" encoding="utf-8"?>
-<p:sld xmlns:a="http://schemas.openxmlformats.org/drawingml/2006/main" xmlns:r="http://schemas.openxmlformats.org/officeDocument/2006/relationships" xmlns:p="http://schemas.openxmlformats.org/presentationml/2006/main">
-  <p:cSld>
-    <p:spTree>
-      <p:nvGrpSpPr>
-        <p:cNvPr id="1" name=""/>
-        <p:cNvGrpSpPr/>
-        <p:nvPr/>
-      </p:nvGrpSpPr>
-      <p:grpSpPr>
-        <a:xfrm>
-          <a:off x="0" y="0"/>
-          <a:ext cx="0" cy="0"/>
-          <a:chOff x="0" y="0"/>
-          <a:chExt cx="0" cy="0"/>
-        </a:xfrm>
-      </p:grpSpPr>
-      <p:sp>
-        <p:nvSpPr>
-          <p:cNvPr id="2" name="Título 1"/>
-          <p:cNvSpPr>
-            <a:spLocks noGrp="1"/>
-          </p:cNvSpPr>
-          <p:nvPr>
-            <p:ph type="title"/>
-          </p:nvPr>
-        </p:nvSpPr>
-        <p:spPr/>
-        <p:txBody>
-          <a:bodyPr/>
-          <a:lstStyle/>
-          <a:p>
-            <a:r>
-              <a:rPr lang="pt-BR" dirty="0" smtClean="0"/>
-              <a:t>Resultados Gerais</a:t>
-            </a:r>
-            <a:endParaRPr lang="pt-BR" dirty="0"/>
-          </a:p>
-        </p:txBody>
-      </p:sp>
-      <p:sp>
-        <p:nvSpPr>
-          <p:cNvPr id="7" name="Espaço Reservado para Texto 6"/>
-          <p:cNvSpPr>
-            <a:spLocks noGrp="1"/>
-          </p:cNvSpPr>
-          <p:nvPr>
-            <p:ph type="body" idx="1"/>
-          </p:nvPr>
-        </p:nvSpPr>
-        <p:spPr/>
-        <p:txBody>
-          <a:bodyPr/>
-          <a:lstStyle/>
-          <a:p>
-            <a:endParaRPr lang="pt-BR"/>
-          </a:p>
-        </p:txBody>
-      </p:sp>
-      <p:sp>
-        <p:nvSpPr>
-          <p:cNvPr id="4" name="Espaço Reservado para Data 3"/>
-          <p:cNvSpPr>
-            <a:spLocks noGrp="1"/>
-          </p:cNvSpPr>
-          <p:nvPr>
-            <p:ph type="dt" sz="half" idx="10"/>
-          </p:nvPr>
-        </p:nvSpPr>
-        <p:spPr/>
-        <p:txBody>
-          <a:bodyPr/>
-          <a:lstStyle/>
-          <a:p>
-            <a:r>
-              <a:rPr lang="pt-BR" smtClean="0"/>
-              <a:t>16 de dezembro de 2013</a:t>
-            </a:r>
-            <a:endParaRPr lang="pt-BR"/>
-          </a:p>
-        </p:txBody>
-      </p:sp>
-      <p:sp>
-        <p:nvSpPr>
-          <p:cNvPr id="5" name="Espaço Reservado para Rodapé 4"/>
-          <p:cNvSpPr>
-            <a:spLocks noGrp="1"/>
-          </p:cNvSpPr>
-          <p:nvPr>
-            <p:ph type="ftr" sz="quarter" idx="11"/>
-          </p:nvPr>
-        </p:nvSpPr>
-        <p:spPr/>
-        <p:txBody>
-          <a:bodyPr/>
-          <a:lstStyle/>
-          <a:p>
-            <a:endParaRPr lang="pt-BR"/>
-          </a:p>
-        </p:txBody>
-      </p:sp>
-      <p:sp>
-        <p:nvSpPr>
-          <p:cNvPr id="6" name="Espaço Reservado para Número de Slide 5"/>
-          <p:cNvSpPr>
-            <a:spLocks noGrp="1"/>
-          </p:cNvSpPr>
-          <p:nvPr>
-            <p:ph type="sldNum" sz="quarter" idx="12"/>
-          </p:nvPr>
-        </p:nvSpPr>
-        <p:spPr/>
-        <p:txBody>
-          <a:bodyPr/>
-          <a:lstStyle/>
-          <a:p>
-            <a:fld id="{E15E65B2-3271-4EB1-B955-03EC741CF5EC}" type="slidenum">
-              <a:rPr lang="pt-BR" smtClean="0"/>
-              <a:t>36</a:t>
-            </a:fld>
-            <a:endParaRPr lang="pt-BR"/>
-          </a:p>
-        </p:txBody>
-      </p:sp>
-    </p:spTree>
-    <p:extLst>
-      <p:ext uri="{BB962C8B-B14F-4D97-AF65-F5344CB8AC3E}">
-        <p14:creationId xmlns:p14="http://schemas.microsoft.com/office/powerpoint/2010/main" val="3117479486"/>
-      </p:ext>
-    </p:extLst>
-  </p:cSld>
-  <p:clrMapOvr>
-    <a:masterClrMapping/>
-  </p:clrMapOvr>
-  <p:timing>
-    <p:tnLst>
-      <p:par>
-        <p:cTn id="1" dur="indefinite" restart="never" nodeType="tmRoot"/>
-      </p:par>
-    </p:tnLst>
-  </p:timing>
-</p:sld>
-</file>
-
 <file path=ppt/slides/slide37.xml><?xml version="1.0" encoding="utf-8"?>
 <p:sld xmlns:a="http://schemas.openxmlformats.org/drawingml/2006/main" xmlns:r="http://schemas.openxmlformats.org/officeDocument/2006/relationships" xmlns:p="http://schemas.openxmlformats.org/presentationml/2006/main">
   <p:cSld>
@@ -14331,7 +14990,7 @@
           <a:p>
             <a:r>
               <a:rPr lang="pt-BR" dirty="0" smtClean="0"/>
-              <a:t>Problemas</a:t>
+              <a:t>Resultados Gerais</a:t>
             </a:r>
             <a:endParaRPr lang="pt-BR" dirty="0"/>
           </a:p>
@@ -14339,79 +14998,20 @@
       </p:sp>
       <p:sp>
         <p:nvSpPr>
-          <p:cNvPr id="3" name="Espaço Reservado para Conteúdo 2"/>
-          <p:cNvSpPr>
-            <a:spLocks noGrp="1"/>
-          </p:cNvSpPr>
-          <p:nvPr>
-            <p:ph idx="1"/>
-          </p:nvPr>
-        </p:nvSpPr>
-        <p:spPr/>
-        <p:txBody>
-          <a:bodyPr/>
-          <a:lstStyle/>
-          <a:p>
-            <a:r>
-              <a:rPr lang="pt-BR" dirty="0" smtClean="0"/>
-              <a:t>Análise de </a:t>
-            </a:r>
-            <a:r>
-              <a:rPr lang="pt-BR" i="1" dirty="0"/>
-              <a:t>t</a:t>
-            </a:r>
-            <a:r>
-              <a:rPr lang="pt-BR" i="1" dirty="0" smtClean="0"/>
-              <a:t>iming</a:t>
-            </a:r>
-          </a:p>
-          <a:p>
-            <a:r>
-              <a:rPr lang="pt-BR" dirty="0" smtClean="0"/>
-              <a:t>Quantidade de recursos</a:t>
-            </a:r>
-          </a:p>
-          <a:p>
-            <a:r>
-              <a:rPr lang="pt-BR" dirty="0" smtClean="0"/>
-              <a:t>Alocação da partição</a:t>
-            </a:r>
-          </a:p>
-          <a:p>
-            <a:r>
-              <a:rPr lang="pt-BR" dirty="0" smtClean="0"/>
-              <a:t>Configurações/Propriedades </a:t>
-            </a:r>
-            <a:r>
-              <a:rPr lang="pt-BR" dirty="0" smtClean="0"/>
-              <a:t>da </a:t>
-            </a:r>
-            <a:r>
-              <a:rPr lang="pt-BR" dirty="0" smtClean="0"/>
-              <a:t>partição</a:t>
-            </a:r>
-          </a:p>
-          <a:p>
-            <a:r>
-              <a:rPr lang="pt-BR" dirty="0" smtClean="0"/>
-              <a:t>Inversão de bits</a:t>
-            </a:r>
-            <a:endParaRPr lang="pt-BR" dirty="0" smtClean="0"/>
-          </a:p>
-          <a:p>
-            <a:r>
-              <a:rPr lang="pt-BR" dirty="0" smtClean="0"/>
-              <a:t>Tamanho da memória local do MicroBlaze</a:t>
-            </a:r>
-          </a:p>
-          <a:p>
-            <a:r>
-              <a:rPr lang="pt-BR" dirty="0" smtClean="0"/>
-              <a:t>Falta de documentação</a:t>
-            </a:r>
-          </a:p>
-          <a:p>
-            <a:endParaRPr lang="pt-BR" dirty="0"/>
+          <p:cNvPr id="7" name="Espaço Reservado para Texto 6"/>
+          <p:cNvSpPr>
+            <a:spLocks noGrp="1"/>
+          </p:cNvSpPr>
+          <p:nvPr>
+            <p:ph type="body" idx="1"/>
+          </p:nvPr>
+        </p:nvSpPr>
+        <p:spPr/>
+        <p:txBody>
+          <a:bodyPr/>
+          <a:lstStyle/>
+          <a:p>
+            <a:endParaRPr lang="pt-BR"/>
           </a:p>
         </p:txBody>
       </p:sp>
@@ -14453,10 +15053,7 @@
           <a:bodyPr/>
           <a:lstStyle/>
           <a:p>
-            <a:r>
-              <a:rPr lang="pt-BR" dirty="0" smtClean="0"/>
-              <a:t>Resultados</a:t>
-            </a:r>
+            <a:endParaRPr lang="pt-BR"/>
           </a:p>
         </p:txBody>
       </p:sp>
@@ -14486,7 +15083,7 @@
     </p:spTree>
     <p:extLst>
       <p:ext uri="{BB962C8B-B14F-4D97-AF65-F5344CB8AC3E}">
-        <p14:creationId xmlns:p14="http://schemas.microsoft.com/office/powerpoint/2010/main" val="179386271"/>
+        <p14:creationId xmlns:p14="http://schemas.microsoft.com/office/powerpoint/2010/main" val="3117479486"/>
       </p:ext>
     </p:extLst>
   </p:cSld>
@@ -14537,41 +15134,90 @@
           <a:p>
             <a:r>
               <a:rPr lang="pt-BR" dirty="0" smtClean="0"/>
-              <a:t>Fluxo de Projeto Final</a:t>
+              <a:t>Problemas</a:t>
             </a:r>
             <a:endParaRPr lang="pt-BR" dirty="0"/>
           </a:p>
         </p:txBody>
       </p:sp>
-      <p:pic>
-        <p:nvPicPr>
-          <p:cNvPr id="7" name="Espaço Reservado para Conteúdo 6"/>
-          <p:cNvPicPr>
-            <a:picLocks noGrp="1" noChangeAspect="1"/>
-          </p:cNvPicPr>
+      <p:sp>
+        <p:nvSpPr>
+          <p:cNvPr id="3" name="Espaço Reservado para Conteúdo 2"/>
+          <p:cNvSpPr>
+            <a:spLocks noGrp="1"/>
+          </p:cNvSpPr>
           <p:nvPr>
             <p:ph idx="1"/>
           </p:nvPr>
-        </p:nvPicPr>
-        <p:blipFill>
-          <a:blip r:embed="rId3" cstate="print">
-            <a:extLst>
-              <a:ext uri="{28A0092B-C50C-407E-A947-70E740481C1C}">
-                <a14:useLocalDpi xmlns:a14="http://schemas.microsoft.com/office/drawing/2010/main" val="0"/>
-              </a:ext>
-            </a:extLst>
-          </a:blip>
-          <a:stretch>
-            <a:fillRect/>
-          </a:stretch>
-        </p:blipFill>
-        <p:spPr>
-          <a:xfrm>
-            <a:off x="1682925" y="1269320"/>
-            <a:ext cx="5778151" cy="5040000"/>
-          </a:xfrm>
-        </p:spPr>
-      </p:pic>
+        </p:nvSpPr>
+        <p:spPr/>
+        <p:txBody>
+          <a:bodyPr/>
+          <a:lstStyle/>
+          <a:p>
+            <a:r>
+              <a:rPr lang="pt-BR" dirty="0" smtClean="0"/>
+              <a:t>Análise de </a:t>
+            </a:r>
+            <a:r>
+              <a:rPr lang="pt-BR" i="1" dirty="0"/>
+              <a:t>t</a:t>
+            </a:r>
+            <a:r>
+              <a:rPr lang="pt-BR" i="1" dirty="0" smtClean="0"/>
+              <a:t>iming</a:t>
+            </a:r>
+          </a:p>
+          <a:p>
+            <a:r>
+              <a:rPr lang="pt-BR" dirty="0" smtClean="0"/>
+              <a:t>Quantidade de recursos</a:t>
+            </a:r>
+          </a:p>
+          <a:p>
+            <a:r>
+              <a:rPr lang="pt-BR" dirty="0" smtClean="0"/>
+              <a:t>Alocação da partição</a:t>
+            </a:r>
+          </a:p>
+          <a:p>
+            <a:r>
+              <a:rPr lang="pt-BR" dirty="0" smtClean="0"/>
+              <a:t>Configurações/Propriedades </a:t>
+            </a:r>
+            <a:r>
+              <a:rPr lang="pt-BR" dirty="0" smtClean="0"/>
+              <a:t>da </a:t>
+            </a:r>
+            <a:r>
+              <a:rPr lang="pt-BR" dirty="0" smtClean="0"/>
+              <a:t>partição</a:t>
+            </a:r>
+          </a:p>
+          <a:p>
+            <a:r>
+              <a:rPr lang="pt-BR" dirty="0" smtClean="0"/>
+              <a:t>Inversão de bits</a:t>
+            </a:r>
+            <a:endParaRPr lang="pt-BR" dirty="0" smtClean="0"/>
+          </a:p>
+          <a:p>
+            <a:r>
+              <a:rPr lang="pt-BR" dirty="0" smtClean="0"/>
+              <a:t>Tamanho da memória local do MicroBlaze</a:t>
+            </a:r>
+          </a:p>
+          <a:p>
+            <a:r>
+              <a:rPr lang="pt-BR" dirty="0" smtClean="0"/>
+              <a:t>Falta de documentação</a:t>
+            </a:r>
+          </a:p>
+          <a:p>
+            <a:endParaRPr lang="pt-BR" dirty="0"/>
+          </a:p>
+        </p:txBody>
+      </p:sp>
       <p:sp>
         <p:nvSpPr>
           <p:cNvPr id="4" name="Espaço Reservado para Data 3"/>
@@ -14614,7 +15260,6 @@
               <a:rPr lang="pt-BR" dirty="0" smtClean="0"/>
               <a:t>Resultados</a:t>
             </a:r>
-            <a:endParaRPr lang="pt-BR" dirty="0"/>
           </a:p>
         </p:txBody>
       </p:sp>
@@ -14644,7 +15289,7 @@
     </p:spTree>
     <p:extLst>
       <p:ext uri="{BB962C8B-B14F-4D97-AF65-F5344CB8AC3E}">
-        <p14:creationId xmlns:p14="http://schemas.microsoft.com/office/powerpoint/2010/main" val="942896521"/>
+        <p14:creationId xmlns:p14="http://schemas.microsoft.com/office/powerpoint/2010/main" val="179386271"/>
       </p:ext>
     </p:extLst>
   </p:cSld>
@@ -14695,21 +15340,73 @@
           <a:p>
             <a:r>
               <a:rPr lang="pt-BR" dirty="0" smtClean="0"/>
-              <a:t>Conclusão</a:t>
+              <a:t>Fluxo de Projeto Final</a:t>
             </a:r>
             <a:endParaRPr lang="pt-BR" dirty="0"/>
           </a:p>
         </p:txBody>
       </p:sp>
-      <p:sp>
-        <p:nvSpPr>
-          <p:cNvPr id="3" name="Espaço Reservado para Conteúdo 2"/>
-          <p:cNvSpPr>
-            <a:spLocks noGrp="1"/>
-          </p:cNvSpPr>
+      <p:pic>
+        <p:nvPicPr>
+          <p:cNvPr id="7" name="Espaço Reservado para Conteúdo 6"/>
+          <p:cNvPicPr>
+            <a:picLocks noGrp="1" noChangeAspect="1"/>
+          </p:cNvPicPr>
           <p:nvPr>
             <p:ph idx="1"/>
           </p:nvPr>
+        </p:nvPicPr>
+        <p:blipFill>
+          <a:blip r:embed="rId3" cstate="print">
+            <a:extLst>
+              <a:ext uri="{28A0092B-C50C-407E-A947-70E740481C1C}">
+                <a14:useLocalDpi xmlns:a14="http://schemas.microsoft.com/office/drawing/2010/main" val="0"/>
+              </a:ext>
+            </a:extLst>
+          </a:blip>
+          <a:stretch>
+            <a:fillRect/>
+          </a:stretch>
+        </p:blipFill>
+        <p:spPr>
+          <a:xfrm>
+            <a:off x="1682925" y="1269320"/>
+            <a:ext cx="5778151" cy="5040000"/>
+          </a:xfrm>
+        </p:spPr>
+      </p:pic>
+      <p:sp>
+        <p:nvSpPr>
+          <p:cNvPr id="4" name="Espaço Reservado para Data 3"/>
+          <p:cNvSpPr>
+            <a:spLocks noGrp="1"/>
+          </p:cNvSpPr>
+          <p:nvPr>
+            <p:ph type="dt" sz="half" idx="10"/>
+          </p:nvPr>
+        </p:nvSpPr>
+        <p:spPr/>
+        <p:txBody>
+          <a:bodyPr/>
+          <a:lstStyle/>
+          <a:p>
+            <a:r>
+              <a:rPr lang="pt-BR" smtClean="0"/>
+              <a:t>16 de dezembro de 2013</a:t>
+            </a:r>
+            <a:endParaRPr lang="pt-BR"/>
+          </a:p>
+        </p:txBody>
+      </p:sp>
+      <p:sp>
+        <p:nvSpPr>
+          <p:cNvPr id="5" name="Espaço Reservado para Rodapé 4"/>
+          <p:cNvSpPr>
+            <a:spLocks noGrp="1"/>
+          </p:cNvSpPr>
+          <p:nvPr>
+            <p:ph type="ftr" sz="quarter" idx="11"/>
+          </p:nvPr>
         </p:nvSpPr>
         <p:spPr/>
         <p:txBody>
@@ -14718,74 +15415,9 @@
           <a:p>
             <a:r>
               <a:rPr lang="pt-BR" dirty="0" smtClean="0"/>
-              <a:t>MicroBlaze</a:t>
-            </a:r>
-          </a:p>
-          <a:p>
-            <a:pPr lvl="1"/>
-            <a:r>
-              <a:rPr lang="pt-BR" dirty="0" smtClean="0"/>
-              <a:t>Memórias</a:t>
-            </a:r>
-          </a:p>
-          <a:p>
-            <a:pPr lvl="1"/>
-            <a:r>
-              <a:rPr lang="pt-BR" dirty="0" smtClean="0"/>
-              <a:t>Periféricos customizados</a:t>
-            </a:r>
-          </a:p>
-          <a:p>
-            <a:r>
-              <a:rPr lang="pt-BR" dirty="0" smtClean="0"/>
-              <a:t>Autorreconfiguração através do MicroBlaze</a:t>
+              <a:t>Resultados</a:t>
             </a:r>
             <a:endParaRPr lang="pt-BR" dirty="0"/>
-          </a:p>
-          <a:p>
-            <a:endParaRPr lang="pt-BR" dirty="0"/>
-          </a:p>
-        </p:txBody>
-      </p:sp>
-      <p:sp>
-        <p:nvSpPr>
-          <p:cNvPr id="4" name="Espaço Reservado para Data 3"/>
-          <p:cNvSpPr>
-            <a:spLocks noGrp="1"/>
-          </p:cNvSpPr>
-          <p:nvPr>
-            <p:ph type="dt" sz="half" idx="10"/>
-          </p:nvPr>
-        </p:nvSpPr>
-        <p:spPr/>
-        <p:txBody>
-          <a:bodyPr/>
-          <a:lstStyle/>
-          <a:p>
-            <a:r>
-              <a:rPr lang="pt-BR" smtClean="0"/>
-              <a:t>16 de dezembro de 2013</a:t>
-            </a:r>
-            <a:endParaRPr lang="pt-BR"/>
-          </a:p>
-        </p:txBody>
-      </p:sp>
-      <p:sp>
-        <p:nvSpPr>
-          <p:cNvPr id="5" name="Espaço Reservado para Rodapé 4"/>
-          <p:cNvSpPr>
-            <a:spLocks noGrp="1"/>
-          </p:cNvSpPr>
-          <p:nvPr>
-            <p:ph type="ftr" sz="quarter" idx="11"/>
-          </p:nvPr>
-        </p:nvSpPr>
-        <p:spPr/>
-        <p:txBody>
-          <a:bodyPr/>
-          <a:lstStyle/>
-          <a:p>
-            <a:endParaRPr lang="pt-BR"/>
           </a:p>
         </p:txBody>
       </p:sp>
@@ -14815,7 +15447,7 @@
     </p:spTree>
     <p:extLst>
       <p:ext uri="{BB962C8B-B14F-4D97-AF65-F5344CB8AC3E}">
-        <p14:creationId xmlns:p14="http://schemas.microsoft.com/office/powerpoint/2010/main" val="356155338"/>
+        <p14:creationId xmlns:p14="http://schemas.microsoft.com/office/powerpoint/2010/main" val="942896521"/>
       </p:ext>
     </p:extLst>
   </p:cSld>
@@ -15024,6 +15656,177 @@
           <a:p>
             <a:r>
               <a:rPr lang="pt-BR" dirty="0" smtClean="0"/>
+              <a:t>Conclusão</a:t>
+            </a:r>
+            <a:endParaRPr lang="pt-BR" dirty="0"/>
+          </a:p>
+        </p:txBody>
+      </p:sp>
+      <p:sp>
+        <p:nvSpPr>
+          <p:cNvPr id="3" name="Espaço Reservado para Conteúdo 2"/>
+          <p:cNvSpPr>
+            <a:spLocks noGrp="1"/>
+          </p:cNvSpPr>
+          <p:nvPr>
+            <p:ph idx="1"/>
+          </p:nvPr>
+        </p:nvSpPr>
+        <p:spPr/>
+        <p:txBody>
+          <a:bodyPr/>
+          <a:lstStyle/>
+          <a:p>
+            <a:r>
+              <a:rPr lang="pt-BR" dirty="0" smtClean="0"/>
+              <a:t>MicroBlaze</a:t>
+            </a:r>
+          </a:p>
+          <a:p>
+            <a:pPr lvl="1"/>
+            <a:r>
+              <a:rPr lang="pt-BR" dirty="0" smtClean="0"/>
+              <a:t>Memórias</a:t>
+            </a:r>
+          </a:p>
+          <a:p>
+            <a:pPr lvl="1"/>
+            <a:r>
+              <a:rPr lang="pt-BR" dirty="0" smtClean="0"/>
+              <a:t>Periféricos customizados</a:t>
+            </a:r>
+          </a:p>
+          <a:p>
+            <a:r>
+              <a:rPr lang="pt-BR" dirty="0" smtClean="0"/>
+              <a:t>Autorreconfiguração através do MicroBlaze</a:t>
+            </a:r>
+            <a:endParaRPr lang="pt-BR" dirty="0"/>
+          </a:p>
+          <a:p>
+            <a:endParaRPr lang="pt-BR" dirty="0"/>
+          </a:p>
+        </p:txBody>
+      </p:sp>
+      <p:sp>
+        <p:nvSpPr>
+          <p:cNvPr id="4" name="Espaço Reservado para Data 3"/>
+          <p:cNvSpPr>
+            <a:spLocks noGrp="1"/>
+          </p:cNvSpPr>
+          <p:nvPr>
+            <p:ph type="dt" sz="half" idx="10"/>
+          </p:nvPr>
+        </p:nvSpPr>
+        <p:spPr/>
+        <p:txBody>
+          <a:bodyPr/>
+          <a:lstStyle/>
+          <a:p>
+            <a:r>
+              <a:rPr lang="pt-BR" smtClean="0"/>
+              <a:t>16 de dezembro de 2013</a:t>
+            </a:r>
+            <a:endParaRPr lang="pt-BR"/>
+          </a:p>
+        </p:txBody>
+      </p:sp>
+      <p:sp>
+        <p:nvSpPr>
+          <p:cNvPr id="5" name="Espaço Reservado para Rodapé 4"/>
+          <p:cNvSpPr>
+            <a:spLocks noGrp="1"/>
+          </p:cNvSpPr>
+          <p:nvPr>
+            <p:ph type="ftr" sz="quarter" idx="11"/>
+          </p:nvPr>
+        </p:nvSpPr>
+        <p:spPr/>
+        <p:txBody>
+          <a:bodyPr/>
+          <a:lstStyle/>
+          <a:p>
+            <a:endParaRPr lang="pt-BR"/>
+          </a:p>
+        </p:txBody>
+      </p:sp>
+      <p:sp>
+        <p:nvSpPr>
+          <p:cNvPr id="6" name="Espaço Reservado para Número de Slide 5"/>
+          <p:cNvSpPr>
+            <a:spLocks noGrp="1"/>
+          </p:cNvSpPr>
+          <p:nvPr>
+            <p:ph type="sldNum" sz="quarter" idx="12"/>
+          </p:nvPr>
+        </p:nvSpPr>
+        <p:spPr/>
+        <p:txBody>
+          <a:bodyPr/>
+          <a:lstStyle/>
+          <a:p>
+            <a:fld id="{E15E65B2-3271-4EB1-B955-03EC741CF5EC}" type="slidenum">
+              <a:rPr lang="pt-BR" smtClean="0"/>
+              <a:t>40</a:t>
+            </a:fld>
+            <a:endParaRPr lang="pt-BR"/>
+          </a:p>
+        </p:txBody>
+      </p:sp>
+    </p:spTree>
+    <p:extLst>
+      <p:ext uri="{BB962C8B-B14F-4D97-AF65-F5344CB8AC3E}">
+        <p14:creationId xmlns:p14="http://schemas.microsoft.com/office/powerpoint/2010/main" val="356155338"/>
+      </p:ext>
+    </p:extLst>
+  </p:cSld>
+  <p:clrMapOvr>
+    <a:masterClrMapping/>
+  </p:clrMapOvr>
+  <p:timing>
+    <p:tnLst>
+      <p:par>
+        <p:cTn id="1" dur="indefinite" restart="never" nodeType="tmRoot"/>
+      </p:par>
+    </p:tnLst>
+  </p:timing>
+</p:sld>
+</file>
+
+<file path=ppt/slides/slide41.xml><?xml version="1.0" encoding="utf-8"?>
+<p:sld xmlns:a="http://schemas.openxmlformats.org/drawingml/2006/main" xmlns:r="http://schemas.openxmlformats.org/officeDocument/2006/relationships" xmlns:p="http://schemas.openxmlformats.org/presentationml/2006/main">
+  <p:cSld>
+    <p:spTree>
+      <p:nvGrpSpPr>
+        <p:cNvPr id="1" name=""/>
+        <p:cNvGrpSpPr/>
+        <p:nvPr/>
+      </p:nvGrpSpPr>
+      <p:grpSpPr>
+        <a:xfrm>
+          <a:off x="0" y="0"/>
+          <a:ext cx="0" cy="0"/>
+          <a:chOff x="0" y="0"/>
+          <a:chExt cx="0" cy="0"/>
+        </a:xfrm>
+      </p:grpSpPr>
+      <p:sp>
+        <p:nvSpPr>
+          <p:cNvPr id="2" name="Título 1"/>
+          <p:cNvSpPr>
+            <a:spLocks noGrp="1"/>
+          </p:cNvSpPr>
+          <p:nvPr>
+            <p:ph type="title"/>
+          </p:nvPr>
+        </p:nvSpPr>
+        <p:spPr/>
+        <p:txBody>
+          <a:bodyPr/>
+          <a:lstStyle/>
+          <a:p>
+            <a:r>
+              <a:rPr lang="pt-BR" dirty="0" smtClean="0"/>
               <a:t>Propostas</a:t>
             </a:r>
             <a:endParaRPr lang="pt-BR" dirty="0"/>
@@ -15153,7 +15956,7 @@
           <a:p>
             <a:fld id="{E15E65B2-3271-4EB1-B955-03EC741CF5EC}" type="slidenum">
               <a:rPr lang="pt-BR" smtClean="0"/>
-              <a:t>40</a:t>
+              <a:t>41</a:t>
             </a:fld>
             <a:endParaRPr lang="pt-BR"/>
           </a:p>
@@ -15368,7 +16171,7 @@
           <a:p>
             <a:r>
               <a:rPr lang="pt-BR" dirty="0" smtClean="0"/>
-              <a:t>FPGA</a:t>
+              <a:t>Motivação</a:t>
             </a:r>
             <a:endParaRPr lang="pt-BR" dirty="0"/>
           </a:p>
@@ -15443,39 +16246,59 @@
           </a:p>
         </p:txBody>
       </p:sp>
-      <p:pic>
-        <p:nvPicPr>
-          <p:cNvPr id="10" name="Espaço Reservado para Conteúdo 9"/>
-          <p:cNvPicPr>
-            <a:picLocks noGrp="1" noChangeAspect="1"/>
-          </p:cNvPicPr>
+      <p:sp>
+        <p:nvSpPr>
+          <p:cNvPr id="3" name="Espaço Reservado para Conteúdo 2"/>
+          <p:cNvSpPr>
+            <a:spLocks noGrp="1"/>
+          </p:cNvSpPr>
           <p:nvPr>
             <p:ph idx="1"/>
           </p:nvPr>
-        </p:nvPicPr>
-        <p:blipFill>
-          <a:blip r:embed="rId3">
-            <a:extLst>
-              <a:ext uri="{28A0092B-C50C-407E-A947-70E740481C1C}">
-                <a14:useLocalDpi xmlns:a14="http://schemas.microsoft.com/office/drawing/2010/main" val="0"/>
-              </a:ext>
-            </a:extLst>
-          </a:blip>
-          <a:stretch>
-            <a:fillRect/>
-          </a:stretch>
-        </p:blipFill>
-        <p:spPr>
-          <a:xfrm>
-            <a:off x="1141797" y="1600200"/>
-            <a:ext cx="6860406" cy="4525963"/>
-          </a:xfrm>
-        </p:spPr>
-      </p:pic>
+        </p:nvSpPr>
+        <p:spPr/>
+        <p:txBody>
+          <a:bodyPr/>
+          <a:lstStyle/>
+          <a:p>
+            <a:r>
+              <a:rPr lang="pt-BR" dirty="0" smtClean="0"/>
+              <a:t>Novas possibilidades de soluções</a:t>
+            </a:r>
+          </a:p>
+          <a:p>
+            <a:r>
+              <a:rPr lang="pt-BR" dirty="0" smtClean="0"/>
+              <a:t>Mais problemas resolvidos</a:t>
+            </a:r>
+          </a:p>
+          <a:p>
+            <a:r>
+              <a:rPr lang="pt-BR" dirty="0" smtClean="0"/>
+              <a:t>A tecnologia representa o estado da arte</a:t>
+            </a:r>
+          </a:p>
+          <a:p>
+            <a:endParaRPr lang="pt-BR" dirty="0"/>
+          </a:p>
+          <a:p>
+            <a:r>
+              <a:rPr lang="pt-BR" dirty="0" smtClean="0"/>
+              <a:t>Pouca documentação</a:t>
+            </a:r>
+          </a:p>
+          <a:p>
+            <a:endParaRPr lang="pt-BR" u="sng" dirty="0" smtClean="0"/>
+          </a:p>
+          <a:p>
+            <a:endParaRPr lang="pt-BR" dirty="0"/>
+          </a:p>
+        </p:txBody>
+      </p:sp>
     </p:spTree>
     <p:extLst>
       <p:ext uri="{BB962C8B-B14F-4D97-AF65-F5344CB8AC3E}">
-        <p14:creationId xmlns:p14="http://schemas.microsoft.com/office/powerpoint/2010/main" val="1223246491"/>
+        <p14:creationId xmlns:p14="http://schemas.microsoft.com/office/powerpoint/2010/main" val="4018575002"/>
       </p:ext>
     </p:extLst>
   </p:cSld>
@@ -15528,7 +16351,7 @@
           <a:p>
             <a:r>
               <a:rPr lang="pt-BR" dirty="0" smtClean="0"/>
-              <a:t>Compilação</a:t>
+              <a:t>Metodologia</a:t>
             </a:r>
             <a:endParaRPr lang="pt-BR" dirty="0"/>
           </a:p>
@@ -15603,39 +16426,63 @@
           </a:p>
         </p:txBody>
       </p:sp>
-      <p:pic>
-        <p:nvPicPr>
-          <p:cNvPr id="7" name="Espaço Reservado para Conteúdo 6"/>
-          <p:cNvPicPr>
-            <a:picLocks noGrp="1" noChangeAspect="1"/>
-          </p:cNvPicPr>
+      <p:sp>
+        <p:nvSpPr>
+          <p:cNvPr id="3" name="Espaço Reservado para Conteúdo 2"/>
+          <p:cNvSpPr>
+            <a:spLocks noGrp="1"/>
+          </p:cNvSpPr>
           <p:nvPr>
             <p:ph idx="1"/>
           </p:nvPr>
-        </p:nvPicPr>
-        <p:blipFill>
-          <a:blip r:embed="rId3" cstate="print">
-            <a:extLst>
-              <a:ext uri="{28A0092B-C50C-407E-A947-70E740481C1C}">
-                <a14:useLocalDpi xmlns:a14="http://schemas.microsoft.com/office/drawing/2010/main" val="0"/>
-              </a:ext>
-            </a:extLst>
-          </a:blip>
-          <a:stretch>
-            <a:fillRect/>
-          </a:stretch>
-        </p:blipFill>
-        <p:spPr>
-          <a:xfrm>
-            <a:off x="2915816" y="1340768"/>
-            <a:ext cx="4090980" cy="5040000"/>
-          </a:xfrm>
-        </p:spPr>
-      </p:pic>
+        </p:nvSpPr>
+        <p:spPr/>
+        <p:txBody>
+          <a:bodyPr/>
+          <a:lstStyle/>
+          <a:p>
+            <a:r>
+              <a:rPr lang="pt-BR" dirty="0" smtClean="0"/>
+              <a:t>Objetivos específicos</a:t>
+            </a:r>
+          </a:p>
+          <a:p>
+            <a:r>
+              <a:rPr lang="pt-BR" dirty="0" smtClean="0"/>
+              <a:t>Estudo	</a:t>
+            </a:r>
+          </a:p>
+          <a:p>
+            <a:pPr lvl="1"/>
+            <a:r>
+              <a:rPr lang="pt-BR" dirty="0" smtClean="0"/>
+              <a:t>Ferramentas, periféricos, componentes, arquiteturas...</a:t>
+            </a:r>
+          </a:p>
+          <a:p>
+            <a:r>
+              <a:rPr lang="pt-BR" dirty="0" smtClean="0"/>
+              <a:t>Fluxo de Projeto</a:t>
+            </a:r>
+          </a:p>
+          <a:p>
+            <a:r>
+              <a:rPr lang="pt-BR" dirty="0" smtClean="0"/>
+              <a:t>Resultados e Conclusão*</a:t>
+            </a:r>
+          </a:p>
+          <a:p>
+            <a:endParaRPr lang="pt-BR" u="sng" dirty="0" smtClean="0"/>
+          </a:p>
+          <a:p>
+            <a:endParaRPr lang="pt-BR" dirty="0"/>
+          </a:p>
+        </p:txBody>
+      </p:sp>
     </p:spTree>
     <p:extLst>
       <p:ext uri="{BB962C8B-B14F-4D97-AF65-F5344CB8AC3E}">
-        <p14:creationId xmlns:p14="http://schemas.microsoft.com/office/powerpoint/2010/main" val="2962977734"/>
+        <p14:creationId xmlns:p14="http://schemas.microsoft.com/office/powerpoint/2010/main" val="1938701069"/>
       </p:ext>
     </p:extLst>
   </p:cSld>
@@ -15831,8 +16678,8 @@
           <a:lstStyle/>
           <a:p>
             <a:r>
-              <a:rPr lang="pt-BR" dirty="0" smtClean="0"/>
-              <a:t>Estado da arte</a:t>
+              <a:rPr lang="pt-BR" smtClean="0"/>
+              <a:t>Reconfiguração</a:t>
             </a:r>
             <a:endParaRPr lang="pt-BR" dirty="0"/>
           </a:p>
@@ -15853,71 +16700,61 @@
           <a:bodyPr/>
           <a:lstStyle/>
           <a:p>
-            <a:r>
-              <a:rPr lang="pt-BR" sz="2600" dirty="0" smtClean="0"/>
-              <a:t>Apresenta o uso da tecnologia em diferentes aplicações</a:t>
-            </a:r>
-          </a:p>
-          <a:p>
-            <a:pPr marL="0" indent="0">
-              <a:buNone/>
-            </a:pPr>
+            <a:endParaRPr lang="pt-BR" smtClean="0"/>
+          </a:p>
+          <a:p>
+            <a:endParaRPr lang="pt-BR" dirty="0" smtClean="0"/>
+          </a:p>
+        </p:txBody>
+      </p:sp>
+      <p:sp>
+        <p:nvSpPr>
+          <p:cNvPr id="4" name="Espaço Reservado para Data 3"/>
+          <p:cNvSpPr>
+            <a:spLocks noGrp="1"/>
+          </p:cNvSpPr>
+          <p:nvPr>
+            <p:ph type="dt" sz="half" idx="10"/>
+          </p:nvPr>
+        </p:nvSpPr>
+        <p:spPr/>
+        <p:txBody>
+          <a:bodyPr/>
+          <a:lstStyle/>
+          <a:p>
+            <a:r>
+              <a:rPr lang="pt-BR" smtClean="0"/>
+              <a:t>16 de dezembro de 2013</a:t>
+            </a:r>
+            <a:endParaRPr lang="pt-BR"/>
+          </a:p>
+        </p:txBody>
+      </p:sp>
+      <p:sp>
+        <p:nvSpPr>
+          <p:cNvPr id="5" name="Espaço Reservado para Rodapé 4"/>
+          <p:cNvSpPr>
+            <a:spLocks noGrp="1"/>
+          </p:cNvSpPr>
+          <p:nvPr>
+            <p:ph type="ftr" sz="quarter" idx="11"/>
+          </p:nvPr>
+        </p:nvSpPr>
+        <p:spPr/>
+        <p:txBody>
+          <a:bodyPr/>
+          <a:lstStyle/>
+          <a:p>
+            <a:r>
+              <a:rPr lang="pt-BR" smtClean="0"/>
+              <a:t>Revisão Bibliográfica</a:t>
+            </a:r>
             <a:endParaRPr lang="pt-BR" dirty="0"/>
           </a:p>
         </p:txBody>
       </p:sp>
       <p:sp>
         <p:nvSpPr>
-          <p:cNvPr id="4" name="Espaço Reservado para Data 3"/>
-          <p:cNvSpPr>
-            <a:spLocks noGrp="1"/>
-          </p:cNvSpPr>
-          <p:nvPr>
-            <p:ph type="dt" sz="half" idx="10"/>
-          </p:nvPr>
-        </p:nvSpPr>
-        <p:spPr/>
-        <p:txBody>
-          <a:bodyPr/>
-          <a:lstStyle/>
-          <a:p>
-            <a:r>
-              <a:rPr lang="pt-BR" smtClean="0"/>
-              <a:t>16 de dezembro de 2013</a:t>
-            </a:r>
-            <a:endParaRPr lang="pt-BR"/>
-          </a:p>
-        </p:txBody>
-      </p:sp>
-      <p:sp>
-        <p:nvSpPr>
-          <p:cNvPr id="5" name="Espaço Reservado para Rodapé 4"/>
-          <p:cNvSpPr>
-            <a:spLocks noGrp="1"/>
-          </p:cNvSpPr>
-          <p:nvPr>
-            <p:ph type="ftr" sz="quarter" idx="11"/>
-          </p:nvPr>
-        </p:nvSpPr>
-        <p:spPr/>
-        <p:txBody>
-          <a:bodyPr/>
-          <a:lstStyle/>
-          <a:p>
-            <a:r>
-              <a:rPr lang="pt-BR" dirty="0"/>
-              <a:t>Revisão </a:t>
-            </a:r>
-            <a:r>
-              <a:rPr lang="pt-BR" dirty="0" smtClean="0"/>
-              <a:t>Bibliográfica</a:t>
-            </a:r>
-            <a:endParaRPr lang="pt-BR" dirty="0"/>
-          </a:p>
-        </p:txBody>
-      </p:sp>
-      <p:sp>
-        <p:nvSpPr>
           <p:cNvPr id="6" name="Espaço Reservado para Número de Slide 5"/>
           <p:cNvSpPr>
             <a:spLocks noGrp="1"/>
@@ -15933,16 +16770,47 @@
           <a:p>
             <a:fld id="{E15E65B2-3271-4EB1-B955-03EC741CF5EC}" type="slidenum">
               <a:rPr lang="pt-BR" smtClean="0"/>
+              <a:pPr/>
               <a:t>9</a:t>
             </a:fld>
             <a:endParaRPr lang="pt-BR"/>
           </a:p>
         </p:txBody>
       </p:sp>
+      <p:pic>
+        <p:nvPicPr>
+          <p:cNvPr id="12" name="Espaço Reservado para Conteúdo 9"/>
+          <p:cNvPicPr>
+            <a:picLocks noChangeAspect="1"/>
+          </p:cNvPicPr>
+          <p:nvPr/>
+        </p:nvPicPr>
+        <p:blipFill>
+          <a:blip r:embed="rId3">
+            <a:extLst>
+              <a:ext uri="{28A0092B-C50C-407E-A947-70E740481C1C}">
+                <a14:useLocalDpi xmlns:a14="http://schemas.microsoft.com/office/drawing/2010/main" val="0"/>
+              </a:ext>
+            </a:extLst>
+          </a:blip>
+          <a:stretch>
+            <a:fillRect/>
+          </a:stretch>
+        </p:blipFill>
+        <p:spPr>
+          <a:xfrm>
+            <a:off x="1141797" y="1600200"/>
+            <a:ext cx="6860406" cy="4525963"/>
+          </a:xfrm>
+          <a:prstGeom prst="rect">
+            <a:avLst/>
+          </a:prstGeom>
+        </p:spPr>
+      </p:pic>
     </p:spTree>
     <p:extLst>
       <p:ext uri="{BB962C8B-B14F-4D97-AF65-F5344CB8AC3E}">
-        <p14:creationId xmlns:p14="http://schemas.microsoft.com/office/powerpoint/2010/main" val="3384485857"/>
+        <p14:creationId xmlns:p14="http://schemas.microsoft.com/office/powerpoint/2010/main" val="422507069"/>
       </p:ext>
     </p:extLst>
   </p:cSld>

--- a/Apresentação/Estudo e Implementação de Reconfiguração Dinâmica.pptx
+++ b/Apresentação/Estudo e Implementação de Reconfiguração Dinâmica.pptx
@@ -27,8 +27,8 @@
     <p:sldId id="280" r:id="rId15"/>
     <p:sldId id="283" r:id="rId16"/>
     <p:sldId id="281" r:id="rId17"/>
-    <p:sldId id="260" r:id="rId18"/>
-    <p:sldId id="261" r:id="rId19"/>
+    <p:sldId id="261" r:id="rId18"/>
+    <p:sldId id="260" r:id="rId19"/>
     <p:sldId id="284" r:id="rId20"/>
     <p:sldId id="262" r:id="rId21"/>
     <p:sldId id="263" r:id="rId22"/>
@@ -40,8 +40,8 @@
     <p:sldId id="288" r:id="rId28"/>
     <p:sldId id="289" r:id="rId29"/>
     <p:sldId id="266" r:id="rId30"/>
-    <p:sldId id="267" r:id="rId31"/>
-    <p:sldId id="303" r:id="rId32"/>
+    <p:sldId id="303" r:id="rId31"/>
+    <p:sldId id="267" r:id="rId32"/>
     <p:sldId id="290" r:id="rId33"/>
     <p:sldId id="268" r:id="rId34"/>
     <p:sldId id="302" r:id="rId35"/>
@@ -191,8 +191,8 @@
         <p14:section name="Exp1" id="{44507A58-BA51-4172-B6A7-5CEEA16B79D2}">
           <p14:sldIdLst>
             <p14:sldId id="281"/>
+            <p14:sldId id="261"/>
             <p14:sldId id="260"/>
-            <p14:sldId id="261"/>
             <p14:sldId id="284"/>
           </p14:sldIdLst>
         </p14:section>
@@ -216,8 +216,8 @@
         <p14:section name="Exp4" id="{2177F082-25EC-4EFD-86B5-0F0767EF76BA}">
           <p14:sldIdLst>
             <p14:sldId id="266"/>
+            <p14:sldId id="303"/>
             <p14:sldId id="267"/>
-            <p14:sldId id="303"/>
             <p14:sldId id="290"/>
           </p14:sldIdLst>
         </p14:section>
@@ -1734,7 +1734,7 @@
     </p:spTree>
     <p:extLst>
       <p:ext uri="{BB962C8B-B14F-4D97-AF65-F5344CB8AC3E}">
-        <p14:creationId xmlns:p14="http://schemas.microsoft.com/office/powerpoint/2010/main" val="3991335175"/>
+        <p14:creationId xmlns:p14="http://schemas.microsoft.com/office/powerpoint/2010/main" val="2988841066"/>
       </p:ext>
     </p:extLst>
   </p:cSld>
@@ -1841,7 +1841,7 @@
     </p:spTree>
     <p:extLst>
       <p:ext uri="{BB962C8B-B14F-4D97-AF65-F5344CB8AC3E}">
-        <p14:creationId xmlns:p14="http://schemas.microsoft.com/office/powerpoint/2010/main" val="2988841066"/>
+        <p14:creationId xmlns:p14="http://schemas.microsoft.com/office/powerpoint/2010/main" val="3991335175"/>
       </p:ext>
     </p:extLst>
   </p:cSld>
@@ -3323,14 +3323,6 @@
           <a:bodyPr/>
           <a:lstStyle/>
           <a:p>
-            <a:r>
-              <a:rPr lang="pt-BR" dirty="0" smtClean="0"/>
-              <a:t>Nota-se o loop no estágio inicial.</a:t>
-            </a:r>
-            <a:r>
-              <a:rPr lang="pt-BR" baseline="0" dirty="0" smtClean="0"/>
-              <a:t> Apesar disso, tentou-se ignorar o requisito que liga a SDK ao ISE, mas isto gerou erros na definição do programa inicial.</a:t>
-            </a:r>
             <a:endParaRPr lang="pt-BR" dirty="0"/>
           </a:p>
         </p:txBody>
@@ -3360,12 +3352,12 @@
       </p:sp>
       <p:sp>
         <p:nvSpPr>
-          <p:cNvPr id="6" name="Espaço Reservado para Data 5"/>
-          <p:cNvSpPr>
-            <a:spLocks noGrp="1"/>
-          </p:cNvSpPr>
-          <p:nvPr>
-            <p:ph type="dt" idx="12"/>
+          <p:cNvPr id="5" name="Espaço Reservado para Data 4"/>
+          <p:cNvSpPr>
+            <a:spLocks noGrp="1"/>
+          </p:cNvSpPr>
+          <p:nvPr>
+            <p:ph type="dt" idx="11"/>
           </p:nvPr>
         </p:nvSpPr>
         <p:spPr/>
@@ -3384,7 +3376,7 @@
     </p:spTree>
     <p:extLst>
       <p:ext uri="{BB962C8B-B14F-4D97-AF65-F5344CB8AC3E}">
-        <p14:creationId xmlns:p14="http://schemas.microsoft.com/office/powerpoint/2010/main" val="2812235418"/>
+        <p14:creationId xmlns:p14="http://schemas.microsoft.com/office/powerpoint/2010/main" val="3038675783"/>
       </p:ext>
     </p:extLst>
   </p:cSld>
@@ -3438,6 +3430,14 @@
           <a:bodyPr/>
           <a:lstStyle/>
           <a:p>
+            <a:r>
+              <a:rPr lang="pt-BR" dirty="0" smtClean="0"/>
+              <a:t>Nota-se o loop no estágio inicial.</a:t>
+            </a:r>
+            <a:r>
+              <a:rPr lang="pt-BR" baseline="0" dirty="0" smtClean="0"/>
+              <a:t> Apesar disso, tentou-se ignorar o requisito que liga a SDK ao ISE, mas isto gerou erros na definição do programa inicial.</a:t>
+            </a:r>
             <a:endParaRPr lang="pt-BR" dirty="0"/>
           </a:p>
         </p:txBody>
@@ -3467,12 +3467,12 @@
       </p:sp>
       <p:sp>
         <p:nvSpPr>
-          <p:cNvPr id="5" name="Espaço Reservado para Data 4"/>
-          <p:cNvSpPr>
-            <a:spLocks noGrp="1"/>
-          </p:cNvSpPr>
-          <p:nvPr>
-            <p:ph type="dt" idx="11"/>
+          <p:cNvPr id="6" name="Espaço Reservado para Data 5"/>
+          <p:cNvSpPr>
+            <a:spLocks noGrp="1"/>
+          </p:cNvSpPr>
+          <p:nvPr>
+            <p:ph type="dt" idx="12"/>
           </p:nvPr>
         </p:nvSpPr>
         <p:spPr/>
@@ -3491,7 +3491,7 @@
     </p:spTree>
     <p:extLst>
       <p:ext uri="{BB962C8B-B14F-4D97-AF65-F5344CB8AC3E}">
-        <p14:creationId xmlns:p14="http://schemas.microsoft.com/office/powerpoint/2010/main" val="3038675783"/>
+        <p14:creationId xmlns:p14="http://schemas.microsoft.com/office/powerpoint/2010/main" val="2812235418"/>
       </p:ext>
     </p:extLst>
   </p:cSld>
@@ -10376,7 +10376,7 @@
       </p:grpSpPr>
       <p:sp>
         <p:nvSpPr>
-          <p:cNvPr id="14" name="Título 13"/>
+          <p:cNvPr id="2" name="Título 1"/>
           <p:cNvSpPr>
             <a:spLocks noGrp="1"/>
           </p:cNvSpPr>
@@ -10391,7 +10391,7 @@
           <a:p>
             <a:r>
               <a:rPr lang="pt-BR" dirty="0" smtClean="0"/>
-              <a:t>Fluxo de Projeto</a:t>
+              <a:t>Comportamento</a:t>
             </a:r>
             <a:endParaRPr lang="pt-BR" dirty="0"/>
           </a:p>
@@ -10399,16 +10399,16 @@
       </p:sp>
       <p:pic>
         <p:nvPicPr>
-          <p:cNvPr id="12" name="Espaço Reservado para Conteúdo 11"/>
+          <p:cNvPr id="7" name="Espaço Reservado para Conteúdo 6"/>
           <p:cNvPicPr>
             <a:picLocks noGrp="1" noChangeAspect="1"/>
           </p:cNvPicPr>
           <p:nvPr>
-            <p:ph sz="half" idx="1"/>
+            <p:ph idx="1"/>
           </p:nvPr>
         </p:nvPicPr>
         <p:blipFill>
-          <a:blip r:embed="rId3" cstate="print">
+          <a:blip r:embed="rId3">
             <a:extLst>
               <a:ext uri="{28A0092B-C50C-407E-A947-70E740481C1C}">
                 <a14:useLocalDpi xmlns:a14="http://schemas.microsoft.com/office/drawing/2010/main" val="0"/>
@@ -10421,40 +10421,11 @@
         </p:blipFill>
         <p:spPr>
           <a:xfrm>
-            <a:off x="457200" y="1844824"/>
-            <a:ext cx="8229600" cy="1837265"/>
+            <a:off x="2514600" y="2125980"/>
+            <a:ext cx="4114800" cy="2606040"/>
           </a:xfrm>
         </p:spPr>
       </p:pic>
-      <p:pic>
-        <p:nvPicPr>
-          <p:cNvPr id="13" name="Espaço Reservado para Conteúdo 12"/>
-          <p:cNvPicPr>
-            <a:picLocks noGrp="1" noChangeAspect="1"/>
-          </p:cNvPicPr>
-          <p:nvPr>
-            <p:ph sz="half" idx="2"/>
-          </p:nvPr>
-        </p:nvPicPr>
-        <p:blipFill>
-          <a:blip r:embed="rId4" cstate="print">
-            <a:extLst>
-              <a:ext uri="{28A0092B-C50C-407E-A947-70E740481C1C}">
-                <a14:useLocalDpi xmlns:a14="http://schemas.microsoft.com/office/drawing/2010/main" val="0"/>
-              </a:ext>
-            </a:extLst>
-          </a:blip>
-          <a:stretch>
-            <a:fillRect/>
-          </a:stretch>
-        </p:blipFill>
-        <p:spPr>
-          <a:xfrm>
-            <a:off x="457200" y="3969888"/>
-            <a:ext cx="8229600" cy="1835376"/>
-          </a:xfrm>
-        </p:spPr>
-      </p:pic>
       <p:sp>
         <p:nvSpPr>
           <p:cNvPr id="4" name="Espaço Reservado para Data 3"/>
@@ -10495,8 +10466,13 @@
           <a:p>
             <a:r>
               <a:rPr lang="pt-BR" dirty="0"/>
-              <a:t>Experimento 1</a:t>
-            </a:r>
+              <a:t>Experimento </a:t>
+            </a:r>
+            <a:r>
+              <a:rPr lang="pt-BR" dirty="0" smtClean="0"/>
+              <a:t>1</a:t>
+            </a:r>
+            <a:endParaRPr lang="pt-BR" dirty="0"/>
           </a:p>
         </p:txBody>
       </p:sp>
@@ -10526,7 +10502,7 @@
     </p:spTree>
     <p:extLst>
       <p:ext uri="{BB962C8B-B14F-4D97-AF65-F5344CB8AC3E}">
-        <p14:creationId xmlns:p14="http://schemas.microsoft.com/office/powerpoint/2010/main" val="2541514933"/>
+        <p14:creationId xmlns:p14="http://schemas.microsoft.com/office/powerpoint/2010/main" val="1010192082"/>
       </p:ext>
     </p:extLst>
   </p:cSld>
@@ -10562,7 +10538,7 @@
       </p:grpSpPr>
       <p:sp>
         <p:nvSpPr>
-          <p:cNvPr id="2" name="Título 1"/>
+          <p:cNvPr id="14" name="Título 13"/>
           <p:cNvSpPr>
             <a:spLocks noGrp="1"/>
           </p:cNvSpPr>
@@ -10577,7 +10553,7 @@
           <a:p>
             <a:r>
               <a:rPr lang="pt-BR" dirty="0" smtClean="0"/>
-              <a:t>Comportamento</a:t>
+              <a:t>Fluxo de Projeto</a:t>
             </a:r>
             <a:endParaRPr lang="pt-BR" dirty="0"/>
           </a:p>
@@ -10585,16 +10561,16 @@
       </p:sp>
       <p:pic>
         <p:nvPicPr>
-          <p:cNvPr id="7" name="Espaço Reservado para Conteúdo 6"/>
+          <p:cNvPr id="12" name="Espaço Reservado para Conteúdo 11"/>
           <p:cNvPicPr>
             <a:picLocks noGrp="1" noChangeAspect="1"/>
           </p:cNvPicPr>
           <p:nvPr>
-            <p:ph idx="1"/>
+            <p:ph sz="half" idx="1"/>
           </p:nvPr>
         </p:nvPicPr>
         <p:blipFill>
-          <a:blip r:embed="rId3">
+          <a:blip r:embed="rId3" cstate="print">
             <a:extLst>
               <a:ext uri="{28A0092B-C50C-407E-A947-70E740481C1C}">
                 <a14:useLocalDpi xmlns:a14="http://schemas.microsoft.com/office/drawing/2010/main" val="0"/>
@@ -10607,11 +10583,40 @@
         </p:blipFill>
         <p:spPr>
           <a:xfrm>
-            <a:off x="2514600" y="2125980"/>
-            <a:ext cx="4114800" cy="2606040"/>
+            <a:off x="457200" y="1844824"/>
+            <a:ext cx="8229600" cy="1837265"/>
           </a:xfrm>
         </p:spPr>
       </p:pic>
+      <p:pic>
+        <p:nvPicPr>
+          <p:cNvPr id="13" name="Espaço Reservado para Conteúdo 12"/>
+          <p:cNvPicPr>
+            <a:picLocks noGrp="1" noChangeAspect="1"/>
+          </p:cNvPicPr>
+          <p:nvPr>
+            <p:ph sz="half" idx="2"/>
+          </p:nvPr>
+        </p:nvPicPr>
+        <p:blipFill>
+          <a:blip r:embed="rId4" cstate="print">
+            <a:extLst>
+              <a:ext uri="{28A0092B-C50C-407E-A947-70E740481C1C}">
+                <a14:useLocalDpi xmlns:a14="http://schemas.microsoft.com/office/drawing/2010/main" val="0"/>
+              </a:ext>
+            </a:extLst>
+          </a:blip>
+          <a:stretch>
+            <a:fillRect/>
+          </a:stretch>
+        </p:blipFill>
+        <p:spPr>
+          <a:xfrm>
+            <a:off x="457200" y="3969888"/>
+            <a:ext cx="8229600" cy="1835376"/>
+          </a:xfrm>
+        </p:spPr>
+      </p:pic>
       <p:sp>
         <p:nvSpPr>
           <p:cNvPr id="4" name="Espaço Reservado para Data 3"/>
@@ -10652,13 +10657,8 @@
           <a:p>
             <a:r>
               <a:rPr lang="pt-BR" dirty="0"/>
-              <a:t>Experimento </a:t>
-            </a:r>
-            <a:r>
-              <a:rPr lang="pt-BR" dirty="0" smtClean="0"/>
-              <a:t>1</a:t>
-            </a:r>
-            <a:endParaRPr lang="pt-BR" dirty="0"/>
+              <a:t>Experimento 1</a:t>
+            </a:r>
           </a:p>
         </p:txBody>
       </p:sp>
@@ -10688,7 +10688,7 @@
     </p:spTree>
     <p:extLst>
       <p:ext uri="{BB962C8B-B14F-4D97-AF65-F5344CB8AC3E}">
-        <p14:creationId xmlns:p14="http://schemas.microsoft.com/office/powerpoint/2010/main" val="1010192082"/>
+        <p14:creationId xmlns:p14="http://schemas.microsoft.com/office/powerpoint/2010/main" val="2541514933"/>
       </p:ext>
     </p:extLst>
   </p:cSld>
@@ -13761,20 +13761,61 @@
           <a:p>
             <a:r>
               <a:rPr lang="pt-BR" dirty="0" smtClean="0"/>
-              <a:t>Fluxo de Projeto</a:t>
-            </a:r>
+              <a:t>ICAP</a:t>
+            </a:r>
+            <a:endParaRPr lang="pt-BR" dirty="0"/>
+          </a:p>
+        </p:txBody>
+      </p:sp>
+      <p:sp>
+        <p:nvSpPr>
+          <p:cNvPr id="3" name="Espaço Reservado para Conteúdo 2"/>
+          <p:cNvSpPr>
+            <a:spLocks noGrp="1"/>
+          </p:cNvSpPr>
+          <p:nvPr>
+            <p:ph sz="half" idx="1"/>
+          </p:nvPr>
+        </p:nvSpPr>
+        <p:spPr>
+          <a:xfrm>
+            <a:off x="457200" y="1600200"/>
+            <a:ext cx="4762872" cy="4525963"/>
+          </a:xfrm>
+        </p:spPr>
+        <p:txBody>
+          <a:bodyPr/>
+          <a:lstStyle/>
+          <a:p>
+            <a:r>
+              <a:rPr lang="pt-BR" dirty="0" smtClean="0"/>
+              <a:t>Pouquíssima documentação</a:t>
+            </a:r>
+          </a:p>
+          <a:p>
+            <a:r>
+              <a:rPr lang="pt-BR" dirty="0" smtClean="0"/>
+              <a:t>Similar a </a:t>
+            </a:r>
+            <a:r>
+              <a:rPr lang="pt-BR" i="1" dirty="0" err="1" smtClean="0"/>
+              <a:t>SelectMAP</a:t>
+            </a:r>
+            <a:endParaRPr lang="pt-BR" i="1" dirty="0" smtClean="0"/>
+          </a:p>
+          <a:p>
             <a:endParaRPr lang="pt-BR" dirty="0"/>
           </a:p>
         </p:txBody>
       </p:sp>
       <p:pic>
         <p:nvPicPr>
-          <p:cNvPr id="7" name="Espaço Reservado para Conteúdo 6"/>
+          <p:cNvPr id="8" name="Espaço Reservado para Conteúdo 7"/>
           <p:cNvPicPr>
             <a:picLocks noGrp="1" noChangeAspect="1"/>
           </p:cNvPicPr>
           <p:nvPr>
-            <p:ph idx="1"/>
+            <p:ph sz="half" idx="2"/>
           </p:nvPr>
         </p:nvPicPr>
         <p:blipFill>
@@ -13791,14 +13832,14 @@
         </p:blipFill>
         <p:spPr>
           <a:xfrm>
-            <a:off x="457200" y="2945951"/>
-            <a:ext cx="8229600" cy="1834461"/>
+            <a:off x="2850095" y="3284984"/>
+            <a:ext cx="3443810" cy="1577143"/>
           </a:xfrm>
         </p:spPr>
       </p:pic>
       <p:sp>
         <p:nvSpPr>
-          <p:cNvPr id="4" name="Espaço Reservado para Data 3"/>
+          <p:cNvPr id="5" name="Espaço Reservado para Data 4"/>
           <p:cNvSpPr>
             <a:spLocks noGrp="1"/>
           </p:cNvSpPr>
@@ -13821,7 +13862,7 @@
       </p:sp>
       <p:sp>
         <p:nvSpPr>
-          <p:cNvPr id="5" name="Espaço Reservado para Rodapé 4"/>
+          <p:cNvPr id="6" name="Espaço Reservado para Rodapé 5"/>
           <p:cNvSpPr>
             <a:spLocks noGrp="1"/>
           </p:cNvSpPr>
@@ -13844,7 +13885,7 @@
       </p:sp>
       <p:sp>
         <p:nvSpPr>
-          <p:cNvPr id="6" name="Espaço Reservado para Número de Slide 5"/>
+          <p:cNvPr id="7" name="Espaço Reservado para Número de Slide 6"/>
           <p:cNvSpPr>
             <a:spLocks noGrp="1"/>
           </p:cNvSpPr>
@@ -13868,7 +13909,7 @@
     </p:spTree>
     <p:extLst>
       <p:ext uri="{BB962C8B-B14F-4D97-AF65-F5344CB8AC3E}">
-        <p14:creationId xmlns:p14="http://schemas.microsoft.com/office/powerpoint/2010/main" val="1178305631"/>
+        <p14:creationId xmlns:p14="http://schemas.microsoft.com/office/powerpoint/2010/main" val="2966039538"/>
       </p:ext>
     </p:extLst>
   </p:cSld>
@@ -13919,61 +13960,20 @@
           <a:p>
             <a:r>
               <a:rPr lang="pt-BR" dirty="0" smtClean="0"/>
-              <a:t>ICAP</a:t>
-            </a:r>
-            <a:endParaRPr lang="pt-BR" dirty="0"/>
-          </a:p>
-        </p:txBody>
-      </p:sp>
-      <p:sp>
-        <p:nvSpPr>
-          <p:cNvPr id="3" name="Espaço Reservado para Conteúdo 2"/>
-          <p:cNvSpPr>
-            <a:spLocks noGrp="1"/>
-          </p:cNvSpPr>
-          <p:nvPr>
-            <p:ph sz="half" idx="1"/>
-          </p:nvPr>
-        </p:nvSpPr>
-        <p:spPr>
-          <a:xfrm>
-            <a:off x="457200" y="1600200"/>
-            <a:ext cx="4762872" cy="4525963"/>
-          </a:xfrm>
-        </p:spPr>
-        <p:txBody>
-          <a:bodyPr/>
-          <a:lstStyle/>
-          <a:p>
-            <a:r>
-              <a:rPr lang="pt-BR" dirty="0" smtClean="0"/>
-              <a:t>Pouquíssima documentação</a:t>
-            </a:r>
-          </a:p>
-          <a:p>
-            <a:r>
-              <a:rPr lang="pt-BR" dirty="0" smtClean="0"/>
-              <a:t>Similar a </a:t>
-            </a:r>
-            <a:r>
-              <a:rPr lang="pt-BR" i="1" dirty="0" err="1" smtClean="0"/>
-              <a:t>SelectMAP</a:t>
-            </a:r>
-            <a:endParaRPr lang="pt-BR" i="1" dirty="0" smtClean="0"/>
-          </a:p>
-          <a:p>
+              <a:t>Fluxo de Projeto</a:t>
+            </a:r>
             <a:endParaRPr lang="pt-BR" dirty="0"/>
           </a:p>
         </p:txBody>
       </p:sp>
       <p:pic>
         <p:nvPicPr>
-          <p:cNvPr id="8" name="Espaço Reservado para Conteúdo 7"/>
+          <p:cNvPr id="7" name="Espaço Reservado para Conteúdo 6"/>
           <p:cNvPicPr>
             <a:picLocks noGrp="1" noChangeAspect="1"/>
           </p:cNvPicPr>
           <p:nvPr>
-            <p:ph sz="half" idx="2"/>
+            <p:ph idx="1"/>
           </p:nvPr>
         </p:nvPicPr>
         <p:blipFill>
@@ -13990,14 +13990,14 @@
         </p:blipFill>
         <p:spPr>
           <a:xfrm>
-            <a:off x="2850095" y="3284984"/>
-            <a:ext cx="3443810" cy="1577143"/>
+            <a:off x="457200" y="2945951"/>
+            <a:ext cx="8229600" cy="1834461"/>
           </a:xfrm>
         </p:spPr>
       </p:pic>
       <p:sp>
         <p:nvSpPr>
-          <p:cNvPr id="5" name="Espaço Reservado para Data 4"/>
+          <p:cNvPr id="4" name="Espaço Reservado para Data 3"/>
           <p:cNvSpPr>
             <a:spLocks noGrp="1"/>
           </p:cNvSpPr>
@@ -14020,7 +14020,7 @@
       </p:sp>
       <p:sp>
         <p:nvSpPr>
-          <p:cNvPr id="6" name="Espaço Reservado para Rodapé 5"/>
+          <p:cNvPr id="5" name="Espaço Reservado para Rodapé 4"/>
           <p:cNvSpPr>
             <a:spLocks noGrp="1"/>
           </p:cNvSpPr>
@@ -14035,7 +14035,7 @@
           <a:p>
             <a:r>
               <a:rPr lang="pt-BR" dirty="0" smtClean="0"/>
-              <a:t>Experimentos</a:t>
+              <a:t>Experimento 4</a:t>
             </a:r>
             <a:endParaRPr lang="pt-BR" dirty="0"/>
           </a:p>
@@ -14043,7 +14043,7 @@
       </p:sp>
       <p:sp>
         <p:nvSpPr>
-          <p:cNvPr id="7" name="Espaço Reservado para Número de Slide 6"/>
+          <p:cNvPr id="6" name="Espaço Reservado para Número de Slide 5"/>
           <p:cNvSpPr>
             <a:spLocks noGrp="1"/>
           </p:cNvSpPr>
@@ -14067,7 +14067,7 @@
     </p:spTree>
     <p:extLst>
       <p:ext uri="{BB962C8B-B14F-4D97-AF65-F5344CB8AC3E}">
-        <p14:creationId xmlns:p14="http://schemas.microsoft.com/office/powerpoint/2010/main" val="2966039538"/>
+        <p14:creationId xmlns:p14="http://schemas.microsoft.com/office/powerpoint/2010/main" val="1178305631"/>
       </p:ext>
     </p:extLst>
   </p:cSld>
@@ -15152,27 +15152,20 @@
         </p:nvSpPr>
         <p:spPr/>
         <p:txBody>
-          <a:bodyPr/>
-          <a:lstStyle/>
-          <a:p>
+          <a:bodyPr>
+            <a:normAutofit/>
+          </a:bodyPr>
+          <a:lstStyle/>
+          <a:p>
+            <a:r>
+              <a:rPr lang="pt-BR" dirty="0"/>
+              <a:t>Falta de </a:t>
+            </a:r>
             <a:r>
               <a:rPr lang="pt-BR" dirty="0" smtClean="0"/>
-              <a:t>Análise de </a:t>
-            </a:r>
-            <a:r>
-              <a:rPr lang="pt-BR" i="1" dirty="0"/>
-              <a:t>t</a:t>
-            </a:r>
-            <a:r>
-              <a:rPr lang="pt-BR" i="1" dirty="0" smtClean="0"/>
-              <a:t>iming</a:t>
-            </a:r>
-          </a:p>
-          <a:p>
-            <a:r>
-              <a:rPr lang="pt-BR" dirty="0" smtClean="0"/>
-              <a:t>Quantidade de recursos</a:t>
-            </a:r>
+              <a:t>documentação</a:t>
+            </a:r>
+            <a:endParaRPr lang="pt-BR" dirty="0" smtClean="0"/>
           </a:p>
           <a:p>
             <a:r>
@@ -15204,14 +15197,33 @@
           <a:p>
             <a:r>
               <a:rPr lang="pt-BR" dirty="0" smtClean="0"/>
-              <a:t>Tamanho da memória local do MicroBlaze</a:t>
-            </a:r>
-          </a:p>
-          <a:p>
-            <a:r>
-              <a:rPr lang="pt-BR" dirty="0" smtClean="0"/>
-              <a:t>Falta de documentação</a:t>
-            </a:r>
+              <a:t>Tamanho da memória local do </a:t>
+            </a:r>
+            <a:r>
+              <a:rPr lang="pt-BR" dirty="0" err="1" smtClean="0"/>
+              <a:t>MicroBlaze</a:t>
+            </a:r>
+            <a:endParaRPr lang="pt-BR" dirty="0" smtClean="0"/>
+          </a:p>
+          <a:p>
+            <a:r>
+              <a:rPr lang="pt-BR" dirty="0"/>
+              <a:t>Análise de </a:t>
+            </a:r>
+            <a:r>
+              <a:rPr lang="pt-BR" i="1" dirty="0"/>
+              <a:t>timing</a:t>
+            </a:r>
+          </a:p>
+          <a:p>
+            <a:r>
+              <a:rPr lang="pt-BR" dirty="0"/>
+              <a:t>Quantidade de recursos</a:t>
+            </a:r>
+            <a:endParaRPr lang="pt-BR" dirty="0" smtClean="0"/>
+          </a:p>
+          <a:p>
+            <a:endParaRPr lang="pt-BR" dirty="0" smtClean="0"/>
           </a:p>
           <a:p>
             <a:endParaRPr lang="pt-BR" dirty="0"/>

--- a/Apresentação/Estudo e Implementação de Reconfiguração Dinâmica.pptx
+++ b/Apresentação/Estudo e Implementação de Reconfiguração Dinâmica.pptx
@@ -8462,8 +8462,8 @@
           <a:lstStyle/>
           <a:p>
             <a:r>
-              <a:rPr lang="pt-BR" dirty="0" smtClean="0"/>
-              <a:t>Introdução</a:t>
+              <a:rPr lang="pt-BR" dirty="0"/>
+              <a:t>Revisão Bibliográfica</a:t>
             </a:r>
             <a:endParaRPr lang="pt-BR" dirty="0"/>
           </a:p>
@@ -13383,7 +13383,10 @@
           <a:bodyPr/>
           <a:lstStyle/>
           <a:p>
-            <a:endParaRPr lang="pt-BR"/>
+            <a:r>
+              <a:rPr lang="pt-BR" dirty="0" smtClean="0"/>
+              <a:t>Experimento 3</a:t>
+            </a:r>
           </a:p>
         </p:txBody>
       </p:sp>
@@ -13676,10 +13679,6 @@
           <a:bodyPr/>
           <a:lstStyle/>
           <a:p>
-            <a:r>
-              <a:rPr lang="pt-BR" dirty="0" smtClean="0"/>
-              <a:t>Introdução</a:t>
-            </a:r>
             <a:endParaRPr lang="pt-BR" dirty="0"/>
           </a:p>
         </p:txBody>
@@ -15947,7 +15946,7 @@
           <a:bodyPr/>
           <a:lstStyle/>
           <a:p>
-            <a:endParaRPr lang="pt-BR"/>
+            <a:endParaRPr lang="pt-BR" dirty="0"/>
           </a:p>
         </p:txBody>
       </p:sp>
@@ -15984,6 +15983,13 @@
   <p:clrMapOvr>
     <a:masterClrMapping/>
   </p:clrMapOvr>
+  <p:timing>
+    <p:tnLst>
+      <p:par>
+        <p:cTn id="1" dur="indefinite" restart="never" nodeType="tmRoot"/>
+      </p:par>
+    </p:tnLst>
+  </p:timing>
 </p:sld>
 </file>
 
@@ -16758,7 +16764,7 @@
           <a:lstStyle/>
           <a:p>
             <a:r>
-              <a:rPr lang="pt-BR" smtClean="0"/>
+              <a:rPr lang="pt-BR" dirty="0" smtClean="0"/>
               <a:t>Revisão Bibliográfica</a:t>
             </a:r>
             <a:endParaRPr lang="pt-BR" dirty="0"/>

--- a/Apresentação/Estudo e Implementação de Reconfiguração Dinâmica.pptx
+++ b/Apresentação/Estudo e Implementação de Reconfiguração Dinâmica.pptx
@@ -2887,7 +2887,7 @@
           <a:bodyPr/>
           <a:lstStyle/>
           <a:p>
-            <a:endParaRPr lang="pt-BR"/>
+            <a:endParaRPr lang="pt-BR" dirty="0"/>
           </a:p>
         </p:txBody>
       </p:sp>
@@ -8266,19 +8266,7 @@
           <a:p>
             <a:r>
               <a:rPr lang="pt-BR" sz="3600" dirty="0" smtClean="0"/>
-              <a:t>Estudo </a:t>
-            </a:r>
-            <a:r>
-              <a:rPr lang="pt-BR" sz="3600" dirty="0" smtClean="0"/>
-              <a:t>para</a:t>
-            </a:r>
-            <a:r>
-              <a:rPr lang="pt-BR" sz="3600" dirty="0" smtClean="0"/>
-              <a:t> Implementação de </a:t>
-            </a:r>
-            <a:r>
-              <a:rPr lang="pt-BR" sz="3600" dirty="0" smtClean="0"/>
-              <a:t>Reconfiguração Dinâmica em Instrumentação, Automação e Controle</a:t>
+              <a:t>Estudo para Implementação de Reconfiguração Dinâmica em Instrumentação, Automação e Controle</a:t>
             </a:r>
             <a:endParaRPr lang="pt-BR" sz="3600" dirty="0"/>
           </a:p>
@@ -8465,7 +8453,6 @@
               <a:rPr lang="pt-BR" dirty="0"/>
               <a:t>Revisão Bibliográfica</a:t>
             </a:r>
-            <a:endParaRPr lang="pt-BR" dirty="0"/>
           </a:p>
         </p:txBody>
       </p:sp>
@@ -9439,11 +9426,11 @@
   <p:clrMapOvr>
     <a:masterClrMapping/>
   </p:clrMapOvr>
-  <mc:AlternateContent xmlns:mc="http://schemas.openxmlformats.org/markup-compatibility/2006">
-    <mc:Choice xmlns:p14="http://schemas.microsoft.com/office/powerpoint/2010/main" Requires="p14">
+  <mc:AlternateContent xmlns:mc="http://schemas.openxmlformats.org/markup-compatibility/2006" xmlns:p14="http://schemas.microsoft.com/office/powerpoint/2010/main">
+    <mc:Choice Requires="p14">
       <p:transition p14:dur="10"/>
     </mc:Choice>
-    <mc:Fallback>
+    <mc:Fallback xmlns="">
       <p:transition/>
     </mc:Fallback>
   </mc:AlternateContent>
@@ -13081,12 +13068,25 @@
         </p:nvSpPr>
         <p:spPr/>
         <p:txBody>
-          <a:bodyPr/>
+          <a:bodyPr>
+            <a:normAutofit fontScale="90000"/>
+          </a:bodyPr>
           <a:lstStyle/>
           <a:p>
             <a:r>
               <a:rPr lang="pt-BR" dirty="0" smtClean="0"/>
-              <a:t>Inicialização da Memória</a:t>
+              <a:t>Inicialização da </a:t>
+            </a:r>
+            <a:r>
+              <a:rPr lang="pt-BR" dirty="0" smtClean="0"/>
+              <a:t>Memória</a:t>
+            </a:r>
+            <a:br>
+              <a:rPr lang="pt-BR" dirty="0" smtClean="0"/>
+            </a:br>
+            <a:r>
+              <a:rPr lang="pt-BR" dirty="0" smtClean="0"/>
+              <a:t>e Programa Embarcado</a:t>
             </a:r>
             <a:endParaRPr lang="pt-BR" dirty="0"/>
           </a:p>
@@ -13102,7 +13102,12 @@
             <p:ph sz="half" idx="1"/>
           </p:nvPr>
         </p:nvSpPr>
-        <p:spPr/>
+        <p:spPr>
+          <a:xfrm>
+            <a:off x="457200" y="1600200"/>
+            <a:ext cx="8219256" cy="4525963"/>
+          </a:xfrm>
+        </p:spPr>
         <p:txBody>
           <a:bodyPr/>
           <a:lstStyle/>
@@ -13114,9 +13119,21 @@
           </a:p>
           <a:p>
             <a:r>
+              <a:rPr lang="pt-BR" dirty="0" err="1" smtClean="0"/>
+              <a:t>PlanAhead</a:t>
+            </a:r>
+            <a:endParaRPr lang="pt-BR" dirty="0" smtClean="0"/>
+          </a:p>
+          <a:p>
+            <a:r>
               <a:rPr lang="pt-BR" dirty="0" smtClean="0"/>
-              <a:t>data2mem</a:t>
-            </a:r>
+              <a:t>SDK e d</a:t>
+            </a:r>
+            <a:r>
+              <a:rPr lang="pt-BR" dirty="0" smtClean="0"/>
+              <a:t>ata2mem</a:t>
+            </a:r>
+            <a:endParaRPr lang="pt-BR" dirty="0" smtClean="0"/>
           </a:p>
           <a:p>
             <a:r>
@@ -14784,11 +14801,7 @@
             </a:pPr>
             <a:r>
               <a:rPr lang="pt-BR" dirty="0" smtClean="0"/>
-              <a:t>Experimento bem </a:t>
-            </a:r>
-            <a:r>
-              <a:rPr lang="pt-BR" dirty="0" smtClean="0"/>
-              <a:t>sucedido</a:t>
+              <a:t>Experimento bem sucedido</a:t>
             </a:r>
           </a:p>
           <a:p>
@@ -15164,7 +15177,6 @@
               <a:rPr lang="pt-BR" dirty="0" smtClean="0"/>
               <a:t>documentação</a:t>
             </a:r>
-            <a:endParaRPr lang="pt-BR" dirty="0" smtClean="0"/>
           </a:p>
           <a:p>
             <a:r>
@@ -15175,15 +15187,7 @@
           <a:p>
             <a:r>
               <a:rPr lang="pt-BR" dirty="0" smtClean="0"/>
-              <a:t>Configurações/Propriedades </a:t>
-            </a:r>
-            <a:r>
-              <a:rPr lang="pt-BR" dirty="0" smtClean="0"/>
-              <a:t>da </a:t>
-            </a:r>
-            <a:r>
-              <a:rPr lang="pt-BR" dirty="0" smtClean="0"/>
-              <a:t>partição</a:t>
+              <a:t>Configurações/Propriedades da partição</a:t>
             </a:r>
           </a:p>
           <a:p>
@@ -15191,7 +15195,6 @@
               <a:rPr lang="pt-BR" dirty="0" smtClean="0"/>
               <a:t>Inversão de bits</a:t>
             </a:r>
-            <a:endParaRPr lang="pt-BR" dirty="0" smtClean="0"/>
           </a:p>
           <a:p>
             <a:r>

--- a/Apresentação/Estudo e Implementação de Reconfiguração Dinâmica.pptx
+++ b/Apresentação/Estudo e Implementação de Reconfiguração Dinâmica.pptx
@@ -8592,8 +8592,13 @@
             <a:pPr lvl="1"/>
             <a:r>
               <a:rPr lang="pt-BR" sz="2200" dirty="0" smtClean="0"/>
-              <a:t>Estática: sistema desligado</a:t>
-            </a:r>
+              <a:t>Estática: sistema </a:t>
+            </a:r>
+            <a:r>
+              <a:rPr lang="pt-BR" sz="2200" dirty="0" smtClean="0"/>
+              <a:t>desabilitado</a:t>
+            </a:r>
+            <a:endParaRPr lang="pt-BR" sz="2200" dirty="0" smtClean="0"/>
           </a:p>
           <a:p>
             <a:pPr lvl="1"/>
@@ -13075,11 +13080,7 @@
           <a:p>
             <a:r>
               <a:rPr lang="pt-BR" dirty="0" smtClean="0"/>
-              <a:t>Inicialização da </a:t>
-            </a:r>
-            <a:r>
-              <a:rPr lang="pt-BR" dirty="0" smtClean="0"/>
-              <a:t>Memória</a:t>
+              <a:t>Inicialização da Memória</a:t>
             </a:r>
             <a:br>
               <a:rPr lang="pt-BR" dirty="0" smtClean="0"/>
@@ -13127,13 +13128,8 @@
           <a:p>
             <a:r>
               <a:rPr lang="pt-BR" dirty="0" smtClean="0"/>
-              <a:t>SDK e d</a:t>
-            </a:r>
-            <a:r>
-              <a:rPr lang="pt-BR" dirty="0" smtClean="0"/>
-              <a:t>ata2mem</a:t>
-            </a:r>
-            <a:endParaRPr lang="pt-BR" dirty="0" smtClean="0"/>
+              <a:t>SDK e data2mem</a:t>
+            </a:r>
           </a:p>
           <a:p>
             <a:r>
